--- a/Documentation/Presentation/Project_Presentation_v2.pptx
+++ b/Documentation/Presentation/Project_Presentation_v2.pptx
@@ -5,7 +5,7 @@
     <p:sldMasterId id="2147483648" r:id="rId1"/>
   </p:sldMasterIdLst>
   <p:notesMasterIdLst>
-    <p:notesMasterId r:id="rId25"/>
+    <p:notesMasterId r:id="rId35"/>
   </p:notesMasterIdLst>
   <p:sldIdLst>
     <p:sldId id="257" r:id="rId2"/>
@@ -30,7 +30,17 @@
     <p:sldId id="273" r:id="rId21"/>
     <p:sldId id="277" r:id="rId22"/>
     <p:sldId id="280" r:id="rId23"/>
-    <p:sldId id="279" r:id="rId24"/>
+    <p:sldId id="281" r:id="rId24"/>
+    <p:sldId id="282" r:id="rId25"/>
+    <p:sldId id="283" r:id="rId26"/>
+    <p:sldId id="284" r:id="rId27"/>
+    <p:sldId id="285" r:id="rId28"/>
+    <p:sldId id="286" r:id="rId29"/>
+    <p:sldId id="287" r:id="rId30"/>
+    <p:sldId id="288" r:id="rId31"/>
+    <p:sldId id="289" r:id="rId32"/>
+    <p:sldId id="290" r:id="rId33"/>
+    <p:sldId id="279" r:id="rId34"/>
   </p:sldIdLst>
   <p:sldSz cx="12192000" cy="6858000"/>
   <p:notesSz cx="6858000" cy="9144000"/>
@@ -219,7 +229,7 @@
           <a:p>
             <a:fld id="{A24D267D-A5E8-45DB-ADB4-1A72CFD9B7CE}" type="datetimeFigureOut">
               <a:rPr lang="en-US" smtClean="0"/>
-              <a:t>5/12/2020</a:t>
+              <a:t>5/13/2020</a:t>
             </a:fld>
             <a:endParaRPr lang="en-US"/>
           </a:p>
@@ -601,6 +611,11 @@
         </p:spPr>
       </p:sp>
     </p:spTree>
+    <p:extLst>
+      <p:ext uri="{BB962C8B-B14F-4D97-AF65-F5344CB8AC3E}">
+        <p14:creationId xmlns:p14="http://schemas.microsoft.com/office/powerpoint/2010/main" val="1071163414"/>
+      </p:ext>
+    </p:extLst>
   </p:cSld>
   <p:clrMapOvr>
     <a:masterClrMapping/>
@@ -630,7 +645,7 @@
           <p:cNvPr id="2" name="Title 1">
             <a:extLst>
               <a:ext uri="{FF2B5EF4-FFF2-40B4-BE49-F238E27FC236}">
-                <a16:creationId xmlns:a16="http://schemas.microsoft.com/office/drawing/2014/main" id="{284A2123-CC2A-4A04-B09A-EE3B4F32500D}"/>
+                <a16:creationId xmlns:a16="http://schemas.microsoft.com/office/drawing/2014/main" xmlns="" id="{284A2123-CC2A-4A04-B09A-EE3B4F32500D}"/>
               </a:ext>
             </a:extLst>
           </p:cNvPr>
@@ -667,7 +682,7 @@
           <p:cNvPr id="3" name="Subtitle 2">
             <a:extLst>
               <a:ext uri="{FF2B5EF4-FFF2-40B4-BE49-F238E27FC236}">
-                <a16:creationId xmlns:a16="http://schemas.microsoft.com/office/drawing/2014/main" id="{1B146465-F3E4-438E-849D-5F8180A6DEC8}"/>
+                <a16:creationId xmlns:a16="http://schemas.microsoft.com/office/drawing/2014/main" xmlns="" id="{1B146465-F3E4-438E-849D-5F8180A6DEC8}"/>
               </a:ext>
             </a:extLst>
           </p:cNvPr>
@@ -737,7 +752,7 @@
           <p:cNvPr id="4" name="Date Placeholder 3">
             <a:extLst>
               <a:ext uri="{FF2B5EF4-FFF2-40B4-BE49-F238E27FC236}">
-                <a16:creationId xmlns:a16="http://schemas.microsoft.com/office/drawing/2014/main" id="{8F118AA2-D399-4407-9F7B-6B682181DD8C}"/>
+                <a16:creationId xmlns:a16="http://schemas.microsoft.com/office/drawing/2014/main" xmlns="" id="{8F118AA2-D399-4407-9F7B-6B682181DD8C}"/>
               </a:ext>
             </a:extLst>
           </p:cNvPr>
@@ -755,7 +770,7 @@
           <a:p>
             <a:fld id="{17C4C4AE-CFD8-4AF2-A6E6-1D1ADC40C52A}" type="datetimeFigureOut">
               <a:rPr lang="en-US" smtClean="0"/>
-              <a:t>5/12/2020</a:t>
+              <a:t>5/13/2020</a:t>
             </a:fld>
             <a:endParaRPr lang="en-US"/>
           </a:p>
@@ -766,7 +781,7 @@
           <p:cNvPr id="5" name="Footer Placeholder 4">
             <a:extLst>
               <a:ext uri="{FF2B5EF4-FFF2-40B4-BE49-F238E27FC236}">
-                <a16:creationId xmlns:a16="http://schemas.microsoft.com/office/drawing/2014/main" id="{B1360D42-289D-427C-9581-D5FFA79CC734}"/>
+                <a16:creationId xmlns:a16="http://schemas.microsoft.com/office/drawing/2014/main" xmlns="" id="{B1360D42-289D-427C-9581-D5FFA79CC734}"/>
               </a:ext>
             </a:extLst>
           </p:cNvPr>
@@ -791,7 +806,7 @@
           <p:cNvPr id="6" name="Slide Number Placeholder 5">
             <a:extLst>
               <a:ext uri="{FF2B5EF4-FFF2-40B4-BE49-F238E27FC236}">
-                <a16:creationId xmlns:a16="http://schemas.microsoft.com/office/drawing/2014/main" id="{48F93999-98E7-41AF-8A7A-BDCF167C9E5F}"/>
+                <a16:creationId xmlns:a16="http://schemas.microsoft.com/office/drawing/2014/main" xmlns="" id="{48F93999-98E7-41AF-8A7A-BDCF167C9E5F}"/>
               </a:ext>
             </a:extLst>
           </p:cNvPr>
@@ -850,7 +865,7 @@
           <p:cNvPr id="2" name="Title 1">
             <a:extLst>
               <a:ext uri="{FF2B5EF4-FFF2-40B4-BE49-F238E27FC236}">
-                <a16:creationId xmlns:a16="http://schemas.microsoft.com/office/drawing/2014/main" id="{6FCA43C3-1AFE-4306-9FFD-B9E392E6495B}"/>
+                <a16:creationId xmlns:a16="http://schemas.microsoft.com/office/drawing/2014/main" xmlns="" id="{6FCA43C3-1AFE-4306-9FFD-B9E392E6495B}"/>
               </a:ext>
             </a:extLst>
           </p:cNvPr>
@@ -878,7 +893,7 @@
           <p:cNvPr id="3" name="Vertical Text Placeholder 2">
             <a:extLst>
               <a:ext uri="{FF2B5EF4-FFF2-40B4-BE49-F238E27FC236}">
-                <a16:creationId xmlns:a16="http://schemas.microsoft.com/office/drawing/2014/main" id="{18C96133-37BC-4B7B-8415-C53478DD1B74}"/>
+                <a16:creationId xmlns:a16="http://schemas.microsoft.com/office/drawing/2014/main" xmlns="" id="{18C96133-37BC-4B7B-8415-C53478DD1B74}"/>
               </a:ext>
             </a:extLst>
           </p:cNvPr>
@@ -935,7 +950,7 @@
           <p:cNvPr id="4" name="Date Placeholder 3">
             <a:extLst>
               <a:ext uri="{FF2B5EF4-FFF2-40B4-BE49-F238E27FC236}">
-                <a16:creationId xmlns:a16="http://schemas.microsoft.com/office/drawing/2014/main" id="{3BE721F4-7D48-42E1-92F7-CB836639ADD8}"/>
+                <a16:creationId xmlns:a16="http://schemas.microsoft.com/office/drawing/2014/main" xmlns="" id="{3BE721F4-7D48-42E1-92F7-CB836639ADD8}"/>
               </a:ext>
             </a:extLst>
           </p:cNvPr>
@@ -953,7 +968,7 @@
           <a:p>
             <a:fld id="{17C4C4AE-CFD8-4AF2-A6E6-1D1ADC40C52A}" type="datetimeFigureOut">
               <a:rPr lang="en-US" smtClean="0"/>
-              <a:t>5/12/2020</a:t>
+              <a:t>5/13/2020</a:t>
             </a:fld>
             <a:endParaRPr lang="en-US"/>
           </a:p>
@@ -964,7 +979,7 @@
           <p:cNvPr id="5" name="Footer Placeholder 4">
             <a:extLst>
               <a:ext uri="{FF2B5EF4-FFF2-40B4-BE49-F238E27FC236}">
-                <a16:creationId xmlns:a16="http://schemas.microsoft.com/office/drawing/2014/main" id="{C09A91EF-947B-43C4-B094-C99B32AA4311}"/>
+                <a16:creationId xmlns:a16="http://schemas.microsoft.com/office/drawing/2014/main" xmlns="" id="{C09A91EF-947B-43C4-B094-C99B32AA4311}"/>
               </a:ext>
             </a:extLst>
           </p:cNvPr>
@@ -989,7 +1004,7 @@
           <p:cNvPr id="6" name="Slide Number Placeholder 5">
             <a:extLst>
               <a:ext uri="{FF2B5EF4-FFF2-40B4-BE49-F238E27FC236}">
-                <a16:creationId xmlns:a16="http://schemas.microsoft.com/office/drawing/2014/main" id="{C6425E30-808C-432C-ABC2-D6D3CB786333}"/>
+                <a16:creationId xmlns:a16="http://schemas.microsoft.com/office/drawing/2014/main" xmlns="" id="{C6425E30-808C-432C-ABC2-D6D3CB786333}"/>
               </a:ext>
             </a:extLst>
           </p:cNvPr>
@@ -1048,7 +1063,7 @@
           <p:cNvPr id="2" name="Vertical Title 1">
             <a:extLst>
               <a:ext uri="{FF2B5EF4-FFF2-40B4-BE49-F238E27FC236}">
-                <a16:creationId xmlns:a16="http://schemas.microsoft.com/office/drawing/2014/main" id="{B974A478-60CB-42F6-AD05-9E1D63DA3458}"/>
+                <a16:creationId xmlns:a16="http://schemas.microsoft.com/office/drawing/2014/main" xmlns="" id="{B974A478-60CB-42F6-AD05-9E1D63DA3458}"/>
               </a:ext>
             </a:extLst>
           </p:cNvPr>
@@ -1081,7 +1096,7 @@
           <p:cNvPr id="3" name="Vertical Text Placeholder 2">
             <a:extLst>
               <a:ext uri="{FF2B5EF4-FFF2-40B4-BE49-F238E27FC236}">
-                <a16:creationId xmlns:a16="http://schemas.microsoft.com/office/drawing/2014/main" id="{DE4E3DEC-26AB-4AB6-9D3A-20613E50F507}"/>
+                <a16:creationId xmlns:a16="http://schemas.microsoft.com/office/drawing/2014/main" xmlns="" id="{DE4E3DEC-26AB-4AB6-9D3A-20613E50F507}"/>
               </a:ext>
             </a:extLst>
           </p:cNvPr>
@@ -1143,7 +1158,7 @@
           <p:cNvPr id="4" name="Date Placeholder 3">
             <a:extLst>
               <a:ext uri="{FF2B5EF4-FFF2-40B4-BE49-F238E27FC236}">
-                <a16:creationId xmlns:a16="http://schemas.microsoft.com/office/drawing/2014/main" id="{347982CD-94CD-4330-94D7-9BE280C0F6AE}"/>
+                <a16:creationId xmlns:a16="http://schemas.microsoft.com/office/drawing/2014/main" xmlns="" id="{347982CD-94CD-4330-94D7-9BE280C0F6AE}"/>
               </a:ext>
             </a:extLst>
           </p:cNvPr>
@@ -1161,7 +1176,7 @@
           <a:p>
             <a:fld id="{17C4C4AE-CFD8-4AF2-A6E6-1D1ADC40C52A}" type="datetimeFigureOut">
               <a:rPr lang="en-US" smtClean="0"/>
-              <a:t>5/12/2020</a:t>
+              <a:t>5/13/2020</a:t>
             </a:fld>
             <a:endParaRPr lang="en-US"/>
           </a:p>
@@ -1172,7 +1187,7 @@
           <p:cNvPr id="5" name="Footer Placeholder 4">
             <a:extLst>
               <a:ext uri="{FF2B5EF4-FFF2-40B4-BE49-F238E27FC236}">
-                <a16:creationId xmlns:a16="http://schemas.microsoft.com/office/drawing/2014/main" id="{03F97E6D-D50B-4732-8F74-2C9C87D1BD41}"/>
+                <a16:creationId xmlns:a16="http://schemas.microsoft.com/office/drawing/2014/main" xmlns="" id="{03F97E6D-D50B-4732-8F74-2C9C87D1BD41}"/>
               </a:ext>
             </a:extLst>
           </p:cNvPr>
@@ -1197,7 +1212,7 @@
           <p:cNvPr id="6" name="Slide Number Placeholder 5">
             <a:extLst>
               <a:ext uri="{FF2B5EF4-FFF2-40B4-BE49-F238E27FC236}">
-                <a16:creationId xmlns:a16="http://schemas.microsoft.com/office/drawing/2014/main" id="{0BD41B36-52E5-4365-BBCA-4DAA892F891A}"/>
+                <a16:creationId xmlns:a16="http://schemas.microsoft.com/office/drawing/2014/main" xmlns="" id="{0BD41B36-52E5-4365-BBCA-4DAA892F891A}"/>
               </a:ext>
             </a:extLst>
           </p:cNvPr>
@@ -1559,7 +1574,7 @@
           <p:cNvPr id="2" name="Title 1">
             <a:extLst>
               <a:ext uri="{FF2B5EF4-FFF2-40B4-BE49-F238E27FC236}">
-                <a16:creationId xmlns:a16="http://schemas.microsoft.com/office/drawing/2014/main" id="{AA391EFA-AB9E-46C0-8D63-22EAB0ED4ACF}"/>
+                <a16:creationId xmlns:a16="http://schemas.microsoft.com/office/drawing/2014/main" xmlns="" id="{AA391EFA-AB9E-46C0-8D63-22EAB0ED4ACF}"/>
               </a:ext>
             </a:extLst>
           </p:cNvPr>
@@ -1587,7 +1602,7 @@
           <p:cNvPr id="3" name="Content Placeholder 2">
             <a:extLst>
               <a:ext uri="{FF2B5EF4-FFF2-40B4-BE49-F238E27FC236}">
-                <a16:creationId xmlns:a16="http://schemas.microsoft.com/office/drawing/2014/main" id="{F1FAC976-4D44-411D-965F-38C28BCE379E}"/>
+                <a16:creationId xmlns:a16="http://schemas.microsoft.com/office/drawing/2014/main" xmlns="" id="{F1FAC976-4D44-411D-965F-38C28BCE379E}"/>
               </a:ext>
             </a:extLst>
           </p:cNvPr>
@@ -1644,7 +1659,7 @@
           <p:cNvPr id="4" name="Date Placeholder 3">
             <a:extLst>
               <a:ext uri="{FF2B5EF4-FFF2-40B4-BE49-F238E27FC236}">
-                <a16:creationId xmlns:a16="http://schemas.microsoft.com/office/drawing/2014/main" id="{35108B7C-AC19-4554-AA93-B00630F6E9DD}"/>
+                <a16:creationId xmlns:a16="http://schemas.microsoft.com/office/drawing/2014/main" xmlns="" id="{35108B7C-AC19-4554-AA93-B00630F6E9DD}"/>
               </a:ext>
             </a:extLst>
           </p:cNvPr>
@@ -1662,7 +1677,7 @@
           <a:p>
             <a:fld id="{17C4C4AE-CFD8-4AF2-A6E6-1D1ADC40C52A}" type="datetimeFigureOut">
               <a:rPr lang="en-US" smtClean="0"/>
-              <a:t>5/12/2020</a:t>
+              <a:t>5/13/2020</a:t>
             </a:fld>
             <a:endParaRPr lang="en-US"/>
           </a:p>
@@ -1673,7 +1688,7 @@
           <p:cNvPr id="5" name="Footer Placeholder 4">
             <a:extLst>
               <a:ext uri="{FF2B5EF4-FFF2-40B4-BE49-F238E27FC236}">
-                <a16:creationId xmlns:a16="http://schemas.microsoft.com/office/drawing/2014/main" id="{095F15AC-6A1C-4D72-B0DA-C308E7C8800E}"/>
+                <a16:creationId xmlns:a16="http://schemas.microsoft.com/office/drawing/2014/main" xmlns="" id="{095F15AC-6A1C-4D72-B0DA-C308E7C8800E}"/>
               </a:ext>
             </a:extLst>
           </p:cNvPr>
@@ -1698,7 +1713,7 @@
           <p:cNvPr id="6" name="Slide Number Placeholder 5">
             <a:extLst>
               <a:ext uri="{FF2B5EF4-FFF2-40B4-BE49-F238E27FC236}">
-                <a16:creationId xmlns:a16="http://schemas.microsoft.com/office/drawing/2014/main" id="{B4E04CAC-EDD2-494A-9DAF-7D2BE2A2EC56}"/>
+                <a16:creationId xmlns:a16="http://schemas.microsoft.com/office/drawing/2014/main" xmlns="" id="{B4E04CAC-EDD2-494A-9DAF-7D2BE2A2EC56}"/>
               </a:ext>
             </a:extLst>
           </p:cNvPr>
@@ -1757,7 +1772,7 @@
           <p:cNvPr id="2" name="Title 1">
             <a:extLst>
               <a:ext uri="{FF2B5EF4-FFF2-40B4-BE49-F238E27FC236}">
-                <a16:creationId xmlns:a16="http://schemas.microsoft.com/office/drawing/2014/main" id="{F410E2E4-5535-4A23-ABAD-021F7F076CED}"/>
+                <a16:creationId xmlns:a16="http://schemas.microsoft.com/office/drawing/2014/main" xmlns="" id="{F410E2E4-5535-4A23-ABAD-021F7F076CED}"/>
               </a:ext>
             </a:extLst>
           </p:cNvPr>
@@ -1794,7 +1809,7 @@
           <p:cNvPr id="3" name="Text Placeholder 2">
             <a:extLst>
               <a:ext uri="{FF2B5EF4-FFF2-40B4-BE49-F238E27FC236}">
-                <a16:creationId xmlns:a16="http://schemas.microsoft.com/office/drawing/2014/main" id="{0C2A6E46-0F60-4BC7-829D-42909A660B30}"/>
+                <a16:creationId xmlns:a16="http://schemas.microsoft.com/office/drawing/2014/main" xmlns="" id="{0C2A6E46-0F60-4BC7-829D-42909A660B30}"/>
               </a:ext>
             </a:extLst>
           </p:cNvPr>
@@ -1919,7 +1934,7 @@
           <p:cNvPr id="4" name="Date Placeholder 3">
             <a:extLst>
               <a:ext uri="{FF2B5EF4-FFF2-40B4-BE49-F238E27FC236}">
-                <a16:creationId xmlns:a16="http://schemas.microsoft.com/office/drawing/2014/main" id="{F19ED7C4-A764-479E-B995-E566E15202AE}"/>
+                <a16:creationId xmlns:a16="http://schemas.microsoft.com/office/drawing/2014/main" xmlns="" id="{F19ED7C4-A764-479E-B995-E566E15202AE}"/>
               </a:ext>
             </a:extLst>
           </p:cNvPr>
@@ -1937,7 +1952,7 @@
           <a:p>
             <a:fld id="{17C4C4AE-CFD8-4AF2-A6E6-1D1ADC40C52A}" type="datetimeFigureOut">
               <a:rPr lang="en-US" smtClean="0"/>
-              <a:t>5/12/2020</a:t>
+              <a:t>5/13/2020</a:t>
             </a:fld>
             <a:endParaRPr lang="en-US"/>
           </a:p>
@@ -1948,7 +1963,7 @@
           <p:cNvPr id="5" name="Footer Placeholder 4">
             <a:extLst>
               <a:ext uri="{FF2B5EF4-FFF2-40B4-BE49-F238E27FC236}">
-                <a16:creationId xmlns:a16="http://schemas.microsoft.com/office/drawing/2014/main" id="{F9FD53D5-AE7A-4D4D-815E-6757E9F558C7}"/>
+                <a16:creationId xmlns:a16="http://schemas.microsoft.com/office/drawing/2014/main" xmlns="" id="{F9FD53D5-AE7A-4D4D-815E-6757E9F558C7}"/>
               </a:ext>
             </a:extLst>
           </p:cNvPr>
@@ -1973,7 +1988,7 @@
           <p:cNvPr id="6" name="Slide Number Placeholder 5">
             <a:extLst>
               <a:ext uri="{FF2B5EF4-FFF2-40B4-BE49-F238E27FC236}">
-                <a16:creationId xmlns:a16="http://schemas.microsoft.com/office/drawing/2014/main" id="{42172E3F-EBD1-4B58-A0DD-54B6C3134CB1}"/>
+                <a16:creationId xmlns:a16="http://schemas.microsoft.com/office/drawing/2014/main" xmlns="" id="{42172E3F-EBD1-4B58-A0DD-54B6C3134CB1}"/>
               </a:ext>
             </a:extLst>
           </p:cNvPr>
@@ -2032,7 +2047,7 @@
           <p:cNvPr id="2" name="Title 1">
             <a:extLst>
               <a:ext uri="{FF2B5EF4-FFF2-40B4-BE49-F238E27FC236}">
-                <a16:creationId xmlns:a16="http://schemas.microsoft.com/office/drawing/2014/main" id="{E7228693-7E81-404A-8183-FB5C1E989EBA}"/>
+                <a16:creationId xmlns:a16="http://schemas.microsoft.com/office/drawing/2014/main" xmlns="" id="{E7228693-7E81-404A-8183-FB5C1E989EBA}"/>
               </a:ext>
             </a:extLst>
           </p:cNvPr>
@@ -2060,7 +2075,7 @@
           <p:cNvPr id="3" name="Content Placeholder 2">
             <a:extLst>
               <a:ext uri="{FF2B5EF4-FFF2-40B4-BE49-F238E27FC236}">
-                <a16:creationId xmlns:a16="http://schemas.microsoft.com/office/drawing/2014/main" id="{FE0FEB7E-A69B-47BF-A7A6-93EEC7AC8CFA}"/>
+                <a16:creationId xmlns:a16="http://schemas.microsoft.com/office/drawing/2014/main" xmlns="" id="{FE0FEB7E-A69B-47BF-A7A6-93EEC7AC8CFA}"/>
               </a:ext>
             </a:extLst>
           </p:cNvPr>
@@ -2122,7 +2137,7 @@
           <p:cNvPr id="4" name="Content Placeholder 3">
             <a:extLst>
               <a:ext uri="{FF2B5EF4-FFF2-40B4-BE49-F238E27FC236}">
-                <a16:creationId xmlns:a16="http://schemas.microsoft.com/office/drawing/2014/main" id="{206E119D-A534-4ACF-B8CD-B083ED012860}"/>
+                <a16:creationId xmlns:a16="http://schemas.microsoft.com/office/drawing/2014/main" xmlns="" id="{206E119D-A534-4ACF-B8CD-B083ED012860}"/>
               </a:ext>
             </a:extLst>
           </p:cNvPr>
@@ -2184,7 +2199,7 @@
           <p:cNvPr id="5" name="Date Placeholder 4">
             <a:extLst>
               <a:ext uri="{FF2B5EF4-FFF2-40B4-BE49-F238E27FC236}">
-                <a16:creationId xmlns:a16="http://schemas.microsoft.com/office/drawing/2014/main" id="{1874A781-05B0-4D90-8E5E-198A301224AB}"/>
+                <a16:creationId xmlns:a16="http://schemas.microsoft.com/office/drawing/2014/main" xmlns="" id="{1874A781-05B0-4D90-8E5E-198A301224AB}"/>
               </a:ext>
             </a:extLst>
           </p:cNvPr>
@@ -2202,7 +2217,7 @@
           <a:p>
             <a:fld id="{17C4C4AE-CFD8-4AF2-A6E6-1D1ADC40C52A}" type="datetimeFigureOut">
               <a:rPr lang="en-US" smtClean="0"/>
-              <a:t>5/12/2020</a:t>
+              <a:t>5/13/2020</a:t>
             </a:fld>
             <a:endParaRPr lang="en-US"/>
           </a:p>
@@ -2213,7 +2228,7 @@
           <p:cNvPr id="6" name="Footer Placeholder 5">
             <a:extLst>
               <a:ext uri="{FF2B5EF4-FFF2-40B4-BE49-F238E27FC236}">
-                <a16:creationId xmlns:a16="http://schemas.microsoft.com/office/drawing/2014/main" id="{0474BA80-208A-4CC5-A0E3-08B43828C183}"/>
+                <a16:creationId xmlns:a16="http://schemas.microsoft.com/office/drawing/2014/main" xmlns="" id="{0474BA80-208A-4CC5-A0E3-08B43828C183}"/>
               </a:ext>
             </a:extLst>
           </p:cNvPr>
@@ -2238,7 +2253,7 @@
           <p:cNvPr id="7" name="Slide Number Placeholder 6">
             <a:extLst>
               <a:ext uri="{FF2B5EF4-FFF2-40B4-BE49-F238E27FC236}">
-                <a16:creationId xmlns:a16="http://schemas.microsoft.com/office/drawing/2014/main" id="{681494FD-310A-4C95-BC9B-79B4ACCE2420}"/>
+                <a16:creationId xmlns:a16="http://schemas.microsoft.com/office/drawing/2014/main" xmlns="" id="{681494FD-310A-4C95-BC9B-79B4ACCE2420}"/>
               </a:ext>
             </a:extLst>
           </p:cNvPr>
@@ -2297,7 +2312,7 @@
           <p:cNvPr id="2" name="Title 1">
             <a:extLst>
               <a:ext uri="{FF2B5EF4-FFF2-40B4-BE49-F238E27FC236}">
-                <a16:creationId xmlns:a16="http://schemas.microsoft.com/office/drawing/2014/main" id="{44DDCACD-7612-442C-B61E-1578E7609C6A}"/>
+                <a16:creationId xmlns:a16="http://schemas.microsoft.com/office/drawing/2014/main" xmlns="" id="{44DDCACD-7612-442C-B61E-1578E7609C6A}"/>
               </a:ext>
             </a:extLst>
           </p:cNvPr>
@@ -2330,7 +2345,7 @@
           <p:cNvPr id="3" name="Text Placeholder 2">
             <a:extLst>
               <a:ext uri="{FF2B5EF4-FFF2-40B4-BE49-F238E27FC236}">
-                <a16:creationId xmlns:a16="http://schemas.microsoft.com/office/drawing/2014/main" id="{C773E05F-4ED5-421E-9D24-F8A37DAEB348}"/>
+                <a16:creationId xmlns:a16="http://schemas.microsoft.com/office/drawing/2014/main" xmlns="" id="{C773E05F-4ED5-421E-9D24-F8A37DAEB348}"/>
               </a:ext>
             </a:extLst>
           </p:cNvPr>
@@ -2401,7 +2416,7 @@
           <p:cNvPr id="4" name="Content Placeholder 3">
             <a:extLst>
               <a:ext uri="{FF2B5EF4-FFF2-40B4-BE49-F238E27FC236}">
-                <a16:creationId xmlns:a16="http://schemas.microsoft.com/office/drawing/2014/main" id="{AC623842-3DFF-4B22-9338-7FEC53C5BFC6}"/>
+                <a16:creationId xmlns:a16="http://schemas.microsoft.com/office/drawing/2014/main" xmlns="" id="{AC623842-3DFF-4B22-9338-7FEC53C5BFC6}"/>
               </a:ext>
             </a:extLst>
           </p:cNvPr>
@@ -2463,7 +2478,7 @@
           <p:cNvPr id="5" name="Text Placeholder 4">
             <a:extLst>
               <a:ext uri="{FF2B5EF4-FFF2-40B4-BE49-F238E27FC236}">
-                <a16:creationId xmlns:a16="http://schemas.microsoft.com/office/drawing/2014/main" id="{201154FF-770E-466B-AA50-B08D65E36175}"/>
+                <a16:creationId xmlns:a16="http://schemas.microsoft.com/office/drawing/2014/main" xmlns="" id="{201154FF-770E-466B-AA50-B08D65E36175}"/>
               </a:ext>
             </a:extLst>
           </p:cNvPr>
@@ -2534,7 +2549,7 @@
           <p:cNvPr id="6" name="Content Placeholder 5">
             <a:extLst>
               <a:ext uri="{FF2B5EF4-FFF2-40B4-BE49-F238E27FC236}">
-                <a16:creationId xmlns:a16="http://schemas.microsoft.com/office/drawing/2014/main" id="{A547C2D1-9988-41D4-A0D0-CA53139FFD07}"/>
+                <a16:creationId xmlns:a16="http://schemas.microsoft.com/office/drawing/2014/main" xmlns="" id="{A547C2D1-9988-41D4-A0D0-CA53139FFD07}"/>
               </a:ext>
             </a:extLst>
           </p:cNvPr>
@@ -2596,7 +2611,7 @@
           <p:cNvPr id="7" name="Date Placeholder 6">
             <a:extLst>
               <a:ext uri="{FF2B5EF4-FFF2-40B4-BE49-F238E27FC236}">
-                <a16:creationId xmlns:a16="http://schemas.microsoft.com/office/drawing/2014/main" id="{8170E179-28A7-4022-96B3-1ED87C9B9F9D}"/>
+                <a16:creationId xmlns:a16="http://schemas.microsoft.com/office/drawing/2014/main" xmlns="" id="{8170E179-28A7-4022-96B3-1ED87C9B9F9D}"/>
               </a:ext>
             </a:extLst>
           </p:cNvPr>
@@ -2614,7 +2629,7 @@
           <a:p>
             <a:fld id="{17C4C4AE-CFD8-4AF2-A6E6-1D1ADC40C52A}" type="datetimeFigureOut">
               <a:rPr lang="en-US" smtClean="0"/>
-              <a:t>5/12/2020</a:t>
+              <a:t>5/13/2020</a:t>
             </a:fld>
             <a:endParaRPr lang="en-US"/>
           </a:p>
@@ -2625,7 +2640,7 @@
           <p:cNvPr id="8" name="Footer Placeholder 7">
             <a:extLst>
               <a:ext uri="{FF2B5EF4-FFF2-40B4-BE49-F238E27FC236}">
-                <a16:creationId xmlns:a16="http://schemas.microsoft.com/office/drawing/2014/main" id="{5313D6F5-D350-45DB-96E2-637F404615D3}"/>
+                <a16:creationId xmlns:a16="http://schemas.microsoft.com/office/drawing/2014/main" xmlns="" id="{5313D6F5-D350-45DB-96E2-637F404615D3}"/>
               </a:ext>
             </a:extLst>
           </p:cNvPr>
@@ -2650,7 +2665,7 @@
           <p:cNvPr id="9" name="Slide Number Placeholder 8">
             <a:extLst>
               <a:ext uri="{FF2B5EF4-FFF2-40B4-BE49-F238E27FC236}">
-                <a16:creationId xmlns:a16="http://schemas.microsoft.com/office/drawing/2014/main" id="{66B26A71-056B-4994-8763-1CCF40560567}"/>
+                <a16:creationId xmlns:a16="http://schemas.microsoft.com/office/drawing/2014/main" xmlns="" id="{66B26A71-056B-4994-8763-1CCF40560567}"/>
               </a:ext>
             </a:extLst>
           </p:cNvPr>
@@ -2709,7 +2724,7 @@
           <p:cNvPr id="2" name="Title 1">
             <a:extLst>
               <a:ext uri="{FF2B5EF4-FFF2-40B4-BE49-F238E27FC236}">
-                <a16:creationId xmlns:a16="http://schemas.microsoft.com/office/drawing/2014/main" id="{7C977E38-7846-4421-B9B4-2604E8EA0662}"/>
+                <a16:creationId xmlns:a16="http://schemas.microsoft.com/office/drawing/2014/main" xmlns="" id="{7C977E38-7846-4421-B9B4-2604E8EA0662}"/>
               </a:ext>
             </a:extLst>
           </p:cNvPr>
@@ -2737,7 +2752,7 @@
           <p:cNvPr id="3" name="Date Placeholder 2">
             <a:extLst>
               <a:ext uri="{FF2B5EF4-FFF2-40B4-BE49-F238E27FC236}">
-                <a16:creationId xmlns:a16="http://schemas.microsoft.com/office/drawing/2014/main" id="{05C2D18F-B833-49E2-9013-5C7B3CA767B2}"/>
+                <a16:creationId xmlns:a16="http://schemas.microsoft.com/office/drawing/2014/main" xmlns="" id="{05C2D18F-B833-49E2-9013-5C7B3CA767B2}"/>
               </a:ext>
             </a:extLst>
           </p:cNvPr>
@@ -2755,7 +2770,7 @@
           <a:p>
             <a:fld id="{17C4C4AE-CFD8-4AF2-A6E6-1D1ADC40C52A}" type="datetimeFigureOut">
               <a:rPr lang="en-US" smtClean="0"/>
-              <a:t>5/12/2020</a:t>
+              <a:t>5/13/2020</a:t>
             </a:fld>
             <a:endParaRPr lang="en-US"/>
           </a:p>
@@ -2766,7 +2781,7 @@
           <p:cNvPr id="4" name="Footer Placeholder 3">
             <a:extLst>
               <a:ext uri="{FF2B5EF4-FFF2-40B4-BE49-F238E27FC236}">
-                <a16:creationId xmlns:a16="http://schemas.microsoft.com/office/drawing/2014/main" id="{288AFBDA-A89F-40C2-92AC-E7FA900E9F44}"/>
+                <a16:creationId xmlns:a16="http://schemas.microsoft.com/office/drawing/2014/main" xmlns="" id="{288AFBDA-A89F-40C2-92AC-E7FA900E9F44}"/>
               </a:ext>
             </a:extLst>
           </p:cNvPr>
@@ -2791,7 +2806,7 @@
           <p:cNvPr id="5" name="Slide Number Placeholder 4">
             <a:extLst>
               <a:ext uri="{FF2B5EF4-FFF2-40B4-BE49-F238E27FC236}">
-                <a16:creationId xmlns:a16="http://schemas.microsoft.com/office/drawing/2014/main" id="{F726CC4B-2438-446C-BCF8-DEC91CF3313F}"/>
+                <a16:creationId xmlns:a16="http://schemas.microsoft.com/office/drawing/2014/main" xmlns="" id="{F726CC4B-2438-446C-BCF8-DEC91CF3313F}"/>
               </a:ext>
             </a:extLst>
           </p:cNvPr>
@@ -2850,7 +2865,7 @@
           <p:cNvPr id="2" name="Date Placeholder 1">
             <a:extLst>
               <a:ext uri="{FF2B5EF4-FFF2-40B4-BE49-F238E27FC236}">
-                <a16:creationId xmlns:a16="http://schemas.microsoft.com/office/drawing/2014/main" id="{59CEC192-0CFB-41D8-99EF-DF78FB2AB00B}"/>
+                <a16:creationId xmlns:a16="http://schemas.microsoft.com/office/drawing/2014/main" xmlns="" id="{59CEC192-0CFB-41D8-99EF-DF78FB2AB00B}"/>
               </a:ext>
             </a:extLst>
           </p:cNvPr>
@@ -2868,7 +2883,7 @@
           <a:p>
             <a:fld id="{17C4C4AE-CFD8-4AF2-A6E6-1D1ADC40C52A}" type="datetimeFigureOut">
               <a:rPr lang="en-US" smtClean="0"/>
-              <a:t>5/12/2020</a:t>
+              <a:t>5/13/2020</a:t>
             </a:fld>
             <a:endParaRPr lang="en-US"/>
           </a:p>
@@ -2879,7 +2894,7 @@
           <p:cNvPr id="3" name="Footer Placeholder 2">
             <a:extLst>
               <a:ext uri="{FF2B5EF4-FFF2-40B4-BE49-F238E27FC236}">
-                <a16:creationId xmlns:a16="http://schemas.microsoft.com/office/drawing/2014/main" id="{4EB7AABE-FF19-49B3-B9A9-FCFEF213D7F2}"/>
+                <a16:creationId xmlns:a16="http://schemas.microsoft.com/office/drawing/2014/main" xmlns="" id="{4EB7AABE-FF19-49B3-B9A9-FCFEF213D7F2}"/>
               </a:ext>
             </a:extLst>
           </p:cNvPr>
@@ -2904,7 +2919,7 @@
           <p:cNvPr id="4" name="Slide Number Placeholder 3">
             <a:extLst>
               <a:ext uri="{FF2B5EF4-FFF2-40B4-BE49-F238E27FC236}">
-                <a16:creationId xmlns:a16="http://schemas.microsoft.com/office/drawing/2014/main" id="{2E813211-6731-4046-A104-82E4046B9E5D}"/>
+                <a16:creationId xmlns:a16="http://schemas.microsoft.com/office/drawing/2014/main" xmlns="" id="{2E813211-6731-4046-A104-82E4046B9E5D}"/>
               </a:ext>
             </a:extLst>
           </p:cNvPr>
@@ -2963,7 +2978,7 @@
           <p:cNvPr id="2" name="Title 1">
             <a:extLst>
               <a:ext uri="{FF2B5EF4-FFF2-40B4-BE49-F238E27FC236}">
-                <a16:creationId xmlns:a16="http://schemas.microsoft.com/office/drawing/2014/main" id="{F282984C-8D3D-4F0D-B6C7-B3E164D63D5B}"/>
+                <a16:creationId xmlns:a16="http://schemas.microsoft.com/office/drawing/2014/main" xmlns="" id="{F282984C-8D3D-4F0D-B6C7-B3E164D63D5B}"/>
               </a:ext>
             </a:extLst>
           </p:cNvPr>
@@ -3000,7 +3015,7 @@
           <p:cNvPr id="3" name="Content Placeholder 2">
             <a:extLst>
               <a:ext uri="{FF2B5EF4-FFF2-40B4-BE49-F238E27FC236}">
-                <a16:creationId xmlns:a16="http://schemas.microsoft.com/office/drawing/2014/main" id="{C47284E9-9010-46F1-9824-B3C05697CEE2}"/>
+                <a16:creationId xmlns:a16="http://schemas.microsoft.com/office/drawing/2014/main" xmlns="" id="{C47284E9-9010-46F1-9824-B3C05697CEE2}"/>
               </a:ext>
             </a:extLst>
           </p:cNvPr>
@@ -3090,7 +3105,7 @@
           <p:cNvPr id="4" name="Text Placeholder 3">
             <a:extLst>
               <a:ext uri="{FF2B5EF4-FFF2-40B4-BE49-F238E27FC236}">
-                <a16:creationId xmlns:a16="http://schemas.microsoft.com/office/drawing/2014/main" id="{28EA1682-7F32-4E36-ACFD-E531F8925DA3}"/>
+                <a16:creationId xmlns:a16="http://schemas.microsoft.com/office/drawing/2014/main" xmlns="" id="{28EA1682-7F32-4E36-ACFD-E531F8925DA3}"/>
               </a:ext>
             </a:extLst>
           </p:cNvPr>
@@ -3161,7 +3176,7 @@
           <p:cNvPr id="5" name="Date Placeholder 4">
             <a:extLst>
               <a:ext uri="{FF2B5EF4-FFF2-40B4-BE49-F238E27FC236}">
-                <a16:creationId xmlns:a16="http://schemas.microsoft.com/office/drawing/2014/main" id="{4ED7FD55-632E-4F79-9A7E-087FA611EAB4}"/>
+                <a16:creationId xmlns:a16="http://schemas.microsoft.com/office/drawing/2014/main" xmlns="" id="{4ED7FD55-632E-4F79-9A7E-087FA611EAB4}"/>
               </a:ext>
             </a:extLst>
           </p:cNvPr>
@@ -3179,7 +3194,7 @@
           <a:p>
             <a:fld id="{17C4C4AE-CFD8-4AF2-A6E6-1D1ADC40C52A}" type="datetimeFigureOut">
               <a:rPr lang="en-US" smtClean="0"/>
-              <a:t>5/12/2020</a:t>
+              <a:t>5/13/2020</a:t>
             </a:fld>
             <a:endParaRPr lang="en-US"/>
           </a:p>
@@ -3190,7 +3205,7 @@
           <p:cNvPr id="6" name="Footer Placeholder 5">
             <a:extLst>
               <a:ext uri="{FF2B5EF4-FFF2-40B4-BE49-F238E27FC236}">
-                <a16:creationId xmlns:a16="http://schemas.microsoft.com/office/drawing/2014/main" id="{EDCC6EF4-C4D6-45C5-B755-5EA0E5C540F4}"/>
+                <a16:creationId xmlns:a16="http://schemas.microsoft.com/office/drawing/2014/main" xmlns="" id="{EDCC6EF4-C4D6-45C5-B755-5EA0E5C540F4}"/>
               </a:ext>
             </a:extLst>
           </p:cNvPr>
@@ -3215,7 +3230,7 @@
           <p:cNvPr id="7" name="Slide Number Placeholder 6">
             <a:extLst>
               <a:ext uri="{FF2B5EF4-FFF2-40B4-BE49-F238E27FC236}">
-                <a16:creationId xmlns:a16="http://schemas.microsoft.com/office/drawing/2014/main" id="{0BD19949-49BD-4139-A4F6-D28C0E4D59C6}"/>
+                <a16:creationId xmlns:a16="http://schemas.microsoft.com/office/drawing/2014/main" xmlns="" id="{0BD19949-49BD-4139-A4F6-D28C0E4D59C6}"/>
               </a:ext>
             </a:extLst>
           </p:cNvPr>
@@ -3274,7 +3289,7 @@
           <p:cNvPr id="2" name="Title 1">
             <a:extLst>
               <a:ext uri="{FF2B5EF4-FFF2-40B4-BE49-F238E27FC236}">
-                <a16:creationId xmlns:a16="http://schemas.microsoft.com/office/drawing/2014/main" id="{06EC0475-FB80-4883-8954-A02B53696925}"/>
+                <a16:creationId xmlns:a16="http://schemas.microsoft.com/office/drawing/2014/main" xmlns="" id="{06EC0475-FB80-4883-8954-A02B53696925}"/>
               </a:ext>
             </a:extLst>
           </p:cNvPr>
@@ -3311,7 +3326,7 @@
           <p:cNvPr id="3" name="Picture Placeholder 2">
             <a:extLst>
               <a:ext uri="{FF2B5EF4-FFF2-40B4-BE49-F238E27FC236}">
-                <a16:creationId xmlns:a16="http://schemas.microsoft.com/office/drawing/2014/main" id="{1EB2796D-A57F-40EF-96A1-3E3E75E41C1D}"/>
+                <a16:creationId xmlns:a16="http://schemas.microsoft.com/office/drawing/2014/main" xmlns="" id="{1EB2796D-A57F-40EF-96A1-3E3E75E41C1D}"/>
               </a:ext>
             </a:extLst>
           </p:cNvPr>
@@ -3378,7 +3393,7 @@
           <p:cNvPr id="4" name="Text Placeholder 3">
             <a:extLst>
               <a:ext uri="{FF2B5EF4-FFF2-40B4-BE49-F238E27FC236}">
-                <a16:creationId xmlns:a16="http://schemas.microsoft.com/office/drawing/2014/main" id="{B77B44D9-C477-4C5F-BBAE-955064BECB38}"/>
+                <a16:creationId xmlns:a16="http://schemas.microsoft.com/office/drawing/2014/main" xmlns="" id="{B77B44D9-C477-4C5F-BBAE-955064BECB38}"/>
               </a:ext>
             </a:extLst>
           </p:cNvPr>
@@ -3449,7 +3464,7 @@
           <p:cNvPr id="5" name="Date Placeholder 4">
             <a:extLst>
               <a:ext uri="{FF2B5EF4-FFF2-40B4-BE49-F238E27FC236}">
-                <a16:creationId xmlns:a16="http://schemas.microsoft.com/office/drawing/2014/main" id="{26B41616-CF67-4BB8-A43D-62EC48AD88D2}"/>
+                <a16:creationId xmlns:a16="http://schemas.microsoft.com/office/drawing/2014/main" xmlns="" id="{26B41616-CF67-4BB8-A43D-62EC48AD88D2}"/>
               </a:ext>
             </a:extLst>
           </p:cNvPr>
@@ -3467,7 +3482,7 @@
           <a:p>
             <a:fld id="{17C4C4AE-CFD8-4AF2-A6E6-1D1ADC40C52A}" type="datetimeFigureOut">
               <a:rPr lang="en-US" smtClean="0"/>
-              <a:t>5/12/2020</a:t>
+              <a:t>5/13/2020</a:t>
             </a:fld>
             <a:endParaRPr lang="en-US"/>
           </a:p>
@@ -3478,7 +3493,7 @@
           <p:cNvPr id="6" name="Footer Placeholder 5">
             <a:extLst>
               <a:ext uri="{FF2B5EF4-FFF2-40B4-BE49-F238E27FC236}">
-                <a16:creationId xmlns:a16="http://schemas.microsoft.com/office/drawing/2014/main" id="{33E0C423-960D-43B9-850F-3D70AF11F5E7}"/>
+                <a16:creationId xmlns:a16="http://schemas.microsoft.com/office/drawing/2014/main" xmlns="" id="{33E0C423-960D-43B9-850F-3D70AF11F5E7}"/>
               </a:ext>
             </a:extLst>
           </p:cNvPr>
@@ -3503,7 +3518,7 @@
           <p:cNvPr id="7" name="Slide Number Placeholder 6">
             <a:extLst>
               <a:ext uri="{FF2B5EF4-FFF2-40B4-BE49-F238E27FC236}">
-                <a16:creationId xmlns:a16="http://schemas.microsoft.com/office/drawing/2014/main" id="{C8AA2AF3-2F67-4219-900C-E541DC45C5A1}"/>
+                <a16:creationId xmlns:a16="http://schemas.microsoft.com/office/drawing/2014/main" xmlns="" id="{C8AA2AF3-2F67-4219-900C-E541DC45C5A1}"/>
               </a:ext>
             </a:extLst>
           </p:cNvPr>
@@ -3567,7 +3582,7 @@
           <p:cNvPr id="2" name="Title Placeholder 1">
             <a:extLst>
               <a:ext uri="{FF2B5EF4-FFF2-40B4-BE49-F238E27FC236}">
-                <a16:creationId xmlns:a16="http://schemas.microsoft.com/office/drawing/2014/main" id="{700A8801-C7B7-491A-BD26-AE0894EC0758}"/>
+                <a16:creationId xmlns:a16="http://schemas.microsoft.com/office/drawing/2014/main" xmlns="" id="{700A8801-C7B7-491A-BD26-AE0894EC0758}"/>
               </a:ext>
             </a:extLst>
           </p:cNvPr>
@@ -3605,7 +3620,7 @@
           <p:cNvPr id="3" name="Text Placeholder 2">
             <a:extLst>
               <a:ext uri="{FF2B5EF4-FFF2-40B4-BE49-F238E27FC236}">
-                <a16:creationId xmlns:a16="http://schemas.microsoft.com/office/drawing/2014/main" id="{195E2F83-A828-4F11-AFDC-F3D0BA43DA4E}"/>
+                <a16:creationId xmlns:a16="http://schemas.microsoft.com/office/drawing/2014/main" xmlns="" id="{195E2F83-A828-4F11-AFDC-F3D0BA43DA4E}"/>
               </a:ext>
             </a:extLst>
           </p:cNvPr>
@@ -3672,7 +3687,7 @@
           <p:cNvPr id="4" name="Date Placeholder 3">
             <a:extLst>
               <a:ext uri="{FF2B5EF4-FFF2-40B4-BE49-F238E27FC236}">
-                <a16:creationId xmlns:a16="http://schemas.microsoft.com/office/drawing/2014/main" id="{F1D42991-03E0-42E2-A919-4B56252BC2FD}"/>
+                <a16:creationId xmlns:a16="http://schemas.microsoft.com/office/drawing/2014/main" xmlns="" id="{F1D42991-03E0-42E2-A919-4B56252BC2FD}"/>
               </a:ext>
             </a:extLst>
           </p:cNvPr>
@@ -3708,7 +3723,7 @@
           <a:p>
             <a:fld id="{17C4C4AE-CFD8-4AF2-A6E6-1D1ADC40C52A}" type="datetimeFigureOut">
               <a:rPr lang="en-US" smtClean="0"/>
-              <a:t>5/12/2020</a:t>
+              <a:t>5/13/2020</a:t>
             </a:fld>
             <a:endParaRPr lang="en-US"/>
           </a:p>
@@ -3719,7 +3734,7 @@
           <p:cNvPr id="5" name="Footer Placeholder 4">
             <a:extLst>
               <a:ext uri="{FF2B5EF4-FFF2-40B4-BE49-F238E27FC236}">
-                <a16:creationId xmlns:a16="http://schemas.microsoft.com/office/drawing/2014/main" id="{A9B14B05-7883-4A8A-B654-E2C978A21ED7}"/>
+                <a16:creationId xmlns:a16="http://schemas.microsoft.com/office/drawing/2014/main" xmlns="" id="{A9B14B05-7883-4A8A-B654-E2C978A21ED7}"/>
               </a:ext>
             </a:extLst>
           </p:cNvPr>
@@ -3762,7 +3777,7 @@
           <p:cNvPr id="6" name="Slide Number Placeholder 5">
             <a:extLst>
               <a:ext uri="{FF2B5EF4-FFF2-40B4-BE49-F238E27FC236}">
-                <a16:creationId xmlns:a16="http://schemas.microsoft.com/office/drawing/2014/main" id="{B360A2F6-20F2-4064-B8C4-4CE6A905D5C4}"/>
+                <a16:creationId xmlns:a16="http://schemas.microsoft.com/office/drawing/2014/main" xmlns="" id="{B360A2F6-20F2-4064-B8C4-4CE6A905D5C4}"/>
               </a:ext>
             </a:extLst>
           </p:cNvPr>
@@ -4652,7 +4667,7 @@
           <p:cNvPr id="2" name="Title 1">
             <a:extLst>
               <a:ext uri="{FF2B5EF4-FFF2-40B4-BE49-F238E27FC236}">
-                <a16:creationId xmlns:a16="http://schemas.microsoft.com/office/drawing/2014/main" id="{6223038A-68E9-4682-ADF1-B26EE4C32CB9}"/>
+                <a16:creationId xmlns:a16="http://schemas.microsoft.com/office/drawing/2014/main" xmlns="" id="{6223038A-68E9-4682-ADF1-B26EE4C32CB9}"/>
               </a:ext>
             </a:extLst>
           </p:cNvPr>
@@ -4680,7 +4695,7 @@
           <p:cNvPr id="6" name="Table 6">
             <a:extLst>
               <a:ext uri="{FF2B5EF4-FFF2-40B4-BE49-F238E27FC236}">
-                <a16:creationId xmlns:a16="http://schemas.microsoft.com/office/drawing/2014/main" id="{3247C39F-7BB1-4652-A31A-B17B14CE5D4A}"/>
+                <a16:creationId xmlns:a16="http://schemas.microsoft.com/office/drawing/2014/main" xmlns="" id="{3247C39F-7BB1-4652-A31A-B17B14CE5D4A}"/>
               </a:ext>
             </a:extLst>
           </p:cNvPr>
@@ -4710,56 +4725,56 @@
                 <a:gridCol w="1771968">
                   <a:extLst>
                     <a:ext uri="{9D8B030D-6E8A-4147-A177-3AD203B41FA5}">
-                      <a16:colId xmlns:a16="http://schemas.microsoft.com/office/drawing/2014/main" val="3729389960"/>
+                      <a16:colId xmlns:a16="http://schemas.microsoft.com/office/drawing/2014/main" xmlns="" val="3729389960"/>
                     </a:ext>
                   </a:extLst>
                 </a:gridCol>
                 <a:gridCol w="835710">
                   <a:extLst>
                     <a:ext uri="{9D8B030D-6E8A-4147-A177-3AD203B41FA5}">
-                      <a16:colId xmlns:a16="http://schemas.microsoft.com/office/drawing/2014/main" val="2281435260"/>
+                      <a16:colId xmlns:a16="http://schemas.microsoft.com/office/drawing/2014/main" xmlns="" val="2281435260"/>
                     </a:ext>
                   </a:extLst>
                 </a:gridCol>
                 <a:gridCol w="2108825">
                   <a:extLst>
                     <a:ext uri="{9D8B030D-6E8A-4147-A177-3AD203B41FA5}">
-                      <a16:colId xmlns:a16="http://schemas.microsoft.com/office/drawing/2014/main" val="2072369400"/>
+                      <a16:colId xmlns:a16="http://schemas.microsoft.com/office/drawing/2014/main" xmlns="" val="2072369400"/>
                     </a:ext>
                   </a:extLst>
                 </a:gridCol>
                 <a:gridCol w="981041">
                   <a:extLst>
                     <a:ext uri="{9D8B030D-6E8A-4147-A177-3AD203B41FA5}">
-                      <a16:colId xmlns:a16="http://schemas.microsoft.com/office/drawing/2014/main" val="1567139128"/>
+                      <a16:colId xmlns:a16="http://schemas.microsoft.com/office/drawing/2014/main" xmlns="" val="1567139128"/>
                     </a:ext>
                   </a:extLst>
                 </a:gridCol>
                 <a:gridCol w="1133509">
                   <a:extLst>
                     <a:ext uri="{9D8B030D-6E8A-4147-A177-3AD203B41FA5}">
-                      <a16:colId xmlns:a16="http://schemas.microsoft.com/office/drawing/2014/main" val="2267513749"/>
+                      <a16:colId xmlns:a16="http://schemas.microsoft.com/office/drawing/2014/main" xmlns="" val="2267513749"/>
                     </a:ext>
                   </a:extLst>
                 </a:gridCol>
                 <a:gridCol w="1090938">
                   <a:extLst>
                     <a:ext uri="{9D8B030D-6E8A-4147-A177-3AD203B41FA5}">
-                      <a16:colId xmlns:a16="http://schemas.microsoft.com/office/drawing/2014/main" val="44632791"/>
+                      <a16:colId xmlns:a16="http://schemas.microsoft.com/office/drawing/2014/main" xmlns="" val="44632791"/>
                     </a:ext>
                   </a:extLst>
                 </a:gridCol>
                 <a:gridCol w="1107710">
                   <a:extLst>
                     <a:ext uri="{9D8B030D-6E8A-4147-A177-3AD203B41FA5}">
-                      <a16:colId xmlns:a16="http://schemas.microsoft.com/office/drawing/2014/main" val="3607100143"/>
+                      <a16:colId xmlns:a16="http://schemas.microsoft.com/office/drawing/2014/main" xmlns="" val="3607100143"/>
                     </a:ext>
                   </a:extLst>
                 </a:gridCol>
                 <a:gridCol w="1420850">
                   <a:extLst>
                     <a:ext uri="{9D8B030D-6E8A-4147-A177-3AD203B41FA5}">
-                      <a16:colId xmlns:a16="http://schemas.microsoft.com/office/drawing/2014/main" val="2294204304"/>
+                      <a16:colId xmlns:a16="http://schemas.microsoft.com/office/drawing/2014/main" xmlns="" val="2294204304"/>
                     </a:ext>
                   </a:extLst>
                 </a:gridCol>
@@ -4871,7 +4886,7 @@
                 </a:tc>
                 <a:extLst>
                   <a:ext uri="{0D108BD9-81ED-4DB2-BD59-A6C34878D82A}">
-                    <a16:rowId xmlns:a16="http://schemas.microsoft.com/office/drawing/2014/main" val="1271232916"/>
+                    <a16:rowId xmlns:a16="http://schemas.microsoft.com/office/drawing/2014/main" xmlns="" val="1271232916"/>
                   </a:ext>
                 </a:extLst>
               </a:tr>
@@ -4994,7 +5009,7 @@
                 </a:tc>
                 <a:extLst>
                   <a:ext uri="{0D108BD9-81ED-4DB2-BD59-A6C34878D82A}">
-                    <a16:rowId xmlns:a16="http://schemas.microsoft.com/office/drawing/2014/main" val="2779712042"/>
+                    <a16:rowId xmlns:a16="http://schemas.microsoft.com/office/drawing/2014/main" xmlns="" val="2779712042"/>
                   </a:ext>
                 </a:extLst>
               </a:tr>
@@ -5111,7 +5126,7 @@
                 </a:tc>
                 <a:extLst>
                   <a:ext uri="{0D108BD9-81ED-4DB2-BD59-A6C34878D82A}">
-                    <a16:rowId xmlns:a16="http://schemas.microsoft.com/office/drawing/2014/main" val="3255344687"/>
+                    <a16:rowId xmlns:a16="http://schemas.microsoft.com/office/drawing/2014/main" xmlns="" val="3255344687"/>
                   </a:ext>
                 </a:extLst>
               </a:tr>
@@ -5228,7 +5243,7 @@
                 </a:tc>
                 <a:extLst>
                   <a:ext uri="{0D108BD9-81ED-4DB2-BD59-A6C34878D82A}">
-                    <a16:rowId xmlns:a16="http://schemas.microsoft.com/office/drawing/2014/main" val="2416626755"/>
+                    <a16:rowId xmlns:a16="http://schemas.microsoft.com/office/drawing/2014/main" xmlns="" val="2416626755"/>
                   </a:ext>
                 </a:extLst>
               </a:tr>
@@ -5345,7 +5360,7 @@
                 </a:tc>
                 <a:extLst>
                   <a:ext uri="{0D108BD9-81ED-4DB2-BD59-A6C34878D82A}">
-                    <a16:rowId xmlns:a16="http://schemas.microsoft.com/office/drawing/2014/main" val="3388160115"/>
+                    <a16:rowId xmlns:a16="http://schemas.microsoft.com/office/drawing/2014/main" xmlns="" val="3388160115"/>
                   </a:ext>
                 </a:extLst>
               </a:tr>
@@ -5462,7 +5477,7 @@
                 </a:tc>
                 <a:extLst>
                   <a:ext uri="{0D108BD9-81ED-4DB2-BD59-A6C34878D82A}">
-                    <a16:rowId xmlns:a16="http://schemas.microsoft.com/office/drawing/2014/main" val="3416391999"/>
+                    <a16:rowId xmlns:a16="http://schemas.microsoft.com/office/drawing/2014/main" xmlns="" val="3416391999"/>
                   </a:ext>
                 </a:extLst>
               </a:tr>
@@ -5505,7 +5520,7 @@
           <p:cNvPr id="2" name="Title 1">
             <a:extLst>
               <a:ext uri="{FF2B5EF4-FFF2-40B4-BE49-F238E27FC236}">
-                <a16:creationId xmlns:a16="http://schemas.microsoft.com/office/drawing/2014/main" id="{ED585B93-BEA3-41EA-A274-24D73F7EFF94}"/>
+                <a16:creationId xmlns:a16="http://schemas.microsoft.com/office/drawing/2014/main" xmlns="" id="{ED585B93-BEA3-41EA-A274-24D73F7EFF94}"/>
               </a:ext>
             </a:extLst>
           </p:cNvPr>
@@ -5533,7 +5548,7 @@
           <p:cNvPr id="3" name="Content Placeholder 2">
             <a:extLst>
               <a:ext uri="{FF2B5EF4-FFF2-40B4-BE49-F238E27FC236}">
-                <a16:creationId xmlns:a16="http://schemas.microsoft.com/office/drawing/2014/main" id="{38E35F28-7FA4-4BCC-9693-A057F03CC0CD}"/>
+                <a16:creationId xmlns:a16="http://schemas.microsoft.com/office/drawing/2014/main" xmlns="" id="{38E35F28-7FA4-4BCC-9693-A057F03CC0CD}"/>
               </a:ext>
             </a:extLst>
           </p:cNvPr>
@@ -5737,7 +5752,7 @@
           <p:cNvPr id="2" name="Title 1">
             <a:extLst>
               <a:ext uri="{FF2B5EF4-FFF2-40B4-BE49-F238E27FC236}">
-                <a16:creationId xmlns:a16="http://schemas.microsoft.com/office/drawing/2014/main" id="{2FF40697-F87F-457B-8AAE-B94DA4E4F291}"/>
+                <a16:creationId xmlns:a16="http://schemas.microsoft.com/office/drawing/2014/main" xmlns="" id="{2FF40697-F87F-457B-8AAE-B94DA4E4F291}"/>
               </a:ext>
             </a:extLst>
           </p:cNvPr>
@@ -5765,7 +5780,7 @@
           <p:cNvPr id="3" name="Content Placeholder 2">
             <a:extLst>
               <a:ext uri="{FF2B5EF4-FFF2-40B4-BE49-F238E27FC236}">
-                <a16:creationId xmlns:a16="http://schemas.microsoft.com/office/drawing/2014/main" id="{A722E290-D32B-4DAA-873D-D3C16AA2BAAD}"/>
+                <a16:creationId xmlns:a16="http://schemas.microsoft.com/office/drawing/2014/main" xmlns="" id="{A722E290-D32B-4DAA-873D-D3C16AA2BAAD}"/>
               </a:ext>
             </a:extLst>
           </p:cNvPr>
@@ -5907,7 +5922,7 @@
           <p:cNvPr id="2" name="Title 1">
             <a:extLst>
               <a:ext uri="{FF2B5EF4-FFF2-40B4-BE49-F238E27FC236}">
-                <a16:creationId xmlns:a16="http://schemas.microsoft.com/office/drawing/2014/main" id="{1769AC8C-6A7E-45FA-9562-D9DE6754CBAD}"/>
+                <a16:creationId xmlns:a16="http://schemas.microsoft.com/office/drawing/2014/main" xmlns="" id="{1769AC8C-6A7E-45FA-9562-D9DE6754CBAD}"/>
               </a:ext>
             </a:extLst>
           </p:cNvPr>
@@ -5935,7 +5950,7 @@
           <p:cNvPr id="5" name="Content Placeholder 4">
             <a:extLst>
               <a:ext uri="{FF2B5EF4-FFF2-40B4-BE49-F238E27FC236}">
-                <a16:creationId xmlns:a16="http://schemas.microsoft.com/office/drawing/2014/main" id="{6FFFA01F-1B89-40AC-8FBE-1D847B9809EF}"/>
+                <a16:creationId xmlns:a16="http://schemas.microsoft.com/office/drawing/2014/main" xmlns="" id="{6FFFA01F-1B89-40AC-8FBE-1D847B9809EF}"/>
               </a:ext>
             </a:extLst>
           </p:cNvPr>
@@ -6000,7 +6015,7 @@
           <p:cNvPr id="2" name="Title 1">
             <a:extLst>
               <a:ext uri="{FF2B5EF4-FFF2-40B4-BE49-F238E27FC236}">
-                <a16:creationId xmlns:a16="http://schemas.microsoft.com/office/drawing/2014/main" id="{47A289F7-7C1E-46F6-850C-5C4A3205E905}"/>
+                <a16:creationId xmlns:a16="http://schemas.microsoft.com/office/drawing/2014/main" xmlns="" id="{47A289F7-7C1E-46F6-850C-5C4A3205E905}"/>
               </a:ext>
             </a:extLst>
           </p:cNvPr>
@@ -6028,7 +6043,7 @@
           <p:cNvPr id="3" name="Content Placeholder 2">
             <a:extLst>
               <a:ext uri="{FF2B5EF4-FFF2-40B4-BE49-F238E27FC236}">
-                <a16:creationId xmlns:a16="http://schemas.microsoft.com/office/drawing/2014/main" id="{5BA735FA-D620-4677-B3F9-84CA7053B1E9}"/>
+                <a16:creationId xmlns:a16="http://schemas.microsoft.com/office/drawing/2014/main" xmlns="" id="{5BA735FA-D620-4677-B3F9-84CA7053B1E9}"/>
               </a:ext>
             </a:extLst>
           </p:cNvPr>
@@ -6141,7 +6156,7 @@
           <p:cNvPr id="2" name="Title 1">
             <a:extLst>
               <a:ext uri="{FF2B5EF4-FFF2-40B4-BE49-F238E27FC236}">
-                <a16:creationId xmlns:a16="http://schemas.microsoft.com/office/drawing/2014/main" id="{693F91C1-99DE-45FC-A7F6-CBABE9975D4B}"/>
+                <a16:creationId xmlns:a16="http://schemas.microsoft.com/office/drawing/2014/main" xmlns="" id="{693F91C1-99DE-45FC-A7F6-CBABE9975D4B}"/>
               </a:ext>
             </a:extLst>
           </p:cNvPr>
@@ -6169,7 +6184,7 @@
           <p:cNvPr id="3" name="Content Placeholder 2">
             <a:extLst>
               <a:ext uri="{FF2B5EF4-FFF2-40B4-BE49-F238E27FC236}">
-                <a16:creationId xmlns:a16="http://schemas.microsoft.com/office/drawing/2014/main" id="{51965E6A-87F9-4CC2-9E30-3C857D20DF71}"/>
+                <a16:creationId xmlns:a16="http://schemas.microsoft.com/office/drawing/2014/main" xmlns="" id="{51965E6A-87F9-4CC2-9E30-3C857D20DF71}"/>
               </a:ext>
             </a:extLst>
           </p:cNvPr>
@@ -6253,7 +6268,7 @@
           <p:cNvPr id="2" name="Title 1">
             <a:extLst>
               <a:ext uri="{FF2B5EF4-FFF2-40B4-BE49-F238E27FC236}">
-                <a16:creationId xmlns:a16="http://schemas.microsoft.com/office/drawing/2014/main" id="{EC5CF48B-31CF-4E4C-B83F-C763D13AFA5E}"/>
+                <a16:creationId xmlns:a16="http://schemas.microsoft.com/office/drawing/2014/main" xmlns="" id="{EC5CF48B-31CF-4E4C-B83F-C763D13AFA5E}"/>
               </a:ext>
             </a:extLst>
           </p:cNvPr>
@@ -6281,7 +6296,7 @@
           <p:cNvPr id="3" name="Content Placeholder 2">
             <a:extLst>
               <a:ext uri="{FF2B5EF4-FFF2-40B4-BE49-F238E27FC236}">
-                <a16:creationId xmlns:a16="http://schemas.microsoft.com/office/drawing/2014/main" id="{F38A2334-8D4D-4C56-9995-8E3DB7EF990A}"/>
+                <a16:creationId xmlns:a16="http://schemas.microsoft.com/office/drawing/2014/main" xmlns="" id="{F38A2334-8D4D-4C56-9995-8E3DB7EF990A}"/>
               </a:ext>
             </a:extLst>
           </p:cNvPr>
@@ -6321,7 +6336,7 @@
           <p:cNvPr id="4" name="Table 4">
             <a:extLst>
               <a:ext uri="{FF2B5EF4-FFF2-40B4-BE49-F238E27FC236}">
-                <a16:creationId xmlns:a16="http://schemas.microsoft.com/office/drawing/2014/main" id="{70090BE0-6F6C-4744-A3FE-6D197D3417EA}"/>
+                <a16:creationId xmlns:a16="http://schemas.microsoft.com/office/drawing/2014/main" xmlns="" id="{70090BE0-6F6C-4744-A3FE-6D197D3417EA}"/>
               </a:ext>
             </a:extLst>
           </p:cNvPr>
@@ -6350,35 +6365,35 @@
                 <a:gridCol w="1955200">
                   <a:extLst>
                     <a:ext uri="{9D8B030D-6E8A-4147-A177-3AD203B41FA5}">
-                      <a16:colId xmlns:a16="http://schemas.microsoft.com/office/drawing/2014/main" val="4214309962"/>
+                      <a16:colId xmlns:a16="http://schemas.microsoft.com/office/drawing/2014/main" xmlns="" val="4214309962"/>
                     </a:ext>
                   </a:extLst>
                 </a:gridCol>
                 <a:gridCol w="1018082">
                   <a:extLst>
                     <a:ext uri="{9D8B030D-6E8A-4147-A177-3AD203B41FA5}">
-                      <a16:colId xmlns:a16="http://schemas.microsoft.com/office/drawing/2014/main" val="1220333688"/>
+                      <a16:colId xmlns:a16="http://schemas.microsoft.com/office/drawing/2014/main" xmlns="" val="1220333688"/>
                     </a:ext>
                   </a:extLst>
                 </a:gridCol>
                 <a:gridCol w="1018082">
                   <a:extLst>
                     <a:ext uri="{9D8B030D-6E8A-4147-A177-3AD203B41FA5}">
-                      <a16:colId xmlns:a16="http://schemas.microsoft.com/office/drawing/2014/main" val="2480967799"/>
+                      <a16:colId xmlns:a16="http://schemas.microsoft.com/office/drawing/2014/main" xmlns="" val="2480967799"/>
                     </a:ext>
                   </a:extLst>
                 </a:gridCol>
                 <a:gridCol w="1060029">
                   <a:extLst>
                     <a:ext uri="{9D8B030D-6E8A-4147-A177-3AD203B41FA5}">
-                      <a16:colId xmlns:a16="http://schemas.microsoft.com/office/drawing/2014/main" val="4190340588"/>
+                      <a16:colId xmlns:a16="http://schemas.microsoft.com/office/drawing/2014/main" xmlns="" val="4190340588"/>
                     </a:ext>
                   </a:extLst>
                 </a:gridCol>
                 <a:gridCol w="1884926">
                   <a:extLst>
                     <a:ext uri="{9D8B030D-6E8A-4147-A177-3AD203B41FA5}">
-                      <a16:colId xmlns:a16="http://schemas.microsoft.com/office/drawing/2014/main" val="1164797993"/>
+                      <a16:colId xmlns:a16="http://schemas.microsoft.com/office/drawing/2014/main" xmlns="" val="1164797993"/>
                     </a:ext>
                   </a:extLst>
                 </a:gridCol>
@@ -6451,7 +6466,7 @@
                 </a:tc>
                 <a:extLst>
                   <a:ext uri="{0D108BD9-81ED-4DB2-BD59-A6C34878D82A}">
-                    <a16:rowId xmlns:a16="http://schemas.microsoft.com/office/drawing/2014/main" val="1440860902"/>
+                    <a16:rowId xmlns:a16="http://schemas.microsoft.com/office/drawing/2014/main" xmlns="" val="1440860902"/>
                   </a:ext>
                 </a:extLst>
               </a:tr>
@@ -6550,7 +6565,7 @@
                 </a:tc>
                 <a:extLst>
                   <a:ext uri="{0D108BD9-81ED-4DB2-BD59-A6C34878D82A}">
-                    <a16:rowId xmlns:a16="http://schemas.microsoft.com/office/drawing/2014/main" val="3722050617"/>
+                    <a16:rowId xmlns:a16="http://schemas.microsoft.com/office/drawing/2014/main" xmlns="" val="3722050617"/>
                   </a:ext>
                 </a:extLst>
               </a:tr>
@@ -6648,7 +6663,7 @@
                 </a:tc>
                 <a:extLst>
                   <a:ext uri="{0D108BD9-81ED-4DB2-BD59-A6C34878D82A}">
-                    <a16:rowId xmlns:a16="http://schemas.microsoft.com/office/drawing/2014/main" val="750070091"/>
+                    <a16:rowId xmlns:a16="http://schemas.microsoft.com/office/drawing/2014/main" xmlns="" val="750070091"/>
                   </a:ext>
                 </a:extLst>
               </a:tr>
@@ -6744,7 +6759,7 @@
                 </a:tc>
                 <a:extLst>
                   <a:ext uri="{0D108BD9-81ED-4DB2-BD59-A6C34878D82A}">
-                    <a16:rowId xmlns:a16="http://schemas.microsoft.com/office/drawing/2014/main" val="2231563727"/>
+                    <a16:rowId xmlns:a16="http://schemas.microsoft.com/office/drawing/2014/main" xmlns="" val="2231563727"/>
                   </a:ext>
                 </a:extLst>
               </a:tr>
@@ -6840,7 +6855,7 @@
                 </a:tc>
                 <a:extLst>
                   <a:ext uri="{0D108BD9-81ED-4DB2-BD59-A6C34878D82A}">
-                    <a16:rowId xmlns:a16="http://schemas.microsoft.com/office/drawing/2014/main" val="2196828740"/>
+                    <a16:rowId xmlns:a16="http://schemas.microsoft.com/office/drawing/2014/main" xmlns="" val="2196828740"/>
                   </a:ext>
                 </a:extLst>
               </a:tr>
@@ -6936,7 +6951,7 @@
                 </a:tc>
                 <a:extLst>
                   <a:ext uri="{0D108BD9-81ED-4DB2-BD59-A6C34878D82A}">
-                    <a16:rowId xmlns:a16="http://schemas.microsoft.com/office/drawing/2014/main" val="3610824868"/>
+                    <a16:rowId xmlns:a16="http://schemas.microsoft.com/office/drawing/2014/main" xmlns="" val="3610824868"/>
                   </a:ext>
                 </a:extLst>
               </a:tr>
@@ -7032,7 +7047,7 @@
                 </a:tc>
                 <a:extLst>
                   <a:ext uri="{0D108BD9-81ED-4DB2-BD59-A6C34878D82A}">
-                    <a16:rowId xmlns:a16="http://schemas.microsoft.com/office/drawing/2014/main" val="1448076085"/>
+                    <a16:rowId xmlns:a16="http://schemas.microsoft.com/office/drawing/2014/main" xmlns="" val="1448076085"/>
                   </a:ext>
                 </a:extLst>
               </a:tr>
@@ -7075,7 +7090,7 @@
           <p:cNvPr id="2" name="Title 1">
             <a:extLst>
               <a:ext uri="{FF2B5EF4-FFF2-40B4-BE49-F238E27FC236}">
-                <a16:creationId xmlns:a16="http://schemas.microsoft.com/office/drawing/2014/main" id="{54B9F6F0-7DB3-4852-B506-FABDF5299892}"/>
+                <a16:creationId xmlns:a16="http://schemas.microsoft.com/office/drawing/2014/main" xmlns="" id="{54B9F6F0-7DB3-4852-B506-FABDF5299892}"/>
               </a:ext>
             </a:extLst>
           </p:cNvPr>
@@ -7103,7 +7118,7 @@
           <p:cNvPr id="7" name="Table 7">
             <a:extLst>
               <a:ext uri="{FF2B5EF4-FFF2-40B4-BE49-F238E27FC236}">
-                <a16:creationId xmlns:a16="http://schemas.microsoft.com/office/drawing/2014/main" id="{7990AA2E-03DD-4D73-A6DA-97E6BD92061F}"/>
+                <a16:creationId xmlns:a16="http://schemas.microsoft.com/office/drawing/2014/main" xmlns="" id="{7990AA2E-03DD-4D73-A6DA-97E6BD92061F}"/>
               </a:ext>
             </a:extLst>
           </p:cNvPr>
@@ -7133,63 +7148,63 @@
                 <a:gridCol w="786069">
                   <a:extLst>
                     <a:ext uri="{9D8B030D-6E8A-4147-A177-3AD203B41FA5}">
-                      <a16:colId xmlns:a16="http://schemas.microsoft.com/office/drawing/2014/main" val="2280984329"/>
+                      <a16:colId xmlns:a16="http://schemas.microsoft.com/office/drawing/2014/main" xmlns="" val="2280984329"/>
                     </a:ext>
                   </a:extLst>
                 </a:gridCol>
                 <a:gridCol w="582233">
                   <a:extLst>
                     <a:ext uri="{9D8B030D-6E8A-4147-A177-3AD203B41FA5}">
-                      <a16:colId xmlns:a16="http://schemas.microsoft.com/office/drawing/2014/main" val="2131263198"/>
+                      <a16:colId xmlns:a16="http://schemas.microsoft.com/office/drawing/2014/main" xmlns="" val="2131263198"/>
                     </a:ext>
                   </a:extLst>
                 </a:gridCol>
                 <a:gridCol w="498726">
                   <a:extLst>
                     <a:ext uri="{9D8B030D-6E8A-4147-A177-3AD203B41FA5}">
-                      <a16:colId xmlns:a16="http://schemas.microsoft.com/office/drawing/2014/main" val="1097013496"/>
+                      <a16:colId xmlns:a16="http://schemas.microsoft.com/office/drawing/2014/main" xmlns="" val="1097013496"/>
                     </a:ext>
                   </a:extLst>
                 </a:gridCol>
                 <a:gridCol w="498726">
                   <a:extLst>
                     <a:ext uri="{9D8B030D-6E8A-4147-A177-3AD203B41FA5}">
-                      <a16:colId xmlns:a16="http://schemas.microsoft.com/office/drawing/2014/main" val="2987665690"/>
+                      <a16:colId xmlns:a16="http://schemas.microsoft.com/office/drawing/2014/main" xmlns="" val="2987665690"/>
                     </a:ext>
                   </a:extLst>
                 </a:gridCol>
                 <a:gridCol w="498726">
                   <a:extLst>
                     <a:ext uri="{9D8B030D-6E8A-4147-A177-3AD203B41FA5}">
-                      <a16:colId xmlns:a16="http://schemas.microsoft.com/office/drawing/2014/main" val="2828808762"/>
+                      <a16:colId xmlns:a16="http://schemas.microsoft.com/office/drawing/2014/main" xmlns="" val="2828808762"/>
                     </a:ext>
                   </a:extLst>
                 </a:gridCol>
                 <a:gridCol w="498726">
                   <a:extLst>
                     <a:ext uri="{9D8B030D-6E8A-4147-A177-3AD203B41FA5}">
-                      <a16:colId xmlns:a16="http://schemas.microsoft.com/office/drawing/2014/main" val="204906864"/>
+                      <a16:colId xmlns:a16="http://schemas.microsoft.com/office/drawing/2014/main" xmlns="" val="204906864"/>
                     </a:ext>
                   </a:extLst>
                 </a:gridCol>
                 <a:gridCol w="498726">
                   <a:extLst>
                     <a:ext uri="{9D8B030D-6E8A-4147-A177-3AD203B41FA5}">
-                      <a16:colId xmlns:a16="http://schemas.microsoft.com/office/drawing/2014/main" val="1984915671"/>
+                      <a16:colId xmlns:a16="http://schemas.microsoft.com/office/drawing/2014/main" xmlns="" val="1984915671"/>
                     </a:ext>
                   </a:extLst>
                 </a:gridCol>
                 <a:gridCol w="498726">
                   <a:extLst>
                     <a:ext uri="{9D8B030D-6E8A-4147-A177-3AD203B41FA5}">
-                      <a16:colId xmlns:a16="http://schemas.microsoft.com/office/drawing/2014/main" val="1162398049"/>
+                      <a16:colId xmlns:a16="http://schemas.microsoft.com/office/drawing/2014/main" xmlns="" val="1162398049"/>
                     </a:ext>
                   </a:extLst>
                 </a:gridCol>
                 <a:gridCol w="498726">
                   <a:extLst>
                     <a:ext uri="{9D8B030D-6E8A-4147-A177-3AD203B41FA5}">
-                      <a16:colId xmlns:a16="http://schemas.microsoft.com/office/drawing/2014/main" val="3673277767"/>
+                      <a16:colId xmlns:a16="http://schemas.microsoft.com/office/drawing/2014/main" xmlns="" val="3673277767"/>
                     </a:ext>
                   </a:extLst>
                 </a:gridCol>
@@ -7416,7 +7431,7 @@
                 </a:tc>
                 <a:extLst>
                   <a:ext uri="{0D108BD9-81ED-4DB2-BD59-A6C34878D82A}">
-                    <a16:rowId xmlns:a16="http://schemas.microsoft.com/office/drawing/2014/main" val="2045821520"/>
+                    <a16:rowId xmlns:a16="http://schemas.microsoft.com/office/drawing/2014/main" xmlns="" val="2045821520"/>
                   </a:ext>
                 </a:extLst>
               </a:tr>
@@ -7585,7 +7600,7 @@
                 </a:tc>
                 <a:extLst>
                   <a:ext uri="{0D108BD9-81ED-4DB2-BD59-A6C34878D82A}">
-                    <a16:rowId xmlns:a16="http://schemas.microsoft.com/office/drawing/2014/main" val="2723981719"/>
+                    <a16:rowId xmlns:a16="http://schemas.microsoft.com/office/drawing/2014/main" xmlns="" val="2723981719"/>
                   </a:ext>
                 </a:extLst>
               </a:tr>
@@ -7754,7 +7769,7 @@
                 </a:tc>
                 <a:extLst>
                   <a:ext uri="{0D108BD9-81ED-4DB2-BD59-A6C34878D82A}">
-                    <a16:rowId xmlns:a16="http://schemas.microsoft.com/office/drawing/2014/main" val="3143795977"/>
+                    <a16:rowId xmlns:a16="http://schemas.microsoft.com/office/drawing/2014/main" xmlns="" val="3143795977"/>
                   </a:ext>
                 </a:extLst>
               </a:tr>
@@ -7923,7 +7938,7 @@
                 </a:tc>
                 <a:extLst>
                   <a:ext uri="{0D108BD9-81ED-4DB2-BD59-A6C34878D82A}">
-                    <a16:rowId xmlns:a16="http://schemas.microsoft.com/office/drawing/2014/main" val="3558029196"/>
+                    <a16:rowId xmlns:a16="http://schemas.microsoft.com/office/drawing/2014/main" xmlns="" val="3558029196"/>
                   </a:ext>
                 </a:extLst>
               </a:tr>
@@ -8092,7 +8107,7 @@
                 </a:tc>
                 <a:extLst>
                   <a:ext uri="{0D108BD9-81ED-4DB2-BD59-A6C34878D82A}">
-                    <a16:rowId xmlns:a16="http://schemas.microsoft.com/office/drawing/2014/main" val="1557115363"/>
+                    <a16:rowId xmlns:a16="http://schemas.microsoft.com/office/drawing/2014/main" xmlns="" val="1557115363"/>
                   </a:ext>
                 </a:extLst>
               </a:tr>
@@ -8261,7 +8276,7 @@
                 </a:tc>
                 <a:extLst>
                   <a:ext uri="{0D108BD9-81ED-4DB2-BD59-A6C34878D82A}">
-                    <a16:rowId xmlns:a16="http://schemas.microsoft.com/office/drawing/2014/main" val="300418311"/>
+                    <a16:rowId xmlns:a16="http://schemas.microsoft.com/office/drawing/2014/main" xmlns="" val="300418311"/>
                   </a:ext>
                 </a:extLst>
               </a:tr>
@@ -8436,7 +8451,7 @@
                 </a:tc>
                 <a:extLst>
                   <a:ext uri="{0D108BD9-81ED-4DB2-BD59-A6C34878D82A}">
-                    <a16:rowId xmlns:a16="http://schemas.microsoft.com/office/drawing/2014/main" val="915394205"/>
+                    <a16:rowId xmlns:a16="http://schemas.microsoft.com/office/drawing/2014/main" xmlns="" val="915394205"/>
                   </a:ext>
                 </a:extLst>
               </a:tr>
@@ -8449,7 +8464,7 @@
           <p:cNvPr id="9" name="Picture 8">
             <a:extLst>
               <a:ext uri="{FF2B5EF4-FFF2-40B4-BE49-F238E27FC236}">
-                <a16:creationId xmlns:a16="http://schemas.microsoft.com/office/drawing/2014/main" id="{BCC1CE06-DC1B-42E7-B1D7-16BC958A4013}"/>
+                <a16:creationId xmlns:a16="http://schemas.microsoft.com/office/drawing/2014/main" xmlns="" id="{BCC1CE06-DC1B-42E7-B1D7-16BC958A4013}"/>
               </a:ext>
             </a:extLst>
           </p:cNvPr>
@@ -8509,7 +8524,7 @@
           <p:cNvPr id="2" name="Title 1">
             <a:extLst>
               <a:ext uri="{FF2B5EF4-FFF2-40B4-BE49-F238E27FC236}">
-                <a16:creationId xmlns:a16="http://schemas.microsoft.com/office/drawing/2014/main" id="{693F91C1-99DE-45FC-A7F6-CBABE9975D4B}"/>
+                <a16:creationId xmlns:a16="http://schemas.microsoft.com/office/drawing/2014/main" xmlns="" id="{693F91C1-99DE-45FC-A7F6-CBABE9975D4B}"/>
               </a:ext>
             </a:extLst>
           </p:cNvPr>
@@ -8537,7 +8552,7 @@
           <p:cNvPr id="3" name="Content Placeholder 2">
             <a:extLst>
               <a:ext uri="{FF2B5EF4-FFF2-40B4-BE49-F238E27FC236}">
-                <a16:creationId xmlns:a16="http://schemas.microsoft.com/office/drawing/2014/main" id="{51965E6A-87F9-4CC2-9E30-3C857D20DF71}"/>
+                <a16:creationId xmlns:a16="http://schemas.microsoft.com/office/drawing/2014/main" xmlns="" id="{51965E6A-87F9-4CC2-9E30-3C857D20DF71}"/>
               </a:ext>
             </a:extLst>
           </p:cNvPr>
@@ -8595,7 +8610,7 @@
           <p:cNvPr id="2" name="Title 1">
             <a:extLst>
               <a:ext uri="{FF2B5EF4-FFF2-40B4-BE49-F238E27FC236}">
-                <a16:creationId xmlns:a16="http://schemas.microsoft.com/office/drawing/2014/main" id="{C5723F55-D07F-4E66-9BAA-754C68CE849A}"/>
+                <a16:creationId xmlns:a16="http://schemas.microsoft.com/office/drawing/2014/main" xmlns="" id="{C5723F55-D07F-4E66-9BAA-754C68CE849A}"/>
               </a:ext>
             </a:extLst>
           </p:cNvPr>
@@ -8623,7 +8638,7 @@
           <p:cNvPr id="3" name="Content Placeholder 2">
             <a:extLst>
               <a:ext uri="{FF2B5EF4-FFF2-40B4-BE49-F238E27FC236}">
-                <a16:creationId xmlns:a16="http://schemas.microsoft.com/office/drawing/2014/main" id="{CA299F92-DB79-49E7-B9D4-0B093224102D}"/>
+                <a16:creationId xmlns:a16="http://schemas.microsoft.com/office/drawing/2014/main" xmlns="" id="{CA299F92-DB79-49E7-B9D4-0B093224102D}"/>
               </a:ext>
             </a:extLst>
           </p:cNvPr>
@@ -8682,7 +8697,7 @@
           <p:cNvPr id="4" name="Table 4">
             <a:extLst>
               <a:ext uri="{FF2B5EF4-FFF2-40B4-BE49-F238E27FC236}">
-                <a16:creationId xmlns:a16="http://schemas.microsoft.com/office/drawing/2014/main" id="{2A5C9B5F-B12D-43B8-A7D3-92C6A635E9F7}"/>
+                <a16:creationId xmlns:a16="http://schemas.microsoft.com/office/drawing/2014/main" xmlns="" id="{2A5C9B5F-B12D-43B8-A7D3-92C6A635E9F7}"/>
               </a:ext>
             </a:extLst>
           </p:cNvPr>
@@ -8711,42 +8726,42 @@
                 <a:gridCol w="1691746">
                   <a:extLst>
                     <a:ext uri="{9D8B030D-6E8A-4147-A177-3AD203B41FA5}">
-                      <a16:colId xmlns:a16="http://schemas.microsoft.com/office/drawing/2014/main" val="2681313205"/>
+                      <a16:colId xmlns:a16="http://schemas.microsoft.com/office/drawing/2014/main" xmlns="" val="2681313205"/>
                     </a:ext>
                   </a:extLst>
                 </a:gridCol>
                 <a:gridCol w="1691746">
                   <a:extLst>
                     <a:ext uri="{9D8B030D-6E8A-4147-A177-3AD203B41FA5}">
-                      <a16:colId xmlns:a16="http://schemas.microsoft.com/office/drawing/2014/main" val="1274565177"/>
+                      <a16:colId xmlns:a16="http://schemas.microsoft.com/office/drawing/2014/main" xmlns="" val="1274565177"/>
                     </a:ext>
                   </a:extLst>
                 </a:gridCol>
                 <a:gridCol w="1691746">
                   <a:extLst>
                     <a:ext uri="{9D8B030D-6E8A-4147-A177-3AD203B41FA5}">
-                      <a16:colId xmlns:a16="http://schemas.microsoft.com/office/drawing/2014/main" val="3327581110"/>
+                      <a16:colId xmlns:a16="http://schemas.microsoft.com/office/drawing/2014/main" xmlns="" val="3327581110"/>
                     </a:ext>
                   </a:extLst>
                 </a:gridCol>
                 <a:gridCol w="1691746">
                   <a:extLst>
                     <a:ext uri="{9D8B030D-6E8A-4147-A177-3AD203B41FA5}">
-                      <a16:colId xmlns:a16="http://schemas.microsoft.com/office/drawing/2014/main" val="557321545"/>
+                      <a16:colId xmlns:a16="http://schemas.microsoft.com/office/drawing/2014/main" xmlns="" val="557321545"/>
                     </a:ext>
                   </a:extLst>
                 </a:gridCol>
                 <a:gridCol w="1691746">
                   <a:extLst>
                     <a:ext uri="{9D8B030D-6E8A-4147-A177-3AD203B41FA5}">
-                      <a16:colId xmlns:a16="http://schemas.microsoft.com/office/drawing/2014/main" val="906998426"/>
+                      <a16:colId xmlns:a16="http://schemas.microsoft.com/office/drawing/2014/main" xmlns="" val="906998426"/>
                     </a:ext>
                   </a:extLst>
                 </a:gridCol>
                 <a:gridCol w="1691746">
                   <a:extLst>
                     <a:ext uri="{9D8B030D-6E8A-4147-A177-3AD203B41FA5}">
-                      <a16:colId xmlns:a16="http://schemas.microsoft.com/office/drawing/2014/main" val="19775199"/>
+                      <a16:colId xmlns:a16="http://schemas.microsoft.com/office/drawing/2014/main" xmlns="" val="19775199"/>
                     </a:ext>
                   </a:extLst>
                 </a:gridCol>
@@ -8838,7 +8853,7 @@
                 </a:tc>
                 <a:extLst>
                   <a:ext uri="{0D108BD9-81ED-4DB2-BD59-A6C34878D82A}">
-                    <a16:rowId xmlns:a16="http://schemas.microsoft.com/office/drawing/2014/main" val="652785495"/>
+                    <a16:rowId xmlns:a16="http://schemas.microsoft.com/office/drawing/2014/main" xmlns="" val="652785495"/>
                   </a:ext>
                 </a:extLst>
               </a:tr>
@@ -8929,7 +8944,7 @@
                 </a:tc>
                 <a:extLst>
                   <a:ext uri="{0D108BD9-81ED-4DB2-BD59-A6C34878D82A}">
-                    <a16:rowId xmlns:a16="http://schemas.microsoft.com/office/drawing/2014/main" val="391719823"/>
+                    <a16:rowId xmlns:a16="http://schemas.microsoft.com/office/drawing/2014/main" xmlns="" val="391719823"/>
                   </a:ext>
                 </a:extLst>
               </a:tr>
@@ -9020,7 +9035,7 @@
                 </a:tc>
                 <a:extLst>
                   <a:ext uri="{0D108BD9-81ED-4DB2-BD59-A6C34878D82A}">
-                    <a16:rowId xmlns:a16="http://schemas.microsoft.com/office/drawing/2014/main" val="4150123384"/>
+                    <a16:rowId xmlns:a16="http://schemas.microsoft.com/office/drawing/2014/main" xmlns="" val="4150123384"/>
                   </a:ext>
                 </a:extLst>
               </a:tr>
@@ -9111,7 +9126,7 @@
                 </a:tc>
                 <a:extLst>
                   <a:ext uri="{0D108BD9-81ED-4DB2-BD59-A6C34878D82A}">
-                    <a16:rowId xmlns:a16="http://schemas.microsoft.com/office/drawing/2014/main" val="2915174795"/>
+                    <a16:rowId xmlns:a16="http://schemas.microsoft.com/office/drawing/2014/main" xmlns="" val="2915174795"/>
                   </a:ext>
                 </a:extLst>
               </a:tr>
@@ -9154,7 +9169,7 @@
           <p:cNvPr id="2" name="Title 1">
             <a:extLst>
               <a:ext uri="{FF2B5EF4-FFF2-40B4-BE49-F238E27FC236}">
-                <a16:creationId xmlns:a16="http://schemas.microsoft.com/office/drawing/2014/main" id="{92FD0CF7-0C7D-4338-9B72-EA62D0D009E9}"/>
+                <a16:creationId xmlns:a16="http://schemas.microsoft.com/office/drawing/2014/main" xmlns="" id="{92FD0CF7-0C7D-4338-9B72-EA62D0D009E9}"/>
               </a:ext>
             </a:extLst>
           </p:cNvPr>
@@ -9190,7 +9205,7 @@
           <p:cNvPr id="3" name="Content Placeholder 2">
             <a:extLst>
               <a:ext uri="{FF2B5EF4-FFF2-40B4-BE49-F238E27FC236}">
-                <a16:creationId xmlns:a16="http://schemas.microsoft.com/office/drawing/2014/main" id="{2672AED0-36D7-41E2-9CDD-1F831B01E13E}"/>
+                <a16:creationId xmlns:a16="http://schemas.microsoft.com/office/drawing/2014/main" xmlns="" id="{2672AED0-36D7-41E2-9CDD-1F831B01E13E}"/>
               </a:ext>
             </a:extLst>
           </p:cNvPr>
@@ -9275,7 +9290,7 @@
           <p:cNvPr id="2" name="Title 1">
             <a:extLst>
               <a:ext uri="{FF2B5EF4-FFF2-40B4-BE49-F238E27FC236}">
-                <a16:creationId xmlns:a16="http://schemas.microsoft.com/office/drawing/2014/main" id="{5115C648-66B8-49BE-B33E-D2150B203B24}"/>
+                <a16:creationId xmlns:a16="http://schemas.microsoft.com/office/drawing/2014/main" xmlns="" id="{5115C648-66B8-49BE-B33E-D2150B203B24}"/>
               </a:ext>
             </a:extLst>
           </p:cNvPr>
@@ -9303,7 +9318,7 @@
           <p:cNvPr id="3" name="Content Placeholder 2">
             <a:extLst>
               <a:ext uri="{FF2B5EF4-FFF2-40B4-BE49-F238E27FC236}">
-                <a16:creationId xmlns:a16="http://schemas.microsoft.com/office/drawing/2014/main" id="{B7CBAD27-F7D7-45FE-9E5B-0B22E29CC45E}"/>
+                <a16:creationId xmlns:a16="http://schemas.microsoft.com/office/drawing/2014/main" xmlns="" id="{B7CBAD27-F7D7-45FE-9E5B-0B22E29CC45E}"/>
               </a:ext>
             </a:extLst>
           </p:cNvPr>
@@ -9361,7 +9376,7 @@
           <p:cNvPr id="8" name="Rectangle 3">
             <a:extLst>
               <a:ext uri="{FF2B5EF4-FFF2-40B4-BE49-F238E27FC236}">
-                <a16:creationId xmlns:a16="http://schemas.microsoft.com/office/drawing/2014/main" id="{A59012F7-007B-4721-9046-E5B2FC83BD87}"/>
+                <a16:creationId xmlns:a16="http://schemas.microsoft.com/office/drawing/2014/main" xmlns="" id="{A59012F7-007B-4721-9046-E5B2FC83BD87}"/>
               </a:ext>
             </a:extLst>
           </p:cNvPr>
@@ -9505,7 +9520,7 @@
           <p:cNvPr id="2" name="Title 1">
             <a:extLst>
               <a:ext uri="{FF2B5EF4-FFF2-40B4-BE49-F238E27FC236}">
-                <a16:creationId xmlns:a16="http://schemas.microsoft.com/office/drawing/2014/main" id="{5115C648-66B8-49BE-B33E-D2150B203B24}"/>
+                <a16:creationId xmlns:a16="http://schemas.microsoft.com/office/drawing/2014/main" xmlns="" id="{5115C648-66B8-49BE-B33E-D2150B203B24}"/>
               </a:ext>
             </a:extLst>
           </p:cNvPr>
@@ -9533,7 +9548,7 @@
           <p:cNvPr id="3" name="Content Placeholder 2">
             <a:extLst>
               <a:ext uri="{FF2B5EF4-FFF2-40B4-BE49-F238E27FC236}">
-                <a16:creationId xmlns:a16="http://schemas.microsoft.com/office/drawing/2014/main" id="{B7CBAD27-F7D7-45FE-9E5B-0B22E29CC45E}"/>
+                <a16:creationId xmlns:a16="http://schemas.microsoft.com/office/drawing/2014/main" xmlns="" id="{B7CBAD27-F7D7-45FE-9E5B-0B22E29CC45E}"/>
               </a:ext>
             </a:extLst>
           </p:cNvPr>
@@ -9567,7 +9582,7 @@
           <p:cNvPr id="4" name="Table 4">
             <a:extLst>
               <a:ext uri="{FF2B5EF4-FFF2-40B4-BE49-F238E27FC236}">
-                <a16:creationId xmlns:a16="http://schemas.microsoft.com/office/drawing/2014/main" id="{249B5480-B1CA-47D0-BA73-02DAC27D5EFE}"/>
+                <a16:creationId xmlns:a16="http://schemas.microsoft.com/office/drawing/2014/main" xmlns="" id="{249B5480-B1CA-47D0-BA73-02DAC27D5EFE}"/>
               </a:ext>
             </a:extLst>
           </p:cNvPr>
@@ -9596,28 +9611,28 @@
                 <a:gridCol w="859230">
                   <a:extLst>
                     <a:ext uri="{9D8B030D-6E8A-4147-A177-3AD203B41FA5}">
-                      <a16:colId xmlns:a16="http://schemas.microsoft.com/office/drawing/2014/main" val="234728728"/>
+                      <a16:colId xmlns:a16="http://schemas.microsoft.com/office/drawing/2014/main" xmlns="" val="234728728"/>
                     </a:ext>
                   </a:extLst>
                 </a:gridCol>
                 <a:gridCol w="1564615">
                   <a:extLst>
                     <a:ext uri="{9D8B030D-6E8A-4147-A177-3AD203B41FA5}">
-                      <a16:colId xmlns:a16="http://schemas.microsoft.com/office/drawing/2014/main" val="1073814496"/>
+                      <a16:colId xmlns:a16="http://schemas.microsoft.com/office/drawing/2014/main" xmlns="" val="1073814496"/>
                     </a:ext>
                   </a:extLst>
                 </a:gridCol>
                 <a:gridCol w="1564615">
                   <a:extLst>
                     <a:ext uri="{9D8B030D-6E8A-4147-A177-3AD203B41FA5}">
-                      <a16:colId xmlns:a16="http://schemas.microsoft.com/office/drawing/2014/main" val="1589982913"/>
+                      <a16:colId xmlns:a16="http://schemas.microsoft.com/office/drawing/2014/main" xmlns="" val="1589982913"/>
                     </a:ext>
                   </a:extLst>
                 </a:gridCol>
                 <a:gridCol w="1564615">
                   <a:extLst>
                     <a:ext uri="{9D8B030D-6E8A-4147-A177-3AD203B41FA5}">
-                      <a16:colId xmlns:a16="http://schemas.microsoft.com/office/drawing/2014/main" val="4266380793"/>
+                      <a16:colId xmlns:a16="http://schemas.microsoft.com/office/drawing/2014/main" xmlns="" val="4266380793"/>
                     </a:ext>
                   </a:extLst>
                 </a:gridCol>
@@ -9697,7 +9712,7 @@
                 </a:tc>
                 <a:extLst>
                   <a:ext uri="{0D108BD9-81ED-4DB2-BD59-A6C34878D82A}">
-                    <a16:rowId xmlns:a16="http://schemas.microsoft.com/office/drawing/2014/main" val="1179860051"/>
+                    <a16:rowId xmlns:a16="http://schemas.microsoft.com/office/drawing/2014/main" xmlns="" val="1179860051"/>
                   </a:ext>
                 </a:extLst>
               </a:tr>
@@ -9760,7 +9775,7 @@
                 </a:tc>
                 <a:extLst>
                   <a:ext uri="{0D108BD9-81ED-4DB2-BD59-A6C34878D82A}">
-                    <a16:rowId xmlns:a16="http://schemas.microsoft.com/office/drawing/2014/main" val="3755276059"/>
+                    <a16:rowId xmlns:a16="http://schemas.microsoft.com/office/drawing/2014/main" xmlns="" val="3755276059"/>
                   </a:ext>
                 </a:extLst>
               </a:tr>
@@ -9816,7 +9831,7 @@
                 </a:tc>
                 <a:extLst>
                   <a:ext uri="{0D108BD9-81ED-4DB2-BD59-A6C34878D82A}">
-                    <a16:rowId xmlns:a16="http://schemas.microsoft.com/office/drawing/2014/main" val="2228960390"/>
+                    <a16:rowId xmlns:a16="http://schemas.microsoft.com/office/drawing/2014/main" xmlns="" val="2228960390"/>
                   </a:ext>
                 </a:extLst>
               </a:tr>
@@ -9879,7 +9894,7 @@
                 </a:tc>
                 <a:extLst>
                   <a:ext uri="{0D108BD9-81ED-4DB2-BD59-A6C34878D82A}">
-                    <a16:rowId xmlns:a16="http://schemas.microsoft.com/office/drawing/2014/main" val="4183955610"/>
+                    <a16:rowId xmlns:a16="http://schemas.microsoft.com/office/drawing/2014/main" xmlns="" val="4183955610"/>
                   </a:ext>
                 </a:extLst>
               </a:tr>
@@ -9935,7 +9950,7 @@
                 </a:tc>
                 <a:extLst>
                   <a:ext uri="{0D108BD9-81ED-4DB2-BD59-A6C34878D82A}">
-                    <a16:rowId xmlns:a16="http://schemas.microsoft.com/office/drawing/2014/main" val="3016369053"/>
+                    <a16:rowId xmlns:a16="http://schemas.microsoft.com/office/drawing/2014/main" xmlns="" val="3016369053"/>
                   </a:ext>
                 </a:extLst>
               </a:tr>
@@ -9998,7 +10013,7 @@
                 </a:tc>
                 <a:extLst>
                   <a:ext uri="{0D108BD9-81ED-4DB2-BD59-A6C34878D82A}">
-                    <a16:rowId xmlns:a16="http://schemas.microsoft.com/office/drawing/2014/main" val="780398715"/>
+                    <a16:rowId xmlns:a16="http://schemas.microsoft.com/office/drawing/2014/main" xmlns="" val="780398715"/>
                   </a:ext>
                 </a:extLst>
               </a:tr>
@@ -10061,7 +10076,7 @@
                 </a:tc>
                 <a:extLst>
                   <a:ext uri="{0D108BD9-81ED-4DB2-BD59-A6C34878D82A}">
-                    <a16:rowId xmlns:a16="http://schemas.microsoft.com/office/drawing/2014/main" val="639378041"/>
+                    <a16:rowId xmlns:a16="http://schemas.microsoft.com/office/drawing/2014/main" xmlns="" val="639378041"/>
                   </a:ext>
                 </a:extLst>
               </a:tr>
@@ -10121,7 +10136,7 @@
                 </a:tc>
                 <a:extLst>
                   <a:ext uri="{0D108BD9-81ED-4DB2-BD59-A6C34878D82A}">
-                    <a16:rowId xmlns:a16="http://schemas.microsoft.com/office/drawing/2014/main" val="2282781407"/>
+                    <a16:rowId xmlns:a16="http://schemas.microsoft.com/office/drawing/2014/main" xmlns="" val="2282781407"/>
                   </a:ext>
                 </a:extLst>
               </a:tr>
@@ -10184,7 +10199,7 @@
                 </a:tc>
                 <a:extLst>
                   <a:ext uri="{0D108BD9-81ED-4DB2-BD59-A6C34878D82A}">
-                    <a16:rowId xmlns:a16="http://schemas.microsoft.com/office/drawing/2014/main" val="3342183739"/>
+                    <a16:rowId xmlns:a16="http://schemas.microsoft.com/office/drawing/2014/main" xmlns="" val="3342183739"/>
                   </a:ext>
                 </a:extLst>
               </a:tr>
@@ -10197,7 +10212,7 @@
           <p:cNvPr id="8" name="Rectangle 3">
             <a:extLst>
               <a:ext uri="{FF2B5EF4-FFF2-40B4-BE49-F238E27FC236}">
-                <a16:creationId xmlns:a16="http://schemas.microsoft.com/office/drawing/2014/main" id="{A59012F7-007B-4721-9046-E5B2FC83BD87}"/>
+                <a16:creationId xmlns:a16="http://schemas.microsoft.com/office/drawing/2014/main" xmlns="" id="{A59012F7-007B-4721-9046-E5B2FC83BD87}"/>
               </a:ext>
             </a:extLst>
           </p:cNvPr>
@@ -10341,7 +10356,7 @@
           <p:cNvPr id="2" name="Title 1">
             <a:extLst>
               <a:ext uri="{FF2B5EF4-FFF2-40B4-BE49-F238E27FC236}">
-                <a16:creationId xmlns:a16="http://schemas.microsoft.com/office/drawing/2014/main" id="{27A329C0-DD08-4AE5-869B-8FD0F9676F74}"/>
+                <a16:creationId xmlns:a16="http://schemas.microsoft.com/office/drawing/2014/main" xmlns="" id="{27A329C0-DD08-4AE5-869B-8FD0F9676F74}"/>
               </a:ext>
             </a:extLst>
           </p:cNvPr>
@@ -10369,7 +10384,7 @@
           <p:cNvPr id="4" name="Content Placeholder 3">
             <a:extLst>
               <a:ext uri="{FF2B5EF4-FFF2-40B4-BE49-F238E27FC236}">
-                <a16:creationId xmlns:a16="http://schemas.microsoft.com/office/drawing/2014/main" id="{56F2A724-1A8B-4AF0-85DE-E522981BBB24}"/>
+                <a16:creationId xmlns:a16="http://schemas.microsoft.com/office/drawing/2014/main" xmlns="" id="{56F2A724-1A8B-4AF0-85DE-E522981BBB24}"/>
               </a:ext>
             </a:extLst>
           </p:cNvPr>
@@ -10431,7 +10446,7 @@
           <p:cNvPr id="2" name="Title 1">
             <a:extLst>
               <a:ext uri="{FF2B5EF4-FFF2-40B4-BE49-F238E27FC236}">
-                <a16:creationId xmlns:a16="http://schemas.microsoft.com/office/drawing/2014/main" id="{03157DC7-9BF8-4E26-8207-6C2831CE5A1E}"/>
+                <a16:creationId xmlns:a16="http://schemas.microsoft.com/office/drawing/2014/main" xmlns="" id="{5115C648-66B8-49BE-B33E-D2150B203B24}"/>
               </a:ext>
             </a:extLst>
           </p:cNvPr>
@@ -10439,40 +10454,2606 @@
             <a:spLocks noGrp="1"/>
           </p:cNvSpPr>
           <p:nvPr>
-            <p:ph type="ctrTitle"/>
+            <p:ph type="title"/>
           </p:nvPr>
         </p:nvSpPr>
         <p:spPr/>
         <p:txBody>
-          <a:bodyPr>
-            <a:normAutofit/>
+          <a:bodyPr/>
+          <a:lstStyle/>
+          <a:p>
+            <a:r>
+              <a:rPr lang="en-US" dirty="0" smtClean="0"/>
+              <a:t>Similarity Measures</a:t>
+            </a:r>
+            <a:endParaRPr lang="en-US" dirty="0"/>
+          </a:p>
+        </p:txBody>
+      </p:sp>
+      <p:sp>
+        <p:nvSpPr>
+          <p:cNvPr id="3" name="Content Placeholder 2">
+            <a:extLst>
+              <a:ext uri="{FF2B5EF4-FFF2-40B4-BE49-F238E27FC236}">
+                <a16:creationId xmlns:a16="http://schemas.microsoft.com/office/drawing/2014/main" xmlns="" id="{B7CBAD27-F7D7-45FE-9E5B-0B22E29CC45E}"/>
+              </a:ext>
+            </a:extLst>
+          </p:cNvPr>
+          <p:cNvSpPr>
+            <a:spLocks noGrp="1"/>
+          </p:cNvSpPr>
+          <p:nvPr>
+            <p:ph idx="1"/>
+          </p:nvPr>
+        </p:nvSpPr>
+        <p:spPr/>
+        <p:txBody>
+          <a:bodyPr/>
+          <a:lstStyle/>
+          <a:p>
+            <a:r>
+              <a:rPr lang="en-US" dirty="0" smtClean="0"/>
+              <a:t>Connection Analysis:</a:t>
+            </a:r>
+          </a:p>
+          <a:p>
+            <a:pPr lvl="1"/>
+            <a:r>
+              <a:rPr lang="en-US" dirty="0" smtClean="0"/>
+              <a:t>Group Analysis : Cluster Coefficient (Transitivity)</a:t>
+            </a:r>
+          </a:p>
+          <a:p>
+            <a:pPr lvl="1"/>
+            <a:r>
+              <a:rPr lang="en-US" dirty="0" smtClean="0"/>
+              <a:t>Network Analysis : Density, Average Path Length, Degree Distribution</a:t>
+            </a:r>
+          </a:p>
+          <a:p>
+            <a:r>
+              <a:rPr lang="en-US" dirty="0" smtClean="0"/>
+              <a:t>Positional Analysis:</a:t>
+            </a:r>
+          </a:p>
+          <a:p>
+            <a:pPr lvl="1"/>
+            <a:r>
+              <a:rPr lang="en-US" dirty="0" smtClean="0"/>
+              <a:t>Degree : In Degree, Out Degree, All</a:t>
+            </a:r>
+          </a:p>
+          <a:p>
+            <a:pPr lvl="1"/>
+            <a:r>
+              <a:rPr lang="en-US" dirty="0" smtClean="0"/>
+              <a:t>Closeness Centrality</a:t>
+            </a:r>
+          </a:p>
+          <a:p>
+            <a:pPr lvl="1"/>
+            <a:r>
+              <a:rPr lang="en-US" dirty="0" err="1" smtClean="0"/>
+              <a:t>Betweenness</a:t>
+            </a:r>
+            <a:r>
+              <a:rPr lang="en-US" dirty="0" smtClean="0"/>
+              <a:t> Centrality</a:t>
+            </a:r>
+          </a:p>
+          <a:p>
+            <a:pPr lvl="1"/>
+            <a:r>
+              <a:rPr lang="en-US" dirty="0" smtClean="0"/>
+              <a:t>Eigen Vector Centrality</a:t>
+            </a:r>
+            <a:endParaRPr lang="en-US" dirty="0" smtClean="0"/>
+          </a:p>
+          <a:p>
+            <a:pPr marL="0" indent="0">
+              <a:buNone/>
+            </a:pPr>
+            <a:endParaRPr lang="en-US" dirty="0"/>
+          </a:p>
+          <a:p>
+            <a:endParaRPr lang="en-US" dirty="0"/>
+          </a:p>
+        </p:txBody>
+      </p:sp>
+      <p:sp>
+        <p:nvSpPr>
+          <p:cNvPr id="8" name="Rectangle 3">
+            <a:extLst>
+              <a:ext uri="{FF2B5EF4-FFF2-40B4-BE49-F238E27FC236}">
+                <a16:creationId xmlns:a16="http://schemas.microsoft.com/office/drawing/2014/main" xmlns="" id="{A59012F7-007B-4721-9046-E5B2FC83BD87}"/>
+              </a:ext>
+            </a:extLst>
+          </p:cNvPr>
+          <p:cNvSpPr>
+            <a:spLocks noChangeArrowheads="1"/>
+          </p:cNvSpPr>
+          <p:nvPr/>
+        </p:nvSpPr>
+        <p:spPr bwMode="auto">
+          <a:xfrm>
+            <a:off x="0" y="0"/>
+            <a:ext cx="12192000" cy="457200"/>
+          </a:xfrm>
+          <a:prstGeom prst="rect">
+            <a:avLst/>
+          </a:prstGeom>
+          <a:solidFill>
+            <a:srgbClr val="FFFFFF"/>
+          </a:solidFill>
+          <a:ln>
+            <a:noFill/>
+          </a:ln>
+          <a:effectLst/>
+          <a:extLst>
+            <a:ext uri="{91240B29-F687-4F45-9708-019B960494DF}">
+              <a14:hiddenLine xmlns:a14="http://schemas.microsoft.com/office/drawing/2010/main" w="9525">
+                <a:solidFill>
+                  <a:schemeClr val="tx1"/>
+                </a:solidFill>
+                <a:miter lim="800000"/>
+                <a:headEnd/>
+                <a:tailEnd/>
+              </a14:hiddenLine>
+            </a:ext>
+            <a:ext uri="{AF507438-7753-43E0-B8FC-AC1667EBCBE1}">
+              <a14:hiddenEffects xmlns:a14="http://schemas.microsoft.com/office/drawing/2010/main">
+                <a:effectLst>
+                  <a:outerShdw dist="35921" dir="2700000" algn="ctr" rotWithShape="0">
+                    <a:schemeClr val="bg2"/>
+                  </a:outerShdw>
+                </a:effectLst>
+              </a14:hiddenEffects>
+            </a:ext>
+          </a:extLst>
+        </p:spPr>
+        <p:txBody>
+          <a:bodyPr vert="horz" wrap="none" lIns="0" tIns="0" rIns="0" bIns="0" numCol="1" anchor="ctr" anchorCtr="0" compatLnSpc="1">
+            <a:prstTxWarp prst="textNoShape">
+              <a:avLst/>
+            </a:prstTxWarp>
+            <a:spAutoFit/>
           </a:bodyPr>
           <a:lstStyle/>
           <a:p>
-            <a:r>
-              <a:rPr lang="en-US" sz="6600" b="1" dirty="0">
+            <a:pPr marL="0" marR="0" lvl="0" indent="0" algn="l" defTabSz="914400" rtl="0" eaLnBrk="0" fontAlgn="base" latinLnBrk="0" hangingPunct="0">
+              <a:lnSpc>
+                <a:spcPct val="100000"/>
+              </a:lnSpc>
+              <a:spcBef>
+                <a:spcPct val="0"/>
+              </a:spcBef>
+              <a:spcAft>
+                <a:spcPct val="0"/>
+              </a:spcAft>
+              <a:buClrTx/>
+              <a:buSzTx/>
+              <a:buFontTx/>
+              <a:buNone/>
+              <a:tabLst/>
+            </a:pPr>
+            <a:r>
+              <a:rPr kumimoji="0" lang="en-US" altLang="en-US" sz="1000" b="0" i="0" u="none" strike="noStrike" cap="none" normalizeH="0" baseline="0">
+                <a:ln>
+                  <a:noFill/>
+                </a:ln>
                 <a:solidFill>
-                  <a:schemeClr val="accent1">
-                    <a:lumMod val="50000"/>
-                  </a:schemeClr>
+                  <a:srgbClr val="000000"/>
                 </a:solidFill>
-                <a:effectLst>
-                  <a:outerShdw blurRad="38100" dist="38100" dir="2700000" algn="tl">
-                    <a:srgbClr val="000000">
-                      <a:alpha val="43137"/>
-                    </a:srgbClr>
-                  </a:outerShdw>
-                </a:effectLst>
+                <a:effectLst/>
+                <a:latin typeface="Courier New" panose="02070309020205020404" pitchFamily="49" charset="0"/>
               </a:rPr>
-              <a:t>Thank you for your time</a:t>
-            </a:r>
+              <a:t>200860</a:t>
+            </a:r>
+            <a:r>
+              <a:rPr kumimoji="0" lang="en-US" altLang="en-US" sz="800" b="0" i="0" u="none" strike="noStrike" cap="none" normalizeH="0" baseline="0">
+                <a:ln>
+                  <a:noFill/>
+                </a:ln>
+                <a:solidFill>
+                  <a:schemeClr val="tx1"/>
+                </a:solidFill>
+                <a:effectLst/>
+              </a:rPr>
+              <a:t> </a:t>
+            </a:r>
+            <a:endParaRPr kumimoji="0" lang="en-US" altLang="en-US" sz="1800" b="0" i="0" u="none" strike="noStrike" cap="none" normalizeH="0" baseline="0">
+              <a:ln>
+                <a:noFill/>
+              </a:ln>
+              <a:solidFill>
+                <a:schemeClr val="tx1"/>
+              </a:solidFill>
+              <a:effectLst/>
+              <a:latin typeface="Arial" panose="020B0604020202020204" pitchFamily="34" charset="0"/>
+            </a:endParaRPr>
           </a:p>
         </p:txBody>
       </p:sp>
     </p:spTree>
     <p:extLst>
       <p:ext uri="{BB962C8B-B14F-4D97-AF65-F5344CB8AC3E}">
-        <p14:creationId xmlns:p14="http://schemas.microsoft.com/office/powerpoint/2010/main" val="4090626466"/>
+        <p14:creationId xmlns:p14="http://schemas.microsoft.com/office/powerpoint/2010/main" val="389254825"/>
+      </p:ext>
+    </p:extLst>
+  </p:cSld>
+  <p:clrMapOvr>
+    <a:masterClrMapping/>
+  </p:clrMapOvr>
+</p:sld>
+</file>
+
+<file path=ppt/slides/slide24.xml><?xml version="1.0" encoding="utf-8"?>
+<p:sld xmlns:a="http://schemas.openxmlformats.org/drawingml/2006/main" xmlns:r="http://schemas.openxmlformats.org/officeDocument/2006/relationships" xmlns:p="http://schemas.openxmlformats.org/presentationml/2006/main">
+  <p:cSld>
+    <p:spTree>
+      <p:nvGrpSpPr>
+        <p:cNvPr id="1" name=""/>
+        <p:cNvGrpSpPr/>
+        <p:nvPr/>
+      </p:nvGrpSpPr>
+      <p:grpSpPr>
+        <a:xfrm>
+          <a:off x="0" y="0"/>
+          <a:ext cx="0" cy="0"/>
+          <a:chOff x="0" y="0"/>
+          <a:chExt cx="0" cy="0"/>
+        </a:xfrm>
+      </p:grpSpPr>
+      <p:sp>
+        <p:nvSpPr>
+          <p:cNvPr id="2" name="Title 1">
+            <a:extLst>
+              <a:ext uri="{FF2B5EF4-FFF2-40B4-BE49-F238E27FC236}">
+                <a16:creationId xmlns:a16="http://schemas.microsoft.com/office/drawing/2014/main" xmlns="" id="{5115C648-66B8-49BE-B33E-D2150B203B24}"/>
+              </a:ext>
+            </a:extLst>
+          </p:cNvPr>
+          <p:cNvSpPr>
+            <a:spLocks noGrp="1"/>
+          </p:cNvSpPr>
+          <p:nvPr>
+            <p:ph type="title"/>
+          </p:nvPr>
+        </p:nvSpPr>
+        <p:spPr/>
+        <p:txBody>
+          <a:bodyPr/>
+          <a:lstStyle/>
+          <a:p>
+            <a:r>
+              <a:rPr lang="en-US" dirty="0" smtClean="0"/>
+              <a:t>Connection Analysis</a:t>
+            </a:r>
+            <a:br>
+              <a:rPr lang="en-US" dirty="0" smtClean="0"/>
+            </a:br>
+            <a:r>
+              <a:rPr lang="en-US" sz="2800" dirty="0" smtClean="0"/>
+              <a:t>Density</a:t>
+            </a:r>
+            <a:endParaRPr lang="en-US" sz="2800" dirty="0"/>
+          </a:p>
+        </p:txBody>
+      </p:sp>
+      <p:sp>
+        <p:nvSpPr>
+          <p:cNvPr id="3" name="Content Placeholder 2">
+            <a:extLst>
+              <a:ext uri="{FF2B5EF4-FFF2-40B4-BE49-F238E27FC236}">
+                <a16:creationId xmlns:a16="http://schemas.microsoft.com/office/drawing/2014/main" xmlns="" id="{B7CBAD27-F7D7-45FE-9E5B-0B22E29CC45E}"/>
+              </a:ext>
+            </a:extLst>
+          </p:cNvPr>
+          <p:cNvSpPr>
+            <a:spLocks noGrp="1"/>
+          </p:cNvSpPr>
+          <p:nvPr>
+            <p:ph idx="1"/>
+          </p:nvPr>
+        </p:nvSpPr>
+        <p:spPr/>
+        <p:txBody>
+          <a:bodyPr/>
+          <a:lstStyle/>
+          <a:p>
+            <a:r>
+              <a:rPr lang="en-US" sz="2000" dirty="0" smtClean="0"/>
+              <a:t>Actual Connections/Potential Connections</a:t>
+            </a:r>
+          </a:p>
+          <a:p>
+            <a:pPr marL="0" indent="0">
+              <a:buNone/>
+            </a:pPr>
+            <a:endParaRPr lang="en-US" dirty="0" smtClean="0"/>
+          </a:p>
+          <a:p>
+            <a:pPr marL="0" indent="0">
+              <a:buNone/>
+            </a:pPr>
+            <a:endParaRPr lang="en-US" dirty="0"/>
+          </a:p>
+        </p:txBody>
+      </p:sp>
+      <p:sp>
+        <p:nvSpPr>
+          <p:cNvPr id="8" name="Rectangle 3">
+            <a:extLst>
+              <a:ext uri="{FF2B5EF4-FFF2-40B4-BE49-F238E27FC236}">
+                <a16:creationId xmlns:a16="http://schemas.microsoft.com/office/drawing/2014/main" xmlns="" id="{A59012F7-007B-4721-9046-E5B2FC83BD87}"/>
+              </a:ext>
+            </a:extLst>
+          </p:cNvPr>
+          <p:cNvSpPr>
+            <a:spLocks noChangeArrowheads="1"/>
+          </p:cNvSpPr>
+          <p:nvPr/>
+        </p:nvSpPr>
+        <p:spPr bwMode="auto">
+          <a:xfrm>
+            <a:off x="0" y="0"/>
+            <a:ext cx="12192000" cy="457200"/>
+          </a:xfrm>
+          <a:prstGeom prst="rect">
+            <a:avLst/>
+          </a:prstGeom>
+          <a:solidFill>
+            <a:srgbClr val="FFFFFF"/>
+          </a:solidFill>
+          <a:ln>
+            <a:noFill/>
+          </a:ln>
+          <a:effectLst/>
+          <a:extLst>
+            <a:ext uri="{91240B29-F687-4F45-9708-019B960494DF}">
+              <a14:hiddenLine xmlns:a14="http://schemas.microsoft.com/office/drawing/2010/main" w="9525">
+                <a:solidFill>
+                  <a:schemeClr val="tx1"/>
+                </a:solidFill>
+                <a:miter lim="800000"/>
+                <a:headEnd/>
+                <a:tailEnd/>
+              </a14:hiddenLine>
+            </a:ext>
+            <a:ext uri="{AF507438-7753-43E0-B8FC-AC1667EBCBE1}">
+              <a14:hiddenEffects xmlns:a14="http://schemas.microsoft.com/office/drawing/2010/main">
+                <a:effectLst>
+                  <a:outerShdw dist="35921" dir="2700000" algn="ctr" rotWithShape="0">
+                    <a:schemeClr val="bg2"/>
+                  </a:outerShdw>
+                </a:effectLst>
+              </a14:hiddenEffects>
+            </a:ext>
+          </a:extLst>
+        </p:spPr>
+        <p:txBody>
+          <a:bodyPr vert="horz" wrap="none" lIns="0" tIns="0" rIns="0" bIns="0" numCol="1" anchor="ctr" anchorCtr="0" compatLnSpc="1">
+            <a:prstTxWarp prst="textNoShape">
+              <a:avLst/>
+            </a:prstTxWarp>
+            <a:spAutoFit/>
+          </a:bodyPr>
+          <a:lstStyle/>
+          <a:p>
+            <a:pPr marL="0" marR="0" lvl="0" indent="0" algn="l" defTabSz="914400" rtl="0" eaLnBrk="0" fontAlgn="base" latinLnBrk="0" hangingPunct="0">
+              <a:lnSpc>
+                <a:spcPct val="100000"/>
+              </a:lnSpc>
+              <a:spcBef>
+                <a:spcPct val="0"/>
+              </a:spcBef>
+              <a:spcAft>
+                <a:spcPct val="0"/>
+              </a:spcAft>
+              <a:buClrTx/>
+              <a:buSzTx/>
+              <a:buFontTx/>
+              <a:buNone/>
+              <a:tabLst/>
+            </a:pPr>
+            <a:r>
+              <a:rPr kumimoji="0" lang="en-US" altLang="en-US" sz="1000" b="0" i="0" u="none" strike="noStrike" cap="none" normalizeH="0" baseline="0">
+                <a:ln>
+                  <a:noFill/>
+                </a:ln>
+                <a:solidFill>
+                  <a:srgbClr val="000000"/>
+                </a:solidFill>
+                <a:effectLst/>
+                <a:latin typeface="Courier New" panose="02070309020205020404" pitchFamily="49" charset="0"/>
+              </a:rPr>
+              <a:t>200860</a:t>
+            </a:r>
+            <a:r>
+              <a:rPr kumimoji="0" lang="en-US" altLang="en-US" sz="800" b="0" i="0" u="none" strike="noStrike" cap="none" normalizeH="0" baseline="0">
+                <a:ln>
+                  <a:noFill/>
+                </a:ln>
+                <a:solidFill>
+                  <a:schemeClr val="tx1"/>
+                </a:solidFill>
+                <a:effectLst/>
+              </a:rPr>
+              <a:t> </a:t>
+            </a:r>
+            <a:endParaRPr kumimoji="0" lang="en-US" altLang="en-US" sz="1800" b="0" i="0" u="none" strike="noStrike" cap="none" normalizeH="0" baseline="0">
+              <a:ln>
+                <a:noFill/>
+              </a:ln>
+              <a:solidFill>
+                <a:schemeClr val="tx1"/>
+              </a:solidFill>
+              <a:effectLst/>
+              <a:latin typeface="Arial" panose="020B0604020202020204" pitchFamily="34" charset="0"/>
+            </a:endParaRPr>
+          </a:p>
+        </p:txBody>
+      </p:sp>
+      <p:graphicFrame>
+        <p:nvGraphicFramePr>
+          <p:cNvPr id="4" name="Table 3"/>
+          <p:cNvGraphicFramePr>
+            <a:graphicFrameLocks noGrp="1"/>
+          </p:cNvGraphicFramePr>
+          <p:nvPr>
+            <p:extLst>
+              <p:ext uri="{D42A27DB-BD31-4B8C-83A1-F6EECF244321}">
+                <p14:modId xmlns:p14="http://schemas.microsoft.com/office/powerpoint/2010/main" val="810103977"/>
+              </p:ext>
+            </p:extLst>
+          </p:nvPr>
+        </p:nvGraphicFramePr>
+        <p:xfrm>
+          <a:off x="1816340" y="2278136"/>
+          <a:ext cx="8128002" cy="741110"/>
+        </p:xfrm>
+        <a:graphic>
+          <a:graphicData uri="http://schemas.openxmlformats.org/drawingml/2006/table">
+            <a:tbl>
+              <a:tblPr firstRow="1" bandRow="1">
+                <a:tableStyleId>{5C22544A-7EE6-4342-B048-85BDC9FD1C3A}</a:tableStyleId>
+              </a:tblPr>
+              <a:tblGrid>
+                <a:gridCol w="1354667"/>
+                <a:gridCol w="1354667"/>
+                <a:gridCol w="1354667"/>
+                <a:gridCol w="1354667"/>
+                <a:gridCol w="1354667"/>
+                <a:gridCol w="1354667"/>
+              </a:tblGrid>
+              <a:tr h="370555">
+                <a:tc>
+                  <a:txBody>
+                    <a:bodyPr/>
+                    <a:lstStyle/>
+                    <a:p>
+                      <a:r>
+                        <a:rPr lang="en-IN" dirty="0" smtClean="0"/>
+                        <a:t>Template</a:t>
+                      </a:r>
+                      <a:endParaRPr lang="en-GB" dirty="0"/>
+                    </a:p>
+                  </a:txBody>
+                  <a:tcPr/>
+                </a:tc>
+                <a:tc>
+                  <a:txBody>
+                    <a:bodyPr/>
+                    <a:lstStyle/>
+                    <a:p>
+                      <a:r>
+                        <a:rPr lang="en-IN" dirty="0" smtClean="0"/>
+                        <a:t>G1</a:t>
+                      </a:r>
+                      <a:endParaRPr lang="en-GB" dirty="0"/>
+                    </a:p>
+                  </a:txBody>
+                  <a:tcPr/>
+                </a:tc>
+                <a:tc>
+                  <a:txBody>
+                    <a:bodyPr/>
+                    <a:lstStyle/>
+                    <a:p>
+                      <a:r>
+                        <a:rPr lang="en-IN" dirty="0" smtClean="0"/>
+                        <a:t>G2</a:t>
+                      </a:r>
+                      <a:endParaRPr lang="en-GB" dirty="0"/>
+                    </a:p>
+                  </a:txBody>
+                  <a:tcPr/>
+                </a:tc>
+                <a:tc>
+                  <a:txBody>
+                    <a:bodyPr/>
+                    <a:lstStyle/>
+                    <a:p>
+                      <a:r>
+                        <a:rPr lang="en-IN" dirty="0" smtClean="0"/>
+                        <a:t>G3</a:t>
+                      </a:r>
+                      <a:endParaRPr lang="en-GB" dirty="0"/>
+                    </a:p>
+                  </a:txBody>
+                  <a:tcPr/>
+                </a:tc>
+                <a:tc>
+                  <a:txBody>
+                    <a:bodyPr/>
+                    <a:lstStyle/>
+                    <a:p>
+                      <a:r>
+                        <a:rPr lang="en-IN" dirty="0" smtClean="0"/>
+                        <a:t>G4</a:t>
+                      </a:r>
+                      <a:endParaRPr lang="en-GB" dirty="0"/>
+                    </a:p>
+                  </a:txBody>
+                  <a:tcPr/>
+                </a:tc>
+                <a:tc>
+                  <a:txBody>
+                    <a:bodyPr/>
+                    <a:lstStyle/>
+                    <a:p>
+                      <a:r>
+                        <a:rPr lang="en-IN" dirty="0" smtClean="0"/>
+                        <a:t>G5</a:t>
+                      </a:r>
+                      <a:endParaRPr lang="en-GB" dirty="0"/>
+                    </a:p>
+                  </a:txBody>
+                  <a:tcPr/>
+                </a:tc>
+              </a:tr>
+              <a:tr h="370555">
+                <a:tc>
+                  <a:txBody>
+                    <a:bodyPr/>
+                    <a:lstStyle/>
+                    <a:p>
+                      <a:r>
+                        <a:rPr lang="en-GB" dirty="0" smtClean="0"/>
+                        <a:t>0.1730669</a:t>
+                      </a:r>
+                      <a:endParaRPr lang="en-GB" dirty="0"/>
+                    </a:p>
+                  </a:txBody>
+                  <a:tcPr>
+                    <a:solidFill>
+                      <a:schemeClr val="accent6">
+                        <a:lumMod val="60000"/>
+                        <a:lumOff val="40000"/>
+                      </a:schemeClr>
+                    </a:solidFill>
+                  </a:tcPr>
+                </a:tc>
+                <a:tc>
+                  <a:txBody>
+                    <a:bodyPr/>
+                    <a:lstStyle/>
+                    <a:p>
+                      <a:r>
+                        <a:rPr lang="en-GB" dirty="0" smtClean="0"/>
+                        <a:t>0.1421225</a:t>
+                      </a:r>
+                      <a:endParaRPr lang="en-GB" dirty="0"/>
+                    </a:p>
+                  </a:txBody>
+                  <a:tcPr/>
+                </a:tc>
+                <a:tc>
+                  <a:txBody>
+                    <a:bodyPr/>
+                    <a:lstStyle/>
+                    <a:p>
+                      <a:r>
+                        <a:rPr lang="en-GB" dirty="0" smtClean="0"/>
+                        <a:t>0.1737503</a:t>
+                      </a:r>
+                      <a:endParaRPr lang="en-GB" dirty="0"/>
+                    </a:p>
+                  </a:txBody>
+                  <a:tcPr>
+                    <a:solidFill>
+                      <a:schemeClr val="accent6">
+                        <a:lumMod val="60000"/>
+                        <a:lumOff val="40000"/>
+                      </a:schemeClr>
+                    </a:solidFill>
+                  </a:tcPr>
+                </a:tc>
+                <a:tc>
+                  <a:txBody>
+                    <a:bodyPr/>
+                    <a:lstStyle/>
+                    <a:p>
+                      <a:r>
+                        <a:rPr lang="en-GB" dirty="0" smtClean="0"/>
+                        <a:t>0.1183057</a:t>
+                      </a:r>
+                      <a:endParaRPr lang="en-GB" dirty="0"/>
+                    </a:p>
+                  </a:txBody>
+                  <a:tcPr/>
+                </a:tc>
+                <a:tc>
+                  <a:txBody>
+                    <a:bodyPr/>
+                    <a:lstStyle/>
+                    <a:p>
+                      <a:r>
+                        <a:rPr lang="en-GB" dirty="0" smtClean="0"/>
+                        <a:t>0.0978348</a:t>
+                      </a:r>
+                      <a:endParaRPr lang="en-GB" dirty="0"/>
+                    </a:p>
+                  </a:txBody>
+                  <a:tcPr/>
+                </a:tc>
+                <a:tc>
+                  <a:txBody>
+                    <a:bodyPr/>
+                    <a:lstStyle/>
+                    <a:p>
+                      <a:r>
+                        <a:rPr lang="en-GB" dirty="0" smtClean="0"/>
+                        <a:t>0.05403557</a:t>
+                      </a:r>
+                      <a:endParaRPr lang="en-GB" dirty="0"/>
+                    </a:p>
+                  </a:txBody>
+                  <a:tcPr/>
+                </a:tc>
+              </a:tr>
+            </a:tbl>
+          </a:graphicData>
+        </a:graphic>
+      </p:graphicFrame>
+      <p:pic>
+        <p:nvPicPr>
+          <p:cNvPr id="6" name="Picture 5"/>
+          <p:cNvPicPr>
+            <a:picLocks noChangeAspect="1"/>
+          </p:cNvPicPr>
+          <p:nvPr/>
+        </p:nvPicPr>
+        <p:blipFill>
+          <a:blip r:embed="rId2"/>
+          <a:stretch>
+            <a:fillRect/>
+          </a:stretch>
+        </p:blipFill>
+        <p:spPr>
+          <a:xfrm>
+            <a:off x="4066291" y="3899140"/>
+            <a:ext cx="4218906" cy="2730334"/>
+          </a:xfrm>
+          <a:prstGeom prst="rect">
+            <a:avLst/>
+          </a:prstGeom>
+        </p:spPr>
+      </p:pic>
+      <p:sp>
+        <p:nvSpPr>
+          <p:cNvPr id="7" name="Rectangle 6"/>
+          <p:cNvSpPr/>
+          <p:nvPr/>
+        </p:nvSpPr>
+        <p:spPr>
+          <a:xfrm>
+            <a:off x="940697" y="3393669"/>
+            <a:ext cx="5809924" cy="369332"/>
+          </a:xfrm>
+          <a:prstGeom prst="rect">
+            <a:avLst/>
+          </a:prstGeom>
+        </p:spPr>
+        <p:txBody>
+          <a:bodyPr wrap="none">
+            <a:spAutoFit/>
+          </a:bodyPr>
+          <a:lstStyle/>
+          <a:p>
+            <a:pPr marL="285750" indent="-285750">
+              <a:buFont typeface="Arial" panose="020B0604020202020204" pitchFamily="34" charset="0"/>
+              <a:buChar char="•"/>
+            </a:pPr>
+            <a:r>
+              <a:rPr lang="en-GB" dirty="0" smtClean="0"/>
+              <a:t>Similarity: Graph2 </a:t>
+            </a:r>
+            <a:r>
+              <a:rPr lang="en-GB" dirty="0"/>
+              <a:t>&gt; Graph1 &gt; Graph3 &gt; Graph4 &gt; Graph5</a:t>
+            </a:r>
+          </a:p>
+        </p:txBody>
+      </p:sp>
+    </p:spTree>
+    <p:extLst>
+      <p:ext uri="{BB962C8B-B14F-4D97-AF65-F5344CB8AC3E}">
+        <p14:creationId xmlns:p14="http://schemas.microsoft.com/office/powerpoint/2010/main" val="3135820062"/>
+      </p:ext>
+    </p:extLst>
+  </p:cSld>
+  <p:clrMapOvr>
+    <a:masterClrMapping/>
+  </p:clrMapOvr>
+</p:sld>
+</file>
+
+<file path=ppt/slides/slide25.xml><?xml version="1.0" encoding="utf-8"?>
+<p:sld xmlns:a="http://schemas.openxmlformats.org/drawingml/2006/main" xmlns:r="http://schemas.openxmlformats.org/officeDocument/2006/relationships" xmlns:p="http://schemas.openxmlformats.org/presentationml/2006/main">
+  <p:cSld>
+    <p:spTree>
+      <p:nvGrpSpPr>
+        <p:cNvPr id="1" name=""/>
+        <p:cNvGrpSpPr/>
+        <p:nvPr/>
+      </p:nvGrpSpPr>
+      <p:grpSpPr>
+        <a:xfrm>
+          <a:off x="0" y="0"/>
+          <a:ext cx="0" cy="0"/>
+          <a:chOff x="0" y="0"/>
+          <a:chExt cx="0" cy="0"/>
+        </a:xfrm>
+      </p:grpSpPr>
+      <p:sp>
+        <p:nvSpPr>
+          <p:cNvPr id="2" name="Title 1">
+            <a:extLst>
+              <a:ext uri="{FF2B5EF4-FFF2-40B4-BE49-F238E27FC236}">
+                <a16:creationId xmlns:a16="http://schemas.microsoft.com/office/drawing/2014/main" xmlns="" id="{5115C648-66B8-49BE-B33E-D2150B203B24}"/>
+              </a:ext>
+            </a:extLst>
+          </p:cNvPr>
+          <p:cNvSpPr>
+            <a:spLocks noGrp="1"/>
+          </p:cNvSpPr>
+          <p:nvPr>
+            <p:ph type="title"/>
+          </p:nvPr>
+        </p:nvSpPr>
+        <p:spPr/>
+        <p:txBody>
+          <a:bodyPr/>
+          <a:lstStyle/>
+          <a:p>
+            <a:r>
+              <a:rPr lang="en-US" dirty="0" smtClean="0"/>
+              <a:t>Connection Analysis</a:t>
+            </a:r>
+            <a:br>
+              <a:rPr lang="en-US" dirty="0" smtClean="0"/>
+            </a:br>
+            <a:r>
+              <a:rPr lang="en-US" sz="2800" dirty="0" smtClean="0"/>
+              <a:t>Average Path Length</a:t>
+            </a:r>
+            <a:endParaRPr lang="en-US" sz="2800" dirty="0"/>
+          </a:p>
+        </p:txBody>
+      </p:sp>
+      <p:sp>
+        <p:nvSpPr>
+          <p:cNvPr id="3" name="Content Placeholder 2">
+            <a:extLst>
+              <a:ext uri="{FF2B5EF4-FFF2-40B4-BE49-F238E27FC236}">
+                <a16:creationId xmlns:a16="http://schemas.microsoft.com/office/drawing/2014/main" xmlns="" id="{B7CBAD27-F7D7-45FE-9E5B-0B22E29CC45E}"/>
+              </a:ext>
+            </a:extLst>
+          </p:cNvPr>
+          <p:cNvSpPr>
+            <a:spLocks noGrp="1"/>
+          </p:cNvSpPr>
+          <p:nvPr>
+            <p:ph idx="1"/>
+          </p:nvPr>
+        </p:nvSpPr>
+        <p:spPr/>
+        <p:txBody>
+          <a:bodyPr/>
+          <a:lstStyle/>
+          <a:p>
+            <a:r>
+              <a:rPr lang="en-US" sz="2000" dirty="0" smtClean="0"/>
+              <a:t>Mean Shortest Path between all nodes.</a:t>
+            </a:r>
+          </a:p>
+          <a:p>
+            <a:pPr marL="0" indent="0">
+              <a:buNone/>
+            </a:pPr>
+            <a:endParaRPr lang="en-US" dirty="0" smtClean="0"/>
+          </a:p>
+          <a:p>
+            <a:pPr marL="0" indent="0">
+              <a:buNone/>
+            </a:pPr>
+            <a:endParaRPr lang="en-US" dirty="0"/>
+          </a:p>
+        </p:txBody>
+      </p:sp>
+      <p:sp>
+        <p:nvSpPr>
+          <p:cNvPr id="8" name="Rectangle 3">
+            <a:extLst>
+              <a:ext uri="{FF2B5EF4-FFF2-40B4-BE49-F238E27FC236}">
+                <a16:creationId xmlns:a16="http://schemas.microsoft.com/office/drawing/2014/main" xmlns="" id="{A59012F7-007B-4721-9046-E5B2FC83BD87}"/>
+              </a:ext>
+            </a:extLst>
+          </p:cNvPr>
+          <p:cNvSpPr>
+            <a:spLocks noChangeArrowheads="1"/>
+          </p:cNvSpPr>
+          <p:nvPr/>
+        </p:nvSpPr>
+        <p:spPr bwMode="auto">
+          <a:xfrm>
+            <a:off x="0" y="0"/>
+            <a:ext cx="12192000" cy="457200"/>
+          </a:xfrm>
+          <a:prstGeom prst="rect">
+            <a:avLst/>
+          </a:prstGeom>
+          <a:solidFill>
+            <a:srgbClr val="FFFFFF"/>
+          </a:solidFill>
+          <a:ln>
+            <a:noFill/>
+          </a:ln>
+          <a:effectLst/>
+          <a:extLst>
+            <a:ext uri="{91240B29-F687-4F45-9708-019B960494DF}">
+              <a14:hiddenLine xmlns:a14="http://schemas.microsoft.com/office/drawing/2010/main" w="9525">
+                <a:solidFill>
+                  <a:schemeClr val="tx1"/>
+                </a:solidFill>
+                <a:miter lim="800000"/>
+                <a:headEnd/>
+                <a:tailEnd/>
+              </a14:hiddenLine>
+            </a:ext>
+            <a:ext uri="{AF507438-7753-43E0-B8FC-AC1667EBCBE1}">
+              <a14:hiddenEffects xmlns:a14="http://schemas.microsoft.com/office/drawing/2010/main">
+                <a:effectLst>
+                  <a:outerShdw dist="35921" dir="2700000" algn="ctr" rotWithShape="0">
+                    <a:schemeClr val="bg2"/>
+                  </a:outerShdw>
+                </a:effectLst>
+              </a14:hiddenEffects>
+            </a:ext>
+          </a:extLst>
+        </p:spPr>
+        <p:txBody>
+          <a:bodyPr vert="horz" wrap="none" lIns="0" tIns="0" rIns="0" bIns="0" numCol="1" anchor="ctr" anchorCtr="0" compatLnSpc="1">
+            <a:prstTxWarp prst="textNoShape">
+              <a:avLst/>
+            </a:prstTxWarp>
+            <a:spAutoFit/>
+          </a:bodyPr>
+          <a:lstStyle/>
+          <a:p>
+            <a:pPr marL="0" marR="0" lvl="0" indent="0" algn="l" defTabSz="914400" rtl="0" eaLnBrk="0" fontAlgn="base" latinLnBrk="0" hangingPunct="0">
+              <a:lnSpc>
+                <a:spcPct val="100000"/>
+              </a:lnSpc>
+              <a:spcBef>
+                <a:spcPct val="0"/>
+              </a:spcBef>
+              <a:spcAft>
+                <a:spcPct val="0"/>
+              </a:spcAft>
+              <a:buClrTx/>
+              <a:buSzTx/>
+              <a:buFontTx/>
+              <a:buNone/>
+              <a:tabLst/>
+            </a:pPr>
+            <a:r>
+              <a:rPr kumimoji="0" lang="en-US" altLang="en-US" sz="1000" b="0" i="0" u="none" strike="noStrike" cap="none" normalizeH="0" baseline="0">
+                <a:ln>
+                  <a:noFill/>
+                </a:ln>
+                <a:solidFill>
+                  <a:srgbClr val="000000"/>
+                </a:solidFill>
+                <a:effectLst/>
+                <a:latin typeface="Courier New" panose="02070309020205020404" pitchFamily="49" charset="0"/>
+              </a:rPr>
+              <a:t>200860</a:t>
+            </a:r>
+            <a:r>
+              <a:rPr kumimoji="0" lang="en-US" altLang="en-US" sz="800" b="0" i="0" u="none" strike="noStrike" cap="none" normalizeH="0" baseline="0">
+                <a:ln>
+                  <a:noFill/>
+                </a:ln>
+                <a:solidFill>
+                  <a:schemeClr val="tx1"/>
+                </a:solidFill>
+                <a:effectLst/>
+              </a:rPr>
+              <a:t> </a:t>
+            </a:r>
+            <a:endParaRPr kumimoji="0" lang="en-US" altLang="en-US" sz="1800" b="0" i="0" u="none" strike="noStrike" cap="none" normalizeH="0" baseline="0">
+              <a:ln>
+                <a:noFill/>
+              </a:ln>
+              <a:solidFill>
+                <a:schemeClr val="tx1"/>
+              </a:solidFill>
+              <a:effectLst/>
+              <a:latin typeface="Arial" panose="020B0604020202020204" pitchFamily="34" charset="0"/>
+            </a:endParaRPr>
+          </a:p>
+        </p:txBody>
+      </p:sp>
+      <p:graphicFrame>
+        <p:nvGraphicFramePr>
+          <p:cNvPr id="4" name="Table 3"/>
+          <p:cNvGraphicFramePr>
+            <a:graphicFrameLocks noGrp="1"/>
+          </p:cNvGraphicFramePr>
+          <p:nvPr>
+            <p:extLst>
+              <p:ext uri="{D42A27DB-BD31-4B8C-83A1-F6EECF244321}">
+                <p14:modId xmlns:p14="http://schemas.microsoft.com/office/powerpoint/2010/main" val="3709232012"/>
+              </p:ext>
+            </p:extLst>
+          </p:nvPr>
+        </p:nvGraphicFramePr>
+        <p:xfrm>
+          <a:off x="1816340" y="2278136"/>
+          <a:ext cx="8128002" cy="741110"/>
+        </p:xfrm>
+        <a:graphic>
+          <a:graphicData uri="http://schemas.openxmlformats.org/drawingml/2006/table">
+            <a:tbl>
+              <a:tblPr firstRow="1" bandRow="1">
+                <a:tableStyleId>{5C22544A-7EE6-4342-B048-85BDC9FD1C3A}</a:tableStyleId>
+              </a:tblPr>
+              <a:tblGrid>
+                <a:gridCol w="1354667"/>
+                <a:gridCol w="1354667"/>
+                <a:gridCol w="1354667"/>
+                <a:gridCol w="1354667"/>
+                <a:gridCol w="1354667"/>
+                <a:gridCol w="1354667"/>
+              </a:tblGrid>
+              <a:tr h="370555">
+                <a:tc>
+                  <a:txBody>
+                    <a:bodyPr/>
+                    <a:lstStyle/>
+                    <a:p>
+                      <a:r>
+                        <a:rPr lang="en-IN" dirty="0" smtClean="0"/>
+                        <a:t>Template</a:t>
+                      </a:r>
+                      <a:endParaRPr lang="en-GB" dirty="0"/>
+                    </a:p>
+                  </a:txBody>
+                  <a:tcPr/>
+                </a:tc>
+                <a:tc>
+                  <a:txBody>
+                    <a:bodyPr/>
+                    <a:lstStyle/>
+                    <a:p>
+                      <a:r>
+                        <a:rPr lang="en-IN" dirty="0" smtClean="0"/>
+                        <a:t>G1</a:t>
+                      </a:r>
+                      <a:endParaRPr lang="en-GB" dirty="0"/>
+                    </a:p>
+                  </a:txBody>
+                  <a:tcPr/>
+                </a:tc>
+                <a:tc>
+                  <a:txBody>
+                    <a:bodyPr/>
+                    <a:lstStyle/>
+                    <a:p>
+                      <a:r>
+                        <a:rPr lang="en-IN" dirty="0" smtClean="0"/>
+                        <a:t>G2</a:t>
+                      </a:r>
+                      <a:endParaRPr lang="en-GB" dirty="0"/>
+                    </a:p>
+                  </a:txBody>
+                  <a:tcPr/>
+                </a:tc>
+                <a:tc>
+                  <a:txBody>
+                    <a:bodyPr/>
+                    <a:lstStyle/>
+                    <a:p>
+                      <a:r>
+                        <a:rPr lang="en-IN" dirty="0" smtClean="0"/>
+                        <a:t>G3</a:t>
+                      </a:r>
+                      <a:endParaRPr lang="en-GB" dirty="0"/>
+                    </a:p>
+                  </a:txBody>
+                  <a:tcPr/>
+                </a:tc>
+                <a:tc>
+                  <a:txBody>
+                    <a:bodyPr/>
+                    <a:lstStyle/>
+                    <a:p>
+                      <a:r>
+                        <a:rPr lang="en-IN" dirty="0" smtClean="0"/>
+                        <a:t>G4</a:t>
+                      </a:r>
+                      <a:endParaRPr lang="en-GB" dirty="0"/>
+                    </a:p>
+                  </a:txBody>
+                  <a:tcPr/>
+                </a:tc>
+                <a:tc>
+                  <a:txBody>
+                    <a:bodyPr/>
+                    <a:lstStyle/>
+                    <a:p>
+                      <a:r>
+                        <a:rPr lang="en-IN" dirty="0" smtClean="0"/>
+                        <a:t>G5</a:t>
+                      </a:r>
+                      <a:endParaRPr lang="en-GB" dirty="0"/>
+                    </a:p>
+                  </a:txBody>
+                  <a:tcPr/>
+                </a:tc>
+              </a:tr>
+              <a:tr h="370555">
+                <a:tc>
+                  <a:txBody>
+                    <a:bodyPr/>
+                    <a:lstStyle/>
+                    <a:p>
+                      <a:r>
+                        <a:rPr lang="en-GB" dirty="0" smtClean="0"/>
+                        <a:t>1.874689</a:t>
+                      </a:r>
+                      <a:endParaRPr lang="en-GB" dirty="0"/>
+                    </a:p>
+                  </a:txBody>
+                  <a:tcPr>
+                    <a:solidFill>
+                      <a:schemeClr val="accent6">
+                        <a:lumMod val="60000"/>
+                        <a:lumOff val="40000"/>
+                      </a:schemeClr>
+                    </a:solidFill>
+                  </a:tcPr>
+                </a:tc>
+                <a:tc>
+                  <a:txBody>
+                    <a:bodyPr/>
+                    <a:lstStyle/>
+                    <a:p>
+                      <a:r>
+                        <a:rPr lang="en-GB" dirty="0" smtClean="0"/>
+                        <a:t>2.083075</a:t>
+                      </a:r>
+                      <a:endParaRPr lang="en-GB" dirty="0"/>
+                    </a:p>
+                  </a:txBody>
+                  <a:tcPr>
+                    <a:solidFill>
+                      <a:schemeClr val="accent6">
+                        <a:lumMod val="60000"/>
+                        <a:lumOff val="40000"/>
+                      </a:schemeClr>
+                    </a:solidFill>
+                  </a:tcPr>
+                </a:tc>
+                <a:tc>
+                  <a:txBody>
+                    <a:bodyPr/>
+                    <a:lstStyle/>
+                    <a:p>
+                      <a:r>
+                        <a:rPr lang="en-GB" dirty="0" smtClean="0"/>
+                        <a:t>2.085761</a:t>
+                      </a:r>
+                      <a:endParaRPr lang="en-GB" dirty="0"/>
+                    </a:p>
+                  </a:txBody>
+                  <a:tcPr>
+                    <a:solidFill>
+                      <a:schemeClr val="accent6">
+                        <a:lumMod val="60000"/>
+                        <a:lumOff val="40000"/>
+                      </a:schemeClr>
+                    </a:solidFill>
+                  </a:tcPr>
+                </a:tc>
+                <a:tc>
+                  <a:txBody>
+                    <a:bodyPr/>
+                    <a:lstStyle/>
+                    <a:p>
+                      <a:r>
+                        <a:rPr lang="en-GB" dirty="0" smtClean="0"/>
+                        <a:t>2.026447</a:t>
+                      </a:r>
+                      <a:endParaRPr lang="en-GB" dirty="0"/>
+                    </a:p>
+                  </a:txBody>
+                  <a:tcPr>
+                    <a:solidFill>
+                      <a:schemeClr val="accent6">
+                        <a:lumMod val="60000"/>
+                        <a:lumOff val="40000"/>
+                      </a:schemeClr>
+                    </a:solidFill>
+                  </a:tcPr>
+                </a:tc>
+                <a:tc>
+                  <a:txBody>
+                    <a:bodyPr/>
+                    <a:lstStyle/>
+                    <a:p>
+                      <a:r>
+                        <a:rPr lang="en-GB" dirty="0" smtClean="0"/>
+                        <a:t>2.429907</a:t>
+                      </a:r>
+                      <a:endParaRPr lang="en-GB" dirty="0"/>
+                    </a:p>
+                  </a:txBody>
+                  <a:tcPr/>
+                </a:tc>
+                <a:tc>
+                  <a:txBody>
+                    <a:bodyPr/>
+                    <a:lstStyle/>
+                    <a:p>
+                      <a:r>
+                        <a:rPr lang="en-GB" dirty="0" smtClean="0"/>
+                        <a:t>2.283071</a:t>
+                      </a:r>
+                      <a:endParaRPr lang="en-GB" dirty="0"/>
+                    </a:p>
+                  </a:txBody>
+                  <a:tcPr/>
+                </a:tc>
+              </a:tr>
+            </a:tbl>
+          </a:graphicData>
+        </a:graphic>
+      </p:graphicFrame>
+      <p:sp>
+        <p:nvSpPr>
+          <p:cNvPr id="5" name="Rectangle 4"/>
+          <p:cNvSpPr/>
+          <p:nvPr/>
+        </p:nvSpPr>
+        <p:spPr>
+          <a:xfrm>
+            <a:off x="838200" y="3399609"/>
+            <a:ext cx="5809924" cy="369332"/>
+          </a:xfrm>
+          <a:prstGeom prst="rect">
+            <a:avLst/>
+          </a:prstGeom>
+        </p:spPr>
+        <p:txBody>
+          <a:bodyPr wrap="none">
+            <a:spAutoFit/>
+          </a:bodyPr>
+          <a:lstStyle/>
+          <a:p>
+            <a:pPr marL="285750" indent="-285750">
+              <a:buFont typeface="Arial" panose="020B0604020202020204" pitchFamily="34" charset="0"/>
+              <a:buChar char="•"/>
+            </a:pPr>
+            <a:r>
+              <a:rPr lang="en-GB" dirty="0"/>
+              <a:t>Similarity: </a:t>
+            </a:r>
+            <a:r>
+              <a:rPr lang="de-DE" dirty="0"/>
+              <a:t>Graph3 &gt; Graph1 ~ Graph2 &gt; Graph5 &gt; Graph4</a:t>
+            </a:r>
+            <a:endParaRPr lang="en-GB" dirty="0"/>
+          </a:p>
+        </p:txBody>
+      </p:sp>
+      <p:pic>
+        <p:nvPicPr>
+          <p:cNvPr id="9" name="Picture 8"/>
+          <p:cNvPicPr>
+            <a:picLocks noChangeAspect="1"/>
+          </p:cNvPicPr>
+          <p:nvPr/>
+        </p:nvPicPr>
+        <p:blipFill>
+          <a:blip r:embed="rId2"/>
+          <a:stretch>
+            <a:fillRect/>
+          </a:stretch>
+        </p:blipFill>
+        <p:spPr>
+          <a:xfrm>
+            <a:off x="3568550" y="3935389"/>
+            <a:ext cx="4349841" cy="2815071"/>
+          </a:xfrm>
+          <a:prstGeom prst="rect">
+            <a:avLst/>
+          </a:prstGeom>
+        </p:spPr>
+      </p:pic>
+    </p:spTree>
+    <p:extLst>
+      <p:ext uri="{BB962C8B-B14F-4D97-AF65-F5344CB8AC3E}">
+        <p14:creationId xmlns:p14="http://schemas.microsoft.com/office/powerpoint/2010/main" val="3065148786"/>
+      </p:ext>
+    </p:extLst>
+  </p:cSld>
+  <p:clrMapOvr>
+    <a:masterClrMapping/>
+  </p:clrMapOvr>
+</p:sld>
+</file>
+
+<file path=ppt/slides/slide26.xml><?xml version="1.0" encoding="utf-8"?>
+<p:sld xmlns:a="http://schemas.openxmlformats.org/drawingml/2006/main" xmlns:r="http://schemas.openxmlformats.org/officeDocument/2006/relationships" xmlns:p="http://schemas.openxmlformats.org/presentationml/2006/main">
+  <p:cSld>
+    <p:spTree>
+      <p:nvGrpSpPr>
+        <p:cNvPr id="1" name=""/>
+        <p:cNvGrpSpPr/>
+        <p:nvPr/>
+      </p:nvGrpSpPr>
+      <p:grpSpPr>
+        <a:xfrm>
+          <a:off x="0" y="0"/>
+          <a:ext cx="0" cy="0"/>
+          <a:chOff x="0" y="0"/>
+          <a:chExt cx="0" cy="0"/>
+        </a:xfrm>
+      </p:grpSpPr>
+      <p:sp>
+        <p:nvSpPr>
+          <p:cNvPr id="2" name="Title 1">
+            <a:extLst>
+              <a:ext uri="{FF2B5EF4-FFF2-40B4-BE49-F238E27FC236}">
+                <a16:creationId xmlns:a16="http://schemas.microsoft.com/office/drawing/2014/main" xmlns="" id="{5115C648-66B8-49BE-B33E-D2150B203B24}"/>
+              </a:ext>
+            </a:extLst>
+          </p:cNvPr>
+          <p:cNvSpPr>
+            <a:spLocks noGrp="1"/>
+          </p:cNvSpPr>
+          <p:nvPr>
+            <p:ph type="title"/>
+          </p:nvPr>
+        </p:nvSpPr>
+        <p:spPr/>
+        <p:txBody>
+          <a:bodyPr/>
+          <a:lstStyle/>
+          <a:p>
+            <a:r>
+              <a:rPr lang="en-US" dirty="0" smtClean="0"/>
+              <a:t>Connection Analysis</a:t>
+            </a:r>
+            <a:br>
+              <a:rPr lang="en-US" dirty="0" smtClean="0"/>
+            </a:br>
+            <a:r>
+              <a:rPr lang="en-US" sz="2800" dirty="0" smtClean="0"/>
+              <a:t>Cluster Coefficient (Transitivity)</a:t>
+            </a:r>
+            <a:endParaRPr lang="en-US" sz="2800" dirty="0"/>
+          </a:p>
+        </p:txBody>
+      </p:sp>
+      <p:sp>
+        <p:nvSpPr>
+          <p:cNvPr id="3" name="Content Placeholder 2">
+            <a:extLst>
+              <a:ext uri="{FF2B5EF4-FFF2-40B4-BE49-F238E27FC236}">
+                <a16:creationId xmlns:a16="http://schemas.microsoft.com/office/drawing/2014/main" xmlns="" id="{B7CBAD27-F7D7-45FE-9E5B-0B22E29CC45E}"/>
+              </a:ext>
+            </a:extLst>
+          </p:cNvPr>
+          <p:cNvSpPr>
+            <a:spLocks noGrp="1"/>
+          </p:cNvSpPr>
+          <p:nvPr>
+            <p:ph idx="1"/>
+          </p:nvPr>
+        </p:nvSpPr>
+        <p:spPr/>
+        <p:txBody>
+          <a:bodyPr/>
+          <a:lstStyle/>
+          <a:p>
+            <a:r>
+              <a:rPr lang="en-US" sz="2000" dirty="0" smtClean="0"/>
+              <a:t>Measure of the degree to which nodes tend to cluster together.</a:t>
+            </a:r>
+          </a:p>
+          <a:p>
+            <a:pPr marL="0" indent="0">
+              <a:buNone/>
+            </a:pPr>
+            <a:endParaRPr lang="en-US" dirty="0" smtClean="0"/>
+          </a:p>
+          <a:p>
+            <a:pPr marL="0" indent="0">
+              <a:buNone/>
+            </a:pPr>
+            <a:endParaRPr lang="en-US" dirty="0"/>
+          </a:p>
+        </p:txBody>
+      </p:sp>
+      <p:sp>
+        <p:nvSpPr>
+          <p:cNvPr id="8" name="Rectangle 3">
+            <a:extLst>
+              <a:ext uri="{FF2B5EF4-FFF2-40B4-BE49-F238E27FC236}">
+                <a16:creationId xmlns:a16="http://schemas.microsoft.com/office/drawing/2014/main" xmlns="" id="{A59012F7-007B-4721-9046-E5B2FC83BD87}"/>
+              </a:ext>
+            </a:extLst>
+          </p:cNvPr>
+          <p:cNvSpPr>
+            <a:spLocks noChangeArrowheads="1"/>
+          </p:cNvSpPr>
+          <p:nvPr/>
+        </p:nvSpPr>
+        <p:spPr bwMode="auto">
+          <a:xfrm>
+            <a:off x="0" y="0"/>
+            <a:ext cx="12192000" cy="457200"/>
+          </a:xfrm>
+          <a:prstGeom prst="rect">
+            <a:avLst/>
+          </a:prstGeom>
+          <a:solidFill>
+            <a:srgbClr val="FFFFFF"/>
+          </a:solidFill>
+          <a:ln>
+            <a:noFill/>
+          </a:ln>
+          <a:effectLst/>
+          <a:extLst>
+            <a:ext uri="{91240B29-F687-4F45-9708-019B960494DF}">
+              <a14:hiddenLine xmlns:a14="http://schemas.microsoft.com/office/drawing/2010/main" w="9525">
+                <a:solidFill>
+                  <a:schemeClr val="tx1"/>
+                </a:solidFill>
+                <a:miter lim="800000"/>
+                <a:headEnd/>
+                <a:tailEnd/>
+              </a14:hiddenLine>
+            </a:ext>
+            <a:ext uri="{AF507438-7753-43E0-B8FC-AC1667EBCBE1}">
+              <a14:hiddenEffects xmlns:a14="http://schemas.microsoft.com/office/drawing/2010/main">
+                <a:effectLst>
+                  <a:outerShdw dist="35921" dir="2700000" algn="ctr" rotWithShape="0">
+                    <a:schemeClr val="bg2"/>
+                  </a:outerShdw>
+                </a:effectLst>
+              </a14:hiddenEffects>
+            </a:ext>
+          </a:extLst>
+        </p:spPr>
+        <p:txBody>
+          <a:bodyPr vert="horz" wrap="none" lIns="0" tIns="0" rIns="0" bIns="0" numCol="1" anchor="ctr" anchorCtr="0" compatLnSpc="1">
+            <a:prstTxWarp prst="textNoShape">
+              <a:avLst/>
+            </a:prstTxWarp>
+            <a:spAutoFit/>
+          </a:bodyPr>
+          <a:lstStyle/>
+          <a:p>
+            <a:pPr marL="0" marR="0" lvl="0" indent="0" algn="l" defTabSz="914400" rtl="0" eaLnBrk="0" fontAlgn="base" latinLnBrk="0" hangingPunct="0">
+              <a:lnSpc>
+                <a:spcPct val="100000"/>
+              </a:lnSpc>
+              <a:spcBef>
+                <a:spcPct val="0"/>
+              </a:spcBef>
+              <a:spcAft>
+                <a:spcPct val="0"/>
+              </a:spcAft>
+              <a:buClrTx/>
+              <a:buSzTx/>
+              <a:buFontTx/>
+              <a:buNone/>
+              <a:tabLst/>
+            </a:pPr>
+            <a:r>
+              <a:rPr kumimoji="0" lang="en-US" altLang="en-US" sz="1000" b="0" i="0" u="none" strike="noStrike" cap="none" normalizeH="0" baseline="0">
+                <a:ln>
+                  <a:noFill/>
+                </a:ln>
+                <a:solidFill>
+                  <a:srgbClr val="000000"/>
+                </a:solidFill>
+                <a:effectLst/>
+                <a:latin typeface="Courier New" panose="02070309020205020404" pitchFamily="49" charset="0"/>
+              </a:rPr>
+              <a:t>200860</a:t>
+            </a:r>
+            <a:r>
+              <a:rPr kumimoji="0" lang="en-US" altLang="en-US" sz="800" b="0" i="0" u="none" strike="noStrike" cap="none" normalizeH="0" baseline="0">
+                <a:ln>
+                  <a:noFill/>
+                </a:ln>
+                <a:solidFill>
+                  <a:schemeClr val="tx1"/>
+                </a:solidFill>
+                <a:effectLst/>
+              </a:rPr>
+              <a:t> </a:t>
+            </a:r>
+            <a:endParaRPr kumimoji="0" lang="en-US" altLang="en-US" sz="1800" b="0" i="0" u="none" strike="noStrike" cap="none" normalizeH="0" baseline="0">
+              <a:ln>
+                <a:noFill/>
+              </a:ln>
+              <a:solidFill>
+                <a:schemeClr val="tx1"/>
+              </a:solidFill>
+              <a:effectLst/>
+              <a:latin typeface="Arial" panose="020B0604020202020204" pitchFamily="34" charset="0"/>
+            </a:endParaRPr>
+          </a:p>
+        </p:txBody>
+      </p:sp>
+      <p:graphicFrame>
+        <p:nvGraphicFramePr>
+          <p:cNvPr id="4" name="Table 3"/>
+          <p:cNvGraphicFramePr>
+            <a:graphicFrameLocks noGrp="1"/>
+          </p:cNvGraphicFramePr>
+          <p:nvPr>
+            <p:extLst>
+              <p:ext uri="{D42A27DB-BD31-4B8C-83A1-F6EECF244321}">
+                <p14:modId xmlns:p14="http://schemas.microsoft.com/office/powerpoint/2010/main" val="1709685017"/>
+              </p:ext>
+            </p:extLst>
+          </p:nvPr>
+        </p:nvGraphicFramePr>
+        <p:xfrm>
+          <a:off x="1816340" y="2278136"/>
+          <a:ext cx="8128002" cy="741110"/>
+        </p:xfrm>
+        <a:graphic>
+          <a:graphicData uri="http://schemas.openxmlformats.org/drawingml/2006/table">
+            <a:tbl>
+              <a:tblPr firstRow="1" bandRow="1">
+                <a:tableStyleId>{5C22544A-7EE6-4342-B048-85BDC9FD1C3A}</a:tableStyleId>
+              </a:tblPr>
+              <a:tblGrid>
+                <a:gridCol w="1354667"/>
+                <a:gridCol w="1354667"/>
+                <a:gridCol w="1354667"/>
+                <a:gridCol w="1354667"/>
+                <a:gridCol w="1354667"/>
+                <a:gridCol w="1354667"/>
+              </a:tblGrid>
+              <a:tr h="370555">
+                <a:tc>
+                  <a:txBody>
+                    <a:bodyPr/>
+                    <a:lstStyle/>
+                    <a:p>
+                      <a:r>
+                        <a:rPr lang="en-IN" dirty="0" smtClean="0"/>
+                        <a:t>Template</a:t>
+                      </a:r>
+                      <a:endParaRPr lang="en-GB" dirty="0"/>
+                    </a:p>
+                  </a:txBody>
+                  <a:tcPr/>
+                </a:tc>
+                <a:tc>
+                  <a:txBody>
+                    <a:bodyPr/>
+                    <a:lstStyle/>
+                    <a:p>
+                      <a:r>
+                        <a:rPr lang="en-IN" dirty="0" smtClean="0"/>
+                        <a:t>G1</a:t>
+                      </a:r>
+                      <a:endParaRPr lang="en-GB" dirty="0"/>
+                    </a:p>
+                  </a:txBody>
+                  <a:tcPr/>
+                </a:tc>
+                <a:tc>
+                  <a:txBody>
+                    <a:bodyPr/>
+                    <a:lstStyle/>
+                    <a:p>
+                      <a:r>
+                        <a:rPr lang="en-IN" dirty="0" smtClean="0"/>
+                        <a:t>G2</a:t>
+                      </a:r>
+                      <a:endParaRPr lang="en-GB" dirty="0"/>
+                    </a:p>
+                  </a:txBody>
+                  <a:tcPr/>
+                </a:tc>
+                <a:tc>
+                  <a:txBody>
+                    <a:bodyPr/>
+                    <a:lstStyle/>
+                    <a:p>
+                      <a:r>
+                        <a:rPr lang="en-IN" dirty="0" smtClean="0"/>
+                        <a:t>G3</a:t>
+                      </a:r>
+                      <a:endParaRPr lang="en-GB" dirty="0"/>
+                    </a:p>
+                  </a:txBody>
+                  <a:tcPr/>
+                </a:tc>
+                <a:tc>
+                  <a:txBody>
+                    <a:bodyPr/>
+                    <a:lstStyle/>
+                    <a:p>
+                      <a:r>
+                        <a:rPr lang="en-IN" dirty="0" smtClean="0"/>
+                        <a:t>G4</a:t>
+                      </a:r>
+                      <a:endParaRPr lang="en-GB" dirty="0"/>
+                    </a:p>
+                  </a:txBody>
+                  <a:tcPr/>
+                </a:tc>
+                <a:tc>
+                  <a:txBody>
+                    <a:bodyPr/>
+                    <a:lstStyle/>
+                    <a:p>
+                      <a:r>
+                        <a:rPr lang="en-IN" dirty="0" smtClean="0"/>
+                        <a:t>G5</a:t>
+                      </a:r>
+                      <a:endParaRPr lang="en-GB" dirty="0"/>
+                    </a:p>
+                  </a:txBody>
+                  <a:tcPr/>
+                </a:tc>
+              </a:tr>
+              <a:tr h="370555">
+                <a:tc>
+                  <a:txBody>
+                    <a:bodyPr/>
+                    <a:lstStyle/>
+                    <a:p>
+                      <a:r>
+                        <a:rPr lang="en-GB" dirty="0" smtClean="0"/>
+                        <a:t>0.1685912 </a:t>
+                      </a:r>
+                      <a:endParaRPr lang="en-GB" dirty="0"/>
+                    </a:p>
+                  </a:txBody>
+                  <a:tcPr>
+                    <a:solidFill>
+                      <a:schemeClr val="accent6">
+                        <a:lumMod val="60000"/>
+                        <a:lumOff val="40000"/>
+                      </a:schemeClr>
+                    </a:solidFill>
+                  </a:tcPr>
+                </a:tc>
+                <a:tc>
+                  <a:txBody>
+                    <a:bodyPr/>
+                    <a:lstStyle/>
+                    <a:p>
+                      <a:r>
+                        <a:rPr lang="en-GB" dirty="0" smtClean="0"/>
+                        <a:t>0.1130306</a:t>
+                      </a:r>
+                      <a:endParaRPr lang="en-GB" dirty="0"/>
+                    </a:p>
+                  </a:txBody>
+                  <a:tcPr>
+                    <a:solidFill>
+                      <a:schemeClr val="accent1">
+                        <a:lumMod val="20000"/>
+                        <a:lumOff val="80000"/>
+                      </a:schemeClr>
+                    </a:solidFill>
+                  </a:tcPr>
+                </a:tc>
+                <a:tc>
+                  <a:txBody>
+                    <a:bodyPr/>
+                    <a:lstStyle/>
+                    <a:p>
+                      <a:r>
+                        <a:rPr lang="en-GB" dirty="0" smtClean="0"/>
+                        <a:t>0.1238481</a:t>
+                      </a:r>
+                      <a:endParaRPr lang="en-GB" dirty="0"/>
+                    </a:p>
+                  </a:txBody>
+                  <a:tcPr>
+                    <a:solidFill>
+                      <a:schemeClr val="accent6">
+                        <a:lumMod val="60000"/>
+                        <a:lumOff val="40000"/>
+                      </a:schemeClr>
+                    </a:solidFill>
+                  </a:tcPr>
+                </a:tc>
+                <a:tc>
+                  <a:txBody>
+                    <a:bodyPr/>
+                    <a:lstStyle/>
+                    <a:p>
+                      <a:r>
+                        <a:rPr lang="en-GB" dirty="0" smtClean="0"/>
+                        <a:t>0.1151288</a:t>
+                      </a:r>
+                      <a:endParaRPr lang="en-GB" dirty="0"/>
+                    </a:p>
+                  </a:txBody>
+                  <a:tcPr>
+                    <a:solidFill>
+                      <a:schemeClr val="accent1">
+                        <a:lumMod val="20000"/>
+                        <a:lumOff val="80000"/>
+                      </a:schemeClr>
+                    </a:solidFill>
+                  </a:tcPr>
+                </a:tc>
+                <a:tc>
+                  <a:txBody>
+                    <a:bodyPr/>
+                    <a:lstStyle/>
+                    <a:p>
+                      <a:r>
+                        <a:rPr lang="en-GB" dirty="0" smtClean="0"/>
+                        <a:t>0.2228648</a:t>
+                      </a:r>
+                      <a:endParaRPr lang="en-GB" dirty="0"/>
+                    </a:p>
+                  </a:txBody>
+                  <a:tcPr/>
+                </a:tc>
+                <a:tc>
+                  <a:txBody>
+                    <a:bodyPr/>
+                    <a:lstStyle/>
+                    <a:p>
+                      <a:r>
+                        <a:rPr lang="en-GB" dirty="0" smtClean="0"/>
+                        <a:t>0.217119</a:t>
+                      </a:r>
+                      <a:endParaRPr lang="en-GB" dirty="0"/>
+                    </a:p>
+                  </a:txBody>
+                  <a:tcPr/>
+                </a:tc>
+              </a:tr>
+            </a:tbl>
+          </a:graphicData>
+        </a:graphic>
+      </p:graphicFrame>
+      <p:sp>
+        <p:nvSpPr>
+          <p:cNvPr id="5" name="Rectangle 4"/>
+          <p:cNvSpPr/>
+          <p:nvPr/>
+        </p:nvSpPr>
+        <p:spPr>
+          <a:xfrm>
+            <a:off x="838200" y="3399609"/>
+            <a:ext cx="5809924" cy="369332"/>
+          </a:xfrm>
+          <a:prstGeom prst="rect">
+            <a:avLst/>
+          </a:prstGeom>
+        </p:spPr>
+        <p:txBody>
+          <a:bodyPr wrap="none">
+            <a:spAutoFit/>
+          </a:bodyPr>
+          <a:lstStyle/>
+          <a:p>
+            <a:pPr marL="285750" indent="-285750">
+              <a:buFont typeface="Arial" panose="020B0604020202020204" pitchFamily="34" charset="0"/>
+              <a:buChar char="•"/>
+            </a:pPr>
+            <a:r>
+              <a:rPr lang="en-GB" dirty="0"/>
+              <a:t>Similarity: </a:t>
+            </a:r>
+            <a:r>
+              <a:rPr lang="de-DE" dirty="0"/>
+              <a:t>Graph2 &gt; Graph3 &gt; Graph1 ~ Graph4 &gt; Graph5</a:t>
+            </a:r>
+            <a:endParaRPr lang="en-GB" dirty="0"/>
+          </a:p>
+        </p:txBody>
+      </p:sp>
+      <p:pic>
+        <p:nvPicPr>
+          <p:cNvPr id="7" name="Picture 6"/>
+          <p:cNvPicPr>
+            <a:picLocks noChangeAspect="1"/>
+          </p:cNvPicPr>
+          <p:nvPr/>
+        </p:nvPicPr>
+        <p:blipFill>
+          <a:blip r:embed="rId2"/>
+          <a:stretch>
+            <a:fillRect/>
+          </a:stretch>
+        </p:blipFill>
+        <p:spPr>
+          <a:xfrm>
+            <a:off x="3692106" y="3935171"/>
+            <a:ext cx="4109348" cy="2659432"/>
+          </a:xfrm>
+          <a:prstGeom prst="rect">
+            <a:avLst/>
+          </a:prstGeom>
+        </p:spPr>
+      </p:pic>
+    </p:spTree>
+    <p:extLst>
+      <p:ext uri="{BB962C8B-B14F-4D97-AF65-F5344CB8AC3E}">
+        <p14:creationId xmlns:p14="http://schemas.microsoft.com/office/powerpoint/2010/main" val="481781017"/>
+      </p:ext>
+    </p:extLst>
+  </p:cSld>
+  <p:clrMapOvr>
+    <a:masterClrMapping/>
+  </p:clrMapOvr>
+</p:sld>
+</file>
+
+<file path=ppt/slides/slide27.xml><?xml version="1.0" encoding="utf-8"?>
+<p:sld xmlns:a="http://schemas.openxmlformats.org/drawingml/2006/main" xmlns:r="http://schemas.openxmlformats.org/officeDocument/2006/relationships" xmlns:p="http://schemas.openxmlformats.org/presentationml/2006/main">
+  <p:cSld>
+    <p:spTree>
+      <p:nvGrpSpPr>
+        <p:cNvPr id="1" name=""/>
+        <p:cNvGrpSpPr/>
+        <p:nvPr/>
+      </p:nvGrpSpPr>
+      <p:grpSpPr>
+        <a:xfrm>
+          <a:off x="0" y="0"/>
+          <a:ext cx="0" cy="0"/>
+          <a:chOff x="0" y="0"/>
+          <a:chExt cx="0" cy="0"/>
+        </a:xfrm>
+      </p:grpSpPr>
+      <p:sp>
+        <p:nvSpPr>
+          <p:cNvPr id="2" name="Title 1">
+            <a:extLst>
+              <a:ext uri="{FF2B5EF4-FFF2-40B4-BE49-F238E27FC236}">
+                <a16:creationId xmlns:a16="http://schemas.microsoft.com/office/drawing/2014/main" xmlns="" id="{5115C648-66B8-49BE-B33E-D2150B203B24}"/>
+              </a:ext>
+            </a:extLst>
+          </p:cNvPr>
+          <p:cNvSpPr>
+            <a:spLocks noGrp="1"/>
+          </p:cNvSpPr>
+          <p:nvPr>
+            <p:ph type="title"/>
+          </p:nvPr>
+        </p:nvSpPr>
+        <p:spPr/>
+        <p:txBody>
+          <a:bodyPr/>
+          <a:lstStyle/>
+          <a:p>
+            <a:r>
+              <a:rPr lang="en-US" dirty="0" smtClean="0"/>
+              <a:t>Connection Analysis</a:t>
+            </a:r>
+            <a:br>
+              <a:rPr lang="en-US" dirty="0" smtClean="0"/>
+            </a:br>
+            <a:r>
+              <a:rPr lang="en-US" sz="2800" dirty="0" smtClean="0"/>
+              <a:t>Degree Distribution</a:t>
+            </a:r>
+            <a:endParaRPr lang="en-US" sz="2800" dirty="0"/>
+          </a:p>
+        </p:txBody>
+      </p:sp>
+      <p:sp>
+        <p:nvSpPr>
+          <p:cNvPr id="3" name="Content Placeholder 2">
+            <a:extLst>
+              <a:ext uri="{FF2B5EF4-FFF2-40B4-BE49-F238E27FC236}">
+                <a16:creationId xmlns:a16="http://schemas.microsoft.com/office/drawing/2014/main" xmlns="" id="{B7CBAD27-F7D7-45FE-9E5B-0B22E29CC45E}"/>
+              </a:ext>
+            </a:extLst>
+          </p:cNvPr>
+          <p:cNvSpPr>
+            <a:spLocks noGrp="1"/>
+          </p:cNvSpPr>
+          <p:nvPr>
+            <p:ph idx="1"/>
+          </p:nvPr>
+        </p:nvSpPr>
+        <p:spPr/>
+        <p:txBody>
+          <a:bodyPr/>
+          <a:lstStyle/>
+          <a:p>
+            <a:pPr marL="0" indent="0">
+              <a:buNone/>
+            </a:pPr>
+            <a:endParaRPr lang="en-US" sz="2000" dirty="0" smtClean="0"/>
+          </a:p>
+          <a:p>
+            <a:pPr marL="0" indent="0">
+              <a:buNone/>
+            </a:pPr>
+            <a:endParaRPr lang="en-US" dirty="0" smtClean="0"/>
+          </a:p>
+          <a:p>
+            <a:pPr marL="0" indent="0">
+              <a:buNone/>
+            </a:pPr>
+            <a:endParaRPr lang="en-US" dirty="0"/>
+          </a:p>
+        </p:txBody>
+      </p:sp>
+      <p:sp>
+        <p:nvSpPr>
+          <p:cNvPr id="8" name="Rectangle 3">
+            <a:extLst>
+              <a:ext uri="{FF2B5EF4-FFF2-40B4-BE49-F238E27FC236}">
+                <a16:creationId xmlns:a16="http://schemas.microsoft.com/office/drawing/2014/main" xmlns="" id="{A59012F7-007B-4721-9046-E5B2FC83BD87}"/>
+              </a:ext>
+            </a:extLst>
+          </p:cNvPr>
+          <p:cNvSpPr>
+            <a:spLocks noChangeArrowheads="1"/>
+          </p:cNvSpPr>
+          <p:nvPr/>
+        </p:nvSpPr>
+        <p:spPr bwMode="auto">
+          <a:xfrm>
+            <a:off x="0" y="0"/>
+            <a:ext cx="12192000" cy="457200"/>
+          </a:xfrm>
+          <a:prstGeom prst="rect">
+            <a:avLst/>
+          </a:prstGeom>
+          <a:solidFill>
+            <a:srgbClr val="FFFFFF"/>
+          </a:solidFill>
+          <a:ln>
+            <a:noFill/>
+          </a:ln>
+          <a:effectLst/>
+          <a:extLst>
+            <a:ext uri="{91240B29-F687-4F45-9708-019B960494DF}">
+              <a14:hiddenLine xmlns:a14="http://schemas.microsoft.com/office/drawing/2010/main" w="9525">
+                <a:solidFill>
+                  <a:schemeClr val="tx1"/>
+                </a:solidFill>
+                <a:miter lim="800000"/>
+                <a:headEnd/>
+                <a:tailEnd/>
+              </a14:hiddenLine>
+            </a:ext>
+            <a:ext uri="{AF507438-7753-43E0-B8FC-AC1667EBCBE1}">
+              <a14:hiddenEffects xmlns:a14="http://schemas.microsoft.com/office/drawing/2010/main">
+                <a:effectLst>
+                  <a:outerShdw dist="35921" dir="2700000" algn="ctr" rotWithShape="0">
+                    <a:schemeClr val="bg2"/>
+                  </a:outerShdw>
+                </a:effectLst>
+              </a14:hiddenEffects>
+            </a:ext>
+          </a:extLst>
+        </p:spPr>
+        <p:txBody>
+          <a:bodyPr vert="horz" wrap="none" lIns="0" tIns="0" rIns="0" bIns="0" numCol="1" anchor="ctr" anchorCtr="0" compatLnSpc="1">
+            <a:prstTxWarp prst="textNoShape">
+              <a:avLst/>
+            </a:prstTxWarp>
+            <a:spAutoFit/>
+          </a:bodyPr>
+          <a:lstStyle/>
+          <a:p>
+            <a:pPr marL="0" marR="0" lvl="0" indent="0" algn="l" defTabSz="914400" rtl="0" eaLnBrk="0" fontAlgn="base" latinLnBrk="0" hangingPunct="0">
+              <a:lnSpc>
+                <a:spcPct val="100000"/>
+              </a:lnSpc>
+              <a:spcBef>
+                <a:spcPct val="0"/>
+              </a:spcBef>
+              <a:spcAft>
+                <a:spcPct val="0"/>
+              </a:spcAft>
+              <a:buClrTx/>
+              <a:buSzTx/>
+              <a:buFontTx/>
+              <a:buNone/>
+              <a:tabLst/>
+            </a:pPr>
+            <a:r>
+              <a:rPr kumimoji="0" lang="en-US" altLang="en-US" sz="1000" b="0" i="0" u="none" strike="noStrike" cap="none" normalizeH="0" baseline="0">
+                <a:ln>
+                  <a:noFill/>
+                </a:ln>
+                <a:solidFill>
+                  <a:srgbClr val="000000"/>
+                </a:solidFill>
+                <a:effectLst/>
+                <a:latin typeface="Courier New" panose="02070309020205020404" pitchFamily="49" charset="0"/>
+              </a:rPr>
+              <a:t>200860</a:t>
+            </a:r>
+            <a:r>
+              <a:rPr kumimoji="0" lang="en-US" altLang="en-US" sz="800" b="0" i="0" u="none" strike="noStrike" cap="none" normalizeH="0" baseline="0">
+                <a:ln>
+                  <a:noFill/>
+                </a:ln>
+                <a:solidFill>
+                  <a:schemeClr val="tx1"/>
+                </a:solidFill>
+                <a:effectLst/>
+              </a:rPr>
+              <a:t> </a:t>
+            </a:r>
+            <a:endParaRPr kumimoji="0" lang="en-US" altLang="en-US" sz="1800" b="0" i="0" u="none" strike="noStrike" cap="none" normalizeH="0" baseline="0">
+              <a:ln>
+                <a:noFill/>
+              </a:ln>
+              <a:solidFill>
+                <a:schemeClr val="tx1"/>
+              </a:solidFill>
+              <a:effectLst/>
+              <a:latin typeface="Arial" panose="020B0604020202020204" pitchFamily="34" charset="0"/>
+            </a:endParaRPr>
+          </a:p>
+        </p:txBody>
+      </p:sp>
+      <p:pic>
+        <p:nvPicPr>
+          <p:cNvPr id="6" name="Picture 5"/>
+          <p:cNvPicPr>
+            <a:picLocks noChangeAspect="1"/>
+          </p:cNvPicPr>
+          <p:nvPr/>
+        </p:nvPicPr>
+        <p:blipFill>
+          <a:blip r:embed="rId2">
+            <a:extLst>
+              <a:ext uri="{28A0092B-C50C-407E-A947-70E740481C1C}">
+                <a14:useLocalDpi xmlns:a14="http://schemas.microsoft.com/office/drawing/2010/main" val="0"/>
+              </a:ext>
+            </a:extLst>
+          </a:blip>
+          <a:stretch>
+            <a:fillRect/>
+          </a:stretch>
+        </p:blipFill>
+        <p:spPr>
+          <a:xfrm>
+            <a:off x="326502" y="2140564"/>
+            <a:ext cx="5366932" cy="4036399"/>
+          </a:xfrm>
+          <a:prstGeom prst="rect">
+            <a:avLst/>
+          </a:prstGeom>
+        </p:spPr>
+      </p:pic>
+      <p:pic>
+        <p:nvPicPr>
+          <p:cNvPr id="9" name="Picture 8"/>
+          <p:cNvPicPr>
+            <a:picLocks noChangeAspect="1"/>
+          </p:cNvPicPr>
+          <p:nvPr/>
+        </p:nvPicPr>
+        <p:blipFill>
+          <a:blip r:embed="rId3">
+            <a:extLst>
+              <a:ext uri="{28A0092B-C50C-407E-A947-70E740481C1C}">
+                <a14:useLocalDpi xmlns:a14="http://schemas.microsoft.com/office/drawing/2010/main" val="0"/>
+              </a:ext>
+            </a:extLst>
+          </a:blip>
+          <a:stretch>
+            <a:fillRect/>
+          </a:stretch>
+        </p:blipFill>
+        <p:spPr>
+          <a:xfrm>
+            <a:off x="5917722" y="2128476"/>
+            <a:ext cx="5597300" cy="4181677"/>
+          </a:xfrm>
+          <a:prstGeom prst="rect">
+            <a:avLst/>
+          </a:prstGeom>
+        </p:spPr>
+      </p:pic>
+    </p:spTree>
+    <p:extLst>
+      <p:ext uri="{BB962C8B-B14F-4D97-AF65-F5344CB8AC3E}">
+        <p14:creationId xmlns:p14="http://schemas.microsoft.com/office/powerpoint/2010/main" val="3900470740"/>
+      </p:ext>
+    </p:extLst>
+  </p:cSld>
+  <p:clrMapOvr>
+    <a:masterClrMapping/>
+  </p:clrMapOvr>
+</p:sld>
+</file>
+
+<file path=ppt/slides/slide28.xml><?xml version="1.0" encoding="utf-8"?>
+<p:sld xmlns:a="http://schemas.openxmlformats.org/drawingml/2006/main" xmlns:r="http://schemas.openxmlformats.org/officeDocument/2006/relationships" xmlns:p="http://schemas.openxmlformats.org/presentationml/2006/main">
+  <p:cSld>
+    <p:spTree>
+      <p:nvGrpSpPr>
+        <p:cNvPr id="1" name=""/>
+        <p:cNvGrpSpPr/>
+        <p:nvPr/>
+      </p:nvGrpSpPr>
+      <p:grpSpPr>
+        <a:xfrm>
+          <a:off x="0" y="0"/>
+          <a:ext cx="0" cy="0"/>
+          <a:chOff x="0" y="0"/>
+          <a:chExt cx="0" cy="0"/>
+        </a:xfrm>
+      </p:grpSpPr>
+      <p:sp>
+        <p:nvSpPr>
+          <p:cNvPr id="2" name="Title 1">
+            <a:extLst>
+              <a:ext uri="{FF2B5EF4-FFF2-40B4-BE49-F238E27FC236}">
+                <a16:creationId xmlns:a16="http://schemas.microsoft.com/office/drawing/2014/main" xmlns="" id="{5115C648-66B8-49BE-B33E-D2150B203B24}"/>
+              </a:ext>
+            </a:extLst>
+          </p:cNvPr>
+          <p:cNvSpPr>
+            <a:spLocks noGrp="1"/>
+          </p:cNvSpPr>
+          <p:nvPr>
+            <p:ph type="title"/>
+          </p:nvPr>
+        </p:nvSpPr>
+        <p:spPr/>
+        <p:txBody>
+          <a:bodyPr/>
+          <a:lstStyle/>
+          <a:p>
+            <a:r>
+              <a:rPr lang="en-US" dirty="0" smtClean="0"/>
+              <a:t>Connection Analysis</a:t>
+            </a:r>
+            <a:br>
+              <a:rPr lang="en-US" dirty="0" smtClean="0"/>
+            </a:br>
+            <a:r>
+              <a:rPr lang="en-US" sz="2800" dirty="0" smtClean="0"/>
+              <a:t>Degree Distribution</a:t>
+            </a:r>
+            <a:endParaRPr lang="en-US" sz="2800" dirty="0"/>
+          </a:p>
+        </p:txBody>
+      </p:sp>
+      <p:sp>
+        <p:nvSpPr>
+          <p:cNvPr id="3" name="Content Placeholder 2">
+            <a:extLst>
+              <a:ext uri="{FF2B5EF4-FFF2-40B4-BE49-F238E27FC236}">
+                <a16:creationId xmlns:a16="http://schemas.microsoft.com/office/drawing/2014/main" xmlns="" id="{B7CBAD27-F7D7-45FE-9E5B-0B22E29CC45E}"/>
+              </a:ext>
+            </a:extLst>
+          </p:cNvPr>
+          <p:cNvSpPr>
+            <a:spLocks noGrp="1"/>
+          </p:cNvSpPr>
+          <p:nvPr>
+            <p:ph idx="1"/>
+          </p:nvPr>
+        </p:nvSpPr>
+        <p:spPr/>
+        <p:txBody>
+          <a:bodyPr/>
+          <a:lstStyle/>
+          <a:p>
+            <a:pPr marL="0" indent="0">
+              <a:buNone/>
+            </a:pPr>
+            <a:endParaRPr lang="en-US" sz="2000" dirty="0" smtClean="0"/>
+          </a:p>
+          <a:p>
+            <a:pPr marL="0" indent="0">
+              <a:buNone/>
+            </a:pPr>
+            <a:endParaRPr lang="en-US" dirty="0" smtClean="0"/>
+          </a:p>
+          <a:p>
+            <a:pPr marL="0" indent="0">
+              <a:buNone/>
+            </a:pPr>
+            <a:endParaRPr lang="en-US" dirty="0"/>
+          </a:p>
+        </p:txBody>
+      </p:sp>
+      <p:sp>
+        <p:nvSpPr>
+          <p:cNvPr id="8" name="Rectangle 3">
+            <a:extLst>
+              <a:ext uri="{FF2B5EF4-FFF2-40B4-BE49-F238E27FC236}">
+                <a16:creationId xmlns:a16="http://schemas.microsoft.com/office/drawing/2014/main" xmlns="" id="{A59012F7-007B-4721-9046-E5B2FC83BD87}"/>
+              </a:ext>
+            </a:extLst>
+          </p:cNvPr>
+          <p:cNvSpPr>
+            <a:spLocks noChangeArrowheads="1"/>
+          </p:cNvSpPr>
+          <p:nvPr/>
+        </p:nvSpPr>
+        <p:spPr bwMode="auto">
+          <a:xfrm>
+            <a:off x="0" y="0"/>
+            <a:ext cx="12192000" cy="457200"/>
+          </a:xfrm>
+          <a:prstGeom prst="rect">
+            <a:avLst/>
+          </a:prstGeom>
+          <a:solidFill>
+            <a:srgbClr val="FFFFFF"/>
+          </a:solidFill>
+          <a:ln>
+            <a:noFill/>
+          </a:ln>
+          <a:effectLst/>
+          <a:extLst>
+            <a:ext uri="{91240B29-F687-4F45-9708-019B960494DF}">
+              <a14:hiddenLine xmlns:a14="http://schemas.microsoft.com/office/drawing/2010/main" w="9525">
+                <a:solidFill>
+                  <a:schemeClr val="tx1"/>
+                </a:solidFill>
+                <a:miter lim="800000"/>
+                <a:headEnd/>
+                <a:tailEnd/>
+              </a14:hiddenLine>
+            </a:ext>
+            <a:ext uri="{AF507438-7753-43E0-B8FC-AC1667EBCBE1}">
+              <a14:hiddenEffects xmlns:a14="http://schemas.microsoft.com/office/drawing/2010/main">
+                <a:effectLst>
+                  <a:outerShdw dist="35921" dir="2700000" algn="ctr" rotWithShape="0">
+                    <a:schemeClr val="bg2"/>
+                  </a:outerShdw>
+                </a:effectLst>
+              </a14:hiddenEffects>
+            </a:ext>
+          </a:extLst>
+        </p:spPr>
+        <p:txBody>
+          <a:bodyPr vert="horz" wrap="none" lIns="0" tIns="0" rIns="0" bIns="0" numCol="1" anchor="ctr" anchorCtr="0" compatLnSpc="1">
+            <a:prstTxWarp prst="textNoShape">
+              <a:avLst/>
+            </a:prstTxWarp>
+            <a:spAutoFit/>
+          </a:bodyPr>
+          <a:lstStyle/>
+          <a:p>
+            <a:pPr marL="0" marR="0" lvl="0" indent="0" algn="l" defTabSz="914400" rtl="0" eaLnBrk="0" fontAlgn="base" latinLnBrk="0" hangingPunct="0">
+              <a:lnSpc>
+                <a:spcPct val="100000"/>
+              </a:lnSpc>
+              <a:spcBef>
+                <a:spcPct val="0"/>
+              </a:spcBef>
+              <a:spcAft>
+                <a:spcPct val="0"/>
+              </a:spcAft>
+              <a:buClrTx/>
+              <a:buSzTx/>
+              <a:buFontTx/>
+              <a:buNone/>
+              <a:tabLst/>
+            </a:pPr>
+            <a:r>
+              <a:rPr kumimoji="0" lang="en-US" altLang="en-US" sz="1000" b="0" i="0" u="none" strike="noStrike" cap="none" normalizeH="0" baseline="0">
+                <a:ln>
+                  <a:noFill/>
+                </a:ln>
+                <a:solidFill>
+                  <a:srgbClr val="000000"/>
+                </a:solidFill>
+                <a:effectLst/>
+                <a:latin typeface="Courier New" panose="02070309020205020404" pitchFamily="49" charset="0"/>
+              </a:rPr>
+              <a:t>200860</a:t>
+            </a:r>
+            <a:r>
+              <a:rPr kumimoji="0" lang="en-US" altLang="en-US" sz="800" b="0" i="0" u="none" strike="noStrike" cap="none" normalizeH="0" baseline="0">
+                <a:ln>
+                  <a:noFill/>
+                </a:ln>
+                <a:solidFill>
+                  <a:schemeClr val="tx1"/>
+                </a:solidFill>
+                <a:effectLst/>
+              </a:rPr>
+              <a:t> </a:t>
+            </a:r>
+            <a:endParaRPr kumimoji="0" lang="en-US" altLang="en-US" sz="1800" b="0" i="0" u="none" strike="noStrike" cap="none" normalizeH="0" baseline="0">
+              <a:ln>
+                <a:noFill/>
+              </a:ln>
+              <a:solidFill>
+                <a:schemeClr val="tx1"/>
+              </a:solidFill>
+              <a:effectLst/>
+              <a:latin typeface="Arial" panose="020B0604020202020204" pitchFamily="34" charset="0"/>
+            </a:endParaRPr>
+          </a:p>
+        </p:txBody>
+      </p:sp>
+      <p:pic>
+        <p:nvPicPr>
+          <p:cNvPr id="6" name="Picture 5"/>
+          <p:cNvPicPr>
+            <a:picLocks noChangeAspect="1"/>
+          </p:cNvPicPr>
+          <p:nvPr/>
+        </p:nvPicPr>
+        <p:blipFill>
+          <a:blip r:embed="rId2">
+            <a:extLst>
+              <a:ext uri="{28A0092B-C50C-407E-A947-70E740481C1C}">
+                <a14:useLocalDpi xmlns:a14="http://schemas.microsoft.com/office/drawing/2010/main" val="0"/>
+              </a:ext>
+            </a:extLst>
+          </a:blip>
+          <a:stretch>
+            <a:fillRect/>
+          </a:stretch>
+        </p:blipFill>
+        <p:spPr>
+          <a:xfrm>
+            <a:off x="326502" y="2140564"/>
+            <a:ext cx="5366932" cy="4036399"/>
+          </a:xfrm>
+          <a:prstGeom prst="rect">
+            <a:avLst/>
+          </a:prstGeom>
+        </p:spPr>
+      </p:pic>
+      <p:pic>
+        <p:nvPicPr>
+          <p:cNvPr id="4" name="Picture 3"/>
+          <p:cNvPicPr>
+            <a:picLocks noChangeAspect="1"/>
+          </p:cNvPicPr>
+          <p:nvPr/>
+        </p:nvPicPr>
+        <p:blipFill>
+          <a:blip r:embed="rId3">
+            <a:extLst>
+              <a:ext uri="{28A0092B-C50C-407E-A947-70E740481C1C}">
+                <a14:useLocalDpi xmlns:a14="http://schemas.microsoft.com/office/drawing/2010/main" val="0"/>
+              </a:ext>
+            </a:extLst>
+          </a:blip>
+          <a:stretch>
+            <a:fillRect/>
+          </a:stretch>
+        </p:blipFill>
+        <p:spPr>
+          <a:xfrm>
+            <a:off x="5940756" y="2140563"/>
+            <a:ext cx="5416558" cy="4036399"/>
+          </a:xfrm>
+          <a:prstGeom prst="rect">
+            <a:avLst/>
+          </a:prstGeom>
+        </p:spPr>
+      </p:pic>
+    </p:spTree>
+    <p:extLst>
+      <p:ext uri="{BB962C8B-B14F-4D97-AF65-F5344CB8AC3E}">
+        <p14:creationId xmlns:p14="http://schemas.microsoft.com/office/powerpoint/2010/main" val="3969204611"/>
+      </p:ext>
+    </p:extLst>
+  </p:cSld>
+  <p:clrMapOvr>
+    <a:masterClrMapping/>
+  </p:clrMapOvr>
+</p:sld>
+</file>
+
+<file path=ppt/slides/slide29.xml><?xml version="1.0" encoding="utf-8"?>
+<p:sld xmlns:a="http://schemas.openxmlformats.org/drawingml/2006/main" xmlns:r="http://schemas.openxmlformats.org/officeDocument/2006/relationships" xmlns:p="http://schemas.openxmlformats.org/presentationml/2006/main">
+  <p:cSld>
+    <p:spTree>
+      <p:nvGrpSpPr>
+        <p:cNvPr id="1" name=""/>
+        <p:cNvGrpSpPr/>
+        <p:nvPr/>
+      </p:nvGrpSpPr>
+      <p:grpSpPr>
+        <a:xfrm>
+          <a:off x="0" y="0"/>
+          <a:ext cx="0" cy="0"/>
+          <a:chOff x="0" y="0"/>
+          <a:chExt cx="0" cy="0"/>
+        </a:xfrm>
+      </p:grpSpPr>
+      <p:sp>
+        <p:nvSpPr>
+          <p:cNvPr id="2" name="Title 1">
+            <a:extLst>
+              <a:ext uri="{FF2B5EF4-FFF2-40B4-BE49-F238E27FC236}">
+                <a16:creationId xmlns:a16="http://schemas.microsoft.com/office/drawing/2014/main" xmlns="" id="{5115C648-66B8-49BE-B33E-D2150B203B24}"/>
+              </a:ext>
+            </a:extLst>
+          </p:cNvPr>
+          <p:cNvSpPr>
+            <a:spLocks noGrp="1"/>
+          </p:cNvSpPr>
+          <p:nvPr>
+            <p:ph type="title"/>
+          </p:nvPr>
+        </p:nvSpPr>
+        <p:spPr/>
+        <p:txBody>
+          <a:bodyPr/>
+          <a:lstStyle/>
+          <a:p>
+            <a:r>
+              <a:rPr lang="en-US" dirty="0" smtClean="0"/>
+              <a:t>Connection Analysis</a:t>
+            </a:r>
+            <a:br>
+              <a:rPr lang="en-US" dirty="0" smtClean="0"/>
+            </a:br>
+            <a:r>
+              <a:rPr lang="en-US" sz="2800" dirty="0" smtClean="0"/>
+              <a:t>Degree Distribution</a:t>
+            </a:r>
+            <a:endParaRPr lang="en-US" sz="2800" dirty="0"/>
+          </a:p>
+        </p:txBody>
+      </p:sp>
+      <p:sp>
+        <p:nvSpPr>
+          <p:cNvPr id="3" name="Content Placeholder 2">
+            <a:extLst>
+              <a:ext uri="{FF2B5EF4-FFF2-40B4-BE49-F238E27FC236}">
+                <a16:creationId xmlns:a16="http://schemas.microsoft.com/office/drawing/2014/main" xmlns="" id="{B7CBAD27-F7D7-45FE-9E5B-0B22E29CC45E}"/>
+              </a:ext>
+            </a:extLst>
+          </p:cNvPr>
+          <p:cNvSpPr>
+            <a:spLocks noGrp="1"/>
+          </p:cNvSpPr>
+          <p:nvPr>
+            <p:ph idx="1"/>
+          </p:nvPr>
+        </p:nvSpPr>
+        <p:spPr/>
+        <p:txBody>
+          <a:bodyPr/>
+          <a:lstStyle/>
+          <a:p>
+            <a:pPr marL="0" indent="0">
+              <a:buNone/>
+            </a:pPr>
+            <a:endParaRPr lang="en-US" sz="2000" dirty="0" smtClean="0"/>
+          </a:p>
+          <a:p>
+            <a:pPr marL="0" indent="0">
+              <a:buNone/>
+            </a:pPr>
+            <a:endParaRPr lang="en-US" dirty="0" smtClean="0"/>
+          </a:p>
+          <a:p>
+            <a:pPr marL="0" indent="0">
+              <a:buNone/>
+            </a:pPr>
+            <a:endParaRPr lang="en-US" dirty="0"/>
+          </a:p>
+        </p:txBody>
+      </p:sp>
+      <p:sp>
+        <p:nvSpPr>
+          <p:cNvPr id="8" name="Rectangle 3">
+            <a:extLst>
+              <a:ext uri="{FF2B5EF4-FFF2-40B4-BE49-F238E27FC236}">
+                <a16:creationId xmlns:a16="http://schemas.microsoft.com/office/drawing/2014/main" xmlns="" id="{A59012F7-007B-4721-9046-E5B2FC83BD87}"/>
+              </a:ext>
+            </a:extLst>
+          </p:cNvPr>
+          <p:cNvSpPr>
+            <a:spLocks noChangeArrowheads="1"/>
+          </p:cNvSpPr>
+          <p:nvPr/>
+        </p:nvSpPr>
+        <p:spPr bwMode="auto">
+          <a:xfrm>
+            <a:off x="0" y="0"/>
+            <a:ext cx="12192000" cy="457200"/>
+          </a:xfrm>
+          <a:prstGeom prst="rect">
+            <a:avLst/>
+          </a:prstGeom>
+          <a:solidFill>
+            <a:srgbClr val="FFFFFF"/>
+          </a:solidFill>
+          <a:ln>
+            <a:noFill/>
+          </a:ln>
+          <a:effectLst/>
+          <a:extLst>
+            <a:ext uri="{91240B29-F687-4F45-9708-019B960494DF}">
+              <a14:hiddenLine xmlns:a14="http://schemas.microsoft.com/office/drawing/2010/main" w="9525">
+                <a:solidFill>
+                  <a:schemeClr val="tx1"/>
+                </a:solidFill>
+                <a:miter lim="800000"/>
+                <a:headEnd/>
+                <a:tailEnd/>
+              </a14:hiddenLine>
+            </a:ext>
+            <a:ext uri="{AF507438-7753-43E0-B8FC-AC1667EBCBE1}">
+              <a14:hiddenEffects xmlns:a14="http://schemas.microsoft.com/office/drawing/2010/main">
+                <a:effectLst>
+                  <a:outerShdw dist="35921" dir="2700000" algn="ctr" rotWithShape="0">
+                    <a:schemeClr val="bg2"/>
+                  </a:outerShdw>
+                </a:effectLst>
+              </a14:hiddenEffects>
+            </a:ext>
+          </a:extLst>
+        </p:spPr>
+        <p:txBody>
+          <a:bodyPr vert="horz" wrap="none" lIns="0" tIns="0" rIns="0" bIns="0" numCol="1" anchor="ctr" anchorCtr="0" compatLnSpc="1">
+            <a:prstTxWarp prst="textNoShape">
+              <a:avLst/>
+            </a:prstTxWarp>
+            <a:spAutoFit/>
+          </a:bodyPr>
+          <a:lstStyle/>
+          <a:p>
+            <a:pPr marL="0" marR="0" lvl="0" indent="0" algn="l" defTabSz="914400" rtl="0" eaLnBrk="0" fontAlgn="base" latinLnBrk="0" hangingPunct="0">
+              <a:lnSpc>
+                <a:spcPct val="100000"/>
+              </a:lnSpc>
+              <a:spcBef>
+                <a:spcPct val="0"/>
+              </a:spcBef>
+              <a:spcAft>
+                <a:spcPct val="0"/>
+              </a:spcAft>
+              <a:buClrTx/>
+              <a:buSzTx/>
+              <a:buFontTx/>
+              <a:buNone/>
+              <a:tabLst/>
+            </a:pPr>
+            <a:r>
+              <a:rPr kumimoji="0" lang="en-US" altLang="en-US" sz="1000" b="0" i="0" u="none" strike="noStrike" cap="none" normalizeH="0" baseline="0">
+                <a:ln>
+                  <a:noFill/>
+                </a:ln>
+                <a:solidFill>
+                  <a:srgbClr val="000000"/>
+                </a:solidFill>
+                <a:effectLst/>
+                <a:latin typeface="Courier New" panose="02070309020205020404" pitchFamily="49" charset="0"/>
+              </a:rPr>
+              <a:t>200860</a:t>
+            </a:r>
+            <a:r>
+              <a:rPr kumimoji="0" lang="en-US" altLang="en-US" sz="800" b="0" i="0" u="none" strike="noStrike" cap="none" normalizeH="0" baseline="0">
+                <a:ln>
+                  <a:noFill/>
+                </a:ln>
+                <a:solidFill>
+                  <a:schemeClr val="tx1"/>
+                </a:solidFill>
+                <a:effectLst/>
+              </a:rPr>
+              <a:t> </a:t>
+            </a:r>
+            <a:endParaRPr kumimoji="0" lang="en-US" altLang="en-US" sz="1800" b="0" i="0" u="none" strike="noStrike" cap="none" normalizeH="0" baseline="0">
+              <a:ln>
+                <a:noFill/>
+              </a:ln>
+              <a:solidFill>
+                <a:schemeClr val="tx1"/>
+              </a:solidFill>
+              <a:effectLst/>
+              <a:latin typeface="Arial" panose="020B0604020202020204" pitchFamily="34" charset="0"/>
+            </a:endParaRPr>
+          </a:p>
+        </p:txBody>
+      </p:sp>
+      <p:pic>
+        <p:nvPicPr>
+          <p:cNvPr id="6" name="Picture 5"/>
+          <p:cNvPicPr>
+            <a:picLocks noChangeAspect="1"/>
+          </p:cNvPicPr>
+          <p:nvPr/>
+        </p:nvPicPr>
+        <p:blipFill>
+          <a:blip r:embed="rId2">
+            <a:extLst>
+              <a:ext uri="{28A0092B-C50C-407E-A947-70E740481C1C}">
+                <a14:useLocalDpi xmlns:a14="http://schemas.microsoft.com/office/drawing/2010/main" val="0"/>
+              </a:ext>
+            </a:extLst>
+          </a:blip>
+          <a:stretch>
+            <a:fillRect/>
+          </a:stretch>
+        </p:blipFill>
+        <p:spPr>
+          <a:xfrm>
+            <a:off x="326502" y="2140564"/>
+            <a:ext cx="5366932" cy="4036399"/>
+          </a:xfrm>
+          <a:prstGeom prst="rect">
+            <a:avLst/>
+          </a:prstGeom>
+        </p:spPr>
+      </p:pic>
+      <p:pic>
+        <p:nvPicPr>
+          <p:cNvPr id="5" name="Picture 4"/>
+          <p:cNvPicPr>
+            <a:picLocks noChangeAspect="1"/>
+          </p:cNvPicPr>
+          <p:nvPr/>
+        </p:nvPicPr>
+        <p:blipFill>
+          <a:blip r:embed="rId3">
+            <a:extLst>
+              <a:ext uri="{28A0092B-C50C-407E-A947-70E740481C1C}">
+                <a14:useLocalDpi xmlns:a14="http://schemas.microsoft.com/office/drawing/2010/main" val="0"/>
+              </a:ext>
+            </a:extLst>
+          </a:blip>
+          <a:stretch>
+            <a:fillRect/>
+          </a:stretch>
+        </p:blipFill>
+        <p:spPr>
+          <a:xfrm>
+            <a:off x="5980048" y="2140563"/>
+            <a:ext cx="5289384" cy="4036399"/>
+          </a:xfrm>
+          <a:prstGeom prst="rect">
+            <a:avLst/>
+          </a:prstGeom>
+        </p:spPr>
+      </p:pic>
+    </p:spTree>
+    <p:extLst>
+      <p:ext uri="{BB962C8B-B14F-4D97-AF65-F5344CB8AC3E}">
+        <p14:creationId xmlns:p14="http://schemas.microsoft.com/office/powerpoint/2010/main" val="279695537"/>
       </p:ext>
     </p:extLst>
   </p:cSld>
@@ -10504,7 +13085,7 @@
           <p:cNvPr id="2" name="Title 1">
             <a:extLst>
               <a:ext uri="{FF2B5EF4-FFF2-40B4-BE49-F238E27FC236}">
-                <a16:creationId xmlns:a16="http://schemas.microsoft.com/office/drawing/2014/main" id="{8EB1BB09-4D38-43FC-BC3F-45A150E79915}"/>
+                <a16:creationId xmlns:a16="http://schemas.microsoft.com/office/drawing/2014/main" xmlns="" id="{8EB1BB09-4D38-43FC-BC3F-45A150E79915}"/>
               </a:ext>
             </a:extLst>
           </p:cNvPr>
@@ -10532,7 +13113,7 @@
           <p:cNvPr id="3" name="Content Placeholder 2">
             <a:extLst>
               <a:ext uri="{FF2B5EF4-FFF2-40B4-BE49-F238E27FC236}">
-                <a16:creationId xmlns:a16="http://schemas.microsoft.com/office/drawing/2014/main" id="{72E41ECF-1908-4EEA-AC15-44B27C0D7A81}"/>
+                <a16:creationId xmlns:a16="http://schemas.microsoft.com/office/drawing/2014/main" xmlns="" id="{72E41ECF-1908-4EEA-AC15-44B27C0D7A81}"/>
               </a:ext>
             </a:extLst>
           </p:cNvPr>
@@ -10636,6 +13217,1661 @@
     <p:extLst>
       <p:ext uri="{BB962C8B-B14F-4D97-AF65-F5344CB8AC3E}">
         <p14:creationId xmlns:p14="http://schemas.microsoft.com/office/powerpoint/2010/main" val="4195947389"/>
+      </p:ext>
+    </p:extLst>
+  </p:cSld>
+  <p:clrMapOvr>
+    <a:masterClrMapping/>
+  </p:clrMapOvr>
+</p:sld>
+</file>
+
+<file path=ppt/slides/slide30.xml><?xml version="1.0" encoding="utf-8"?>
+<p:sld xmlns:a="http://schemas.openxmlformats.org/drawingml/2006/main" xmlns:r="http://schemas.openxmlformats.org/officeDocument/2006/relationships" xmlns:p="http://schemas.openxmlformats.org/presentationml/2006/main">
+  <p:cSld>
+    <p:spTree>
+      <p:nvGrpSpPr>
+        <p:cNvPr id="1" name=""/>
+        <p:cNvGrpSpPr/>
+        <p:nvPr/>
+      </p:nvGrpSpPr>
+      <p:grpSpPr>
+        <a:xfrm>
+          <a:off x="0" y="0"/>
+          <a:ext cx="0" cy="0"/>
+          <a:chOff x="0" y="0"/>
+          <a:chExt cx="0" cy="0"/>
+        </a:xfrm>
+      </p:grpSpPr>
+      <p:sp>
+        <p:nvSpPr>
+          <p:cNvPr id="2" name="Title 1">
+            <a:extLst>
+              <a:ext uri="{FF2B5EF4-FFF2-40B4-BE49-F238E27FC236}">
+                <a16:creationId xmlns:a16="http://schemas.microsoft.com/office/drawing/2014/main" xmlns="" id="{5115C648-66B8-49BE-B33E-D2150B203B24}"/>
+              </a:ext>
+            </a:extLst>
+          </p:cNvPr>
+          <p:cNvSpPr>
+            <a:spLocks noGrp="1"/>
+          </p:cNvSpPr>
+          <p:nvPr>
+            <p:ph type="title"/>
+          </p:nvPr>
+        </p:nvSpPr>
+        <p:spPr/>
+        <p:txBody>
+          <a:bodyPr/>
+          <a:lstStyle/>
+          <a:p>
+            <a:r>
+              <a:rPr lang="en-US" dirty="0" smtClean="0"/>
+              <a:t>Connection Analysis</a:t>
+            </a:r>
+            <a:br>
+              <a:rPr lang="en-US" dirty="0" smtClean="0"/>
+            </a:br>
+            <a:r>
+              <a:rPr lang="en-US" sz="2800" dirty="0" smtClean="0"/>
+              <a:t>Degree Distribution</a:t>
+            </a:r>
+            <a:endParaRPr lang="en-US" sz="2800" dirty="0"/>
+          </a:p>
+        </p:txBody>
+      </p:sp>
+      <p:sp>
+        <p:nvSpPr>
+          <p:cNvPr id="3" name="Content Placeholder 2">
+            <a:extLst>
+              <a:ext uri="{FF2B5EF4-FFF2-40B4-BE49-F238E27FC236}">
+                <a16:creationId xmlns:a16="http://schemas.microsoft.com/office/drawing/2014/main" xmlns="" id="{B7CBAD27-F7D7-45FE-9E5B-0B22E29CC45E}"/>
+              </a:ext>
+            </a:extLst>
+          </p:cNvPr>
+          <p:cNvSpPr>
+            <a:spLocks noGrp="1"/>
+          </p:cNvSpPr>
+          <p:nvPr>
+            <p:ph idx="1"/>
+          </p:nvPr>
+        </p:nvSpPr>
+        <p:spPr/>
+        <p:txBody>
+          <a:bodyPr/>
+          <a:lstStyle/>
+          <a:p>
+            <a:pPr marL="0" indent="0">
+              <a:buNone/>
+            </a:pPr>
+            <a:endParaRPr lang="en-US" sz="2000" dirty="0" smtClean="0"/>
+          </a:p>
+          <a:p>
+            <a:pPr marL="0" indent="0">
+              <a:buNone/>
+            </a:pPr>
+            <a:endParaRPr lang="en-US" dirty="0" smtClean="0"/>
+          </a:p>
+          <a:p>
+            <a:pPr marL="0" indent="0">
+              <a:buNone/>
+            </a:pPr>
+            <a:endParaRPr lang="en-US" dirty="0"/>
+          </a:p>
+        </p:txBody>
+      </p:sp>
+      <p:sp>
+        <p:nvSpPr>
+          <p:cNvPr id="8" name="Rectangle 3">
+            <a:extLst>
+              <a:ext uri="{FF2B5EF4-FFF2-40B4-BE49-F238E27FC236}">
+                <a16:creationId xmlns:a16="http://schemas.microsoft.com/office/drawing/2014/main" xmlns="" id="{A59012F7-007B-4721-9046-E5B2FC83BD87}"/>
+              </a:ext>
+            </a:extLst>
+          </p:cNvPr>
+          <p:cNvSpPr>
+            <a:spLocks noChangeArrowheads="1"/>
+          </p:cNvSpPr>
+          <p:nvPr/>
+        </p:nvSpPr>
+        <p:spPr bwMode="auto">
+          <a:xfrm>
+            <a:off x="0" y="0"/>
+            <a:ext cx="12192000" cy="457200"/>
+          </a:xfrm>
+          <a:prstGeom prst="rect">
+            <a:avLst/>
+          </a:prstGeom>
+          <a:solidFill>
+            <a:srgbClr val="FFFFFF"/>
+          </a:solidFill>
+          <a:ln>
+            <a:noFill/>
+          </a:ln>
+          <a:effectLst/>
+          <a:extLst>
+            <a:ext uri="{91240B29-F687-4F45-9708-019B960494DF}">
+              <a14:hiddenLine xmlns:a14="http://schemas.microsoft.com/office/drawing/2010/main" w="9525">
+                <a:solidFill>
+                  <a:schemeClr val="tx1"/>
+                </a:solidFill>
+                <a:miter lim="800000"/>
+                <a:headEnd/>
+                <a:tailEnd/>
+              </a14:hiddenLine>
+            </a:ext>
+            <a:ext uri="{AF507438-7753-43E0-B8FC-AC1667EBCBE1}">
+              <a14:hiddenEffects xmlns:a14="http://schemas.microsoft.com/office/drawing/2010/main">
+                <a:effectLst>
+                  <a:outerShdw dist="35921" dir="2700000" algn="ctr" rotWithShape="0">
+                    <a:schemeClr val="bg2"/>
+                  </a:outerShdw>
+                </a:effectLst>
+              </a14:hiddenEffects>
+            </a:ext>
+          </a:extLst>
+        </p:spPr>
+        <p:txBody>
+          <a:bodyPr vert="horz" wrap="none" lIns="0" tIns="0" rIns="0" bIns="0" numCol="1" anchor="ctr" anchorCtr="0" compatLnSpc="1">
+            <a:prstTxWarp prst="textNoShape">
+              <a:avLst/>
+            </a:prstTxWarp>
+            <a:spAutoFit/>
+          </a:bodyPr>
+          <a:lstStyle/>
+          <a:p>
+            <a:pPr marL="0" marR="0" lvl="0" indent="0" algn="l" defTabSz="914400" rtl="0" eaLnBrk="0" fontAlgn="base" latinLnBrk="0" hangingPunct="0">
+              <a:lnSpc>
+                <a:spcPct val="100000"/>
+              </a:lnSpc>
+              <a:spcBef>
+                <a:spcPct val="0"/>
+              </a:spcBef>
+              <a:spcAft>
+                <a:spcPct val="0"/>
+              </a:spcAft>
+              <a:buClrTx/>
+              <a:buSzTx/>
+              <a:buFontTx/>
+              <a:buNone/>
+              <a:tabLst/>
+            </a:pPr>
+            <a:r>
+              <a:rPr kumimoji="0" lang="en-US" altLang="en-US" sz="1000" b="0" i="0" u="none" strike="noStrike" cap="none" normalizeH="0" baseline="0">
+                <a:ln>
+                  <a:noFill/>
+                </a:ln>
+                <a:solidFill>
+                  <a:srgbClr val="000000"/>
+                </a:solidFill>
+                <a:effectLst/>
+                <a:latin typeface="Courier New" panose="02070309020205020404" pitchFamily="49" charset="0"/>
+              </a:rPr>
+              <a:t>200860</a:t>
+            </a:r>
+            <a:r>
+              <a:rPr kumimoji="0" lang="en-US" altLang="en-US" sz="800" b="0" i="0" u="none" strike="noStrike" cap="none" normalizeH="0" baseline="0">
+                <a:ln>
+                  <a:noFill/>
+                </a:ln>
+                <a:solidFill>
+                  <a:schemeClr val="tx1"/>
+                </a:solidFill>
+                <a:effectLst/>
+              </a:rPr>
+              <a:t> </a:t>
+            </a:r>
+            <a:endParaRPr kumimoji="0" lang="en-US" altLang="en-US" sz="1800" b="0" i="0" u="none" strike="noStrike" cap="none" normalizeH="0" baseline="0">
+              <a:ln>
+                <a:noFill/>
+              </a:ln>
+              <a:solidFill>
+                <a:schemeClr val="tx1"/>
+              </a:solidFill>
+              <a:effectLst/>
+              <a:latin typeface="Arial" panose="020B0604020202020204" pitchFamily="34" charset="0"/>
+            </a:endParaRPr>
+          </a:p>
+        </p:txBody>
+      </p:sp>
+      <p:pic>
+        <p:nvPicPr>
+          <p:cNvPr id="6" name="Picture 5"/>
+          <p:cNvPicPr>
+            <a:picLocks noChangeAspect="1"/>
+          </p:cNvPicPr>
+          <p:nvPr/>
+        </p:nvPicPr>
+        <p:blipFill>
+          <a:blip r:embed="rId2">
+            <a:extLst>
+              <a:ext uri="{28A0092B-C50C-407E-A947-70E740481C1C}">
+                <a14:useLocalDpi xmlns:a14="http://schemas.microsoft.com/office/drawing/2010/main" val="0"/>
+              </a:ext>
+            </a:extLst>
+          </a:blip>
+          <a:stretch>
+            <a:fillRect/>
+          </a:stretch>
+        </p:blipFill>
+        <p:spPr>
+          <a:xfrm>
+            <a:off x="326502" y="2140564"/>
+            <a:ext cx="5366932" cy="4036399"/>
+          </a:xfrm>
+          <a:prstGeom prst="rect">
+            <a:avLst/>
+          </a:prstGeom>
+        </p:spPr>
+      </p:pic>
+      <p:pic>
+        <p:nvPicPr>
+          <p:cNvPr id="4" name="Picture 3"/>
+          <p:cNvPicPr>
+            <a:picLocks noChangeAspect="1"/>
+          </p:cNvPicPr>
+          <p:nvPr/>
+        </p:nvPicPr>
+        <p:blipFill>
+          <a:blip r:embed="rId3">
+            <a:extLst>
+              <a:ext uri="{28A0092B-C50C-407E-A947-70E740481C1C}">
+                <a14:useLocalDpi xmlns:a14="http://schemas.microsoft.com/office/drawing/2010/main" val="0"/>
+              </a:ext>
+            </a:extLst>
+          </a:blip>
+          <a:stretch>
+            <a:fillRect/>
+          </a:stretch>
+        </p:blipFill>
+        <p:spPr>
+          <a:xfrm>
+            <a:off x="6126563" y="2140564"/>
+            <a:ext cx="5319077" cy="4036399"/>
+          </a:xfrm>
+          <a:prstGeom prst="rect">
+            <a:avLst/>
+          </a:prstGeom>
+        </p:spPr>
+      </p:pic>
+    </p:spTree>
+    <p:extLst>
+      <p:ext uri="{BB962C8B-B14F-4D97-AF65-F5344CB8AC3E}">
+        <p14:creationId xmlns:p14="http://schemas.microsoft.com/office/powerpoint/2010/main" val="3317452403"/>
+      </p:ext>
+    </p:extLst>
+  </p:cSld>
+  <p:clrMapOvr>
+    <a:masterClrMapping/>
+  </p:clrMapOvr>
+</p:sld>
+</file>
+
+<file path=ppt/slides/slide31.xml><?xml version="1.0" encoding="utf-8"?>
+<p:sld xmlns:a="http://schemas.openxmlformats.org/drawingml/2006/main" xmlns:r="http://schemas.openxmlformats.org/officeDocument/2006/relationships" xmlns:p="http://schemas.openxmlformats.org/presentationml/2006/main">
+  <p:cSld>
+    <p:spTree>
+      <p:nvGrpSpPr>
+        <p:cNvPr id="1" name=""/>
+        <p:cNvGrpSpPr/>
+        <p:nvPr/>
+      </p:nvGrpSpPr>
+      <p:grpSpPr>
+        <a:xfrm>
+          <a:off x="0" y="0"/>
+          <a:ext cx="0" cy="0"/>
+          <a:chOff x="0" y="0"/>
+          <a:chExt cx="0" cy="0"/>
+        </a:xfrm>
+      </p:grpSpPr>
+      <p:sp>
+        <p:nvSpPr>
+          <p:cNvPr id="2" name="Title 1">
+            <a:extLst>
+              <a:ext uri="{FF2B5EF4-FFF2-40B4-BE49-F238E27FC236}">
+                <a16:creationId xmlns:a16="http://schemas.microsoft.com/office/drawing/2014/main" xmlns="" id="{5115C648-66B8-49BE-B33E-D2150B203B24}"/>
+              </a:ext>
+            </a:extLst>
+          </p:cNvPr>
+          <p:cNvSpPr>
+            <a:spLocks noGrp="1"/>
+          </p:cNvSpPr>
+          <p:nvPr>
+            <p:ph type="title"/>
+          </p:nvPr>
+        </p:nvSpPr>
+        <p:spPr/>
+        <p:txBody>
+          <a:bodyPr/>
+          <a:lstStyle/>
+          <a:p>
+            <a:r>
+              <a:rPr lang="en-US" dirty="0" smtClean="0"/>
+              <a:t>Connection Analysis</a:t>
+            </a:r>
+            <a:br>
+              <a:rPr lang="en-US" dirty="0" smtClean="0"/>
+            </a:br>
+            <a:r>
+              <a:rPr lang="en-US" sz="2800" dirty="0" smtClean="0"/>
+              <a:t>Degree Distribution</a:t>
+            </a:r>
+            <a:endParaRPr lang="en-US" sz="2800" dirty="0"/>
+          </a:p>
+        </p:txBody>
+      </p:sp>
+      <p:sp>
+        <p:nvSpPr>
+          <p:cNvPr id="3" name="Content Placeholder 2">
+            <a:extLst>
+              <a:ext uri="{FF2B5EF4-FFF2-40B4-BE49-F238E27FC236}">
+                <a16:creationId xmlns:a16="http://schemas.microsoft.com/office/drawing/2014/main" xmlns="" id="{B7CBAD27-F7D7-45FE-9E5B-0B22E29CC45E}"/>
+              </a:ext>
+            </a:extLst>
+          </p:cNvPr>
+          <p:cNvSpPr>
+            <a:spLocks noGrp="1"/>
+          </p:cNvSpPr>
+          <p:nvPr>
+            <p:ph idx="1"/>
+          </p:nvPr>
+        </p:nvSpPr>
+        <p:spPr/>
+        <p:txBody>
+          <a:bodyPr/>
+          <a:lstStyle/>
+          <a:p>
+            <a:pPr marL="0" indent="0">
+              <a:buNone/>
+            </a:pPr>
+            <a:endParaRPr lang="en-US" sz="2000" dirty="0" smtClean="0"/>
+          </a:p>
+          <a:p>
+            <a:pPr marL="0" indent="0">
+              <a:buNone/>
+            </a:pPr>
+            <a:endParaRPr lang="en-US" dirty="0" smtClean="0"/>
+          </a:p>
+          <a:p>
+            <a:pPr marL="0" indent="0">
+              <a:buNone/>
+            </a:pPr>
+            <a:endParaRPr lang="en-US" dirty="0"/>
+          </a:p>
+        </p:txBody>
+      </p:sp>
+      <p:sp>
+        <p:nvSpPr>
+          <p:cNvPr id="8" name="Rectangle 3">
+            <a:extLst>
+              <a:ext uri="{FF2B5EF4-FFF2-40B4-BE49-F238E27FC236}">
+                <a16:creationId xmlns:a16="http://schemas.microsoft.com/office/drawing/2014/main" xmlns="" id="{A59012F7-007B-4721-9046-E5B2FC83BD87}"/>
+              </a:ext>
+            </a:extLst>
+          </p:cNvPr>
+          <p:cNvSpPr>
+            <a:spLocks noChangeArrowheads="1"/>
+          </p:cNvSpPr>
+          <p:nvPr/>
+        </p:nvSpPr>
+        <p:spPr bwMode="auto">
+          <a:xfrm>
+            <a:off x="0" y="0"/>
+            <a:ext cx="12192000" cy="457200"/>
+          </a:xfrm>
+          <a:prstGeom prst="rect">
+            <a:avLst/>
+          </a:prstGeom>
+          <a:solidFill>
+            <a:srgbClr val="FFFFFF"/>
+          </a:solidFill>
+          <a:ln>
+            <a:noFill/>
+          </a:ln>
+          <a:effectLst/>
+          <a:extLst>
+            <a:ext uri="{91240B29-F687-4F45-9708-019B960494DF}">
+              <a14:hiddenLine xmlns:a14="http://schemas.microsoft.com/office/drawing/2010/main" w="9525">
+                <a:solidFill>
+                  <a:schemeClr val="tx1"/>
+                </a:solidFill>
+                <a:miter lim="800000"/>
+                <a:headEnd/>
+                <a:tailEnd/>
+              </a14:hiddenLine>
+            </a:ext>
+            <a:ext uri="{AF507438-7753-43E0-B8FC-AC1667EBCBE1}">
+              <a14:hiddenEffects xmlns:a14="http://schemas.microsoft.com/office/drawing/2010/main">
+                <a:effectLst>
+                  <a:outerShdw dist="35921" dir="2700000" algn="ctr" rotWithShape="0">
+                    <a:schemeClr val="bg2"/>
+                  </a:outerShdw>
+                </a:effectLst>
+              </a14:hiddenEffects>
+            </a:ext>
+          </a:extLst>
+        </p:spPr>
+        <p:txBody>
+          <a:bodyPr vert="horz" wrap="none" lIns="0" tIns="0" rIns="0" bIns="0" numCol="1" anchor="ctr" anchorCtr="0" compatLnSpc="1">
+            <a:prstTxWarp prst="textNoShape">
+              <a:avLst/>
+            </a:prstTxWarp>
+            <a:spAutoFit/>
+          </a:bodyPr>
+          <a:lstStyle/>
+          <a:p>
+            <a:pPr marL="0" marR="0" lvl="0" indent="0" algn="l" defTabSz="914400" rtl="0" eaLnBrk="0" fontAlgn="base" latinLnBrk="0" hangingPunct="0">
+              <a:lnSpc>
+                <a:spcPct val="100000"/>
+              </a:lnSpc>
+              <a:spcBef>
+                <a:spcPct val="0"/>
+              </a:spcBef>
+              <a:spcAft>
+                <a:spcPct val="0"/>
+              </a:spcAft>
+              <a:buClrTx/>
+              <a:buSzTx/>
+              <a:buFontTx/>
+              <a:buNone/>
+              <a:tabLst/>
+            </a:pPr>
+            <a:r>
+              <a:rPr kumimoji="0" lang="en-US" altLang="en-US" sz="1000" b="0" i="0" u="none" strike="noStrike" cap="none" normalizeH="0" baseline="0">
+                <a:ln>
+                  <a:noFill/>
+                </a:ln>
+                <a:solidFill>
+                  <a:srgbClr val="000000"/>
+                </a:solidFill>
+                <a:effectLst/>
+                <a:latin typeface="Courier New" panose="02070309020205020404" pitchFamily="49" charset="0"/>
+              </a:rPr>
+              <a:t>200860</a:t>
+            </a:r>
+            <a:r>
+              <a:rPr kumimoji="0" lang="en-US" altLang="en-US" sz="800" b="0" i="0" u="none" strike="noStrike" cap="none" normalizeH="0" baseline="0">
+                <a:ln>
+                  <a:noFill/>
+                </a:ln>
+                <a:solidFill>
+                  <a:schemeClr val="tx1"/>
+                </a:solidFill>
+                <a:effectLst/>
+              </a:rPr>
+              <a:t> </a:t>
+            </a:r>
+            <a:endParaRPr kumimoji="0" lang="en-US" altLang="en-US" sz="1800" b="0" i="0" u="none" strike="noStrike" cap="none" normalizeH="0" baseline="0">
+              <a:ln>
+                <a:noFill/>
+              </a:ln>
+              <a:solidFill>
+                <a:schemeClr val="tx1"/>
+              </a:solidFill>
+              <a:effectLst/>
+              <a:latin typeface="Arial" panose="020B0604020202020204" pitchFamily="34" charset="0"/>
+            </a:endParaRPr>
+          </a:p>
+        </p:txBody>
+      </p:sp>
+      <p:pic>
+        <p:nvPicPr>
+          <p:cNvPr id="6" name="Picture 5"/>
+          <p:cNvPicPr>
+            <a:picLocks noChangeAspect="1"/>
+          </p:cNvPicPr>
+          <p:nvPr/>
+        </p:nvPicPr>
+        <p:blipFill>
+          <a:blip r:embed="rId2">
+            <a:extLst>
+              <a:ext uri="{28A0092B-C50C-407E-A947-70E740481C1C}">
+                <a14:useLocalDpi xmlns:a14="http://schemas.microsoft.com/office/drawing/2010/main" val="0"/>
+              </a:ext>
+            </a:extLst>
+          </a:blip>
+          <a:stretch>
+            <a:fillRect/>
+          </a:stretch>
+        </p:blipFill>
+        <p:spPr>
+          <a:xfrm>
+            <a:off x="326502" y="2140564"/>
+            <a:ext cx="5366932" cy="4036399"/>
+          </a:xfrm>
+          <a:prstGeom prst="rect">
+            <a:avLst/>
+          </a:prstGeom>
+        </p:spPr>
+      </p:pic>
+      <p:pic>
+        <p:nvPicPr>
+          <p:cNvPr id="5" name="Picture 4"/>
+          <p:cNvPicPr>
+            <a:picLocks noChangeAspect="1"/>
+          </p:cNvPicPr>
+          <p:nvPr/>
+        </p:nvPicPr>
+        <p:blipFill>
+          <a:blip r:embed="rId3">
+            <a:extLst>
+              <a:ext uri="{28A0092B-C50C-407E-A947-70E740481C1C}">
+                <a14:useLocalDpi xmlns:a14="http://schemas.microsoft.com/office/drawing/2010/main" val="0"/>
+              </a:ext>
+            </a:extLst>
+          </a:blip>
+          <a:stretch>
+            <a:fillRect/>
+          </a:stretch>
+        </p:blipFill>
+        <p:spPr>
+          <a:xfrm>
+            <a:off x="6019013" y="2140564"/>
+            <a:ext cx="5334787" cy="4051908"/>
+          </a:xfrm>
+          <a:prstGeom prst="rect">
+            <a:avLst/>
+          </a:prstGeom>
+        </p:spPr>
+      </p:pic>
+    </p:spTree>
+    <p:extLst>
+      <p:ext uri="{BB962C8B-B14F-4D97-AF65-F5344CB8AC3E}">
+        <p14:creationId xmlns:p14="http://schemas.microsoft.com/office/powerpoint/2010/main" val="431069028"/>
+      </p:ext>
+    </p:extLst>
+  </p:cSld>
+  <p:clrMapOvr>
+    <a:masterClrMapping/>
+  </p:clrMapOvr>
+</p:sld>
+</file>
+
+<file path=ppt/slides/slide32.xml><?xml version="1.0" encoding="utf-8"?>
+<p:sld xmlns:a="http://schemas.openxmlformats.org/drawingml/2006/main" xmlns:r="http://schemas.openxmlformats.org/officeDocument/2006/relationships" xmlns:p="http://schemas.openxmlformats.org/presentationml/2006/main">
+  <p:cSld>
+    <p:spTree>
+      <p:nvGrpSpPr>
+        <p:cNvPr id="1" name=""/>
+        <p:cNvGrpSpPr/>
+        <p:nvPr/>
+      </p:nvGrpSpPr>
+      <p:grpSpPr>
+        <a:xfrm>
+          <a:off x="0" y="0"/>
+          <a:ext cx="0" cy="0"/>
+          <a:chOff x="0" y="0"/>
+          <a:chExt cx="0" cy="0"/>
+        </a:xfrm>
+      </p:grpSpPr>
+      <p:sp>
+        <p:nvSpPr>
+          <p:cNvPr id="2" name="Title 1">
+            <a:extLst>
+              <a:ext uri="{FF2B5EF4-FFF2-40B4-BE49-F238E27FC236}">
+                <a16:creationId xmlns:a16="http://schemas.microsoft.com/office/drawing/2014/main" xmlns="" id="{5115C648-66B8-49BE-B33E-D2150B203B24}"/>
+              </a:ext>
+            </a:extLst>
+          </p:cNvPr>
+          <p:cNvSpPr>
+            <a:spLocks noGrp="1"/>
+          </p:cNvSpPr>
+          <p:nvPr>
+            <p:ph type="title"/>
+          </p:nvPr>
+        </p:nvSpPr>
+        <p:spPr/>
+        <p:txBody>
+          <a:bodyPr/>
+          <a:lstStyle/>
+          <a:p>
+            <a:r>
+              <a:rPr lang="en-US" dirty="0" smtClean="0"/>
+              <a:t>Position Analysis</a:t>
+            </a:r>
+            <a:br>
+              <a:rPr lang="en-US" dirty="0" smtClean="0"/>
+            </a:br>
+            <a:r>
+              <a:rPr lang="en-US" sz="2800" dirty="0" smtClean="0"/>
+              <a:t>Degrees:</a:t>
+            </a:r>
+            <a:endParaRPr lang="en-US" sz="2800" dirty="0"/>
+          </a:p>
+        </p:txBody>
+      </p:sp>
+      <p:sp>
+        <p:nvSpPr>
+          <p:cNvPr id="3" name="Content Placeholder 2">
+            <a:extLst>
+              <a:ext uri="{FF2B5EF4-FFF2-40B4-BE49-F238E27FC236}">
+                <a16:creationId xmlns:a16="http://schemas.microsoft.com/office/drawing/2014/main" xmlns="" id="{B7CBAD27-F7D7-45FE-9E5B-0B22E29CC45E}"/>
+              </a:ext>
+            </a:extLst>
+          </p:cNvPr>
+          <p:cNvSpPr>
+            <a:spLocks noGrp="1"/>
+          </p:cNvSpPr>
+          <p:nvPr>
+            <p:ph idx="1"/>
+          </p:nvPr>
+        </p:nvSpPr>
+        <p:spPr/>
+        <p:txBody>
+          <a:bodyPr/>
+          <a:lstStyle/>
+          <a:p>
+            <a:r>
+              <a:rPr lang="en-US" sz="2000" dirty="0" smtClean="0"/>
+              <a:t>In Degree:</a:t>
+            </a:r>
+          </a:p>
+          <a:p>
+            <a:pPr marL="0" indent="0">
+              <a:buNone/>
+            </a:pPr>
+            <a:endParaRPr lang="en-US" dirty="0" smtClean="0"/>
+          </a:p>
+          <a:p>
+            <a:pPr marL="0" indent="0">
+              <a:buNone/>
+            </a:pPr>
+            <a:endParaRPr lang="en-US" dirty="0" smtClean="0"/>
+          </a:p>
+          <a:p>
+            <a:r>
+              <a:rPr lang="en-US" sz="2000" dirty="0" smtClean="0"/>
+              <a:t>Out Degree</a:t>
+            </a:r>
+            <a:endParaRPr lang="en-US" sz="2000" dirty="0"/>
+          </a:p>
+        </p:txBody>
+      </p:sp>
+      <p:sp>
+        <p:nvSpPr>
+          <p:cNvPr id="8" name="Rectangle 3">
+            <a:extLst>
+              <a:ext uri="{FF2B5EF4-FFF2-40B4-BE49-F238E27FC236}">
+                <a16:creationId xmlns:a16="http://schemas.microsoft.com/office/drawing/2014/main" xmlns="" id="{A59012F7-007B-4721-9046-E5B2FC83BD87}"/>
+              </a:ext>
+            </a:extLst>
+          </p:cNvPr>
+          <p:cNvSpPr>
+            <a:spLocks noChangeArrowheads="1"/>
+          </p:cNvSpPr>
+          <p:nvPr/>
+        </p:nvSpPr>
+        <p:spPr bwMode="auto">
+          <a:xfrm>
+            <a:off x="0" y="0"/>
+            <a:ext cx="12192000" cy="457200"/>
+          </a:xfrm>
+          <a:prstGeom prst="rect">
+            <a:avLst/>
+          </a:prstGeom>
+          <a:solidFill>
+            <a:srgbClr val="FFFFFF"/>
+          </a:solidFill>
+          <a:ln>
+            <a:noFill/>
+          </a:ln>
+          <a:effectLst/>
+          <a:extLst>
+            <a:ext uri="{91240B29-F687-4F45-9708-019B960494DF}">
+              <a14:hiddenLine xmlns:a14="http://schemas.microsoft.com/office/drawing/2010/main" w="9525">
+                <a:solidFill>
+                  <a:schemeClr val="tx1"/>
+                </a:solidFill>
+                <a:miter lim="800000"/>
+                <a:headEnd/>
+                <a:tailEnd/>
+              </a14:hiddenLine>
+            </a:ext>
+            <a:ext uri="{AF507438-7753-43E0-B8FC-AC1667EBCBE1}">
+              <a14:hiddenEffects xmlns:a14="http://schemas.microsoft.com/office/drawing/2010/main">
+                <a:effectLst>
+                  <a:outerShdw dist="35921" dir="2700000" algn="ctr" rotWithShape="0">
+                    <a:schemeClr val="bg2"/>
+                  </a:outerShdw>
+                </a:effectLst>
+              </a14:hiddenEffects>
+            </a:ext>
+          </a:extLst>
+        </p:spPr>
+        <p:txBody>
+          <a:bodyPr vert="horz" wrap="none" lIns="0" tIns="0" rIns="0" bIns="0" numCol="1" anchor="ctr" anchorCtr="0" compatLnSpc="1">
+            <a:prstTxWarp prst="textNoShape">
+              <a:avLst/>
+            </a:prstTxWarp>
+            <a:spAutoFit/>
+          </a:bodyPr>
+          <a:lstStyle/>
+          <a:p>
+            <a:pPr marL="0" marR="0" lvl="0" indent="0" algn="l" defTabSz="914400" rtl="0" eaLnBrk="0" fontAlgn="base" latinLnBrk="0" hangingPunct="0">
+              <a:lnSpc>
+                <a:spcPct val="100000"/>
+              </a:lnSpc>
+              <a:spcBef>
+                <a:spcPct val="0"/>
+              </a:spcBef>
+              <a:spcAft>
+                <a:spcPct val="0"/>
+              </a:spcAft>
+              <a:buClrTx/>
+              <a:buSzTx/>
+              <a:buFontTx/>
+              <a:buNone/>
+              <a:tabLst/>
+            </a:pPr>
+            <a:r>
+              <a:rPr kumimoji="0" lang="en-US" altLang="en-US" sz="1000" b="0" i="0" u="none" strike="noStrike" cap="none" normalizeH="0" baseline="0">
+                <a:ln>
+                  <a:noFill/>
+                </a:ln>
+                <a:solidFill>
+                  <a:srgbClr val="000000"/>
+                </a:solidFill>
+                <a:effectLst/>
+                <a:latin typeface="Courier New" panose="02070309020205020404" pitchFamily="49" charset="0"/>
+              </a:rPr>
+              <a:t>200860</a:t>
+            </a:r>
+            <a:r>
+              <a:rPr kumimoji="0" lang="en-US" altLang="en-US" sz="800" b="0" i="0" u="none" strike="noStrike" cap="none" normalizeH="0" baseline="0">
+                <a:ln>
+                  <a:noFill/>
+                </a:ln>
+                <a:solidFill>
+                  <a:schemeClr val="tx1"/>
+                </a:solidFill>
+                <a:effectLst/>
+              </a:rPr>
+              <a:t> </a:t>
+            </a:r>
+            <a:endParaRPr kumimoji="0" lang="en-US" altLang="en-US" sz="1800" b="0" i="0" u="none" strike="noStrike" cap="none" normalizeH="0" baseline="0">
+              <a:ln>
+                <a:noFill/>
+              </a:ln>
+              <a:solidFill>
+                <a:schemeClr val="tx1"/>
+              </a:solidFill>
+              <a:effectLst/>
+              <a:latin typeface="Arial" panose="020B0604020202020204" pitchFamily="34" charset="0"/>
+            </a:endParaRPr>
+          </a:p>
+        </p:txBody>
+      </p:sp>
+      <p:graphicFrame>
+        <p:nvGraphicFramePr>
+          <p:cNvPr id="4" name="Table 3"/>
+          <p:cNvGraphicFramePr>
+            <a:graphicFrameLocks noGrp="1"/>
+          </p:cNvGraphicFramePr>
+          <p:nvPr>
+            <p:extLst>
+              <p:ext uri="{D42A27DB-BD31-4B8C-83A1-F6EECF244321}">
+                <p14:modId xmlns:p14="http://schemas.microsoft.com/office/powerpoint/2010/main" val="577895563"/>
+              </p:ext>
+            </p:extLst>
+          </p:nvPr>
+        </p:nvGraphicFramePr>
+        <p:xfrm>
+          <a:off x="1816340" y="2278136"/>
+          <a:ext cx="8128002" cy="741110"/>
+        </p:xfrm>
+        <a:graphic>
+          <a:graphicData uri="http://schemas.openxmlformats.org/drawingml/2006/table">
+            <a:tbl>
+              <a:tblPr firstRow="1" bandRow="1">
+                <a:tableStyleId>{5C22544A-7EE6-4342-B048-85BDC9FD1C3A}</a:tableStyleId>
+              </a:tblPr>
+              <a:tblGrid>
+                <a:gridCol w="1354667"/>
+                <a:gridCol w="1354667"/>
+                <a:gridCol w="1354667"/>
+                <a:gridCol w="1354667"/>
+                <a:gridCol w="1354667"/>
+                <a:gridCol w="1354667"/>
+              </a:tblGrid>
+              <a:tr h="370555">
+                <a:tc>
+                  <a:txBody>
+                    <a:bodyPr/>
+                    <a:lstStyle/>
+                    <a:p>
+                      <a:r>
+                        <a:rPr lang="en-IN" dirty="0" smtClean="0"/>
+                        <a:t>Template</a:t>
+                      </a:r>
+                      <a:endParaRPr lang="en-GB" dirty="0"/>
+                    </a:p>
+                  </a:txBody>
+                  <a:tcPr/>
+                </a:tc>
+                <a:tc>
+                  <a:txBody>
+                    <a:bodyPr/>
+                    <a:lstStyle/>
+                    <a:p>
+                      <a:r>
+                        <a:rPr lang="en-IN" dirty="0" smtClean="0"/>
+                        <a:t>G1</a:t>
+                      </a:r>
+                      <a:endParaRPr lang="en-GB" dirty="0"/>
+                    </a:p>
+                  </a:txBody>
+                  <a:tcPr/>
+                </a:tc>
+                <a:tc>
+                  <a:txBody>
+                    <a:bodyPr/>
+                    <a:lstStyle/>
+                    <a:p>
+                      <a:r>
+                        <a:rPr lang="en-IN" dirty="0" smtClean="0"/>
+                        <a:t>G2</a:t>
+                      </a:r>
+                      <a:endParaRPr lang="en-GB" dirty="0"/>
+                    </a:p>
+                  </a:txBody>
+                  <a:tcPr/>
+                </a:tc>
+                <a:tc>
+                  <a:txBody>
+                    <a:bodyPr/>
+                    <a:lstStyle/>
+                    <a:p>
+                      <a:r>
+                        <a:rPr lang="en-IN" dirty="0" smtClean="0"/>
+                        <a:t>G3</a:t>
+                      </a:r>
+                      <a:endParaRPr lang="en-GB" dirty="0"/>
+                    </a:p>
+                  </a:txBody>
+                  <a:tcPr/>
+                </a:tc>
+                <a:tc>
+                  <a:txBody>
+                    <a:bodyPr/>
+                    <a:lstStyle/>
+                    <a:p>
+                      <a:r>
+                        <a:rPr lang="en-IN" dirty="0" smtClean="0"/>
+                        <a:t>G4</a:t>
+                      </a:r>
+                      <a:endParaRPr lang="en-GB" dirty="0"/>
+                    </a:p>
+                  </a:txBody>
+                  <a:tcPr/>
+                </a:tc>
+                <a:tc>
+                  <a:txBody>
+                    <a:bodyPr/>
+                    <a:lstStyle/>
+                    <a:p>
+                      <a:r>
+                        <a:rPr lang="en-IN" dirty="0" smtClean="0"/>
+                        <a:t>G5</a:t>
+                      </a:r>
+                      <a:endParaRPr lang="en-GB" dirty="0"/>
+                    </a:p>
+                  </a:txBody>
+                  <a:tcPr/>
+                </a:tc>
+              </a:tr>
+              <a:tr h="370555">
+                <a:tc>
+                  <a:txBody>
+                    <a:bodyPr/>
+                    <a:lstStyle/>
+                    <a:p>
+                      <a:r>
+                        <a:rPr lang="en-GB" dirty="0" smtClean="0"/>
+                        <a:t>0-72</a:t>
+                      </a:r>
+                      <a:endParaRPr lang="en-GB" dirty="0"/>
+                    </a:p>
+                  </a:txBody>
+                  <a:tcPr>
+                    <a:solidFill>
+                      <a:schemeClr val="accent6">
+                        <a:lumMod val="60000"/>
+                        <a:lumOff val="40000"/>
+                      </a:schemeClr>
+                    </a:solidFill>
+                  </a:tcPr>
+                </a:tc>
+                <a:tc>
+                  <a:txBody>
+                    <a:bodyPr/>
+                    <a:lstStyle/>
+                    <a:p>
+                      <a:r>
+                        <a:rPr lang="en-GB" dirty="0" smtClean="0"/>
+                        <a:t>0-64</a:t>
+                      </a:r>
+                      <a:endParaRPr lang="en-GB" dirty="0"/>
+                    </a:p>
+                  </a:txBody>
+                  <a:tcPr>
+                    <a:solidFill>
+                      <a:schemeClr val="accent6">
+                        <a:lumMod val="60000"/>
+                        <a:lumOff val="40000"/>
+                      </a:schemeClr>
+                    </a:solidFill>
+                  </a:tcPr>
+                </a:tc>
+                <a:tc>
+                  <a:txBody>
+                    <a:bodyPr/>
+                    <a:lstStyle/>
+                    <a:p>
+                      <a:r>
+                        <a:rPr lang="en-GB" dirty="0" smtClean="0"/>
+                        <a:t>0-96</a:t>
+                      </a:r>
+                      <a:endParaRPr lang="en-GB" dirty="0"/>
+                    </a:p>
+                  </a:txBody>
+                  <a:tcPr>
+                    <a:solidFill>
+                      <a:schemeClr val="accent6">
+                        <a:lumMod val="60000"/>
+                        <a:lumOff val="40000"/>
+                      </a:schemeClr>
+                    </a:solidFill>
+                  </a:tcPr>
+                </a:tc>
+                <a:tc>
+                  <a:txBody>
+                    <a:bodyPr/>
+                    <a:lstStyle/>
+                    <a:p>
+                      <a:r>
+                        <a:rPr lang="en-GB" dirty="0" smtClean="0"/>
+                        <a:t>0-36</a:t>
+                      </a:r>
+                      <a:endParaRPr lang="en-GB" dirty="0"/>
+                    </a:p>
+                  </a:txBody>
+                  <a:tcPr>
+                    <a:solidFill>
+                      <a:schemeClr val="accent1">
+                        <a:lumMod val="20000"/>
+                        <a:lumOff val="80000"/>
+                      </a:schemeClr>
+                    </a:solidFill>
+                  </a:tcPr>
+                </a:tc>
+                <a:tc>
+                  <a:txBody>
+                    <a:bodyPr/>
+                    <a:lstStyle/>
+                    <a:p>
+                      <a:r>
+                        <a:rPr lang="en-GB" dirty="0" smtClean="0"/>
+                        <a:t>0-35</a:t>
+                      </a:r>
+                      <a:endParaRPr lang="en-GB" dirty="0"/>
+                    </a:p>
+                  </a:txBody>
+                  <a:tcPr/>
+                </a:tc>
+                <a:tc>
+                  <a:txBody>
+                    <a:bodyPr/>
+                    <a:lstStyle/>
+                    <a:p>
+                      <a:r>
+                        <a:rPr lang="en-GB" dirty="0" smtClean="0"/>
+                        <a:t>0-30</a:t>
+                      </a:r>
+                      <a:endParaRPr lang="en-GB" dirty="0"/>
+                    </a:p>
+                  </a:txBody>
+                  <a:tcPr/>
+                </a:tc>
+              </a:tr>
+            </a:tbl>
+          </a:graphicData>
+        </a:graphic>
+      </p:graphicFrame>
+      <p:sp>
+        <p:nvSpPr>
+          <p:cNvPr id="5" name="Rectangle 4"/>
+          <p:cNvSpPr/>
+          <p:nvPr/>
+        </p:nvSpPr>
+        <p:spPr>
+          <a:xfrm>
+            <a:off x="2975379" y="6180338"/>
+            <a:ext cx="5704126" cy="369332"/>
+          </a:xfrm>
+          <a:prstGeom prst="rect">
+            <a:avLst/>
+          </a:prstGeom>
+        </p:spPr>
+        <p:txBody>
+          <a:bodyPr wrap="none">
+            <a:spAutoFit/>
+          </a:bodyPr>
+          <a:lstStyle/>
+          <a:p>
+            <a:pPr marL="285750" indent="-285750">
+              <a:buFont typeface="Arial" panose="020B0604020202020204" pitchFamily="34" charset="0"/>
+              <a:buChar char="•"/>
+            </a:pPr>
+            <a:r>
+              <a:rPr lang="en-GB" dirty="0"/>
+              <a:t>Similarity: </a:t>
+            </a:r>
+            <a:r>
+              <a:rPr lang="de-DE" smtClean="0"/>
+              <a:t>Graph2 &gt;Graph1 &gt; </a:t>
+            </a:r>
+            <a:r>
+              <a:rPr lang="de-DE" dirty="0"/>
+              <a:t>Graph3 &gt;</a:t>
+            </a:r>
+            <a:r>
+              <a:rPr lang="de-DE" dirty="0" smtClean="0"/>
+              <a:t> Graph4 </a:t>
+            </a:r>
+            <a:r>
+              <a:rPr lang="de-DE" dirty="0"/>
+              <a:t>&gt; </a:t>
+            </a:r>
+            <a:r>
+              <a:rPr lang="de-DE" dirty="0" smtClean="0"/>
+              <a:t>Graph5</a:t>
+            </a:r>
+            <a:endParaRPr lang="en-GB" dirty="0"/>
+          </a:p>
+        </p:txBody>
+      </p:sp>
+      <p:graphicFrame>
+        <p:nvGraphicFramePr>
+          <p:cNvPr id="10" name="Table 9"/>
+          <p:cNvGraphicFramePr>
+            <a:graphicFrameLocks noGrp="1"/>
+          </p:cNvGraphicFramePr>
+          <p:nvPr>
+            <p:extLst>
+              <p:ext uri="{D42A27DB-BD31-4B8C-83A1-F6EECF244321}">
+                <p14:modId xmlns:p14="http://schemas.microsoft.com/office/powerpoint/2010/main" val="2165167082"/>
+              </p:ext>
+            </p:extLst>
+          </p:nvPr>
+        </p:nvGraphicFramePr>
+        <p:xfrm>
+          <a:off x="1816340" y="3764661"/>
+          <a:ext cx="8128002" cy="741110"/>
+        </p:xfrm>
+        <a:graphic>
+          <a:graphicData uri="http://schemas.openxmlformats.org/drawingml/2006/table">
+            <a:tbl>
+              <a:tblPr firstRow="1" bandRow="1">
+                <a:tableStyleId>{5C22544A-7EE6-4342-B048-85BDC9FD1C3A}</a:tableStyleId>
+              </a:tblPr>
+              <a:tblGrid>
+                <a:gridCol w="1354667"/>
+                <a:gridCol w="1354667"/>
+                <a:gridCol w="1354667"/>
+                <a:gridCol w="1354667"/>
+                <a:gridCol w="1354667"/>
+                <a:gridCol w="1354667"/>
+              </a:tblGrid>
+              <a:tr h="370555">
+                <a:tc>
+                  <a:txBody>
+                    <a:bodyPr/>
+                    <a:lstStyle/>
+                    <a:p>
+                      <a:r>
+                        <a:rPr lang="en-IN" dirty="0" smtClean="0"/>
+                        <a:t>Template</a:t>
+                      </a:r>
+                      <a:endParaRPr lang="en-GB" dirty="0"/>
+                    </a:p>
+                  </a:txBody>
+                  <a:tcPr/>
+                </a:tc>
+                <a:tc>
+                  <a:txBody>
+                    <a:bodyPr/>
+                    <a:lstStyle/>
+                    <a:p>
+                      <a:r>
+                        <a:rPr lang="en-IN" dirty="0" smtClean="0"/>
+                        <a:t>G1</a:t>
+                      </a:r>
+                      <a:endParaRPr lang="en-GB" dirty="0"/>
+                    </a:p>
+                  </a:txBody>
+                  <a:tcPr/>
+                </a:tc>
+                <a:tc>
+                  <a:txBody>
+                    <a:bodyPr/>
+                    <a:lstStyle/>
+                    <a:p>
+                      <a:r>
+                        <a:rPr lang="en-IN" dirty="0" smtClean="0"/>
+                        <a:t>G2</a:t>
+                      </a:r>
+                      <a:endParaRPr lang="en-GB" dirty="0"/>
+                    </a:p>
+                  </a:txBody>
+                  <a:tcPr/>
+                </a:tc>
+                <a:tc>
+                  <a:txBody>
+                    <a:bodyPr/>
+                    <a:lstStyle/>
+                    <a:p>
+                      <a:r>
+                        <a:rPr lang="en-IN" dirty="0" smtClean="0"/>
+                        <a:t>G3</a:t>
+                      </a:r>
+                      <a:endParaRPr lang="en-GB" dirty="0"/>
+                    </a:p>
+                  </a:txBody>
+                  <a:tcPr/>
+                </a:tc>
+                <a:tc>
+                  <a:txBody>
+                    <a:bodyPr/>
+                    <a:lstStyle/>
+                    <a:p>
+                      <a:r>
+                        <a:rPr lang="en-IN" dirty="0" smtClean="0"/>
+                        <a:t>G4</a:t>
+                      </a:r>
+                      <a:endParaRPr lang="en-GB" dirty="0"/>
+                    </a:p>
+                  </a:txBody>
+                  <a:tcPr/>
+                </a:tc>
+                <a:tc>
+                  <a:txBody>
+                    <a:bodyPr/>
+                    <a:lstStyle/>
+                    <a:p>
+                      <a:r>
+                        <a:rPr lang="en-IN" dirty="0" smtClean="0"/>
+                        <a:t>G5</a:t>
+                      </a:r>
+                      <a:endParaRPr lang="en-GB" dirty="0"/>
+                    </a:p>
+                  </a:txBody>
+                  <a:tcPr/>
+                </a:tc>
+              </a:tr>
+              <a:tr h="370555">
+                <a:tc>
+                  <a:txBody>
+                    <a:bodyPr/>
+                    <a:lstStyle/>
+                    <a:p>
+                      <a:r>
+                        <a:rPr lang="en-GB" dirty="0" smtClean="0"/>
+                        <a:t>0-136</a:t>
+                      </a:r>
+                      <a:endParaRPr lang="en-GB" dirty="0"/>
+                    </a:p>
+                  </a:txBody>
+                  <a:tcPr>
+                    <a:solidFill>
+                      <a:schemeClr val="accent6">
+                        <a:lumMod val="60000"/>
+                        <a:lumOff val="40000"/>
+                      </a:schemeClr>
+                    </a:solidFill>
+                  </a:tcPr>
+                </a:tc>
+                <a:tc>
+                  <a:txBody>
+                    <a:bodyPr/>
+                    <a:lstStyle/>
+                    <a:p>
+                      <a:r>
+                        <a:rPr lang="en-GB" dirty="0" smtClean="0"/>
+                        <a:t>0-77</a:t>
+                      </a:r>
+                      <a:endParaRPr lang="en-GB" dirty="0"/>
+                    </a:p>
+                  </a:txBody>
+                  <a:tcPr>
+                    <a:solidFill>
+                      <a:schemeClr val="accent6">
+                        <a:lumMod val="60000"/>
+                        <a:lumOff val="40000"/>
+                      </a:schemeClr>
+                    </a:solidFill>
+                  </a:tcPr>
+                </a:tc>
+                <a:tc>
+                  <a:txBody>
+                    <a:bodyPr/>
+                    <a:lstStyle/>
+                    <a:p>
+                      <a:r>
+                        <a:rPr lang="en-GB" dirty="0" smtClean="0"/>
+                        <a:t>0-96</a:t>
+                      </a:r>
+                      <a:endParaRPr lang="en-GB" dirty="0"/>
+                    </a:p>
+                  </a:txBody>
+                  <a:tcPr>
+                    <a:solidFill>
+                      <a:schemeClr val="accent6">
+                        <a:lumMod val="60000"/>
+                        <a:lumOff val="40000"/>
+                      </a:schemeClr>
+                    </a:solidFill>
+                  </a:tcPr>
+                </a:tc>
+                <a:tc>
+                  <a:txBody>
+                    <a:bodyPr/>
+                    <a:lstStyle/>
+                    <a:p>
+                      <a:r>
+                        <a:rPr lang="en-GB" dirty="0" smtClean="0"/>
+                        <a:t>0-50</a:t>
+                      </a:r>
+                      <a:endParaRPr lang="en-GB" dirty="0"/>
+                    </a:p>
+                  </a:txBody>
+                  <a:tcPr>
+                    <a:solidFill>
+                      <a:schemeClr val="accent1">
+                        <a:lumMod val="20000"/>
+                        <a:lumOff val="80000"/>
+                      </a:schemeClr>
+                    </a:solidFill>
+                  </a:tcPr>
+                </a:tc>
+                <a:tc>
+                  <a:txBody>
+                    <a:bodyPr/>
+                    <a:lstStyle/>
+                    <a:p>
+                      <a:r>
+                        <a:rPr lang="en-GB" dirty="0" smtClean="0"/>
+                        <a:t>0-59</a:t>
+                      </a:r>
+                      <a:endParaRPr lang="en-GB" dirty="0"/>
+                    </a:p>
+                  </a:txBody>
+                  <a:tcPr/>
+                </a:tc>
+                <a:tc>
+                  <a:txBody>
+                    <a:bodyPr/>
+                    <a:lstStyle/>
+                    <a:p>
+                      <a:r>
+                        <a:rPr lang="en-GB" dirty="0" smtClean="0"/>
+                        <a:t>0-67</a:t>
+                      </a:r>
+                      <a:endParaRPr lang="en-GB" dirty="0"/>
+                    </a:p>
+                  </a:txBody>
+                  <a:tcPr/>
+                </a:tc>
+              </a:tr>
+            </a:tbl>
+          </a:graphicData>
+        </a:graphic>
+      </p:graphicFrame>
+      <p:graphicFrame>
+        <p:nvGraphicFramePr>
+          <p:cNvPr id="11" name="Table 10"/>
+          <p:cNvGraphicFramePr>
+            <a:graphicFrameLocks noGrp="1"/>
+          </p:cNvGraphicFramePr>
+          <p:nvPr>
+            <p:extLst>
+              <p:ext uri="{D42A27DB-BD31-4B8C-83A1-F6EECF244321}">
+                <p14:modId xmlns:p14="http://schemas.microsoft.com/office/powerpoint/2010/main" val="3984713446"/>
+              </p:ext>
+            </p:extLst>
+          </p:nvPr>
+        </p:nvGraphicFramePr>
+        <p:xfrm>
+          <a:off x="1753079" y="5066986"/>
+          <a:ext cx="8128002" cy="741110"/>
+        </p:xfrm>
+        <a:graphic>
+          <a:graphicData uri="http://schemas.openxmlformats.org/drawingml/2006/table">
+            <a:tbl>
+              <a:tblPr firstRow="1" bandRow="1">
+                <a:tableStyleId>{5C22544A-7EE6-4342-B048-85BDC9FD1C3A}</a:tableStyleId>
+              </a:tblPr>
+              <a:tblGrid>
+                <a:gridCol w="1354667"/>
+                <a:gridCol w="1354667"/>
+                <a:gridCol w="1354667"/>
+                <a:gridCol w="1354667"/>
+                <a:gridCol w="1354667"/>
+                <a:gridCol w="1354667"/>
+              </a:tblGrid>
+              <a:tr h="370555">
+                <a:tc>
+                  <a:txBody>
+                    <a:bodyPr/>
+                    <a:lstStyle/>
+                    <a:p>
+                      <a:r>
+                        <a:rPr lang="en-IN" dirty="0" smtClean="0"/>
+                        <a:t>Template</a:t>
+                      </a:r>
+                      <a:endParaRPr lang="en-GB" dirty="0"/>
+                    </a:p>
+                  </a:txBody>
+                  <a:tcPr/>
+                </a:tc>
+                <a:tc>
+                  <a:txBody>
+                    <a:bodyPr/>
+                    <a:lstStyle/>
+                    <a:p>
+                      <a:r>
+                        <a:rPr lang="en-IN" dirty="0" smtClean="0"/>
+                        <a:t>G1</a:t>
+                      </a:r>
+                      <a:endParaRPr lang="en-GB" dirty="0"/>
+                    </a:p>
+                  </a:txBody>
+                  <a:tcPr/>
+                </a:tc>
+                <a:tc>
+                  <a:txBody>
+                    <a:bodyPr/>
+                    <a:lstStyle/>
+                    <a:p>
+                      <a:r>
+                        <a:rPr lang="en-IN" dirty="0" smtClean="0"/>
+                        <a:t>G2</a:t>
+                      </a:r>
+                      <a:endParaRPr lang="en-GB" dirty="0"/>
+                    </a:p>
+                  </a:txBody>
+                  <a:tcPr/>
+                </a:tc>
+                <a:tc>
+                  <a:txBody>
+                    <a:bodyPr/>
+                    <a:lstStyle/>
+                    <a:p>
+                      <a:r>
+                        <a:rPr lang="en-IN" dirty="0" smtClean="0"/>
+                        <a:t>G3</a:t>
+                      </a:r>
+                      <a:endParaRPr lang="en-GB" dirty="0"/>
+                    </a:p>
+                  </a:txBody>
+                  <a:tcPr/>
+                </a:tc>
+                <a:tc>
+                  <a:txBody>
+                    <a:bodyPr/>
+                    <a:lstStyle/>
+                    <a:p>
+                      <a:r>
+                        <a:rPr lang="en-IN" dirty="0" smtClean="0"/>
+                        <a:t>G4</a:t>
+                      </a:r>
+                      <a:endParaRPr lang="en-GB" dirty="0"/>
+                    </a:p>
+                  </a:txBody>
+                  <a:tcPr/>
+                </a:tc>
+                <a:tc>
+                  <a:txBody>
+                    <a:bodyPr/>
+                    <a:lstStyle/>
+                    <a:p>
+                      <a:r>
+                        <a:rPr lang="en-IN" dirty="0" smtClean="0"/>
+                        <a:t>G5</a:t>
+                      </a:r>
+                      <a:endParaRPr lang="en-GB" dirty="0"/>
+                    </a:p>
+                  </a:txBody>
+                  <a:tcPr/>
+                </a:tc>
+              </a:tr>
+              <a:tr h="370555">
+                <a:tc>
+                  <a:txBody>
+                    <a:bodyPr/>
+                    <a:lstStyle/>
+                    <a:p>
+                      <a:r>
+                        <a:rPr lang="en-GB" dirty="0" smtClean="0"/>
+                        <a:t>1-208</a:t>
+                      </a:r>
+                      <a:endParaRPr lang="en-GB" dirty="0"/>
+                    </a:p>
+                  </a:txBody>
+                  <a:tcPr>
+                    <a:solidFill>
+                      <a:schemeClr val="accent6">
+                        <a:lumMod val="60000"/>
+                        <a:lumOff val="40000"/>
+                      </a:schemeClr>
+                    </a:solidFill>
+                  </a:tcPr>
+                </a:tc>
+                <a:tc>
+                  <a:txBody>
+                    <a:bodyPr/>
+                    <a:lstStyle/>
+                    <a:p>
+                      <a:r>
+                        <a:rPr lang="en-GB" dirty="0" smtClean="0"/>
+                        <a:t>1-135</a:t>
+                      </a:r>
+                      <a:endParaRPr lang="en-GB" dirty="0"/>
+                    </a:p>
+                  </a:txBody>
+                  <a:tcPr>
+                    <a:solidFill>
+                      <a:schemeClr val="accent6">
+                        <a:lumMod val="60000"/>
+                        <a:lumOff val="40000"/>
+                      </a:schemeClr>
+                    </a:solidFill>
+                  </a:tcPr>
+                </a:tc>
+                <a:tc>
+                  <a:txBody>
+                    <a:bodyPr/>
+                    <a:lstStyle/>
+                    <a:p>
+                      <a:r>
+                        <a:rPr lang="en-GB" dirty="0" smtClean="0"/>
+                        <a:t>1-192</a:t>
+                      </a:r>
+                      <a:endParaRPr lang="en-GB" dirty="0"/>
+                    </a:p>
+                  </a:txBody>
+                  <a:tcPr>
+                    <a:solidFill>
+                      <a:schemeClr val="accent6">
+                        <a:lumMod val="60000"/>
+                        <a:lumOff val="40000"/>
+                      </a:schemeClr>
+                    </a:solidFill>
+                  </a:tcPr>
+                </a:tc>
+                <a:tc>
+                  <a:txBody>
+                    <a:bodyPr/>
+                    <a:lstStyle/>
+                    <a:p>
+                      <a:r>
+                        <a:rPr lang="en-GB" dirty="0" smtClean="0"/>
+                        <a:t>1-68</a:t>
+                      </a:r>
+                      <a:endParaRPr lang="en-GB" dirty="0"/>
+                    </a:p>
+                  </a:txBody>
+                  <a:tcPr>
+                    <a:solidFill>
+                      <a:schemeClr val="accent1">
+                        <a:lumMod val="20000"/>
+                        <a:lumOff val="80000"/>
+                      </a:schemeClr>
+                    </a:solidFill>
+                  </a:tcPr>
+                </a:tc>
+                <a:tc>
+                  <a:txBody>
+                    <a:bodyPr/>
+                    <a:lstStyle/>
+                    <a:p>
+                      <a:r>
+                        <a:rPr lang="en-GB" dirty="0" smtClean="0"/>
+                        <a:t>1-64</a:t>
+                      </a:r>
+                      <a:endParaRPr lang="en-GB" dirty="0"/>
+                    </a:p>
+                  </a:txBody>
+                  <a:tcPr/>
+                </a:tc>
+                <a:tc>
+                  <a:txBody>
+                    <a:bodyPr/>
+                    <a:lstStyle/>
+                    <a:p>
+                      <a:r>
+                        <a:rPr lang="en-GB" dirty="0" smtClean="0"/>
+                        <a:t>1-72</a:t>
+                      </a:r>
+                      <a:endParaRPr lang="en-GB" dirty="0"/>
+                    </a:p>
+                  </a:txBody>
+                  <a:tcPr/>
+                </a:tc>
+              </a:tr>
+            </a:tbl>
+          </a:graphicData>
+        </a:graphic>
+      </p:graphicFrame>
+      <p:sp>
+        <p:nvSpPr>
+          <p:cNvPr id="7" name="TextBox 6"/>
+          <p:cNvSpPr txBox="1"/>
+          <p:nvPr/>
+        </p:nvSpPr>
+        <p:spPr>
+          <a:xfrm>
+            <a:off x="863840" y="4698119"/>
+            <a:ext cx="1905000" cy="369332"/>
+          </a:xfrm>
+          <a:prstGeom prst="rect">
+            <a:avLst/>
+          </a:prstGeom>
+          <a:noFill/>
+        </p:spPr>
+        <p:txBody>
+          <a:bodyPr wrap="square" rtlCol="0">
+            <a:spAutoFit/>
+          </a:bodyPr>
+          <a:lstStyle/>
+          <a:p>
+            <a:pPr marL="285750" indent="-285750">
+              <a:buFont typeface="Arial" panose="020B0604020202020204" pitchFamily="34" charset="0"/>
+              <a:buChar char="•"/>
+            </a:pPr>
+            <a:r>
+              <a:rPr lang="en-IN" dirty="0" smtClean="0"/>
+              <a:t>All</a:t>
+            </a:r>
+            <a:endParaRPr lang="en-GB" dirty="0"/>
+          </a:p>
+        </p:txBody>
+      </p:sp>
+    </p:spTree>
+    <p:extLst>
+      <p:ext uri="{BB962C8B-B14F-4D97-AF65-F5344CB8AC3E}">
+        <p14:creationId xmlns:p14="http://schemas.microsoft.com/office/powerpoint/2010/main" val="3861480746"/>
+      </p:ext>
+    </p:extLst>
+  </p:cSld>
+  <p:clrMapOvr>
+    <a:masterClrMapping/>
+  </p:clrMapOvr>
+</p:sld>
+</file>
+
+<file path=ppt/slides/slide33.xml><?xml version="1.0" encoding="utf-8"?>
+<p:sld xmlns:a="http://schemas.openxmlformats.org/drawingml/2006/main" xmlns:r="http://schemas.openxmlformats.org/officeDocument/2006/relationships" xmlns:p="http://schemas.openxmlformats.org/presentationml/2006/main">
+  <p:cSld>
+    <p:spTree>
+      <p:nvGrpSpPr>
+        <p:cNvPr id="1" name=""/>
+        <p:cNvGrpSpPr/>
+        <p:nvPr/>
+      </p:nvGrpSpPr>
+      <p:grpSpPr>
+        <a:xfrm>
+          <a:off x="0" y="0"/>
+          <a:ext cx="0" cy="0"/>
+          <a:chOff x="0" y="0"/>
+          <a:chExt cx="0" cy="0"/>
+        </a:xfrm>
+      </p:grpSpPr>
+      <p:sp>
+        <p:nvSpPr>
+          <p:cNvPr id="2" name="Title 1">
+            <a:extLst>
+              <a:ext uri="{FF2B5EF4-FFF2-40B4-BE49-F238E27FC236}">
+                <a16:creationId xmlns:a16="http://schemas.microsoft.com/office/drawing/2014/main" xmlns="" id="{03157DC7-9BF8-4E26-8207-6C2831CE5A1E}"/>
+              </a:ext>
+            </a:extLst>
+          </p:cNvPr>
+          <p:cNvSpPr>
+            <a:spLocks noGrp="1"/>
+          </p:cNvSpPr>
+          <p:nvPr>
+            <p:ph type="ctrTitle"/>
+          </p:nvPr>
+        </p:nvSpPr>
+        <p:spPr/>
+        <p:txBody>
+          <a:bodyPr>
+            <a:normAutofit/>
+          </a:bodyPr>
+          <a:lstStyle/>
+          <a:p>
+            <a:r>
+              <a:rPr lang="en-US" sz="6600" b="1" dirty="0">
+                <a:solidFill>
+                  <a:schemeClr val="accent1">
+                    <a:lumMod val="50000"/>
+                  </a:schemeClr>
+                </a:solidFill>
+                <a:effectLst>
+                  <a:outerShdw blurRad="38100" dist="38100" dir="2700000" algn="tl">
+                    <a:srgbClr val="000000">
+                      <a:alpha val="43137"/>
+                    </a:srgbClr>
+                  </a:outerShdw>
+                </a:effectLst>
+              </a:rPr>
+              <a:t>Thank you for your time</a:t>
+            </a:r>
+          </a:p>
+        </p:txBody>
+      </p:sp>
+    </p:spTree>
+    <p:extLst>
+      <p:ext uri="{BB962C8B-B14F-4D97-AF65-F5344CB8AC3E}">
+        <p14:creationId xmlns:p14="http://schemas.microsoft.com/office/powerpoint/2010/main" val="4090626466"/>
       </p:ext>
     </p:extLst>
   </p:cSld>
@@ -10667,7 +14903,7 @@
           <p:cNvPr id="2" name="Title 1">
             <a:extLst>
               <a:ext uri="{FF2B5EF4-FFF2-40B4-BE49-F238E27FC236}">
-                <a16:creationId xmlns:a16="http://schemas.microsoft.com/office/drawing/2014/main" id="{B850A98A-F088-46E3-9F6E-A4431C47653D}"/>
+                <a16:creationId xmlns:a16="http://schemas.microsoft.com/office/drawing/2014/main" xmlns="" id="{B850A98A-F088-46E3-9F6E-A4431C47653D}"/>
               </a:ext>
             </a:extLst>
           </p:cNvPr>
@@ -10695,7 +14931,7 @@
           <p:cNvPr id="3" name="Content Placeholder 2">
             <a:extLst>
               <a:ext uri="{FF2B5EF4-FFF2-40B4-BE49-F238E27FC236}">
-                <a16:creationId xmlns:a16="http://schemas.microsoft.com/office/drawing/2014/main" id="{5ECCEACC-4CAE-43A6-B046-E3848B129C55}"/>
+                <a16:creationId xmlns:a16="http://schemas.microsoft.com/office/drawing/2014/main" xmlns="" id="{5ECCEACC-4CAE-43A6-B046-E3848B129C55}"/>
               </a:ext>
             </a:extLst>
           </p:cNvPr>
@@ -10791,7 +15027,7 @@
           <p:cNvPr id="2" name="Title 1">
             <a:extLst>
               <a:ext uri="{FF2B5EF4-FFF2-40B4-BE49-F238E27FC236}">
-                <a16:creationId xmlns:a16="http://schemas.microsoft.com/office/drawing/2014/main" id="{68B15AC2-C426-4CE6-BC17-B1080FFB4FA5}"/>
+                <a16:creationId xmlns:a16="http://schemas.microsoft.com/office/drawing/2014/main" xmlns="" id="{68B15AC2-C426-4CE6-BC17-B1080FFB4FA5}"/>
               </a:ext>
             </a:extLst>
           </p:cNvPr>
@@ -10819,7 +15055,7 @@
           <p:cNvPr id="3" name="Content Placeholder 2">
             <a:extLst>
               <a:ext uri="{FF2B5EF4-FFF2-40B4-BE49-F238E27FC236}">
-                <a16:creationId xmlns:a16="http://schemas.microsoft.com/office/drawing/2014/main" id="{857CCE95-0F9B-415E-8AFC-0C4025E6D4A0}"/>
+                <a16:creationId xmlns:a16="http://schemas.microsoft.com/office/drawing/2014/main" xmlns="" id="{857CCE95-0F9B-415E-8AFC-0C4025E6D4A0}"/>
               </a:ext>
             </a:extLst>
           </p:cNvPr>
@@ -10931,7 +15167,7 @@
           <p:cNvPr id="2" name="Title 1">
             <a:extLst>
               <a:ext uri="{FF2B5EF4-FFF2-40B4-BE49-F238E27FC236}">
-                <a16:creationId xmlns:a16="http://schemas.microsoft.com/office/drawing/2014/main" id="{A02CF469-CEE7-485C-8B48-C84082B3145D}"/>
+                <a16:creationId xmlns:a16="http://schemas.microsoft.com/office/drawing/2014/main" xmlns="" id="{A02CF469-CEE7-485C-8B48-C84082B3145D}"/>
               </a:ext>
             </a:extLst>
           </p:cNvPr>
@@ -10959,7 +15195,7 @@
           <p:cNvPr id="3" name="Content Placeholder 2">
             <a:extLst>
               <a:ext uri="{FF2B5EF4-FFF2-40B4-BE49-F238E27FC236}">
-                <a16:creationId xmlns:a16="http://schemas.microsoft.com/office/drawing/2014/main" id="{1261BE96-0868-452D-A1EB-EAFDD3BE44DD}"/>
+                <a16:creationId xmlns:a16="http://schemas.microsoft.com/office/drawing/2014/main" xmlns="" id="{1261BE96-0868-452D-A1EB-EAFDD3BE44DD}"/>
               </a:ext>
             </a:extLst>
           </p:cNvPr>
@@ -11040,6 +15276,10 @@
             <a:r>
               <a:rPr lang="en-US" u="sng" dirty="0"/>
               <a:t>one year</a:t>
+            </a:r>
+            <a:r>
+              <a:rPr lang="en-US" dirty="0"/>
+              <a:t/>
             </a:r>
             <a:br>
               <a:rPr lang="en-US" dirty="0"/>
@@ -11083,7 +15323,7 @@
           <p:cNvPr id="2" name="Title 1">
             <a:extLst>
               <a:ext uri="{FF2B5EF4-FFF2-40B4-BE49-F238E27FC236}">
-                <a16:creationId xmlns:a16="http://schemas.microsoft.com/office/drawing/2014/main" id="{767E56EE-22E9-4ED1-B5EC-7F4D19F3357B}"/>
+                <a16:creationId xmlns:a16="http://schemas.microsoft.com/office/drawing/2014/main" xmlns="" id="{767E56EE-22E9-4ED1-B5EC-7F4D19F3357B}"/>
               </a:ext>
             </a:extLst>
           </p:cNvPr>
@@ -11111,7 +15351,7 @@
           <p:cNvPr id="3" name="Content Placeholder 2">
             <a:extLst>
               <a:ext uri="{FF2B5EF4-FFF2-40B4-BE49-F238E27FC236}">
-                <a16:creationId xmlns:a16="http://schemas.microsoft.com/office/drawing/2014/main" id="{511E5792-09E2-447C-AD1E-24ABC5C74A5B}"/>
+                <a16:creationId xmlns:a16="http://schemas.microsoft.com/office/drawing/2014/main" xmlns="" id="{511E5792-09E2-447C-AD1E-24ABC5C74A5B}"/>
               </a:ext>
             </a:extLst>
           </p:cNvPr>
@@ -11259,7 +15499,7 @@
           <p:cNvPr id="2" name="Title 1">
             <a:extLst>
               <a:ext uri="{FF2B5EF4-FFF2-40B4-BE49-F238E27FC236}">
-                <a16:creationId xmlns:a16="http://schemas.microsoft.com/office/drawing/2014/main" id="{D032211E-8D2D-44F5-A411-D0257B8BBBD4}"/>
+                <a16:creationId xmlns:a16="http://schemas.microsoft.com/office/drawing/2014/main" xmlns="" id="{D032211E-8D2D-44F5-A411-D0257B8BBBD4}"/>
               </a:ext>
             </a:extLst>
           </p:cNvPr>
@@ -11287,7 +15527,7 @@
           <p:cNvPr id="3" name="Content Placeholder 2">
             <a:extLst>
               <a:ext uri="{FF2B5EF4-FFF2-40B4-BE49-F238E27FC236}">
-                <a16:creationId xmlns:a16="http://schemas.microsoft.com/office/drawing/2014/main" id="{CFD2027D-315E-42C2-AA32-D9A5CB2EDA84}"/>
+                <a16:creationId xmlns:a16="http://schemas.microsoft.com/office/drawing/2014/main" xmlns="" id="{CFD2027D-315E-42C2-AA32-D9A5CB2EDA84}"/>
               </a:ext>
             </a:extLst>
           </p:cNvPr>
@@ -11448,7 +15688,7 @@
           <p:cNvPr id="2" name="Title 1">
             <a:extLst>
               <a:ext uri="{FF2B5EF4-FFF2-40B4-BE49-F238E27FC236}">
-                <a16:creationId xmlns:a16="http://schemas.microsoft.com/office/drawing/2014/main" id="{136DD788-C74C-4208-B6FF-6EAF7C634C08}"/>
+                <a16:creationId xmlns:a16="http://schemas.microsoft.com/office/drawing/2014/main" xmlns="" id="{136DD788-C74C-4208-B6FF-6EAF7C634C08}"/>
               </a:ext>
             </a:extLst>
           </p:cNvPr>
@@ -11476,7 +15716,7 @@
           <p:cNvPr id="3" name="Content Placeholder 2">
             <a:extLst>
               <a:ext uri="{FF2B5EF4-FFF2-40B4-BE49-F238E27FC236}">
-                <a16:creationId xmlns:a16="http://schemas.microsoft.com/office/drawing/2014/main" id="{5BDEBC64-4149-4A8E-9F1F-574C502831E1}"/>
+                <a16:creationId xmlns:a16="http://schemas.microsoft.com/office/drawing/2014/main" xmlns="" id="{5BDEBC64-4149-4A8E-9F1F-574C502831E1}"/>
               </a:ext>
             </a:extLst>
           </p:cNvPr>

--- a/Documentation/Presentation/Project_Presentation_v2.pptx
+++ b/Documentation/Presentation/Project_Presentation_v2.pptx
@@ -5,7 +5,7 @@
     <p:sldMasterId id="2147483648" r:id="rId1"/>
   </p:sldMasterIdLst>
   <p:notesMasterIdLst>
-    <p:notesMasterId r:id="rId35"/>
+    <p:notesMasterId r:id="rId36"/>
   </p:notesMasterIdLst>
   <p:sldIdLst>
     <p:sldId id="257" r:id="rId2"/>
@@ -34,13 +34,14 @@
     <p:sldId id="282" r:id="rId25"/>
     <p:sldId id="283" r:id="rId26"/>
     <p:sldId id="284" r:id="rId27"/>
-    <p:sldId id="285" r:id="rId28"/>
-    <p:sldId id="286" r:id="rId29"/>
-    <p:sldId id="287" r:id="rId30"/>
-    <p:sldId id="288" r:id="rId31"/>
-    <p:sldId id="289" r:id="rId32"/>
-    <p:sldId id="290" r:id="rId33"/>
-    <p:sldId id="279" r:id="rId34"/>
+    <p:sldId id="290" r:id="rId28"/>
+    <p:sldId id="291" r:id="rId29"/>
+    <p:sldId id="292" r:id="rId30"/>
+    <p:sldId id="293" r:id="rId31"/>
+    <p:sldId id="294" r:id="rId32"/>
+    <p:sldId id="295" r:id="rId33"/>
+    <p:sldId id="296" r:id="rId34"/>
+    <p:sldId id="279" r:id="rId35"/>
   </p:sldIdLst>
   <p:sldSz cx="12192000" cy="6858000"/>
   <p:notesSz cx="6858000" cy="9144000"/>
@@ -12263,14 +12264,14 @@
           <a:p>
             <a:r>
               <a:rPr lang="en-US" dirty="0" smtClean="0"/>
-              <a:t>Connection Analysis</a:t>
+              <a:t>Position Analysis</a:t>
             </a:r>
             <a:br>
               <a:rPr lang="en-US" dirty="0" smtClean="0"/>
             </a:br>
             <a:r>
               <a:rPr lang="en-US" sz="2800" dirty="0" smtClean="0"/>
-              <a:t>Degree Distribution</a:t>
+              <a:t>Degrees:</a:t>
             </a:r>
             <a:endParaRPr lang="en-US" sz="2800" dirty="0"/>
           </a:p>
@@ -12297,10 +12298,10 @@
           <a:bodyPr/>
           <a:lstStyle/>
           <a:p>
-            <a:pPr marL="0" indent="0">
-              <a:buNone/>
-            </a:pPr>
-            <a:endParaRPr lang="en-US" sz="2000" dirty="0" smtClean="0"/>
+            <a:r>
+              <a:rPr lang="en-US" sz="2000" dirty="0" smtClean="0"/>
+              <a:t>In Degree:</a:t>
+            </a:r>
           </a:p>
           <a:p>
             <a:pPr marL="0" indent="0">
@@ -12312,7 +12313,14 @@
             <a:pPr marL="0" indent="0">
               <a:buNone/>
             </a:pPr>
-            <a:endParaRPr lang="en-US" dirty="0"/>
+            <a:endParaRPr lang="en-US" dirty="0" smtClean="0"/>
+          </a:p>
+          <a:p>
+            <a:r>
+              <a:rPr lang="en-US" sz="2000" dirty="0" smtClean="0"/>
+              <a:t>Out Degree</a:t>
+            </a:r>
+            <a:endParaRPr lang="en-US" sz="2000" dirty="0"/>
           </a:p>
         </p:txBody>
       </p:sp>
@@ -12430,70 +12438,805 @@
           </a:p>
         </p:txBody>
       </p:sp>
-      <p:pic>
-        <p:nvPicPr>
-          <p:cNvPr id="6" name="Picture 5"/>
-          <p:cNvPicPr>
-            <a:picLocks noChangeAspect="1"/>
-          </p:cNvPicPr>
+      <p:graphicFrame>
+        <p:nvGraphicFramePr>
+          <p:cNvPr id="4" name="Table 3"/>
+          <p:cNvGraphicFramePr>
+            <a:graphicFrameLocks noGrp="1"/>
+          </p:cNvGraphicFramePr>
+          <p:nvPr>
+            <p:extLst>
+              <p:ext uri="{D42A27DB-BD31-4B8C-83A1-F6EECF244321}">
+                <p14:modId xmlns:p14="http://schemas.microsoft.com/office/powerpoint/2010/main" val="577895563"/>
+              </p:ext>
+            </p:extLst>
+          </p:nvPr>
+        </p:nvGraphicFramePr>
+        <p:xfrm>
+          <a:off x="1816340" y="2278136"/>
+          <a:ext cx="8128002" cy="741110"/>
+        </p:xfrm>
+        <a:graphic>
+          <a:graphicData uri="http://schemas.openxmlformats.org/drawingml/2006/table">
+            <a:tbl>
+              <a:tblPr firstRow="1" bandRow="1">
+                <a:tableStyleId>{5C22544A-7EE6-4342-B048-85BDC9FD1C3A}</a:tableStyleId>
+              </a:tblPr>
+              <a:tblGrid>
+                <a:gridCol w="1354667"/>
+                <a:gridCol w="1354667"/>
+                <a:gridCol w="1354667"/>
+                <a:gridCol w="1354667"/>
+                <a:gridCol w="1354667"/>
+                <a:gridCol w="1354667"/>
+              </a:tblGrid>
+              <a:tr h="370555">
+                <a:tc>
+                  <a:txBody>
+                    <a:bodyPr/>
+                    <a:lstStyle/>
+                    <a:p>
+                      <a:r>
+                        <a:rPr lang="en-IN" dirty="0" smtClean="0"/>
+                        <a:t>Template</a:t>
+                      </a:r>
+                      <a:endParaRPr lang="en-GB" dirty="0"/>
+                    </a:p>
+                  </a:txBody>
+                  <a:tcPr/>
+                </a:tc>
+                <a:tc>
+                  <a:txBody>
+                    <a:bodyPr/>
+                    <a:lstStyle/>
+                    <a:p>
+                      <a:r>
+                        <a:rPr lang="en-IN" dirty="0" smtClean="0"/>
+                        <a:t>G1</a:t>
+                      </a:r>
+                      <a:endParaRPr lang="en-GB" dirty="0"/>
+                    </a:p>
+                  </a:txBody>
+                  <a:tcPr/>
+                </a:tc>
+                <a:tc>
+                  <a:txBody>
+                    <a:bodyPr/>
+                    <a:lstStyle/>
+                    <a:p>
+                      <a:r>
+                        <a:rPr lang="en-IN" dirty="0" smtClean="0"/>
+                        <a:t>G2</a:t>
+                      </a:r>
+                      <a:endParaRPr lang="en-GB" dirty="0"/>
+                    </a:p>
+                  </a:txBody>
+                  <a:tcPr/>
+                </a:tc>
+                <a:tc>
+                  <a:txBody>
+                    <a:bodyPr/>
+                    <a:lstStyle/>
+                    <a:p>
+                      <a:r>
+                        <a:rPr lang="en-IN" dirty="0" smtClean="0"/>
+                        <a:t>G3</a:t>
+                      </a:r>
+                      <a:endParaRPr lang="en-GB" dirty="0"/>
+                    </a:p>
+                  </a:txBody>
+                  <a:tcPr/>
+                </a:tc>
+                <a:tc>
+                  <a:txBody>
+                    <a:bodyPr/>
+                    <a:lstStyle/>
+                    <a:p>
+                      <a:r>
+                        <a:rPr lang="en-IN" dirty="0" smtClean="0"/>
+                        <a:t>G4</a:t>
+                      </a:r>
+                      <a:endParaRPr lang="en-GB" dirty="0"/>
+                    </a:p>
+                  </a:txBody>
+                  <a:tcPr/>
+                </a:tc>
+                <a:tc>
+                  <a:txBody>
+                    <a:bodyPr/>
+                    <a:lstStyle/>
+                    <a:p>
+                      <a:r>
+                        <a:rPr lang="en-IN" dirty="0" smtClean="0"/>
+                        <a:t>G5</a:t>
+                      </a:r>
+                      <a:endParaRPr lang="en-GB" dirty="0"/>
+                    </a:p>
+                  </a:txBody>
+                  <a:tcPr/>
+                </a:tc>
+              </a:tr>
+              <a:tr h="370555">
+                <a:tc>
+                  <a:txBody>
+                    <a:bodyPr/>
+                    <a:lstStyle/>
+                    <a:p>
+                      <a:r>
+                        <a:rPr lang="en-GB" dirty="0" smtClean="0"/>
+                        <a:t>0-72</a:t>
+                      </a:r>
+                      <a:endParaRPr lang="en-GB" dirty="0"/>
+                    </a:p>
+                  </a:txBody>
+                  <a:tcPr>
+                    <a:solidFill>
+                      <a:schemeClr val="accent6">
+                        <a:lumMod val="60000"/>
+                        <a:lumOff val="40000"/>
+                      </a:schemeClr>
+                    </a:solidFill>
+                  </a:tcPr>
+                </a:tc>
+                <a:tc>
+                  <a:txBody>
+                    <a:bodyPr/>
+                    <a:lstStyle/>
+                    <a:p>
+                      <a:r>
+                        <a:rPr lang="en-GB" dirty="0" smtClean="0"/>
+                        <a:t>0-64</a:t>
+                      </a:r>
+                      <a:endParaRPr lang="en-GB" dirty="0"/>
+                    </a:p>
+                  </a:txBody>
+                  <a:tcPr>
+                    <a:solidFill>
+                      <a:schemeClr val="accent6">
+                        <a:lumMod val="60000"/>
+                        <a:lumOff val="40000"/>
+                      </a:schemeClr>
+                    </a:solidFill>
+                  </a:tcPr>
+                </a:tc>
+                <a:tc>
+                  <a:txBody>
+                    <a:bodyPr/>
+                    <a:lstStyle/>
+                    <a:p>
+                      <a:r>
+                        <a:rPr lang="en-GB" dirty="0" smtClean="0"/>
+                        <a:t>0-96</a:t>
+                      </a:r>
+                      <a:endParaRPr lang="en-GB" dirty="0"/>
+                    </a:p>
+                  </a:txBody>
+                  <a:tcPr>
+                    <a:solidFill>
+                      <a:schemeClr val="accent6">
+                        <a:lumMod val="60000"/>
+                        <a:lumOff val="40000"/>
+                      </a:schemeClr>
+                    </a:solidFill>
+                  </a:tcPr>
+                </a:tc>
+                <a:tc>
+                  <a:txBody>
+                    <a:bodyPr/>
+                    <a:lstStyle/>
+                    <a:p>
+                      <a:r>
+                        <a:rPr lang="en-GB" dirty="0" smtClean="0"/>
+                        <a:t>0-36</a:t>
+                      </a:r>
+                      <a:endParaRPr lang="en-GB" dirty="0"/>
+                    </a:p>
+                  </a:txBody>
+                  <a:tcPr>
+                    <a:solidFill>
+                      <a:schemeClr val="accent1">
+                        <a:lumMod val="20000"/>
+                        <a:lumOff val="80000"/>
+                      </a:schemeClr>
+                    </a:solidFill>
+                  </a:tcPr>
+                </a:tc>
+                <a:tc>
+                  <a:txBody>
+                    <a:bodyPr/>
+                    <a:lstStyle/>
+                    <a:p>
+                      <a:r>
+                        <a:rPr lang="en-GB" dirty="0" smtClean="0"/>
+                        <a:t>0-35</a:t>
+                      </a:r>
+                      <a:endParaRPr lang="en-GB" dirty="0"/>
+                    </a:p>
+                  </a:txBody>
+                  <a:tcPr/>
+                </a:tc>
+                <a:tc>
+                  <a:txBody>
+                    <a:bodyPr/>
+                    <a:lstStyle/>
+                    <a:p>
+                      <a:r>
+                        <a:rPr lang="en-GB" dirty="0" smtClean="0"/>
+                        <a:t>0-30</a:t>
+                      </a:r>
+                      <a:endParaRPr lang="en-GB" dirty="0"/>
+                    </a:p>
+                  </a:txBody>
+                  <a:tcPr/>
+                </a:tc>
+              </a:tr>
+            </a:tbl>
+          </a:graphicData>
+        </a:graphic>
+      </p:graphicFrame>
+      <p:sp>
+        <p:nvSpPr>
+          <p:cNvPr id="5" name="Rectangle 4"/>
+          <p:cNvSpPr/>
           <p:nvPr/>
-        </p:nvPicPr>
-        <p:blipFill>
-          <a:blip r:embed="rId2">
-            <a:extLst>
-              <a:ext uri="{28A0092B-C50C-407E-A947-70E740481C1C}">
-                <a14:useLocalDpi xmlns:a14="http://schemas.microsoft.com/office/drawing/2010/main" val="0"/>
-              </a:ext>
-            </a:extLst>
-          </a:blip>
-          <a:stretch>
-            <a:fillRect/>
-          </a:stretch>
-        </p:blipFill>
+        </p:nvSpPr>
         <p:spPr>
           <a:xfrm>
-            <a:off x="326502" y="2140564"/>
-            <a:ext cx="5366932" cy="4036399"/>
+            <a:off x="2975379" y="6180338"/>
+            <a:ext cx="5704126" cy="369332"/>
           </a:xfrm>
           <a:prstGeom prst="rect">
             <a:avLst/>
           </a:prstGeom>
         </p:spPr>
-      </p:pic>
-      <p:pic>
-        <p:nvPicPr>
-          <p:cNvPr id="9" name="Picture 8"/>
-          <p:cNvPicPr>
-            <a:picLocks noChangeAspect="1"/>
-          </p:cNvPicPr>
+        <p:txBody>
+          <a:bodyPr wrap="none">
+            <a:spAutoFit/>
+          </a:bodyPr>
+          <a:lstStyle/>
+          <a:p>
+            <a:pPr marL="285750" indent="-285750">
+              <a:buFont typeface="Arial" panose="020B0604020202020204" pitchFamily="34" charset="0"/>
+              <a:buChar char="•"/>
+            </a:pPr>
+            <a:r>
+              <a:rPr lang="en-GB" dirty="0"/>
+              <a:t>Similarity: </a:t>
+            </a:r>
+            <a:r>
+              <a:rPr lang="de-DE" dirty="0" smtClean="0"/>
+              <a:t>Graph2 &gt;Graph1 &gt; </a:t>
+            </a:r>
+            <a:r>
+              <a:rPr lang="de-DE" dirty="0"/>
+              <a:t>Graph3 &gt;</a:t>
+            </a:r>
+            <a:r>
+              <a:rPr lang="de-DE" dirty="0" smtClean="0"/>
+              <a:t> Graph4 </a:t>
+            </a:r>
+            <a:r>
+              <a:rPr lang="de-DE" dirty="0"/>
+              <a:t>&gt; </a:t>
+            </a:r>
+            <a:r>
+              <a:rPr lang="de-DE" dirty="0" smtClean="0"/>
+              <a:t>Graph5</a:t>
+            </a:r>
+            <a:endParaRPr lang="en-GB" dirty="0"/>
+          </a:p>
+        </p:txBody>
+      </p:sp>
+      <p:graphicFrame>
+        <p:nvGraphicFramePr>
+          <p:cNvPr id="10" name="Table 9"/>
+          <p:cNvGraphicFramePr>
+            <a:graphicFrameLocks noGrp="1"/>
+          </p:cNvGraphicFramePr>
+          <p:nvPr>
+            <p:extLst>
+              <p:ext uri="{D42A27DB-BD31-4B8C-83A1-F6EECF244321}">
+                <p14:modId xmlns:p14="http://schemas.microsoft.com/office/powerpoint/2010/main" val="2165167082"/>
+              </p:ext>
+            </p:extLst>
+          </p:nvPr>
+        </p:nvGraphicFramePr>
+        <p:xfrm>
+          <a:off x="1816340" y="3764661"/>
+          <a:ext cx="8128002" cy="741110"/>
+        </p:xfrm>
+        <a:graphic>
+          <a:graphicData uri="http://schemas.openxmlformats.org/drawingml/2006/table">
+            <a:tbl>
+              <a:tblPr firstRow="1" bandRow="1">
+                <a:tableStyleId>{5C22544A-7EE6-4342-B048-85BDC9FD1C3A}</a:tableStyleId>
+              </a:tblPr>
+              <a:tblGrid>
+                <a:gridCol w="1354667"/>
+                <a:gridCol w="1354667"/>
+                <a:gridCol w="1354667"/>
+                <a:gridCol w="1354667"/>
+                <a:gridCol w="1354667"/>
+                <a:gridCol w="1354667"/>
+              </a:tblGrid>
+              <a:tr h="370555">
+                <a:tc>
+                  <a:txBody>
+                    <a:bodyPr/>
+                    <a:lstStyle/>
+                    <a:p>
+                      <a:r>
+                        <a:rPr lang="en-IN" dirty="0" smtClean="0"/>
+                        <a:t>Template</a:t>
+                      </a:r>
+                      <a:endParaRPr lang="en-GB" dirty="0"/>
+                    </a:p>
+                  </a:txBody>
+                  <a:tcPr/>
+                </a:tc>
+                <a:tc>
+                  <a:txBody>
+                    <a:bodyPr/>
+                    <a:lstStyle/>
+                    <a:p>
+                      <a:r>
+                        <a:rPr lang="en-IN" dirty="0" smtClean="0"/>
+                        <a:t>G1</a:t>
+                      </a:r>
+                      <a:endParaRPr lang="en-GB" dirty="0"/>
+                    </a:p>
+                  </a:txBody>
+                  <a:tcPr/>
+                </a:tc>
+                <a:tc>
+                  <a:txBody>
+                    <a:bodyPr/>
+                    <a:lstStyle/>
+                    <a:p>
+                      <a:r>
+                        <a:rPr lang="en-IN" dirty="0" smtClean="0"/>
+                        <a:t>G2</a:t>
+                      </a:r>
+                      <a:endParaRPr lang="en-GB" dirty="0"/>
+                    </a:p>
+                  </a:txBody>
+                  <a:tcPr/>
+                </a:tc>
+                <a:tc>
+                  <a:txBody>
+                    <a:bodyPr/>
+                    <a:lstStyle/>
+                    <a:p>
+                      <a:r>
+                        <a:rPr lang="en-IN" dirty="0" smtClean="0"/>
+                        <a:t>G3</a:t>
+                      </a:r>
+                      <a:endParaRPr lang="en-GB" dirty="0"/>
+                    </a:p>
+                  </a:txBody>
+                  <a:tcPr/>
+                </a:tc>
+                <a:tc>
+                  <a:txBody>
+                    <a:bodyPr/>
+                    <a:lstStyle/>
+                    <a:p>
+                      <a:r>
+                        <a:rPr lang="en-IN" dirty="0" smtClean="0"/>
+                        <a:t>G4</a:t>
+                      </a:r>
+                      <a:endParaRPr lang="en-GB" dirty="0"/>
+                    </a:p>
+                  </a:txBody>
+                  <a:tcPr/>
+                </a:tc>
+                <a:tc>
+                  <a:txBody>
+                    <a:bodyPr/>
+                    <a:lstStyle/>
+                    <a:p>
+                      <a:r>
+                        <a:rPr lang="en-IN" dirty="0" smtClean="0"/>
+                        <a:t>G5</a:t>
+                      </a:r>
+                      <a:endParaRPr lang="en-GB" dirty="0"/>
+                    </a:p>
+                  </a:txBody>
+                  <a:tcPr/>
+                </a:tc>
+              </a:tr>
+              <a:tr h="370555">
+                <a:tc>
+                  <a:txBody>
+                    <a:bodyPr/>
+                    <a:lstStyle/>
+                    <a:p>
+                      <a:r>
+                        <a:rPr lang="en-GB" dirty="0" smtClean="0"/>
+                        <a:t>0-136</a:t>
+                      </a:r>
+                      <a:endParaRPr lang="en-GB" dirty="0"/>
+                    </a:p>
+                  </a:txBody>
+                  <a:tcPr>
+                    <a:solidFill>
+                      <a:schemeClr val="accent6">
+                        <a:lumMod val="60000"/>
+                        <a:lumOff val="40000"/>
+                      </a:schemeClr>
+                    </a:solidFill>
+                  </a:tcPr>
+                </a:tc>
+                <a:tc>
+                  <a:txBody>
+                    <a:bodyPr/>
+                    <a:lstStyle/>
+                    <a:p>
+                      <a:r>
+                        <a:rPr lang="en-GB" dirty="0" smtClean="0"/>
+                        <a:t>0-77</a:t>
+                      </a:r>
+                      <a:endParaRPr lang="en-GB" dirty="0"/>
+                    </a:p>
+                  </a:txBody>
+                  <a:tcPr>
+                    <a:solidFill>
+                      <a:schemeClr val="accent6">
+                        <a:lumMod val="60000"/>
+                        <a:lumOff val="40000"/>
+                      </a:schemeClr>
+                    </a:solidFill>
+                  </a:tcPr>
+                </a:tc>
+                <a:tc>
+                  <a:txBody>
+                    <a:bodyPr/>
+                    <a:lstStyle/>
+                    <a:p>
+                      <a:r>
+                        <a:rPr lang="en-GB" dirty="0" smtClean="0"/>
+                        <a:t>0-96</a:t>
+                      </a:r>
+                      <a:endParaRPr lang="en-GB" dirty="0"/>
+                    </a:p>
+                  </a:txBody>
+                  <a:tcPr>
+                    <a:solidFill>
+                      <a:schemeClr val="accent6">
+                        <a:lumMod val="60000"/>
+                        <a:lumOff val="40000"/>
+                      </a:schemeClr>
+                    </a:solidFill>
+                  </a:tcPr>
+                </a:tc>
+                <a:tc>
+                  <a:txBody>
+                    <a:bodyPr/>
+                    <a:lstStyle/>
+                    <a:p>
+                      <a:r>
+                        <a:rPr lang="en-GB" dirty="0" smtClean="0"/>
+                        <a:t>0-50</a:t>
+                      </a:r>
+                      <a:endParaRPr lang="en-GB" dirty="0"/>
+                    </a:p>
+                  </a:txBody>
+                  <a:tcPr>
+                    <a:solidFill>
+                      <a:schemeClr val="accent1">
+                        <a:lumMod val="20000"/>
+                        <a:lumOff val="80000"/>
+                      </a:schemeClr>
+                    </a:solidFill>
+                  </a:tcPr>
+                </a:tc>
+                <a:tc>
+                  <a:txBody>
+                    <a:bodyPr/>
+                    <a:lstStyle/>
+                    <a:p>
+                      <a:r>
+                        <a:rPr lang="en-GB" dirty="0" smtClean="0"/>
+                        <a:t>0-59</a:t>
+                      </a:r>
+                      <a:endParaRPr lang="en-GB" dirty="0"/>
+                    </a:p>
+                  </a:txBody>
+                  <a:tcPr/>
+                </a:tc>
+                <a:tc>
+                  <a:txBody>
+                    <a:bodyPr/>
+                    <a:lstStyle/>
+                    <a:p>
+                      <a:r>
+                        <a:rPr lang="en-GB" dirty="0" smtClean="0"/>
+                        <a:t>0-67</a:t>
+                      </a:r>
+                      <a:endParaRPr lang="en-GB" dirty="0"/>
+                    </a:p>
+                  </a:txBody>
+                  <a:tcPr/>
+                </a:tc>
+              </a:tr>
+            </a:tbl>
+          </a:graphicData>
+        </a:graphic>
+      </p:graphicFrame>
+      <p:graphicFrame>
+        <p:nvGraphicFramePr>
+          <p:cNvPr id="11" name="Table 10"/>
+          <p:cNvGraphicFramePr>
+            <a:graphicFrameLocks noGrp="1"/>
+          </p:cNvGraphicFramePr>
+          <p:nvPr>
+            <p:extLst>
+              <p:ext uri="{D42A27DB-BD31-4B8C-83A1-F6EECF244321}">
+                <p14:modId xmlns:p14="http://schemas.microsoft.com/office/powerpoint/2010/main" val="3984713446"/>
+              </p:ext>
+            </p:extLst>
+          </p:nvPr>
+        </p:nvGraphicFramePr>
+        <p:xfrm>
+          <a:off x="1753079" y="5066986"/>
+          <a:ext cx="8128002" cy="741110"/>
+        </p:xfrm>
+        <a:graphic>
+          <a:graphicData uri="http://schemas.openxmlformats.org/drawingml/2006/table">
+            <a:tbl>
+              <a:tblPr firstRow="1" bandRow="1">
+                <a:tableStyleId>{5C22544A-7EE6-4342-B048-85BDC9FD1C3A}</a:tableStyleId>
+              </a:tblPr>
+              <a:tblGrid>
+                <a:gridCol w="1354667"/>
+                <a:gridCol w="1354667"/>
+                <a:gridCol w="1354667"/>
+                <a:gridCol w="1354667"/>
+                <a:gridCol w="1354667"/>
+                <a:gridCol w="1354667"/>
+              </a:tblGrid>
+              <a:tr h="370555">
+                <a:tc>
+                  <a:txBody>
+                    <a:bodyPr/>
+                    <a:lstStyle/>
+                    <a:p>
+                      <a:r>
+                        <a:rPr lang="en-IN" dirty="0" smtClean="0"/>
+                        <a:t>Template</a:t>
+                      </a:r>
+                      <a:endParaRPr lang="en-GB" dirty="0"/>
+                    </a:p>
+                  </a:txBody>
+                  <a:tcPr/>
+                </a:tc>
+                <a:tc>
+                  <a:txBody>
+                    <a:bodyPr/>
+                    <a:lstStyle/>
+                    <a:p>
+                      <a:r>
+                        <a:rPr lang="en-IN" dirty="0" smtClean="0"/>
+                        <a:t>G1</a:t>
+                      </a:r>
+                      <a:endParaRPr lang="en-GB" dirty="0"/>
+                    </a:p>
+                  </a:txBody>
+                  <a:tcPr/>
+                </a:tc>
+                <a:tc>
+                  <a:txBody>
+                    <a:bodyPr/>
+                    <a:lstStyle/>
+                    <a:p>
+                      <a:r>
+                        <a:rPr lang="en-IN" dirty="0" smtClean="0"/>
+                        <a:t>G2</a:t>
+                      </a:r>
+                      <a:endParaRPr lang="en-GB" dirty="0"/>
+                    </a:p>
+                  </a:txBody>
+                  <a:tcPr/>
+                </a:tc>
+                <a:tc>
+                  <a:txBody>
+                    <a:bodyPr/>
+                    <a:lstStyle/>
+                    <a:p>
+                      <a:r>
+                        <a:rPr lang="en-IN" dirty="0" smtClean="0"/>
+                        <a:t>G3</a:t>
+                      </a:r>
+                      <a:endParaRPr lang="en-GB" dirty="0"/>
+                    </a:p>
+                  </a:txBody>
+                  <a:tcPr/>
+                </a:tc>
+                <a:tc>
+                  <a:txBody>
+                    <a:bodyPr/>
+                    <a:lstStyle/>
+                    <a:p>
+                      <a:r>
+                        <a:rPr lang="en-IN" dirty="0" smtClean="0"/>
+                        <a:t>G4</a:t>
+                      </a:r>
+                      <a:endParaRPr lang="en-GB" dirty="0"/>
+                    </a:p>
+                  </a:txBody>
+                  <a:tcPr/>
+                </a:tc>
+                <a:tc>
+                  <a:txBody>
+                    <a:bodyPr/>
+                    <a:lstStyle/>
+                    <a:p>
+                      <a:r>
+                        <a:rPr lang="en-IN" dirty="0" smtClean="0"/>
+                        <a:t>G5</a:t>
+                      </a:r>
+                      <a:endParaRPr lang="en-GB" dirty="0"/>
+                    </a:p>
+                  </a:txBody>
+                  <a:tcPr/>
+                </a:tc>
+              </a:tr>
+              <a:tr h="370555">
+                <a:tc>
+                  <a:txBody>
+                    <a:bodyPr/>
+                    <a:lstStyle/>
+                    <a:p>
+                      <a:r>
+                        <a:rPr lang="en-GB" dirty="0" smtClean="0"/>
+                        <a:t>1-208</a:t>
+                      </a:r>
+                      <a:endParaRPr lang="en-GB" dirty="0"/>
+                    </a:p>
+                  </a:txBody>
+                  <a:tcPr>
+                    <a:solidFill>
+                      <a:schemeClr val="accent6">
+                        <a:lumMod val="60000"/>
+                        <a:lumOff val="40000"/>
+                      </a:schemeClr>
+                    </a:solidFill>
+                  </a:tcPr>
+                </a:tc>
+                <a:tc>
+                  <a:txBody>
+                    <a:bodyPr/>
+                    <a:lstStyle/>
+                    <a:p>
+                      <a:r>
+                        <a:rPr lang="en-GB" dirty="0" smtClean="0"/>
+                        <a:t>1-135</a:t>
+                      </a:r>
+                      <a:endParaRPr lang="en-GB" dirty="0"/>
+                    </a:p>
+                  </a:txBody>
+                  <a:tcPr>
+                    <a:solidFill>
+                      <a:schemeClr val="accent6">
+                        <a:lumMod val="60000"/>
+                        <a:lumOff val="40000"/>
+                      </a:schemeClr>
+                    </a:solidFill>
+                  </a:tcPr>
+                </a:tc>
+                <a:tc>
+                  <a:txBody>
+                    <a:bodyPr/>
+                    <a:lstStyle/>
+                    <a:p>
+                      <a:r>
+                        <a:rPr lang="en-GB" dirty="0" smtClean="0"/>
+                        <a:t>1-192</a:t>
+                      </a:r>
+                      <a:endParaRPr lang="en-GB" dirty="0"/>
+                    </a:p>
+                  </a:txBody>
+                  <a:tcPr>
+                    <a:solidFill>
+                      <a:schemeClr val="accent6">
+                        <a:lumMod val="60000"/>
+                        <a:lumOff val="40000"/>
+                      </a:schemeClr>
+                    </a:solidFill>
+                  </a:tcPr>
+                </a:tc>
+                <a:tc>
+                  <a:txBody>
+                    <a:bodyPr/>
+                    <a:lstStyle/>
+                    <a:p>
+                      <a:r>
+                        <a:rPr lang="en-GB" dirty="0" smtClean="0"/>
+                        <a:t>1-68</a:t>
+                      </a:r>
+                      <a:endParaRPr lang="en-GB" dirty="0"/>
+                    </a:p>
+                  </a:txBody>
+                  <a:tcPr>
+                    <a:solidFill>
+                      <a:schemeClr val="accent1">
+                        <a:lumMod val="20000"/>
+                        <a:lumOff val="80000"/>
+                      </a:schemeClr>
+                    </a:solidFill>
+                  </a:tcPr>
+                </a:tc>
+                <a:tc>
+                  <a:txBody>
+                    <a:bodyPr/>
+                    <a:lstStyle/>
+                    <a:p>
+                      <a:r>
+                        <a:rPr lang="en-GB" dirty="0" smtClean="0"/>
+                        <a:t>1-64</a:t>
+                      </a:r>
+                      <a:endParaRPr lang="en-GB" dirty="0"/>
+                    </a:p>
+                  </a:txBody>
+                  <a:tcPr/>
+                </a:tc>
+                <a:tc>
+                  <a:txBody>
+                    <a:bodyPr/>
+                    <a:lstStyle/>
+                    <a:p>
+                      <a:r>
+                        <a:rPr lang="en-GB" dirty="0" smtClean="0"/>
+                        <a:t>1-72</a:t>
+                      </a:r>
+                      <a:endParaRPr lang="en-GB" dirty="0"/>
+                    </a:p>
+                  </a:txBody>
+                  <a:tcPr/>
+                </a:tc>
+              </a:tr>
+            </a:tbl>
+          </a:graphicData>
+        </a:graphic>
+      </p:graphicFrame>
+      <p:sp>
+        <p:nvSpPr>
+          <p:cNvPr id="7" name="TextBox 6"/>
+          <p:cNvSpPr txBox="1"/>
           <p:nvPr/>
-        </p:nvPicPr>
-        <p:blipFill>
-          <a:blip r:embed="rId3">
-            <a:extLst>
-              <a:ext uri="{28A0092B-C50C-407E-A947-70E740481C1C}">
-                <a14:useLocalDpi xmlns:a14="http://schemas.microsoft.com/office/drawing/2010/main" val="0"/>
-              </a:ext>
-            </a:extLst>
-          </a:blip>
-          <a:stretch>
-            <a:fillRect/>
-          </a:stretch>
-        </p:blipFill>
+        </p:nvSpPr>
         <p:spPr>
           <a:xfrm>
-            <a:off x="5917722" y="2128476"/>
-            <a:ext cx="5597300" cy="4181677"/>
+            <a:off x="863840" y="4698119"/>
+            <a:ext cx="1905000" cy="369332"/>
           </a:xfrm>
           <a:prstGeom prst="rect">
             <a:avLst/>
           </a:prstGeom>
+          <a:noFill/>
         </p:spPr>
-      </p:pic>
+        <p:txBody>
+          <a:bodyPr wrap="square" rtlCol="0">
+            <a:spAutoFit/>
+          </a:bodyPr>
+          <a:lstStyle/>
+          <a:p>
+            <a:pPr marL="285750" indent="-285750">
+              <a:buFont typeface="Arial" panose="020B0604020202020204" pitchFamily="34" charset="0"/>
+              <a:buChar char="•"/>
+            </a:pPr>
+            <a:r>
+              <a:rPr lang="en-IN" dirty="0" smtClean="0"/>
+              <a:t>All</a:t>
+            </a:r>
+            <a:endParaRPr lang="en-GB" dirty="0"/>
+          </a:p>
+        </p:txBody>
+      </p:sp>
     </p:spTree>
     <p:extLst>
       <p:ext uri="{BB962C8B-B14F-4D97-AF65-F5344CB8AC3E}">
-        <p14:creationId xmlns:p14="http://schemas.microsoft.com/office/powerpoint/2010/main" val="3900470740"/>
+        <p14:creationId xmlns:p14="http://schemas.microsoft.com/office/powerpoint/2010/main" val="3861480746"/>
       </p:ext>
     </p:extLst>
   </p:cSld>
@@ -12543,14 +13286,14 @@
           <a:p>
             <a:r>
               <a:rPr lang="en-US" dirty="0" smtClean="0"/>
-              <a:t>Connection Analysis</a:t>
+              <a:t>Position Analysis</a:t>
             </a:r>
             <a:br>
               <a:rPr lang="en-US" dirty="0" smtClean="0"/>
             </a:br>
             <a:r>
               <a:rPr lang="en-US" sz="2800" dirty="0" smtClean="0"/>
-              <a:t>Degree Distribution</a:t>
+              <a:t>Closeness:</a:t>
             </a:r>
             <a:endParaRPr lang="en-US" sz="2800" dirty="0"/>
           </a:p>
@@ -12577,9 +13320,21 @@
           <a:bodyPr/>
           <a:lstStyle/>
           <a:p>
-            <a:pPr marL="0" indent="0">
-              <a:buNone/>
-            </a:pPr>
+            <a:r>
+              <a:rPr lang="en-GB" sz="2000" dirty="0"/>
+              <a:t>reciprocal of the sum of the length of the shortest paths between the node and all other nodes in the graph. </a:t>
+            </a:r>
+            <a:endParaRPr lang="en-GB" sz="2000" dirty="0" smtClean="0"/>
+          </a:p>
+          <a:p>
+            <a:r>
+              <a:rPr lang="en-GB" sz="2000" dirty="0" smtClean="0"/>
+              <a:t>Thus</a:t>
+            </a:r>
+            <a:r>
+              <a:rPr lang="en-GB" sz="2000" dirty="0"/>
+              <a:t>, the more central a node is, the closer it is to all other nodes.</a:t>
+            </a:r>
             <a:endParaRPr lang="en-US" sz="2000" dirty="0" smtClean="0"/>
           </a:p>
           <a:p>
@@ -12592,7 +13347,7 @@
             <a:pPr marL="0" indent="0">
               <a:buNone/>
             </a:pPr>
-            <a:endParaRPr lang="en-US" dirty="0"/>
+            <a:endParaRPr lang="en-US" dirty="0" smtClean="0"/>
           </a:p>
         </p:txBody>
       </p:sp>
@@ -12710,70 +13465,291 @@
           </a:p>
         </p:txBody>
       </p:sp>
-      <p:pic>
-        <p:nvPicPr>
-          <p:cNvPr id="6" name="Picture 5"/>
-          <p:cNvPicPr>
-            <a:picLocks noChangeAspect="1"/>
-          </p:cNvPicPr>
+      <p:graphicFrame>
+        <p:nvGraphicFramePr>
+          <p:cNvPr id="4" name="Table 3"/>
+          <p:cNvGraphicFramePr>
+            <a:graphicFrameLocks noGrp="1"/>
+          </p:cNvGraphicFramePr>
+          <p:nvPr>
+            <p:extLst>
+              <p:ext uri="{D42A27DB-BD31-4B8C-83A1-F6EECF244321}">
+                <p14:modId xmlns:p14="http://schemas.microsoft.com/office/powerpoint/2010/main" val="2334752672"/>
+              </p:ext>
+            </p:extLst>
+          </p:nvPr>
+        </p:nvGraphicFramePr>
+        <p:xfrm>
+          <a:off x="983413" y="3226168"/>
+          <a:ext cx="8959788" cy="1010635"/>
+        </p:xfrm>
+        <a:graphic>
+          <a:graphicData uri="http://schemas.openxmlformats.org/drawingml/2006/table">
+            <a:tbl>
+              <a:tblPr firstRow="1" bandRow="1">
+                <a:tableStyleId>{5C22544A-7EE6-4342-B048-85BDC9FD1C3A}</a:tableStyleId>
+              </a:tblPr>
+              <a:tblGrid>
+                <a:gridCol w="1493298"/>
+                <a:gridCol w="1493298"/>
+                <a:gridCol w="1493298"/>
+                <a:gridCol w="1493298"/>
+                <a:gridCol w="1493298"/>
+                <a:gridCol w="1493298"/>
+              </a:tblGrid>
+              <a:tr h="370555">
+                <a:tc>
+                  <a:txBody>
+                    <a:bodyPr/>
+                    <a:lstStyle/>
+                    <a:p>
+                      <a:r>
+                        <a:rPr lang="en-IN" dirty="0" smtClean="0"/>
+                        <a:t>Template</a:t>
+                      </a:r>
+                      <a:endParaRPr lang="en-GB" dirty="0"/>
+                    </a:p>
+                  </a:txBody>
+                  <a:tcPr/>
+                </a:tc>
+                <a:tc>
+                  <a:txBody>
+                    <a:bodyPr/>
+                    <a:lstStyle/>
+                    <a:p>
+                      <a:r>
+                        <a:rPr lang="en-IN" dirty="0" smtClean="0"/>
+                        <a:t>G1</a:t>
+                      </a:r>
+                      <a:endParaRPr lang="en-GB" dirty="0"/>
+                    </a:p>
+                  </a:txBody>
+                  <a:tcPr/>
+                </a:tc>
+                <a:tc>
+                  <a:txBody>
+                    <a:bodyPr/>
+                    <a:lstStyle/>
+                    <a:p>
+                      <a:r>
+                        <a:rPr lang="en-IN" dirty="0" smtClean="0"/>
+                        <a:t>G2</a:t>
+                      </a:r>
+                      <a:endParaRPr lang="en-GB" dirty="0"/>
+                    </a:p>
+                  </a:txBody>
+                  <a:tcPr/>
+                </a:tc>
+                <a:tc>
+                  <a:txBody>
+                    <a:bodyPr/>
+                    <a:lstStyle/>
+                    <a:p>
+                      <a:r>
+                        <a:rPr lang="en-IN" dirty="0" smtClean="0"/>
+                        <a:t>G3</a:t>
+                      </a:r>
+                      <a:endParaRPr lang="en-GB" dirty="0"/>
+                    </a:p>
+                  </a:txBody>
+                  <a:tcPr/>
+                </a:tc>
+                <a:tc>
+                  <a:txBody>
+                    <a:bodyPr/>
+                    <a:lstStyle/>
+                    <a:p>
+                      <a:r>
+                        <a:rPr lang="en-IN" dirty="0" smtClean="0"/>
+                        <a:t>G4</a:t>
+                      </a:r>
+                      <a:endParaRPr lang="en-GB" dirty="0"/>
+                    </a:p>
+                  </a:txBody>
+                  <a:tcPr/>
+                </a:tc>
+                <a:tc>
+                  <a:txBody>
+                    <a:bodyPr/>
+                    <a:lstStyle/>
+                    <a:p>
+                      <a:r>
+                        <a:rPr lang="en-IN" dirty="0" smtClean="0"/>
+                        <a:t>G5</a:t>
+                      </a:r>
+                      <a:endParaRPr lang="en-GB" dirty="0"/>
+                    </a:p>
+                  </a:txBody>
+                  <a:tcPr/>
+                </a:tc>
+              </a:tr>
+              <a:tr h="370555">
+                <a:tc>
+                  <a:txBody>
+                    <a:bodyPr/>
+                    <a:lstStyle/>
+                    <a:p>
+                      <a:r>
+                        <a:rPr lang="en-GB" dirty="0" smtClean="0"/>
+                        <a:t>0.002949853-0.007042254</a:t>
+                      </a:r>
+                      <a:endParaRPr lang="en-GB" dirty="0"/>
+                    </a:p>
+                  </a:txBody>
+                  <a:tcPr>
+                    <a:solidFill>
+                      <a:schemeClr val="accent6">
+                        <a:lumMod val="60000"/>
+                        <a:lumOff val="40000"/>
+                      </a:schemeClr>
+                    </a:solidFill>
+                  </a:tcPr>
+                </a:tc>
+                <a:tc>
+                  <a:txBody>
+                    <a:bodyPr/>
+                    <a:lstStyle/>
+                    <a:p>
+                      <a:r>
+                        <a:rPr lang="en-GB" dirty="0" smtClean="0"/>
+                        <a:t>0.002197802-0.006369427</a:t>
+                      </a:r>
+                      <a:endParaRPr lang="en-GB" dirty="0"/>
+                    </a:p>
+                  </a:txBody>
+                  <a:tcPr>
+                    <a:solidFill>
+                      <a:schemeClr val="accent6">
+                        <a:lumMod val="60000"/>
+                        <a:lumOff val="40000"/>
+                      </a:schemeClr>
+                    </a:solidFill>
+                  </a:tcPr>
+                </a:tc>
+                <a:tc>
+                  <a:txBody>
+                    <a:bodyPr/>
+                    <a:lstStyle/>
+                    <a:p>
+                      <a:r>
+                        <a:rPr lang="en-GB" dirty="0" smtClean="0"/>
+                        <a:t>0.003472222-0.007352941</a:t>
+                      </a:r>
+                      <a:endParaRPr lang="en-GB" dirty="0"/>
+                    </a:p>
+                  </a:txBody>
+                  <a:tcPr>
+                    <a:solidFill>
+                      <a:schemeClr val="accent6">
+                        <a:lumMod val="60000"/>
+                        <a:lumOff val="40000"/>
+                      </a:schemeClr>
+                    </a:solidFill>
+                  </a:tcPr>
+                </a:tc>
+                <a:tc>
+                  <a:txBody>
+                    <a:bodyPr/>
+                    <a:lstStyle/>
+                    <a:p>
+                      <a:r>
+                        <a:rPr lang="en-GB" dirty="0" smtClean="0"/>
+                        <a:t>0.002624672-0.006802721</a:t>
+                      </a:r>
+                      <a:endParaRPr lang="en-GB" dirty="0"/>
+                    </a:p>
+                  </a:txBody>
+                  <a:tcPr>
+                    <a:solidFill>
+                      <a:schemeClr val="accent6">
+                        <a:lumMod val="60000"/>
+                        <a:lumOff val="40000"/>
+                      </a:schemeClr>
+                    </a:solidFill>
+                  </a:tcPr>
+                </a:tc>
+                <a:tc>
+                  <a:txBody>
+                    <a:bodyPr/>
+                    <a:lstStyle/>
+                    <a:p>
+                      <a:r>
+                        <a:rPr lang="en-GB" dirty="0" smtClean="0"/>
+                        <a:t>0.004016064-0.007407407</a:t>
+                      </a:r>
+                      <a:endParaRPr lang="en-GB" dirty="0"/>
+                    </a:p>
+                  </a:txBody>
+                  <a:tcPr/>
+                </a:tc>
+                <a:tc>
+                  <a:txBody>
+                    <a:bodyPr/>
+                    <a:lstStyle/>
+                    <a:p>
+                      <a:r>
+                        <a:rPr lang="en-GB" dirty="0" smtClean="0"/>
+                        <a:t>0.003937008-0.007462687</a:t>
+                      </a:r>
+                      <a:endParaRPr lang="en-GB" dirty="0"/>
+                    </a:p>
+                  </a:txBody>
+                  <a:tcPr/>
+                </a:tc>
+              </a:tr>
+            </a:tbl>
+          </a:graphicData>
+        </a:graphic>
+      </p:graphicFrame>
+      <p:sp>
+        <p:nvSpPr>
+          <p:cNvPr id="5" name="Rectangle 4"/>
+          <p:cNvSpPr/>
           <p:nvPr/>
-        </p:nvPicPr>
-        <p:blipFill>
-          <a:blip r:embed="rId2">
-            <a:extLst>
-              <a:ext uri="{28A0092B-C50C-407E-A947-70E740481C1C}">
-                <a14:useLocalDpi xmlns:a14="http://schemas.microsoft.com/office/drawing/2010/main" val="0"/>
-              </a:ext>
-            </a:extLst>
-          </a:blip>
-          <a:stretch>
-            <a:fillRect/>
-          </a:stretch>
-        </p:blipFill>
+        </p:nvSpPr>
         <p:spPr>
           <a:xfrm>
-            <a:off x="326502" y="2140564"/>
-            <a:ext cx="5366932" cy="4036399"/>
+            <a:off x="838200" y="4594593"/>
+            <a:ext cx="5704126" cy="369332"/>
           </a:xfrm>
           <a:prstGeom prst="rect">
             <a:avLst/>
           </a:prstGeom>
         </p:spPr>
-      </p:pic>
-      <p:pic>
-        <p:nvPicPr>
-          <p:cNvPr id="4" name="Picture 3"/>
-          <p:cNvPicPr>
-            <a:picLocks noChangeAspect="1"/>
-          </p:cNvPicPr>
-          <p:nvPr/>
-        </p:nvPicPr>
-        <p:blipFill>
-          <a:blip r:embed="rId3">
-            <a:extLst>
-              <a:ext uri="{28A0092B-C50C-407E-A947-70E740481C1C}">
-                <a14:useLocalDpi xmlns:a14="http://schemas.microsoft.com/office/drawing/2010/main" val="0"/>
-              </a:ext>
-            </a:extLst>
-          </a:blip>
-          <a:stretch>
-            <a:fillRect/>
-          </a:stretch>
-        </p:blipFill>
-        <p:spPr>
-          <a:xfrm>
-            <a:off x="5940756" y="2140563"/>
-            <a:ext cx="5416558" cy="4036399"/>
-          </a:xfrm>
-          <a:prstGeom prst="rect">
-            <a:avLst/>
-          </a:prstGeom>
-        </p:spPr>
-      </p:pic>
+        <p:txBody>
+          <a:bodyPr wrap="none">
+            <a:spAutoFit/>
+          </a:bodyPr>
+          <a:lstStyle/>
+          <a:p>
+            <a:pPr marL="285750" indent="-285750">
+              <a:buFont typeface="Arial" panose="020B0604020202020204" pitchFamily="34" charset="0"/>
+              <a:buChar char="•"/>
+            </a:pPr>
+            <a:r>
+              <a:rPr lang="en-GB" dirty="0"/>
+              <a:t>Similarity: </a:t>
+            </a:r>
+            <a:r>
+              <a:rPr lang="de-DE" dirty="0" smtClean="0"/>
+              <a:t>Graph3 &gt;Graph1 &gt; Graph2&gt; Graph4 </a:t>
+            </a:r>
+            <a:r>
+              <a:rPr lang="de-DE" dirty="0"/>
+              <a:t>&gt; </a:t>
+            </a:r>
+            <a:r>
+              <a:rPr lang="de-DE" dirty="0" smtClean="0"/>
+              <a:t>Graph5</a:t>
+            </a:r>
+            <a:endParaRPr lang="en-GB" dirty="0"/>
+          </a:p>
+        </p:txBody>
+      </p:sp>
     </p:spTree>
     <p:extLst>
       <p:ext uri="{BB962C8B-B14F-4D97-AF65-F5344CB8AC3E}">
-        <p14:creationId xmlns:p14="http://schemas.microsoft.com/office/powerpoint/2010/main" val="3969204611"/>
+        <p14:creationId xmlns:p14="http://schemas.microsoft.com/office/powerpoint/2010/main" val="3545430113"/>
       </p:ext>
     </p:extLst>
   </p:cSld>
@@ -12823,14 +13799,18 @@
           <a:p>
             <a:r>
               <a:rPr lang="en-US" dirty="0" smtClean="0"/>
-              <a:t>Connection Analysis</a:t>
+              <a:t>Position Analysis</a:t>
             </a:r>
             <a:br>
               <a:rPr lang="en-US" dirty="0" smtClean="0"/>
             </a:br>
             <a:r>
+              <a:rPr lang="en-US" sz="2800" dirty="0" err="1" smtClean="0"/>
+              <a:t>Betweenness</a:t>
+            </a:r>
+            <a:r>
               <a:rPr lang="en-US" sz="2800" dirty="0" smtClean="0"/>
-              <a:t>Degree Distribution</a:t>
+              <a:t>:</a:t>
             </a:r>
             <a:endParaRPr lang="en-US" sz="2800" dirty="0"/>
           </a:p>
@@ -12857,22 +13837,47 @@
           <a:bodyPr/>
           <a:lstStyle/>
           <a:p>
-            <a:pPr marL="0" indent="0">
-              <a:buNone/>
-            </a:pPr>
-            <a:endParaRPr lang="en-US" sz="2000" dirty="0" smtClean="0"/>
+            <a:r>
+              <a:rPr lang="en-GB" sz="2000" dirty="0"/>
+              <a:t>The </a:t>
+            </a:r>
+            <a:r>
+              <a:rPr lang="en-GB" sz="2000" dirty="0" err="1"/>
+              <a:t>betweenness</a:t>
+            </a:r>
+            <a:r>
+              <a:rPr lang="en-GB" sz="2000" dirty="0"/>
+              <a:t> centrality for each </a:t>
+            </a:r>
+            <a:r>
+              <a:rPr lang="en-GB" sz="2000" dirty="0">
+                <a:hlinkClick r:id="rId2" tooltip="Vertex (graph theory)"/>
+              </a:rPr>
+              <a:t>vertex</a:t>
+            </a:r>
+            <a:r>
+              <a:rPr lang="en-GB" sz="2000" dirty="0"/>
+              <a:t> is the number </a:t>
+            </a:r>
+            <a:r>
+              <a:rPr lang="en-GB" sz="2000" dirty="0" smtClean="0"/>
+              <a:t>of </a:t>
+            </a:r>
+            <a:r>
+              <a:rPr lang="en-GB" sz="2000" dirty="0"/>
+              <a:t>shortest paths that pass through the </a:t>
+            </a:r>
+            <a:r>
+              <a:rPr lang="en-GB" sz="2000" dirty="0" smtClean="0"/>
+              <a:t>vertex.</a:t>
+            </a:r>
+            <a:endParaRPr lang="en-US" dirty="0" smtClean="0"/>
           </a:p>
           <a:p>
             <a:pPr marL="0" indent="0">
               <a:buNone/>
             </a:pPr>
             <a:endParaRPr lang="en-US" dirty="0" smtClean="0"/>
-          </a:p>
-          <a:p>
-            <a:pPr marL="0" indent="0">
-              <a:buNone/>
-            </a:pPr>
-            <a:endParaRPr lang="en-US" dirty="0"/>
           </a:p>
         </p:txBody>
       </p:sp>
@@ -12990,70 +13995,291 @@
           </a:p>
         </p:txBody>
       </p:sp>
-      <p:pic>
-        <p:nvPicPr>
-          <p:cNvPr id="6" name="Picture 5"/>
-          <p:cNvPicPr>
-            <a:picLocks noChangeAspect="1"/>
-          </p:cNvPicPr>
+      <p:graphicFrame>
+        <p:nvGraphicFramePr>
+          <p:cNvPr id="4" name="Table 3"/>
+          <p:cNvGraphicFramePr>
+            <a:graphicFrameLocks noGrp="1"/>
+          </p:cNvGraphicFramePr>
+          <p:nvPr>
+            <p:extLst>
+              <p:ext uri="{D42A27DB-BD31-4B8C-83A1-F6EECF244321}">
+                <p14:modId xmlns:p14="http://schemas.microsoft.com/office/powerpoint/2010/main" val="4151500741"/>
+              </p:ext>
+            </p:extLst>
+          </p:nvPr>
+        </p:nvGraphicFramePr>
+        <p:xfrm>
+          <a:off x="983413" y="3226168"/>
+          <a:ext cx="8959788" cy="1010635"/>
+        </p:xfrm>
+        <a:graphic>
+          <a:graphicData uri="http://schemas.openxmlformats.org/drawingml/2006/table">
+            <a:tbl>
+              <a:tblPr firstRow="1" bandRow="1">
+                <a:tableStyleId>{5C22544A-7EE6-4342-B048-85BDC9FD1C3A}</a:tableStyleId>
+              </a:tblPr>
+              <a:tblGrid>
+                <a:gridCol w="1493298"/>
+                <a:gridCol w="1493298"/>
+                <a:gridCol w="1493298"/>
+                <a:gridCol w="1493298"/>
+                <a:gridCol w="1493298"/>
+                <a:gridCol w="1493298"/>
+              </a:tblGrid>
+              <a:tr h="370555">
+                <a:tc>
+                  <a:txBody>
+                    <a:bodyPr/>
+                    <a:lstStyle/>
+                    <a:p>
+                      <a:r>
+                        <a:rPr lang="en-IN" dirty="0" smtClean="0"/>
+                        <a:t>Template</a:t>
+                      </a:r>
+                      <a:endParaRPr lang="en-GB" dirty="0"/>
+                    </a:p>
+                  </a:txBody>
+                  <a:tcPr/>
+                </a:tc>
+                <a:tc>
+                  <a:txBody>
+                    <a:bodyPr/>
+                    <a:lstStyle/>
+                    <a:p>
+                      <a:r>
+                        <a:rPr lang="en-IN" dirty="0" smtClean="0"/>
+                        <a:t>G1</a:t>
+                      </a:r>
+                      <a:endParaRPr lang="en-GB" dirty="0"/>
+                    </a:p>
+                  </a:txBody>
+                  <a:tcPr/>
+                </a:tc>
+                <a:tc>
+                  <a:txBody>
+                    <a:bodyPr/>
+                    <a:lstStyle/>
+                    <a:p>
+                      <a:r>
+                        <a:rPr lang="en-IN" dirty="0" smtClean="0"/>
+                        <a:t>G2</a:t>
+                      </a:r>
+                      <a:endParaRPr lang="en-GB" dirty="0"/>
+                    </a:p>
+                  </a:txBody>
+                  <a:tcPr/>
+                </a:tc>
+                <a:tc>
+                  <a:txBody>
+                    <a:bodyPr/>
+                    <a:lstStyle/>
+                    <a:p>
+                      <a:r>
+                        <a:rPr lang="en-IN" dirty="0" smtClean="0"/>
+                        <a:t>G3</a:t>
+                      </a:r>
+                      <a:endParaRPr lang="en-GB" dirty="0"/>
+                    </a:p>
+                  </a:txBody>
+                  <a:tcPr/>
+                </a:tc>
+                <a:tc>
+                  <a:txBody>
+                    <a:bodyPr/>
+                    <a:lstStyle/>
+                    <a:p>
+                      <a:r>
+                        <a:rPr lang="en-IN" dirty="0" smtClean="0"/>
+                        <a:t>G4</a:t>
+                      </a:r>
+                      <a:endParaRPr lang="en-GB" dirty="0"/>
+                    </a:p>
+                  </a:txBody>
+                  <a:tcPr/>
+                </a:tc>
+                <a:tc>
+                  <a:txBody>
+                    <a:bodyPr/>
+                    <a:lstStyle/>
+                    <a:p>
+                      <a:r>
+                        <a:rPr lang="en-IN" dirty="0" smtClean="0"/>
+                        <a:t>G5</a:t>
+                      </a:r>
+                      <a:endParaRPr lang="en-GB" dirty="0"/>
+                    </a:p>
+                  </a:txBody>
+                  <a:tcPr/>
+                </a:tc>
+              </a:tr>
+              <a:tr h="370555">
+                <a:tc>
+                  <a:txBody>
+                    <a:bodyPr/>
+                    <a:lstStyle/>
+                    <a:p>
+                      <a:r>
+                        <a:rPr lang="en-GB" dirty="0" smtClean="0"/>
+                        <a:t>0.00-682.1806727</a:t>
+                      </a:r>
+                      <a:endParaRPr lang="en-GB" dirty="0"/>
+                    </a:p>
+                  </a:txBody>
+                  <a:tcPr>
+                    <a:solidFill>
+                      <a:schemeClr val="accent6">
+                        <a:lumMod val="60000"/>
+                        <a:lumOff val="40000"/>
+                      </a:schemeClr>
+                    </a:solidFill>
+                  </a:tcPr>
+                </a:tc>
+                <a:tc>
+                  <a:txBody>
+                    <a:bodyPr/>
+                    <a:lstStyle/>
+                    <a:p>
+                      <a:r>
+                        <a:rPr lang="en-GB" dirty="0" smtClean="0"/>
+                        <a:t>0.00-1012.780577</a:t>
+                      </a:r>
+                      <a:endParaRPr lang="en-GB" dirty="0"/>
+                    </a:p>
+                  </a:txBody>
+                  <a:tcPr>
+                    <a:solidFill>
+                      <a:schemeClr val="accent1">
+                        <a:lumMod val="20000"/>
+                        <a:lumOff val="80000"/>
+                      </a:schemeClr>
+                    </a:solidFill>
+                  </a:tcPr>
+                </a:tc>
+                <a:tc>
+                  <a:txBody>
+                    <a:bodyPr/>
+                    <a:lstStyle/>
+                    <a:p>
+                      <a:r>
+                        <a:rPr lang="en-GB" dirty="0" smtClean="0"/>
+                        <a:t>0.00-893.3087233</a:t>
+                      </a:r>
+                      <a:endParaRPr lang="en-GB" dirty="0"/>
+                    </a:p>
+                  </a:txBody>
+                  <a:tcPr>
+                    <a:solidFill>
+                      <a:schemeClr val="accent6">
+                        <a:lumMod val="60000"/>
+                        <a:lumOff val="40000"/>
+                      </a:schemeClr>
+                    </a:solidFill>
+                  </a:tcPr>
+                </a:tc>
+                <a:tc>
+                  <a:txBody>
+                    <a:bodyPr/>
+                    <a:lstStyle/>
+                    <a:p>
+                      <a:r>
+                        <a:rPr lang="en-GB" dirty="0" smtClean="0"/>
+                        <a:t>0.00-466.4803012</a:t>
+                      </a:r>
+                      <a:endParaRPr lang="en-GB" dirty="0"/>
+                    </a:p>
+                  </a:txBody>
+                  <a:tcPr>
+                    <a:solidFill>
+                      <a:schemeClr val="accent6">
+                        <a:lumMod val="60000"/>
+                        <a:lumOff val="40000"/>
+                      </a:schemeClr>
+                    </a:solidFill>
+                  </a:tcPr>
+                </a:tc>
+                <a:tc>
+                  <a:txBody>
+                    <a:bodyPr/>
+                    <a:lstStyle/>
+                    <a:p>
+                      <a:r>
+                        <a:rPr lang="en-GB" dirty="0" smtClean="0"/>
+                        <a:t>0.00-912.652983</a:t>
+                      </a:r>
+                      <a:endParaRPr lang="en-GB" dirty="0"/>
+                    </a:p>
+                  </a:txBody>
+                  <a:tcPr/>
+                </a:tc>
+                <a:tc>
+                  <a:txBody>
+                    <a:bodyPr/>
+                    <a:lstStyle/>
+                    <a:p>
+                      <a:r>
+                        <a:rPr lang="en-GB" dirty="0" smtClean="0"/>
+                        <a:t>0.00-912.652983</a:t>
+                      </a:r>
+                      <a:endParaRPr lang="en-GB" dirty="0"/>
+                    </a:p>
+                  </a:txBody>
+                  <a:tcPr/>
+                </a:tc>
+              </a:tr>
+            </a:tbl>
+          </a:graphicData>
+        </a:graphic>
+      </p:graphicFrame>
+      <p:sp>
+        <p:nvSpPr>
+          <p:cNvPr id="5" name="Rectangle 4"/>
+          <p:cNvSpPr/>
           <p:nvPr/>
-        </p:nvPicPr>
-        <p:blipFill>
-          <a:blip r:embed="rId2">
-            <a:extLst>
-              <a:ext uri="{28A0092B-C50C-407E-A947-70E740481C1C}">
-                <a14:useLocalDpi xmlns:a14="http://schemas.microsoft.com/office/drawing/2010/main" val="0"/>
-              </a:ext>
-            </a:extLst>
-          </a:blip>
-          <a:stretch>
-            <a:fillRect/>
-          </a:stretch>
-        </p:blipFill>
+        </p:nvSpPr>
         <p:spPr>
           <a:xfrm>
-            <a:off x="326502" y="2140564"/>
-            <a:ext cx="5366932" cy="4036399"/>
+            <a:off x="838200" y="4594593"/>
+            <a:ext cx="5704126" cy="369332"/>
           </a:xfrm>
           <a:prstGeom prst="rect">
             <a:avLst/>
           </a:prstGeom>
         </p:spPr>
-      </p:pic>
-      <p:pic>
-        <p:nvPicPr>
-          <p:cNvPr id="5" name="Picture 4"/>
-          <p:cNvPicPr>
-            <a:picLocks noChangeAspect="1"/>
-          </p:cNvPicPr>
-          <p:nvPr/>
-        </p:nvPicPr>
-        <p:blipFill>
-          <a:blip r:embed="rId3">
-            <a:extLst>
-              <a:ext uri="{28A0092B-C50C-407E-A947-70E740481C1C}">
-                <a14:useLocalDpi xmlns:a14="http://schemas.microsoft.com/office/drawing/2010/main" val="0"/>
-              </a:ext>
-            </a:extLst>
-          </a:blip>
-          <a:stretch>
-            <a:fillRect/>
-          </a:stretch>
-        </p:blipFill>
-        <p:spPr>
-          <a:xfrm>
-            <a:off x="5980048" y="2140563"/>
-            <a:ext cx="5289384" cy="4036399"/>
-          </a:xfrm>
-          <a:prstGeom prst="rect">
-            <a:avLst/>
-          </a:prstGeom>
-        </p:spPr>
-      </p:pic>
+        <p:txBody>
+          <a:bodyPr wrap="none">
+            <a:spAutoFit/>
+          </a:bodyPr>
+          <a:lstStyle/>
+          <a:p>
+            <a:pPr marL="285750" indent="-285750">
+              <a:buFont typeface="Arial" panose="020B0604020202020204" pitchFamily="34" charset="0"/>
+              <a:buChar char="•"/>
+            </a:pPr>
+            <a:r>
+              <a:rPr lang="en-GB" dirty="0"/>
+              <a:t>Similarity: </a:t>
+            </a:r>
+            <a:r>
+              <a:rPr lang="de-DE" dirty="0" smtClean="0"/>
+              <a:t>Graph2 &gt;Graph3 &gt; Graph4 = Graph5 </a:t>
+            </a:r>
+            <a:r>
+              <a:rPr lang="de-DE" dirty="0"/>
+              <a:t>&gt; </a:t>
+            </a:r>
+            <a:r>
+              <a:rPr lang="de-DE" dirty="0" smtClean="0"/>
+              <a:t>Graph1</a:t>
+            </a:r>
+            <a:endParaRPr lang="en-GB" dirty="0"/>
+          </a:p>
+        </p:txBody>
+      </p:sp>
     </p:spTree>
     <p:extLst>
       <p:ext uri="{BB962C8B-B14F-4D97-AF65-F5344CB8AC3E}">
-        <p14:creationId xmlns:p14="http://schemas.microsoft.com/office/powerpoint/2010/main" val="279695537"/>
+        <p14:creationId xmlns:p14="http://schemas.microsoft.com/office/powerpoint/2010/main" val="1668711115"/>
       </p:ext>
     </p:extLst>
   </p:cSld>
@@ -13266,14 +14492,14 @@
           <a:p>
             <a:r>
               <a:rPr lang="en-US" dirty="0" smtClean="0"/>
-              <a:t>Connection Analysis</a:t>
+              <a:t>Position Analysis</a:t>
             </a:r>
             <a:br>
               <a:rPr lang="en-US" dirty="0" smtClean="0"/>
             </a:br>
             <a:r>
               <a:rPr lang="en-US" sz="2800" dirty="0" smtClean="0"/>
-              <a:t>Degree Distribution</a:t>
+              <a:t>Eigen Vector Centrality:</a:t>
             </a:r>
             <a:endParaRPr lang="en-US" sz="2800" dirty="0"/>
           </a:p>
@@ -13300,22 +14526,58 @@
           <a:bodyPr/>
           <a:lstStyle/>
           <a:p>
-            <a:pPr marL="0" indent="0">
-              <a:buNone/>
-            </a:pPr>
-            <a:endParaRPr lang="en-US" sz="2000" dirty="0" smtClean="0"/>
-          </a:p>
-          <a:p>
-            <a:pPr marL="0" indent="0">
-              <a:buNone/>
-            </a:pPr>
+            <a:r>
+              <a:rPr lang="en-GB" sz="2000" b="1" dirty="0"/>
+              <a:t>Eigenvector centrality</a:t>
+            </a:r>
+            <a:r>
+              <a:rPr lang="en-GB" sz="2000" dirty="0"/>
+              <a:t> (also called </a:t>
+            </a:r>
+            <a:r>
+              <a:rPr lang="en-GB" sz="2000" b="1" dirty="0" err="1"/>
+              <a:t>eigencentrality</a:t>
+            </a:r>
+            <a:r>
+              <a:rPr lang="en-GB" sz="2000" dirty="0"/>
+              <a:t>) is a measure of the influence of a </a:t>
+            </a:r>
+            <a:r>
+              <a:rPr lang="en-GB" sz="2000" dirty="0">
+                <a:hlinkClick r:id="rId2" tooltip="Node (networking)"/>
+              </a:rPr>
+              <a:t>node</a:t>
+            </a:r>
+            <a:r>
+              <a:rPr lang="en-GB" sz="2000" dirty="0"/>
+              <a:t> in a </a:t>
+            </a:r>
+            <a:r>
+              <a:rPr lang="en-GB" sz="2000" dirty="0">
+                <a:hlinkClick r:id="rId3" tooltip="Network (mathematics)"/>
+              </a:rPr>
+              <a:t>network</a:t>
+            </a:r>
+            <a:r>
+              <a:rPr lang="en-GB" sz="2000" dirty="0"/>
+              <a:t>. </a:t>
+            </a:r>
+            <a:endParaRPr lang="en-GB" sz="2000" dirty="0" smtClean="0"/>
+          </a:p>
+          <a:p>
+            <a:r>
+              <a:rPr lang="en-GB" sz="2000" dirty="0" smtClean="0"/>
+              <a:t>It </a:t>
+            </a:r>
+            <a:r>
+              <a:rPr lang="en-GB" sz="2000" dirty="0"/>
+              <a:t>assigns relative scores to all nodes in the network based on the concept that connections to high-scoring nodes contribute more to the score of the node in question than equal connections to low-scoring </a:t>
+            </a:r>
+            <a:r>
+              <a:rPr lang="en-GB" sz="2000" dirty="0" smtClean="0"/>
+              <a:t>nodes</a:t>
+            </a:r>
             <a:endParaRPr lang="en-US" dirty="0" smtClean="0"/>
-          </a:p>
-          <a:p>
-            <a:pPr marL="0" indent="0">
-              <a:buNone/>
-            </a:pPr>
-            <a:endParaRPr lang="en-US" dirty="0"/>
           </a:p>
         </p:txBody>
       </p:sp>
@@ -13433,70 +14695,429 @@
           </a:p>
         </p:txBody>
       </p:sp>
-      <p:pic>
-        <p:nvPicPr>
-          <p:cNvPr id="6" name="Picture 5"/>
-          <p:cNvPicPr>
-            <a:picLocks noChangeAspect="1"/>
-          </p:cNvPicPr>
+      <p:graphicFrame>
+        <p:nvGraphicFramePr>
+          <p:cNvPr id="4" name="Table 3"/>
+          <p:cNvGraphicFramePr>
+            <a:graphicFrameLocks noGrp="1"/>
+          </p:cNvGraphicFramePr>
+          <p:nvPr>
+            <p:extLst>
+              <p:ext uri="{D42A27DB-BD31-4B8C-83A1-F6EECF244321}">
+                <p14:modId xmlns:p14="http://schemas.microsoft.com/office/powerpoint/2010/main" val="2164471332"/>
+              </p:ext>
+            </p:extLst>
+          </p:nvPr>
+        </p:nvGraphicFramePr>
+        <p:xfrm>
+          <a:off x="1616106" y="3516489"/>
+          <a:ext cx="8959788" cy="1381190"/>
+        </p:xfrm>
+        <a:graphic>
+          <a:graphicData uri="http://schemas.openxmlformats.org/drawingml/2006/table">
+            <a:tbl>
+              <a:tblPr firstRow="1" bandRow="1">
+                <a:tableStyleId>{5C22544A-7EE6-4342-B048-85BDC9FD1C3A}</a:tableStyleId>
+              </a:tblPr>
+              <a:tblGrid>
+                <a:gridCol w="1493298"/>
+                <a:gridCol w="1493298"/>
+                <a:gridCol w="1493298"/>
+                <a:gridCol w="1493298"/>
+                <a:gridCol w="1493298"/>
+                <a:gridCol w="1493298"/>
+              </a:tblGrid>
+              <a:tr h="370555">
+                <a:tc>
+                  <a:txBody>
+                    <a:bodyPr/>
+                    <a:lstStyle/>
+                    <a:p>
+                      <a:r>
+                        <a:rPr lang="en-IN" dirty="0" smtClean="0"/>
+                        <a:t>Template</a:t>
+                      </a:r>
+                      <a:endParaRPr lang="en-GB" dirty="0"/>
+                    </a:p>
+                  </a:txBody>
+                  <a:tcPr/>
+                </a:tc>
+                <a:tc>
+                  <a:txBody>
+                    <a:bodyPr/>
+                    <a:lstStyle/>
+                    <a:p>
+                      <a:r>
+                        <a:rPr lang="en-IN" dirty="0" smtClean="0"/>
+                        <a:t>G1</a:t>
+                      </a:r>
+                      <a:endParaRPr lang="en-GB" dirty="0"/>
+                    </a:p>
+                  </a:txBody>
+                  <a:tcPr/>
+                </a:tc>
+                <a:tc>
+                  <a:txBody>
+                    <a:bodyPr/>
+                    <a:lstStyle/>
+                    <a:p>
+                      <a:r>
+                        <a:rPr lang="en-IN" dirty="0" smtClean="0"/>
+                        <a:t>G2</a:t>
+                      </a:r>
+                      <a:endParaRPr lang="en-GB" dirty="0"/>
+                    </a:p>
+                  </a:txBody>
+                  <a:tcPr/>
+                </a:tc>
+                <a:tc>
+                  <a:txBody>
+                    <a:bodyPr/>
+                    <a:lstStyle/>
+                    <a:p>
+                      <a:r>
+                        <a:rPr lang="en-IN" dirty="0" smtClean="0"/>
+                        <a:t>G3</a:t>
+                      </a:r>
+                      <a:endParaRPr lang="en-GB" dirty="0"/>
+                    </a:p>
+                  </a:txBody>
+                  <a:tcPr/>
+                </a:tc>
+                <a:tc>
+                  <a:txBody>
+                    <a:bodyPr/>
+                    <a:lstStyle/>
+                    <a:p>
+                      <a:r>
+                        <a:rPr lang="en-IN" dirty="0" smtClean="0"/>
+                        <a:t>G4</a:t>
+                      </a:r>
+                      <a:endParaRPr lang="en-GB" dirty="0"/>
+                    </a:p>
+                  </a:txBody>
+                  <a:tcPr/>
+                </a:tc>
+                <a:tc>
+                  <a:txBody>
+                    <a:bodyPr/>
+                    <a:lstStyle/>
+                    <a:p>
+                      <a:r>
+                        <a:rPr lang="en-IN" dirty="0" smtClean="0"/>
+                        <a:t>G5</a:t>
+                      </a:r>
+                      <a:endParaRPr lang="en-GB" dirty="0"/>
+                    </a:p>
+                  </a:txBody>
+                  <a:tcPr/>
+                </a:tc>
+              </a:tr>
+              <a:tr h="370555">
+                <a:tc>
+                  <a:txBody>
+                    <a:bodyPr/>
+                    <a:lstStyle/>
+                    <a:p>
+                      <a:r>
+                        <a:rPr lang="en-GB" dirty="0" smtClean="0"/>
+                        <a:t>2.889807e-05-1.000000</a:t>
+                      </a:r>
+                      <a:endParaRPr lang="en-GB" dirty="0"/>
+                    </a:p>
+                  </a:txBody>
+                  <a:tcPr>
+                    <a:solidFill>
+                      <a:schemeClr val="accent6">
+                        <a:lumMod val="60000"/>
+                        <a:lumOff val="40000"/>
+                      </a:schemeClr>
+                    </a:solidFill>
+                  </a:tcPr>
+                </a:tc>
+                <a:tc>
+                  <a:txBody>
+                    <a:bodyPr/>
+                    <a:lstStyle/>
+                    <a:p>
+                      <a:r>
+                        <a:rPr lang="en-GB" dirty="0" smtClean="0"/>
+                        <a:t>8.486762e-07-1.000000</a:t>
+                      </a:r>
+                      <a:endParaRPr lang="en-GB" dirty="0"/>
+                    </a:p>
+                  </a:txBody>
+                  <a:tcPr>
+                    <a:solidFill>
+                      <a:schemeClr val="accent1">
+                        <a:lumMod val="20000"/>
+                        <a:lumOff val="80000"/>
+                      </a:schemeClr>
+                    </a:solidFill>
+                  </a:tcPr>
+                </a:tc>
+                <a:tc>
+                  <a:txBody>
+                    <a:bodyPr/>
+                    <a:lstStyle/>
+                    <a:p>
+                      <a:r>
+                        <a:rPr lang="en-GB" dirty="0" smtClean="0"/>
+                        <a:t>0.000202756-1.0000000</a:t>
+                      </a:r>
+                      <a:endParaRPr lang="en-GB" dirty="0"/>
+                    </a:p>
+                  </a:txBody>
+                  <a:tcPr>
+                    <a:solidFill>
+                      <a:schemeClr val="accent6">
+                        <a:lumMod val="60000"/>
+                        <a:lumOff val="40000"/>
+                      </a:schemeClr>
+                    </a:solidFill>
+                  </a:tcPr>
+                </a:tc>
+                <a:tc>
+                  <a:txBody>
+                    <a:bodyPr/>
+                    <a:lstStyle/>
+                    <a:p>
+                      <a:r>
+                        <a:rPr lang="en-GB" dirty="0" smtClean="0"/>
+                        <a:t>1.370524e-06-1.0000000</a:t>
+                      </a:r>
+                      <a:endParaRPr lang="en-GB" dirty="0"/>
+                    </a:p>
+                  </a:txBody>
+                  <a:tcPr>
+                    <a:solidFill>
+                      <a:schemeClr val="accent6">
+                        <a:lumMod val="60000"/>
+                        <a:lumOff val="40000"/>
+                      </a:schemeClr>
+                    </a:solidFill>
+                  </a:tcPr>
+                </a:tc>
+                <a:tc>
+                  <a:txBody>
+                    <a:bodyPr/>
+                    <a:lstStyle/>
+                    <a:p>
+                      <a:r>
+                        <a:rPr lang="en-GB" dirty="0" smtClean="0"/>
+                        <a:t>0.008849692-1.0000000</a:t>
+                      </a:r>
+                      <a:endParaRPr lang="en-GB" dirty="0"/>
+                    </a:p>
+                  </a:txBody>
+                  <a:tcPr/>
+                </a:tc>
+                <a:tc>
+                  <a:txBody>
+                    <a:bodyPr/>
+                    <a:lstStyle/>
+                    <a:p>
+                      <a:r>
+                        <a:rPr lang="en-GB" dirty="0" smtClean="0"/>
+                        <a:t>0.006716513-1.0000000</a:t>
+                      </a:r>
+                      <a:endParaRPr lang="en-GB" dirty="0"/>
+                    </a:p>
+                  </a:txBody>
+                  <a:tcPr/>
+                </a:tc>
+              </a:tr>
+              <a:tr h="370555">
+                <a:tc>
+                  <a:txBody>
+                    <a:bodyPr/>
+                    <a:lstStyle/>
+                    <a:p>
+                      <a:r>
+                        <a:rPr lang="en-IN" dirty="0" smtClean="0"/>
+                        <a:t>6 Nodes &gt;</a:t>
+                      </a:r>
+                      <a:r>
+                        <a:rPr lang="en-IN" baseline="0" dirty="0" smtClean="0"/>
+                        <a:t> 0.5</a:t>
+                      </a:r>
+                      <a:endParaRPr lang="en-GB" dirty="0"/>
+                    </a:p>
+                  </a:txBody>
+                  <a:tcPr>
+                    <a:solidFill>
+                      <a:schemeClr val="accent6">
+                        <a:lumMod val="60000"/>
+                        <a:lumOff val="40000"/>
+                      </a:schemeClr>
+                    </a:solidFill>
+                  </a:tcPr>
+                </a:tc>
+                <a:tc>
+                  <a:txBody>
+                    <a:bodyPr/>
+                    <a:lstStyle/>
+                    <a:p>
+                      <a:r>
+                        <a:rPr lang="en-IN" dirty="0" smtClean="0"/>
+                        <a:t>6 Nodes &gt;</a:t>
+                      </a:r>
+                      <a:r>
+                        <a:rPr lang="en-IN" baseline="0" dirty="0" smtClean="0"/>
+                        <a:t> 0.5</a:t>
+                      </a:r>
+                      <a:endParaRPr lang="en-GB" dirty="0"/>
+                    </a:p>
+                  </a:txBody>
+                  <a:tcPr>
+                    <a:solidFill>
+                      <a:schemeClr val="accent1">
+                        <a:lumMod val="20000"/>
+                        <a:lumOff val="80000"/>
+                      </a:schemeClr>
+                    </a:solidFill>
+                  </a:tcPr>
+                </a:tc>
+                <a:tc>
+                  <a:txBody>
+                    <a:bodyPr/>
+                    <a:lstStyle/>
+                    <a:p>
+                      <a:r>
+                        <a:rPr lang="en-IN" dirty="0" smtClean="0"/>
+                        <a:t>6 Nodes &gt;</a:t>
+                      </a:r>
+                      <a:r>
+                        <a:rPr lang="en-IN" baseline="0" dirty="0" smtClean="0"/>
+                        <a:t> 0.5</a:t>
+                      </a:r>
+                      <a:endParaRPr lang="en-GB" dirty="0"/>
+                    </a:p>
+                  </a:txBody>
+                  <a:tcPr>
+                    <a:solidFill>
+                      <a:schemeClr val="accent6">
+                        <a:lumMod val="60000"/>
+                        <a:lumOff val="40000"/>
+                      </a:schemeClr>
+                    </a:solidFill>
+                  </a:tcPr>
+                </a:tc>
+                <a:tc>
+                  <a:txBody>
+                    <a:bodyPr/>
+                    <a:lstStyle/>
+                    <a:p>
+                      <a:r>
+                        <a:rPr lang="en-IN" dirty="0" smtClean="0"/>
+                        <a:t>3 Nodes &gt;</a:t>
+                      </a:r>
+                      <a:r>
+                        <a:rPr lang="en-IN" baseline="0" dirty="0" smtClean="0"/>
+                        <a:t> 0.5</a:t>
+                      </a:r>
+                      <a:endParaRPr lang="en-GB" dirty="0"/>
+                    </a:p>
+                  </a:txBody>
+                  <a:tcPr>
+                    <a:solidFill>
+                      <a:schemeClr val="accent6">
+                        <a:lumMod val="60000"/>
+                        <a:lumOff val="40000"/>
+                      </a:schemeClr>
+                    </a:solidFill>
+                  </a:tcPr>
+                </a:tc>
+                <a:tc>
+                  <a:txBody>
+                    <a:bodyPr/>
+                    <a:lstStyle/>
+                    <a:p>
+                      <a:r>
+                        <a:rPr lang="en-IN" dirty="0" smtClean="0"/>
+                        <a:t>8 Nodes &gt;</a:t>
+                      </a:r>
+                      <a:r>
+                        <a:rPr lang="en-IN" baseline="0" dirty="0" smtClean="0"/>
+                        <a:t> 0.5</a:t>
+                      </a:r>
+                      <a:endParaRPr lang="en-GB" dirty="0"/>
+                    </a:p>
+                  </a:txBody>
+                  <a:tcPr/>
+                </a:tc>
+                <a:tc>
+                  <a:txBody>
+                    <a:bodyPr/>
+                    <a:lstStyle/>
+                    <a:p>
+                      <a:r>
+                        <a:rPr lang="en-IN" dirty="0" smtClean="0"/>
+                        <a:t>8 Nodes &gt;</a:t>
+                      </a:r>
+                      <a:r>
+                        <a:rPr lang="en-IN" baseline="0" dirty="0" smtClean="0"/>
+                        <a:t> 0.5</a:t>
+                      </a:r>
+                      <a:endParaRPr lang="en-GB" dirty="0"/>
+                    </a:p>
+                  </a:txBody>
+                  <a:tcPr/>
+                </a:tc>
+              </a:tr>
+            </a:tbl>
+          </a:graphicData>
+        </a:graphic>
+      </p:graphicFrame>
+      <p:sp>
+        <p:nvSpPr>
+          <p:cNvPr id="5" name="Rectangle 4"/>
+          <p:cNvSpPr/>
           <p:nvPr/>
-        </p:nvPicPr>
-        <p:blipFill>
-          <a:blip r:embed="rId2">
-            <a:extLst>
-              <a:ext uri="{28A0092B-C50C-407E-A947-70E740481C1C}">
-                <a14:useLocalDpi xmlns:a14="http://schemas.microsoft.com/office/drawing/2010/main" val="0"/>
-              </a:ext>
-            </a:extLst>
-          </a:blip>
-          <a:stretch>
-            <a:fillRect/>
-          </a:stretch>
-        </p:blipFill>
+        </p:nvSpPr>
         <p:spPr>
           <a:xfrm>
-            <a:off x="326502" y="2140564"/>
-            <a:ext cx="5366932" cy="4036399"/>
+            <a:off x="838199" y="5289751"/>
+            <a:ext cx="6166449" cy="369332"/>
           </a:xfrm>
           <a:prstGeom prst="rect">
             <a:avLst/>
           </a:prstGeom>
         </p:spPr>
-      </p:pic>
-      <p:pic>
-        <p:nvPicPr>
-          <p:cNvPr id="4" name="Picture 3"/>
-          <p:cNvPicPr>
-            <a:picLocks noChangeAspect="1"/>
-          </p:cNvPicPr>
-          <p:nvPr/>
-        </p:nvPicPr>
-        <p:blipFill>
-          <a:blip r:embed="rId3">
-            <a:extLst>
-              <a:ext uri="{28A0092B-C50C-407E-A947-70E740481C1C}">
-                <a14:useLocalDpi xmlns:a14="http://schemas.microsoft.com/office/drawing/2010/main" val="0"/>
-              </a:ext>
-            </a:extLst>
-          </a:blip>
-          <a:stretch>
-            <a:fillRect/>
-          </a:stretch>
-        </p:blipFill>
-        <p:spPr>
-          <a:xfrm>
-            <a:off x="6126563" y="2140564"/>
-            <a:ext cx="5319077" cy="4036399"/>
-          </a:xfrm>
-          <a:prstGeom prst="rect">
-            <a:avLst/>
-          </a:prstGeom>
-        </p:spPr>
-      </p:pic>
+        <p:txBody>
+          <a:bodyPr wrap="square">
+            <a:spAutoFit/>
+          </a:bodyPr>
+          <a:lstStyle/>
+          <a:p>
+            <a:pPr marL="285750" indent="-285750">
+              <a:buFont typeface="Arial" panose="020B0604020202020204" pitchFamily="34" charset="0"/>
+              <a:buChar char="•"/>
+            </a:pPr>
+            <a:r>
+              <a:rPr lang="en-GB" dirty="0"/>
+              <a:t>Similarity: </a:t>
+            </a:r>
+            <a:r>
+              <a:rPr lang="de-DE" dirty="0" smtClean="0"/>
+              <a:t>Graph2 &gt;Graph1 &gt; Graph3</a:t>
+            </a:r>
+            <a:r>
+              <a:rPr lang="en-GB" dirty="0" smtClean="0"/>
+              <a:t> </a:t>
+            </a:r>
+            <a:r>
+              <a:rPr lang="de-DE" dirty="0" smtClean="0"/>
+              <a:t>&gt; Graph4 = Graph5 </a:t>
+            </a:r>
+            <a:endParaRPr lang="en-GB" dirty="0"/>
+          </a:p>
+        </p:txBody>
+      </p:sp>
     </p:spTree>
     <p:extLst>
       <p:ext uri="{BB962C8B-B14F-4D97-AF65-F5344CB8AC3E}">
-        <p14:creationId xmlns:p14="http://schemas.microsoft.com/office/powerpoint/2010/main" val="3317452403"/>
+        <p14:creationId xmlns:p14="http://schemas.microsoft.com/office/powerpoint/2010/main" val="148692832"/>
       </p:ext>
     </p:extLst>
   </p:cSld>
@@ -13525,13 +15146,7 @@
       </p:grpSpPr>
       <p:sp>
         <p:nvSpPr>
-          <p:cNvPr id="2" name="Title 1">
-            <a:extLst>
-              <a:ext uri="{FF2B5EF4-FFF2-40B4-BE49-F238E27FC236}">
-                <a16:creationId xmlns:a16="http://schemas.microsoft.com/office/drawing/2014/main" xmlns="" id="{5115C648-66B8-49BE-B33E-D2150B203B24}"/>
-              </a:ext>
-            </a:extLst>
-          </p:cNvPr>
+          <p:cNvPr id="2" name="Title 1"/>
           <p:cNvSpPr>
             <a:spLocks noGrp="1"/>
           </p:cNvSpPr>
@@ -13541,188 +15156,45 @@
         </p:nvSpPr>
         <p:spPr/>
         <p:txBody>
-          <a:bodyPr/>
-          <a:lstStyle/>
-          <a:p>
-            <a:r>
-              <a:rPr lang="en-US" dirty="0" smtClean="0"/>
-              <a:t>Connection Analysis</a:t>
-            </a:r>
-            <a:br>
-              <a:rPr lang="en-US" dirty="0" smtClean="0"/>
-            </a:br>
-            <a:r>
-              <a:rPr lang="en-US" sz="2800" dirty="0" smtClean="0"/>
-              <a:t>Degree Distribution</a:t>
-            </a:r>
-            <a:endParaRPr lang="en-US" sz="2800" dirty="0"/>
-          </a:p>
-        </p:txBody>
-      </p:sp>
-      <p:sp>
-        <p:nvSpPr>
-          <p:cNvPr id="3" name="Content Placeholder 2">
-            <a:extLst>
-              <a:ext uri="{FF2B5EF4-FFF2-40B4-BE49-F238E27FC236}">
-                <a16:creationId xmlns:a16="http://schemas.microsoft.com/office/drawing/2014/main" xmlns="" id="{B7CBAD27-F7D7-45FE-9E5B-0B22E29CC45E}"/>
-              </a:ext>
-            </a:extLst>
-          </p:cNvPr>
-          <p:cNvSpPr>
-            <a:spLocks noGrp="1"/>
-          </p:cNvSpPr>
-          <p:nvPr>
-            <p:ph idx="1"/>
-          </p:nvPr>
-        </p:nvSpPr>
-        <p:spPr/>
-        <p:txBody>
-          <a:bodyPr/>
-          <a:lstStyle/>
-          <a:p>
-            <a:pPr marL="0" indent="0">
-              <a:buNone/>
-            </a:pPr>
-            <a:endParaRPr lang="en-US" sz="2000" dirty="0" smtClean="0"/>
-          </a:p>
-          <a:p>
-            <a:pPr marL="0" indent="0">
-              <a:buNone/>
-            </a:pPr>
-            <a:endParaRPr lang="en-US" dirty="0" smtClean="0"/>
-          </a:p>
-          <a:p>
-            <a:pPr marL="0" indent="0">
-              <a:buNone/>
-            </a:pPr>
-            <a:endParaRPr lang="en-US" dirty="0"/>
-          </a:p>
-        </p:txBody>
-      </p:sp>
-      <p:sp>
-        <p:nvSpPr>
-          <p:cNvPr id="8" name="Rectangle 3">
-            <a:extLst>
-              <a:ext uri="{FF2B5EF4-FFF2-40B4-BE49-F238E27FC236}">
-                <a16:creationId xmlns:a16="http://schemas.microsoft.com/office/drawing/2014/main" xmlns="" id="{A59012F7-007B-4721-9046-E5B2FC83BD87}"/>
-              </a:ext>
-            </a:extLst>
-          </p:cNvPr>
-          <p:cNvSpPr>
-            <a:spLocks noChangeArrowheads="1"/>
-          </p:cNvSpPr>
-          <p:nvPr/>
-        </p:nvSpPr>
-        <p:spPr bwMode="auto">
-          <a:xfrm>
-            <a:off x="0" y="0"/>
-            <a:ext cx="12192000" cy="457200"/>
-          </a:xfrm>
-          <a:prstGeom prst="rect">
-            <a:avLst/>
-          </a:prstGeom>
-          <a:solidFill>
-            <a:srgbClr val="FFFFFF"/>
-          </a:solidFill>
-          <a:ln>
-            <a:noFill/>
-          </a:ln>
-          <a:effectLst/>
-          <a:extLst>
-            <a:ext uri="{91240B29-F687-4F45-9708-019B960494DF}">
-              <a14:hiddenLine xmlns:a14="http://schemas.microsoft.com/office/drawing/2010/main" w="9525">
-                <a:solidFill>
-                  <a:schemeClr val="tx1"/>
-                </a:solidFill>
-                <a:miter lim="800000"/>
-                <a:headEnd/>
-                <a:tailEnd/>
-              </a14:hiddenLine>
-            </a:ext>
-            <a:ext uri="{AF507438-7753-43E0-B8FC-AC1667EBCBE1}">
-              <a14:hiddenEffects xmlns:a14="http://schemas.microsoft.com/office/drawing/2010/main">
-                <a:effectLst>
-                  <a:outerShdw dist="35921" dir="2700000" algn="ctr" rotWithShape="0">
-                    <a:schemeClr val="bg2"/>
-                  </a:outerShdw>
-                </a:effectLst>
-              </a14:hiddenEffects>
-            </a:ext>
-          </a:extLst>
-        </p:spPr>
-        <p:txBody>
-          <a:bodyPr vert="horz" wrap="none" lIns="0" tIns="0" rIns="0" bIns="0" numCol="1" anchor="ctr" anchorCtr="0" compatLnSpc="1">
-            <a:prstTxWarp prst="textNoShape">
-              <a:avLst/>
-            </a:prstTxWarp>
-            <a:spAutoFit/>
+          <a:bodyPr>
+            <a:normAutofit fontScale="90000"/>
           </a:bodyPr>
           <a:lstStyle/>
           <a:p>
-            <a:pPr marL="0" marR="0" lvl="0" indent="0" algn="l" defTabSz="914400" rtl="0" eaLnBrk="0" fontAlgn="base" latinLnBrk="0" hangingPunct="0">
-              <a:lnSpc>
-                <a:spcPct val="100000"/>
-              </a:lnSpc>
-              <a:spcBef>
-                <a:spcPct val="0"/>
-              </a:spcBef>
-              <a:spcAft>
-                <a:spcPct val="0"/>
-              </a:spcAft>
-              <a:buClrTx/>
-              <a:buSzTx/>
-              <a:buFontTx/>
-              <a:buNone/>
-              <a:tabLst/>
-            </a:pPr>
-            <a:r>
-              <a:rPr kumimoji="0" lang="en-US" altLang="en-US" sz="1000" b="0" i="0" u="none" strike="noStrike" cap="none" normalizeH="0" baseline="0">
-                <a:ln>
-                  <a:noFill/>
-                </a:ln>
-                <a:solidFill>
-                  <a:srgbClr val="000000"/>
-                </a:solidFill>
-                <a:effectLst/>
-                <a:latin typeface="Courier New" panose="02070309020205020404" pitchFamily="49" charset="0"/>
-              </a:rPr>
-              <a:t>200860</a:t>
-            </a:r>
-            <a:r>
-              <a:rPr kumimoji="0" lang="en-US" altLang="en-US" sz="800" b="0" i="0" u="none" strike="noStrike" cap="none" normalizeH="0" baseline="0">
-                <a:ln>
-                  <a:noFill/>
-                </a:ln>
-                <a:solidFill>
-                  <a:schemeClr val="tx1"/>
-                </a:solidFill>
-                <a:effectLst/>
-              </a:rPr>
-              <a:t> </a:t>
-            </a:r>
-            <a:endParaRPr kumimoji="0" lang="en-US" altLang="en-US" sz="1800" b="0" i="0" u="none" strike="noStrike" cap="none" normalizeH="0" baseline="0">
-              <a:ln>
-                <a:noFill/>
-              </a:ln>
-              <a:solidFill>
-                <a:schemeClr val="tx1"/>
-              </a:solidFill>
-              <a:effectLst/>
-              <a:latin typeface="Arial" panose="020B0604020202020204" pitchFamily="34" charset="0"/>
-            </a:endParaRPr>
+            <a:r>
+              <a:rPr lang="en-IN" dirty="0" smtClean="0"/>
+              <a:t>Visualisations</a:t>
+            </a:r>
+            <a:br>
+              <a:rPr lang="en-IN" dirty="0" smtClean="0"/>
+            </a:br>
+            <a:r>
+              <a:rPr lang="en-IN" sz="2400" dirty="0" smtClean="0"/>
+              <a:t>Degree (All)</a:t>
+            </a:r>
+            <a:r>
+              <a:rPr lang="en-IN" dirty="0" smtClean="0"/>
+              <a:t/>
+            </a:r>
+            <a:br>
+              <a:rPr lang="en-IN" dirty="0" smtClean="0"/>
+            </a:br>
+            <a:endParaRPr lang="en-GB" dirty="0"/>
           </a:p>
         </p:txBody>
       </p:sp>
       <p:pic>
         <p:nvPicPr>
-          <p:cNvPr id="6" name="Picture 5"/>
+          <p:cNvPr id="4" name="Content Placeholder 3"/>
           <p:cNvPicPr>
-            <a:picLocks noChangeAspect="1"/>
+            <a:picLocks noGrp="1" noChangeAspect="1"/>
           </p:cNvPicPr>
-          <p:nvPr/>
+          <p:nvPr>
+            <p:ph idx="1"/>
+          </p:nvPr>
         </p:nvPicPr>
         <p:blipFill>
-          <a:blip r:embed="rId2">
+          <a:blip r:embed="rId2" cstate="print">
             <a:extLst>
               <a:ext uri="{28A0092B-C50C-407E-A947-70E740481C1C}">
                 <a14:useLocalDpi xmlns:a14="http://schemas.microsoft.com/office/drawing/2010/main" val="0"/>
@@ -13735,12 +15207,9 @@
         </p:blipFill>
         <p:spPr>
           <a:xfrm>
-            <a:off x="326502" y="2140564"/>
-            <a:ext cx="5366932" cy="4036399"/>
+            <a:off x="874606" y="1457778"/>
+            <a:ext cx="2874562" cy="2484493"/>
           </a:xfrm>
-          <a:prstGeom prst="rect">
-            <a:avLst/>
-          </a:prstGeom>
         </p:spPr>
       </p:pic>
       <p:pic>
@@ -13752,7 +15221,7 @@
           <p:nvPr/>
         </p:nvPicPr>
         <p:blipFill>
-          <a:blip r:embed="rId3">
+          <a:blip r:embed="rId3" cstate="print">
             <a:extLst>
               <a:ext uri="{28A0092B-C50C-407E-A947-70E740481C1C}">
                 <a14:useLocalDpi xmlns:a14="http://schemas.microsoft.com/office/drawing/2010/main" val="0"/>
@@ -13765,8 +15234,128 @@
         </p:blipFill>
         <p:spPr>
           <a:xfrm>
-            <a:off x="6019013" y="2140564"/>
-            <a:ext cx="5334787" cy="4051908"/>
+            <a:off x="4374354" y="1457778"/>
+            <a:ext cx="3443291" cy="2648400"/>
+          </a:xfrm>
+          <a:prstGeom prst="rect">
+            <a:avLst/>
+          </a:prstGeom>
+        </p:spPr>
+      </p:pic>
+      <p:pic>
+        <p:nvPicPr>
+          <p:cNvPr id="6" name="Picture 5"/>
+          <p:cNvPicPr>
+            <a:picLocks noChangeAspect="1"/>
+          </p:cNvPicPr>
+          <p:nvPr/>
+        </p:nvPicPr>
+        <p:blipFill>
+          <a:blip r:embed="rId4">
+            <a:extLst>
+              <a:ext uri="{28A0092B-C50C-407E-A947-70E740481C1C}">
+                <a14:useLocalDpi xmlns:a14="http://schemas.microsoft.com/office/drawing/2010/main" val="0"/>
+              </a:ext>
+            </a:extLst>
+          </a:blip>
+          <a:stretch>
+            <a:fillRect/>
+          </a:stretch>
+        </p:blipFill>
+        <p:spPr>
+          <a:xfrm>
+            <a:off x="7543031" y="1085131"/>
+            <a:ext cx="3513376" cy="3060313"/>
+          </a:xfrm>
+          <a:prstGeom prst="rect">
+            <a:avLst/>
+          </a:prstGeom>
+        </p:spPr>
+      </p:pic>
+      <p:pic>
+        <p:nvPicPr>
+          <p:cNvPr id="7" name="Picture 6"/>
+          <p:cNvPicPr>
+            <a:picLocks noChangeAspect="1"/>
+          </p:cNvPicPr>
+          <p:nvPr/>
+        </p:nvPicPr>
+        <p:blipFill>
+          <a:blip r:embed="rId5" cstate="print">
+            <a:extLst>
+              <a:ext uri="{28A0092B-C50C-407E-A947-70E740481C1C}">
+                <a14:useLocalDpi xmlns:a14="http://schemas.microsoft.com/office/drawing/2010/main" val="0"/>
+              </a:ext>
+            </a:extLst>
+          </a:blip>
+          <a:stretch>
+            <a:fillRect/>
+          </a:stretch>
+        </p:blipFill>
+        <p:spPr>
+          <a:xfrm>
+            <a:off x="1116980" y="3669386"/>
+            <a:ext cx="3438426" cy="3010083"/>
+          </a:xfrm>
+          <a:prstGeom prst="rect">
+            <a:avLst/>
+          </a:prstGeom>
+        </p:spPr>
+      </p:pic>
+      <p:pic>
+        <p:nvPicPr>
+          <p:cNvPr id="8" name="Picture 7"/>
+          <p:cNvPicPr>
+            <a:picLocks noChangeAspect="1"/>
+          </p:cNvPicPr>
+          <p:nvPr/>
+        </p:nvPicPr>
+        <p:blipFill>
+          <a:blip r:embed="rId6">
+            <a:extLst>
+              <a:ext uri="{28A0092B-C50C-407E-A947-70E740481C1C}">
+                <a14:useLocalDpi xmlns:a14="http://schemas.microsoft.com/office/drawing/2010/main" val="0"/>
+              </a:ext>
+            </a:extLst>
+          </a:blip>
+          <a:stretch>
+            <a:fillRect/>
+          </a:stretch>
+        </p:blipFill>
+        <p:spPr>
+          <a:xfrm>
+            <a:off x="4750699" y="3495851"/>
+            <a:ext cx="3496840" cy="3405957"/>
+          </a:xfrm>
+          <a:prstGeom prst="rect">
+            <a:avLst/>
+          </a:prstGeom>
+        </p:spPr>
+      </p:pic>
+      <p:pic>
+        <p:nvPicPr>
+          <p:cNvPr id="9" name="Picture 8"/>
+          <p:cNvPicPr>
+            <a:picLocks noChangeAspect="1"/>
+          </p:cNvPicPr>
+          <p:nvPr/>
+        </p:nvPicPr>
+        <p:blipFill>
+          <a:blip r:embed="rId7">
+            <a:extLst>
+              <a:ext uri="{28A0092B-C50C-407E-A947-70E740481C1C}">
+                <a14:useLocalDpi xmlns:a14="http://schemas.microsoft.com/office/drawing/2010/main" val="0"/>
+              </a:ext>
+            </a:extLst>
+          </a:blip>
+          <a:stretch>
+            <a:fillRect/>
+          </a:stretch>
+        </p:blipFill>
+        <p:spPr>
+          <a:xfrm>
+            <a:off x="8442832" y="3495851"/>
+            <a:ext cx="3293209" cy="3357155"/>
           </a:xfrm>
           <a:prstGeom prst="rect">
             <a:avLst/>
@@ -13776,7 +15365,7 @@
     </p:spTree>
     <p:extLst>
       <p:ext uri="{BB962C8B-B14F-4D97-AF65-F5344CB8AC3E}">
-        <p14:creationId xmlns:p14="http://schemas.microsoft.com/office/powerpoint/2010/main" val="431069028"/>
+        <p14:creationId xmlns:p14="http://schemas.microsoft.com/office/powerpoint/2010/main" val="2838434665"/>
       </p:ext>
     </p:extLst>
   </p:cSld>
@@ -13805,13 +15394,7 @@
       </p:grpSpPr>
       <p:sp>
         <p:nvSpPr>
-          <p:cNvPr id="2" name="Title 1">
-            <a:extLst>
-              <a:ext uri="{FF2B5EF4-FFF2-40B4-BE49-F238E27FC236}">
-                <a16:creationId xmlns:a16="http://schemas.microsoft.com/office/drawing/2014/main" xmlns="" id="{5115C648-66B8-49BE-B33E-D2150B203B24}"/>
-              </a:ext>
-            </a:extLst>
-          </p:cNvPr>
+          <p:cNvPr id="2" name="Title 1"/>
           <p:cNvSpPr>
             <a:spLocks noGrp="1"/>
           </p:cNvSpPr>
@@ -13825,980 +15408,203 @@
           <a:lstStyle/>
           <a:p>
             <a:r>
-              <a:rPr lang="en-US" dirty="0" smtClean="0"/>
-              <a:t>Position Analysis</a:t>
+              <a:rPr lang="en-IN" dirty="0" smtClean="0"/>
+              <a:t>Visualisation</a:t>
             </a:r>
             <a:br>
-              <a:rPr lang="en-US" dirty="0" smtClean="0"/>
+              <a:rPr lang="en-IN" dirty="0" smtClean="0"/>
             </a:br>
             <a:r>
-              <a:rPr lang="en-US" sz="2800" dirty="0" smtClean="0"/>
-              <a:t>Degrees:</a:t>
-            </a:r>
-            <a:endParaRPr lang="en-US" sz="2800" dirty="0"/>
+              <a:rPr lang="en-IN" sz="2400" dirty="0" err="1" smtClean="0"/>
+              <a:t>Betweenness</a:t>
+            </a:r>
+            <a:endParaRPr lang="en-GB" dirty="0"/>
           </a:p>
         </p:txBody>
       </p:sp>
-      <p:sp>
-        <p:nvSpPr>
-          <p:cNvPr id="3" name="Content Placeholder 2">
-            <a:extLst>
-              <a:ext uri="{FF2B5EF4-FFF2-40B4-BE49-F238E27FC236}">
-                <a16:creationId xmlns:a16="http://schemas.microsoft.com/office/drawing/2014/main" xmlns="" id="{B7CBAD27-F7D7-45FE-9E5B-0B22E29CC45E}"/>
-              </a:ext>
-            </a:extLst>
-          </p:cNvPr>
-          <p:cNvSpPr>
-            <a:spLocks noGrp="1"/>
-          </p:cNvSpPr>
+      <p:pic>
+        <p:nvPicPr>
+          <p:cNvPr id="4" name="Content Placeholder 3"/>
+          <p:cNvPicPr>
+            <a:picLocks noGrp="1" noChangeAspect="1"/>
+          </p:cNvPicPr>
           <p:nvPr>
             <p:ph idx="1"/>
           </p:nvPr>
-        </p:nvSpPr>
-        <p:spPr/>
-        <p:txBody>
-          <a:bodyPr/>
-          <a:lstStyle/>
-          <a:p>
-            <a:r>
-              <a:rPr lang="en-US" sz="2000" dirty="0" smtClean="0"/>
-              <a:t>In Degree:</a:t>
-            </a:r>
-          </a:p>
-          <a:p>
-            <a:pPr marL="0" indent="0">
-              <a:buNone/>
-            </a:pPr>
-            <a:endParaRPr lang="en-US" dirty="0" smtClean="0"/>
-          </a:p>
-          <a:p>
-            <a:pPr marL="0" indent="0">
-              <a:buNone/>
-            </a:pPr>
-            <a:endParaRPr lang="en-US" dirty="0" smtClean="0"/>
-          </a:p>
-          <a:p>
-            <a:r>
-              <a:rPr lang="en-US" sz="2000" dirty="0" smtClean="0"/>
-              <a:t>Out Degree</a:t>
-            </a:r>
-            <a:endParaRPr lang="en-US" sz="2000" dirty="0"/>
-          </a:p>
-        </p:txBody>
-      </p:sp>
-      <p:sp>
-        <p:nvSpPr>
-          <p:cNvPr id="8" name="Rectangle 3">
+        </p:nvPicPr>
+        <p:blipFill>
+          <a:blip r:embed="rId2" cstate="print">
             <a:extLst>
-              <a:ext uri="{FF2B5EF4-FFF2-40B4-BE49-F238E27FC236}">
-                <a16:creationId xmlns:a16="http://schemas.microsoft.com/office/drawing/2014/main" xmlns="" id="{A59012F7-007B-4721-9046-E5B2FC83BD87}"/>
+              <a:ext uri="{28A0092B-C50C-407E-A947-70E740481C1C}">
+                <a14:useLocalDpi xmlns:a14="http://schemas.microsoft.com/office/drawing/2010/main" val="0"/>
               </a:ext>
             </a:extLst>
-          </p:cNvPr>
-          <p:cNvSpPr>
-            <a:spLocks noChangeArrowheads="1"/>
-          </p:cNvSpPr>
-          <p:nvPr/>
-        </p:nvSpPr>
-        <p:spPr bwMode="auto">
-          <a:xfrm>
-            <a:off x="0" y="0"/>
-            <a:ext cx="12192000" cy="457200"/>
-          </a:xfrm>
-          <a:prstGeom prst="rect">
-            <a:avLst/>
-          </a:prstGeom>
-          <a:solidFill>
-            <a:srgbClr val="FFFFFF"/>
-          </a:solidFill>
-          <a:ln>
-            <a:noFill/>
-          </a:ln>
-          <a:effectLst/>
-          <a:extLst>
-            <a:ext uri="{91240B29-F687-4F45-9708-019B960494DF}">
-              <a14:hiddenLine xmlns:a14="http://schemas.microsoft.com/office/drawing/2010/main" w="9525">
-                <a:solidFill>
-                  <a:schemeClr val="tx1"/>
-                </a:solidFill>
-                <a:miter lim="800000"/>
-                <a:headEnd/>
-                <a:tailEnd/>
-              </a14:hiddenLine>
-            </a:ext>
-            <a:ext uri="{AF507438-7753-43E0-B8FC-AC1667EBCBE1}">
-              <a14:hiddenEffects xmlns:a14="http://schemas.microsoft.com/office/drawing/2010/main">
-                <a:effectLst>
-                  <a:outerShdw dist="35921" dir="2700000" algn="ctr" rotWithShape="0">
-                    <a:schemeClr val="bg2"/>
-                  </a:outerShdw>
-                </a:effectLst>
-              </a14:hiddenEffects>
-            </a:ext>
-          </a:extLst>
-        </p:spPr>
-        <p:txBody>
-          <a:bodyPr vert="horz" wrap="none" lIns="0" tIns="0" rIns="0" bIns="0" numCol="1" anchor="ctr" anchorCtr="0" compatLnSpc="1">
-            <a:prstTxWarp prst="textNoShape">
-              <a:avLst/>
-            </a:prstTxWarp>
-            <a:spAutoFit/>
-          </a:bodyPr>
-          <a:lstStyle/>
-          <a:p>
-            <a:pPr marL="0" marR="0" lvl="0" indent="0" algn="l" defTabSz="914400" rtl="0" eaLnBrk="0" fontAlgn="base" latinLnBrk="0" hangingPunct="0">
-              <a:lnSpc>
-                <a:spcPct val="100000"/>
-              </a:lnSpc>
-              <a:spcBef>
-                <a:spcPct val="0"/>
-              </a:spcBef>
-              <a:spcAft>
-                <a:spcPct val="0"/>
-              </a:spcAft>
-              <a:buClrTx/>
-              <a:buSzTx/>
-              <a:buFontTx/>
-              <a:buNone/>
-              <a:tabLst/>
-            </a:pPr>
-            <a:r>
-              <a:rPr kumimoji="0" lang="en-US" altLang="en-US" sz="1000" b="0" i="0" u="none" strike="noStrike" cap="none" normalizeH="0" baseline="0">
-                <a:ln>
-                  <a:noFill/>
-                </a:ln>
-                <a:solidFill>
-                  <a:srgbClr val="000000"/>
-                </a:solidFill>
-                <a:effectLst/>
-                <a:latin typeface="Courier New" panose="02070309020205020404" pitchFamily="49" charset="0"/>
-              </a:rPr>
-              <a:t>200860</a:t>
-            </a:r>
-            <a:r>
-              <a:rPr kumimoji="0" lang="en-US" altLang="en-US" sz="800" b="0" i="0" u="none" strike="noStrike" cap="none" normalizeH="0" baseline="0">
-                <a:ln>
-                  <a:noFill/>
-                </a:ln>
-                <a:solidFill>
-                  <a:schemeClr val="tx1"/>
-                </a:solidFill>
-                <a:effectLst/>
-              </a:rPr>
-              <a:t> </a:t>
-            </a:r>
-            <a:endParaRPr kumimoji="0" lang="en-US" altLang="en-US" sz="1800" b="0" i="0" u="none" strike="noStrike" cap="none" normalizeH="0" baseline="0">
-              <a:ln>
-                <a:noFill/>
-              </a:ln>
-              <a:solidFill>
-                <a:schemeClr val="tx1"/>
-              </a:solidFill>
-              <a:effectLst/>
-              <a:latin typeface="Arial" panose="020B0604020202020204" pitchFamily="34" charset="0"/>
-            </a:endParaRPr>
-          </a:p>
-        </p:txBody>
-      </p:sp>
-      <p:graphicFrame>
-        <p:nvGraphicFramePr>
-          <p:cNvPr id="4" name="Table 3"/>
-          <p:cNvGraphicFramePr>
-            <a:graphicFrameLocks noGrp="1"/>
-          </p:cNvGraphicFramePr>
-          <p:nvPr>
-            <p:extLst>
-              <p:ext uri="{D42A27DB-BD31-4B8C-83A1-F6EECF244321}">
-                <p14:modId xmlns:p14="http://schemas.microsoft.com/office/powerpoint/2010/main" val="577895563"/>
-              </p:ext>
-            </p:extLst>
-          </p:nvPr>
-        </p:nvGraphicFramePr>
-        <p:xfrm>
-          <a:off x="1816340" y="2278136"/>
-          <a:ext cx="8128002" cy="741110"/>
-        </p:xfrm>
-        <a:graphic>
-          <a:graphicData uri="http://schemas.openxmlformats.org/drawingml/2006/table">
-            <a:tbl>
-              <a:tblPr firstRow="1" bandRow="1">
-                <a:tableStyleId>{5C22544A-7EE6-4342-B048-85BDC9FD1C3A}</a:tableStyleId>
-              </a:tblPr>
-              <a:tblGrid>
-                <a:gridCol w="1354667"/>
-                <a:gridCol w="1354667"/>
-                <a:gridCol w="1354667"/>
-                <a:gridCol w="1354667"/>
-                <a:gridCol w="1354667"/>
-                <a:gridCol w="1354667"/>
-              </a:tblGrid>
-              <a:tr h="370555">
-                <a:tc>
-                  <a:txBody>
-                    <a:bodyPr/>
-                    <a:lstStyle/>
-                    <a:p>
-                      <a:r>
-                        <a:rPr lang="en-IN" dirty="0" smtClean="0"/>
-                        <a:t>Template</a:t>
-                      </a:r>
-                      <a:endParaRPr lang="en-GB" dirty="0"/>
-                    </a:p>
-                  </a:txBody>
-                  <a:tcPr/>
-                </a:tc>
-                <a:tc>
-                  <a:txBody>
-                    <a:bodyPr/>
-                    <a:lstStyle/>
-                    <a:p>
-                      <a:r>
-                        <a:rPr lang="en-IN" dirty="0" smtClean="0"/>
-                        <a:t>G1</a:t>
-                      </a:r>
-                      <a:endParaRPr lang="en-GB" dirty="0"/>
-                    </a:p>
-                  </a:txBody>
-                  <a:tcPr/>
-                </a:tc>
-                <a:tc>
-                  <a:txBody>
-                    <a:bodyPr/>
-                    <a:lstStyle/>
-                    <a:p>
-                      <a:r>
-                        <a:rPr lang="en-IN" dirty="0" smtClean="0"/>
-                        <a:t>G2</a:t>
-                      </a:r>
-                      <a:endParaRPr lang="en-GB" dirty="0"/>
-                    </a:p>
-                  </a:txBody>
-                  <a:tcPr/>
-                </a:tc>
-                <a:tc>
-                  <a:txBody>
-                    <a:bodyPr/>
-                    <a:lstStyle/>
-                    <a:p>
-                      <a:r>
-                        <a:rPr lang="en-IN" dirty="0" smtClean="0"/>
-                        <a:t>G3</a:t>
-                      </a:r>
-                      <a:endParaRPr lang="en-GB" dirty="0"/>
-                    </a:p>
-                  </a:txBody>
-                  <a:tcPr/>
-                </a:tc>
-                <a:tc>
-                  <a:txBody>
-                    <a:bodyPr/>
-                    <a:lstStyle/>
-                    <a:p>
-                      <a:r>
-                        <a:rPr lang="en-IN" dirty="0" smtClean="0"/>
-                        <a:t>G4</a:t>
-                      </a:r>
-                      <a:endParaRPr lang="en-GB" dirty="0"/>
-                    </a:p>
-                  </a:txBody>
-                  <a:tcPr/>
-                </a:tc>
-                <a:tc>
-                  <a:txBody>
-                    <a:bodyPr/>
-                    <a:lstStyle/>
-                    <a:p>
-                      <a:r>
-                        <a:rPr lang="en-IN" dirty="0" smtClean="0"/>
-                        <a:t>G5</a:t>
-                      </a:r>
-                      <a:endParaRPr lang="en-GB" dirty="0"/>
-                    </a:p>
-                  </a:txBody>
-                  <a:tcPr/>
-                </a:tc>
-              </a:tr>
-              <a:tr h="370555">
-                <a:tc>
-                  <a:txBody>
-                    <a:bodyPr/>
-                    <a:lstStyle/>
-                    <a:p>
-                      <a:r>
-                        <a:rPr lang="en-GB" dirty="0" smtClean="0"/>
-                        <a:t>0-72</a:t>
-                      </a:r>
-                      <a:endParaRPr lang="en-GB" dirty="0"/>
-                    </a:p>
-                  </a:txBody>
-                  <a:tcPr>
-                    <a:solidFill>
-                      <a:schemeClr val="accent6">
-                        <a:lumMod val="60000"/>
-                        <a:lumOff val="40000"/>
-                      </a:schemeClr>
-                    </a:solidFill>
-                  </a:tcPr>
-                </a:tc>
-                <a:tc>
-                  <a:txBody>
-                    <a:bodyPr/>
-                    <a:lstStyle/>
-                    <a:p>
-                      <a:r>
-                        <a:rPr lang="en-GB" dirty="0" smtClean="0"/>
-                        <a:t>0-64</a:t>
-                      </a:r>
-                      <a:endParaRPr lang="en-GB" dirty="0"/>
-                    </a:p>
-                  </a:txBody>
-                  <a:tcPr>
-                    <a:solidFill>
-                      <a:schemeClr val="accent6">
-                        <a:lumMod val="60000"/>
-                        <a:lumOff val="40000"/>
-                      </a:schemeClr>
-                    </a:solidFill>
-                  </a:tcPr>
-                </a:tc>
-                <a:tc>
-                  <a:txBody>
-                    <a:bodyPr/>
-                    <a:lstStyle/>
-                    <a:p>
-                      <a:r>
-                        <a:rPr lang="en-GB" dirty="0" smtClean="0"/>
-                        <a:t>0-96</a:t>
-                      </a:r>
-                      <a:endParaRPr lang="en-GB" dirty="0"/>
-                    </a:p>
-                  </a:txBody>
-                  <a:tcPr>
-                    <a:solidFill>
-                      <a:schemeClr val="accent6">
-                        <a:lumMod val="60000"/>
-                        <a:lumOff val="40000"/>
-                      </a:schemeClr>
-                    </a:solidFill>
-                  </a:tcPr>
-                </a:tc>
-                <a:tc>
-                  <a:txBody>
-                    <a:bodyPr/>
-                    <a:lstStyle/>
-                    <a:p>
-                      <a:r>
-                        <a:rPr lang="en-GB" dirty="0" smtClean="0"/>
-                        <a:t>0-36</a:t>
-                      </a:r>
-                      <a:endParaRPr lang="en-GB" dirty="0"/>
-                    </a:p>
-                  </a:txBody>
-                  <a:tcPr>
-                    <a:solidFill>
-                      <a:schemeClr val="accent1">
-                        <a:lumMod val="20000"/>
-                        <a:lumOff val="80000"/>
-                      </a:schemeClr>
-                    </a:solidFill>
-                  </a:tcPr>
-                </a:tc>
-                <a:tc>
-                  <a:txBody>
-                    <a:bodyPr/>
-                    <a:lstStyle/>
-                    <a:p>
-                      <a:r>
-                        <a:rPr lang="en-GB" dirty="0" smtClean="0"/>
-                        <a:t>0-35</a:t>
-                      </a:r>
-                      <a:endParaRPr lang="en-GB" dirty="0"/>
-                    </a:p>
-                  </a:txBody>
-                  <a:tcPr/>
-                </a:tc>
-                <a:tc>
-                  <a:txBody>
-                    <a:bodyPr/>
-                    <a:lstStyle/>
-                    <a:p>
-                      <a:r>
-                        <a:rPr lang="en-GB" dirty="0" smtClean="0"/>
-                        <a:t>0-30</a:t>
-                      </a:r>
-                      <a:endParaRPr lang="en-GB" dirty="0"/>
-                    </a:p>
-                  </a:txBody>
-                  <a:tcPr/>
-                </a:tc>
-              </a:tr>
-            </a:tbl>
-          </a:graphicData>
-        </a:graphic>
-      </p:graphicFrame>
-      <p:sp>
-        <p:nvSpPr>
-          <p:cNvPr id="5" name="Rectangle 4"/>
-          <p:cNvSpPr/>
-          <p:nvPr/>
-        </p:nvSpPr>
+          </a:blip>
+          <a:stretch>
+            <a:fillRect/>
+          </a:stretch>
+        </p:blipFill>
         <p:spPr>
           <a:xfrm>
-            <a:off x="2975379" y="6180338"/>
-            <a:ext cx="5704126" cy="369332"/>
+            <a:off x="838201" y="1690689"/>
+            <a:ext cx="3155830" cy="2601936"/>
+          </a:xfrm>
+        </p:spPr>
+      </p:pic>
+      <p:pic>
+        <p:nvPicPr>
+          <p:cNvPr id="5" name="Picture 4"/>
+          <p:cNvPicPr>
+            <a:picLocks noChangeAspect="1"/>
+          </p:cNvPicPr>
+          <p:nvPr/>
+        </p:nvPicPr>
+        <p:blipFill>
+          <a:blip r:embed="rId3" cstate="print">
+            <a:extLst>
+              <a:ext uri="{28A0092B-C50C-407E-A947-70E740481C1C}">
+                <a14:useLocalDpi xmlns:a14="http://schemas.microsoft.com/office/drawing/2010/main" val="0"/>
+              </a:ext>
+            </a:extLst>
+          </a:blip>
+          <a:stretch>
+            <a:fillRect/>
+          </a:stretch>
+        </p:blipFill>
+        <p:spPr>
+          <a:xfrm>
+            <a:off x="4823177" y="1440610"/>
+            <a:ext cx="2976113" cy="2710773"/>
           </a:xfrm>
           <a:prstGeom prst="rect">
             <a:avLst/>
           </a:prstGeom>
         </p:spPr>
-        <p:txBody>
-          <a:bodyPr wrap="none">
-            <a:spAutoFit/>
-          </a:bodyPr>
-          <a:lstStyle/>
-          <a:p>
-            <a:pPr marL="285750" indent="-285750">
-              <a:buFont typeface="Arial" panose="020B0604020202020204" pitchFamily="34" charset="0"/>
-              <a:buChar char="•"/>
-            </a:pPr>
-            <a:r>
-              <a:rPr lang="en-GB" dirty="0"/>
-              <a:t>Similarity: </a:t>
-            </a:r>
-            <a:r>
-              <a:rPr lang="de-DE" smtClean="0"/>
-              <a:t>Graph2 &gt;Graph1 &gt; </a:t>
-            </a:r>
-            <a:r>
-              <a:rPr lang="de-DE" dirty="0"/>
-              <a:t>Graph3 &gt;</a:t>
-            </a:r>
-            <a:r>
-              <a:rPr lang="de-DE" dirty="0" smtClean="0"/>
-              <a:t> Graph4 </a:t>
-            </a:r>
-            <a:r>
-              <a:rPr lang="de-DE" dirty="0"/>
-              <a:t>&gt; </a:t>
-            </a:r>
-            <a:r>
-              <a:rPr lang="de-DE" dirty="0" smtClean="0"/>
-              <a:t>Graph5</a:t>
-            </a:r>
-            <a:endParaRPr lang="en-GB" dirty="0"/>
-          </a:p>
-        </p:txBody>
-      </p:sp>
-      <p:graphicFrame>
-        <p:nvGraphicFramePr>
-          <p:cNvPr id="10" name="Table 9"/>
-          <p:cNvGraphicFramePr>
-            <a:graphicFrameLocks noGrp="1"/>
-          </p:cNvGraphicFramePr>
-          <p:nvPr>
-            <p:extLst>
-              <p:ext uri="{D42A27DB-BD31-4B8C-83A1-F6EECF244321}">
-                <p14:modId xmlns:p14="http://schemas.microsoft.com/office/powerpoint/2010/main" val="2165167082"/>
-              </p:ext>
-            </p:extLst>
-          </p:nvPr>
-        </p:nvGraphicFramePr>
-        <p:xfrm>
-          <a:off x="1816340" y="3764661"/>
-          <a:ext cx="8128002" cy="741110"/>
-        </p:xfrm>
-        <a:graphic>
-          <a:graphicData uri="http://schemas.openxmlformats.org/drawingml/2006/table">
-            <a:tbl>
-              <a:tblPr firstRow="1" bandRow="1">
-                <a:tableStyleId>{5C22544A-7EE6-4342-B048-85BDC9FD1C3A}</a:tableStyleId>
-              </a:tblPr>
-              <a:tblGrid>
-                <a:gridCol w="1354667"/>
-                <a:gridCol w="1354667"/>
-                <a:gridCol w="1354667"/>
-                <a:gridCol w="1354667"/>
-                <a:gridCol w="1354667"/>
-                <a:gridCol w="1354667"/>
-              </a:tblGrid>
-              <a:tr h="370555">
-                <a:tc>
-                  <a:txBody>
-                    <a:bodyPr/>
-                    <a:lstStyle/>
-                    <a:p>
-                      <a:r>
-                        <a:rPr lang="en-IN" dirty="0" smtClean="0"/>
-                        <a:t>Template</a:t>
-                      </a:r>
-                      <a:endParaRPr lang="en-GB" dirty="0"/>
-                    </a:p>
-                  </a:txBody>
-                  <a:tcPr/>
-                </a:tc>
-                <a:tc>
-                  <a:txBody>
-                    <a:bodyPr/>
-                    <a:lstStyle/>
-                    <a:p>
-                      <a:r>
-                        <a:rPr lang="en-IN" dirty="0" smtClean="0"/>
-                        <a:t>G1</a:t>
-                      </a:r>
-                      <a:endParaRPr lang="en-GB" dirty="0"/>
-                    </a:p>
-                  </a:txBody>
-                  <a:tcPr/>
-                </a:tc>
-                <a:tc>
-                  <a:txBody>
-                    <a:bodyPr/>
-                    <a:lstStyle/>
-                    <a:p>
-                      <a:r>
-                        <a:rPr lang="en-IN" dirty="0" smtClean="0"/>
-                        <a:t>G2</a:t>
-                      </a:r>
-                      <a:endParaRPr lang="en-GB" dirty="0"/>
-                    </a:p>
-                  </a:txBody>
-                  <a:tcPr/>
-                </a:tc>
-                <a:tc>
-                  <a:txBody>
-                    <a:bodyPr/>
-                    <a:lstStyle/>
-                    <a:p>
-                      <a:r>
-                        <a:rPr lang="en-IN" dirty="0" smtClean="0"/>
-                        <a:t>G3</a:t>
-                      </a:r>
-                      <a:endParaRPr lang="en-GB" dirty="0"/>
-                    </a:p>
-                  </a:txBody>
-                  <a:tcPr/>
-                </a:tc>
-                <a:tc>
-                  <a:txBody>
-                    <a:bodyPr/>
-                    <a:lstStyle/>
-                    <a:p>
-                      <a:r>
-                        <a:rPr lang="en-IN" dirty="0" smtClean="0"/>
-                        <a:t>G4</a:t>
-                      </a:r>
-                      <a:endParaRPr lang="en-GB" dirty="0"/>
-                    </a:p>
-                  </a:txBody>
-                  <a:tcPr/>
-                </a:tc>
-                <a:tc>
-                  <a:txBody>
-                    <a:bodyPr/>
-                    <a:lstStyle/>
-                    <a:p>
-                      <a:r>
-                        <a:rPr lang="en-IN" dirty="0" smtClean="0"/>
-                        <a:t>G5</a:t>
-                      </a:r>
-                      <a:endParaRPr lang="en-GB" dirty="0"/>
-                    </a:p>
-                  </a:txBody>
-                  <a:tcPr/>
-                </a:tc>
-              </a:tr>
-              <a:tr h="370555">
-                <a:tc>
-                  <a:txBody>
-                    <a:bodyPr/>
-                    <a:lstStyle/>
-                    <a:p>
-                      <a:r>
-                        <a:rPr lang="en-GB" dirty="0" smtClean="0"/>
-                        <a:t>0-136</a:t>
-                      </a:r>
-                      <a:endParaRPr lang="en-GB" dirty="0"/>
-                    </a:p>
-                  </a:txBody>
-                  <a:tcPr>
-                    <a:solidFill>
-                      <a:schemeClr val="accent6">
-                        <a:lumMod val="60000"/>
-                        <a:lumOff val="40000"/>
-                      </a:schemeClr>
-                    </a:solidFill>
-                  </a:tcPr>
-                </a:tc>
-                <a:tc>
-                  <a:txBody>
-                    <a:bodyPr/>
-                    <a:lstStyle/>
-                    <a:p>
-                      <a:r>
-                        <a:rPr lang="en-GB" dirty="0" smtClean="0"/>
-                        <a:t>0-77</a:t>
-                      </a:r>
-                      <a:endParaRPr lang="en-GB" dirty="0"/>
-                    </a:p>
-                  </a:txBody>
-                  <a:tcPr>
-                    <a:solidFill>
-                      <a:schemeClr val="accent6">
-                        <a:lumMod val="60000"/>
-                        <a:lumOff val="40000"/>
-                      </a:schemeClr>
-                    </a:solidFill>
-                  </a:tcPr>
-                </a:tc>
-                <a:tc>
-                  <a:txBody>
-                    <a:bodyPr/>
-                    <a:lstStyle/>
-                    <a:p>
-                      <a:r>
-                        <a:rPr lang="en-GB" dirty="0" smtClean="0"/>
-                        <a:t>0-96</a:t>
-                      </a:r>
-                      <a:endParaRPr lang="en-GB" dirty="0"/>
-                    </a:p>
-                  </a:txBody>
-                  <a:tcPr>
-                    <a:solidFill>
-                      <a:schemeClr val="accent6">
-                        <a:lumMod val="60000"/>
-                        <a:lumOff val="40000"/>
-                      </a:schemeClr>
-                    </a:solidFill>
-                  </a:tcPr>
-                </a:tc>
-                <a:tc>
-                  <a:txBody>
-                    <a:bodyPr/>
-                    <a:lstStyle/>
-                    <a:p>
-                      <a:r>
-                        <a:rPr lang="en-GB" dirty="0" smtClean="0"/>
-                        <a:t>0-50</a:t>
-                      </a:r>
-                      <a:endParaRPr lang="en-GB" dirty="0"/>
-                    </a:p>
-                  </a:txBody>
-                  <a:tcPr>
-                    <a:solidFill>
-                      <a:schemeClr val="accent1">
-                        <a:lumMod val="20000"/>
-                        <a:lumOff val="80000"/>
-                      </a:schemeClr>
-                    </a:solidFill>
-                  </a:tcPr>
-                </a:tc>
-                <a:tc>
-                  <a:txBody>
-                    <a:bodyPr/>
-                    <a:lstStyle/>
-                    <a:p>
-                      <a:r>
-                        <a:rPr lang="en-GB" dirty="0" smtClean="0"/>
-                        <a:t>0-59</a:t>
-                      </a:r>
-                      <a:endParaRPr lang="en-GB" dirty="0"/>
-                    </a:p>
-                  </a:txBody>
-                  <a:tcPr/>
-                </a:tc>
-                <a:tc>
-                  <a:txBody>
-                    <a:bodyPr/>
-                    <a:lstStyle/>
-                    <a:p>
-                      <a:r>
-                        <a:rPr lang="en-GB" dirty="0" smtClean="0"/>
-                        <a:t>0-67</a:t>
-                      </a:r>
-                      <a:endParaRPr lang="en-GB" dirty="0"/>
-                    </a:p>
-                  </a:txBody>
-                  <a:tcPr/>
-                </a:tc>
-              </a:tr>
-            </a:tbl>
-          </a:graphicData>
-        </a:graphic>
-      </p:graphicFrame>
-      <p:graphicFrame>
-        <p:nvGraphicFramePr>
-          <p:cNvPr id="11" name="Table 10"/>
-          <p:cNvGraphicFramePr>
-            <a:graphicFrameLocks noGrp="1"/>
-          </p:cNvGraphicFramePr>
-          <p:nvPr>
-            <p:extLst>
-              <p:ext uri="{D42A27DB-BD31-4B8C-83A1-F6EECF244321}">
-                <p14:modId xmlns:p14="http://schemas.microsoft.com/office/powerpoint/2010/main" val="3984713446"/>
-              </p:ext>
-            </p:extLst>
-          </p:nvPr>
-        </p:nvGraphicFramePr>
-        <p:xfrm>
-          <a:off x="1753079" y="5066986"/>
-          <a:ext cx="8128002" cy="741110"/>
-        </p:xfrm>
-        <a:graphic>
-          <a:graphicData uri="http://schemas.openxmlformats.org/drawingml/2006/table">
-            <a:tbl>
-              <a:tblPr firstRow="1" bandRow="1">
-                <a:tableStyleId>{5C22544A-7EE6-4342-B048-85BDC9FD1C3A}</a:tableStyleId>
-              </a:tblPr>
-              <a:tblGrid>
-                <a:gridCol w="1354667"/>
-                <a:gridCol w="1354667"/>
-                <a:gridCol w="1354667"/>
-                <a:gridCol w="1354667"/>
-                <a:gridCol w="1354667"/>
-                <a:gridCol w="1354667"/>
-              </a:tblGrid>
-              <a:tr h="370555">
-                <a:tc>
-                  <a:txBody>
-                    <a:bodyPr/>
-                    <a:lstStyle/>
-                    <a:p>
-                      <a:r>
-                        <a:rPr lang="en-IN" dirty="0" smtClean="0"/>
-                        <a:t>Template</a:t>
-                      </a:r>
-                      <a:endParaRPr lang="en-GB" dirty="0"/>
-                    </a:p>
-                  </a:txBody>
-                  <a:tcPr/>
-                </a:tc>
-                <a:tc>
-                  <a:txBody>
-                    <a:bodyPr/>
-                    <a:lstStyle/>
-                    <a:p>
-                      <a:r>
-                        <a:rPr lang="en-IN" dirty="0" smtClean="0"/>
-                        <a:t>G1</a:t>
-                      </a:r>
-                      <a:endParaRPr lang="en-GB" dirty="0"/>
-                    </a:p>
-                  </a:txBody>
-                  <a:tcPr/>
-                </a:tc>
-                <a:tc>
-                  <a:txBody>
-                    <a:bodyPr/>
-                    <a:lstStyle/>
-                    <a:p>
-                      <a:r>
-                        <a:rPr lang="en-IN" dirty="0" smtClean="0"/>
-                        <a:t>G2</a:t>
-                      </a:r>
-                      <a:endParaRPr lang="en-GB" dirty="0"/>
-                    </a:p>
-                  </a:txBody>
-                  <a:tcPr/>
-                </a:tc>
-                <a:tc>
-                  <a:txBody>
-                    <a:bodyPr/>
-                    <a:lstStyle/>
-                    <a:p>
-                      <a:r>
-                        <a:rPr lang="en-IN" dirty="0" smtClean="0"/>
-                        <a:t>G3</a:t>
-                      </a:r>
-                      <a:endParaRPr lang="en-GB" dirty="0"/>
-                    </a:p>
-                  </a:txBody>
-                  <a:tcPr/>
-                </a:tc>
-                <a:tc>
-                  <a:txBody>
-                    <a:bodyPr/>
-                    <a:lstStyle/>
-                    <a:p>
-                      <a:r>
-                        <a:rPr lang="en-IN" dirty="0" smtClean="0"/>
-                        <a:t>G4</a:t>
-                      </a:r>
-                      <a:endParaRPr lang="en-GB" dirty="0"/>
-                    </a:p>
-                  </a:txBody>
-                  <a:tcPr/>
-                </a:tc>
-                <a:tc>
-                  <a:txBody>
-                    <a:bodyPr/>
-                    <a:lstStyle/>
-                    <a:p>
-                      <a:r>
-                        <a:rPr lang="en-IN" dirty="0" smtClean="0"/>
-                        <a:t>G5</a:t>
-                      </a:r>
-                      <a:endParaRPr lang="en-GB" dirty="0"/>
-                    </a:p>
-                  </a:txBody>
-                  <a:tcPr/>
-                </a:tc>
-              </a:tr>
-              <a:tr h="370555">
-                <a:tc>
-                  <a:txBody>
-                    <a:bodyPr/>
-                    <a:lstStyle/>
-                    <a:p>
-                      <a:r>
-                        <a:rPr lang="en-GB" dirty="0" smtClean="0"/>
-                        <a:t>1-208</a:t>
-                      </a:r>
-                      <a:endParaRPr lang="en-GB" dirty="0"/>
-                    </a:p>
-                  </a:txBody>
-                  <a:tcPr>
-                    <a:solidFill>
-                      <a:schemeClr val="accent6">
-                        <a:lumMod val="60000"/>
-                        <a:lumOff val="40000"/>
-                      </a:schemeClr>
-                    </a:solidFill>
-                  </a:tcPr>
-                </a:tc>
-                <a:tc>
-                  <a:txBody>
-                    <a:bodyPr/>
-                    <a:lstStyle/>
-                    <a:p>
-                      <a:r>
-                        <a:rPr lang="en-GB" dirty="0" smtClean="0"/>
-                        <a:t>1-135</a:t>
-                      </a:r>
-                      <a:endParaRPr lang="en-GB" dirty="0"/>
-                    </a:p>
-                  </a:txBody>
-                  <a:tcPr>
-                    <a:solidFill>
-                      <a:schemeClr val="accent6">
-                        <a:lumMod val="60000"/>
-                        <a:lumOff val="40000"/>
-                      </a:schemeClr>
-                    </a:solidFill>
-                  </a:tcPr>
-                </a:tc>
-                <a:tc>
-                  <a:txBody>
-                    <a:bodyPr/>
-                    <a:lstStyle/>
-                    <a:p>
-                      <a:r>
-                        <a:rPr lang="en-GB" dirty="0" smtClean="0"/>
-                        <a:t>1-192</a:t>
-                      </a:r>
-                      <a:endParaRPr lang="en-GB" dirty="0"/>
-                    </a:p>
-                  </a:txBody>
-                  <a:tcPr>
-                    <a:solidFill>
-                      <a:schemeClr val="accent6">
-                        <a:lumMod val="60000"/>
-                        <a:lumOff val="40000"/>
-                      </a:schemeClr>
-                    </a:solidFill>
-                  </a:tcPr>
-                </a:tc>
-                <a:tc>
-                  <a:txBody>
-                    <a:bodyPr/>
-                    <a:lstStyle/>
-                    <a:p>
-                      <a:r>
-                        <a:rPr lang="en-GB" dirty="0" smtClean="0"/>
-                        <a:t>1-68</a:t>
-                      </a:r>
-                      <a:endParaRPr lang="en-GB" dirty="0"/>
-                    </a:p>
-                  </a:txBody>
-                  <a:tcPr>
-                    <a:solidFill>
-                      <a:schemeClr val="accent1">
-                        <a:lumMod val="20000"/>
-                        <a:lumOff val="80000"/>
-                      </a:schemeClr>
-                    </a:solidFill>
-                  </a:tcPr>
-                </a:tc>
-                <a:tc>
-                  <a:txBody>
-                    <a:bodyPr/>
-                    <a:lstStyle/>
-                    <a:p>
-                      <a:r>
-                        <a:rPr lang="en-GB" dirty="0" smtClean="0"/>
-                        <a:t>1-64</a:t>
-                      </a:r>
-                      <a:endParaRPr lang="en-GB" dirty="0"/>
-                    </a:p>
-                  </a:txBody>
-                  <a:tcPr/>
-                </a:tc>
-                <a:tc>
-                  <a:txBody>
-                    <a:bodyPr/>
-                    <a:lstStyle/>
-                    <a:p>
-                      <a:r>
-                        <a:rPr lang="en-GB" dirty="0" smtClean="0"/>
-                        <a:t>1-72</a:t>
-                      </a:r>
-                      <a:endParaRPr lang="en-GB" dirty="0"/>
-                    </a:p>
-                  </a:txBody>
-                  <a:tcPr/>
-                </a:tc>
-              </a:tr>
-            </a:tbl>
-          </a:graphicData>
-        </a:graphic>
-      </p:graphicFrame>
-      <p:sp>
-        <p:nvSpPr>
-          <p:cNvPr id="7" name="TextBox 6"/>
-          <p:cNvSpPr txBox="1"/>
+      </p:pic>
+      <p:pic>
+        <p:nvPicPr>
+          <p:cNvPr id="6" name="Picture 5"/>
+          <p:cNvPicPr>
+            <a:picLocks noChangeAspect="1"/>
+          </p:cNvPicPr>
           <p:nvPr/>
-        </p:nvSpPr>
+        </p:nvPicPr>
+        <p:blipFill>
+          <a:blip r:embed="rId4" cstate="print">
+            <a:extLst>
+              <a:ext uri="{28A0092B-C50C-407E-A947-70E740481C1C}">
+                <a14:useLocalDpi xmlns:a14="http://schemas.microsoft.com/office/drawing/2010/main" val="0"/>
+              </a:ext>
+            </a:extLst>
+          </a:blip>
+          <a:stretch>
+            <a:fillRect/>
+          </a:stretch>
+        </p:blipFill>
         <p:spPr>
           <a:xfrm>
-            <a:off x="863840" y="4698119"/>
-            <a:ext cx="1905000" cy="369332"/>
+            <a:off x="7927675" y="1440610"/>
+            <a:ext cx="3554510" cy="2822019"/>
           </a:xfrm>
           <a:prstGeom prst="rect">
             <a:avLst/>
           </a:prstGeom>
-          <a:noFill/>
         </p:spPr>
-        <p:txBody>
-          <a:bodyPr wrap="square" rtlCol="0">
-            <a:spAutoFit/>
-          </a:bodyPr>
-          <a:lstStyle/>
-          <a:p>
-            <a:pPr marL="285750" indent="-285750">
-              <a:buFont typeface="Arial" panose="020B0604020202020204" pitchFamily="34" charset="0"/>
-              <a:buChar char="•"/>
-            </a:pPr>
-            <a:r>
-              <a:rPr lang="en-IN" dirty="0" smtClean="0"/>
-              <a:t>All</a:t>
-            </a:r>
-            <a:endParaRPr lang="en-GB" dirty="0"/>
-          </a:p>
-        </p:txBody>
-      </p:sp>
+      </p:pic>
+      <p:pic>
+        <p:nvPicPr>
+          <p:cNvPr id="7" name="Picture 6"/>
+          <p:cNvPicPr>
+            <a:picLocks noChangeAspect="1"/>
+          </p:cNvPicPr>
+          <p:nvPr/>
+        </p:nvPicPr>
+        <p:blipFill>
+          <a:blip r:embed="rId5" cstate="print">
+            <a:extLst>
+              <a:ext uri="{28A0092B-C50C-407E-A947-70E740481C1C}">
+                <a14:useLocalDpi xmlns:a14="http://schemas.microsoft.com/office/drawing/2010/main" val="0"/>
+              </a:ext>
+            </a:extLst>
+          </a:blip>
+          <a:stretch>
+            <a:fillRect/>
+          </a:stretch>
+        </p:blipFill>
+        <p:spPr>
+          <a:xfrm>
+            <a:off x="1224951" y="4019910"/>
+            <a:ext cx="2971912" cy="2545881"/>
+          </a:xfrm>
+          <a:prstGeom prst="rect">
+            <a:avLst/>
+          </a:prstGeom>
+        </p:spPr>
+      </p:pic>
+      <p:pic>
+        <p:nvPicPr>
+          <p:cNvPr id="8" name="Picture 7"/>
+          <p:cNvPicPr>
+            <a:picLocks noChangeAspect="1"/>
+          </p:cNvPicPr>
+          <p:nvPr/>
+        </p:nvPicPr>
+        <p:blipFill>
+          <a:blip r:embed="rId6" cstate="print">
+            <a:extLst>
+              <a:ext uri="{28A0092B-C50C-407E-A947-70E740481C1C}">
+                <a14:useLocalDpi xmlns:a14="http://schemas.microsoft.com/office/drawing/2010/main" val="0"/>
+              </a:ext>
+            </a:extLst>
+          </a:blip>
+          <a:stretch>
+            <a:fillRect/>
+          </a:stretch>
+        </p:blipFill>
+        <p:spPr>
+          <a:xfrm>
+            <a:off x="5113986" y="3777770"/>
+            <a:ext cx="2685304" cy="2788021"/>
+          </a:xfrm>
+          <a:prstGeom prst="rect">
+            <a:avLst/>
+          </a:prstGeom>
+        </p:spPr>
+      </p:pic>
+      <p:pic>
+        <p:nvPicPr>
+          <p:cNvPr id="9" name="Picture 8"/>
+          <p:cNvPicPr>
+            <a:picLocks noChangeAspect="1"/>
+          </p:cNvPicPr>
+          <p:nvPr/>
+        </p:nvPicPr>
+        <p:blipFill>
+          <a:blip r:embed="rId7" cstate="print">
+            <a:extLst>
+              <a:ext uri="{28A0092B-C50C-407E-A947-70E740481C1C}">
+                <a14:useLocalDpi xmlns:a14="http://schemas.microsoft.com/office/drawing/2010/main" val="0"/>
+              </a:ext>
+            </a:extLst>
+          </a:blip>
+          <a:stretch>
+            <a:fillRect/>
+          </a:stretch>
+        </p:blipFill>
+        <p:spPr>
+          <a:xfrm>
+            <a:off x="8628436" y="3777770"/>
+            <a:ext cx="3025427" cy="2673023"/>
+          </a:xfrm>
+          <a:prstGeom prst="rect">
+            <a:avLst/>
+          </a:prstGeom>
+        </p:spPr>
+      </p:pic>
     </p:spTree>
     <p:extLst>
       <p:ext uri="{BB962C8B-B14F-4D97-AF65-F5344CB8AC3E}">
-        <p14:creationId xmlns:p14="http://schemas.microsoft.com/office/powerpoint/2010/main" val="3861480746"/>
+        <p14:creationId xmlns:p14="http://schemas.microsoft.com/office/powerpoint/2010/main" val="3788389735"/>
       </p:ext>
     </p:extLst>
   </p:cSld>
@@ -14809,6 +15615,245 @@
 </file>
 
 <file path=ppt/slides/slide33.xml><?xml version="1.0" encoding="utf-8"?>
+<p:sld xmlns:a="http://schemas.openxmlformats.org/drawingml/2006/main" xmlns:r="http://schemas.openxmlformats.org/officeDocument/2006/relationships" xmlns:p="http://schemas.openxmlformats.org/presentationml/2006/main">
+  <p:cSld>
+    <p:spTree>
+      <p:nvGrpSpPr>
+        <p:cNvPr id="1" name=""/>
+        <p:cNvGrpSpPr/>
+        <p:nvPr/>
+      </p:nvGrpSpPr>
+      <p:grpSpPr>
+        <a:xfrm>
+          <a:off x="0" y="0"/>
+          <a:ext cx="0" cy="0"/>
+          <a:chOff x="0" y="0"/>
+          <a:chExt cx="0" cy="0"/>
+        </a:xfrm>
+      </p:grpSpPr>
+      <p:sp>
+        <p:nvSpPr>
+          <p:cNvPr id="2" name="Title 1"/>
+          <p:cNvSpPr>
+            <a:spLocks noGrp="1"/>
+          </p:cNvSpPr>
+          <p:nvPr>
+            <p:ph type="title"/>
+          </p:nvPr>
+        </p:nvSpPr>
+        <p:spPr/>
+        <p:txBody>
+          <a:bodyPr/>
+          <a:lstStyle/>
+          <a:p>
+            <a:r>
+              <a:rPr lang="en-IN" dirty="0" smtClean="0"/>
+              <a:t>Visualisation</a:t>
+            </a:r>
+            <a:br>
+              <a:rPr lang="en-IN" dirty="0" smtClean="0"/>
+            </a:br>
+            <a:r>
+              <a:rPr lang="en-IN" sz="2400" dirty="0" smtClean="0"/>
+              <a:t>Eigen Vector</a:t>
+            </a:r>
+            <a:endParaRPr lang="en-GB" dirty="0"/>
+          </a:p>
+        </p:txBody>
+      </p:sp>
+      <p:pic>
+        <p:nvPicPr>
+          <p:cNvPr id="4" name="Content Placeholder 3"/>
+          <p:cNvPicPr>
+            <a:picLocks noGrp="1" noChangeAspect="1"/>
+          </p:cNvPicPr>
+          <p:nvPr>
+            <p:ph idx="1"/>
+          </p:nvPr>
+        </p:nvPicPr>
+        <p:blipFill>
+          <a:blip r:embed="rId2" cstate="print">
+            <a:extLst>
+              <a:ext uri="{28A0092B-C50C-407E-A947-70E740481C1C}">
+                <a14:useLocalDpi xmlns:a14="http://schemas.microsoft.com/office/drawing/2010/main" val="0"/>
+              </a:ext>
+            </a:extLst>
+          </a:blip>
+          <a:stretch>
+            <a:fillRect/>
+          </a:stretch>
+        </p:blipFill>
+        <p:spPr>
+          <a:xfrm>
+            <a:off x="1286656" y="1837428"/>
+            <a:ext cx="2313983" cy="2000268"/>
+          </a:xfrm>
+        </p:spPr>
+      </p:pic>
+      <p:pic>
+        <p:nvPicPr>
+          <p:cNvPr id="5" name="Picture 4"/>
+          <p:cNvPicPr>
+            <a:picLocks noChangeAspect="1"/>
+          </p:cNvPicPr>
+          <p:nvPr/>
+        </p:nvPicPr>
+        <p:blipFill>
+          <a:blip r:embed="rId3" cstate="print">
+            <a:extLst>
+              <a:ext uri="{28A0092B-C50C-407E-A947-70E740481C1C}">
+                <a14:useLocalDpi xmlns:a14="http://schemas.microsoft.com/office/drawing/2010/main" val="0"/>
+              </a:ext>
+            </a:extLst>
+          </a:blip>
+          <a:stretch>
+            <a:fillRect/>
+          </a:stretch>
+        </p:blipFill>
+        <p:spPr>
+          <a:xfrm>
+            <a:off x="4563373" y="1297566"/>
+            <a:ext cx="2834250" cy="2540130"/>
+          </a:xfrm>
+          <a:prstGeom prst="rect">
+            <a:avLst/>
+          </a:prstGeom>
+        </p:spPr>
+      </p:pic>
+      <p:pic>
+        <p:nvPicPr>
+          <p:cNvPr id="6" name="Picture 5"/>
+          <p:cNvPicPr>
+            <a:picLocks noChangeAspect="1"/>
+          </p:cNvPicPr>
+          <p:nvPr/>
+        </p:nvPicPr>
+        <p:blipFill>
+          <a:blip r:embed="rId4" cstate="print">
+            <a:extLst>
+              <a:ext uri="{28A0092B-C50C-407E-A947-70E740481C1C}">
+                <a14:useLocalDpi xmlns:a14="http://schemas.microsoft.com/office/drawing/2010/main" val="0"/>
+              </a:ext>
+            </a:extLst>
+          </a:blip>
+          <a:stretch>
+            <a:fillRect/>
+          </a:stretch>
+        </p:blipFill>
+        <p:spPr>
+          <a:xfrm>
+            <a:off x="8248689" y="1224403"/>
+            <a:ext cx="2795436" cy="2493582"/>
+          </a:xfrm>
+          <a:prstGeom prst="rect">
+            <a:avLst/>
+          </a:prstGeom>
+        </p:spPr>
+      </p:pic>
+      <p:pic>
+        <p:nvPicPr>
+          <p:cNvPr id="7" name="Picture 6"/>
+          <p:cNvPicPr>
+            <a:picLocks noChangeAspect="1"/>
+          </p:cNvPicPr>
+          <p:nvPr/>
+        </p:nvPicPr>
+        <p:blipFill>
+          <a:blip r:embed="rId5" cstate="print">
+            <a:extLst>
+              <a:ext uri="{28A0092B-C50C-407E-A947-70E740481C1C}">
+                <a14:useLocalDpi xmlns:a14="http://schemas.microsoft.com/office/drawing/2010/main" val="0"/>
+              </a:ext>
+            </a:extLst>
+          </a:blip>
+          <a:stretch>
+            <a:fillRect/>
+          </a:stretch>
+        </p:blipFill>
+        <p:spPr>
+          <a:xfrm>
+            <a:off x="1286655" y="3972600"/>
+            <a:ext cx="2845397" cy="2464698"/>
+          </a:xfrm>
+          <a:prstGeom prst="rect">
+            <a:avLst/>
+          </a:prstGeom>
+        </p:spPr>
+      </p:pic>
+      <p:pic>
+        <p:nvPicPr>
+          <p:cNvPr id="8" name="Picture 7"/>
+          <p:cNvPicPr>
+            <a:picLocks noChangeAspect="1"/>
+          </p:cNvPicPr>
+          <p:nvPr/>
+        </p:nvPicPr>
+        <p:blipFill>
+          <a:blip r:embed="rId6" cstate="print">
+            <a:extLst>
+              <a:ext uri="{28A0092B-C50C-407E-A947-70E740481C1C}">
+                <a14:useLocalDpi xmlns:a14="http://schemas.microsoft.com/office/drawing/2010/main" val="0"/>
+              </a:ext>
+            </a:extLst>
+          </a:blip>
+          <a:stretch>
+            <a:fillRect/>
+          </a:stretch>
+        </p:blipFill>
+        <p:spPr>
+          <a:xfrm>
+            <a:off x="4628996" y="3977049"/>
+            <a:ext cx="2934007" cy="2527916"/>
+          </a:xfrm>
+          <a:prstGeom prst="rect">
+            <a:avLst/>
+          </a:prstGeom>
+        </p:spPr>
+      </p:pic>
+      <p:pic>
+        <p:nvPicPr>
+          <p:cNvPr id="9" name="Picture 8"/>
+          <p:cNvPicPr>
+            <a:picLocks noChangeAspect="1"/>
+          </p:cNvPicPr>
+          <p:nvPr/>
+        </p:nvPicPr>
+        <p:blipFill>
+          <a:blip r:embed="rId7" cstate="print">
+            <a:extLst>
+              <a:ext uri="{28A0092B-C50C-407E-A947-70E740481C1C}">
+                <a14:useLocalDpi xmlns:a14="http://schemas.microsoft.com/office/drawing/2010/main" val="0"/>
+              </a:ext>
+            </a:extLst>
+          </a:blip>
+          <a:stretch>
+            <a:fillRect/>
+          </a:stretch>
+        </p:blipFill>
+        <p:spPr>
+          <a:xfrm>
+            <a:off x="7937648" y="3837696"/>
+            <a:ext cx="3185148" cy="2799178"/>
+          </a:xfrm>
+          <a:prstGeom prst="rect">
+            <a:avLst/>
+          </a:prstGeom>
+        </p:spPr>
+      </p:pic>
+    </p:spTree>
+    <p:extLst>
+      <p:ext uri="{BB962C8B-B14F-4D97-AF65-F5344CB8AC3E}">
+        <p14:creationId xmlns:p14="http://schemas.microsoft.com/office/powerpoint/2010/main" val="912110750"/>
+      </p:ext>
+    </p:extLst>
+  </p:cSld>
+  <p:clrMapOvr>
+    <a:masterClrMapping/>
+  </p:clrMapOvr>
+</p:sld>
+</file>
+
+<file path=ppt/slides/slide34.xml><?xml version="1.0" encoding="utf-8"?>
 <p:sld xmlns:a="http://schemas.openxmlformats.org/drawingml/2006/main" xmlns:r="http://schemas.openxmlformats.org/officeDocument/2006/relationships" xmlns:p="http://schemas.openxmlformats.org/presentationml/2006/main">
   <p:cSld>
     <p:spTree>

--- a/Documentation/Presentation/Project_Presentation_v2.pptx
+++ b/Documentation/Presentation/Project_Presentation_v2.pptx
@@ -5,7 +5,7 @@
     <p:sldMasterId id="2147483648" r:id="rId1"/>
   </p:sldMasterIdLst>
   <p:notesMasterIdLst>
-    <p:notesMasterId r:id="rId36"/>
+    <p:notesMasterId r:id="rId46"/>
   </p:notesMasterIdLst>
   <p:sldIdLst>
     <p:sldId id="257" r:id="rId2"/>
@@ -30,18 +30,28 @@
     <p:sldId id="273" r:id="rId21"/>
     <p:sldId id="277" r:id="rId22"/>
     <p:sldId id="280" r:id="rId23"/>
-    <p:sldId id="281" r:id="rId24"/>
-    <p:sldId id="282" r:id="rId25"/>
-    <p:sldId id="283" r:id="rId26"/>
-    <p:sldId id="284" r:id="rId27"/>
-    <p:sldId id="290" r:id="rId28"/>
-    <p:sldId id="291" r:id="rId29"/>
-    <p:sldId id="292" r:id="rId30"/>
-    <p:sldId id="293" r:id="rId31"/>
-    <p:sldId id="294" r:id="rId32"/>
-    <p:sldId id="295" r:id="rId33"/>
-    <p:sldId id="296" r:id="rId34"/>
-    <p:sldId id="279" r:id="rId35"/>
+    <p:sldId id="298" r:id="rId24"/>
+    <p:sldId id="281" r:id="rId25"/>
+    <p:sldId id="282" r:id="rId26"/>
+    <p:sldId id="283" r:id="rId27"/>
+    <p:sldId id="284" r:id="rId28"/>
+    <p:sldId id="290" r:id="rId29"/>
+    <p:sldId id="291" r:id="rId30"/>
+    <p:sldId id="292" r:id="rId31"/>
+    <p:sldId id="293" r:id="rId32"/>
+    <p:sldId id="299" r:id="rId33"/>
+    <p:sldId id="300" r:id="rId34"/>
+    <p:sldId id="301" r:id="rId35"/>
+    <p:sldId id="302" r:id="rId36"/>
+    <p:sldId id="304" r:id="rId37"/>
+    <p:sldId id="305" r:id="rId38"/>
+    <p:sldId id="306" r:id="rId39"/>
+    <p:sldId id="294" r:id="rId40"/>
+    <p:sldId id="295" r:id="rId41"/>
+    <p:sldId id="296" r:id="rId42"/>
+    <p:sldId id="307" r:id="rId43"/>
+    <p:sldId id="297" r:id="rId44"/>
+    <p:sldId id="279" r:id="rId45"/>
   </p:sldIdLst>
   <p:sldSz cx="12192000" cy="6858000"/>
   <p:notesSz cx="6858000" cy="9144000"/>
@@ -646,7 +656,7 @@
           <p:cNvPr id="2" name="Title 1">
             <a:extLst>
               <a:ext uri="{FF2B5EF4-FFF2-40B4-BE49-F238E27FC236}">
-                <a16:creationId xmlns:a16="http://schemas.microsoft.com/office/drawing/2014/main" xmlns="" id="{284A2123-CC2A-4A04-B09A-EE3B4F32500D}"/>
+                <a16:creationId xmlns:a16="http://schemas.microsoft.com/office/drawing/2014/main" id="{284A2123-CC2A-4A04-B09A-EE3B4F32500D}"/>
               </a:ext>
             </a:extLst>
           </p:cNvPr>
@@ -683,7 +693,7 @@
           <p:cNvPr id="3" name="Subtitle 2">
             <a:extLst>
               <a:ext uri="{FF2B5EF4-FFF2-40B4-BE49-F238E27FC236}">
-                <a16:creationId xmlns:a16="http://schemas.microsoft.com/office/drawing/2014/main" xmlns="" id="{1B146465-F3E4-438E-849D-5F8180A6DEC8}"/>
+                <a16:creationId xmlns:a16="http://schemas.microsoft.com/office/drawing/2014/main" id="{1B146465-F3E4-438E-849D-5F8180A6DEC8}"/>
               </a:ext>
             </a:extLst>
           </p:cNvPr>
@@ -753,7 +763,7 @@
           <p:cNvPr id="4" name="Date Placeholder 3">
             <a:extLst>
               <a:ext uri="{FF2B5EF4-FFF2-40B4-BE49-F238E27FC236}">
-                <a16:creationId xmlns:a16="http://schemas.microsoft.com/office/drawing/2014/main" xmlns="" id="{8F118AA2-D399-4407-9F7B-6B682181DD8C}"/>
+                <a16:creationId xmlns:a16="http://schemas.microsoft.com/office/drawing/2014/main" id="{8F118AA2-D399-4407-9F7B-6B682181DD8C}"/>
               </a:ext>
             </a:extLst>
           </p:cNvPr>
@@ -782,7 +792,7 @@
           <p:cNvPr id="5" name="Footer Placeholder 4">
             <a:extLst>
               <a:ext uri="{FF2B5EF4-FFF2-40B4-BE49-F238E27FC236}">
-                <a16:creationId xmlns:a16="http://schemas.microsoft.com/office/drawing/2014/main" xmlns="" id="{B1360D42-289D-427C-9581-D5FFA79CC734}"/>
+                <a16:creationId xmlns:a16="http://schemas.microsoft.com/office/drawing/2014/main" id="{B1360D42-289D-427C-9581-D5FFA79CC734}"/>
               </a:ext>
             </a:extLst>
           </p:cNvPr>
@@ -807,7 +817,7 @@
           <p:cNvPr id="6" name="Slide Number Placeholder 5">
             <a:extLst>
               <a:ext uri="{FF2B5EF4-FFF2-40B4-BE49-F238E27FC236}">
-                <a16:creationId xmlns:a16="http://schemas.microsoft.com/office/drawing/2014/main" xmlns="" id="{48F93999-98E7-41AF-8A7A-BDCF167C9E5F}"/>
+                <a16:creationId xmlns:a16="http://schemas.microsoft.com/office/drawing/2014/main" id="{48F93999-98E7-41AF-8A7A-BDCF167C9E5F}"/>
               </a:ext>
             </a:extLst>
           </p:cNvPr>
@@ -866,7 +876,7 @@
           <p:cNvPr id="2" name="Title 1">
             <a:extLst>
               <a:ext uri="{FF2B5EF4-FFF2-40B4-BE49-F238E27FC236}">
-                <a16:creationId xmlns:a16="http://schemas.microsoft.com/office/drawing/2014/main" xmlns="" id="{6FCA43C3-1AFE-4306-9FFD-B9E392E6495B}"/>
+                <a16:creationId xmlns:a16="http://schemas.microsoft.com/office/drawing/2014/main" id="{6FCA43C3-1AFE-4306-9FFD-B9E392E6495B}"/>
               </a:ext>
             </a:extLst>
           </p:cNvPr>
@@ -894,7 +904,7 @@
           <p:cNvPr id="3" name="Vertical Text Placeholder 2">
             <a:extLst>
               <a:ext uri="{FF2B5EF4-FFF2-40B4-BE49-F238E27FC236}">
-                <a16:creationId xmlns:a16="http://schemas.microsoft.com/office/drawing/2014/main" xmlns="" id="{18C96133-37BC-4B7B-8415-C53478DD1B74}"/>
+                <a16:creationId xmlns:a16="http://schemas.microsoft.com/office/drawing/2014/main" id="{18C96133-37BC-4B7B-8415-C53478DD1B74}"/>
               </a:ext>
             </a:extLst>
           </p:cNvPr>
@@ -951,7 +961,7 @@
           <p:cNvPr id="4" name="Date Placeholder 3">
             <a:extLst>
               <a:ext uri="{FF2B5EF4-FFF2-40B4-BE49-F238E27FC236}">
-                <a16:creationId xmlns:a16="http://schemas.microsoft.com/office/drawing/2014/main" xmlns="" id="{3BE721F4-7D48-42E1-92F7-CB836639ADD8}"/>
+                <a16:creationId xmlns:a16="http://schemas.microsoft.com/office/drawing/2014/main" id="{3BE721F4-7D48-42E1-92F7-CB836639ADD8}"/>
               </a:ext>
             </a:extLst>
           </p:cNvPr>
@@ -980,7 +990,7 @@
           <p:cNvPr id="5" name="Footer Placeholder 4">
             <a:extLst>
               <a:ext uri="{FF2B5EF4-FFF2-40B4-BE49-F238E27FC236}">
-                <a16:creationId xmlns:a16="http://schemas.microsoft.com/office/drawing/2014/main" xmlns="" id="{C09A91EF-947B-43C4-B094-C99B32AA4311}"/>
+                <a16:creationId xmlns:a16="http://schemas.microsoft.com/office/drawing/2014/main" id="{C09A91EF-947B-43C4-B094-C99B32AA4311}"/>
               </a:ext>
             </a:extLst>
           </p:cNvPr>
@@ -1005,7 +1015,7 @@
           <p:cNvPr id="6" name="Slide Number Placeholder 5">
             <a:extLst>
               <a:ext uri="{FF2B5EF4-FFF2-40B4-BE49-F238E27FC236}">
-                <a16:creationId xmlns:a16="http://schemas.microsoft.com/office/drawing/2014/main" xmlns="" id="{C6425E30-808C-432C-ABC2-D6D3CB786333}"/>
+                <a16:creationId xmlns:a16="http://schemas.microsoft.com/office/drawing/2014/main" id="{C6425E30-808C-432C-ABC2-D6D3CB786333}"/>
               </a:ext>
             </a:extLst>
           </p:cNvPr>
@@ -1064,7 +1074,7 @@
           <p:cNvPr id="2" name="Vertical Title 1">
             <a:extLst>
               <a:ext uri="{FF2B5EF4-FFF2-40B4-BE49-F238E27FC236}">
-                <a16:creationId xmlns:a16="http://schemas.microsoft.com/office/drawing/2014/main" xmlns="" id="{B974A478-60CB-42F6-AD05-9E1D63DA3458}"/>
+                <a16:creationId xmlns:a16="http://schemas.microsoft.com/office/drawing/2014/main" id="{B974A478-60CB-42F6-AD05-9E1D63DA3458}"/>
               </a:ext>
             </a:extLst>
           </p:cNvPr>
@@ -1097,7 +1107,7 @@
           <p:cNvPr id="3" name="Vertical Text Placeholder 2">
             <a:extLst>
               <a:ext uri="{FF2B5EF4-FFF2-40B4-BE49-F238E27FC236}">
-                <a16:creationId xmlns:a16="http://schemas.microsoft.com/office/drawing/2014/main" xmlns="" id="{DE4E3DEC-26AB-4AB6-9D3A-20613E50F507}"/>
+                <a16:creationId xmlns:a16="http://schemas.microsoft.com/office/drawing/2014/main" id="{DE4E3DEC-26AB-4AB6-9D3A-20613E50F507}"/>
               </a:ext>
             </a:extLst>
           </p:cNvPr>
@@ -1159,7 +1169,7 @@
           <p:cNvPr id="4" name="Date Placeholder 3">
             <a:extLst>
               <a:ext uri="{FF2B5EF4-FFF2-40B4-BE49-F238E27FC236}">
-                <a16:creationId xmlns:a16="http://schemas.microsoft.com/office/drawing/2014/main" xmlns="" id="{347982CD-94CD-4330-94D7-9BE280C0F6AE}"/>
+                <a16:creationId xmlns:a16="http://schemas.microsoft.com/office/drawing/2014/main" id="{347982CD-94CD-4330-94D7-9BE280C0F6AE}"/>
               </a:ext>
             </a:extLst>
           </p:cNvPr>
@@ -1188,7 +1198,7 @@
           <p:cNvPr id="5" name="Footer Placeholder 4">
             <a:extLst>
               <a:ext uri="{FF2B5EF4-FFF2-40B4-BE49-F238E27FC236}">
-                <a16:creationId xmlns:a16="http://schemas.microsoft.com/office/drawing/2014/main" xmlns="" id="{03F97E6D-D50B-4732-8F74-2C9C87D1BD41}"/>
+                <a16:creationId xmlns:a16="http://schemas.microsoft.com/office/drawing/2014/main" id="{03F97E6D-D50B-4732-8F74-2C9C87D1BD41}"/>
               </a:ext>
             </a:extLst>
           </p:cNvPr>
@@ -1213,7 +1223,7 @@
           <p:cNvPr id="6" name="Slide Number Placeholder 5">
             <a:extLst>
               <a:ext uri="{FF2B5EF4-FFF2-40B4-BE49-F238E27FC236}">
-                <a16:creationId xmlns:a16="http://schemas.microsoft.com/office/drawing/2014/main" xmlns="" id="{0BD41B36-52E5-4365-BBCA-4DAA892F891A}"/>
+                <a16:creationId xmlns:a16="http://schemas.microsoft.com/office/drawing/2014/main" id="{0BD41B36-52E5-4365-BBCA-4DAA892F891A}"/>
               </a:ext>
             </a:extLst>
           </p:cNvPr>
@@ -1575,7 +1585,7 @@
           <p:cNvPr id="2" name="Title 1">
             <a:extLst>
               <a:ext uri="{FF2B5EF4-FFF2-40B4-BE49-F238E27FC236}">
-                <a16:creationId xmlns:a16="http://schemas.microsoft.com/office/drawing/2014/main" xmlns="" id="{AA391EFA-AB9E-46C0-8D63-22EAB0ED4ACF}"/>
+                <a16:creationId xmlns:a16="http://schemas.microsoft.com/office/drawing/2014/main" id="{AA391EFA-AB9E-46C0-8D63-22EAB0ED4ACF}"/>
               </a:ext>
             </a:extLst>
           </p:cNvPr>
@@ -1603,7 +1613,7 @@
           <p:cNvPr id="3" name="Content Placeholder 2">
             <a:extLst>
               <a:ext uri="{FF2B5EF4-FFF2-40B4-BE49-F238E27FC236}">
-                <a16:creationId xmlns:a16="http://schemas.microsoft.com/office/drawing/2014/main" xmlns="" id="{F1FAC976-4D44-411D-965F-38C28BCE379E}"/>
+                <a16:creationId xmlns:a16="http://schemas.microsoft.com/office/drawing/2014/main" id="{F1FAC976-4D44-411D-965F-38C28BCE379E}"/>
               </a:ext>
             </a:extLst>
           </p:cNvPr>
@@ -1660,7 +1670,7 @@
           <p:cNvPr id="4" name="Date Placeholder 3">
             <a:extLst>
               <a:ext uri="{FF2B5EF4-FFF2-40B4-BE49-F238E27FC236}">
-                <a16:creationId xmlns:a16="http://schemas.microsoft.com/office/drawing/2014/main" xmlns="" id="{35108B7C-AC19-4554-AA93-B00630F6E9DD}"/>
+                <a16:creationId xmlns:a16="http://schemas.microsoft.com/office/drawing/2014/main" id="{35108B7C-AC19-4554-AA93-B00630F6E9DD}"/>
               </a:ext>
             </a:extLst>
           </p:cNvPr>
@@ -1689,7 +1699,7 @@
           <p:cNvPr id="5" name="Footer Placeholder 4">
             <a:extLst>
               <a:ext uri="{FF2B5EF4-FFF2-40B4-BE49-F238E27FC236}">
-                <a16:creationId xmlns:a16="http://schemas.microsoft.com/office/drawing/2014/main" xmlns="" id="{095F15AC-6A1C-4D72-B0DA-C308E7C8800E}"/>
+                <a16:creationId xmlns:a16="http://schemas.microsoft.com/office/drawing/2014/main" id="{095F15AC-6A1C-4D72-B0DA-C308E7C8800E}"/>
               </a:ext>
             </a:extLst>
           </p:cNvPr>
@@ -1714,7 +1724,7 @@
           <p:cNvPr id="6" name="Slide Number Placeholder 5">
             <a:extLst>
               <a:ext uri="{FF2B5EF4-FFF2-40B4-BE49-F238E27FC236}">
-                <a16:creationId xmlns:a16="http://schemas.microsoft.com/office/drawing/2014/main" xmlns="" id="{B4E04CAC-EDD2-494A-9DAF-7D2BE2A2EC56}"/>
+                <a16:creationId xmlns:a16="http://schemas.microsoft.com/office/drawing/2014/main" id="{B4E04CAC-EDD2-494A-9DAF-7D2BE2A2EC56}"/>
               </a:ext>
             </a:extLst>
           </p:cNvPr>
@@ -1773,7 +1783,7 @@
           <p:cNvPr id="2" name="Title 1">
             <a:extLst>
               <a:ext uri="{FF2B5EF4-FFF2-40B4-BE49-F238E27FC236}">
-                <a16:creationId xmlns:a16="http://schemas.microsoft.com/office/drawing/2014/main" xmlns="" id="{F410E2E4-5535-4A23-ABAD-021F7F076CED}"/>
+                <a16:creationId xmlns:a16="http://schemas.microsoft.com/office/drawing/2014/main" id="{F410E2E4-5535-4A23-ABAD-021F7F076CED}"/>
               </a:ext>
             </a:extLst>
           </p:cNvPr>
@@ -1810,7 +1820,7 @@
           <p:cNvPr id="3" name="Text Placeholder 2">
             <a:extLst>
               <a:ext uri="{FF2B5EF4-FFF2-40B4-BE49-F238E27FC236}">
-                <a16:creationId xmlns:a16="http://schemas.microsoft.com/office/drawing/2014/main" xmlns="" id="{0C2A6E46-0F60-4BC7-829D-42909A660B30}"/>
+                <a16:creationId xmlns:a16="http://schemas.microsoft.com/office/drawing/2014/main" id="{0C2A6E46-0F60-4BC7-829D-42909A660B30}"/>
               </a:ext>
             </a:extLst>
           </p:cNvPr>
@@ -1935,7 +1945,7 @@
           <p:cNvPr id="4" name="Date Placeholder 3">
             <a:extLst>
               <a:ext uri="{FF2B5EF4-FFF2-40B4-BE49-F238E27FC236}">
-                <a16:creationId xmlns:a16="http://schemas.microsoft.com/office/drawing/2014/main" xmlns="" id="{F19ED7C4-A764-479E-B995-E566E15202AE}"/>
+                <a16:creationId xmlns:a16="http://schemas.microsoft.com/office/drawing/2014/main" id="{F19ED7C4-A764-479E-B995-E566E15202AE}"/>
               </a:ext>
             </a:extLst>
           </p:cNvPr>
@@ -1964,7 +1974,7 @@
           <p:cNvPr id="5" name="Footer Placeholder 4">
             <a:extLst>
               <a:ext uri="{FF2B5EF4-FFF2-40B4-BE49-F238E27FC236}">
-                <a16:creationId xmlns:a16="http://schemas.microsoft.com/office/drawing/2014/main" xmlns="" id="{F9FD53D5-AE7A-4D4D-815E-6757E9F558C7}"/>
+                <a16:creationId xmlns:a16="http://schemas.microsoft.com/office/drawing/2014/main" id="{F9FD53D5-AE7A-4D4D-815E-6757E9F558C7}"/>
               </a:ext>
             </a:extLst>
           </p:cNvPr>
@@ -1989,7 +1999,7 @@
           <p:cNvPr id="6" name="Slide Number Placeholder 5">
             <a:extLst>
               <a:ext uri="{FF2B5EF4-FFF2-40B4-BE49-F238E27FC236}">
-                <a16:creationId xmlns:a16="http://schemas.microsoft.com/office/drawing/2014/main" xmlns="" id="{42172E3F-EBD1-4B58-A0DD-54B6C3134CB1}"/>
+                <a16:creationId xmlns:a16="http://schemas.microsoft.com/office/drawing/2014/main" id="{42172E3F-EBD1-4B58-A0DD-54B6C3134CB1}"/>
               </a:ext>
             </a:extLst>
           </p:cNvPr>
@@ -2048,7 +2058,7 @@
           <p:cNvPr id="2" name="Title 1">
             <a:extLst>
               <a:ext uri="{FF2B5EF4-FFF2-40B4-BE49-F238E27FC236}">
-                <a16:creationId xmlns:a16="http://schemas.microsoft.com/office/drawing/2014/main" xmlns="" id="{E7228693-7E81-404A-8183-FB5C1E989EBA}"/>
+                <a16:creationId xmlns:a16="http://schemas.microsoft.com/office/drawing/2014/main" id="{E7228693-7E81-404A-8183-FB5C1E989EBA}"/>
               </a:ext>
             </a:extLst>
           </p:cNvPr>
@@ -2076,7 +2086,7 @@
           <p:cNvPr id="3" name="Content Placeholder 2">
             <a:extLst>
               <a:ext uri="{FF2B5EF4-FFF2-40B4-BE49-F238E27FC236}">
-                <a16:creationId xmlns:a16="http://schemas.microsoft.com/office/drawing/2014/main" xmlns="" id="{FE0FEB7E-A69B-47BF-A7A6-93EEC7AC8CFA}"/>
+                <a16:creationId xmlns:a16="http://schemas.microsoft.com/office/drawing/2014/main" id="{FE0FEB7E-A69B-47BF-A7A6-93EEC7AC8CFA}"/>
               </a:ext>
             </a:extLst>
           </p:cNvPr>
@@ -2138,7 +2148,7 @@
           <p:cNvPr id="4" name="Content Placeholder 3">
             <a:extLst>
               <a:ext uri="{FF2B5EF4-FFF2-40B4-BE49-F238E27FC236}">
-                <a16:creationId xmlns:a16="http://schemas.microsoft.com/office/drawing/2014/main" xmlns="" id="{206E119D-A534-4ACF-B8CD-B083ED012860}"/>
+                <a16:creationId xmlns:a16="http://schemas.microsoft.com/office/drawing/2014/main" id="{206E119D-A534-4ACF-B8CD-B083ED012860}"/>
               </a:ext>
             </a:extLst>
           </p:cNvPr>
@@ -2200,7 +2210,7 @@
           <p:cNvPr id="5" name="Date Placeholder 4">
             <a:extLst>
               <a:ext uri="{FF2B5EF4-FFF2-40B4-BE49-F238E27FC236}">
-                <a16:creationId xmlns:a16="http://schemas.microsoft.com/office/drawing/2014/main" xmlns="" id="{1874A781-05B0-4D90-8E5E-198A301224AB}"/>
+                <a16:creationId xmlns:a16="http://schemas.microsoft.com/office/drawing/2014/main" id="{1874A781-05B0-4D90-8E5E-198A301224AB}"/>
               </a:ext>
             </a:extLst>
           </p:cNvPr>
@@ -2229,7 +2239,7 @@
           <p:cNvPr id="6" name="Footer Placeholder 5">
             <a:extLst>
               <a:ext uri="{FF2B5EF4-FFF2-40B4-BE49-F238E27FC236}">
-                <a16:creationId xmlns:a16="http://schemas.microsoft.com/office/drawing/2014/main" xmlns="" id="{0474BA80-208A-4CC5-A0E3-08B43828C183}"/>
+                <a16:creationId xmlns:a16="http://schemas.microsoft.com/office/drawing/2014/main" id="{0474BA80-208A-4CC5-A0E3-08B43828C183}"/>
               </a:ext>
             </a:extLst>
           </p:cNvPr>
@@ -2254,7 +2264,7 @@
           <p:cNvPr id="7" name="Slide Number Placeholder 6">
             <a:extLst>
               <a:ext uri="{FF2B5EF4-FFF2-40B4-BE49-F238E27FC236}">
-                <a16:creationId xmlns:a16="http://schemas.microsoft.com/office/drawing/2014/main" xmlns="" id="{681494FD-310A-4C95-BC9B-79B4ACCE2420}"/>
+                <a16:creationId xmlns:a16="http://schemas.microsoft.com/office/drawing/2014/main" id="{681494FD-310A-4C95-BC9B-79B4ACCE2420}"/>
               </a:ext>
             </a:extLst>
           </p:cNvPr>
@@ -2313,7 +2323,7 @@
           <p:cNvPr id="2" name="Title 1">
             <a:extLst>
               <a:ext uri="{FF2B5EF4-FFF2-40B4-BE49-F238E27FC236}">
-                <a16:creationId xmlns:a16="http://schemas.microsoft.com/office/drawing/2014/main" xmlns="" id="{44DDCACD-7612-442C-B61E-1578E7609C6A}"/>
+                <a16:creationId xmlns:a16="http://schemas.microsoft.com/office/drawing/2014/main" id="{44DDCACD-7612-442C-B61E-1578E7609C6A}"/>
               </a:ext>
             </a:extLst>
           </p:cNvPr>
@@ -2346,7 +2356,7 @@
           <p:cNvPr id="3" name="Text Placeholder 2">
             <a:extLst>
               <a:ext uri="{FF2B5EF4-FFF2-40B4-BE49-F238E27FC236}">
-                <a16:creationId xmlns:a16="http://schemas.microsoft.com/office/drawing/2014/main" xmlns="" id="{C773E05F-4ED5-421E-9D24-F8A37DAEB348}"/>
+                <a16:creationId xmlns:a16="http://schemas.microsoft.com/office/drawing/2014/main" id="{C773E05F-4ED5-421E-9D24-F8A37DAEB348}"/>
               </a:ext>
             </a:extLst>
           </p:cNvPr>
@@ -2417,7 +2427,7 @@
           <p:cNvPr id="4" name="Content Placeholder 3">
             <a:extLst>
               <a:ext uri="{FF2B5EF4-FFF2-40B4-BE49-F238E27FC236}">
-                <a16:creationId xmlns:a16="http://schemas.microsoft.com/office/drawing/2014/main" xmlns="" id="{AC623842-3DFF-4B22-9338-7FEC53C5BFC6}"/>
+                <a16:creationId xmlns:a16="http://schemas.microsoft.com/office/drawing/2014/main" id="{AC623842-3DFF-4B22-9338-7FEC53C5BFC6}"/>
               </a:ext>
             </a:extLst>
           </p:cNvPr>
@@ -2479,7 +2489,7 @@
           <p:cNvPr id="5" name="Text Placeholder 4">
             <a:extLst>
               <a:ext uri="{FF2B5EF4-FFF2-40B4-BE49-F238E27FC236}">
-                <a16:creationId xmlns:a16="http://schemas.microsoft.com/office/drawing/2014/main" xmlns="" id="{201154FF-770E-466B-AA50-B08D65E36175}"/>
+                <a16:creationId xmlns:a16="http://schemas.microsoft.com/office/drawing/2014/main" id="{201154FF-770E-466B-AA50-B08D65E36175}"/>
               </a:ext>
             </a:extLst>
           </p:cNvPr>
@@ -2550,7 +2560,7 @@
           <p:cNvPr id="6" name="Content Placeholder 5">
             <a:extLst>
               <a:ext uri="{FF2B5EF4-FFF2-40B4-BE49-F238E27FC236}">
-                <a16:creationId xmlns:a16="http://schemas.microsoft.com/office/drawing/2014/main" xmlns="" id="{A547C2D1-9988-41D4-A0D0-CA53139FFD07}"/>
+                <a16:creationId xmlns:a16="http://schemas.microsoft.com/office/drawing/2014/main" id="{A547C2D1-9988-41D4-A0D0-CA53139FFD07}"/>
               </a:ext>
             </a:extLst>
           </p:cNvPr>
@@ -2612,7 +2622,7 @@
           <p:cNvPr id="7" name="Date Placeholder 6">
             <a:extLst>
               <a:ext uri="{FF2B5EF4-FFF2-40B4-BE49-F238E27FC236}">
-                <a16:creationId xmlns:a16="http://schemas.microsoft.com/office/drawing/2014/main" xmlns="" id="{8170E179-28A7-4022-96B3-1ED87C9B9F9D}"/>
+                <a16:creationId xmlns:a16="http://schemas.microsoft.com/office/drawing/2014/main" id="{8170E179-28A7-4022-96B3-1ED87C9B9F9D}"/>
               </a:ext>
             </a:extLst>
           </p:cNvPr>
@@ -2641,7 +2651,7 @@
           <p:cNvPr id="8" name="Footer Placeholder 7">
             <a:extLst>
               <a:ext uri="{FF2B5EF4-FFF2-40B4-BE49-F238E27FC236}">
-                <a16:creationId xmlns:a16="http://schemas.microsoft.com/office/drawing/2014/main" xmlns="" id="{5313D6F5-D350-45DB-96E2-637F404615D3}"/>
+                <a16:creationId xmlns:a16="http://schemas.microsoft.com/office/drawing/2014/main" id="{5313D6F5-D350-45DB-96E2-637F404615D3}"/>
               </a:ext>
             </a:extLst>
           </p:cNvPr>
@@ -2666,7 +2676,7 @@
           <p:cNvPr id="9" name="Slide Number Placeholder 8">
             <a:extLst>
               <a:ext uri="{FF2B5EF4-FFF2-40B4-BE49-F238E27FC236}">
-                <a16:creationId xmlns:a16="http://schemas.microsoft.com/office/drawing/2014/main" xmlns="" id="{66B26A71-056B-4994-8763-1CCF40560567}"/>
+                <a16:creationId xmlns:a16="http://schemas.microsoft.com/office/drawing/2014/main" id="{66B26A71-056B-4994-8763-1CCF40560567}"/>
               </a:ext>
             </a:extLst>
           </p:cNvPr>
@@ -2725,7 +2735,7 @@
           <p:cNvPr id="2" name="Title 1">
             <a:extLst>
               <a:ext uri="{FF2B5EF4-FFF2-40B4-BE49-F238E27FC236}">
-                <a16:creationId xmlns:a16="http://schemas.microsoft.com/office/drawing/2014/main" xmlns="" id="{7C977E38-7846-4421-B9B4-2604E8EA0662}"/>
+                <a16:creationId xmlns:a16="http://schemas.microsoft.com/office/drawing/2014/main" id="{7C977E38-7846-4421-B9B4-2604E8EA0662}"/>
               </a:ext>
             </a:extLst>
           </p:cNvPr>
@@ -2753,7 +2763,7 @@
           <p:cNvPr id="3" name="Date Placeholder 2">
             <a:extLst>
               <a:ext uri="{FF2B5EF4-FFF2-40B4-BE49-F238E27FC236}">
-                <a16:creationId xmlns:a16="http://schemas.microsoft.com/office/drawing/2014/main" xmlns="" id="{05C2D18F-B833-49E2-9013-5C7B3CA767B2}"/>
+                <a16:creationId xmlns:a16="http://schemas.microsoft.com/office/drawing/2014/main" id="{05C2D18F-B833-49E2-9013-5C7B3CA767B2}"/>
               </a:ext>
             </a:extLst>
           </p:cNvPr>
@@ -2782,7 +2792,7 @@
           <p:cNvPr id="4" name="Footer Placeholder 3">
             <a:extLst>
               <a:ext uri="{FF2B5EF4-FFF2-40B4-BE49-F238E27FC236}">
-                <a16:creationId xmlns:a16="http://schemas.microsoft.com/office/drawing/2014/main" xmlns="" id="{288AFBDA-A89F-40C2-92AC-E7FA900E9F44}"/>
+                <a16:creationId xmlns:a16="http://schemas.microsoft.com/office/drawing/2014/main" id="{288AFBDA-A89F-40C2-92AC-E7FA900E9F44}"/>
               </a:ext>
             </a:extLst>
           </p:cNvPr>
@@ -2807,7 +2817,7 @@
           <p:cNvPr id="5" name="Slide Number Placeholder 4">
             <a:extLst>
               <a:ext uri="{FF2B5EF4-FFF2-40B4-BE49-F238E27FC236}">
-                <a16:creationId xmlns:a16="http://schemas.microsoft.com/office/drawing/2014/main" xmlns="" id="{F726CC4B-2438-446C-BCF8-DEC91CF3313F}"/>
+                <a16:creationId xmlns:a16="http://schemas.microsoft.com/office/drawing/2014/main" id="{F726CC4B-2438-446C-BCF8-DEC91CF3313F}"/>
               </a:ext>
             </a:extLst>
           </p:cNvPr>
@@ -2866,7 +2876,7 @@
           <p:cNvPr id="2" name="Date Placeholder 1">
             <a:extLst>
               <a:ext uri="{FF2B5EF4-FFF2-40B4-BE49-F238E27FC236}">
-                <a16:creationId xmlns:a16="http://schemas.microsoft.com/office/drawing/2014/main" xmlns="" id="{59CEC192-0CFB-41D8-99EF-DF78FB2AB00B}"/>
+                <a16:creationId xmlns:a16="http://schemas.microsoft.com/office/drawing/2014/main" id="{59CEC192-0CFB-41D8-99EF-DF78FB2AB00B}"/>
               </a:ext>
             </a:extLst>
           </p:cNvPr>
@@ -2895,7 +2905,7 @@
           <p:cNvPr id="3" name="Footer Placeholder 2">
             <a:extLst>
               <a:ext uri="{FF2B5EF4-FFF2-40B4-BE49-F238E27FC236}">
-                <a16:creationId xmlns:a16="http://schemas.microsoft.com/office/drawing/2014/main" xmlns="" id="{4EB7AABE-FF19-49B3-B9A9-FCFEF213D7F2}"/>
+                <a16:creationId xmlns:a16="http://schemas.microsoft.com/office/drawing/2014/main" id="{4EB7AABE-FF19-49B3-B9A9-FCFEF213D7F2}"/>
               </a:ext>
             </a:extLst>
           </p:cNvPr>
@@ -2920,7 +2930,7 @@
           <p:cNvPr id="4" name="Slide Number Placeholder 3">
             <a:extLst>
               <a:ext uri="{FF2B5EF4-FFF2-40B4-BE49-F238E27FC236}">
-                <a16:creationId xmlns:a16="http://schemas.microsoft.com/office/drawing/2014/main" xmlns="" id="{2E813211-6731-4046-A104-82E4046B9E5D}"/>
+                <a16:creationId xmlns:a16="http://schemas.microsoft.com/office/drawing/2014/main" id="{2E813211-6731-4046-A104-82E4046B9E5D}"/>
               </a:ext>
             </a:extLst>
           </p:cNvPr>
@@ -2979,7 +2989,7 @@
           <p:cNvPr id="2" name="Title 1">
             <a:extLst>
               <a:ext uri="{FF2B5EF4-FFF2-40B4-BE49-F238E27FC236}">
-                <a16:creationId xmlns:a16="http://schemas.microsoft.com/office/drawing/2014/main" xmlns="" id="{F282984C-8D3D-4F0D-B6C7-B3E164D63D5B}"/>
+                <a16:creationId xmlns:a16="http://schemas.microsoft.com/office/drawing/2014/main" id="{F282984C-8D3D-4F0D-B6C7-B3E164D63D5B}"/>
               </a:ext>
             </a:extLst>
           </p:cNvPr>
@@ -3016,7 +3026,7 @@
           <p:cNvPr id="3" name="Content Placeholder 2">
             <a:extLst>
               <a:ext uri="{FF2B5EF4-FFF2-40B4-BE49-F238E27FC236}">
-                <a16:creationId xmlns:a16="http://schemas.microsoft.com/office/drawing/2014/main" xmlns="" id="{C47284E9-9010-46F1-9824-B3C05697CEE2}"/>
+                <a16:creationId xmlns:a16="http://schemas.microsoft.com/office/drawing/2014/main" id="{C47284E9-9010-46F1-9824-B3C05697CEE2}"/>
               </a:ext>
             </a:extLst>
           </p:cNvPr>
@@ -3106,7 +3116,7 @@
           <p:cNvPr id="4" name="Text Placeholder 3">
             <a:extLst>
               <a:ext uri="{FF2B5EF4-FFF2-40B4-BE49-F238E27FC236}">
-                <a16:creationId xmlns:a16="http://schemas.microsoft.com/office/drawing/2014/main" xmlns="" id="{28EA1682-7F32-4E36-ACFD-E531F8925DA3}"/>
+                <a16:creationId xmlns:a16="http://schemas.microsoft.com/office/drawing/2014/main" id="{28EA1682-7F32-4E36-ACFD-E531F8925DA3}"/>
               </a:ext>
             </a:extLst>
           </p:cNvPr>
@@ -3177,7 +3187,7 @@
           <p:cNvPr id="5" name="Date Placeholder 4">
             <a:extLst>
               <a:ext uri="{FF2B5EF4-FFF2-40B4-BE49-F238E27FC236}">
-                <a16:creationId xmlns:a16="http://schemas.microsoft.com/office/drawing/2014/main" xmlns="" id="{4ED7FD55-632E-4F79-9A7E-087FA611EAB4}"/>
+                <a16:creationId xmlns:a16="http://schemas.microsoft.com/office/drawing/2014/main" id="{4ED7FD55-632E-4F79-9A7E-087FA611EAB4}"/>
               </a:ext>
             </a:extLst>
           </p:cNvPr>
@@ -3206,7 +3216,7 @@
           <p:cNvPr id="6" name="Footer Placeholder 5">
             <a:extLst>
               <a:ext uri="{FF2B5EF4-FFF2-40B4-BE49-F238E27FC236}">
-                <a16:creationId xmlns:a16="http://schemas.microsoft.com/office/drawing/2014/main" xmlns="" id="{EDCC6EF4-C4D6-45C5-B755-5EA0E5C540F4}"/>
+                <a16:creationId xmlns:a16="http://schemas.microsoft.com/office/drawing/2014/main" id="{EDCC6EF4-C4D6-45C5-B755-5EA0E5C540F4}"/>
               </a:ext>
             </a:extLst>
           </p:cNvPr>
@@ -3231,7 +3241,7 @@
           <p:cNvPr id="7" name="Slide Number Placeholder 6">
             <a:extLst>
               <a:ext uri="{FF2B5EF4-FFF2-40B4-BE49-F238E27FC236}">
-                <a16:creationId xmlns:a16="http://schemas.microsoft.com/office/drawing/2014/main" xmlns="" id="{0BD19949-49BD-4139-A4F6-D28C0E4D59C6}"/>
+                <a16:creationId xmlns:a16="http://schemas.microsoft.com/office/drawing/2014/main" id="{0BD19949-49BD-4139-A4F6-D28C0E4D59C6}"/>
               </a:ext>
             </a:extLst>
           </p:cNvPr>
@@ -3290,7 +3300,7 @@
           <p:cNvPr id="2" name="Title 1">
             <a:extLst>
               <a:ext uri="{FF2B5EF4-FFF2-40B4-BE49-F238E27FC236}">
-                <a16:creationId xmlns:a16="http://schemas.microsoft.com/office/drawing/2014/main" xmlns="" id="{06EC0475-FB80-4883-8954-A02B53696925}"/>
+                <a16:creationId xmlns:a16="http://schemas.microsoft.com/office/drawing/2014/main" id="{06EC0475-FB80-4883-8954-A02B53696925}"/>
               </a:ext>
             </a:extLst>
           </p:cNvPr>
@@ -3327,7 +3337,7 @@
           <p:cNvPr id="3" name="Picture Placeholder 2">
             <a:extLst>
               <a:ext uri="{FF2B5EF4-FFF2-40B4-BE49-F238E27FC236}">
-                <a16:creationId xmlns:a16="http://schemas.microsoft.com/office/drawing/2014/main" xmlns="" id="{1EB2796D-A57F-40EF-96A1-3E3E75E41C1D}"/>
+                <a16:creationId xmlns:a16="http://schemas.microsoft.com/office/drawing/2014/main" id="{1EB2796D-A57F-40EF-96A1-3E3E75E41C1D}"/>
               </a:ext>
             </a:extLst>
           </p:cNvPr>
@@ -3394,7 +3404,7 @@
           <p:cNvPr id="4" name="Text Placeholder 3">
             <a:extLst>
               <a:ext uri="{FF2B5EF4-FFF2-40B4-BE49-F238E27FC236}">
-                <a16:creationId xmlns:a16="http://schemas.microsoft.com/office/drawing/2014/main" xmlns="" id="{B77B44D9-C477-4C5F-BBAE-955064BECB38}"/>
+                <a16:creationId xmlns:a16="http://schemas.microsoft.com/office/drawing/2014/main" id="{B77B44D9-C477-4C5F-BBAE-955064BECB38}"/>
               </a:ext>
             </a:extLst>
           </p:cNvPr>
@@ -3465,7 +3475,7 @@
           <p:cNvPr id="5" name="Date Placeholder 4">
             <a:extLst>
               <a:ext uri="{FF2B5EF4-FFF2-40B4-BE49-F238E27FC236}">
-                <a16:creationId xmlns:a16="http://schemas.microsoft.com/office/drawing/2014/main" xmlns="" id="{26B41616-CF67-4BB8-A43D-62EC48AD88D2}"/>
+                <a16:creationId xmlns:a16="http://schemas.microsoft.com/office/drawing/2014/main" id="{26B41616-CF67-4BB8-A43D-62EC48AD88D2}"/>
               </a:ext>
             </a:extLst>
           </p:cNvPr>
@@ -3494,7 +3504,7 @@
           <p:cNvPr id="6" name="Footer Placeholder 5">
             <a:extLst>
               <a:ext uri="{FF2B5EF4-FFF2-40B4-BE49-F238E27FC236}">
-                <a16:creationId xmlns:a16="http://schemas.microsoft.com/office/drawing/2014/main" xmlns="" id="{33E0C423-960D-43B9-850F-3D70AF11F5E7}"/>
+                <a16:creationId xmlns:a16="http://schemas.microsoft.com/office/drawing/2014/main" id="{33E0C423-960D-43B9-850F-3D70AF11F5E7}"/>
               </a:ext>
             </a:extLst>
           </p:cNvPr>
@@ -3519,7 +3529,7 @@
           <p:cNvPr id="7" name="Slide Number Placeholder 6">
             <a:extLst>
               <a:ext uri="{FF2B5EF4-FFF2-40B4-BE49-F238E27FC236}">
-                <a16:creationId xmlns:a16="http://schemas.microsoft.com/office/drawing/2014/main" xmlns="" id="{C8AA2AF3-2F67-4219-900C-E541DC45C5A1}"/>
+                <a16:creationId xmlns:a16="http://schemas.microsoft.com/office/drawing/2014/main" id="{C8AA2AF3-2F67-4219-900C-E541DC45C5A1}"/>
               </a:ext>
             </a:extLst>
           </p:cNvPr>
@@ -3583,7 +3593,7 @@
           <p:cNvPr id="2" name="Title Placeholder 1">
             <a:extLst>
               <a:ext uri="{FF2B5EF4-FFF2-40B4-BE49-F238E27FC236}">
-                <a16:creationId xmlns:a16="http://schemas.microsoft.com/office/drawing/2014/main" xmlns="" id="{700A8801-C7B7-491A-BD26-AE0894EC0758}"/>
+                <a16:creationId xmlns:a16="http://schemas.microsoft.com/office/drawing/2014/main" id="{700A8801-C7B7-491A-BD26-AE0894EC0758}"/>
               </a:ext>
             </a:extLst>
           </p:cNvPr>
@@ -3621,7 +3631,7 @@
           <p:cNvPr id="3" name="Text Placeholder 2">
             <a:extLst>
               <a:ext uri="{FF2B5EF4-FFF2-40B4-BE49-F238E27FC236}">
-                <a16:creationId xmlns:a16="http://schemas.microsoft.com/office/drawing/2014/main" xmlns="" id="{195E2F83-A828-4F11-AFDC-F3D0BA43DA4E}"/>
+                <a16:creationId xmlns:a16="http://schemas.microsoft.com/office/drawing/2014/main" id="{195E2F83-A828-4F11-AFDC-F3D0BA43DA4E}"/>
               </a:ext>
             </a:extLst>
           </p:cNvPr>
@@ -3688,7 +3698,7 @@
           <p:cNvPr id="4" name="Date Placeholder 3">
             <a:extLst>
               <a:ext uri="{FF2B5EF4-FFF2-40B4-BE49-F238E27FC236}">
-                <a16:creationId xmlns:a16="http://schemas.microsoft.com/office/drawing/2014/main" xmlns="" id="{F1D42991-03E0-42E2-A919-4B56252BC2FD}"/>
+                <a16:creationId xmlns:a16="http://schemas.microsoft.com/office/drawing/2014/main" id="{F1D42991-03E0-42E2-A919-4B56252BC2FD}"/>
               </a:ext>
             </a:extLst>
           </p:cNvPr>
@@ -3735,7 +3745,7 @@
           <p:cNvPr id="5" name="Footer Placeholder 4">
             <a:extLst>
               <a:ext uri="{FF2B5EF4-FFF2-40B4-BE49-F238E27FC236}">
-                <a16:creationId xmlns:a16="http://schemas.microsoft.com/office/drawing/2014/main" xmlns="" id="{A9B14B05-7883-4A8A-B654-E2C978A21ED7}"/>
+                <a16:creationId xmlns:a16="http://schemas.microsoft.com/office/drawing/2014/main" id="{A9B14B05-7883-4A8A-B654-E2C978A21ED7}"/>
               </a:ext>
             </a:extLst>
           </p:cNvPr>
@@ -3778,7 +3788,7 @@
           <p:cNvPr id="6" name="Slide Number Placeholder 5">
             <a:extLst>
               <a:ext uri="{FF2B5EF4-FFF2-40B4-BE49-F238E27FC236}">
-                <a16:creationId xmlns:a16="http://schemas.microsoft.com/office/drawing/2014/main" xmlns="" id="{B360A2F6-20F2-4064-B8C4-4CE6A905D5C4}"/>
+                <a16:creationId xmlns:a16="http://schemas.microsoft.com/office/drawing/2014/main" id="{B360A2F6-20F2-4064-B8C4-4CE6A905D5C4}"/>
               </a:ext>
             </a:extLst>
           </p:cNvPr>
@@ -4668,7 +4678,7 @@
           <p:cNvPr id="2" name="Title 1">
             <a:extLst>
               <a:ext uri="{FF2B5EF4-FFF2-40B4-BE49-F238E27FC236}">
-                <a16:creationId xmlns:a16="http://schemas.microsoft.com/office/drawing/2014/main" xmlns="" id="{6223038A-68E9-4682-ADF1-B26EE4C32CB9}"/>
+                <a16:creationId xmlns:a16="http://schemas.microsoft.com/office/drawing/2014/main" id="{6223038A-68E9-4682-ADF1-B26EE4C32CB9}"/>
               </a:ext>
             </a:extLst>
           </p:cNvPr>
@@ -4696,7 +4706,7 @@
           <p:cNvPr id="6" name="Table 6">
             <a:extLst>
               <a:ext uri="{FF2B5EF4-FFF2-40B4-BE49-F238E27FC236}">
-                <a16:creationId xmlns:a16="http://schemas.microsoft.com/office/drawing/2014/main" xmlns="" id="{3247C39F-7BB1-4652-A31A-B17B14CE5D4A}"/>
+                <a16:creationId xmlns:a16="http://schemas.microsoft.com/office/drawing/2014/main" id="{3247C39F-7BB1-4652-A31A-B17B14CE5D4A}"/>
               </a:ext>
             </a:extLst>
           </p:cNvPr>
@@ -4726,56 +4736,56 @@
                 <a:gridCol w="1771968">
                   <a:extLst>
                     <a:ext uri="{9D8B030D-6E8A-4147-A177-3AD203B41FA5}">
-                      <a16:colId xmlns:a16="http://schemas.microsoft.com/office/drawing/2014/main" xmlns="" val="3729389960"/>
+                      <a16:colId xmlns:a16="http://schemas.microsoft.com/office/drawing/2014/main" val="3729389960"/>
                     </a:ext>
                   </a:extLst>
                 </a:gridCol>
                 <a:gridCol w="835710">
                   <a:extLst>
                     <a:ext uri="{9D8B030D-6E8A-4147-A177-3AD203B41FA5}">
-                      <a16:colId xmlns:a16="http://schemas.microsoft.com/office/drawing/2014/main" xmlns="" val="2281435260"/>
+                      <a16:colId xmlns:a16="http://schemas.microsoft.com/office/drawing/2014/main" val="2281435260"/>
                     </a:ext>
                   </a:extLst>
                 </a:gridCol>
                 <a:gridCol w="2108825">
                   <a:extLst>
                     <a:ext uri="{9D8B030D-6E8A-4147-A177-3AD203B41FA5}">
-                      <a16:colId xmlns:a16="http://schemas.microsoft.com/office/drawing/2014/main" xmlns="" val="2072369400"/>
+                      <a16:colId xmlns:a16="http://schemas.microsoft.com/office/drawing/2014/main" val="2072369400"/>
                     </a:ext>
                   </a:extLst>
                 </a:gridCol>
                 <a:gridCol w="981041">
                   <a:extLst>
                     <a:ext uri="{9D8B030D-6E8A-4147-A177-3AD203B41FA5}">
-                      <a16:colId xmlns:a16="http://schemas.microsoft.com/office/drawing/2014/main" xmlns="" val="1567139128"/>
+                      <a16:colId xmlns:a16="http://schemas.microsoft.com/office/drawing/2014/main" val="1567139128"/>
                     </a:ext>
                   </a:extLst>
                 </a:gridCol>
                 <a:gridCol w="1133509">
                   <a:extLst>
                     <a:ext uri="{9D8B030D-6E8A-4147-A177-3AD203B41FA5}">
-                      <a16:colId xmlns:a16="http://schemas.microsoft.com/office/drawing/2014/main" xmlns="" val="2267513749"/>
+                      <a16:colId xmlns:a16="http://schemas.microsoft.com/office/drawing/2014/main" val="2267513749"/>
                     </a:ext>
                   </a:extLst>
                 </a:gridCol>
                 <a:gridCol w="1090938">
                   <a:extLst>
                     <a:ext uri="{9D8B030D-6E8A-4147-A177-3AD203B41FA5}">
-                      <a16:colId xmlns:a16="http://schemas.microsoft.com/office/drawing/2014/main" xmlns="" val="44632791"/>
+                      <a16:colId xmlns:a16="http://schemas.microsoft.com/office/drawing/2014/main" val="44632791"/>
                     </a:ext>
                   </a:extLst>
                 </a:gridCol>
                 <a:gridCol w="1107710">
                   <a:extLst>
                     <a:ext uri="{9D8B030D-6E8A-4147-A177-3AD203B41FA5}">
-                      <a16:colId xmlns:a16="http://schemas.microsoft.com/office/drawing/2014/main" xmlns="" val="3607100143"/>
+                      <a16:colId xmlns:a16="http://schemas.microsoft.com/office/drawing/2014/main" val="3607100143"/>
                     </a:ext>
                   </a:extLst>
                 </a:gridCol>
                 <a:gridCol w="1420850">
                   <a:extLst>
                     <a:ext uri="{9D8B030D-6E8A-4147-A177-3AD203B41FA5}">
-                      <a16:colId xmlns:a16="http://schemas.microsoft.com/office/drawing/2014/main" xmlns="" val="2294204304"/>
+                      <a16:colId xmlns:a16="http://schemas.microsoft.com/office/drawing/2014/main" val="2294204304"/>
                     </a:ext>
                   </a:extLst>
                 </a:gridCol>
@@ -4887,7 +4897,7 @@
                 </a:tc>
                 <a:extLst>
                   <a:ext uri="{0D108BD9-81ED-4DB2-BD59-A6C34878D82A}">
-                    <a16:rowId xmlns:a16="http://schemas.microsoft.com/office/drawing/2014/main" xmlns="" val="1271232916"/>
+                    <a16:rowId xmlns:a16="http://schemas.microsoft.com/office/drawing/2014/main" val="1271232916"/>
                   </a:ext>
                 </a:extLst>
               </a:tr>
@@ -5010,7 +5020,7 @@
                 </a:tc>
                 <a:extLst>
                   <a:ext uri="{0D108BD9-81ED-4DB2-BD59-A6C34878D82A}">
-                    <a16:rowId xmlns:a16="http://schemas.microsoft.com/office/drawing/2014/main" xmlns="" val="2779712042"/>
+                    <a16:rowId xmlns:a16="http://schemas.microsoft.com/office/drawing/2014/main" val="2779712042"/>
                   </a:ext>
                 </a:extLst>
               </a:tr>
@@ -5127,7 +5137,7 @@
                 </a:tc>
                 <a:extLst>
                   <a:ext uri="{0D108BD9-81ED-4DB2-BD59-A6C34878D82A}">
-                    <a16:rowId xmlns:a16="http://schemas.microsoft.com/office/drawing/2014/main" xmlns="" val="3255344687"/>
+                    <a16:rowId xmlns:a16="http://schemas.microsoft.com/office/drawing/2014/main" val="3255344687"/>
                   </a:ext>
                 </a:extLst>
               </a:tr>
@@ -5244,7 +5254,7 @@
                 </a:tc>
                 <a:extLst>
                   <a:ext uri="{0D108BD9-81ED-4DB2-BD59-A6C34878D82A}">
-                    <a16:rowId xmlns:a16="http://schemas.microsoft.com/office/drawing/2014/main" xmlns="" val="2416626755"/>
+                    <a16:rowId xmlns:a16="http://schemas.microsoft.com/office/drawing/2014/main" val="2416626755"/>
                   </a:ext>
                 </a:extLst>
               </a:tr>
@@ -5361,7 +5371,7 @@
                 </a:tc>
                 <a:extLst>
                   <a:ext uri="{0D108BD9-81ED-4DB2-BD59-A6C34878D82A}">
-                    <a16:rowId xmlns:a16="http://schemas.microsoft.com/office/drawing/2014/main" xmlns="" val="3388160115"/>
+                    <a16:rowId xmlns:a16="http://schemas.microsoft.com/office/drawing/2014/main" val="3388160115"/>
                   </a:ext>
                 </a:extLst>
               </a:tr>
@@ -5478,7 +5488,7 @@
                 </a:tc>
                 <a:extLst>
                   <a:ext uri="{0D108BD9-81ED-4DB2-BD59-A6C34878D82A}">
-                    <a16:rowId xmlns:a16="http://schemas.microsoft.com/office/drawing/2014/main" xmlns="" val="3416391999"/>
+                    <a16:rowId xmlns:a16="http://schemas.microsoft.com/office/drawing/2014/main" val="3416391999"/>
                   </a:ext>
                 </a:extLst>
               </a:tr>
@@ -5521,7 +5531,7 @@
           <p:cNvPr id="2" name="Title 1">
             <a:extLst>
               <a:ext uri="{FF2B5EF4-FFF2-40B4-BE49-F238E27FC236}">
-                <a16:creationId xmlns:a16="http://schemas.microsoft.com/office/drawing/2014/main" xmlns="" id="{ED585B93-BEA3-41EA-A274-24D73F7EFF94}"/>
+                <a16:creationId xmlns:a16="http://schemas.microsoft.com/office/drawing/2014/main" id="{ED585B93-BEA3-41EA-A274-24D73F7EFF94}"/>
               </a:ext>
             </a:extLst>
           </p:cNvPr>
@@ -5549,7 +5559,7 @@
           <p:cNvPr id="3" name="Content Placeholder 2">
             <a:extLst>
               <a:ext uri="{FF2B5EF4-FFF2-40B4-BE49-F238E27FC236}">
-                <a16:creationId xmlns:a16="http://schemas.microsoft.com/office/drawing/2014/main" xmlns="" id="{38E35F28-7FA4-4BCC-9693-A057F03CC0CD}"/>
+                <a16:creationId xmlns:a16="http://schemas.microsoft.com/office/drawing/2014/main" id="{38E35F28-7FA4-4BCC-9693-A057F03CC0CD}"/>
               </a:ext>
             </a:extLst>
           </p:cNvPr>
@@ -5753,7 +5763,7 @@
           <p:cNvPr id="2" name="Title 1">
             <a:extLst>
               <a:ext uri="{FF2B5EF4-FFF2-40B4-BE49-F238E27FC236}">
-                <a16:creationId xmlns:a16="http://schemas.microsoft.com/office/drawing/2014/main" xmlns="" id="{2FF40697-F87F-457B-8AAE-B94DA4E4F291}"/>
+                <a16:creationId xmlns:a16="http://schemas.microsoft.com/office/drawing/2014/main" id="{2FF40697-F87F-457B-8AAE-B94DA4E4F291}"/>
               </a:ext>
             </a:extLst>
           </p:cNvPr>
@@ -5781,7 +5791,7 @@
           <p:cNvPr id="3" name="Content Placeholder 2">
             <a:extLst>
               <a:ext uri="{FF2B5EF4-FFF2-40B4-BE49-F238E27FC236}">
-                <a16:creationId xmlns:a16="http://schemas.microsoft.com/office/drawing/2014/main" xmlns="" id="{A722E290-D32B-4DAA-873D-D3C16AA2BAAD}"/>
+                <a16:creationId xmlns:a16="http://schemas.microsoft.com/office/drawing/2014/main" id="{A722E290-D32B-4DAA-873D-D3C16AA2BAAD}"/>
               </a:ext>
             </a:extLst>
           </p:cNvPr>
@@ -5923,7 +5933,7 @@
           <p:cNvPr id="2" name="Title 1">
             <a:extLst>
               <a:ext uri="{FF2B5EF4-FFF2-40B4-BE49-F238E27FC236}">
-                <a16:creationId xmlns:a16="http://schemas.microsoft.com/office/drawing/2014/main" xmlns="" id="{1769AC8C-6A7E-45FA-9562-D9DE6754CBAD}"/>
+                <a16:creationId xmlns:a16="http://schemas.microsoft.com/office/drawing/2014/main" id="{1769AC8C-6A7E-45FA-9562-D9DE6754CBAD}"/>
               </a:ext>
             </a:extLst>
           </p:cNvPr>
@@ -5951,7 +5961,7 @@
           <p:cNvPr id="5" name="Content Placeholder 4">
             <a:extLst>
               <a:ext uri="{FF2B5EF4-FFF2-40B4-BE49-F238E27FC236}">
-                <a16:creationId xmlns:a16="http://schemas.microsoft.com/office/drawing/2014/main" xmlns="" id="{6FFFA01F-1B89-40AC-8FBE-1D847B9809EF}"/>
+                <a16:creationId xmlns:a16="http://schemas.microsoft.com/office/drawing/2014/main" id="{6FFFA01F-1B89-40AC-8FBE-1D847B9809EF}"/>
               </a:ext>
             </a:extLst>
           </p:cNvPr>
@@ -6016,7 +6026,7 @@
           <p:cNvPr id="2" name="Title 1">
             <a:extLst>
               <a:ext uri="{FF2B5EF4-FFF2-40B4-BE49-F238E27FC236}">
-                <a16:creationId xmlns:a16="http://schemas.microsoft.com/office/drawing/2014/main" xmlns="" id="{47A289F7-7C1E-46F6-850C-5C4A3205E905}"/>
+                <a16:creationId xmlns:a16="http://schemas.microsoft.com/office/drawing/2014/main" id="{47A289F7-7C1E-46F6-850C-5C4A3205E905}"/>
               </a:ext>
             </a:extLst>
           </p:cNvPr>
@@ -6044,7 +6054,7 @@
           <p:cNvPr id="3" name="Content Placeholder 2">
             <a:extLst>
               <a:ext uri="{FF2B5EF4-FFF2-40B4-BE49-F238E27FC236}">
-                <a16:creationId xmlns:a16="http://schemas.microsoft.com/office/drawing/2014/main" xmlns="" id="{5BA735FA-D620-4677-B3F9-84CA7053B1E9}"/>
+                <a16:creationId xmlns:a16="http://schemas.microsoft.com/office/drawing/2014/main" id="{5BA735FA-D620-4677-B3F9-84CA7053B1E9}"/>
               </a:ext>
             </a:extLst>
           </p:cNvPr>
@@ -6157,7 +6167,7 @@
           <p:cNvPr id="2" name="Title 1">
             <a:extLst>
               <a:ext uri="{FF2B5EF4-FFF2-40B4-BE49-F238E27FC236}">
-                <a16:creationId xmlns:a16="http://schemas.microsoft.com/office/drawing/2014/main" xmlns="" id="{693F91C1-99DE-45FC-A7F6-CBABE9975D4B}"/>
+                <a16:creationId xmlns:a16="http://schemas.microsoft.com/office/drawing/2014/main" id="{693F91C1-99DE-45FC-A7F6-CBABE9975D4B}"/>
               </a:ext>
             </a:extLst>
           </p:cNvPr>
@@ -6185,7 +6195,7 @@
           <p:cNvPr id="3" name="Content Placeholder 2">
             <a:extLst>
               <a:ext uri="{FF2B5EF4-FFF2-40B4-BE49-F238E27FC236}">
-                <a16:creationId xmlns:a16="http://schemas.microsoft.com/office/drawing/2014/main" xmlns="" id="{51965E6A-87F9-4CC2-9E30-3C857D20DF71}"/>
+                <a16:creationId xmlns:a16="http://schemas.microsoft.com/office/drawing/2014/main" id="{51965E6A-87F9-4CC2-9E30-3C857D20DF71}"/>
               </a:ext>
             </a:extLst>
           </p:cNvPr>
@@ -6269,7 +6279,7 @@
           <p:cNvPr id="2" name="Title 1">
             <a:extLst>
               <a:ext uri="{FF2B5EF4-FFF2-40B4-BE49-F238E27FC236}">
-                <a16:creationId xmlns:a16="http://schemas.microsoft.com/office/drawing/2014/main" xmlns="" id="{EC5CF48B-31CF-4E4C-B83F-C763D13AFA5E}"/>
+                <a16:creationId xmlns:a16="http://schemas.microsoft.com/office/drawing/2014/main" id="{EC5CF48B-31CF-4E4C-B83F-C763D13AFA5E}"/>
               </a:ext>
             </a:extLst>
           </p:cNvPr>
@@ -6297,7 +6307,7 @@
           <p:cNvPr id="3" name="Content Placeholder 2">
             <a:extLst>
               <a:ext uri="{FF2B5EF4-FFF2-40B4-BE49-F238E27FC236}">
-                <a16:creationId xmlns:a16="http://schemas.microsoft.com/office/drawing/2014/main" xmlns="" id="{F38A2334-8D4D-4C56-9995-8E3DB7EF990A}"/>
+                <a16:creationId xmlns:a16="http://schemas.microsoft.com/office/drawing/2014/main" id="{F38A2334-8D4D-4C56-9995-8E3DB7EF990A}"/>
               </a:ext>
             </a:extLst>
           </p:cNvPr>
@@ -6337,7 +6347,7 @@
           <p:cNvPr id="4" name="Table 4">
             <a:extLst>
               <a:ext uri="{FF2B5EF4-FFF2-40B4-BE49-F238E27FC236}">
-                <a16:creationId xmlns:a16="http://schemas.microsoft.com/office/drawing/2014/main" xmlns="" id="{70090BE0-6F6C-4744-A3FE-6D197D3417EA}"/>
+                <a16:creationId xmlns:a16="http://schemas.microsoft.com/office/drawing/2014/main" id="{70090BE0-6F6C-4744-A3FE-6D197D3417EA}"/>
               </a:ext>
             </a:extLst>
           </p:cNvPr>
@@ -6366,35 +6376,35 @@
                 <a:gridCol w="1955200">
                   <a:extLst>
                     <a:ext uri="{9D8B030D-6E8A-4147-A177-3AD203B41FA5}">
-                      <a16:colId xmlns:a16="http://schemas.microsoft.com/office/drawing/2014/main" xmlns="" val="4214309962"/>
+                      <a16:colId xmlns:a16="http://schemas.microsoft.com/office/drawing/2014/main" val="4214309962"/>
                     </a:ext>
                   </a:extLst>
                 </a:gridCol>
                 <a:gridCol w="1018082">
                   <a:extLst>
                     <a:ext uri="{9D8B030D-6E8A-4147-A177-3AD203B41FA5}">
-                      <a16:colId xmlns:a16="http://schemas.microsoft.com/office/drawing/2014/main" xmlns="" val="1220333688"/>
+                      <a16:colId xmlns:a16="http://schemas.microsoft.com/office/drawing/2014/main" val="1220333688"/>
                     </a:ext>
                   </a:extLst>
                 </a:gridCol>
                 <a:gridCol w="1018082">
                   <a:extLst>
                     <a:ext uri="{9D8B030D-6E8A-4147-A177-3AD203B41FA5}">
-                      <a16:colId xmlns:a16="http://schemas.microsoft.com/office/drawing/2014/main" xmlns="" val="2480967799"/>
+                      <a16:colId xmlns:a16="http://schemas.microsoft.com/office/drawing/2014/main" val="2480967799"/>
                     </a:ext>
                   </a:extLst>
                 </a:gridCol>
                 <a:gridCol w="1060029">
                   <a:extLst>
                     <a:ext uri="{9D8B030D-6E8A-4147-A177-3AD203B41FA5}">
-                      <a16:colId xmlns:a16="http://schemas.microsoft.com/office/drawing/2014/main" xmlns="" val="4190340588"/>
+                      <a16:colId xmlns:a16="http://schemas.microsoft.com/office/drawing/2014/main" val="4190340588"/>
                     </a:ext>
                   </a:extLst>
                 </a:gridCol>
                 <a:gridCol w="1884926">
                   <a:extLst>
                     <a:ext uri="{9D8B030D-6E8A-4147-A177-3AD203B41FA5}">
-                      <a16:colId xmlns:a16="http://schemas.microsoft.com/office/drawing/2014/main" xmlns="" val="1164797993"/>
+                      <a16:colId xmlns:a16="http://schemas.microsoft.com/office/drawing/2014/main" val="1164797993"/>
                     </a:ext>
                   </a:extLst>
                 </a:gridCol>
@@ -6467,7 +6477,7 @@
                 </a:tc>
                 <a:extLst>
                   <a:ext uri="{0D108BD9-81ED-4DB2-BD59-A6C34878D82A}">
-                    <a16:rowId xmlns:a16="http://schemas.microsoft.com/office/drawing/2014/main" xmlns="" val="1440860902"/>
+                    <a16:rowId xmlns:a16="http://schemas.microsoft.com/office/drawing/2014/main" val="1440860902"/>
                   </a:ext>
                 </a:extLst>
               </a:tr>
@@ -6566,7 +6576,7 @@
                 </a:tc>
                 <a:extLst>
                   <a:ext uri="{0D108BD9-81ED-4DB2-BD59-A6C34878D82A}">
-                    <a16:rowId xmlns:a16="http://schemas.microsoft.com/office/drawing/2014/main" xmlns="" val="3722050617"/>
+                    <a16:rowId xmlns:a16="http://schemas.microsoft.com/office/drawing/2014/main" val="3722050617"/>
                   </a:ext>
                 </a:extLst>
               </a:tr>
@@ -6664,7 +6674,7 @@
                 </a:tc>
                 <a:extLst>
                   <a:ext uri="{0D108BD9-81ED-4DB2-BD59-A6C34878D82A}">
-                    <a16:rowId xmlns:a16="http://schemas.microsoft.com/office/drawing/2014/main" xmlns="" val="750070091"/>
+                    <a16:rowId xmlns:a16="http://schemas.microsoft.com/office/drawing/2014/main" val="750070091"/>
                   </a:ext>
                 </a:extLst>
               </a:tr>
@@ -6760,7 +6770,7 @@
                 </a:tc>
                 <a:extLst>
                   <a:ext uri="{0D108BD9-81ED-4DB2-BD59-A6C34878D82A}">
-                    <a16:rowId xmlns:a16="http://schemas.microsoft.com/office/drawing/2014/main" xmlns="" val="2231563727"/>
+                    <a16:rowId xmlns:a16="http://schemas.microsoft.com/office/drawing/2014/main" val="2231563727"/>
                   </a:ext>
                 </a:extLst>
               </a:tr>
@@ -6856,7 +6866,7 @@
                 </a:tc>
                 <a:extLst>
                   <a:ext uri="{0D108BD9-81ED-4DB2-BD59-A6C34878D82A}">
-                    <a16:rowId xmlns:a16="http://schemas.microsoft.com/office/drawing/2014/main" xmlns="" val="2196828740"/>
+                    <a16:rowId xmlns:a16="http://schemas.microsoft.com/office/drawing/2014/main" val="2196828740"/>
                   </a:ext>
                 </a:extLst>
               </a:tr>
@@ -6952,7 +6962,7 @@
                 </a:tc>
                 <a:extLst>
                   <a:ext uri="{0D108BD9-81ED-4DB2-BD59-A6C34878D82A}">
-                    <a16:rowId xmlns:a16="http://schemas.microsoft.com/office/drawing/2014/main" xmlns="" val="3610824868"/>
+                    <a16:rowId xmlns:a16="http://schemas.microsoft.com/office/drawing/2014/main" val="3610824868"/>
                   </a:ext>
                 </a:extLst>
               </a:tr>
@@ -7048,7 +7058,7 @@
                 </a:tc>
                 <a:extLst>
                   <a:ext uri="{0D108BD9-81ED-4DB2-BD59-A6C34878D82A}">
-                    <a16:rowId xmlns:a16="http://schemas.microsoft.com/office/drawing/2014/main" xmlns="" val="1448076085"/>
+                    <a16:rowId xmlns:a16="http://schemas.microsoft.com/office/drawing/2014/main" val="1448076085"/>
                   </a:ext>
                 </a:extLst>
               </a:tr>
@@ -7091,7 +7101,7 @@
           <p:cNvPr id="2" name="Title 1">
             <a:extLst>
               <a:ext uri="{FF2B5EF4-FFF2-40B4-BE49-F238E27FC236}">
-                <a16:creationId xmlns:a16="http://schemas.microsoft.com/office/drawing/2014/main" xmlns="" id="{54B9F6F0-7DB3-4852-B506-FABDF5299892}"/>
+                <a16:creationId xmlns:a16="http://schemas.microsoft.com/office/drawing/2014/main" id="{54B9F6F0-7DB3-4852-B506-FABDF5299892}"/>
               </a:ext>
             </a:extLst>
           </p:cNvPr>
@@ -7119,7 +7129,7 @@
           <p:cNvPr id="7" name="Table 7">
             <a:extLst>
               <a:ext uri="{FF2B5EF4-FFF2-40B4-BE49-F238E27FC236}">
-                <a16:creationId xmlns:a16="http://schemas.microsoft.com/office/drawing/2014/main" xmlns="" id="{7990AA2E-03DD-4D73-A6DA-97E6BD92061F}"/>
+                <a16:creationId xmlns:a16="http://schemas.microsoft.com/office/drawing/2014/main" id="{7990AA2E-03DD-4D73-A6DA-97E6BD92061F}"/>
               </a:ext>
             </a:extLst>
           </p:cNvPr>
@@ -7149,63 +7159,63 @@
                 <a:gridCol w="786069">
                   <a:extLst>
                     <a:ext uri="{9D8B030D-6E8A-4147-A177-3AD203B41FA5}">
-                      <a16:colId xmlns:a16="http://schemas.microsoft.com/office/drawing/2014/main" xmlns="" val="2280984329"/>
+                      <a16:colId xmlns:a16="http://schemas.microsoft.com/office/drawing/2014/main" val="2280984329"/>
                     </a:ext>
                   </a:extLst>
                 </a:gridCol>
                 <a:gridCol w="582233">
                   <a:extLst>
                     <a:ext uri="{9D8B030D-6E8A-4147-A177-3AD203B41FA5}">
-                      <a16:colId xmlns:a16="http://schemas.microsoft.com/office/drawing/2014/main" xmlns="" val="2131263198"/>
+                      <a16:colId xmlns:a16="http://schemas.microsoft.com/office/drawing/2014/main" val="2131263198"/>
                     </a:ext>
                   </a:extLst>
                 </a:gridCol>
                 <a:gridCol w="498726">
                   <a:extLst>
                     <a:ext uri="{9D8B030D-6E8A-4147-A177-3AD203B41FA5}">
-                      <a16:colId xmlns:a16="http://schemas.microsoft.com/office/drawing/2014/main" xmlns="" val="1097013496"/>
+                      <a16:colId xmlns:a16="http://schemas.microsoft.com/office/drawing/2014/main" val="1097013496"/>
                     </a:ext>
                   </a:extLst>
                 </a:gridCol>
                 <a:gridCol w="498726">
                   <a:extLst>
                     <a:ext uri="{9D8B030D-6E8A-4147-A177-3AD203B41FA5}">
-                      <a16:colId xmlns:a16="http://schemas.microsoft.com/office/drawing/2014/main" xmlns="" val="2987665690"/>
+                      <a16:colId xmlns:a16="http://schemas.microsoft.com/office/drawing/2014/main" val="2987665690"/>
                     </a:ext>
                   </a:extLst>
                 </a:gridCol>
                 <a:gridCol w="498726">
                   <a:extLst>
                     <a:ext uri="{9D8B030D-6E8A-4147-A177-3AD203B41FA5}">
-                      <a16:colId xmlns:a16="http://schemas.microsoft.com/office/drawing/2014/main" xmlns="" val="2828808762"/>
+                      <a16:colId xmlns:a16="http://schemas.microsoft.com/office/drawing/2014/main" val="2828808762"/>
                     </a:ext>
                   </a:extLst>
                 </a:gridCol>
                 <a:gridCol w="498726">
                   <a:extLst>
                     <a:ext uri="{9D8B030D-6E8A-4147-A177-3AD203B41FA5}">
-                      <a16:colId xmlns:a16="http://schemas.microsoft.com/office/drawing/2014/main" xmlns="" val="204906864"/>
+                      <a16:colId xmlns:a16="http://schemas.microsoft.com/office/drawing/2014/main" val="204906864"/>
                     </a:ext>
                   </a:extLst>
                 </a:gridCol>
                 <a:gridCol w="498726">
                   <a:extLst>
                     <a:ext uri="{9D8B030D-6E8A-4147-A177-3AD203B41FA5}">
-                      <a16:colId xmlns:a16="http://schemas.microsoft.com/office/drawing/2014/main" xmlns="" val="1984915671"/>
+                      <a16:colId xmlns:a16="http://schemas.microsoft.com/office/drawing/2014/main" val="1984915671"/>
                     </a:ext>
                   </a:extLst>
                 </a:gridCol>
                 <a:gridCol w="498726">
                   <a:extLst>
                     <a:ext uri="{9D8B030D-6E8A-4147-A177-3AD203B41FA5}">
-                      <a16:colId xmlns:a16="http://schemas.microsoft.com/office/drawing/2014/main" xmlns="" val="1162398049"/>
+                      <a16:colId xmlns:a16="http://schemas.microsoft.com/office/drawing/2014/main" val="1162398049"/>
                     </a:ext>
                   </a:extLst>
                 </a:gridCol>
                 <a:gridCol w="498726">
                   <a:extLst>
                     <a:ext uri="{9D8B030D-6E8A-4147-A177-3AD203B41FA5}">
-                      <a16:colId xmlns:a16="http://schemas.microsoft.com/office/drawing/2014/main" xmlns="" val="3673277767"/>
+                      <a16:colId xmlns:a16="http://schemas.microsoft.com/office/drawing/2014/main" val="3673277767"/>
                     </a:ext>
                   </a:extLst>
                 </a:gridCol>
@@ -7432,7 +7442,7 @@
                 </a:tc>
                 <a:extLst>
                   <a:ext uri="{0D108BD9-81ED-4DB2-BD59-A6C34878D82A}">
-                    <a16:rowId xmlns:a16="http://schemas.microsoft.com/office/drawing/2014/main" xmlns="" val="2045821520"/>
+                    <a16:rowId xmlns:a16="http://schemas.microsoft.com/office/drawing/2014/main" val="2045821520"/>
                   </a:ext>
                 </a:extLst>
               </a:tr>
@@ -7601,7 +7611,7 @@
                 </a:tc>
                 <a:extLst>
                   <a:ext uri="{0D108BD9-81ED-4DB2-BD59-A6C34878D82A}">
-                    <a16:rowId xmlns:a16="http://schemas.microsoft.com/office/drawing/2014/main" xmlns="" val="2723981719"/>
+                    <a16:rowId xmlns:a16="http://schemas.microsoft.com/office/drawing/2014/main" val="2723981719"/>
                   </a:ext>
                 </a:extLst>
               </a:tr>
@@ -7770,7 +7780,7 @@
                 </a:tc>
                 <a:extLst>
                   <a:ext uri="{0D108BD9-81ED-4DB2-BD59-A6C34878D82A}">
-                    <a16:rowId xmlns:a16="http://schemas.microsoft.com/office/drawing/2014/main" xmlns="" val="3143795977"/>
+                    <a16:rowId xmlns:a16="http://schemas.microsoft.com/office/drawing/2014/main" val="3143795977"/>
                   </a:ext>
                 </a:extLst>
               </a:tr>
@@ -7939,7 +7949,7 @@
                 </a:tc>
                 <a:extLst>
                   <a:ext uri="{0D108BD9-81ED-4DB2-BD59-A6C34878D82A}">
-                    <a16:rowId xmlns:a16="http://schemas.microsoft.com/office/drawing/2014/main" xmlns="" val="3558029196"/>
+                    <a16:rowId xmlns:a16="http://schemas.microsoft.com/office/drawing/2014/main" val="3558029196"/>
                   </a:ext>
                 </a:extLst>
               </a:tr>
@@ -8108,7 +8118,7 @@
                 </a:tc>
                 <a:extLst>
                   <a:ext uri="{0D108BD9-81ED-4DB2-BD59-A6C34878D82A}">
-                    <a16:rowId xmlns:a16="http://schemas.microsoft.com/office/drawing/2014/main" xmlns="" val="1557115363"/>
+                    <a16:rowId xmlns:a16="http://schemas.microsoft.com/office/drawing/2014/main" val="1557115363"/>
                   </a:ext>
                 </a:extLst>
               </a:tr>
@@ -8277,7 +8287,7 @@
                 </a:tc>
                 <a:extLst>
                   <a:ext uri="{0D108BD9-81ED-4DB2-BD59-A6C34878D82A}">
-                    <a16:rowId xmlns:a16="http://schemas.microsoft.com/office/drawing/2014/main" xmlns="" val="300418311"/>
+                    <a16:rowId xmlns:a16="http://schemas.microsoft.com/office/drawing/2014/main" val="300418311"/>
                   </a:ext>
                 </a:extLst>
               </a:tr>
@@ -8452,7 +8462,7 @@
                 </a:tc>
                 <a:extLst>
                   <a:ext uri="{0D108BD9-81ED-4DB2-BD59-A6C34878D82A}">
-                    <a16:rowId xmlns:a16="http://schemas.microsoft.com/office/drawing/2014/main" xmlns="" val="915394205"/>
+                    <a16:rowId xmlns:a16="http://schemas.microsoft.com/office/drawing/2014/main" val="915394205"/>
                   </a:ext>
                 </a:extLst>
               </a:tr>
@@ -8465,7 +8475,7 @@
           <p:cNvPr id="9" name="Picture 8">
             <a:extLst>
               <a:ext uri="{FF2B5EF4-FFF2-40B4-BE49-F238E27FC236}">
-                <a16:creationId xmlns:a16="http://schemas.microsoft.com/office/drawing/2014/main" xmlns="" id="{BCC1CE06-DC1B-42E7-B1D7-16BC958A4013}"/>
+                <a16:creationId xmlns:a16="http://schemas.microsoft.com/office/drawing/2014/main" id="{BCC1CE06-DC1B-42E7-B1D7-16BC958A4013}"/>
               </a:ext>
             </a:extLst>
           </p:cNvPr>
@@ -8525,7 +8535,7 @@
           <p:cNvPr id="2" name="Title 1">
             <a:extLst>
               <a:ext uri="{FF2B5EF4-FFF2-40B4-BE49-F238E27FC236}">
-                <a16:creationId xmlns:a16="http://schemas.microsoft.com/office/drawing/2014/main" xmlns="" id="{693F91C1-99DE-45FC-A7F6-CBABE9975D4B}"/>
+                <a16:creationId xmlns:a16="http://schemas.microsoft.com/office/drawing/2014/main" id="{693F91C1-99DE-45FC-A7F6-CBABE9975D4B}"/>
               </a:ext>
             </a:extLst>
           </p:cNvPr>
@@ -8553,7 +8563,7 @@
           <p:cNvPr id="3" name="Content Placeholder 2">
             <a:extLst>
               <a:ext uri="{FF2B5EF4-FFF2-40B4-BE49-F238E27FC236}">
-                <a16:creationId xmlns:a16="http://schemas.microsoft.com/office/drawing/2014/main" xmlns="" id="{51965E6A-87F9-4CC2-9E30-3C857D20DF71}"/>
+                <a16:creationId xmlns:a16="http://schemas.microsoft.com/office/drawing/2014/main" id="{51965E6A-87F9-4CC2-9E30-3C857D20DF71}"/>
               </a:ext>
             </a:extLst>
           </p:cNvPr>
@@ -8611,7 +8621,7 @@
           <p:cNvPr id="2" name="Title 1">
             <a:extLst>
               <a:ext uri="{FF2B5EF4-FFF2-40B4-BE49-F238E27FC236}">
-                <a16:creationId xmlns:a16="http://schemas.microsoft.com/office/drawing/2014/main" xmlns="" id="{C5723F55-D07F-4E66-9BAA-754C68CE849A}"/>
+                <a16:creationId xmlns:a16="http://schemas.microsoft.com/office/drawing/2014/main" id="{C5723F55-D07F-4E66-9BAA-754C68CE849A}"/>
               </a:ext>
             </a:extLst>
           </p:cNvPr>
@@ -8639,7 +8649,7 @@
           <p:cNvPr id="3" name="Content Placeholder 2">
             <a:extLst>
               <a:ext uri="{FF2B5EF4-FFF2-40B4-BE49-F238E27FC236}">
-                <a16:creationId xmlns:a16="http://schemas.microsoft.com/office/drawing/2014/main" xmlns="" id="{CA299F92-DB79-49E7-B9D4-0B093224102D}"/>
+                <a16:creationId xmlns:a16="http://schemas.microsoft.com/office/drawing/2014/main" id="{CA299F92-DB79-49E7-B9D4-0B093224102D}"/>
               </a:ext>
             </a:extLst>
           </p:cNvPr>
@@ -8698,7 +8708,7 @@
           <p:cNvPr id="4" name="Table 4">
             <a:extLst>
               <a:ext uri="{FF2B5EF4-FFF2-40B4-BE49-F238E27FC236}">
-                <a16:creationId xmlns:a16="http://schemas.microsoft.com/office/drawing/2014/main" xmlns="" id="{2A5C9B5F-B12D-43B8-A7D3-92C6A635E9F7}"/>
+                <a16:creationId xmlns:a16="http://schemas.microsoft.com/office/drawing/2014/main" id="{2A5C9B5F-B12D-43B8-A7D3-92C6A635E9F7}"/>
               </a:ext>
             </a:extLst>
           </p:cNvPr>
@@ -8727,42 +8737,42 @@
                 <a:gridCol w="1691746">
                   <a:extLst>
                     <a:ext uri="{9D8B030D-6E8A-4147-A177-3AD203B41FA5}">
-                      <a16:colId xmlns:a16="http://schemas.microsoft.com/office/drawing/2014/main" xmlns="" val="2681313205"/>
+                      <a16:colId xmlns:a16="http://schemas.microsoft.com/office/drawing/2014/main" val="2681313205"/>
                     </a:ext>
                   </a:extLst>
                 </a:gridCol>
                 <a:gridCol w="1691746">
                   <a:extLst>
                     <a:ext uri="{9D8B030D-6E8A-4147-A177-3AD203B41FA5}">
-                      <a16:colId xmlns:a16="http://schemas.microsoft.com/office/drawing/2014/main" xmlns="" val="1274565177"/>
+                      <a16:colId xmlns:a16="http://schemas.microsoft.com/office/drawing/2014/main" val="1274565177"/>
                     </a:ext>
                   </a:extLst>
                 </a:gridCol>
                 <a:gridCol w="1691746">
                   <a:extLst>
                     <a:ext uri="{9D8B030D-6E8A-4147-A177-3AD203B41FA5}">
-                      <a16:colId xmlns:a16="http://schemas.microsoft.com/office/drawing/2014/main" xmlns="" val="3327581110"/>
+                      <a16:colId xmlns:a16="http://schemas.microsoft.com/office/drawing/2014/main" val="3327581110"/>
                     </a:ext>
                   </a:extLst>
                 </a:gridCol>
                 <a:gridCol w="1691746">
                   <a:extLst>
                     <a:ext uri="{9D8B030D-6E8A-4147-A177-3AD203B41FA5}">
-                      <a16:colId xmlns:a16="http://schemas.microsoft.com/office/drawing/2014/main" xmlns="" val="557321545"/>
+                      <a16:colId xmlns:a16="http://schemas.microsoft.com/office/drawing/2014/main" val="557321545"/>
                     </a:ext>
                   </a:extLst>
                 </a:gridCol>
                 <a:gridCol w="1691746">
                   <a:extLst>
                     <a:ext uri="{9D8B030D-6E8A-4147-A177-3AD203B41FA5}">
-                      <a16:colId xmlns:a16="http://schemas.microsoft.com/office/drawing/2014/main" xmlns="" val="906998426"/>
+                      <a16:colId xmlns:a16="http://schemas.microsoft.com/office/drawing/2014/main" val="906998426"/>
                     </a:ext>
                   </a:extLst>
                 </a:gridCol>
                 <a:gridCol w="1691746">
                   <a:extLst>
                     <a:ext uri="{9D8B030D-6E8A-4147-A177-3AD203B41FA5}">
-                      <a16:colId xmlns:a16="http://schemas.microsoft.com/office/drawing/2014/main" xmlns="" val="19775199"/>
+                      <a16:colId xmlns:a16="http://schemas.microsoft.com/office/drawing/2014/main" val="19775199"/>
                     </a:ext>
                   </a:extLst>
                 </a:gridCol>
@@ -8854,7 +8864,7 @@
                 </a:tc>
                 <a:extLst>
                   <a:ext uri="{0D108BD9-81ED-4DB2-BD59-A6C34878D82A}">
-                    <a16:rowId xmlns:a16="http://schemas.microsoft.com/office/drawing/2014/main" xmlns="" val="652785495"/>
+                    <a16:rowId xmlns:a16="http://schemas.microsoft.com/office/drawing/2014/main" val="652785495"/>
                   </a:ext>
                 </a:extLst>
               </a:tr>
@@ -8945,7 +8955,7 @@
                 </a:tc>
                 <a:extLst>
                   <a:ext uri="{0D108BD9-81ED-4DB2-BD59-A6C34878D82A}">
-                    <a16:rowId xmlns:a16="http://schemas.microsoft.com/office/drawing/2014/main" xmlns="" val="391719823"/>
+                    <a16:rowId xmlns:a16="http://schemas.microsoft.com/office/drawing/2014/main" val="391719823"/>
                   </a:ext>
                 </a:extLst>
               </a:tr>
@@ -9036,7 +9046,7 @@
                 </a:tc>
                 <a:extLst>
                   <a:ext uri="{0D108BD9-81ED-4DB2-BD59-A6C34878D82A}">
-                    <a16:rowId xmlns:a16="http://schemas.microsoft.com/office/drawing/2014/main" xmlns="" val="4150123384"/>
+                    <a16:rowId xmlns:a16="http://schemas.microsoft.com/office/drawing/2014/main" val="4150123384"/>
                   </a:ext>
                 </a:extLst>
               </a:tr>
@@ -9127,7 +9137,7 @@
                 </a:tc>
                 <a:extLst>
                   <a:ext uri="{0D108BD9-81ED-4DB2-BD59-A6C34878D82A}">
-                    <a16:rowId xmlns:a16="http://schemas.microsoft.com/office/drawing/2014/main" xmlns="" val="2915174795"/>
+                    <a16:rowId xmlns:a16="http://schemas.microsoft.com/office/drawing/2014/main" val="2915174795"/>
                   </a:ext>
                 </a:extLst>
               </a:tr>
@@ -9170,7 +9180,7 @@
           <p:cNvPr id="2" name="Title 1">
             <a:extLst>
               <a:ext uri="{FF2B5EF4-FFF2-40B4-BE49-F238E27FC236}">
-                <a16:creationId xmlns:a16="http://schemas.microsoft.com/office/drawing/2014/main" xmlns="" id="{92FD0CF7-0C7D-4338-9B72-EA62D0D009E9}"/>
+                <a16:creationId xmlns:a16="http://schemas.microsoft.com/office/drawing/2014/main" id="{92FD0CF7-0C7D-4338-9B72-EA62D0D009E9}"/>
               </a:ext>
             </a:extLst>
           </p:cNvPr>
@@ -9206,7 +9216,7 @@
           <p:cNvPr id="3" name="Content Placeholder 2">
             <a:extLst>
               <a:ext uri="{FF2B5EF4-FFF2-40B4-BE49-F238E27FC236}">
-                <a16:creationId xmlns:a16="http://schemas.microsoft.com/office/drawing/2014/main" xmlns="" id="{2672AED0-36D7-41E2-9CDD-1F831B01E13E}"/>
+                <a16:creationId xmlns:a16="http://schemas.microsoft.com/office/drawing/2014/main" id="{2672AED0-36D7-41E2-9CDD-1F831B01E13E}"/>
               </a:ext>
             </a:extLst>
           </p:cNvPr>
@@ -9291,7 +9301,7 @@
           <p:cNvPr id="2" name="Title 1">
             <a:extLst>
               <a:ext uri="{FF2B5EF4-FFF2-40B4-BE49-F238E27FC236}">
-                <a16:creationId xmlns:a16="http://schemas.microsoft.com/office/drawing/2014/main" xmlns="" id="{5115C648-66B8-49BE-B33E-D2150B203B24}"/>
+                <a16:creationId xmlns:a16="http://schemas.microsoft.com/office/drawing/2014/main" id="{5115C648-66B8-49BE-B33E-D2150B203B24}"/>
               </a:ext>
             </a:extLst>
           </p:cNvPr>
@@ -9319,7 +9329,7 @@
           <p:cNvPr id="3" name="Content Placeholder 2">
             <a:extLst>
               <a:ext uri="{FF2B5EF4-FFF2-40B4-BE49-F238E27FC236}">
-                <a16:creationId xmlns:a16="http://schemas.microsoft.com/office/drawing/2014/main" xmlns="" id="{B7CBAD27-F7D7-45FE-9E5B-0B22E29CC45E}"/>
+                <a16:creationId xmlns:a16="http://schemas.microsoft.com/office/drawing/2014/main" id="{B7CBAD27-F7D7-45FE-9E5B-0B22E29CC45E}"/>
               </a:ext>
             </a:extLst>
           </p:cNvPr>
@@ -9377,7 +9387,7 @@
           <p:cNvPr id="8" name="Rectangle 3">
             <a:extLst>
               <a:ext uri="{FF2B5EF4-FFF2-40B4-BE49-F238E27FC236}">
-                <a16:creationId xmlns:a16="http://schemas.microsoft.com/office/drawing/2014/main" xmlns="" id="{A59012F7-007B-4721-9046-E5B2FC83BD87}"/>
+                <a16:creationId xmlns:a16="http://schemas.microsoft.com/office/drawing/2014/main" id="{A59012F7-007B-4721-9046-E5B2FC83BD87}"/>
               </a:ext>
             </a:extLst>
           </p:cNvPr>
@@ -9521,7 +9531,7 @@
           <p:cNvPr id="2" name="Title 1">
             <a:extLst>
               <a:ext uri="{FF2B5EF4-FFF2-40B4-BE49-F238E27FC236}">
-                <a16:creationId xmlns:a16="http://schemas.microsoft.com/office/drawing/2014/main" xmlns="" id="{5115C648-66B8-49BE-B33E-D2150B203B24}"/>
+                <a16:creationId xmlns:a16="http://schemas.microsoft.com/office/drawing/2014/main" id="{5115C648-66B8-49BE-B33E-D2150B203B24}"/>
               </a:ext>
             </a:extLst>
           </p:cNvPr>
@@ -9549,7 +9559,7 @@
           <p:cNvPr id="3" name="Content Placeholder 2">
             <a:extLst>
               <a:ext uri="{FF2B5EF4-FFF2-40B4-BE49-F238E27FC236}">
-                <a16:creationId xmlns:a16="http://schemas.microsoft.com/office/drawing/2014/main" xmlns="" id="{B7CBAD27-F7D7-45FE-9E5B-0B22E29CC45E}"/>
+                <a16:creationId xmlns:a16="http://schemas.microsoft.com/office/drawing/2014/main" id="{B7CBAD27-F7D7-45FE-9E5B-0B22E29CC45E}"/>
               </a:ext>
             </a:extLst>
           </p:cNvPr>
@@ -9583,7 +9593,7 @@
           <p:cNvPr id="4" name="Table 4">
             <a:extLst>
               <a:ext uri="{FF2B5EF4-FFF2-40B4-BE49-F238E27FC236}">
-                <a16:creationId xmlns:a16="http://schemas.microsoft.com/office/drawing/2014/main" xmlns="" id="{249B5480-B1CA-47D0-BA73-02DAC27D5EFE}"/>
+                <a16:creationId xmlns:a16="http://schemas.microsoft.com/office/drawing/2014/main" id="{249B5480-B1CA-47D0-BA73-02DAC27D5EFE}"/>
               </a:ext>
             </a:extLst>
           </p:cNvPr>
@@ -9612,28 +9622,28 @@
                 <a:gridCol w="859230">
                   <a:extLst>
                     <a:ext uri="{9D8B030D-6E8A-4147-A177-3AD203B41FA5}">
-                      <a16:colId xmlns:a16="http://schemas.microsoft.com/office/drawing/2014/main" xmlns="" val="234728728"/>
+                      <a16:colId xmlns:a16="http://schemas.microsoft.com/office/drawing/2014/main" val="234728728"/>
                     </a:ext>
                   </a:extLst>
                 </a:gridCol>
                 <a:gridCol w="1564615">
                   <a:extLst>
                     <a:ext uri="{9D8B030D-6E8A-4147-A177-3AD203B41FA5}">
-                      <a16:colId xmlns:a16="http://schemas.microsoft.com/office/drawing/2014/main" xmlns="" val="1073814496"/>
+                      <a16:colId xmlns:a16="http://schemas.microsoft.com/office/drawing/2014/main" val="1073814496"/>
                     </a:ext>
                   </a:extLst>
                 </a:gridCol>
                 <a:gridCol w="1564615">
                   <a:extLst>
                     <a:ext uri="{9D8B030D-6E8A-4147-A177-3AD203B41FA5}">
-                      <a16:colId xmlns:a16="http://schemas.microsoft.com/office/drawing/2014/main" xmlns="" val="1589982913"/>
+                      <a16:colId xmlns:a16="http://schemas.microsoft.com/office/drawing/2014/main" val="1589982913"/>
                     </a:ext>
                   </a:extLst>
                 </a:gridCol>
                 <a:gridCol w="1564615">
                   <a:extLst>
                     <a:ext uri="{9D8B030D-6E8A-4147-A177-3AD203B41FA5}">
-                      <a16:colId xmlns:a16="http://schemas.microsoft.com/office/drawing/2014/main" xmlns="" val="4266380793"/>
+                      <a16:colId xmlns:a16="http://schemas.microsoft.com/office/drawing/2014/main" val="4266380793"/>
                     </a:ext>
                   </a:extLst>
                 </a:gridCol>
@@ -9713,7 +9723,7 @@
                 </a:tc>
                 <a:extLst>
                   <a:ext uri="{0D108BD9-81ED-4DB2-BD59-A6C34878D82A}">
-                    <a16:rowId xmlns:a16="http://schemas.microsoft.com/office/drawing/2014/main" xmlns="" val="1179860051"/>
+                    <a16:rowId xmlns:a16="http://schemas.microsoft.com/office/drawing/2014/main" val="1179860051"/>
                   </a:ext>
                 </a:extLst>
               </a:tr>
@@ -9776,7 +9786,7 @@
                 </a:tc>
                 <a:extLst>
                   <a:ext uri="{0D108BD9-81ED-4DB2-BD59-A6C34878D82A}">
-                    <a16:rowId xmlns:a16="http://schemas.microsoft.com/office/drawing/2014/main" xmlns="" val="3755276059"/>
+                    <a16:rowId xmlns:a16="http://schemas.microsoft.com/office/drawing/2014/main" val="3755276059"/>
                   </a:ext>
                 </a:extLst>
               </a:tr>
@@ -9832,7 +9842,7 @@
                 </a:tc>
                 <a:extLst>
                   <a:ext uri="{0D108BD9-81ED-4DB2-BD59-A6C34878D82A}">
-                    <a16:rowId xmlns:a16="http://schemas.microsoft.com/office/drawing/2014/main" xmlns="" val="2228960390"/>
+                    <a16:rowId xmlns:a16="http://schemas.microsoft.com/office/drawing/2014/main" val="2228960390"/>
                   </a:ext>
                 </a:extLst>
               </a:tr>
@@ -9895,7 +9905,7 @@
                 </a:tc>
                 <a:extLst>
                   <a:ext uri="{0D108BD9-81ED-4DB2-BD59-A6C34878D82A}">
-                    <a16:rowId xmlns:a16="http://schemas.microsoft.com/office/drawing/2014/main" xmlns="" val="4183955610"/>
+                    <a16:rowId xmlns:a16="http://schemas.microsoft.com/office/drawing/2014/main" val="4183955610"/>
                   </a:ext>
                 </a:extLst>
               </a:tr>
@@ -9951,7 +9961,7 @@
                 </a:tc>
                 <a:extLst>
                   <a:ext uri="{0D108BD9-81ED-4DB2-BD59-A6C34878D82A}">
-                    <a16:rowId xmlns:a16="http://schemas.microsoft.com/office/drawing/2014/main" xmlns="" val="3016369053"/>
+                    <a16:rowId xmlns:a16="http://schemas.microsoft.com/office/drawing/2014/main" val="3016369053"/>
                   </a:ext>
                 </a:extLst>
               </a:tr>
@@ -10014,7 +10024,7 @@
                 </a:tc>
                 <a:extLst>
                   <a:ext uri="{0D108BD9-81ED-4DB2-BD59-A6C34878D82A}">
-                    <a16:rowId xmlns:a16="http://schemas.microsoft.com/office/drawing/2014/main" xmlns="" val="780398715"/>
+                    <a16:rowId xmlns:a16="http://schemas.microsoft.com/office/drawing/2014/main" val="780398715"/>
                   </a:ext>
                 </a:extLst>
               </a:tr>
@@ -10077,7 +10087,7 @@
                 </a:tc>
                 <a:extLst>
                   <a:ext uri="{0D108BD9-81ED-4DB2-BD59-A6C34878D82A}">
-                    <a16:rowId xmlns:a16="http://schemas.microsoft.com/office/drawing/2014/main" xmlns="" val="639378041"/>
+                    <a16:rowId xmlns:a16="http://schemas.microsoft.com/office/drawing/2014/main" val="639378041"/>
                   </a:ext>
                 </a:extLst>
               </a:tr>
@@ -10137,7 +10147,7 @@
                 </a:tc>
                 <a:extLst>
                   <a:ext uri="{0D108BD9-81ED-4DB2-BD59-A6C34878D82A}">
-                    <a16:rowId xmlns:a16="http://schemas.microsoft.com/office/drawing/2014/main" xmlns="" val="2282781407"/>
+                    <a16:rowId xmlns:a16="http://schemas.microsoft.com/office/drawing/2014/main" val="2282781407"/>
                   </a:ext>
                 </a:extLst>
               </a:tr>
@@ -10200,7 +10210,7 @@
                 </a:tc>
                 <a:extLst>
                   <a:ext uri="{0D108BD9-81ED-4DB2-BD59-A6C34878D82A}">
-                    <a16:rowId xmlns:a16="http://schemas.microsoft.com/office/drawing/2014/main" xmlns="" val="3342183739"/>
+                    <a16:rowId xmlns:a16="http://schemas.microsoft.com/office/drawing/2014/main" val="3342183739"/>
                   </a:ext>
                 </a:extLst>
               </a:tr>
@@ -10213,7 +10223,7 @@
           <p:cNvPr id="8" name="Rectangle 3">
             <a:extLst>
               <a:ext uri="{FF2B5EF4-FFF2-40B4-BE49-F238E27FC236}">
-                <a16:creationId xmlns:a16="http://schemas.microsoft.com/office/drawing/2014/main" xmlns="" id="{A59012F7-007B-4721-9046-E5B2FC83BD87}"/>
+                <a16:creationId xmlns:a16="http://schemas.microsoft.com/office/drawing/2014/main" id="{A59012F7-007B-4721-9046-E5B2FC83BD87}"/>
               </a:ext>
             </a:extLst>
           </p:cNvPr>
@@ -10357,7 +10367,7 @@
           <p:cNvPr id="2" name="Title 1">
             <a:extLst>
               <a:ext uri="{FF2B5EF4-FFF2-40B4-BE49-F238E27FC236}">
-                <a16:creationId xmlns:a16="http://schemas.microsoft.com/office/drawing/2014/main" xmlns="" id="{27A329C0-DD08-4AE5-869B-8FD0F9676F74}"/>
+                <a16:creationId xmlns:a16="http://schemas.microsoft.com/office/drawing/2014/main" id="{27A329C0-DD08-4AE5-869B-8FD0F9676F74}"/>
               </a:ext>
             </a:extLst>
           </p:cNvPr>
@@ -10375,7 +10385,7 @@
           <a:p>
             <a:r>
               <a:rPr lang="en-US" dirty="0"/>
-              <a:t>Very large Graph (2)</a:t>
+              <a:t>Very large Graph (3)</a:t>
             </a:r>
           </a:p>
         </p:txBody>
@@ -10385,7 +10395,7 @@
           <p:cNvPr id="4" name="Content Placeholder 3">
             <a:extLst>
               <a:ext uri="{FF2B5EF4-FFF2-40B4-BE49-F238E27FC236}">
-                <a16:creationId xmlns:a16="http://schemas.microsoft.com/office/drawing/2014/main" xmlns="" id="{56F2A724-1A8B-4AF0-85DE-E522981BBB24}"/>
+                <a16:creationId xmlns:a16="http://schemas.microsoft.com/office/drawing/2014/main" id="{56F2A724-1A8B-4AF0-85DE-E522981BBB24}"/>
               </a:ext>
             </a:extLst>
           </p:cNvPr>
@@ -10447,7 +10457,7 @@
           <p:cNvPr id="2" name="Title 1">
             <a:extLst>
               <a:ext uri="{FF2B5EF4-FFF2-40B4-BE49-F238E27FC236}">
-                <a16:creationId xmlns:a16="http://schemas.microsoft.com/office/drawing/2014/main" xmlns="" id="{5115C648-66B8-49BE-B33E-D2150B203B24}"/>
+                <a16:creationId xmlns:a16="http://schemas.microsoft.com/office/drawing/2014/main" id="{4DCFFD59-A8F3-496F-AF44-5C2FBF06295C}"/>
               </a:ext>
             </a:extLst>
           </p:cNvPr>
@@ -10464,10 +10474,100 @@
           <a:lstStyle/>
           <a:p>
             <a:r>
-              <a:rPr lang="en-US" dirty="0" smtClean="0"/>
+              <a:rPr lang="en-US" dirty="0"/>
+              <a:t>Very large Graph (4) Co-Authorship</a:t>
+            </a:r>
+          </a:p>
+        </p:txBody>
+      </p:sp>
+      <p:pic>
+        <p:nvPicPr>
+          <p:cNvPr id="4" name="Content Placeholder 3">
+            <a:hlinkClick r:id="rId2"/>
+            <a:extLst>
+              <a:ext uri="{FF2B5EF4-FFF2-40B4-BE49-F238E27FC236}">
+                <a16:creationId xmlns:a16="http://schemas.microsoft.com/office/drawing/2014/main" id="{F644478E-FC7D-4DFF-ACE6-2A52163EA432}"/>
+              </a:ext>
+            </a:extLst>
+          </p:cNvPr>
+          <p:cNvPicPr>
+            <a:picLocks noGrp="1" noChangeAspect="1"/>
+          </p:cNvPicPr>
+          <p:nvPr>
+            <p:ph idx="1"/>
+          </p:nvPr>
+        </p:nvPicPr>
+        <p:blipFill>
+          <a:blip r:embed="rId3"/>
+          <a:stretch>
+            <a:fillRect/>
+          </a:stretch>
+        </p:blipFill>
+        <p:spPr>
+          <a:xfrm>
+            <a:off x="838200" y="1399309"/>
+            <a:ext cx="10515600" cy="4917408"/>
+          </a:xfrm>
+          <a:prstGeom prst="rect">
+            <a:avLst/>
+          </a:prstGeom>
+        </p:spPr>
+      </p:pic>
+    </p:spTree>
+    <p:extLst>
+      <p:ext uri="{BB962C8B-B14F-4D97-AF65-F5344CB8AC3E}">
+        <p14:creationId xmlns:p14="http://schemas.microsoft.com/office/powerpoint/2010/main" val="4050537352"/>
+      </p:ext>
+    </p:extLst>
+  </p:cSld>
+  <p:clrMapOvr>
+    <a:masterClrMapping/>
+  </p:clrMapOvr>
+</p:sld>
+</file>
+
+<file path=ppt/slides/slide24.xml><?xml version="1.0" encoding="utf-8"?>
+<p:sld xmlns:a="http://schemas.openxmlformats.org/drawingml/2006/main" xmlns:r="http://schemas.openxmlformats.org/officeDocument/2006/relationships" xmlns:p="http://schemas.openxmlformats.org/presentationml/2006/main">
+  <p:cSld>
+    <p:spTree>
+      <p:nvGrpSpPr>
+        <p:cNvPr id="1" name=""/>
+        <p:cNvGrpSpPr/>
+        <p:nvPr/>
+      </p:nvGrpSpPr>
+      <p:grpSpPr>
+        <a:xfrm>
+          <a:off x="0" y="0"/>
+          <a:ext cx="0" cy="0"/>
+          <a:chOff x="0" y="0"/>
+          <a:chExt cx="0" cy="0"/>
+        </a:xfrm>
+      </p:grpSpPr>
+      <p:sp>
+        <p:nvSpPr>
+          <p:cNvPr id="2" name="Title 1">
+            <a:extLst>
+              <a:ext uri="{FF2B5EF4-FFF2-40B4-BE49-F238E27FC236}">
+                <a16:creationId xmlns:a16="http://schemas.microsoft.com/office/drawing/2014/main" id="{5115C648-66B8-49BE-B33E-D2150B203B24}"/>
+              </a:ext>
+            </a:extLst>
+          </p:cNvPr>
+          <p:cNvSpPr>
+            <a:spLocks noGrp="1"/>
+          </p:cNvSpPr>
+          <p:nvPr>
+            <p:ph type="title"/>
+          </p:nvPr>
+        </p:nvSpPr>
+        <p:spPr/>
+        <p:txBody>
+          <a:bodyPr/>
+          <a:lstStyle/>
+          <a:p>
+            <a:r>
+              <a:rPr lang="en-US" dirty="0"/>
               <a:t>Similarity Measures</a:t>
             </a:r>
-            <a:endParaRPr lang="en-US" dirty="0"/>
           </a:p>
         </p:txBody>
       </p:sp>
@@ -10476,7 +10576,7 @@
           <p:cNvPr id="3" name="Content Placeholder 2">
             <a:extLst>
               <a:ext uri="{FF2B5EF4-FFF2-40B4-BE49-F238E27FC236}">
-                <a16:creationId xmlns:a16="http://schemas.microsoft.com/office/drawing/2014/main" xmlns="" id="{B7CBAD27-F7D7-45FE-9E5B-0B22E29CC45E}"/>
+                <a16:creationId xmlns:a16="http://schemas.microsoft.com/office/drawing/2014/main" id="{B7CBAD27-F7D7-45FE-9E5B-0B22E29CC45E}"/>
               </a:ext>
             </a:extLst>
           </p:cNvPr>
@@ -10493,62 +10593,61 @@
           <a:lstStyle/>
           <a:p>
             <a:r>
-              <a:rPr lang="en-US" dirty="0" smtClean="0"/>
+              <a:rPr lang="en-US" dirty="0"/>
               <a:t>Connection Analysis:</a:t>
             </a:r>
           </a:p>
           <a:p>
             <a:pPr lvl="1"/>
             <a:r>
-              <a:rPr lang="en-US" dirty="0" smtClean="0"/>
+              <a:rPr lang="en-US" dirty="0"/>
               <a:t>Group Analysis : Cluster Coefficient (Transitivity)</a:t>
             </a:r>
           </a:p>
           <a:p>
             <a:pPr lvl="1"/>
             <a:r>
-              <a:rPr lang="en-US" dirty="0" smtClean="0"/>
+              <a:rPr lang="en-US" dirty="0"/>
               <a:t>Network Analysis : Density, Average Path Length, Degree Distribution</a:t>
             </a:r>
           </a:p>
           <a:p>
             <a:r>
-              <a:rPr lang="en-US" dirty="0" smtClean="0"/>
+              <a:rPr lang="en-US" dirty="0"/>
               <a:t>Positional Analysis:</a:t>
             </a:r>
           </a:p>
           <a:p>
             <a:pPr lvl="1"/>
             <a:r>
-              <a:rPr lang="en-US" dirty="0" smtClean="0"/>
+              <a:rPr lang="en-US" dirty="0"/>
               <a:t>Degree : In Degree, Out Degree, All</a:t>
             </a:r>
           </a:p>
           <a:p>
             <a:pPr lvl="1"/>
             <a:r>
-              <a:rPr lang="en-US" dirty="0" smtClean="0"/>
+              <a:rPr lang="en-US" dirty="0"/>
               <a:t>Closeness Centrality</a:t>
             </a:r>
           </a:p>
           <a:p>
             <a:pPr lvl="1"/>
             <a:r>
-              <a:rPr lang="en-US" dirty="0" err="1" smtClean="0"/>
+              <a:rPr lang="en-US" dirty="0" err="1"/>
               <a:t>Betweenness</a:t>
             </a:r>
             <a:r>
-              <a:rPr lang="en-US" dirty="0" smtClean="0"/>
+              <a:rPr lang="en-US" dirty="0"/>
               <a:t> Centrality</a:t>
             </a:r>
           </a:p>
           <a:p>
             <a:pPr lvl="1"/>
             <a:r>
-              <a:rPr lang="en-US" dirty="0" smtClean="0"/>
+              <a:rPr lang="en-US" dirty="0"/>
               <a:t>Eigen Vector Centrality</a:t>
             </a:r>
-            <a:endParaRPr lang="en-US" dirty="0" smtClean="0"/>
           </a:p>
           <a:p>
             <a:pPr marL="0" indent="0">
@@ -10566,7 +10665,7 @@
           <p:cNvPr id="8" name="Rectangle 3">
             <a:extLst>
               <a:ext uri="{FF2B5EF4-FFF2-40B4-BE49-F238E27FC236}">
-                <a16:creationId xmlns:a16="http://schemas.microsoft.com/office/drawing/2014/main" xmlns="" id="{A59012F7-007B-4721-9046-E5B2FC83BD87}"/>
+                <a16:creationId xmlns:a16="http://schemas.microsoft.com/office/drawing/2014/main" id="{A59012F7-007B-4721-9046-E5B2FC83BD87}"/>
               </a:ext>
             </a:extLst>
           </p:cNvPr>
@@ -10688,7 +10787,7 @@
 </p:sld>
 </file>
 
-<file path=ppt/slides/slide24.xml><?xml version="1.0" encoding="utf-8"?>
+<file path=ppt/slides/slide25.xml><?xml version="1.0" encoding="utf-8"?>
 <p:sld xmlns:a="http://schemas.openxmlformats.org/drawingml/2006/main" xmlns:r="http://schemas.openxmlformats.org/officeDocument/2006/relationships" xmlns:p="http://schemas.openxmlformats.org/presentationml/2006/main">
   <p:cSld>
     <p:spTree>
@@ -10710,7 +10809,7 @@
           <p:cNvPr id="2" name="Title 1">
             <a:extLst>
               <a:ext uri="{FF2B5EF4-FFF2-40B4-BE49-F238E27FC236}">
-                <a16:creationId xmlns:a16="http://schemas.microsoft.com/office/drawing/2014/main" xmlns="" id="{5115C648-66B8-49BE-B33E-D2150B203B24}"/>
+                <a16:creationId xmlns:a16="http://schemas.microsoft.com/office/drawing/2014/main" id="{5115C648-66B8-49BE-B33E-D2150B203B24}"/>
               </a:ext>
             </a:extLst>
           </p:cNvPr>
@@ -10727,17 +10826,16 @@
           <a:lstStyle/>
           <a:p>
             <a:r>
-              <a:rPr lang="en-US" dirty="0" smtClean="0"/>
+              <a:rPr lang="en-US" dirty="0"/>
               <a:t>Connection Analysis</a:t>
             </a:r>
             <a:br>
-              <a:rPr lang="en-US" dirty="0" smtClean="0"/>
+              <a:rPr lang="en-US" dirty="0"/>
             </a:br>
             <a:r>
-              <a:rPr lang="en-US" sz="2800" dirty="0" smtClean="0"/>
+              <a:rPr lang="en-US" sz="2800" dirty="0"/>
               <a:t>Density</a:t>
             </a:r>
-            <a:endParaRPr lang="en-US" sz="2800" dirty="0"/>
           </a:p>
         </p:txBody>
       </p:sp>
@@ -10746,7 +10844,7 @@
           <p:cNvPr id="3" name="Content Placeholder 2">
             <a:extLst>
               <a:ext uri="{FF2B5EF4-FFF2-40B4-BE49-F238E27FC236}">
-                <a16:creationId xmlns:a16="http://schemas.microsoft.com/office/drawing/2014/main" xmlns="" id="{B7CBAD27-F7D7-45FE-9E5B-0B22E29CC45E}"/>
+                <a16:creationId xmlns:a16="http://schemas.microsoft.com/office/drawing/2014/main" id="{B7CBAD27-F7D7-45FE-9E5B-0B22E29CC45E}"/>
               </a:ext>
             </a:extLst>
           </p:cNvPr>
@@ -10763,7 +10861,7 @@
           <a:lstStyle/>
           <a:p>
             <a:r>
-              <a:rPr lang="en-US" sz="2000" dirty="0" smtClean="0"/>
+              <a:rPr lang="en-US" sz="2000" dirty="0"/>
               <a:t>Actual Connections/Potential Connections</a:t>
             </a:r>
           </a:p>
@@ -10771,7 +10869,7 @@
             <a:pPr marL="0" indent="0">
               <a:buNone/>
             </a:pPr>
-            <a:endParaRPr lang="en-US" dirty="0" smtClean="0"/>
+            <a:endParaRPr lang="en-US" dirty="0"/>
           </a:p>
           <a:p>
             <a:pPr marL="0" indent="0">
@@ -10786,7 +10884,7 @@
           <p:cNvPr id="8" name="Rectangle 3">
             <a:extLst>
               <a:ext uri="{FF2B5EF4-FFF2-40B4-BE49-F238E27FC236}">
-                <a16:creationId xmlns:a16="http://schemas.microsoft.com/office/drawing/2014/main" xmlns="" id="{A59012F7-007B-4721-9046-E5B2FC83BD87}"/>
+                <a16:creationId xmlns:a16="http://schemas.microsoft.com/office/drawing/2014/main" id="{A59012F7-007B-4721-9046-E5B2FC83BD87}"/>
               </a:ext>
             </a:extLst>
           </p:cNvPr>
@@ -10920,12 +11018,48 @@
                 <a:tableStyleId>{5C22544A-7EE6-4342-B048-85BDC9FD1C3A}</a:tableStyleId>
               </a:tblPr>
               <a:tblGrid>
-                <a:gridCol w="1354667"/>
-                <a:gridCol w="1354667"/>
-                <a:gridCol w="1354667"/>
-                <a:gridCol w="1354667"/>
-                <a:gridCol w="1354667"/>
-                <a:gridCol w="1354667"/>
+                <a:gridCol w="1354667">
+                  <a:extLst>
+                    <a:ext uri="{9D8B030D-6E8A-4147-A177-3AD203B41FA5}">
+                      <a16:colId xmlns:a16="http://schemas.microsoft.com/office/drawing/2014/main" val="20000"/>
+                    </a:ext>
+                  </a:extLst>
+                </a:gridCol>
+                <a:gridCol w="1354667">
+                  <a:extLst>
+                    <a:ext uri="{9D8B030D-6E8A-4147-A177-3AD203B41FA5}">
+                      <a16:colId xmlns:a16="http://schemas.microsoft.com/office/drawing/2014/main" val="20001"/>
+                    </a:ext>
+                  </a:extLst>
+                </a:gridCol>
+                <a:gridCol w="1354667">
+                  <a:extLst>
+                    <a:ext uri="{9D8B030D-6E8A-4147-A177-3AD203B41FA5}">
+                      <a16:colId xmlns:a16="http://schemas.microsoft.com/office/drawing/2014/main" val="20002"/>
+                    </a:ext>
+                  </a:extLst>
+                </a:gridCol>
+                <a:gridCol w="1354667">
+                  <a:extLst>
+                    <a:ext uri="{9D8B030D-6E8A-4147-A177-3AD203B41FA5}">
+                      <a16:colId xmlns:a16="http://schemas.microsoft.com/office/drawing/2014/main" val="20003"/>
+                    </a:ext>
+                  </a:extLst>
+                </a:gridCol>
+                <a:gridCol w="1354667">
+                  <a:extLst>
+                    <a:ext uri="{9D8B030D-6E8A-4147-A177-3AD203B41FA5}">
+                      <a16:colId xmlns:a16="http://schemas.microsoft.com/office/drawing/2014/main" val="20004"/>
+                    </a:ext>
+                  </a:extLst>
+                </a:gridCol>
+                <a:gridCol w="1354667">
+                  <a:extLst>
+                    <a:ext uri="{9D8B030D-6E8A-4147-A177-3AD203B41FA5}">
+                      <a16:colId xmlns:a16="http://schemas.microsoft.com/office/drawing/2014/main" val="20005"/>
+                    </a:ext>
+                  </a:extLst>
+                </a:gridCol>
               </a:tblGrid>
               <a:tr h="370555">
                 <a:tc>
@@ -10934,7 +11068,7 @@
                     <a:lstStyle/>
                     <a:p>
                       <a:r>
-                        <a:rPr lang="en-IN" dirty="0" smtClean="0"/>
+                        <a:rPr lang="en-IN" dirty="0"/>
                         <a:t>Template</a:t>
                       </a:r>
                       <a:endParaRPr lang="en-GB" dirty="0"/>
@@ -10948,7 +11082,7 @@
                     <a:lstStyle/>
                     <a:p>
                       <a:r>
-                        <a:rPr lang="en-IN" dirty="0" smtClean="0"/>
+                        <a:rPr lang="en-IN" dirty="0"/>
                         <a:t>G1</a:t>
                       </a:r>
                       <a:endParaRPr lang="en-GB" dirty="0"/>
@@ -10962,7 +11096,7 @@
                     <a:lstStyle/>
                     <a:p>
                       <a:r>
-                        <a:rPr lang="en-IN" dirty="0" smtClean="0"/>
+                        <a:rPr lang="en-IN" dirty="0"/>
                         <a:t>G2</a:t>
                       </a:r>
                       <a:endParaRPr lang="en-GB" dirty="0"/>
@@ -10976,7 +11110,7 @@
                     <a:lstStyle/>
                     <a:p>
                       <a:r>
-                        <a:rPr lang="en-IN" dirty="0" smtClean="0"/>
+                        <a:rPr lang="en-IN" dirty="0"/>
                         <a:t>G3</a:t>
                       </a:r>
                       <a:endParaRPr lang="en-GB" dirty="0"/>
@@ -10990,7 +11124,7 @@
                     <a:lstStyle/>
                     <a:p>
                       <a:r>
-                        <a:rPr lang="en-IN" dirty="0" smtClean="0"/>
+                        <a:rPr lang="en-IN" dirty="0"/>
                         <a:t>G4</a:t>
                       </a:r>
                       <a:endParaRPr lang="en-GB" dirty="0"/>
@@ -11004,7 +11138,7 @@
                     <a:lstStyle/>
                     <a:p>
                       <a:r>
-                        <a:rPr lang="en-IN" dirty="0" smtClean="0"/>
+                        <a:rPr lang="en-IN" dirty="0"/>
                         <a:t>G5</a:t>
                       </a:r>
                       <a:endParaRPr lang="en-GB" dirty="0"/>
@@ -11012,6 +11146,11 @@
                   </a:txBody>
                   <a:tcPr/>
                 </a:tc>
+                <a:extLst>
+                  <a:ext uri="{0D108BD9-81ED-4DB2-BD59-A6C34878D82A}">
+                    <a16:rowId xmlns:a16="http://schemas.microsoft.com/office/drawing/2014/main" val="10000"/>
+                  </a:ext>
+                </a:extLst>
               </a:tr>
               <a:tr h="370555">
                 <a:tc>
@@ -11020,10 +11159,9 @@
                     <a:lstStyle/>
                     <a:p>
                       <a:r>
-                        <a:rPr lang="en-GB" dirty="0" smtClean="0"/>
+                        <a:rPr lang="en-GB" dirty="0"/>
                         <a:t>0.1730669</a:t>
                       </a:r>
-                      <a:endParaRPr lang="en-GB" dirty="0"/>
                     </a:p>
                   </a:txBody>
                   <a:tcPr>
@@ -11041,24 +11179,22 @@
                     <a:lstStyle/>
                     <a:p>
                       <a:r>
-                        <a:rPr lang="en-GB" dirty="0" smtClean="0"/>
+                        <a:rPr lang="en-GB" dirty="0"/>
                         <a:t>0.1421225</a:t>
                       </a:r>
-                      <a:endParaRPr lang="en-GB" dirty="0"/>
-                    </a:p>
-                  </a:txBody>
-                  <a:tcPr/>
-                </a:tc>
-                <a:tc>
-                  <a:txBody>
-                    <a:bodyPr/>
-                    <a:lstStyle/>
-                    <a:p>
-                      <a:r>
-                        <a:rPr lang="en-GB" dirty="0" smtClean="0"/>
+                    </a:p>
+                  </a:txBody>
+                  <a:tcPr/>
+                </a:tc>
+                <a:tc>
+                  <a:txBody>
+                    <a:bodyPr/>
+                    <a:lstStyle/>
+                    <a:p>
+                      <a:r>
+                        <a:rPr lang="en-GB" dirty="0"/>
                         <a:t>0.1737503</a:t>
                       </a:r>
-                      <a:endParaRPr lang="en-GB" dirty="0"/>
                     </a:p>
                   </a:txBody>
                   <a:tcPr>
@@ -11076,42 +11212,44 @@
                     <a:lstStyle/>
                     <a:p>
                       <a:r>
-                        <a:rPr lang="en-GB" dirty="0" smtClean="0"/>
+                        <a:rPr lang="en-GB" dirty="0"/>
                         <a:t>0.1183057</a:t>
                       </a:r>
-                      <a:endParaRPr lang="en-GB" dirty="0"/>
-                    </a:p>
-                  </a:txBody>
-                  <a:tcPr/>
-                </a:tc>
-                <a:tc>
-                  <a:txBody>
-                    <a:bodyPr/>
-                    <a:lstStyle/>
-                    <a:p>
-                      <a:r>
-                        <a:rPr lang="en-GB" dirty="0" smtClean="0"/>
+                    </a:p>
+                  </a:txBody>
+                  <a:tcPr/>
+                </a:tc>
+                <a:tc>
+                  <a:txBody>
+                    <a:bodyPr/>
+                    <a:lstStyle/>
+                    <a:p>
+                      <a:r>
+                        <a:rPr lang="en-GB" dirty="0"/>
                         <a:t>0.0978348</a:t>
                       </a:r>
-                      <a:endParaRPr lang="en-GB" dirty="0"/>
-                    </a:p>
-                  </a:txBody>
-                  <a:tcPr/>
-                </a:tc>
-                <a:tc>
-                  <a:txBody>
-                    <a:bodyPr/>
-                    <a:lstStyle/>
-                    <a:p>
-                      <a:r>
-                        <a:rPr lang="en-GB" dirty="0" smtClean="0"/>
+                    </a:p>
+                  </a:txBody>
+                  <a:tcPr/>
+                </a:tc>
+                <a:tc>
+                  <a:txBody>
+                    <a:bodyPr/>
+                    <a:lstStyle/>
+                    <a:p>
+                      <a:r>
+                        <a:rPr lang="en-GB" dirty="0"/>
                         <a:t>0.05403557</a:t>
                       </a:r>
-                      <a:endParaRPr lang="en-GB" dirty="0"/>
-                    </a:p>
-                  </a:txBody>
-                  <a:tcPr/>
-                </a:tc>
+                    </a:p>
+                  </a:txBody>
+                  <a:tcPr/>
+                </a:tc>
+                <a:extLst>
+                  <a:ext uri="{0D108BD9-81ED-4DB2-BD59-A6C34878D82A}">
+                    <a16:rowId xmlns:a16="http://schemas.microsoft.com/office/drawing/2014/main" val="10001"/>
+                  </a:ext>
+                </a:extLst>
               </a:tr>
             </a:tbl>
           </a:graphicData>
@@ -11167,12 +11305,8 @@
               <a:buChar char="•"/>
             </a:pPr>
             <a:r>
-              <a:rPr lang="en-GB" dirty="0" smtClean="0"/>
-              <a:t>Similarity: Graph2 </a:t>
-            </a:r>
-            <a:r>
               <a:rPr lang="en-GB" dirty="0"/>
-              <a:t>&gt; Graph1 &gt; Graph3 &gt; Graph4 &gt; Graph5</a:t>
+              <a:t>Similarity: Graph2 &gt; Graph1 &gt; Graph3 &gt; Graph4 &gt; Graph5</a:t>
             </a:r>
           </a:p>
         </p:txBody>
@@ -11190,7 +11324,7 @@
 </p:sld>
 </file>
 
-<file path=ppt/slides/slide25.xml><?xml version="1.0" encoding="utf-8"?>
+<file path=ppt/slides/slide26.xml><?xml version="1.0" encoding="utf-8"?>
 <p:sld xmlns:a="http://schemas.openxmlformats.org/drawingml/2006/main" xmlns:r="http://schemas.openxmlformats.org/officeDocument/2006/relationships" xmlns:p="http://schemas.openxmlformats.org/presentationml/2006/main">
   <p:cSld>
     <p:spTree>
@@ -11212,7 +11346,7 @@
           <p:cNvPr id="2" name="Title 1">
             <a:extLst>
               <a:ext uri="{FF2B5EF4-FFF2-40B4-BE49-F238E27FC236}">
-                <a16:creationId xmlns:a16="http://schemas.microsoft.com/office/drawing/2014/main" xmlns="" id="{5115C648-66B8-49BE-B33E-D2150B203B24}"/>
+                <a16:creationId xmlns:a16="http://schemas.microsoft.com/office/drawing/2014/main" id="{5115C648-66B8-49BE-B33E-D2150B203B24}"/>
               </a:ext>
             </a:extLst>
           </p:cNvPr>
@@ -11229,17 +11363,16 @@
           <a:lstStyle/>
           <a:p>
             <a:r>
-              <a:rPr lang="en-US" dirty="0" smtClean="0"/>
+              <a:rPr lang="en-US" dirty="0"/>
               <a:t>Connection Analysis</a:t>
             </a:r>
             <a:br>
-              <a:rPr lang="en-US" dirty="0" smtClean="0"/>
+              <a:rPr lang="en-US" dirty="0"/>
             </a:br>
             <a:r>
-              <a:rPr lang="en-US" sz="2800" dirty="0" smtClean="0"/>
+              <a:rPr lang="en-US" sz="2800" dirty="0"/>
               <a:t>Average Path Length</a:t>
             </a:r>
-            <a:endParaRPr lang="en-US" sz="2800" dirty="0"/>
           </a:p>
         </p:txBody>
       </p:sp>
@@ -11248,7 +11381,7 @@
           <p:cNvPr id="3" name="Content Placeholder 2">
             <a:extLst>
               <a:ext uri="{FF2B5EF4-FFF2-40B4-BE49-F238E27FC236}">
-                <a16:creationId xmlns:a16="http://schemas.microsoft.com/office/drawing/2014/main" xmlns="" id="{B7CBAD27-F7D7-45FE-9E5B-0B22E29CC45E}"/>
+                <a16:creationId xmlns:a16="http://schemas.microsoft.com/office/drawing/2014/main" id="{B7CBAD27-F7D7-45FE-9E5B-0B22E29CC45E}"/>
               </a:ext>
             </a:extLst>
           </p:cNvPr>
@@ -11265,7 +11398,7 @@
           <a:lstStyle/>
           <a:p>
             <a:r>
-              <a:rPr lang="en-US" sz="2000" dirty="0" smtClean="0"/>
+              <a:rPr lang="en-US" sz="2000" dirty="0"/>
               <a:t>Mean Shortest Path between all nodes.</a:t>
             </a:r>
           </a:p>
@@ -11273,7 +11406,7 @@
             <a:pPr marL="0" indent="0">
               <a:buNone/>
             </a:pPr>
-            <a:endParaRPr lang="en-US" dirty="0" smtClean="0"/>
+            <a:endParaRPr lang="en-US" dirty="0"/>
           </a:p>
           <a:p>
             <a:pPr marL="0" indent="0">
@@ -11288,7 +11421,7 @@
           <p:cNvPr id="8" name="Rectangle 3">
             <a:extLst>
               <a:ext uri="{FF2B5EF4-FFF2-40B4-BE49-F238E27FC236}">
-                <a16:creationId xmlns:a16="http://schemas.microsoft.com/office/drawing/2014/main" xmlns="" id="{A59012F7-007B-4721-9046-E5B2FC83BD87}"/>
+                <a16:creationId xmlns:a16="http://schemas.microsoft.com/office/drawing/2014/main" id="{A59012F7-007B-4721-9046-E5B2FC83BD87}"/>
               </a:ext>
             </a:extLst>
           </p:cNvPr>
@@ -11422,12 +11555,48 @@
                 <a:tableStyleId>{5C22544A-7EE6-4342-B048-85BDC9FD1C3A}</a:tableStyleId>
               </a:tblPr>
               <a:tblGrid>
-                <a:gridCol w="1354667"/>
-                <a:gridCol w="1354667"/>
-                <a:gridCol w="1354667"/>
-                <a:gridCol w="1354667"/>
-                <a:gridCol w="1354667"/>
-                <a:gridCol w="1354667"/>
+                <a:gridCol w="1354667">
+                  <a:extLst>
+                    <a:ext uri="{9D8B030D-6E8A-4147-A177-3AD203B41FA5}">
+                      <a16:colId xmlns:a16="http://schemas.microsoft.com/office/drawing/2014/main" val="20000"/>
+                    </a:ext>
+                  </a:extLst>
+                </a:gridCol>
+                <a:gridCol w="1354667">
+                  <a:extLst>
+                    <a:ext uri="{9D8B030D-6E8A-4147-A177-3AD203B41FA5}">
+                      <a16:colId xmlns:a16="http://schemas.microsoft.com/office/drawing/2014/main" val="20001"/>
+                    </a:ext>
+                  </a:extLst>
+                </a:gridCol>
+                <a:gridCol w="1354667">
+                  <a:extLst>
+                    <a:ext uri="{9D8B030D-6E8A-4147-A177-3AD203B41FA5}">
+                      <a16:colId xmlns:a16="http://schemas.microsoft.com/office/drawing/2014/main" val="20002"/>
+                    </a:ext>
+                  </a:extLst>
+                </a:gridCol>
+                <a:gridCol w="1354667">
+                  <a:extLst>
+                    <a:ext uri="{9D8B030D-6E8A-4147-A177-3AD203B41FA5}">
+                      <a16:colId xmlns:a16="http://schemas.microsoft.com/office/drawing/2014/main" val="20003"/>
+                    </a:ext>
+                  </a:extLst>
+                </a:gridCol>
+                <a:gridCol w="1354667">
+                  <a:extLst>
+                    <a:ext uri="{9D8B030D-6E8A-4147-A177-3AD203B41FA5}">
+                      <a16:colId xmlns:a16="http://schemas.microsoft.com/office/drawing/2014/main" val="20004"/>
+                    </a:ext>
+                  </a:extLst>
+                </a:gridCol>
+                <a:gridCol w="1354667">
+                  <a:extLst>
+                    <a:ext uri="{9D8B030D-6E8A-4147-A177-3AD203B41FA5}">
+                      <a16:colId xmlns:a16="http://schemas.microsoft.com/office/drawing/2014/main" val="20005"/>
+                    </a:ext>
+                  </a:extLst>
+                </a:gridCol>
               </a:tblGrid>
               <a:tr h="370555">
                 <a:tc>
@@ -11436,7 +11605,7 @@
                     <a:lstStyle/>
                     <a:p>
                       <a:r>
-                        <a:rPr lang="en-IN" dirty="0" smtClean="0"/>
+                        <a:rPr lang="en-IN" dirty="0"/>
                         <a:t>Template</a:t>
                       </a:r>
                       <a:endParaRPr lang="en-GB" dirty="0"/>
@@ -11450,7 +11619,7 @@
                     <a:lstStyle/>
                     <a:p>
                       <a:r>
-                        <a:rPr lang="en-IN" dirty="0" smtClean="0"/>
+                        <a:rPr lang="en-IN" dirty="0"/>
                         <a:t>G1</a:t>
                       </a:r>
                       <a:endParaRPr lang="en-GB" dirty="0"/>
@@ -11464,7 +11633,7 @@
                     <a:lstStyle/>
                     <a:p>
                       <a:r>
-                        <a:rPr lang="en-IN" dirty="0" smtClean="0"/>
+                        <a:rPr lang="en-IN" dirty="0"/>
                         <a:t>G2</a:t>
                       </a:r>
                       <a:endParaRPr lang="en-GB" dirty="0"/>
@@ -11478,7 +11647,7 @@
                     <a:lstStyle/>
                     <a:p>
                       <a:r>
-                        <a:rPr lang="en-IN" dirty="0" smtClean="0"/>
+                        <a:rPr lang="en-IN" dirty="0"/>
                         <a:t>G3</a:t>
                       </a:r>
                       <a:endParaRPr lang="en-GB" dirty="0"/>
@@ -11492,7 +11661,7 @@
                     <a:lstStyle/>
                     <a:p>
                       <a:r>
-                        <a:rPr lang="en-IN" dirty="0" smtClean="0"/>
+                        <a:rPr lang="en-IN" dirty="0"/>
                         <a:t>G4</a:t>
                       </a:r>
                       <a:endParaRPr lang="en-GB" dirty="0"/>
@@ -11506,7 +11675,7 @@
                     <a:lstStyle/>
                     <a:p>
                       <a:r>
-                        <a:rPr lang="en-IN" dirty="0" smtClean="0"/>
+                        <a:rPr lang="en-IN" dirty="0"/>
                         <a:t>G5</a:t>
                       </a:r>
                       <a:endParaRPr lang="en-GB" dirty="0"/>
@@ -11514,6 +11683,11 @@
                   </a:txBody>
                   <a:tcPr/>
                 </a:tc>
+                <a:extLst>
+                  <a:ext uri="{0D108BD9-81ED-4DB2-BD59-A6C34878D82A}">
+                    <a16:rowId xmlns:a16="http://schemas.microsoft.com/office/drawing/2014/main" val="10000"/>
+                  </a:ext>
+                </a:extLst>
               </a:tr>
               <a:tr h="370555">
                 <a:tc>
@@ -11522,10 +11696,9 @@
                     <a:lstStyle/>
                     <a:p>
                       <a:r>
-                        <a:rPr lang="en-GB" dirty="0" smtClean="0"/>
+                        <a:rPr lang="en-GB" dirty="0"/>
                         <a:t>1.874689</a:t>
                       </a:r>
-                      <a:endParaRPr lang="en-GB" dirty="0"/>
                     </a:p>
                   </a:txBody>
                   <a:tcPr>
@@ -11543,10 +11716,9 @@
                     <a:lstStyle/>
                     <a:p>
                       <a:r>
-                        <a:rPr lang="en-GB" dirty="0" smtClean="0"/>
+                        <a:rPr lang="en-GB" dirty="0"/>
                         <a:t>2.083075</a:t>
                       </a:r>
-                      <a:endParaRPr lang="en-GB" dirty="0"/>
                     </a:p>
                   </a:txBody>
                   <a:tcPr>
@@ -11564,10 +11736,9 @@
                     <a:lstStyle/>
                     <a:p>
                       <a:r>
-                        <a:rPr lang="en-GB" dirty="0" smtClean="0"/>
+                        <a:rPr lang="en-GB" dirty="0"/>
                         <a:t>2.085761</a:t>
                       </a:r>
-                      <a:endParaRPr lang="en-GB" dirty="0"/>
                     </a:p>
                   </a:txBody>
                   <a:tcPr>
@@ -11585,10 +11756,9 @@
                     <a:lstStyle/>
                     <a:p>
                       <a:r>
-                        <a:rPr lang="en-GB" dirty="0" smtClean="0"/>
+                        <a:rPr lang="en-GB" dirty="0"/>
                         <a:t>2.026447</a:t>
                       </a:r>
-                      <a:endParaRPr lang="en-GB" dirty="0"/>
                     </a:p>
                   </a:txBody>
                   <a:tcPr>
@@ -11606,28 +11776,31 @@
                     <a:lstStyle/>
                     <a:p>
                       <a:r>
-                        <a:rPr lang="en-GB" dirty="0" smtClean="0"/>
+                        <a:rPr lang="en-GB" dirty="0"/>
                         <a:t>2.429907</a:t>
                       </a:r>
-                      <a:endParaRPr lang="en-GB" dirty="0"/>
-                    </a:p>
-                  </a:txBody>
-                  <a:tcPr/>
-                </a:tc>
-                <a:tc>
-                  <a:txBody>
-                    <a:bodyPr/>
-                    <a:lstStyle/>
-                    <a:p>
-                      <a:r>
-                        <a:rPr lang="en-GB" dirty="0" smtClean="0"/>
+                    </a:p>
+                  </a:txBody>
+                  <a:tcPr/>
+                </a:tc>
+                <a:tc>
+                  <a:txBody>
+                    <a:bodyPr/>
+                    <a:lstStyle/>
+                    <a:p>
+                      <a:r>
+                        <a:rPr lang="en-GB" dirty="0"/>
                         <a:t>2.283071</a:t>
                       </a:r>
-                      <a:endParaRPr lang="en-GB" dirty="0"/>
-                    </a:p>
-                  </a:txBody>
-                  <a:tcPr/>
-                </a:tc>
+                    </a:p>
+                  </a:txBody>
+                  <a:tcPr/>
+                </a:tc>
+                <a:extLst>
+                  <a:ext uri="{0D108BD9-81ED-4DB2-BD59-A6C34878D82A}">
+                    <a16:rowId xmlns:a16="http://schemas.microsoft.com/office/drawing/2014/main" val="10001"/>
+                  </a:ext>
+                </a:extLst>
               </a:tr>
             </a:tbl>
           </a:graphicData>
@@ -11707,7 +11880,7 @@
 </p:sld>
 </file>
 
-<file path=ppt/slides/slide26.xml><?xml version="1.0" encoding="utf-8"?>
+<file path=ppt/slides/slide27.xml><?xml version="1.0" encoding="utf-8"?>
 <p:sld xmlns:a="http://schemas.openxmlformats.org/drawingml/2006/main" xmlns:r="http://schemas.openxmlformats.org/officeDocument/2006/relationships" xmlns:p="http://schemas.openxmlformats.org/presentationml/2006/main">
   <p:cSld>
     <p:spTree>
@@ -11729,7 +11902,7 @@
           <p:cNvPr id="2" name="Title 1">
             <a:extLst>
               <a:ext uri="{FF2B5EF4-FFF2-40B4-BE49-F238E27FC236}">
-                <a16:creationId xmlns:a16="http://schemas.microsoft.com/office/drawing/2014/main" xmlns="" id="{5115C648-66B8-49BE-B33E-D2150B203B24}"/>
+                <a16:creationId xmlns:a16="http://schemas.microsoft.com/office/drawing/2014/main" id="{5115C648-66B8-49BE-B33E-D2150B203B24}"/>
               </a:ext>
             </a:extLst>
           </p:cNvPr>
@@ -11746,17 +11919,16 @@
           <a:lstStyle/>
           <a:p>
             <a:r>
-              <a:rPr lang="en-US" dirty="0" smtClean="0"/>
+              <a:rPr lang="en-US" dirty="0"/>
               <a:t>Connection Analysis</a:t>
             </a:r>
             <a:br>
-              <a:rPr lang="en-US" dirty="0" smtClean="0"/>
+              <a:rPr lang="en-US" dirty="0"/>
             </a:br>
             <a:r>
-              <a:rPr lang="en-US" sz="2800" dirty="0" smtClean="0"/>
+              <a:rPr lang="en-US" sz="2800" dirty="0"/>
               <a:t>Cluster Coefficient (Transitivity)</a:t>
             </a:r>
-            <a:endParaRPr lang="en-US" sz="2800" dirty="0"/>
           </a:p>
         </p:txBody>
       </p:sp>
@@ -11765,7 +11937,7 @@
           <p:cNvPr id="3" name="Content Placeholder 2">
             <a:extLst>
               <a:ext uri="{FF2B5EF4-FFF2-40B4-BE49-F238E27FC236}">
-                <a16:creationId xmlns:a16="http://schemas.microsoft.com/office/drawing/2014/main" xmlns="" id="{B7CBAD27-F7D7-45FE-9E5B-0B22E29CC45E}"/>
+                <a16:creationId xmlns:a16="http://schemas.microsoft.com/office/drawing/2014/main" id="{B7CBAD27-F7D7-45FE-9E5B-0B22E29CC45E}"/>
               </a:ext>
             </a:extLst>
           </p:cNvPr>
@@ -11782,7 +11954,7 @@
           <a:lstStyle/>
           <a:p>
             <a:r>
-              <a:rPr lang="en-US" sz="2000" dirty="0" smtClean="0"/>
+              <a:rPr lang="en-US" sz="2000" dirty="0"/>
               <a:t>Measure of the degree to which nodes tend to cluster together.</a:t>
             </a:r>
           </a:p>
@@ -11790,7 +11962,7 @@
             <a:pPr marL="0" indent="0">
               <a:buNone/>
             </a:pPr>
-            <a:endParaRPr lang="en-US" dirty="0" smtClean="0"/>
+            <a:endParaRPr lang="en-US" dirty="0"/>
           </a:p>
           <a:p>
             <a:pPr marL="0" indent="0">
@@ -11805,7 +11977,7 @@
           <p:cNvPr id="8" name="Rectangle 3">
             <a:extLst>
               <a:ext uri="{FF2B5EF4-FFF2-40B4-BE49-F238E27FC236}">
-                <a16:creationId xmlns:a16="http://schemas.microsoft.com/office/drawing/2014/main" xmlns="" id="{A59012F7-007B-4721-9046-E5B2FC83BD87}"/>
+                <a16:creationId xmlns:a16="http://schemas.microsoft.com/office/drawing/2014/main" id="{A59012F7-007B-4721-9046-E5B2FC83BD87}"/>
               </a:ext>
             </a:extLst>
           </p:cNvPr>
@@ -11939,12 +12111,48 @@
                 <a:tableStyleId>{5C22544A-7EE6-4342-B048-85BDC9FD1C3A}</a:tableStyleId>
               </a:tblPr>
               <a:tblGrid>
-                <a:gridCol w="1354667"/>
-                <a:gridCol w="1354667"/>
-                <a:gridCol w="1354667"/>
-                <a:gridCol w="1354667"/>
-                <a:gridCol w="1354667"/>
-                <a:gridCol w="1354667"/>
+                <a:gridCol w="1354667">
+                  <a:extLst>
+                    <a:ext uri="{9D8B030D-6E8A-4147-A177-3AD203B41FA5}">
+                      <a16:colId xmlns:a16="http://schemas.microsoft.com/office/drawing/2014/main" val="20000"/>
+                    </a:ext>
+                  </a:extLst>
+                </a:gridCol>
+                <a:gridCol w="1354667">
+                  <a:extLst>
+                    <a:ext uri="{9D8B030D-6E8A-4147-A177-3AD203B41FA5}">
+                      <a16:colId xmlns:a16="http://schemas.microsoft.com/office/drawing/2014/main" val="20001"/>
+                    </a:ext>
+                  </a:extLst>
+                </a:gridCol>
+                <a:gridCol w="1354667">
+                  <a:extLst>
+                    <a:ext uri="{9D8B030D-6E8A-4147-A177-3AD203B41FA5}">
+                      <a16:colId xmlns:a16="http://schemas.microsoft.com/office/drawing/2014/main" val="20002"/>
+                    </a:ext>
+                  </a:extLst>
+                </a:gridCol>
+                <a:gridCol w="1354667">
+                  <a:extLst>
+                    <a:ext uri="{9D8B030D-6E8A-4147-A177-3AD203B41FA5}">
+                      <a16:colId xmlns:a16="http://schemas.microsoft.com/office/drawing/2014/main" val="20003"/>
+                    </a:ext>
+                  </a:extLst>
+                </a:gridCol>
+                <a:gridCol w="1354667">
+                  <a:extLst>
+                    <a:ext uri="{9D8B030D-6E8A-4147-A177-3AD203B41FA5}">
+                      <a16:colId xmlns:a16="http://schemas.microsoft.com/office/drawing/2014/main" val="20004"/>
+                    </a:ext>
+                  </a:extLst>
+                </a:gridCol>
+                <a:gridCol w="1354667">
+                  <a:extLst>
+                    <a:ext uri="{9D8B030D-6E8A-4147-A177-3AD203B41FA5}">
+                      <a16:colId xmlns:a16="http://schemas.microsoft.com/office/drawing/2014/main" val="20005"/>
+                    </a:ext>
+                  </a:extLst>
+                </a:gridCol>
               </a:tblGrid>
               <a:tr h="370555">
                 <a:tc>
@@ -11953,7 +12161,7 @@
                     <a:lstStyle/>
                     <a:p>
                       <a:r>
-                        <a:rPr lang="en-IN" dirty="0" smtClean="0"/>
+                        <a:rPr lang="en-IN" dirty="0"/>
                         <a:t>Template</a:t>
                       </a:r>
                       <a:endParaRPr lang="en-GB" dirty="0"/>
@@ -11967,7 +12175,7 @@
                     <a:lstStyle/>
                     <a:p>
                       <a:r>
-                        <a:rPr lang="en-IN" dirty="0" smtClean="0"/>
+                        <a:rPr lang="en-IN" dirty="0"/>
                         <a:t>G1</a:t>
                       </a:r>
                       <a:endParaRPr lang="en-GB" dirty="0"/>
@@ -11981,7 +12189,7 @@
                     <a:lstStyle/>
                     <a:p>
                       <a:r>
-                        <a:rPr lang="en-IN" dirty="0" smtClean="0"/>
+                        <a:rPr lang="en-IN" dirty="0"/>
                         <a:t>G2</a:t>
                       </a:r>
                       <a:endParaRPr lang="en-GB" dirty="0"/>
@@ -11995,7 +12203,7 @@
                     <a:lstStyle/>
                     <a:p>
                       <a:r>
-                        <a:rPr lang="en-IN" dirty="0" smtClean="0"/>
+                        <a:rPr lang="en-IN" dirty="0"/>
                         <a:t>G3</a:t>
                       </a:r>
                       <a:endParaRPr lang="en-GB" dirty="0"/>
@@ -12009,7 +12217,7 @@
                     <a:lstStyle/>
                     <a:p>
                       <a:r>
-                        <a:rPr lang="en-IN" dirty="0" smtClean="0"/>
+                        <a:rPr lang="en-IN" dirty="0"/>
                         <a:t>G4</a:t>
                       </a:r>
                       <a:endParaRPr lang="en-GB" dirty="0"/>
@@ -12023,7 +12231,7 @@
                     <a:lstStyle/>
                     <a:p>
                       <a:r>
-                        <a:rPr lang="en-IN" dirty="0" smtClean="0"/>
+                        <a:rPr lang="en-IN" dirty="0"/>
                         <a:t>G5</a:t>
                       </a:r>
                       <a:endParaRPr lang="en-GB" dirty="0"/>
@@ -12031,6 +12239,11 @@
                   </a:txBody>
                   <a:tcPr/>
                 </a:tc>
+                <a:extLst>
+                  <a:ext uri="{0D108BD9-81ED-4DB2-BD59-A6C34878D82A}">
+                    <a16:rowId xmlns:a16="http://schemas.microsoft.com/office/drawing/2014/main" val="10000"/>
+                  </a:ext>
+                </a:extLst>
               </a:tr>
               <a:tr h="370555">
                 <a:tc>
@@ -12039,10 +12252,9 @@
                     <a:lstStyle/>
                     <a:p>
                       <a:r>
-                        <a:rPr lang="en-GB" dirty="0" smtClean="0"/>
+                        <a:rPr lang="en-GB" dirty="0"/>
                         <a:t>0.1685912 </a:t>
                       </a:r>
-                      <a:endParaRPr lang="en-GB" dirty="0"/>
                     </a:p>
                   </a:txBody>
                   <a:tcPr>
@@ -12060,10 +12272,9 @@
                     <a:lstStyle/>
                     <a:p>
                       <a:r>
-                        <a:rPr lang="en-GB" dirty="0" smtClean="0"/>
+                        <a:rPr lang="en-GB" dirty="0"/>
                         <a:t>0.1130306</a:t>
                       </a:r>
-                      <a:endParaRPr lang="en-GB" dirty="0"/>
                     </a:p>
                   </a:txBody>
                   <a:tcPr>
@@ -12081,10 +12292,9 @@
                     <a:lstStyle/>
                     <a:p>
                       <a:r>
-                        <a:rPr lang="en-GB" dirty="0" smtClean="0"/>
+                        <a:rPr lang="en-GB" dirty="0"/>
                         <a:t>0.1238481</a:t>
                       </a:r>
-                      <a:endParaRPr lang="en-GB" dirty="0"/>
                     </a:p>
                   </a:txBody>
                   <a:tcPr>
@@ -12102,10 +12312,9 @@
                     <a:lstStyle/>
                     <a:p>
                       <a:r>
-                        <a:rPr lang="en-GB" dirty="0" smtClean="0"/>
+                        <a:rPr lang="en-GB" dirty="0"/>
                         <a:t>0.1151288</a:t>
                       </a:r>
-                      <a:endParaRPr lang="en-GB" dirty="0"/>
                     </a:p>
                   </a:txBody>
                   <a:tcPr>
@@ -12123,28 +12332,31 @@
                     <a:lstStyle/>
                     <a:p>
                       <a:r>
-                        <a:rPr lang="en-GB" dirty="0" smtClean="0"/>
+                        <a:rPr lang="en-GB" dirty="0"/>
                         <a:t>0.2228648</a:t>
                       </a:r>
-                      <a:endParaRPr lang="en-GB" dirty="0"/>
-                    </a:p>
-                  </a:txBody>
-                  <a:tcPr/>
-                </a:tc>
-                <a:tc>
-                  <a:txBody>
-                    <a:bodyPr/>
-                    <a:lstStyle/>
-                    <a:p>
-                      <a:r>
-                        <a:rPr lang="en-GB" dirty="0" smtClean="0"/>
+                    </a:p>
+                  </a:txBody>
+                  <a:tcPr/>
+                </a:tc>
+                <a:tc>
+                  <a:txBody>
+                    <a:bodyPr/>
+                    <a:lstStyle/>
+                    <a:p>
+                      <a:r>
+                        <a:rPr lang="en-GB" dirty="0"/>
                         <a:t>0.217119</a:t>
                       </a:r>
-                      <a:endParaRPr lang="en-GB" dirty="0"/>
-                    </a:p>
-                  </a:txBody>
-                  <a:tcPr/>
-                </a:tc>
+                    </a:p>
+                  </a:txBody>
+                  <a:tcPr/>
+                </a:tc>
+                <a:extLst>
+                  <a:ext uri="{0D108BD9-81ED-4DB2-BD59-A6C34878D82A}">
+                    <a16:rowId xmlns:a16="http://schemas.microsoft.com/office/drawing/2014/main" val="10001"/>
+                  </a:ext>
+                </a:extLst>
               </a:tr>
             </a:tbl>
           </a:graphicData>
@@ -12224,7 +12436,7 @@
 </p:sld>
 </file>
 
-<file path=ppt/slides/slide27.xml><?xml version="1.0" encoding="utf-8"?>
+<file path=ppt/slides/slide28.xml><?xml version="1.0" encoding="utf-8"?>
 <p:sld xmlns:a="http://schemas.openxmlformats.org/drawingml/2006/main" xmlns:r="http://schemas.openxmlformats.org/officeDocument/2006/relationships" xmlns:p="http://schemas.openxmlformats.org/presentationml/2006/main">
   <p:cSld>
     <p:spTree>
@@ -12246,7 +12458,7 @@
           <p:cNvPr id="2" name="Title 1">
             <a:extLst>
               <a:ext uri="{FF2B5EF4-FFF2-40B4-BE49-F238E27FC236}">
-                <a16:creationId xmlns:a16="http://schemas.microsoft.com/office/drawing/2014/main" xmlns="" id="{5115C648-66B8-49BE-B33E-D2150B203B24}"/>
+                <a16:creationId xmlns:a16="http://schemas.microsoft.com/office/drawing/2014/main" id="{5115C648-66B8-49BE-B33E-D2150B203B24}"/>
               </a:ext>
             </a:extLst>
           </p:cNvPr>
@@ -12263,17 +12475,16 @@
           <a:lstStyle/>
           <a:p>
             <a:r>
-              <a:rPr lang="en-US" dirty="0" smtClean="0"/>
+              <a:rPr lang="en-US" dirty="0"/>
               <a:t>Position Analysis</a:t>
             </a:r>
             <a:br>
-              <a:rPr lang="en-US" dirty="0" smtClean="0"/>
+              <a:rPr lang="en-US" dirty="0"/>
             </a:br>
             <a:r>
-              <a:rPr lang="en-US" sz="2800" dirty="0" smtClean="0"/>
+              <a:rPr lang="en-US" sz="2800" dirty="0"/>
               <a:t>Degrees:</a:t>
             </a:r>
-            <a:endParaRPr lang="en-US" sz="2800" dirty="0"/>
           </a:p>
         </p:txBody>
       </p:sp>
@@ -12282,7 +12493,7 @@
           <p:cNvPr id="3" name="Content Placeholder 2">
             <a:extLst>
               <a:ext uri="{FF2B5EF4-FFF2-40B4-BE49-F238E27FC236}">
-                <a16:creationId xmlns:a16="http://schemas.microsoft.com/office/drawing/2014/main" xmlns="" id="{B7CBAD27-F7D7-45FE-9E5B-0B22E29CC45E}"/>
+                <a16:creationId xmlns:a16="http://schemas.microsoft.com/office/drawing/2014/main" id="{B7CBAD27-F7D7-45FE-9E5B-0B22E29CC45E}"/>
               </a:ext>
             </a:extLst>
           </p:cNvPr>
@@ -12299,7 +12510,7 @@
           <a:lstStyle/>
           <a:p>
             <a:r>
-              <a:rPr lang="en-US" sz="2000" dirty="0" smtClean="0"/>
+              <a:rPr lang="en-US" sz="2000" dirty="0"/>
               <a:t>In Degree:</a:t>
             </a:r>
           </a:p>
@@ -12307,20 +12518,19 @@
             <a:pPr marL="0" indent="0">
               <a:buNone/>
             </a:pPr>
-            <a:endParaRPr lang="en-US" dirty="0" smtClean="0"/>
+            <a:endParaRPr lang="en-US" dirty="0"/>
           </a:p>
           <a:p>
             <a:pPr marL="0" indent="0">
               <a:buNone/>
             </a:pPr>
-            <a:endParaRPr lang="en-US" dirty="0" smtClean="0"/>
-          </a:p>
-          <a:p>
-            <a:r>
-              <a:rPr lang="en-US" sz="2000" dirty="0" smtClean="0"/>
+            <a:endParaRPr lang="en-US" dirty="0"/>
+          </a:p>
+          <a:p>
+            <a:r>
+              <a:rPr lang="en-US" sz="2000" dirty="0"/>
               <a:t>Out Degree</a:t>
             </a:r>
-            <a:endParaRPr lang="en-US" sz="2000" dirty="0"/>
           </a:p>
         </p:txBody>
       </p:sp>
@@ -12329,7 +12539,7 @@
           <p:cNvPr id="8" name="Rectangle 3">
             <a:extLst>
               <a:ext uri="{FF2B5EF4-FFF2-40B4-BE49-F238E27FC236}">
-                <a16:creationId xmlns:a16="http://schemas.microsoft.com/office/drawing/2014/main" xmlns="" id="{A59012F7-007B-4721-9046-E5B2FC83BD87}"/>
+                <a16:creationId xmlns:a16="http://schemas.microsoft.com/office/drawing/2014/main" id="{A59012F7-007B-4721-9046-E5B2FC83BD87}"/>
               </a:ext>
             </a:extLst>
           </p:cNvPr>
@@ -12463,12 +12673,48 @@
                 <a:tableStyleId>{5C22544A-7EE6-4342-B048-85BDC9FD1C3A}</a:tableStyleId>
               </a:tblPr>
               <a:tblGrid>
-                <a:gridCol w="1354667"/>
-                <a:gridCol w="1354667"/>
-                <a:gridCol w="1354667"/>
-                <a:gridCol w="1354667"/>
-                <a:gridCol w="1354667"/>
-                <a:gridCol w="1354667"/>
+                <a:gridCol w="1354667">
+                  <a:extLst>
+                    <a:ext uri="{9D8B030D-6E8A-4147-A177-3AD203B41FA5}">
+                      <a16:colId xmlns:a16="http://schemas.microsoft.com/office/drawing/2014/main" val="20000"/>
+                    </a:ext>
+                  </a:extLst>
+                </a:gridCol>
+                <a:gridCol w="1354667">
+                  <a:extLst>
+                    <a:ext uri="{9D8B030D-6E8A-4147-A177-3AD203B41FA5}">
+                      <a16:colId xmlns:a16="http://schemas.microsoft.com/office/drawing/2014/main" val="20001"/>
+                    </a:ext>
+                  </a:extLst>
+                </a:gridCol>
+                <a:gridCol w="1354667">
+                  <a:extLst>
+                    <a:ext uri="{9D8B030D-6E8A-4147-A177-3AD203B41FA5}">
+                      <a16:colId xmlns:a16="http://schemas.microsoft.com/office/drawing/2014/main" val="20002"/>
+                    </a:ext>
+                  </a:extLst>
+                </a:gridCol>
+                <a:gridCol w="1354667">
+                  <a:extLst>
+                    <a:ext uri="{9D8B030D-6E8A-4147-A177-3AD203B41FA5}">
+                      <a16:colId xmlns:a16="http://schemas.microsoft.com/office/drawing/2014/main" val="20003"/>
+                    </a:ext>
+                  </a:extLst>
+                </a:gridCol>
+                <a:gridCol w="1354667">
+                  <a:extLst>
+                    <a:ext uri="{9D8B030D-6E8A-4147-A177-3AD203B41FA5}">
+                      <a16:colId xmlns:a16="http://schemas.microsoft.com/office/drawing/2014/main" val="20004"/>
+                    </a:ext>
+                  </a:extLst>
+                </a:gridCol>
+                <a:gridCol w="1354667">
+                  <a:extLst>
+                    <a:ext uri="{9D8B030D-6E8A-4147-A177-3AD203B41FA5}">
+                      <a16:colId xmlns:a16="http://schemas.microsoft.com/office/drawing/2014/main" val="20005"/>
+                    </a:ext>
+                  </a:extLst>
+                </a:gridCol>
               </a:tblGrid>
               <a:tr h="370555">
                 <a:tc>
@@ -12477,7 +12723,7 @@
                     <a:lstStyle/>
                     <a:p>
                       <a:r>
-                        <a:rPr lang="en-IN" dirty="0" smtClean="0"/>
+                        <a:rPr lang="en-IN" dirty="0"/>
                         <a:t>Template</a:t>
                       </a:r>
                       <a:endParaRPr lang="en-GB" dirty="0"/>
@@ -12491,7 +12737,7 @@
                     <a:lstStyle/>
                     <a:p>
                       <a:r>
-                        <a:rPr lang="en-IN" dirty="0" smtClean="0"/>
+                        <a:rPr lang="en-IN" dirty="0"/>
                         <a:t>G1</a:t>
                       </a:r>
                       <a:endParaRPr lang="en-GB" dirty="0"/>
@@ -12505,7 +12751,7 @@
                     <a:lstStyle/>
                     <a:p>
                       <a:r>
-                        <a:rPr lang="en-IN" dirty="0" smtClean="0"/>
+                        <a:rPr lang="en-IN" dirty="0"/>
                         <a:t>G2</a:t>
                       </a:r>
                       <a:endParaRPr lang="en-GB" dirty="0"/>
@@ -12519,7 +12765,7 @@
                     <a:lstStyle/>
                     <a:p>
                       <a:r>
-                        <a:rPr lang="en-IN" dirty="0" smtClean="0"/>
+                        <a:rPr lang="en-IN" dirty="0"/>
                         <a:t>G3</a:t>
                       </a:r>
                       <a:endParaRPr lang="en-GB" dirty="0"/>
@@ -12533,7 +12779,7 @@
                     <a:lstStyle/>
                     <a:p>
                       <a:r>
-                        <a:rPr lang="en-IN" dirty="0" smtClean="0"/>
+                        <a:rPr lang="en-IN" dirty="0"/>
                         <a:t>G4</a:t>
                       </a:r>
                       <a:endParaRPr lang="en-GB" dirty="0"/>
@@ -12547,7 +12793,7 @@
                     <a:lstStyle/>
                     <a:p>
                       <a:r>
-                        <a:rPr lang="en-IN" dirty="0" smtClean="0"/>
+                        <a:rPr lang="en-IN" dirty="0"/>
                         <a:t>G5</a:t>
                       </a:r>
                       <a:endParaRPr lang="en-GB" dirty="0"/>
@@ -12555,6 +12801,11 @@
                   </a:txBody>
                   <a:tcPr/>
                 </a:tc>
+                <a:extLst>
+                  <a:ext uri="{0D108BD9-81ED-4DB2-BD59-A6C34878D82A}">
+                    <a16:rowId xmlns:a16="http://schemas.microsoft.com/office/drawing/2014/main" val="10000"/>
+                  </a:ext>
+                </a:extLst>
               </a:tr>
               <a:tr h="370555">
                 <a:tc>
@@ -12563,10 +12814,9 @@
                     <a:lstStyle/>
                     <a:p>
                       <a:r>
-                        <a:rPr lang="en-GB" dirty="0" smtClean="0"/>
+                        <a:rPr lang="en-GB" dirty="0"/>
                         <a:t>0-72</a:t>
                       </a:r>
-                      <a:endParaRPr lang="en-GB" dirty="0"/>
                     </a:p>
                   </a:txBody>
                   <a:tcPr>
@@ -12584,10 +12834,9 @@
                     <a:lstStyle/>
                     <a:p>
                       <a:r>
-                        <a:rPr lang="en-GB" dirty="0" smtClean="0"/>
+                        <a:rPr lang="en-GB" dirty="0"/>
                         <a:t>0-64</a:t>
                       </a:r>
-                      <a:endParaRPr lang="en-GB" dirty="0"/>
                     </a:p>
                   </a:txBody>
                   <a:tcPr>
@@ -12605,10 +12854,9 @@
                     <a:lstStyle/>
                     <a:p>
                       <a:r>
-                        <a:rPr lang="en-GB" dirty="0" smtClean="0"/>
+                        <a:rPr lang="en-GB" dirty="0"/>
                         <a:t>0-96</a:t>
                       </a:r>
-                      <a:endParaRPr lang="en-GB" dirty="0"/>
                     </a:p>
                   </a:txBody>
                   <a:tcPr>
@@ -12626,10 +12874,9 @@
                     <a:lstStyle/>
                     <a:p>
                       <a:r>
-                        <a:rPr lang="en-GB" dirty="0" smtClean="0"/>
+                        <a:rPr lang="en-GB" dirty="0"/>
                         <a:t>0-36</a:t>
                       </a:r>
-                      <a:endParaRPr lang="en-GB" dirty="0"/>
                     </a:p>
                   </a:txBody>
                   <a:tcPr>
@@ -12647,28 +12894,31 @@
                     <a:lstStyle/>
                     <a:p>
                       <a:r>
-                        <a:rPr lang="en-GB" dirty="0" smtClean="0"/>
+                        <a:rPr lang="en-GB" dirty="0"/>
                         <a:t>0-35</a:t>
                       </a:r>
-                      <a:endParaRPr lang="en-GB" dirty="0"/>
-                    </a:p>
-                  </a:txBody>
-                  <a:tcPr/>
-                </a:tc>
-                <a:tc>
-                  <a:txBody>
-                    <a:bodyPr/>
-                    <a:lstStyle/>
-                    <a:p>
-                      <a:r>
-                        <a:rPr lang="en-GB" dirty="0" smtClean="0"/>
+                    </a:p>
+                  </a:txBody>
+                  <a:tcPr/>
+                </a:tc>
+                <a:tc>
+                  <a:txBody>
+                    <a:bodyPr/>
+                    <a:lstStyle/>
+                    <a:p>
+                      <a:r>
+                        <a:rPr lang="en-GB" dirty="0"/>
                         <a:t>0-30</a:t>
                       </a:r>
-                      <a:endParaRPr lang="en-GB" dirty="0"/>
-                    </a:p>
-                  </a:txBody>
-                  <a:tcPr/>
-                </a:tc>
+                    </a:p>
+                  </a:txBody>
+                  <a:tcPr/>
+                </a:tc>
+                <a:extLst>
+                  <a:ext uri="{0D108BD9-81ED-4DB2-BD59-A6C34878D82A}">
+                    <a16:rowId xmlns:a16="http://schemas.microsoft.com/office/drawing/2014/main" val="10001"/>
+                  </a:ext>
+                </a:extLst>
               </a:tr>
             </a:tbl>
           </a:graphicData>
@@ -12704,24 +12954,8 @@
               <a:t>Similarity: </a:t>
             </a:r>
             <a:r>
-              <a:rPr lang="de-DE" dirty="0" smtClean="0"/>
-              <a:t>Graph2 &gt;Graph1 &gt; </a:t>
-            </a:r>
-            <a:r>
               <a:rPr lang="de-DE" dirty="0"/>
-              <a:t>Graph3 &gt;</a:t>
-            </a:r>
-            <a:r>
-              <a:rPr lang="de-DE" dirty="0" smtClean="0"/>
-              <a:t> Graph4 </a:t>
-            </a:r>
-            <a:r>
-              <a:rPr lang="de-DE" dirty="0"/>
-              <a:t>&gt; </a:t>
-            </a:r>
-            <a:r>
-              <a:rPr lang="de-DE" dirty="0" smtClean="0"/>
-              <a:t>Graph5</a:t>
+              <a:t>Graph2 &gt;Graph1 &gt; Graph3 &gt; Graph4 &gt; Graph5</a:t>
             </a:r>
             <a:endParaRPr lang="en-GB" dirty="0"/>
           </a:p>
@@ -12752,12 +12986,48 @@
                 <a:tableStyleId>{5C22544A-7EE6-4342-B048-85BDC9FD1C3A}</a:tableStyleId>
               </a:tblPr>
               <a:tblGrid>
-                <a:gridCol w="1354667"/>
-                <a:gridCol w="1354667"/>
-                <a:gridCol w="1354667"/>
-                <a:gridCol w="1354667"/>
-                <a:gridCol w="1354667"/>
-                <a:gridCol w="1354667"/>
+                <a:gridCol w="1354667">
+                  <a:extLst>
+                    <a:ext uri="{9D8B030D-6E8A-4147-A177-3AD203B41FA5}">
+                      <a16:colId xmlns:a16="http://schemas.microsoft.com/office/drawing/2014/main" val="20000"/>
+                    </a:ext>
+                  </a:extLst>
+                </a:gridCol>
+                <a:gridCol w="1354667">
+                  <a:extLst>
+                    <a:ext uri="{9D8B030D-6E8A-4147-A177-3AD203B41FA5}">
+                      <a16:colId xmlns:a16="http://schemas.microsoft.com/office/drawing/2014/main" val="20001"/>
+                    </a:ext>
+                  </a:extLst>
+                </a:gridCol>
+                <a:gridCol w="1354667">
+                  <a:extLst>
+                    <a:ext uri="{9D8B030D-6E8A-4147-A177-3AD203B41FA5}">
+                      <a16:colId xmlns:a16="http://schemas.microsoft.com/office/drawing/2014/main" val="20002"/>
+                    </a:ext>
+                  </a:extLst>
+                </a:gridCol>
+                <a:gridCol w="1354667">
+                  <a:extLst>
+                    <a:ext uri="{9D8B030D-6E8A-4147-A177-3AD203B41FA5}">
+                      <a16:colId xmlns:a16="http://schemas.microsoft.com/office/drawing/2014/main" val="20003"/>
+                    </a:ext>
+                  </a:extLst>
+                </a:gridCol>
+                <a:gridCol w="1354667">
+                  <a:extLst>
+                    <a:ext uri="{9D8B030D-6E8A-4147-A177-3AD203B41FA5}">
+                      <a16:colId xmlns:a16="http://schemas.microsoft.com/office/drawing/2014/main" val="20004"/>
+                    </a:ext>
+                  </a:extLst>
+                </a:gridCol>
+                <a:gridCol w="1354667">
+                  <a:extLst>
+                    <a:ext uri="{9D8B030D-6E8A-4147-A177-3AD203B41FA5}">
+                      <a16:colId xmlns:a16="http://schemas.microsoft.com/office/drawing/2014/main" val="20005"/>
+                    </a:ext>
+                  </a:extLst>
+                </a:gridCol>
               </a:tblGrid>
               <a:tr h="370555">
                 <a:tc>
@@ -12766,7 +13036,7 @@
                     <a:lstStyle/>
                     <a:p>
                       <a:r>
-                        <a:rPr lang="en-IN" dirty="0" smtClean="0"/>
+                        <a:rPr lang="en-IN" dirty="0"/>
                         <a:t>Template</a:t>
                       </a:r>
                       <a:endParaRPr lang="en-GB" dirty="0"/>
@@ -12780,7 +13050,7 @@
                     <a:lstStyle/>
                     <a:p>
                       <a:r>
-                        <a:rPr lang="en-IN" dirty="0" smtClean="0"/>
+                        <a:rPr lang="en-IN" dirty="0"/>
                         <a:t>G1</a:t>
                       </a:r>
                       <a:endParaRPr lang="en-GB" dirty="0"/>
@@ -12794,7 +13064,7 @@
                     <a:lstStyle/>
                     <a:p>
                       <a:r>
-                        <a:rPr lang="en-IN" dirty="0" smtClean="0"/>
+                        <a:rPr lang="en-IN" dirty="0"/>
                         <a:t>G2</a:t>
                       </a:r>
                       <a:endParaRPr lang="en-GB" dirty="0"/>
@@ -12808,7 +13078,7 @@
                     <a:lstStyle/>
                     <a:p>
                       <a:r>
-                        <a:rPr lang="en-IN" dirty="0" smtClean="0"/>
+                        <a:rPr lang="en-IN" dirty="0"/>
                         <a:t>G3</a:t>
                       </a:r>
                       <a:endParaRPr lang="en-GB" dirty="0"/>
@@ -12822,7 +13092,7 @@
                     <a:lstStyle/>
                     <a:p>
                       <a:r>
-                        <a:rPr lang="en-IN" dirty="0" smtClean="0"/>
+                        <a:rPr lang="en-IN" dirty="0"/>
                         <a:t>G4</a:t>
                       </a:r>
                       <a:endParaRPr lang="en-GB" dirty="0"/>
@@ -12836,7 +13106,7 @@
                     <a:lstStyle/>
                     <a:p>
                       <a:r>
-                        <a:rPr lang="en-IN" dirty="0" smtClean="0"/>
+                        <a:rPr lang="en-IN" dirty="0"/>
                         <a:t>G5</a:t>
                       </a:r>
                       <a:endParaRPr lang="en-GB" dirty="0"/>
@@ -12844,6 +13114,11 @@
                   </a:txBody>
                   <a:tcPr/>
                 </a:tc>
+                <a:extLst>
+                  <a:ext uri="{0D108BD9-81ED-4DB2-BD59-A6C34878D82A}">
+                    <a16:rowId xmlns:a16="http://schemas.microsoft.com/office/drawing/2014/main" val="10000"/>
+                  </a:ext>
+                </a:extLst>
               </a:tr>
               <a:tr h="370555">
                 <a:tc>
@@ -12852,10 +13127,9 @@
                     <a:lstStyle/>
                     <a:p>
                       <a:r>
-                        <a:rPr lang="en-GB" dirty="0" smtClean="0"/>
+                        <a:rPr lang="en-GB" dirty="0"/>
                         <a:t>0-136</a:t>
                       </a:r>
-                      <a:endParaRPr lang="en-GB" dirty="0"/>
                     </a:p>
                   </a:txBody>
                   <a:tcPr>
@@ -12873,10 +13147,9 @@
                     <a:lstStyle/>
                     <a:p>
                       <a:r>
-                        <a:rPr lang="en-GB" dirty="0" smtClean="0"/>
+                        <a:rPr lang="en-GB" dirty="0"/>
                         <a:t>0-77</a:t>
                       </a:r>
-                      <a:endParaRPr lang="en-GB" dirty="0"/>
                     </a:p>
                   </a:txBody>
                   <a:tcPr>
@@ -12894,10 +13167,9 @@
                     <a:lstStyle/>
                     <a:p>
                       <a:r>
-                        <a:rPr lang="en-GB" dirty="0" smtClean="0"/>
+                        <a:rPr lang="en-GB" dirty="0"/>
                         <a:t>0-96</a:t>
                       </a:r>
-                      <a:endParaRPr lang="en-GB" dirty="0"/>
                     </a:p>
                   </a:txBody>
                   <a:tcPr>
@@ -12915,10 +13187,9 @@
                     <a:lstStyle/>
                     <a:p>
                       <a:r>
-                        <a:rPr lang="en-GB" dirty="0" smtClean="0"/>
+                        <a:rPr lang="en-GB" dirty="0"/>
                         <a:t>0-50</a:t>
                       </a:r>
-                      <a:endParaRPr lang="en-GB" dirty="0"/>
                     </a:p>
                   </a:txBody>
                   <a:tcPr>
@@ -12936,28 +13207,31 @@
                     <a:lstStyle/>
                     <a:p>
                       <a:r>
-                        <a:rPr lang="en-GB" dirty="0" smtClean="0"/>
+                        <a:rPr lang="en-GB" dirty="0"/>
                         <a:t>0-59</a:t>
                       </a:r>
-                      <a:endParaRPr lang="en-GB" dirty="0"/>
-                    </a:p>
-                  </a:txBody>
-                  <a:tcPr/>
-                </a:tc>
-                <a:tc>
-                  <a:txBody>
-                    <a:bodyPr/>
-                    <a:lstStyle/>
-                    <a:p>
-                      <a:r>
-                        <a:rPr lang="en-GB" dirty="0" smtClean="0"/>
+                    </a:p>
+                  </a:txBody>
+                  <a:tcPr/>
+                </a:tc>
+                <a:tc>
+                  <a:txBody>
+                    <a:bodyPr/>
+                    <a:lstStyle/>
+                    <a:p>
+                      <a:r>
+                        <a:rPr lang="en-GB" dirty="0"/>
                         <a:t>0-67</a:t>
                       </a:r>
-                      <a:endParaRPr lang="en-GB" dirty="0"/>
-                    </a:p>
-                  </a:txBody>
-                  <a:tcPr/>
-                </a:tc>
+                    </a:p>
+                  </a:txBody>
+                  <a:tcPr/>
+                </a:tc>
+                <a:extLst>
+                  <a:ext uri="{0D108BD9-81ED-4DB2-BD59-A6C34878D82A}">
+                    <a16:rowId xmlns:a16="http://schemas.microsoft.com/office/drawing/2014/main" val="10001"/>
+                  </a:ext>
+                </a:extLst>
               </a:tr>
             </a:tbl>
           </a:graphicData>
@@ -12988,12 +13262,48 @@
                 <a:tableStyleId>{5C22544A-7EE6-4342-B048-85BDC9FD1C3A}</a:tableStyleId>
               </a:tblPr>
               <a:tblGrid>
-                <a:gridCol w="1354667"/>
-                <a:gridCol w="1354667"/>
-                <a:gridCol w="1354667"/>
-                <a:gridCol w="1354667"/>
-                <a:gridCol w="1354667"/>
-                <a:gridCol w="1354667"/>
+                <a:gridCol w="1354667">
+                  <a:extLst>
+                    <a:ext uri="{9D8B030D-6E8A-4147-A177-3AD203B41FA5}">
+                      <a16:colId xmlns:a16="http://schemas.microsoft.com/office/drawing/2014/main" val="20000"/>
+                    </a:ext>
+                  </a:extLst>
+                </a:gridCol>
+                <a:gridCol w="1354667">
+                  <a:extLst>
+                    <a:ext uri="{9D8B030D-6E8A-4147-A177-3AD203B41FA5}">
+                      <a16:colId xmlns:a16="http://schemas.microsoft.com/office/drawing/2014/main" val="20001"/>
+                    </a:ext>
+                  </a:extLst>
+                </a:gridCol>
+                <a:gridCol w="1354667">
+                  <a:extLst>
+                    <a:ext uri="{9D8B030D-6E8A-4147-A177-3AD203B41FA5}">
+                      <a16:colId xmlns:a16="http://schemas.microsoft.com/office/drawing/2014/main" val="20002"/>
+                    </a:ext>
+                  </a:extLst>
+                </a:gridCol>
+                <a:gridCol w="1354667">
+                  <a:extLst>
+                    <a:ext uri="{9D8B030D-6E8A-4147-A177-3AD203B41FA5}">
+                      <a16:colId xmlns:a16="http://schemas.microsoft.com/office/drawing/2014/main" val="20003"/>
+                    </a:ext>
+                  </a:extLst>
+                </a:gridCol>
+                <a:gridCol w="1354667">
+                  <a:extLst>
+                    <a:ext uri="{9D8B030D-6E8A-4147-A177-3AD203B41FA5}">
+                      <a16:colId xmlns:a16="http://schemas.microsoft.com/office/drawing/2014/main" val="20004"/>
+                    </a:ext>
+                  </a:extLst>
+                </a:gridCol>
+                <a:gridCol w="1354667">
+                  <a:extLst>
+                    <a:ext uri="{9D8B030D-6E8A-4147-A177-3AD203B41FA5}">
+                      <a16:colId xmlns:a16="http://schemas.microsoft.com/office/drawing/2014/main" val="20005"/>
+                    </a:ext>
+                  </a:extLst>
+                </a:gridCol>
               </a:tblGrid>
               <a:tr h="370555">
                 <a:tc>
@@ -13002,7 +13312,7 @@
                     <a:lstStyle/>
                     <a:p>
                       <a:r>
-                        <a:rPr lang="en-IN" dirty="0" smtClean="0"/>
+                        <a:rPr lang="en-IN" dirty="0"/>
                         <a:t>Template</a:t>
                       </a:r>
                       <a:endParaRPr lang="en-GB" dirty="0"/>
@@ -13016,7 +13326,7 @@
                     <a:lstStyle/>
                     <a:p>
                       <a:r>
-                        <a:rPr lang="en-IN" dirty="0" smtClean="0"/>
+                        <a:rPr lang="en-IN" dirty="0"/>
                         <a:t>G1</a:t>
                       </a:r>
                       <a:endParaRPr lang="en-GB" dirty="0"/>
@@ -13030,7 +13340,7 @@
                     <a:lstStyle/>
                     <a:p>
                       <a:r>
-                        <a:rPr lang="en-IN" dirty="0" smtClean="0"/>
+                        <a:rPr lang="en-IN" dirty="0"/>
                         <a:t>G2</a:t>
                       </a:r>
                       <a:endParaRPr lang="en-GB" dirty="0"/>
@@ -13044,7 +13354,7 @@
                     <a:lstStyle/>
                     <a:p>
                       <a:r>
-                        <a:rPr lang="en-IN" dirty="0" smtClean="0"/>
+                        <a:rPr lang="en-IN" dirty="0"/>
                         <a:t>G3</a:t>
                       </a:r>
                       <a:endParaRPr lang="en-GB" dirty="0"/>
@@ -13058,7 +13368,7 @@
                     <a:lstStyle/>
                     <a:p>
                       <a:r>
-                        <a:rPr lang="en-IN" dirty="0" smtClean="0"/>
+                        <a:rPr lang="en-IN" dirty="0"/>
                         <a:t>G4</a:t>
                       </a:r>
                       <a:endParaRPr lang="en-GB" dirty="0"/>
@@ -13072,7 +13382,7 @@
                     <a:lstStyle/>
                     <a:p>
                       <a:r>
-                        <a:rPr lang="en-IN" dirty="0" smtClean="0"/>
+                        <a:rPr lang="en-IN" dirty="0"/>
                         <a:t>G5</a:t>
                       </a:r>
                       <a:endParaRPr lang="en-GB" dirty="0"/>
@@ -13080,6 +13390,11 @@
                   </a:txBody>
                   <a:tcPr/>
                 </a:tc>
+                <a:extLst>
+                  <a:ext uri="{0D108BD9-81ED-4DB2-BD59-A6C34878D82A}">
+                    <a16:rowId xmlns:a16="http://schemas.microsoft.com/office/drawing/2014/main" val="10000"/>
+                  </a:ext>
+                </a:extLst>
               </a:tr>
               <a:tr h="370555">
                 <a:tc>
@@ -13088,10 +13403,9 @@
                     <a:lstStyle/>
                     <a:p>
                       <a:r>
-                        <a:rPr lang="en-GB" dirty="0" smtClean="0"/>
+                        <a:rPr lang="en-GB" dirty="0"/>
                         <a:t>1-208</a:t>
                       </a:r>
-                      <a:endParaRPr lang="en-GB" dirty="0"/>
                     </a:p>
                   </a:txBody>
                   <a:tcPr>
@@ -13109,10 +13423,9 @@
                     <a:lstStyle/>
                     <a:p>
                       <a:r>
-                        <a:rPr lang="en-GB" dirty="0" smtClean="0"/>
+                        <a:rPr lang="en-GB" dirty="0"/>
                         <a:t>1-135</a:t>
                       </a:r>
-                      <a:endParaRPr lang="en-GB" dirty="0"/>
                     </a:p>
                   </a:txBody>
                   <a:tcPr>
@@ -13130,10 +13443,9 @@
                     <a:lstStyle/>
                     <a:p>
                       <a:r>
-                        <a:rPr lang="en-GB" dirty="0" smtClean="0"/>
+                        <a:rPr lang="en-GB" dirty="0"/>
                         <a:t>1-192</a:t>
                       </a:r>
-                      <a:endParaRPr lang="en-GB" dirty="0"/>
                     </a:p>
                   </a:txBody>
                   <a:tcPr>
@@ -13151,10 +13463,9 @@
                     <a:lstStyle/>
                     <a:p>
                       <a:r>
-                        <a:rPr lang="en-GB" dirty="0" smtClean="0"/>
+                        <a:rPr lang="en-GB" dirty="0"/>
                         <a:t>1-68</a:t>
                       </a:r>
-                      <a:endParaRPr lang="en-GB" dirty="0"/>
                     </a:p>
                   </a:txBody>
                   <a:tcPr>
@@ -13172,28 +13483,31 @@
                     <a:lstStyle/>
                     <a:p>
                       <a:r>
-                        <a:rPr lang="en-GB" dirty="0" smtClean="0"/>
+                        <a:rPr lang="en-GB" dirty="0"/>
                         <a:t>1-64</a:t>
                       </a:r>
-                      <a:endParaRPr lang="en-GB" dirty="0"/>
-                    </a:p>
-                  </a:txBody>
-                  <a:tcPr/>
-                </a:tc>
-                <a:tc>
-                  <a:txBody>
-                    <a:bodyPr/>
-                    <a:lstStyle/>
-                    <a:p>
-                      <a:r>
-                        <a:rPr lang="en-GB" dirty="0" smtClean="0"/>
+                    </a:p>
+                  </a:txBody>
+                  <a:tcPr/>
+                </a:tc>
+                <a:tc>
+                  <a:txBody>
+                    <a:bodyPr/>
+                    <a:lstStyle/>
+                    <a:p>
+                      <a:r>
+                        <a:rPr lang="en-GB" dirty="0"/>
                         <a:t>1-72</a:t>
                       </a:r>
-                      <a:endParaRPr lang="en-GB" dirty="0"/>
-                    </a:p>
-                  </a:txBody>
-                  <a:tcPr/>
-                </a:tc>
+                    </a:p>
+                  </a:txBody>
+                  <a:tcPr/>
+                </a:tc>
+                <a:extLst>
+                  <a:ext uri="{0D108BD9-81ED-4DB2-BD59-A6C34878D82A}">
+                    <a16:rowId xmlns:a16="http://schemas.microsoft.com/office/drawing/2014/main" val="10001"/>
+                  </a:ext>
+                </a:extLst>
               </a:tr>
             </a:tbl>
           </a:graphicData>
@@ -13226,7 +13540,7 @@
               <a:buChar char="•"/>
             </a:pPr>
             <a:r>
-              <a:rPr lang="en-IN" dirty="0" smtClean="0"/>
+              <a:rPr lang="en-IN" dirty="0"/>
               <a:t>All</a:t>
             </a:r>
             <a:endParaRPr lang="en-GB" dirty="0"/>
@@ -13246,7 +13560,7 @@
 </p:sld>
 </file>
 
-<file path=ppt/slides/slide28.xml><?xml version="1.0" encoding="utf-8"?>
+<file path=ppt/slides/slide29.xml><?xml version="1.0" encoding="utf-8"?>
 <p:sld xmlns:a="http://schemas.openxmlformats.org/drawingml/2006/main" xmlns:r="http://schemas.openxmlformats.org/officeDocument/2006/relationships" xmlns:p="http://schemas.openxmlformats.org/presentationml/2006/main">
   <p:cSld>
     <p:spTree>
@@ -13268,7 +13582,7 @@
           <p:cNvPr id="2" name="Title 1">
             <a:extLst>
               <a:ext uri="{FF2B5EF4-FFF2-40B4-BE49-F238E27FC236}">
-                <a16:creationId xmlns:a16="http://schemas.microsoft.com/office/drawing/2014/main" xmlns="" id="{5115C648-66B8-49BE-B33E-D2150B203B24}"/>
+                <a16:creationId xmlns:a16="http://schemas.microsoft.com/office/drawing/2014/main" id="{5115C648-66B8-49BE-B33E-D2150B203B24}"/>
               </a:ext>
             </a:extLst>
           </p:cNvPr>
@@ -13285,17 +13599,16 @@
           <a:lstStyle/>
           <a:p>
             <a:r>
-              <a:rPr lang="en-US" dirty="0" smtClean="0"/>
+              <a:rPr lang="en-US" dirty="0"/>
               <a:t>Position Analysis</a:t>
             </a:r>
             <a:br>
-              <a:rPr lang="en-US" dirty="0" smtClean="0"/>
+              <a:rPr lang="en-US" dirty="0"/>
             </a:br>
             <a:r>
-              <a:rPr lang="en-US" sz="2800" dirty="0" smtClean="0"/>
+              <a:rPr lang="en-US" sz="2800" dirty="0"/>
               <a:t>Closeness:</a:t>
             </a:r>
-            <a:endParaRPr lang="en-US" sz="2800" dirty="0"/>
           </a:p>
         </p:txBody>
       </p:sp>
@@ -13304,7 +13617,7 @@
           <p:cNvPr id="3" name="Content Placeholder 2">
             <a:extLst>
               <a:ext uri="{FF2B5EF4-FFF2-40B4-BE49-F238E27FC236}">
-                <a16:creationId xmlns:a16="http://schemas.microsoft.com/office/drawing/2014/main" xmlns="" id="{B7CBAD27-F7D7-45FE-9E5B-0B22E29CC45E}"/>
+                <a16:creationId xmlns:a16="http://schemas.microsoft.com/office/drawing/2014/main" id="{B7CBAD27-F7D7-45FE-9E5B-0B22E29CC45E}"/>
               </a:ext>
             </a:extLst>
           </p:cNvPr>
@@ -13324,30 +13637,25 @@
               <a:rPr lang="en-GB" sz="2000" dirty="0"/>
               <a:t>reciprocal of the sum of the length of the shortest paths between the node and all other nodes in the graph. </a:t>
             </a:r>
-            <a:endParaRPr lang="en-GB" sz="2000" dirty="0" smtClean="0"/>
-          </a:p>
-          <a:p>
-            <a:r>
-              <a:rPr lang="en-GB" sz="2000" dirty="0" smtClean="0"/>
-              <a:t>Thus</a:t>
-            </a:r>
+          </a:p>
+          <a:p>
             <a:r>
               <a:rPr lang="en-GB" sz="2000" dirty="0"/>
-              <a:t>, the more central a node is, the closer it is to all other nodes.</a:t>
-            </a:r>
-            <a:endParaRPr lang="en-US" sz="2000" dirty="0" smtClean="0"/>
+              <a:t>Thus, the more central a node is, the closer it is to all other nodes.</a:t>
+            </a:r>
+            <a:endParaRPr lang="en-US" sz="2000" dirty="0"/>
           </a:p>
           <a:p>
             <a:pPr marL="0" indent="0">
               <a:buNone/>
             </a:pPr>
-            <a:endParaRPr lang="en-US" dirty="0" smtClean="0"/>
+            <a:endParaRPr lang="en-US" dirty="0"/>
           </a:p>
           <a:p>
             <a:pPr marL="0" indent="0">
               <a:buNone/>
             </a:pPr>
-            <a:endParaRPr lang="en-US" dirty="0" smtClean="0"/>
+            <a:endParaRPr lang="en-US" dirty="0"/>
           </a:p>
         </p:txBody>
       </p:sp>
@@ -13356,7 +13664,7 @@
           <p:cNvPr id="8" name="Rectangle 3">
             <a:extLst>
               <a:ext uri="{FF2B5EF4-FFF2-40B4-BE49-F238E27FC236}">
-                <a16:creationId xmlns:a16="http://schemas.microsoft.com/office/drawing/2014/main" xmlns="" id="{A59012F7-007B-4721-9046-E5B2FC83BD87}"/>
+                <a16:creationId xmlns:a16="http://schemas.microsoft.com/office/drawing/2014/main" id="{A59012F7-007B-4721-9046-E5B2FC83BD87}"/>
               </a:ext>
             </a:extLst>
           </p:cNvPr>
@@ -13490,12 +13798,48 @@
                 <a:tableStyleId>{5C22544A-7EE6-4342-B048-85BDC9FD1C3A}</a:tableStyleId>
               </a:tblPr>
               <a:tblGrid>
-                <a:gridCol w="1493298"/>
-                <a:gridCol w="1493298"/>
-                <a:gridCol w="1493298"/>
-                <a:gridCol w="1493298"/>
-                <a:gridCol w="1493298"/>
-                <a:gridCol w="1493298"/>
+                <a:gridCol w="1493298">
+                  <a:extLst>
+                    <a:ext uri="{9D8B030D-6E8A-4147-A177-3AD203B41FA5}">
+                      <a16:colId xmlns:a16="http://schemas.microsoft.com/office/drawing/2014/main" val="20000"/>
+                    </a:ext>
+                  </a:extLst>
+                </a:gridCol>
+                <a:gridCol w="1493298">
+                  <a:extLst>
+                    <a:ext uri="{9D8B030D-6E8A-4147-A177-3AD203B41FA5}">
+                      <a16:colId xmlns:a16="http://schemas.microsoft.com/office/drawing/2014/main" val="20001"/>
+                    </a:ext>
+                  </a:extLst>
+                </a:gridCol>
+                <a:gridCol w="1493298">
+                  <a:extLst>
+                    <a:ext uri="{9D8B030D-6E8A-4147-A177-3AD203B41FA5}">
+                      <a16:colId xmlns:a16="http://schemas.microsoft.com/office/drawing/2014/main" val="20002"/>
+                    </a:ext>
+                  </a:extLst>
+                </a:gridCol>
+                <a:gridCol w="1493298">
+                  <a:extLst>
+                    <a:ext uri="{9D8B030D-6E8A-4147-A177-3AD203B41FA5}">
+                      <a16:colId xmlns:a16="http://schemas.microsoft.com/office/drawing/2014/main" val="20003"/>
+                    </a:ext>
+                  </a:extLst>
+                </a:gridCol>
+                <a:gridCol w="1493298">
+                  <a:extLst>
+                    <a:ext uri="{9D8B030D-6E8A-4147-A177-3AD203B41FA5}">
+                      <a16:colId xmlns:a16="http://schemas.microsoft.com/office/drawing/2014/main" val="20004"/>
+                    </a:ext>
+                  </a:extLst>
+                </a:gridCol>
+                <a:gridCol w="1493298">
+                  <a:extLst>
+                    <a:ext uri="{9D8B030D-6E8A-4147-A177-3AD203B41FA5}">
+                      <a16:colId xmlns:a16="http://schemas.microsoft.com/office/drawing/2014/main" val="20005"/>
+                    </a:ext>
+                  </a:extLst>
+                </a:gridCol>
               </a:tblGrid>
               <a:tr h="370555">
                 <a:tc>
@@ -13504,7 +13848,7 @@
                     <a:lstStyle/>
                     <a:p>
                       <a:r>
-                        <a:rPr lang="en-IN" dirty="0" smtClean="0"/>
+                        <a:rPr lang="en-IN" dirty="0"/>
                         <a:t>Template</a:t>
                       </a:r>
                       <a:endParaRPr lang="en-GB" dirty="0"/>
@@ -13518,7 +13862,7 @@
                     <a:lstStyle/>
                     <a:p>
                       <a:r>
-                        <a:rPr lang="en-IN" dirty="0" smtClean="0"/>
+                        <a:rPr lang="en-IN" dirty="0"/>
                         <a:t>G1</a:t>
                       </a:r>
                       <a:endParaRPr lang="en-GB" dirty="0"/>
@@ -13532,7 +13876,7 @@
                     <a:lstStyle/>
                     <a:p>
                       <a:r>
-                        <a:rPr lang="en-IN" dirty="0" smtClean="0"/>
+                        <a:rPr lang="en-IN" dirty="0"/>
                         <a:t>G2</a:t>
                       </a:r>
                       <a:endParaRPr lang="en-GB" dirty="0"/>
@@ -13546,7 +13890,7 @@
                     <a:lstStyle/>
                     <a:p>
                       <a:r>
-                        <a:rPr lang="en-IN" dirty="0" smtClean="0"/>
+                        <a:rPr lang="en-IN" dirty="0"/>
                         <a:t>G3</a:t>
                       </a:r>
                       <a:endParaRPr lang="en-GB" dirty="0"/>
@@ -13560,7 +13904,7 @@
                     <a:lstStyle/>
                     <a:p>
                       <a:r>
-                        <a:rPr lang="en-IN" dirty="0" smtClean="0"/>
+                        <a:rPr lang="en-IN" dirty="0"/>
                         <a:t>G4</a:t>
                       </a:r>
                       <a:endParaRPr lang="en-GB" dirty="0"/>
@@ -13574,7 +13918,7 @@
                     <a:lstStyle/>
                     <a:p>
                       <a:r>
-                        <a:rPr lang="en-IN" dirty="0" smtClean="0"/>
+                        <a:rPr lang="en-IN" dirty="0"/>
                         <a:t>G5</a:t>
                       </a:r>
                       <a:endParaRPr lang="en-GB" dirty="0"/>
@@ -13582,6 +13926,11 @@
                   </a:txBody>
                   <a:tcPr/>
                 </a:tc>
+                <a:extLst>
+                  <a:ext uri="{0D108BD9-81ED-4DB2-BD59-A6C34878D82A}">
+                    <a16:rowId xmlns:a16="http://schemas.microsoft.com/office/drawing/2014/main" val="10000"/>
+                  </a:ext>
+                </a:extLst>
               </a:tr>
               <a:tr h="370555">
                 <a:tc>
@@ -13590,10 +13939,9 @@
                     <a:lstStyle/>
                     <a:p>
                       <a:r>
-                        <a:rPr lang="en-GB" dirty="0" smtClean="0"/>
+                        <a:rPr lang="en-GB" dirty="0"/>
                         <a:t>0.002949853-0.007042254</a:t>
                       </a:r>
-                      <a:endParaRPr lang="en-GB" dirty="0"/>
                     </a:p>
                   </a:txBody>
                   <a:tcPr>
@@ -13611,10 +13959,9 @@
                     <a:lstStyle/>
                     <a:p>
                       <a:r>
-                        <a:rPr lang="en-GB" dirty="0" smtClean="0"/>
+                        <a:rPr lang="en-GB" dirty="0"/>
                         <a:t>0.002197802-0.006369427</a:t>
                       </a:r>
-                      <a:endParaRPr lang="en-GB" dirty="0"/>
                     </a:p>
                   </a:txBody>
                   <a:tcPr>
@@ -13632,10 +13979,9 @@
                     <a:lstStyle/>
                     <a:p>
                       <a:r>
-                        <a:rPr lang="en-GB" dirty="0" smtClean="0"/>
+                        <a:rPr lang="en-GB" dirty="0"/>
                         <a:t>0.003472222-0.007352941</a:t>
                       </a:r>
-                      <a:endParaRPr lang="en-GB" dirty="0"/>
                     </a:p>
                   </a:txBody>
                   <a:tcPr>
@@ -13653,10 +13999,9 @@
                     <a:lstStyle/>
                     <a:p>
                       <a:r>
-                        <a:rPr lang="en-GB" dirty="0" smtClean="0"/>
+                        <a:rPr lang="en-GB" dirty="0"/>
                         <a:t>0.002624672-0.006802721</a:t>
                       </a:r>
-                      <a:endParaRPr lang="en-GB" dirty="0"/>
                     </a:p>
                   </a:txBody>
                   <a:tcPr>
@@ -13674,28 +14019,31 @@
                     <a:lstStyle/>
                     <a:p>
                       <a:r>
-                        <a:rPr lang="en-GB" dirty="0" smtClean="0"/>
+                        <a:rPr lang="en-GB" dirty="0"/>
                         <a:t>0.004016064-0.007407407</a:t>
                       </a:r>
-                      <a:endParaRPr lang="en-GB" dirty="0"/>
-                    </a:p>
-                  </a:txBody>
-                  <a:tcPr/>
-                </a:tc>
-                <a:tc>
-                  <a:txBody>
-                    <a:bodyPr/>
-                    <a:lstStyle/>
-                    <a:p>
-                      <a:r>
-                        <a:rPr lang="en-GB" dirty="0" smtClean="0"/>
+                    </a:p>
+                  </a:txBody>
+                  <a:tcPr/>
+                </a:tc>
+                <a:tc>
+                  <a:txBody>
+                    <a:bodyPr/>
+                    <a:lstStyle/>
+                    <a:p>
+                      <a:r>
+                        <a:rPr lang="en-GB" dirty="0"/>
                         <a:t>0.003937008-0.007462687</a:t>
                       </a:r>
-                      <a:endParaRPr lang="en-GB" dirty="0"/>
-                    </a:p>
-                  </a:txBody>
-                  <a:tcPr/>
-                </a:tc>
+                    </a:p>
+                  </a:txBody>
+                  <a:tcPr/>
+                </a:tc>
+                <a:extLst>
+                  <a:ext uri="{0D108BD9-81ED-4DB2-BD59-A6C34878D82A}">
+                    <a16:rowId xmlns:a16="http://schemas.microsoft.com/office/drawing/2014/main" val="10001"/>
+                  </a:ext>
+                </a:extLst>
               </a:tr>
             </a:tbl>
           </a:graphicData>
@@ -13731,16 +14079,8 @@
               <a:t>Similarity: </a:t>
             </a:r>
             <a:r>
-              <a:rPr lang="de-DE" dirty="0" smtClean="0"/>
-              <a:t>Graph3 &gt;Graph1 &gt; Graph2&gt; Graph4 </a:t>
-            </a:r>
-            <a:r>
               <a:rPr lang="de-DE" dirty="0"/>
-              <a:t>&gt; </a:t>
-            </a:r>
-            <a:r>
-              <a:rPr lang="de-DE" dirty="0" smtClean="0"/>
-              <a:t>Graph5</a:t>
+              <a:t>Graph3 &gt;Graph1 &gt; Graph2&gt; Graph4 &gt; Graph5</a:t>
             </a:r>
             <a:endParaRPr lang="en-GB" dirty="0"/>
           </a:p>
@@ -13759,7 +14099,7 @@
 </p:sld>
 </file>
 
-<file path=ppt/slides/slide29.xml><?xml version="1.0" encoding="utf-8"?>
+<file path=ppt/slides/slide3.xml><?xml version="1.0" encoding="utf-8"?>
 <p:sld xmlns:a="http://schemas.openxmlformats.org/drawingml/2006/main" xmlns:r="http://schemas.openxmlformats.org/officeDocument/2006/relationships" xmlns:p="http://schemas.openxmlformats.org/presentationml/2006/main">
   <p:cSld>
     <p:spTree>
@@ -13781,7 +14121,7 @@
           <p:cNvPr id="2" name="Title 1">
             <a:extLst>
               <a:ext uri="{FF2B5EF4-FFF2-40B4-BE49-F238E27FC236}">
-                <a16:creationId xmlns:a16="http://schemas.microsoft.com/office/drawing/2014/main" xmlns="" id="{5115C648-66B8-49BE-B33E-D2150B203B24}"/>
+                <a16:creationId xmlns:a16="http://schemas.microsoft.com/office/drawing/2014/main" id="{8EB1BB09-4D38-43FC-BC3F-45A150E79915}"/>
               </a:ext>
             </a:extLst>
           </p:cNvPr>
@@ -13798,21 +14138,9 @@
           <a:lstStyle/>
           <a:p>
             <a:r>
-              <a:rPr lang="en-US" dirty="0" smtClean="0"/>
-              <a:t>Position Analysis</a:t>
-            </a:r>
-            <a:br>
-              <a:rPr lang="en-US" dirty="0" smtClean="0"/>
-            </a:br>
-            <a:r>
-              <a:rPr lang="en-US" sz="2800" dirty="0" err="1" smtClean="0"/>
-              <a:t>Betweenness</a:t>
-            </a:r>
-            <a:r>
-              <a:rPr lang="en-US" sz="2800" dirty="0" smtClean="0"/>
-              <a:t>:</a:t>
-            </a:r>
-            <a:endParaRPr lang="en-US" sz="2800" dirty="0"/>
+              <a:rPr lang="en-US" dirty="0"/>
+              <a:t>Problem Overview</a:t>
+            </a:r>
           </a:p>
         </p:txBody>
       </p:sp>
@@ -13821,7 +14149,7 @@
           <p:cNvPr id="3" name="Content Placeholder 2">
             <a:extLst>
               <a:ext uri="{FF2B5EF4-FFF2-40B4-BE49-F238E27FC236}">
-                <a16:creationId xmlns:a16="http://schemas.microsoft.com/office/drawing/2014/main" xmlns="" id="{B7CBAD27-F7D7-45FE-9E5B-0B22E29CC45E}"/>
+                <a16:creationId xmlns:a16="http://schemas.microsoft.com/office/drawing/2014/main" id="{72E41ECF-1908-4EEA-AC15-44B27C0D7A81}"/>
               </a:ext>
             </a:extLst>
           </p:cNvPr>
@@ -13838,6 +14166,180 @@
           <a:lstStyle/>
           <a:p>
             <a:r>
+              <a:rPr lang="en-US" dirty="0"/>
+              <a:t>Numerous “white hat” hacker organizations </a:t>
+            </a:r>
+            <a:r>
+              <a:rPr lang="en-US" b="1" dirty="0"/>
+              <a:t>protected</a:t>
+            </a:r>
+            <a:r>
+              <a:rPr lang="en-US" dirty="0"/>
+              <a:t> the Internet</a:t>
+            </a:r>
+          </a:p>
+          <a:p>
+            <a:r>
+              <a:rPr lang="en-US" dirty="0"/>
+              <a:t>One </a:t>
+            </a:r>
+            <a:r>
+              <a:rPr lang="en-US" b="1" dirty="0"/>
+              <a:t>anonymous</a:t>
+            </a:r>
+            <a:r>
+              <a:rPr lang="en-US" dirty="0"/>
+              <a:t> hacker organization, </a:t>
+            </a:r>
+            <a:r>
+              <a:rPr lang="en-US" b="1" dirty="0"/>
+              <a:t>accidentally</a:t>
+            </a:r>
+            <a:r>
+              <a:rPr lang="en-US" dirty="0"/>
+              <a:t> launched a cyber event that </a:t>
+            </a:r>
+            <a:r>
+              <a:rPr lang="en-US" b="1" dirty="0"/>
+              <a:t>took down</a:t>
+            </a:r>
+            <a:r>
+              <a:rPr lang="en-US" dirty="0"/>
+              <a:t> the global Internet.</a:t>
+            </a:r>
+          </a:p>
+          <a:p>
+            <a:r>
+              <a:rPr lang="en-US" dirty="0"/>
+              <a:t>The group has to be </a:t>
+            </a:r>
+            <a:r>
+              <a:rPr lang="en-US" b="1" dirty="0"/>
+              <a:t>found</a:t>
+            </a:r>
+          </a:p>
+          <a:p>
+            <a:r>
+              <a:rPr lang="da-DK" dirty="0"/>
+              <a:t>Center for Global Cyber Strategy(CGCS) is the key</a:t>
+            </a:r>
+          </a:p>
+          <a:p>
+            <a:r>
+              <a:rPr lang="en-US" dirty="0"/>
+              <a:t>CGCS maintains offline </a:t>
+            </a:r>
+            <a:r>
+              <a:rPr lang="en-US" b="1" dirty="0"/>
+              <a:t>databases </a:t>
+            </a:r>
+            <a:r>
+              <a:rPr lang="en-US" dirty="0"/>
+              <a:t>(donated for research) of anonymized data including the responsible group</a:t>
+            </a:r>
+          </a:p>
+          <a:p>
+            <a:r>
+              <a:rPr lang="en-US" dirty="0"/>
+              <a:t>Goal is to identify candidate groups that authorities could approach for assistance in restoring the internet.</a:t>
+            </a:r>
+          </a:p>
+          <a:p>
+            <a:endParaRPr lang="en-US" b="1" dirty="0"/>
+          </a:p>
+        </p:txBody>
+      </p:sp>
+    </p:spTree>
+    <p:extLst>
+      <p:ext uri="{BB962C8B-B14F-4D97-AF65-F5344CB8AC3E}">
+        <p14:creationId xmlns:p14="http://schemas.microsoft.com/office/powerpoint/2010/main" val="4195947389"/>
+      </p:ext>
+    </p:extLst>
+  </p:cSld>
+  <p:clrMapOvr>
+    <a:masterClrMapping/>
+  </p:clrMapOvr>
+</p:sld>
+</file>
+
+<file path=ppt/slides/slide30.xml><?xml version="1.0" encoding="utf-8"?>
+<p:sld xmlns:a="http://schemas.openxmlformats.org/drawingml/2006/main" xmlns:r="http://schemas.openxmlformats.org/officeDocument/2006/relationships" xmlns:p="http://schemas.openxmlformats.org/presentationml/2006/main">
+  <p:cSld>
+    <p:spTree>
+      <p:nvGrpSpPr>
+        <p:cNvPr id="1" name=""/>
+        <p:cNvGrpSpPr/>
+        <p:nvPr/>
+      </p:nvGrpSpPr>
+      <p:grpSpPr>
+        <a:xfrm>
+          <a:off x="0" y="0"/>
+          <a:ext cx="0" cy="0"/>
+          <a:chOff x="0" y="0"/>
+          <a:chExt cx="0" cy="0"/>
+        </a:xfrm>
+      </p:grpSpPr>
+      <p:sp>
+        <p:nvSpPr>
+          <p:cNvPr id="2" name="Title 1">
+            <a:extLst>
+              <a:ext uri="{FF2B5EF4-FFF2-40B4-BE49-F238E27FC236}">
+                <a16:creationId xmlns:a16="http://schemas.microsoft.com/office/drawing/2014/main" id="{5115C648-66B8-49BE-B33E-D2150B203B24}"/>
+              </a:ext>
+            </a:extLst>
+          </p:cNvPr>
+          <p:cNvSpPr>
+            <a:spLocks noGrp="1"/>
+          </p:cNvSpPr>
+          <p:nvPr>
+            <p:ph type="title"/>
+          </p:nvPr>
+        </p:nvSpPr>
+        <p:spPr/>
+        <p:txBody>
+          <a:bodyPr/>
+          <a:lstStyle/>
+          <a:p>
+            <a:r>
+              <a:rPr lang="en-US" dirty="0"/>
+              <a:t>Position Analysis</a:t>
+            </a:r>
+            <a:br>
+              <a:rPr lang="en-US" dirty="0"/>
+            </a:br>
+            <a:r>
+              <a:rPr lang="en-US" sz="2800" dirty="0" err="1"/>
+              <a:t>Betweenness</a:t>
+            </a:r>
+            <a:r>
+              <a:rPr lang="en-US" sz="2800" dirty="0"/>
+              <a:t>:</a:t>
+            </a:r>
+          </a:p>
+        </p:txBody>
+      </p:sp>
+      <p:sp>
+        <p:nvSpPr>
+          <p:cNvPr id="3" name="Content Placeholder 2">
+            <a:extLst>
+              <a:ext uri="{FF2B5EF4-FFF2-40B4-BE49-F238E27FC236}">
+                <a16:creationId xmlns:a16="http://schemas.microsoft.com/office/drawing/2014/main" id="{B7CBAD27-F7D7-45FE-9E5B-0B22E29CC45E}"/>
+              </a:ext>
+            </a:extLst>
+          </p:cNvPr>
+          <p:cNvSpPr>
+            <a:spLocks noGrp="1"/>
+          </p:cNvSpPr>
+          <p:nvPr>
+            <p:ph idx="1"/>
+          </p:nvPr>
+        </p:nvSpPr>
+        <p:spPr/>
+        <p:txBody>
+          <a:bodyPr/>
+          <a:lstStyle/>
+          <a:p>
+            <a:r>
               <a:rPr lang="en-GB" sz="2000" dirty="0"/>
               <a:t>The </a:t>
             </a:r>
@@ -13857,27 +14359,15 @@
             </a:r>
             <a:r>
               <a:rPr lang="en-GB" sz="2000" dirty="0"/>
-              <a:t> is the number </a:t>
-            </a:r>
-            <a:r>
-              <a:rPr lang="en-GB" sz="2000" dirty="0" smtClean="0"/>
-              <a:t>of </a:t>
-            </a:r>
-            <a:r>
-              <a:rPr lang="en-GB" sz="2000" dirty="0"/>
-              <a:t>shortest paths that pass through the </a:t>
-            </a:r>
-            <a:r>
-              <a:rPr lang="en-GB" sz="2000" dirty="0" smtClean="0"/>
-              <a:t>vertex.</a:t>
-            </a:r>
-            <a:endParaRPr lang="en-US" dirty="0" smtClean="0"/>
+              <a:t> is the number of shortest paths that pass through the vertex.</a:t>
+            </a:r>
+            <a:endParaRPr lang="en-US" dirty="0"/>
           </a:p>
           <a:p>
             <a:pPr marL="0" indent="0">
               <a:buNone/>
             </a:pPr>
-            <a:endParaRPr lang="en-US" dirty="0" smtClean="0"/>
+            <a:endParaRPr lang="en-US" dirty="0"/>
           </a:p>
         </p:txBody>
       </p:sp>
@@ -13886,7 +14376,7 @@
           <p:cNvPr id="8" name="Rectangle 3">
             <a:extLst>
               <a:ext uri="{FF2B5EF4-FFF2-40B4-BE49-F238E27FC236}">
-                <a16:creationId xmlns:a16="http://schemas.microsoft.com/office/drawing/2014/main" xmlns="" id="{A59012F7-007B-4721-9046-E5B2FC83BD87}"/>
+                <a16:creationId xmlns:a16="http://schemas.microsoft.com/office/drawing/2014/main" id="{A59012F7-007B-4721-9046-E5B2FC83BD87}"/>
               </a:ext>
             </a:extLst>
           </p:cNvPr>
@@ -14020,12 +14510,48 @@
                 <a:tableStyleId>{5C22544A-7EE6-4342-B048-85BDC9FD1C3A}</a:tableStyleId>
               </a:tblPr>
               <a:tblGrid>
-                <a:gridCol w="1493298"/>
-                <a:gridCol w="1493298"/>
-                <a:gridCol w="1493298"/>
-                <a:gridCol w="1493298"/>
-                <a:gridCol w="1493298"/>
-                <a:gridCol w="1493298"/>
+                <a:gridCol w="1493298">
+                  <a:extLst>
+                    <a:ext uri="{9D8B030D-6E8A-4147-A177-3AD203B41FA5}">
+                      <a16:colId xmlns:a16="http://schemas.microsoft.com/office/drawing/2014/main" val="20000"/>
+                    </a:ext>
+                  </a:extLst>
+                </a:gridCol>
+                <a:gridCol w="1493298">
+                  <a:extLst>
+                    <a:ext uri="{9D8B030D-6E8A-4147-A177-3AD203B41FA5}">
+                      <a16:colId xmlns:a16="http://schemas.microsoft.com/office/drawing/2014/main" val="20001"/>
+                    </a:ext>
+                  </a:extLst>
+                </a:gridCol>
+                <a:gridCol w="1493298">
+                  <a:extLst>
+                    <a:ext uri="{9D8B030D-6E8A-4147-A177-3AD203B41FA5}">
+                      <a16:colId xmlns:a16="http://schemas.microsoft.com/office/drawing/2014/main" val="20002"/>
+                    </a:ext>
+                  </a:extLst>
+                </a:gridCol>
+                <a:gridCol w="1493298">
+                  <a:extLst>
+                    <a:ext uri="{9D8B030D-6E8A-4147-A177-3AD203B41FA5}">
+                      <a16:colId xmlns:a16="http://schemas.microsoft.com/office/drawing/2014/main" val="20003"/>
+                    </a:ext>
+                  </a:extLst>
+                </a:gridCol>
+                <a:gridCol w="1493298">
+                  <a:extLst>
+                    <a:ext uri="{9D8B030D-6E8A-4147-A177-3AD203B41FA5}">
+                      <a16:colId xmlns:a16="http://schemas.microsoft.com/office/drawing/2014/main" val="20004"/>
+                    </a:ext>
+                  </a:extLst>
+                </a:gridCol>
+                <a:gridCol w="1493298">
+                  <a:extLst>
+                    <a:ext uri="{9D8B030D-6E8A-4147-A177-3AD203B41FA5}">
+                      <a16:colId xmlns:a16="http://schemas.microsoft.com/office/drawing/2014/main" val="20005"/>
+                    </a:ext>
+                  </a:extLst>
+                </a:gridCol>
               </a:tblGrid>
               <a:tr h="370555">
                 <a:tc>
@@ -14034,7 +14560,7 @@
                     <a:lstStyle/>
                     <a:p>
                       <a:r>
-                        <a:rPr lang="en-IN" dirty="0" smtClean="0"/>
+                        <a:rPr lang="en-IN" dirty="0"/>
                         <a:t>Template</a:t>
                       </a:r>
                       <a:endParaRPr lang="en-GB" dirty="0"/>
@@ -14048,7 +14574,7 @@
                     <a:lstStyle/>
                     <a:p>
                       <a:r>
-                        <a:rPr lang="en-IN" dirty="0" smtClean="0"/>
+                        <a:rPr lang="en-IN" dirty="0"/>
                         <a:t>G1</a:t>
                       </a:r>
                       <a:endParaRPr lang="en-GB" dirty="0"/>
@@ -14062,7 +14588,7 @@
                     <a:lstStyle/>
                     <a:p>
                       <a:r>
-                        <a:rPr lang="en-IN" dirty="0" smtClean="0"/>
+                        <a:rPr lang="en-IN" dirty="0"/>
                         <a:t>G2</a:t>
                       </a:r>
                       <a:endParaRPr lang="en-GB" dirty="0"/>
@@ -14076,7 +14602,7 @@
                     <a:lstStyle/>
                     <a:p>
                       <a:r>
-                        <a:rPr lang="en-IN" dirty="0" smtClean="0"/>
+                        <a:rPr lang="en-IN" dirty="0"/>
                         <a:t>G3</a:t>
                       </a:r>
                       <a:endParaRPr lang="en-GB" dirty="0"/>
@@ -14090,7 +14616,7 @@
                     <a:lstStyle/>
                     <a:p>
                       <a:r>
-                        <a:rPr lang="en-IN" dirty="0" smtClean="0"/>
+                        <a:rPr lang="en-IN" dirty="0"/>
                         <a:t>G4</a:t>
                       </a:r>
                       <a:endParaRPr lang="en-GB" dirty="0"/>
@@ -14104,7 +14630,7 @@
                     <a:lstStyle/>
                     <a:p>
                       <a:r>
-                        <a:rPr lang="en-IN" dirty="0" smtClean="0"/>
+                        <a:rPr lang="en-IN" dirty="0"/>
                         <a:t>G5</a:t>
                       </a:r>
                       <a:endParaRPr lang="en-GB" dirty="0"/>
@@ -14112,6 +14638,11 @@
                   </a:txBody>
                   <a:tcPr/>
                 </a:tc>
+                <a:extLst>
+                  <a:ext uri="{0D108BD9-81ED-4DB2-BD59-A6C34878D82A}">
+                    <a16:rowId xmlns:a16="http://schemas.microsoft.com/office/drawing/2014/main" val="10000"/>
+                  </a:ext>
+                </a:extLst>
               </a:tr>
               <a:tr h="370555">
                 <a:tc>
@@ -14120,10 +14651,9 @@
                     <a:lstStyle/>
                     <a:p>
                       <a:r>
-                        <a:rPr lang="en-GB" dirty="0" smtClean="0"/>
+                        <a:rPr lang="en-GB" dirty="0"/>
                         <a:t>0.00-682.1806727</a:t>
                       </a:r>
-                      <a:endParaRPr lang="en-GB" dirty="0"/>
                     </a:p>
                   </a:txBody>
                   <a:tcPr>
@@ -14141,10 +14671,9 @@
                     <a:lstStyle/>
                     <a:p>
                       <a:r>
-                        <a:rPr lang="en-GB" dirty="0" smtClean="0"/>
+                        <a:rPr lang="en-GB" dirty="0"/>
                         <a:t>0.00-1012.780577</a:t>
                       </a:r>
-                      <a:endParaRPr lang="en-GB" dirty="0"/>
                     </a:p>
                   </a:txBody>
                   <a:tcPr>
@@ -14162,10 +14691,9 @@
                     <a:lstStyle/>
                     <a:p>
                       <a:r>
-                        <a:rPr lang="en-GB" dirty="0" smtClean="0"/>
+                        <a:rPr lang="en-GB" dirty="0"/>
                         <a:t>0.00-893.3087233</a:t>
                       </a:r>
-                      <a:endParaRPr lang="en-GB" dirty="0"/>
                     </a:p>
                   </a:txBody>
                   <a:tcPr>
@@ -14183,10 +14711,9 @@
                     <a:lstStyle/>
                     <a:p>
                       <a:r>
-                        <a:rPr lang="en-GB" dirty="0" smtClean="0"/>
+                        <a:rPr lang="en-GB" dirty="0"/>
                         <a:t>0.00-466.4803012</a:t>
                       </a:r>
-                      <a:endParaRPr lang="en-GB" dirty="0"/>
                     </a:p>
                   </a:txBody>
                   <a:tcPr>
@@ -14204,28 +14731,31 @@
                     <a:lstStyle/>
                     <a:p>
                       <a:r>
-                        <a:rPr lang="en-GB" dirty="0" smtClean="0"/>
+                        <a:rPr lang="en-GB" dirty="0"/>
                         <a:t>0.00-912.652983</a:t>
                       </a:r>
-                      <a:endParaRPr lang="en-GB" dirty="0"/>
-                    </a:p>
-                  </a:txBody>
-                  <a:tcPr/>
-                </a:tc>
-                <a:tc>
-                  <a:txBody>
-                    <a:bodyPr/>
-                    <a:lstStyle/>
-                    <a:p>
-                      <a:r>
-                        <a:rPr lang="en-GB" dirty="0" smtClean="0"/>
+                    </a:p>
+                  </a:txBody>
+                  <a:tcPr/>
+                </a:tc>
+                <a:tc>
+                  <a:txBody>
+                    <a:bodyPr/>
+                    <a:lstStyle/>
+                    <a:p>
+                      <a:r>
+                        <a:rPr lang="en-GB" dirty="0"/>
                         <a:t>0.00-912.652983</a:t>
                       </a:r>
-                      <a:endParaRPr lang="en-GB" dirty="0"/>
-                    </a:p>
-                  </a:txBody>
-                  <a:tcPr/>
-                </a:tc>
+                    </a:p>
+                  </a:txBody>
+                  <a:tcPr/>
+                </a:tc>
+                <a:extLst>
+                  <a:ext uri="{0D108BD9-81ED-4DB2-BD59-A6C34878D82A}">
+                    <a16:rowId xmlns:a16="http://schemas.microsoft.com/office/drawing/2014/main" val="10001"/>
+                  </a:ext>
+                </a:extLst>
               </a:tr>
             </a:tbl>
           </a:graphicData>
@@ -14261,16 +14791,8 @@
               <a:t>Similarity: </a:t>
             </a:r>
             <a:r>
-              <a:rPr lang="de-DE" dirty="0" smtClean="0"/>
-              <a:t>Graph2 &gt;Graph3 &gt; Graph4 = Graph5 </a:t>
-            </a:r>
-            <a:r>
               <a:rPr lang="de-DE" dirty="0"/>
-              <a:t>&gt; </a:t>
-            </a:r>
-            <a:r>
-              <a:rPr lang="de-DE" dirty="0" smtClean="0"/>
-              <a:t>Graph1</a:t>
+              <a:t>Graph2 &gt;Graph3 &gt; Graph4 = Graph5 &gt; Graph1</a:t>
             </a:r>
             <a:endParaRPr lang="en-GB" dirty="0"/>
           </a:p>
@@ -14289,7 +14811,7 @@
 </p:sld>
 </file>
 
-<file path=ppt/slides/slide3.xml><?xml version="1.0" encoding="utf-8"?>
+<file path=ppt/slides/slide31.xml><?xml version="1.0" encoding="utf-8"?>
 <p:sld xmlns:a="http://schemas.openxmlformats.org/drawingml/2006/main" xmlns:r="http://schemas.openxmlformats.org/officeDocument/2006/relationships" xmlns:p="http://schemas.openxmlformats.org/presentationml/2006/main">
   <p:cSld>
     <p:spTree>
@@ -14311,7 +14833,7 @@
           <p:cNvPr id="2" name="Title 1">
             <a:extLst>
               <a:ext uri="{FF2B5EF4-FFF2-40B4-BE49-F238E27FC236}">
-                <a16:creationId xmlns:a16="http://schemas.microsoft.com/office/drawing/2014/main" xmlns="" id="{8EB1BB09-4D38-43FC-BC3F-45A150E79915}"/>
+                <a16:creationId xmlns:a16="http://schemas.microsoft.com/office/drawing/2014/main" id="{5115C648-66B8-49BE-B33E-D2150B203B24}"/>
               </a:ext>
             </a:extLst>
           </p:cNvPr>
@@ -14329,7 +14851,14 @@
           <a:p>
             <a:r>
               <a:rPr lang="en-US" dirty="0"/>
-              <a:t>Problem Overview</a:t>
+              <a:t>Position Analysis</a:t>
+            </a:r>
+            <a:br>
+              <a:rPr lang="en-US" dirty="0"/>
+            </a:br>
+            <a:r>
+              <a:rPr lang="en-US" sz="2800" dirty="0"/>
+              <a:t>Eigen Vector Centrality:</a:t>
             </a:r>
           </a:p>
         </p:txBody>
@@ -14339,7 +14868,7 @@
           <p:cNvPr id="3" name="Content Placeholder 2">
             <a:extLst>
               <a:ext uri="{FF2B5EF4-FFF2-40B4-BE49-F238E27FC236}">
-                <a16:creationId xmlns:a16="http://schemas.microsoft.com/office/drawing/2014/main" xmlns="" id="{72E41ECF-1908-4EEA-AC15-44B27C0D7A81}"/>
+                <a16:creationId xmlns:a16="http://schemas.microsoft.com/office/drawing/2014/main" id="{B7CBAD27-F7D7-45FE-9E5B-0B22E29CC45E}"/>
               </a:ext>
             </a:extLst>
           </p:cNvPr>
@@ -14356,177 +14885,6 @@
           <a:lstStyle/>
           <a:p>
             <a:r>
-              <a:rPr lang="en-US" dirty="0"/>
-              <a:t>Numerous “white hat” hacker organizations </a:t>
-            </a:r>
-            <a:r>
-              <a:rPr lang="en-US" b="1" dirty="0"/>
-              <a:t>protected</a:t>
-            </a:r>
-            <a:r>
-              <a:rPr lang="en-US" dirty="0"/>
-              <a:t> the Internet</a:t>
-            </a:r>
-          </a:p>
-          <a:p>
-            <a:r>
-              <a:rPr lang="en-US" dirty="0"/>
-              <a:t>One </a:t>
-            </a:r>
-            <a:r>
-              <a:rPr lang="en-US" b="1" dirty="0"/>
-              <a:t>anonymous</a:t>
-            </a:r>
-            <a:r>
-              <a:rPr lang="en-US" dirty="0"/>
-              <a:t> hacker organization, </a:t>
-            </a:r>
-            <a:r>
-              <a:rPr lang="en-US" b="1" dirty="0"/>
-              <a:t>accidentally</a:t>
-            </a:r>
-            <a:r>
-              <a:rPr lang="en-US" dirty="0"/>
-              <a:t> launched a cyber event that </a:t>
-            </a:r>
-            <a:r>
-              <a:rPr lang="en-US" b="1" dirty="0"/>
-              <a:t>took down</a:t>
-            </a:r>
-            <a:r>
-              <a:rPr lang="en-US" dirty="0"/>
-              <a:t> the global Internet.</a:t>
-            </a:r>
-          </a:p>
-          <a:p>
-            <a:r>
-              <a:rPr lang="en-US" dirty="0"/>
-              <a:t>The group has to be </a:t>
-            </a:r>
-            <a:r>
-              <a:rPr lang="en-US" b="1" dirty="0"/>
-              <a:t>found</a:t>
-            </a:r>
-          </a:p>
-          <a:p>
-            <a:r>
-              <a:rPr lang="da-DK" dirty="0"/>
-              <a:t>Center for Global Cyber Strategy(CGCS) is the key</a:t>
-            </a:r>
-          </a:p>
-          <a:p>
-            <a:r>
-              <a:rPr lang="en-US" dirty="0"/>
-              <a:t>CGCS maintains offline </a:t>
-            </a:r>
-            <a:r>
-              <a:rPr lang="en-US" b="1" dirty="0"/>
-              <a:t>databases </a:t>
-            </a:r>
-            <a:r>
-              <a:rPr lang="en-US" dirty="0"/>
-              <a:t>(donated for research) of anonymized data including the responsible group</a:t>
-            </a:r>
-          </a:p>
-          <a:p>
-            <a:r>
-              <a:rPr lang="en-US" dirty="0"/>
-              <a:t>Goal is to identify candidate groups that authorities could approach for assistance in restoring the internet.</a:t>
-            </a:r>
-          </a:p>
-          <a:p>
-            <a:endParaRPr lang="en-US" b="1" dirty="0"/>
-          </a:p>
-        </p:txBody>
-      </p:sp>
-    </p:spTree>
-    <p:extLst>
-      <p:ext uri="{BB962C8B-B14F-4D97-AF65-F5344CB8AC3E}">
-        <p14:creationId xmlns:p14="http://schemas.microsoft.com/office/powerpoint/2010/main" val="4195947389"/>
-      </p:ext>
-    </p:extLst>
-  </p:cSld>
-  <p:clrMapOvr>
-    <a:masterClrMapping/>
-  </p:clrMapOvr>
-</p:sld>
-</file>
-
-<file path=ppt/slides/slide30.xml><?xml version="1.0" encoding="utf-8"?>
-<p:sld xmlns:a="http://schemas.openxmlformats.org/drawingml/2006/main" xmlns:r="http://schemas.openxmlformats.org/officeDocument/2006/relationships" xmlns:p="http://schemas.openxmlformats.org/presentationml/2006/main">
-  <p:cSld>
-    <p:spTree>
-      <p:nvGrpSpPr>
-        <p:cNvPr id="1" name=""/>
-        <p:cNvGrpSpPr/>
-        <p:nvPr/>
-      </p:nvGrpSpPr>
-      <p:grpSpPr>
-        <a:xfrm>
-          <a:off x="0" y="0"/>
-          <a:ext cx="0" cy="0"/>
-          <a:chOff x="0" y="0"/>
-          <a:chExt cx="0" cy="0"/>
-        </a:xfrm>
-      </p:grpSpPr>
-      <p:sp>
-        <p:nvSpPr>
-          <p:cNvPr id="2" name="Title 1">
-            <a:extLst>
-              <a:ext uri="{FF2B5EF4-FFF2-40B4-BE49-F238E27FC236}">
-                <a16:creationId xmlns:a16="http://schemas.microsoft.com/office/drawing/2014/main" xmlns="" id="{5115C648-66B8-49BE-B33E-D2150B203B24}"/>
-              </a:ext>
-            </a:extLst>
-          </p:cNvPr>
-          <p:cNvSpPr>
-            <a:spLocks noGrp="1"/>
-          </p:cNvSpPr>
-          <p:nvPr>
-            <p:ph type="title"/>
-          </p:nvPr>
-        </p:nvSpPr>
-        <p:spPr/>
-        <p:txBody>
-          <a:bodyPr/>
-          <a:lstStyle/>
-          <a:p>
-            <a:r>
-              <a:rPr lang="en-US" dirty="0" smtClean="0"/>
-              <a:t>Position Analysis</a:t>
-            </a:r>
-            <a:br>
-              <a:rPr lang="en-US" dirty="0" smtClean="0"/>
-            </a:br>
-            <a:r>
-              <a:rPr lang="en-US" sz="2800" dirty="0" smtClean="0"/>
-              <a:t>Eigen Vector Centrality:</a:t>
-            </a:r>
-            <a:endParaRPr lang="en-US" sz="2800" dirty="0"/>
-          </a:p>
-        </p:txBody>
-      </p:sp>
-      <p:sp>
-        <p:nvSpPr>
-          <p:cNvPr id="3" name="Content Placeholder 2">
-            <a:extLst>
-              <a:ext uri="{FF2B5EF4-FFF2-40B4-BE49-F238E27FC236}">
-                <a16:creationId xmlns:a16="http://schemas.microsoft.com/office/drawing/2014/main" xmlns="" id="{B7CBAD27-F7D7-45FE-9E5B-0B22E29CC45E}"/>
-              </a:ext>
-            </a:extLst>
-          </p:cNvPr>
-          <p:cNvSpPr>
-            <a:spLocks noGrp="1"/>
-          </p:cNvSpPr>
-          <p:nvPr>
-            <p:ph idx="1"/>
-          </p:nvPr>
-        </p:nvSpPr>
-        <p:spPr/>
-        <p:txBody>
-          <a:bodyPr/>
-          <a:lstStyle/>
-          <a:p>
-            <a:r>
               <a:rPr lang="en-GB" sz="2000" b="1" dirty="0"/>
               <a:t>Eigenvector centrality</a:t>
             </a:r>
@@ -14562,22 +14920,13 @@
               <a:rPr lang="en-GB" sz="2000" dirty="0"/>
               <a:t>. </a:t>
             </a:r>
-            <a:endParaRPr lang="en-GB" sz="2000" dirty="0" smtClean="0"/>
-          </a:p>
-          <a:p>
-            <a:r>
-              <a:rPr lang="en-GB" sz="2000" dirty="0" smtClean="0"/>
-              <a:t>It </a:t>
-            </a:r>
+          </a:p>
+          <a:p>
             <a:r>
               <a:rPr lang="en-GB" sz="2000" dirty="0"/>
-              <a:t>assigns relative scores to all nodes in the network based on the concept that connections to high-scoring nodes contribute more to the score of the node in question than equal connections to low-scoring </a:t>
-            </a:r>
-            <a:r>
-              <a:rPr lang="en-GB" sz="2000" dirty="0" smtClean="0"/>
-              <a:t>nodes</a:t>
-            </a:r>
-            <a:endParaRPr lang="en-US" dirty="0" smtClean="0"/>
+              <a:t>It assigns relative scores to all nodes in the network based on the concept that connections to high-scoring nodes contribute more to the score of the node in question than equal connections to low-scoring nodes</a:t>
+            </a:r>
+            <a:endParaRPr lang="en-US" dirty="0"/>
           </a:p>
         </p:txBody>
       </p:sp>
@@ -14586,7 +14935,7 @@
           <p:cNvPr id="8" name="Rectangle 3">
             <a:extLst>
               <a:ext uri="{FF2B5EF4-FFF2-40B4-BE49-F238E27FC236}">
-                <a16:creationId xmlns:a16="http://schemas.microsoft.com/office/drawing/2014/main" xmlns="" id="{A59012F7-007B-4721-9046-E5B2FC83BD87}"/>
+                <a16:creationId xmlns:a16="http://schemas.microsoft.com/office/drawing/2014/main" id="{A59012F7-007B-4721-9046-E5B2FC83BD87}"/>
               </a:ext>
             </a:extLst>
           </p:cNvPr>
@@ -14720,12 +15069,48 @@
                 <a:tableStyleId>{5C22544A-7EE6-4342-B048-85BDC9FD1C3A}</a:tableStyleId>
               </a:tblPr>
               <a:tblGrid>
-                <a:gridCol w="1493298"/>
-                <a:gridCol w="1493298"/>
-                <a:gridCol w="1493298"/>
-                <a:gridCol w="1493298"/>
-                <a:gridCol w="1493298"/>
-                <a:gridCol w="1493298"/>
+                <a:gridCol w="1493298">
+                  <a:extLst>
+                    <a:ext uri="{9D8B030D-6E8A-4147-A177-3AD203B41FA5}">
+                      <a16:colId xmlns:a16="http://schemas.microsoft.com/office/drawing/2014/main" val="20000"/>
+                    </a:ext>
+                  </a:extLst>
+                </a:gridCol>
+                <a:gridCol w="1493298">
+                  <a:extLst>
+                    <a:ext uri="{9D8B030D-6E8A-4147-A177-3AD203B41FA5}">
+                      <a16:colId xmlns:a16="http://schemas.microsoft.com/office/drawing/2014/main" val="20001"/>
+                    </a:ext>
+                  </a:extLst>
+                </a:gridCol>
+                <a:gridCol w="1493298">
+                  <a:extLst>
+                    <a:ext uri="{9D8B030D-6E8A-4147-A177-3AD203B41FA5}">
+                      <a16:colId xmlns:a16="http://schemas.microsoft.com/office/drawing/2014/main" val="20002"/>
+                    </a:ext>
+                  </a:extLst>
+                </a:gridCol>
+                <a:gridCol w="1493298">
+                  <a:extLst>
+                    <a:ext uri="{9D8B030D-6E8A-4147-A177-3AD203B41FA5}">
+                      <a16:colId xmlns:a16="http://schemas.microsoft.com/office/drawing/2014/main" val="20003"/>
+                    </a:ext>
+                  </a:extLst>
+                </a:gridCol>
+                <a:gridCol w="1493298">
+                  <a:extLst>
+                    <a:ext uri="{9D8B030D-6E8A-4147-A177-3AD203B41FA5}">
+                      <a16:colId xmlns:a16="http://schemas.microsoft.com/office/drawing/2014/main" val="20004"/>
+                    </a:ext>
+                  </a:extLst>
+                </a:gridCol>
+                <a:gridCol w="1493298">
+                  <a:extLst>
+                    <a:ext uri="{9D8B030D-6E8A-4147-A177-3AD203B41FA5}">
+                      <a16:colId xmlns:a16="http://schemas.microsoft.com/office/drawing/2014/main" val="20005"/>
+                    </a:ext>
+                  </a:extLst>
+                </a:gridCol>
               </a:tblGrid>
               <a:tr h="370555">
                 <a:tc>
@@ -14734,7 +15119,7 @@
                     <a:lstStyle/>
                     <a:p>
                       <a:r>
-                        <a:rPr lang="en-IN" dirty="0" smtClean="0"/>
+                        <a:rPr lang="en-IN" dirty="0"/>
                         <a:t>Template</a:t>
                       </a:r>
                       <a:endParaRPr lang="en-GB" dirty="0"/>
@@ -14748,7 +15133,7 @@
                     <a:lstStyle/>
                     <a:p>
                       <a:r>
-                        <a:rPr lang="en-IN" dirty="0" smtClean="0"/>
+                        <a:rPr lang="en-IN" dirty="0"/>
                         <a:t>G1</a:t>
                       </a:r>
                       <a:endParaRPr lang="en-GB" dirty="0"/>
@@ -14762,7 +15147,7 @@
                     <a:lstStyle/>
                     <a:p>
                       <a:r>
-                        <a:rPr lang="en-IN" dirty="0" smtClean="0"/>
+                        <a:rPr lang="en-IN" dirty="0"/>
                         <a:t>G2</a:t>
                       </a:r>
                       <a:endParaRPr lang="en-GB" dirty="0"/>
@@ -14776,7 +15161,7 @@
                     <a:lstStyle/>
                     <a:p>
                       <a:r>
-                        <a:rPr lang="en-IN" dirty="0" smtClean="0"/>
+                        <a:rPr lang="en-IN" dirty="0"/>
                         <a:t>G3</a:t>
                       </a:r>
                       <a:endParaRPr lang="en-GB" dirty="0"/>
@@ -14790,7 +15175,7 @@
                     <a:lstStyle/>
                     <a:p>
                       <a:r>
-                        <a:rPr lang="en-IN" dirty="0" smtClean="0"/>
+                        <a:rPr lang="en-IN" dirty="0"/>
                         <a:t>G4</a:t>
                       </a:r>
                       <a:endParaRPr lang="en-GB" dirty="0"/>
@@ -14804,7 +15189,7 @@
                     <a:lstStyle/>
                     <a:p>
                       <a:r>
-                        <a:rPr lang="en-IN" dirty="0" smtClean="0"/>
+                        <a:rPr lang="en-IN" dirty="0"/>
                         <a:t>G5</a:t>
                       </a:r>
                       <a:endParaRPr lang="en-GB" dirty="0"/>
@@ -14812,6 +15197,11 @@
                   </a:txBody>
                   <a:tcPr/>
                 </a:tc>
+                <a:extLst>
+                  <a:ext uri="{0D108BD9-81ED-4DB2-BD59-A6C34878D82A}">
+                    <a16:rowId xmlns:a16="http://schemas.microsoft.com/office/drawing/2014/main" val="10000"/>
+                  </a:ext>
+                </a:extLst>
               </a:tr>
               <a:tr h="370555">
                 <a:tc>
@@ -14820,10 +15210,9 @@
                     <a:lstStyle/>
                     <a:p>
                       <a:r>
-                        <a:rPr lang="en-GB" dirty="0" smtClean="0"/>
+                        <a:rPr lang="en-GB" dirty="0"/>
                         <a:t>2.889807e-05-1.000000</a:t>
                       </a:r>
-                      <a:endParaRPr lang="en-GB" dirty="0"/>
                     </a:p>
                   </a:txBody>
                   <a:tcPr>
@@ -14841,10 +15230,9 @@
                     <a:lstStyle/>
                     <a:p>
                       <a:r>
-                        <a:rPr lang="en-GB" dirty="0" smtClean="0"/>
+                        <a:rPr lang="en-GB" dirty="0"/>
                         <a:t>8.486762e-07-1.000000</a:t>
                       </a:r>
-                      <a:endParaRPr lang="en-GB" dirty="0"/>
                     </a:p>
                   </a:txBody>
                   <a:tcPr>
@@ -14862,10 +15250,9 @@
                     <a:lstStyle/>
                     <a:p>
                       <a:r>
-                        <a:rPr lang="en-GB" dirty="0" smtClean="0"/>
+                        <a:rPr lang="en-GB" dirty="0"/>
                         <a:t>0.000202756-1.0000000</a:t>
                       </a:r>
-                      <a:endParaRPr lang="en-GB" dirty="0"/>
                     </a:p>
                   </a:txBody>
                   <a:tcPr>
@@ -14883,10 +15270,9 @@
                     <a:lstStyle/>
                     <a:p>
                       <a:r>
-                        <a:rPr lang="en-GB" dirty="0" smtClean="0"/>
+                        <a:rPr lang="en-GB" dirty="0"/>
                         <a:t>1.370524e-06-1.0000000</a:t>
                       </a:r>
-                      <a:endParaRPr lang="en-GB" dirty="0"/>
                     </a:p>
                   </a:txBody>
                   <a:tcPr>
@@ -14904,28 +15290,31 @@
                     <a:lstStyle/>
                     <a:p>
                       <a:r>
-                        <a:rPr lang="en-GB" dirty="0" smtClean="0"/>
+                        <a:rPr lang="en-GB" dirty="0"/>
                         <a:t>0.008849692-1.0000000</a:t>
                       </a:r>
-                      <a:endParaRPr lang="en-GB" dirty="0"/>
-                    </a:p>
-                  </a:txBody>
-                  <a:tcPr/>
-                </a:tc>
-                <a:tc>
-                  <a:txBody>
-                    <a:bodyPr/>
-                    <a:lstStyle/>
-                    <a:p>
-                      <a:r>
-                        <a:rPr lang="en-GB" dirty="0" smtClean="0"/>
+                    </a:p>
+                  </a:txBody>
+                  <a:tcPr/>
+                </a:tc>
+                <a:tc>
+                  <a:txBody>
+                    <a:bodyPr/>
+                    <a:lstStyle/>
+                    <a:p>
+                      <a:r>
+                        <a:rPr lang="en-GB" dirty="0"/>
                         <a:t>0.006716513-1.0000000</a:t>
                       </a:r>
-                      <a:endParaRPr lang="en-GB" dirty="0"/>
-                    </a:p>
-                  </a:txBody>
-                  <a:tcPr/>
-                </a:tc>
+                    </a:p>
+                  </a:txBody>
+                  <a:tcPr/>
+                </a:tc>
+                <a:extLst>
+                  <a:ext uri="{0D108BD9-81ED-4DB2-BD59-A6C34878D82A}">
+                    <a16:rowId xmlns:a16="http://schemas.microsoft.com/office/drawing/2014/main" val="10001"/>
+                  </a:ext>
+                </a:extLst>
               </a:tr>
               <a:tr h="370555">
                 <a:tc>
@@ -14934,11 +15323,11 @@
                     <a:lstStyle/>
                     <a:p>
                       <a:r>
-                        <a:rPr lang="en-IN" dirty="0" smtClean="0"/>
+                        <a:rPr lang="en-IN" dirty="0"/>
                         <a:t>6 Nodes &gt;</a:t>
                       </a:r>
                       <a:r>
-                        <a:rPr lang="en-IN" baseline="0" dirty="0" smtClean="0"/>
+                        <a:rPr lang="en-IN" baseline="0" dirty="0"/>
                         <a:t> 0.5</a:t>
                       </a:r>
                       <a:endParaRPr lang="en-GB" dirty="0"/>
@@ -14959,11 +15348,11 @@
                     <a:lstStyle/>
                     <a:p>
                       <a:r>
-                        <a:rPr lang="en-IN" dirty="0" smtClean="0"/>
+                        <a:rPr lang="en-IN" dirty="0"/>
                         <a:t>6 Nodes &gt;</a:t>
                       </a:r>
                       <a:r>
-                        <a:rPr lang="en-IN" baseline="0" dirty="0" smtClean="0"/>
+                        <a:rPr lang="en-IN" baseline="0" dirty="0"/>
                         <a:t> 0.5</a:t>
                       </a:r>
                       <a:endParaRPr lang="en-GB" dirty="0"/>
@@ -14984,11 +15373,11 @@
                     <a:lstStyle/>
                     <a:p>
                       <a:r>
-                        <a:rPr lang="en-IN" dirty="0" smtClean="0"/>
+                        <a:rPr lang="en-IN" dirty="0"/>
                         <a:t>6 Nodes &gt;</a:t>
                       </a:r>
                       <a:r>
-                        <a:rPr lang="en-IN" baseline="0" dirty="0" smtClean="0"/>
+                        <a:rPr lang="en-IN" baseline="0" dirty="0"/>
                         <a:t> 0.5</a:t>
                       </a:r>
                       <a:endParaRPr lang="en-GB" dirty="0"/>
@@ -15009,11 +15398,11 @@
                     <a:lstStyle/>
                     <a:p>
                       <a:r>
-                        <a:rPr lang="en-IN" dirty="0" smtClean="0"/>
+                        <a:rPr lang="en-IN" dirty="0"/>
                         <a:t>3 Nodes &gt;</a:t>
                       </a:r>
                       <a:r>
-                        <a:rPr lang="en-IN" baseline="0" dirty="0" smtClean="0"/>
+                        <a:rPr lang="en-IN" baseline="0" dirty="0"/>
                         <a:t> 0.5</a:t>
                       </a:r>
                       <a:endParaRPr lang="en-GB" dirty="0"/>
@@ -15034,11 +15423,11 @@
                     <a:lstStyle/>
                     <a:p>
                       <a:r>
-                        <a:rPr lang="en-IN" dirty="0" smtClean="0"/>
+                        <a:rPr lang="en-IN" dirty="0"/>
                         <a:t>8 Nodes &gt;</a:t>
                       </a:r>
                       <a:r>
-                        <a:rPr lang="en-IN" baseline="0" dirty="0" smtClean="0"/>
+                        <a:rPr lang="en-IN" baseline="0" dirty="0"/>
                         <a:t> 0.5</a:t>
                       </a:r>
                       <a:endParaRPr lang="en-GB" dirty="0"/>
@@ -15052,11 +15441,11 @@
                     <a:lstStyle/>
                     <a:p>
                       <a:r>
-                        <a:rPr lang="en-IN" dirty="0" smtClean="0"/>
+                        <a:rPr lang="en-IN" dirty="0"/>
                         <a:t>8 Nodes &gt;</a:t>
                       </a:r>
                       <a:r>
-                        <a:rPr lang="en-IN" baseline="0" dirty="0" smtClean="0"/>
+                        <a:rPr lang="en-IN" baseline="0" dirty="0"/>
                         <a:t> 0.5</a:t>
                       </a:r>
                       <a:endParaRPr lang="en-GB" dirty="0"/>
@@ -15064,6 +15453,11 @@
                   </a:txBody>
                   <a:tcPr/>
                 </a:tc>
+                <a:extLst>
+                  <a:ext uri="{0D108BD9-81ED-4DB2-BD59-A6C34878D82A}">
+                    <a16:rowId xmlns:a16="http://schemas.microsoft.com/office/drawing/2014/main" val="10002"/>
+                  </a:ext>
+                </a:extLst>
               </a:tr>
             </a:tbl>
           </a:graphicData>
@@ -15099,15 +15493,15 @@
               <a:t>Similarity: </a:t>
             </a:r>
             <a:r>
-              <a:rPr lang="de-DE" dirty="0" smtClean="0"/>
+              <a:rPr lang="de-DE" dirty="0"/>
               <a:t>Graph2 &gt;Graph1 &gt; Graph3</a:t>
             </a:r>
             <a:r>
-              <a:rPr lang="en-GB" dirty="0" smtClean="0"/>
+              <a:rPr lang="en-GB" dirty="0"/>
               <a:t> </a:t>
             </a:r>
             <a:r>
-              <a:rPr lang="de-DE" dirty="0" smtClean="0"/>
+              <a:rPr lang="de-DE" dirty="0"/>
               <a:t>&gt; Graph4 = Graph5 </a:t>
             </a:r>
             <a:endParaRPr lang="en-GB" dirty="0"/>
@@ -15127,7 +15521,732 @@
 </p:sld>
 </file>
 
-<file path=ppt/slides/slide31.xml><?xml version="1.0" encoding="utf-8"?>
+<file path=ppt/slides/slide32.xml><?xml version="1.0" encoding="utf-8"?>
+<p:sld xmlns:a="http://schemas.openxmlformats.org/drawingml/2006/main" xmlns:r="http://schemas.openxmlformats.org/officeDocument/2006/relationships" xmlns:p="http://schemas.openxmlformats.org/presentationml/2006/main">
+  <p:cSld>
+    <p:spTree>
+      <p:nvGrpSpPr>
+        <p:cNvPr id="1" name=""/>
+        <p:cNvGrpSpPr/>
+        <p:nvPr/>
+      </p:nvGrpSpPr>
+      <p:grpSpPr>
+        <a:xfrm>
+          <a:off x="0" y="0"/>
+          <a:ext cx="0" cy="0"/>
+          <a:chOff x="0" y="0"/>
+          <a:chExt cx="0" cy="0"/>
+        </a:xfrm>
+      </p:grpSpPr>
+      <p:sp>
+        <p:nvSpPr>
+          <p:cNvPr id="2" name="Title 1">
+            <a:extLst>
+              <a:ext uri="{FF2B5EF4-FFF2-40B4-BE49-F238E27FC236}">
+                <a16:creationId xmlns:a16="http://schemas.microsoft.com/office/drawing/2014/main" id="{FBF1C37A-D397-43F5-A832-5E0991EA7349}"/>
+              </a:ext>
+            </a:extLst>
+          </p:cNvPr>
+          <p:cNvSpPr>
+            <a:spLocks noGrp="1"/>
+          </p:cNvSpPr>
+          <p:nvPr>
+            <p:ph type="title"/>
+          </p:nvPr>
+        </p:nvSpPr>
+        <p:spPr/>
+        <p:txBody>
+          <a:bodyPr/>
+          <a:lstStyle/>
+          <a:p>
+            <a:r>
+              <a:rPr lang="en-US" dirty="0"/>
+              <a:t>Closeness Centrality</a:t>
+            </a:r>
+          </a:p>
+        </p:txBody>
+      </p:sp>
+      <p:sp>
+        <p:nvSpPr>
+          <p:cNvPr id="3" name="Content Placeholder 2">
+            <a:extLst>
+              <a:ext uri="{FF2B5EF4-FFF2-40B4-BE49-F238E27FC236}">
+                <a16:creationId xmlns:a16="http://schemas.microsoft.com/office/drawing/2014/main" id="{5FEA6262-AB77-468E-B04C-0A737EBB6B8B}"/>
+              </a:ext>
+            </a:extLst>
+          </p:cNvPr>
+          <p:cNvSpPr>
+            <a:spLocks noGrp="1"/>
+          </p:cNvSpPr>
+          <p:nvPr>
+            <p:ph idx="1"/>
+          </p:nvPr>
+        </p:nvSpPr>
+        <p:spPr/>
+        <p:txBody>
+          <a:bodyPr>
+            <a:normAutofit/>
+          </a:bodyPr>
+          <a:lstStyle/>
+          <a:p>
+            <a:pPr marL="0" indent="0">
+              <a:buNone/>
+            </a:pPr>
+            <a:r>
+              <a:rPr lang="en-US" sz="3200" dirty="0">
+                <a:latin typeface="Times New Roman" panose="02020603050405020304" pitchFamily="18" charset="0"/>
+                <a:cs typeface="Times New Roman" panose="02020603050405020304" pitchFamily="18" charset="0"/>
+              </a:rPr>
+              <a:t>To determine the central nodes in networks, the closeness centrality measure considers the nodes that have the smallest average path length (sequence of relationships) for the nodes that are linked to other nodes. </a:t>
+            </a:r>
+            <a:br>
+              <a:rPr lang="en-US" sz="3200" dirty="0">
+                <a:latin typeface="Times New Roman" panose="02020603050405020304" pitchFamily="18" charset="0"/>
+                <a:cs typeface="Times New Roman" panose="02020603050405020304" pitchFamily="18" charset="0"/>
+              </a:rPr>
+            </a:br>
+            <a:endParaRPr lang="en-US" sz="3200" dirty="0">
+              <a:latin typeface="Times New Roman" panose="02020603050405020304" pitchFamily="18" charset="0"/>
+              <a:cs typeface="Times New Roman" panose="02020603050405020304" pitchFamily="18" charset="0"/>
+            </a:endParaRPr>
+          </a:p>
+        </p:txBody>
+      </p:sp>
+    </p:spTree>
+    <p:extLst>
+      <p:ext uri="{BB962C8B-B14F-4D97-AF65-F5344CB8AC3E}">
+        <p14:creationId xmlns:p14="http://schemas.microsoft.com/office/powerpoint/2010/main" val="2182348019"/>
+      </p:ext>
+    </p:extLst>
+  </p:cSld>
+  <p:clrMapOvr>
+    <a:masterClrMapping/>
+  </p:clrMapOvr>
+</p:sld>
+</file>
+
+<file path=ppt/slides/slide33.xml><?xml version="1.0" encoding="utf-8"?>
+<p:sld xmlns:a="http://schemas.openxmlformats.org/drawingml/2006/main" xmlns:r="http://schemas.openxmlformats.org/officeDocument/2006/relationships" xmlns:p="http://schemas.openxmlformats.org/presentationml/2006/main">
+  <p:cSld>
+    <p:spTree>
+      <p:nvGrpSpPr>
+        <p:cNvPr id="1" name=""/>
+        <p:cNvGrpSpPr/>
+        <p:nvPr/>
+      </p:nvGrpSpPr>
+      <p:grpSpPr>
+        <a:xfrm>
+          <a:off x="0" y="0"/>
+          <a:ext cx="0" cy="0"/>
+          <a:chOff x="0" y="0"/>
+          <a:chExt cx="0" cy="0"/>
+        </a:xfrm>
+      </p:grpSpPr>
+      <p:sp>
+        <p:nvSpPr>
+          <p:cNvPr id="2" name="Title 1">
+            <a:extLst>
+              <a:ext uri="{FF2B5EF4-FFF2-40B4-BE49-F238E27FC236}">
+                <a16:creationId xmlns:a16="http://schemas.microsoft.com/office/drawing/2014/main" id="{74964E3F-25D1-4DAC-8B76-6FAB760DEA89}"/>
+              </a:ext>
+            </a:extLst>
+          </p:cNvPr>
+          <p:cNvSpPr>
+            <a:spLocks noGrp="1"/>
+          </p:cNvSpPr>
+          <p:nvPr>
+            <p:ph type="title"/>
+          </p:nvPr>
+        </p:nvSpPr>
+        <p:spPr/>
+        <p:txBody>
+          <a:bodyPr/>
+          <a:lstStyle/>
+          <a:p>
+            <a:r>
+              <a:rPr lang="en-US" dirty="0"/>
+              <a:t>Closeness Centrality</a:t>
+            </a:r>
+          </a:p>
+        </p:txBody>
+      </p:sp>
+      <p:pic>
+        <p:nvPicPr>
+          <p:cNvPr id="5" name="Content Placeholder 4">
+            <a:hlinkClick r:id="rId2" action="ppaction://hlinkfile"/>
+            <a:extLst>
+              <a:ext uri="{FF2B5EF4-FFF2-40B4-BE49-F238E27FC236}">
+                <a16:creationId xmlns:a16="http://schemas.microsoft.com/office/drawing/2014/main" id="{217E7CE5-A9F6-49C0-A46A-CE76E1E74151}"/>
+              </a:ext>
+            </a:extLst>
+          </p:cNvPr>
+          <p:cNvPicPr>
+            <a:picLocks noGrp="1" noChangeAspect="1"/>
+          </p:cNvPicPr>
+          <p:nvPr>
+            <p:ph idx="1"/>
+          </p:nvPr>
+        </p:nvPicPr>
+        <p:blipFill rotWithShape="1">
+          <a:blip r:embed="rId3">
+            <a:extLst>
+              <a:ext uri="{28A0092B-C50C-407E-A947-70E740481C1C}">
+                <a14:useLocalDpi xmlns:a14="http://schemas.microsoft.com/office/drawing/2010/main" val="0"/>
+              </a:ext>
+            </a:extLst>
+          </a:blip>
+          <a:srcRect l="7402" t="19131" b="11374"/>
+          <a:stretch/>
+        </p:blipFill>
+        <p:spPr>
+          <a:xfrm>
+            <a:off x="1586345" y="1469651"/>
+            <a:ext cx="9767455" cy="4712488"/>
+          </a:xfrm>
+        </p:spPr>
+      </p:pic>
+    </p:spTree>
+    <p:extLst>
+      <p:ext uri="{BB962C8B-B14F-4D97-AF65-F5344CB8AC3E}">
+        <p14:creationId xmlns:p14="http://schemas.microsoft.com/office/powerpoint/2010/main" val="4139728608"/>
+      </p:ext>
+    </p:extLst>
+  </p:cSld>
+  <p:clrMapOvr>
+    <a:masterClrMapping/>
+  </p:clrMapOvr>
+</p:sld>
+</file>
+
+<file path=ppt/slides/slide34.xml><?xml version="1.0" encoding="utf-8"?>
+<p:sld xmlns:a="http://schemas.openxmlformats.org/drawingml/2006/main" xmlns:r="http://schemas.openxmlformats.org/officeDocument/2006/relationships" xmlns:p="http://schemas.openxmlformats.org/presentationml/2006/main">
+  <p:cSld>
+    <p:spTree>
+      <p:nvGrpSpPr>
+        <p:cNvPr id="1" name=""/>
+        <p:cNvGrpSpPr/>
+        <p:nvPr/>
+      </p:nvGrpSpPr>
+      <p:grpSpPr>
+        <a:xfrm>
+          <a:off x="0" y="0"/>
+          <a:ext cx="0" cy="0"/>
+          <a:chOff x="0" y="0"/>
+          <a:chExt cx="0" cy="0"/>
+        </a:xfrm>
+      </p:grpSpPr>
+      <p:sp>
+        <p:nvSpPr>
+          <p:cNvPr id="2" name="Title 1">
+            <a:extLst>
+              <a:ext uri="{FF2B5EF4-FFF2-40B4-BE49-F238E27FC236}">
+                <a16:creationId xmlns:a16="http://schemas.microsoft.com/office/drawing/2014/main" id="{70F7921F-1F66-45D0-8044-1936485C7AFC}"/>
+              </a:ext>
+            </a:extLst>
+          </p:cNvPr>
+          <p:cNvSpPr>
+            <a:spLocks noGrp="1"/>
+          </p:cNvSpPr>
+          <p:nvPr>
+            <p:ph type="title"/>
+          </p:nvPr>
+        </p:nvSpPr>
+        <p:spPr/>
+        <p:txBody>
+          <a:bodyPr/>
+          <a:lstStyle/>
+          <a:p>
+            <a:r>
+              <a:rPr lang="en-US" dirty="0"/>
+              <a:t>Betweenness</a:t>
+            </a:r>
+          </a:p>
+        </p:txBody>
+      </p:sp>
+      <p:sp>
+        <p:nvSpPr>
+          <p:cNvPr id="3" name="Content Placeholder 2">
+            <a:extLst>
+              <a:ext uri="{FF2B5EF4-FFF2-40B4-BE49-F238E27FC236}">
+                <a16:creationId xmlns:a16="http://schemas.microsoft.com/office/drawing/2014/main" id="{2973ED00-4A2F-4A90-8BFE-936EABC4C6A7}"/>
+              </a:ext>
+            </a:extLst>
+          </p:cNvPr>
+          <p:cNvSpPr>
+            <a:spLocks noGrp="1"/>
+          </p:cNvSpPr>
+          <p:nvPr>
+            <p:ph idx="1"/>
+          </p:nvPr>
+        </p:nvSpPr>
+        <p:spPr/>
+        <p:txBody>
+          <a:bodyPr>
+            <a:normAutofit/>
+          </a:bodyPr>
+          <a:lstStyle/>
+          <a:p>
+            <a:pPr marL="0" indent="0">
+              <a:buNone/>
+            </a:pPr>
+            <a:r>
+              <a:rPr lang="en-US" sz="3200" dirty="0">
+                <a:latin typeface="Times New Roman" panose="02020603050405020304" pitchFamily="18" charset="0"/>
+                <a:cs typeface="Times New Roman" panose="02020603050405020304" pitchFamily="18" charset="0"/>
+              </a:rPr>
+              <a:t>Nodes that occur on many shortest paths between other</a:t>
+            </a:r>
+            <a:br>
+              <a:rPr lang="en-US" sz="3200" dirty="0">
+                <a:latin typeface="Times New Roman" panose="02020603050405020304" pitchFamily="18" charset="0"/>
+                <a:cs typeface="Times New Roman" panose="02020603050405020304" pitchFamily="18" charset="0"/>
+              </a:rPr>
+            </a:br>
+            <a:r>
+              <a:rPr lang="en-US" sz="3200" dirty="0">
+                <a:latin typeface="Times New Roman" panose="02020603050405020304" pitchFamily="18" charset="0"/>
+                <a:cs typeface="Times New Roman" panose="02020603050405020304" pitchFamily="18" charset="0"/>
+              </a:rPr>
+              <a:t>nodes in the graph have a high betweenness centrality score. </a:t>
+            </a:r>
+            <a:br>
+              <a:rPr lang="en-US" sz="3200" dirty="0">
+                <a:latin typeface="Times New Roman" panose="02020603050405020304" pitchFamily="18" charset="0"/>
+                <a:cs typeface="Times New Roman" panose="02020603050405020304" pitchFamily="18" charset="0"/>
+              </a:rPr>
+            </a:br>
+            <a:endParaRPr lang="en-US" sz="3200" dirty="0">
+              <a:latin typeface="Times New Roman" panose="02020603050405020304" pitchFamily="18" charset="0"/>
+              <a:cs typeface="Times New Roman" panose="02020603050405020304" pitchFamily="18" charset="0"/>
+            </a:endParaRPr>
+          </a:p>
+        </p:txBody>
+      </p:sp>
+    </p:spTree>
+    <p:extLst>
+      <p:ext uri="{BB962C8B-B14F-4D97-AF65-F5344CB8AC3E}">
+        <p14:creationId xmlns:p14="http://schemas.microsoft.com/office/powerpoint/2010/main" val="1212360367"/>
+      </p:ext>
+    </p:extLst>
+  </p:cSld>
+  <p:clrMapOvr>
+    <a:masterClrMapping/>
+  </p:clrMapOvr>
+</p:sld>
+</file>
+
+<file path=ppt/slides/slide35.xml><?xml version="1.0" encoding="utf-8"?>
+<p:sld xmlns:a="http://schemas.openxmlformats.org/drawingml/2006/main" xmlns:r="http://schemas.openxmlformats.org/officeDocument/2006/relationships" xmlns:p="http://schemas.openxmlformats.org/presentationml/2006/main">
+  <p:cSld>
+    <p:spTree>
+      <p:nvGrpSpPr>
+        <p:cNvPr id="1" name=""/>
+        <p:cNvGrpSpPr/>
+        <p:nvPr/>
+      </p:nvGrpSpPr>
+      <p:grpSpPr>
+        <a:xfrm>
+          <a:off x="0" y="0"/>
+          <a:ext cx="0" cy="0"/>
+          <a:chOff x="0" y="0"/>
+          <a:chExt cx="0" cy="0"/>
+        </a:xfrm>
+      </p:grpSpPr>
+      <p:sp>
+        <p:nvSpPr>
+          <p:cNvPr id="2" name="Title 1">
+            <a:extLst>
+              <a:ext uri="{FF2B5EF4-FFF2-40B4-BE49-F238E27FC236}">
+                <a16:creationId xmlns:a16="http://schemas.microsoft.com/office/drawing/2014/main" id="{497114B6-8718-4F9A-83BF-655167AADD16}"/>
+              </a:ext>
+            </a:extLst>
+          </p:cNvPr>
+          <p:cNvSpPr>
+            <a:spLocks noGrp="1"/>
+          </p:cNvSpPr>
+          <p:nvPr>
+            <p:ph type="title"/>
+          </p:nvPr>
+        </p:nvSpPr>
+        <p:spPr/>
+        <p:txBody>
+          <a:bodyPr/>
+          <a:lstStyle/>
+          <a:p>
+            <a:r>
+              <a:rPr lang="en-US" dirty="0"/>
+              <a:t>Betweenness</a:t>
+            </a:r>
+          </a:p>
+        </p:txBody>
+      </p:sp>
+      <p:pic>
+        <p:nvPicPr>
+          <p:cNvPr id="5" name="Content Placeholder 4">
+            <a:hlinkClick r:id="rId2" action="ppaction://hlinkfile"/>
+            <a:extLst>
+              <a:ext uri="{FF2B5EF4-FFF2-40B4-BE49-F238E27FC236}">
+                <a16:creationId xmlns:a16="http://schemas.microsoft.com/office/drawing/2014/main" id="{DE01B8AE-E027-4E91-9D92-F65F9E55790E}"/>
+              </a:ext>
+            </a:extLst>
+          </p:cNvPr>
+          <p:cNvPicPr>
+            <a:picLocks noGrp="1" noChangeAspect="1"/>
+          </p:cNvPicPr>
+          <p:nvPr>
+            <p:ph idx="1"/>
+          </p:nvPr>
+        </p:nvPicPr>
+        <p:blipFill rotWithShape="1">
+          <a:blip r:embed="rId3">
+            <a:extLst>
+              <a:ext uri="{28A0092B-C50C-407E-A947-70E740481C1C}">
+                <a14:useLocalDpi xmlns:a14="http://schemas.microsoft.com/office/drawing/2010/main" val="0"/>
+              </a:ext>
+            </a:extLst>
+          </a:blip>
+          <a:srcRect l="7818" t="19355" b="12120"/>
+          <a:stretch/>
+        </p:blipFill>
+        <p:spPr>
+          <a:xfrm>
+            <a:off x="1626941" y="1690688"/>
+            <a:ext cx="9852517" cy="4708332"/>
+          </a:xfrm>
+        </p:spPr>
+      </p:pic>
+    </p:spTree>
+    <p:extLst>
+      <p:ext uri="{BB962C8B-B14F-4D97-AF65-F5344CB8AC3E}">
+        <p14:creationId xmlns:p14="http://schemas.microsoft.com/office/powerpoint/2010/main" val="2173912809"/>
+      </p:ext>
+    </p:extLst>
+  </p:cSld>
+  <p:clrMapOvr>
+    <a:masterClrMapping/>
+  </p:clrMapOvr>
+</p:sld>
+</file>
+
+<file path=ppt/slides/slide36.xml><?xml version="1.0" encoding="utf-8"?>
+<p:sld xmlns:a="http://schemas.openxmlformats.org/drawingml/2006/main" xmlns:r="http://schemas.openxmlformats.org/officeDocument/2006/relationships" xmlns:p="http://schemas.openxmlformats.org/presentationml/2006/main">
+  <p:cSld>
+    <p:spTree>
+      <p:nvGrpSpPr>
+        <p:cNvPr id="1" name=""/>
+        <p:cNvGrpSpPr/>
+        <p:nvPr/>
+      </p:nvGrpSpPr>
+      <p:grpSpPr>
+        <a:xfrm>
+          <a:off x="0" y="0"/>
+          <a:ext cx="0" cy="0"/>
+          <a:chOff x="0" y="0"/>
+          <a:chExt cx="0" cy="0"/>
+        </a:xfrm>
+      </p:grpSpPr>
+      <p:pic>
+        <p:nvPicPr>
+          <p:cNvPr id="5" name="Content Placeholder 4">
+            <a:hlinkClick r:id="rId2" action="ppaction://hlinkfile"/>
+            <a:extLst>
+              <a:ext uri="{FF2B5EF4-FFF2-40B4-BE49-F238E27FC236}">
+                <a16:creationId xmlns:a16="http://schemas.microsoft.com/office/drawing/2014/main" id="{4B9A44BB-3633-48B8-B439-3AD36A2366B8}"/>
+              </a:ext>
+            </a:extLst>
+          </p:cNvPr>
+          <p:cNvPicPr>
+            <a:picLocks noGrp="1" noChangeAspect="1"/>
+          </p:cNvPicPr>
+          <p:nvPr>
+            <p:ph idx="1"/>
+          </p:nvPr>
+        </p:nvPicPr>
+        <p:blipFill>
+          <a:blip r:embed="rId3">
+            <a:extLst>
+              <a:ext uri="{28A0092B-C50C-407E-A947-70E740481C1C}">
+                <a14:useLocalDpi xmlns:a14="http://schemas.microsoft.com/office/drawing/2010/main" val="0"/>
+              </a:ext>
+            </a:extLst>
+          </a:blip>
+          <a:stretch>
+            <a:fillRect/>
+          </a:stretch>
+        </p:blipFill>
+        <p:spPr>
+          <a:xfrm>
+            <a:off x="1228965" y="300191"/>
+            <a:ext cx="9734070" cy="6257617"/>
+          </a:xfrm>
+        </p:spPr>
+      </p:pic>
+      <p:sp>
+        <p:nvSpPr>
+          <p:cNvPr id="2" name="Title 1">
+            <a:extLst>
+              <a:ext uri="{FF2B5EF4-FFF2-40B4-BE49-F238E27FC236}">
+                <a16:creationId xmlns:a16="http://schemas.microsoft.com/office/drawing/2014/main" id="{0CB29FC7-A20C-4A6F-A445-2BDA8BE1DF9B}"/>
+              </a:ext>
+            </a:extLst>
+          </p:cNvPr>
+          <p:cNvSpPr>
+            <a:spLocks noGrp="1"/>
+          </p:cNvSpPr>
+          <p:nvPr>
+            <p:ph type="title"/>
+          </p:nvPr>
+        </p:nvSpPr>
+        <p:spPr/>
+        <p:txBody>
+          <a:bodyPr/>
+          <a:lstStyle/>
+          <a:p>
+            <a:r>
+              <a:rPr lang="en-US" dirty="0"/>
+              <a:t>Degree</a:t>
+            </a:r>
+          </a:p>
+        </p:txBody>
+      </p:sp>
+    </p:spTree>
+    <p:extLst>
+      <p:ext uri="{BB962C8B-B14F-4D97-AF65-F5344CB8AC3E}">
+        <p14:creationId xmlns:p14="http://schemas.microsoft.com/office/powerpoint/2010/main" val="1638511190"/>
+      </p:ext>
+    </p:extLst>
+  </p:cSld>
+  <p:clrMapOvr>
+    <a:masterClrMapping/>
+  </p:clrMapOvr>
+</p:sld>
+</file>
+
+<file path=ppt/slides/slide37.xml><?xml version="1.0" encoding="utf-8"?>
+<p:sld xmlns:a="http://schemas.openxmlformats.org/drawingml/2006/main" xmlns:r="http://schemas.openxmlformats.org/officeDocument/2006/relationships" xmlns:p="http://schemas.openxmlformats.org/presentationml/2006/main">
+  <p:cSld>
+    <p:spTree>
+      <p:nvGrpSpPr>
+        <p:cNvPr id="1" name=""/>
+        <p:cNvGrpSpPr/>
+        <p:nvPr/>
+      </p:nvGrpSpPr>
+      <p:grpSpPr>
+        <a:xfrm>
+          <a:off x="0" y="0"/>
+          <a:ext cx="0" cy="0"/>
+          <a:chOff x="0" y="0"/>
+          <a:chExt cx="0" cy="0"/>
+        </a:xfrm>
+      </p:grpSpPr>
+      <p:sp>
+        <p:nvSpPr>
+          <p:cNvPr id="2" name="Title 1">
+            <a:extLst>
+              <a:ext uri="{FF2B5EF4-FFF2-40B4-BE49-F238E27FC236}">
+                <a16:creationId xmlns:a16="http://schemas.microsoft.com/office/drawing/2014/main" id="{A2BA7B1A-3312-4126-B6C2-CE3479C31549}"/>
+              </a:ext>
+            </a:extLst>
+          </p:cNvPr>
+          <p:cNvSpPr>
+            <a:spLocks noGrp="1"/>
+          </p:cNvSpPr>
+          <p:nvPr>
+            <p:ph type="title"/>
+          </p:nvPr>
+        </p:nvSpPr>
+        <p:spPr/>
+        <p:txBody>
+          <a:bodyPr/>
+          <a:lstStyle/>
+          <a:p>
+            <a:r>
+              <a:rPr lang="en-US" dirty="0"/>
+              <a:t>Degree Centrality</a:t>
+            </a:r>
+          </a:p>
+        </p:txBody>
+      </p:sp>
+      <p:sp>
+        <p:nvSpPr>
+          <p:cNvPr id="3" name="Content Placeholder 2">
+            <a:extLst>
+              <a:ext uri="{FF2B5EF4-FFF2-40B4-BE49-F238E27FC236}">
+                <a16:creationId xmlns:a16="http://schemas.microsoft.com/office/drawing/2014/main" id="{8D65D282-0A60-48E3-947F-5D39FB83E5E2}"/>
+              </a:ext>
+            </a:extLst>
+          </p:cNvPr>
+          <p:cNvSpPr>
+            <a:spLocks noGrp="1"/>
+          </p:cNvSpPr>
+          <p:nvPr>
+            <p:ph idx="1"/>
+          </p:nvPr>
+        </p:nvSpPr>
+        <p:spPr/>
+        <p:txBody>
+          <a:bodyPr>
+            <a:normAutofit/>
+          </a:bodyPr>
+          <a:lstStyle/>
+          <a:p>
+            <a:pPr marL="0" indent="0">
+              <a:buNone/>
+            </a:pPr>
+            <a:r>
+              <a:rPr lang="en-US" sz="3200" dirty="0">
+                <a:latin typeface="Times New Roman" panose="02020603050405020304" pitchFamily="18" charset="0"/>
+                <a:cs typeface="Times New Roman" panose="02020603050405020304" pitchFamily="18" charset="0"/>
+              </a:rPr>
+              <a:t>Degree centrality considers the node with the highest degree (largest number of</a:t>
+            </a:r>
+            <a:br>
+              <a:rPr lang="en-US" sz="3200" dirty="0">
+                <a:latin typeface="Times New Roman" panose="02020603050405020304" pitchFamily="18" charset="0"/>
+                <a:cs typeface="Times New Roman" panose="02020603050405020304" pitchFamily="18" charset="0"/>
+              </a:rPr>
+            </a:br>
+            <a:r>
+              <a:rPr lang="en-US" sz="3200" dirty="0">
+                <a:latin typeface="Times New Roman" panose="02020603050405020304" pitchFamily="18" charset="0"/>
+                <a:cs typeface="Times New Roman" panose="02020603050405020304" pitchFamily="18" charset="0"/>
+              </a:rPr>
+              <a:t>connections) as the most central node in the network. Degree centrality focuses on</a:t>
+            </a:r>
+            <a:br>
+              <a:rPr lang="en-US" sz="3200" dirty="0">
+                <a:latin typeface="Times New Roman" panose="02020603050405020304" pitchFamily="18" charset="0"/>
+                <a:cs typeface="Times New Roman" panose="02020603050405020304" pitchFamily="18" charset="0"/>
+              </a:rPr>
+            </a:br>
+            <a:r>
+              <a:rPr lang="en-US" sz="3200" dirty="0">
+                <a:latin typeface="Times New Roman" panose="02020603050405020304" pitchFamily="18" charset="0"/>
+                <a:cs typeface="Times New Roman" panose="02020603050405020304" pitchFamily="18" charset="0"/>
+              </a:rPr>
+              <a:t>individual nodes—it simply counts the number of edges that a node has. </a:t>
+            </a:r>
+            <a:br>
+              <a:rPr lang="en-US" sz="3200" dirty="0">
+                <a:latin typeface="Times New Roman" panose="02020603050405020304" pitchFamily="18" charset="0"/>
+                <a:cs typeface="Times New Roman" panose="02020603050405020304" pitchFamily="18" charset="0"/>
+              </a:rPr>
+            </a:br>
+            <a:endParaRPr lang="en-US" sz="3200" dirty="0">
+              <a:latin typeface="Times New Roman" panose="02020603050405020304" pitchFamily="18" charset="0"/>
+              <a:cs typeface="Times New Roman" panose="02020603050405020304" pitchFamily="18" charset="0"/>
+            </a:endParaRPr>
+          </a:p>
+        </p:txBody>
+      </p:sp>
+    </p:spTree>
+    <p:extLst>
+      <p:ext uri="{BB962C8B-B14F-4D97-AF65-F5344CB8AC3E}">
+        <p14:creationId xmlns:p14="http://schemas.microsoft.com/office/powerpoint/2010/main" val="1798107015"/>
+      </p:ext>
+    </p:extLst>
+  </p:cSld>
+  <p:clrMapOvr>
+    <a:masterClrMapping/>
+  </p:clrMapOvr>
+</p:sld>
+</file>
+
+<file path=ppt/slides/slide38.xml><?xml version="1.0" encoding="utf-8"?>
+<p:sld xmlns:a="http://schemas.openxmlformats.org/drawingml/2006/main" xmlns:r="http://schemas.openxmlformats.org/officeDocument/2006/relationships" xmlns:p="http://schemas.openxmlformats.org/presentationml/2006/main">
+  <p:cSld>
+    <p:spTree>
+      <p:nvGrpSpPr>
+        <p:cNvPr id="1" name=""/>
+        <p:cNvGrpSpPr/>
+        <p:nvPr/>
+      </p:nvGrpSpPr>
+      <p:grpSpPr>
+        <a:xfrm>
+          <a:off x="0" y="0"/>
+          <a:ext cx="0" cy="0"/>
+          <a:chOff x="0" y="0"/>
+          <a:chExt cx="0" cy="0"/>
+        </a:xfrm>
+      </p:grpSpPr>
+      <p:pic>
+        <p:nvPicPr>
+          <p:cNvPr id="5" name="Content Placeholder 4">
+            <a:hlinkClick r:id="rId2" action="ppaction://hlinkfile"/>
+            <a:extLst>
+              <a:ext uri="{FF2B5EF4-FFF2-40B4-BE49-F238E27FC236}">
+                <a16:creationId xmlns:a16="http://schemas.microsoft.com/office/drawing/2014/main" id="{D9E2CEAA-CFE8-4906-B123-3C6B27DEAF42}"/>
+              </a:ext>
+            </a:extLst>
+          </p:cNvPr>
+          <p:cNvPicPr>
+            <a:picLocks noGrp="1" noChangeAspect="1"/>
+          </p:cNvPicPr>
+          <p:nvPr>
+            <p:ph idx="1"/>
+          </p:nvPr>
+        </p:nvPicPr>
+        <p:blipFill>
+          <a:blip r:embed="rId3">
+            <a:extLst>
+              <a:ext uri="{28A0092B-C50C-407E-A947-70E740481C1C}">
+                <a14:useLocalDpi xmlns:a14="http://schemas.microsoft.com/office/drawing/2010/main" val="0"/>
+              </a:ext>
+            </a:extLst>
+          </a:blip>
+          <a:stretch>
+            <a:fillRect/>
+          </a:stretch>
+        </p:blipFill>
+        <p:spPr>
+          <a:xfrm>
+            <a:off x="1288472" y="338446"/>
+            <a:ext cx="9615055" cy="6181107"/>
+          </a:xfrm>
+        </p:spPr>
+      </p:pic>
+      <p:sp>
+        <p:nvSpPr>
+          <p:cNvPr id="2" name="Title 1">
+            <a:extLst>
+              <a:ext uri="{FF2B5EF4-FFF2-40B4-BE49-F238E27FC236}">
+                <a16:creationId xmlns:a16="http://schemas.microsoft.com/office/drawing/2014/main" id="{4D025E74-0643-435E-87C2-5F81D0EB8BC3}"/>
+              </a:ext>
+            </a:extLst>
+          </p:cNvPr>
+          <p:cNvSpPr>
+            <a:spLocks noGrp="1"/>
+          </p:cNvSpPr>
+          <p:nvPr>
+            <p:ph type="title"/>
+          </p:nvPr>
+        </p:nvSpPr>
+        <p:spPr/>
+        <p:txBody>
+          <a:bodyPr/>
+          <a:lstStyle/>
+          <a:p>
+            <a:r>
+              <a:rPr lang="en-US" dirty="0"/>
+              <a:t>Degree Centrality</a:t>
+            </a:r>
+          </a:p>
+        </p:txBody>
+      </p:sp>
+    </p:spTree>
+    <p:extLst>
+      <p:ext uri="{BB962C8B-B14F-4D97-AF65-F5344CB8AC3E}">
+        <p14:creationId xmlns:p14="http://schemas.microsoft.com/office/powerpoint/2010/main" val="2128349272"/>
+      </p:ext>
+    </p:extLst>
+  </p:cSld>
+  <p:clrMapOvr>
+    <a:masterClrMapping/>
+  </p:clrMapOvr>
+</p:sld>
+</file>
+
+<file path=ppt/slides/slide39.xml><?xml version="1.0" encoding="utf-8"?>
 <p:sld xmlns:a="http://schemas.openxmlformats.org/drawingml/2006/main" xmlns:r="http://schemas.openxmlformats.org/officeDocument/2006/relationships" xmlns:p="http://schemas.openxmlformats.org/presentationml/2006/main">
   <p:cSld>
     <p:spTree>
@@ -15162,22 +16281,18 @@
           <a:lstStyle/>
           <a:p>
             <a:r>
-              <a:rPr lang="en-IN" dirty="0" smtClean="0"/>
+              <a:rPr lang="en-IN" dirty="0"/>
               <a:t>Visualisations</a:t>
             </a:r>
             <a:br>
-              <a:rPr lang="en-IN" dirty="0" smtClean="0"/>
+              <a:rPr lang="en-IN" dirty="0"/>
             </a:br>
             <a:r>
-              <a:rPr lang="en-IN" sz="2400" dirty="0" smtClean="0"/>
+              <a:rPr lang="en-IN" sz="2400" dirty="0"/>
               <a:t>Degree (All)</a:t>
             </a:r>
-            <a:r>
-              <a:rPr lang="en-IN" dirty="0" smtClean="0"/>
-              <a:t/>
-            </a:r>
             <a:br>
-              <a:rPr lang="en-IN" dirty="0" smtClean="0"/>
+              <a:rPr lang="en-IN" dirty="0"/>
             </a:br>
             <a:endParaRPr lang="en-GB" dirty="0"/>
           </a:p>
@@ -15375,7 +16490,131 @@
 </p:sld>
 </file>
 
-<file path=ppt/slides/slide32.xml><?xml version="1.0" encoding="utf-8"?>
+<file path=ppt/slides/slide4.xml><?xml version="1.0" encoding="utf-8"?>
+<p:sld xmlns:a="http://schemas.openxmlformats.org/drawingml/2006/main" xmlns:r="http://schemas.openxmlformats.org/officeDocument/2006/relationships" xmlns:p="http://schemas.openxmlformats.org/presentationml/2006/main">
+  <p:cSld>
+    <p:spTree>
+      <p:nvGrpSpPr>
+        <p:cNvPr id="1" name=""/>
+        <p:cNvGrpSpPr/>
+        <p:nvPr/>
+      </p:nvGrpSpPr>
+      <p:grpSpPr>
+        <a:xfrm>
+          <a:off x="0" y="0"/>
+          <a:ext cx="0" cy="0"/>
+          <a:chOff x="0" y="0"/>
+          <a:chExt cx="0" cy="0"/>
+        </a:xfrm>
+      </p:grpSpPr>
+      <p:sp>
+        <p:nvSpPr>
+          <p:cNvPr id="2" name="Title 1">
+            <a:extLst>
+              <a:ext uri="{FF2B5EF4-FFF2-40B4-BE49-F238E27FC236}">
+                <a16:creationId xmlns:a16="http://schemas.microsoft.com/office/drawing/2014/main" id="{B850A98A-F088-46E3-9F6E-A4431C47653D}"/>
+              </a:ext>
+            </a:extLst>
+          </p:cNvPr>
+          <p:cNvSpPr>
+            <a:spLocks noGrp="1"/>
+          </p:cNvSpPr>
+          <p:nvPr>
+            <p:ph type="title"/>
+          </p:nvPr>
+        </p:nvSpPr>
+        <p:spPr/>
+        <p:txBody>
+          <a:bodyPr/>
+          <a:lstStyle/>
+          <a:p>
+            <a:r>
+              <a:rPr lang="en-US" dirty="0"/>
+              <a:t>Mini-Challenge 1 (Overview)</a:t>
+            </a:r>
+          </a:p>
+        </p:txBody>
+      </p:sp>
+      <p:sp>
+        <p:nvSpPr>
+          <p:cNvPr id="3" name="Content Placeholder 2">
+            <a:extLst>
+              <a:ext uri="{FF2B5EF4-FFF2-40B4-BE49-F238E27FC236}">
+                <a16:creationId xmlns:a16="http://schemas.microsoft.com/office/drawing/2014/main" id="{5ECCEACC-4CAE-43A6-B046-E3848B129C55}"/>
+              </a:ext>
+            </a:extLst>
+          </p:cNvPr>
+          <p:cNvSpPr>
+            <a:spLocks noGrp="1"/>
+          </p:cNvSpPr>
+          <p:nvPr>
+            <p:ph idx="1"/>
+          </p:nvPr>
+        </p:nvSpPr>
+        <p:spPr/>
+        <p:txBody>
+          <a:bodyPr/>
+          <a:lstStyle/>
+          <a:p>
+            <a:r>
+              <a:rPr lang="en-US" b="1" dirty="0"/>
+              <a:t>One profile </a:t>
+            </a:r>
+            <a:r>
+              <a:rPr lang="en-US" dirty="0"/>
+              <a:t>has been identified by CGCS as </a:t>
+            </a:r>
+            <a:r>
+              <a:rPr lang="en-US" b="1" dirty="0"/>
+              <a:t>most likely</a:t>
+            </a:r>
+            <a:r>
+              <a:rPr lang="en-US" dirty="0"/>
+              <a:t> to resemble the structure of the group responsible for internet outage</a:t>
+            </a:r>
+          </a:p>
+          <a:p>
+            <a:r>
+              <a:rPr lang="en-US" b="1" dirty="0"/>
+              <a:t>Our task</a:t>
+            </a:r>
+            <a:r>
+              <a:rPr lang="en-US" dirty="0"/>
+              <a:t> is to identify the </a:t>
+            </a:r>
+            <a:r>
+              <a:rPr lang="en-US" b="1" dirty="0"/>
+              <a:t>groups</a:t>
+            </a:r>
+            <a:r>
+              <a:rPr lang="en-US" dirty="0"/>
+              <a:t> who </a:t>
+            </a:r>
+            <a:r>
+              <a:rPr lang="en-US" b="1" dirty="0"/>
+              <a:t>resemble</a:t>
+            </a:r>
+            <a:r>
+              <a:rPr lang="en-US" dirty="0"/>
+              <a:t> the identified profiles</a:t>
+            </a:r>
+          </a:p>
+        </p:txBody>
+      </p:sp>
+    </p:spTree>
+    <p:extLst>
+      <p:ext uri="{BB962C8B-B14F-4D97-AF65-F5344CB8AC3E}">
+        <p14:creationId xmlns:p14="http://schemas.microsoft.com/office/powerpoint/2010/main" val="4225084574"/>
+      </p:ext>
+    </p:extLst>
+  </p:cSld>
+  <p:clrMapOvr>
+    <a:masterClrMapping/>
+  </p:clrMapOvr>
+</p:sld>
+</file>
+
+<file path=ppt/slides/slide40.xml><?xml version="1.0" encoding="utf-8"?>
 <p:sld xmlns:a="http://schemas.openxmlformats.org/drawingml/2006/main" xmlns:r="http://schemas.openxmlformats.org/officeDocument/2006/relationships" xmlns:p="http://schemas.openxmlformats.org/presentationml/2006/main">
   <p:cSld>
     <p:spTree>
@@ -15408,14 +16647,14 @@
           <a:lstStyle/>
           <a:p>
             <a:r>
-              <a:rPr lang="en-IN" dirty="0" smtClean="0"/>
+              <a:rPr lang="en-IN" dirty="0"/>
               <a:t>Visualisation</a:t>
             </a:r>
             <a:br>
-              <a:rPr lang="en-IN" dirty="0" smtClean="0"/>
+              <a:rPr lang="en-IN" dirty="0"/>
             </a:br>
             <a:r>
-              <a:rPr lang="en-IN" sz="2400" dirty="0" err="1" smtClean="0"/>
+              <a:rPr lang="en-IN" sz="2400" dirty="0" err="1"/>
               <a:t>Betweenness</a:t>
             </a:r>
             <a:endParaRPr lang="en-GB" dirty="0"/>
@@ -15614,7 +16853,7 @@
 </p:sld>
 </file>
 
-<file path=ppt/slides/slide33.xml><?xml version="1.0" encoding="utf-8"?>
+<file path=ppt/slides/slide41.xml><?xml version="1.0" encoding="utf-8"?>
 <p:sld xmlns:a="http://schemas.openxmlformats.org/drawingml/2006/main" xmlns:r="http://schemas.openxmlformats.org/officeDocument/2006/relationships" xmlns:p="http://schemas.openxmlformats.org/presentationml/2006/main">
   <p:cSld>
     <p:spTree>
@@ -15647,14 +16886,14 @@
           <a:lstStyle/>
           <a:p>
             <a:r>
-              <a:rPr lang="en-IN" dirty="0" smtClean="0"/>
+              <a:rPr lang="en-IN" dirty="0"/>
               <a:t>Visualisation</a:t>
             </a:r>
             <a:br>
-              <a:rPr lang="en-IN" dirty="0" smtClean="0"/>
+              <a:rPr lang="en-IN" dirty="0"/>
             </a:br>
             <a:r>
-              <a:rPr lang="en-IN" sz="2400" dirty="0" smtClean="0"/>
+              <a:rPr lang="en-IN" sz="2400" dirty="0"/>
               <a:t>Eigen Vector</a:t>
             </a:r>
             <a:endParaRPr lang="en-GB" dirty="0"/>
@@ -15853,7 +17092,121 @@
 </p:sld>
 </file>
 
-<file path=ppt/slides/slide34.xml><?xml version="1.0" encoding="utf-8"?>
+<file path=ppt/slides/slide42.xml><?xml version="1.0" encoding="utf-8"?>
+<p:sld xmlns:a="http://schemas.openxmlformats.org/drawingml/2006/main" xmlns:r="http://schemas.openxmlformats.org/officeDocument/2006/relationships" xmlns:p="http://schemas.openxmlformats.org/presentationml/2006/main">
+  <p:cSld>
+    <p:spTree>
+      <p:nvGrpSpPr>
+        <p:cNvPr id="1" name=""/>
+        <p:cNvGrpSpPr/>
+        <p:nvPr/>
+      </p:nvGrpSpPr>
+      <p:grpSpPr>
+        <a:xfrm>
+          <a:off x="0" y="0"/>
+          <a:ext cx="0" cy="0"/>
+          <a:chOff x="0" y="0"/>
+          <a:chExt cx="0" cy="0"/>
+        </a:xfrm>
+      </p:grpSpPr>
+      <p:sp>
+        <p:nvSpPr>
+          <p:cNvPr id="3" name="Content Placeholder 2">
+            <a:extLst>
+              <a:ext uri="{FF2B5EF4-FFF2-40B4-BE49-F238E27FC236}">
+                <a16:creationId xmlns:a16="http://schemas.microsoft.com/office/drawing/2014/main" id="{008677AC-41CA-4320-A442-3EF3DADB63FD}"/>
+              </a:ext>
+            </a:extLst>
+          </p:cNvPr>
+          <p:cNvSpPr>
+            <a:spLocks noGrp="1"/>
+          </p:cNvSpPr>
+          <p:nvPr>
+            <p:ph idx="1"/>
+          </p:nvPr>
+        </p:nvSpPr>
+        <p:spPr>
+          <a:xfrm>
+            <a:off x="838200" y="2673927"/>
+            <a:ext cx="10515600" cy="3503036"/>
+          </a:xfrm>
+        </p:spPr>
+        <p:txBody>
+          <a:bodyPr>
+            <a:normAutofit/>
+          </a:bodyPr>
+          <a:lstStyle/>
+          <a:p>
+            <a:pPr marL="0" indent="0">
+              <a:buNone/>
+            </a:pPr>
+            <a:r>
+              <a:rPr lang="en-US" sz="3600" dirty="0" err="1">
+                <a:latin typeface="Times New Roman" panose="02020603050405020304" pitchFamily="18" charset="0"/>
+                <a:cs typeface="Times New Roman" panose="02020603050405020304" pitchFamily="18" charset="0"/>
+              </a:rPr>
+              <a:t>Gephi</a:t>
+            </a:r>
+            <a:r>
+              <a:rPr lang="en-US" sz="3600" dirty="0">
+                <a:latin typeface="Times New Roman" panose="02020603050405020304" pitchFamily="18" charset="0"/>
+                <a:cs typeface="Times New Roman" panose="02020603050405020304" pitchFamily="18" charset="0"/>
+              </a:rPr>
+              <a:t> is an open-source network analysis and visualization software package</a:t>
+            </a:r>
+          </a:p>
+        </p:txBody>
+      </p:sp>
+      <p:pic>
+        <p:nvPicPr>
+          <p:cNvPr id="9" name="Picture 8">
+            <a:extLst>
+              <a:ext uri="{FF2B5EF4-FFF2-40B4-BE49-F238E27FC236}">
+                <a16:creationId xmlns:a16="http://schemas.microsoft.com/office/drawing/2014/main" id="{9A917A6B-0399-4135-A978-819412E3720E}"/>
+              </a:ext>
+            </a:extLst>
+          </p:cNvPr>
+          <p:cNvPicPr>
+            <a:picLocks noChangeAspect="1"/>
+          </p:cNvPicPr>
+          <p:nvPr/>
+        </p:nvPicPr>
+        <p:blipFill>
+          <a:blip r:embed="rId2">
+            <a:extLst>
+              <a:ext uri="{28A0092B-C50C-407E-A947-70E740481C1C}">
+                <a14:useLocalDpi xmlns:a14="http://schemas.microsoft.com/office/drawing/2010/main" val="0"/>
+              </a:ext>
+            </a:extLst>
+          </a:blip>
+          <a:stretch>
+            <a:fillRect/>
+          </a:stretch>
+        </p:blipFill>
+        <p:spPr>
+          <a:xfrm>
+            <a:off x="735156" y="191438"/>
+            <a:ext cx="4819650" cy="1866900"/>
+          </a:xfrm>
+          <a:prstGeom prst="rect">
+            <a:avLst/>
+          </a:prstGeom>
+        </p:spPr>
+      </p:pic>
+    </p:spTree>
+    <p:extLst>
+      <p:ext uri="{BB962C8B-B14F-4D97-AF65-F5344CB8AC3E}">
+        <p14:creationId xmlns:p14="http://schemas.microsoft.com/office/powerpoint/2010/main" val="271034499"/>
+      </p:ext>
+    </p:extLst>
+  </p:cSld>
+  <p:clrMapOvr>
+    <a:masterClrMapping/>
+  </p:clrMapOvr>
+</p:sld>
+</file>
+
+<file path=ppt/slides/slide43.xml><?xml version="1.0" encoding="utf-8"?>
 <p:sld xmlns:a="http://schemas.openxmlformats.org/drawingml/2006/main" xmlns:r="http://schemas.openxmlformats.org/officeDocument/2006/relationships" xmlns:p="http://schemas.openxmlformats.org/presentationml/2006/main">
   <p:cSld>
     <p:spTree>
@@ -15875,7 +17228,7 @@
           <p:cNvPr id="2" name="Title 1">
             <a:extLst>
               <a:ext uri="{FF2B5EF4-FFF2-40B4-BE49-F238E27FC236}">
-                <a16:creationId xmlns:a16="http://schemas.microsoft.com/office/drawing/2014/main" xmlns="" id="{03157DC7-9BF8-4E26-8207-6C2831CE5A1E}"/>
+                <a16:creationId xmlns:a16="http://schemas.microsoft.com/office/drawing/2014/main" id="{D228E181-8FA8-42E6-8815-124E8B7E25FC}"/>
               </a:ext>
             </a:extLst>
           </p:cNvPr>
@@ -15883,32 +17236,94 @@
             <a:spLocks noGrp="1"/>
           </p:cNvSpPr>
           <p:nvPr>
-            <p:ph type="ctrTitle"/>
+            <p:ph type="title"/>
           </p:nvPr>
         </p:nvSpPr>
         <p:spPr/>
         <p:txBody>
-          <a:bodyPr>
-            <a:normAutofit/>
-          </a:bodyPr>
+          <a:bodyPr/>
           <a:lstStyle/>
           <a:p>
             <a:r>
-              <a:rPr lang="en-US" sz="6600" b="1" dirty="0">
-                <a:solidFill>
-                  <a:schemeClr val="accent1">
-                    <a:lumMod val="50000"/>
-                  </a:schemeClr>
-                </a:solidFill>
-                <a:effectLst>
-                  <a:outerShdw blurRad="38100" dist="38100" dir="2700000" algn="tl">
-                    <a:srgbClr val="000000">
-                      <a:alpha val="43137"/>
-                    </a:srgbClr>
-                  </a:outerShdw>
-                </a:effectLst>
+              <a:rPr lang="en-US" dirty="0"/>
+              <a:t>Discussion</a:t>
+            </a:r>
+          </a:p>
+        </p:txBody>
+      </p:sp>
+      <p:sp>
+        <p:nvSpPr>
+          <p:cNvPr id="3" name="Content Placeholder 2">
+            <a:extLst>
+              <a:ext uri="{FF2B5EF4-FFF2-40B4-BE49-F238E27FC236}">
+                <a16:creationId xmlns:a16="http://schemas.microsoft.com/office/drawing/2014/main" id="{CBE33209-034E-4698-A99E-E10E3685290F}"/>
+              </a:ext>
+            </a:extLst>
+          </p:cNvPr>
+          <p:cNvSpPr>
+            <a:spLocks noGrp="1"/>
+          </p:cNvSpPr>
+          <p:nvPr>
+            <p:ph idx="1"/>
+          </p:nvPr>
+        </p:nvSpPr>
+        <p:spPr/>
+        <p:txBody>
+          <a:bodyPr/>
+          <a:lstStyle/>
+          <a:p>
+            <a:r>
+              <a:rPr lang="en-US" dirty="0"/>
+              <a:t>Literature and keywords</a:t>
+            </a:r>
+          </a:p>
+          <a:p>
+            <a:r>
+              <a:rPr lang="en-US" dirty="0"/>
+              <a:t>Questions were sent to the committee</a:t>
+            </a:r>
+          </a:p>
+          <a:p>
+            <a:r>
+              <a:rPr lang="en-US" dirty="0"/>
+              <a:t>Time based Graph in Very large graph (</a:t>
+            </a:r>
+            <a:r>
+              <a:rPr lang="en-US" dirty="0">
+                <a:hlinkClick r:id="rId2" action="ppaction://hlinksldjump"/>
               </a:rPr>
-              <a:t>Thank you for your time</a:t>
+              <a:t>here</a:t>
+            </a:r>
+            <a:r>
+              <a:rPr lang="en-US" dirty="0"/>
+              <a:t>)</a:t>
+            </a:r>
+          </a:p>
+          <a:p>
+            <a:r>
+              <a:rPr lang="en-US" dirty="0"/>
+              <a:t>Seeds for question 2:</a:t>
+            </a:r>
+          </a:p>
+          <a:p>
+            <a:pPr lvl="1"/>
+            <a:r>
+              <a:rPr lang="en-US" dirty="0"/>
+              <a:t>They are most probably connected to most of the data</a:t>
+            </a:r>
+          </a:p>
+          <a:p>
+            <a:pPr lvl="1"/>
+            <a:r>
+              <a:rPr lang="en-US" dirty="0"/>
+              <a:t>Assume they are in a hacker group or</a:t>
+            </a:r>
+          </a:p>
+          <a:p>
+            <a:pPr lvl="1"/>
+            <a:r>
+              <a:rPr lang="en-US" dirty="0"/>
+              <a:t>Assume they are a group that could be hackers</a:t>
             </a:r>
           </a:p>
         </p:txBody>
@@ -15916,7 +17331,7 @@
     </p:spTree>
     <p:extLst>
       <p:ext uri="{BB962C8B-B14F-4D97-AF65-F5344CB8AC3E}">
-        <p14:creationId xmlns:p14="http://schemas.microsoft.com/office/powerpoint/2010/main" val="4090626466"/>
+        <p14:creationId xmlns:p14="http://schemas.microsoft.com/office/powerpoint/2010/main" val="2061003263"/>
       </p:ext>
     </p:extLst>
   </p:cSld>
@@ -15926,7 +17341,7 @@
 </p:sld>
 </file>
 
-<file path=ppt/slides/slide4.xml><?xml version="1.0" encoding="utf-8"?>
+<file path=ppt/slides/slide44.xml><?xml version="1.0" encoding="utf-8"?>
 <p:sld xmlns:a="http://schemas.openxmlformats.org/drawingml/2006/main" xmlns:r="http://schemas.openxmlformats.org/officeDocument/2006/relationships" xmlns:p="http://schemas.openxmlformats.org/presentationml/2006/main">
   <p:cSld>
     <p:spTree>
@@ -15948,7 +17363,7 @@
           <p:cNvPr id="2" name="Title 1">
             <a:extLst>
               <a:ext uri="{FF2B5EF4-FFF2-40B4-BE49-F238E27FC236}">
-                <a16:creationId xmlns:a16="http://schemas.microsoft.com/office/drawing/2014/main" xmlns="" id="{B850A98A-F088-46E3-9F6E-A4431C47653D}"/>
+                <a16:creationId xmlns:a16="http://schemas.microsoft.com/office/drawing/2014/main" id="{03157DC7-9BF8-4E26-8207-6C2831CE5A1E}"/>
               </a:ext>
             </a:extLst>
           </p:cNvPr>
@@ -15956,83 +17371,32 @@
             <a:spLocks noGrp="1"/>
           </p:cNvSpPr>
           <p:nvPr>
-            <p:ph type="title"/>
+            <p:ph type="ctrTitle"/>
           </p:nvPr>
         </p:nvSpPr>
         <p:spPr/>
         <p:txBody>
-          <a:bodyPr/>
+          <a:bodyPr>
+            <a:normAutofit/>
+          </a:bodyPr>
           <a:lstStyle/>
           <a:p>
             <a:r>
-              <a:rPr lang="en-US" dirty="0"/>
-              <a:t>Mini-Challenge 1 (Overview)</a:t>
-            </a:r>
-          </a:p>
-        </p:txBody>
-      </p:sp>
-      <p:sp>
-        <p:nvSpPr>
-          <p:cNvPr id="3" name="Content Placeholder 2">
-            <a:extLst>
-              <a:ext uri="{FF2B5EF4-FFF2-40B4-BE49-F238E27FC236}">
-                <a16:creationId xmlns:a16="http://schemas.microsoft.com/office/drawing/2014/main" xmlns="" id="{5ECCEACC-4CAE-43A6-B046-E3848B129C55}"/>
-              </a:ext>
-            </a:extLst>
-          </p:cNvPr>
-          <p:cNvSpPr>
-            <a:spLocks noGrp="1"/>
-          </p:cNvSpPr>
-          <p:nvPr>
-            <p:ph idx="1"/>
-          </p:nvPr>
-        </p:nvSpPr>
-        <p:spPr/>
-        <p:txBody>
-          <a:bodyPr/>
-          <a:lstStyle/>
-          <a:p>
-            <a:r>
-              <a:rPr lang="en-US" b="1" dirty="0"/>
-              <a:t>One profile </a:t>
-            </a:r>
-            <a:r>
-              <a:rPr lang="en-US" dirty="0"/>
-              <a:t>has been identified by CGCS as </a:t>
-            </a:r>
-            <a:r>
-              <a:rPr lang="en-US" b="1" dirty="0"/>
-              <a:t>most likely</a:t>
-            </a:r>
-            <a:r>
-              <a:rPr lang="en-US" dirty="0"/>
-              <a:t> to resemble the structure of the group responsible for internet outage</a:t>
-            </a:r>
-          </a:p>
-          <a:p>
-            <a:r>
-              <a:rPr lang="en-US" b="1" dirty="0"/>
-              <a:t>Our task</a:t>
-            </a:r>
-            <a:r>
-              <a:rPr lang="en-US" dirty="0"/>
-              <a:t> is to identify the </a:t>
-            </a:r>
-            <a:r>
-              <a:rPr lang="en-US" b="1" dirty="0"/>
-              <a:t>groups</a:t>
-            </a:r>
-            <a:r>
-              <a:rPr lang="en-US" dirty="0"/>
-              <a:t> who </a:t>
-            </a:r>
-            <a:r>
-              <a:rPr lang="en-US" b="1" dirty="0"/>
-              <a:t>resemble</a:t>
-            </a:r>
-            <a:r>
-              <a:rPr lang="en-US" dirty="0"/>
-              <a:t> the identified profiles</a:t>
+              <a:rPr lang="en-US" sz="6600" b="1" dirty="0">
+                <a:solidFill>
+                  <a:schemeClr val="accent1">
+                    <a:lumMod val="50000"/>
+                  </a:schemeClr>
+                </a:solidFill>
+                <a:effectLst>
+                  <a:outerShdw blurRad="38100" dist="38100" dir="2700000" algn="tl">
+                    <a:srgbClr val="000000">
+                      <a:alpha val="43137"/>
+                    </a:srgbClr>
+                  </a:outerShdw>
+                </a:effectLst>
+              </a:rPr>
+              <a:t>Thank you for your time</a:t>
             </a:r>
           </a:p>
         </p:txBody>
@@ -16040,7 +17404,7 @@
     </p:spTree>
     <p:extLst>
       <p:ext uri="{BB962C8B-B14F-4D97-AF65-F5344CB8AC3E}">
-        <p14:creationId xmlns:p14="http://schemas.microsoft.com/office/powerpoint/2010/main" val="4225084574"/>
+        <p14:creationId xmlns:p14="http://schemas.microsoft.com/office/powerpoint/2010/main" val="4090626466"/>
       </p:ext>
     </p:extLst>
   </p:cSld>
@@ -16072,7 +17436,7 @@
           <p:cNvPr id="2" name="Title 1">
             <a:extLst>
               <a:ext uri="{FF2B5EF4-FFF2-40B4-BE49-F238E27FC236}">
-                <a16:creationId xmlns:a16="http://schemas.microsoft.com/office/drawing/2014/main" xmlns="" id="{68B15AC2-C426-4CE6-BC17-B1080FFB4FA5}"/>
+                <a16:creationId xmlns:a16="http://schemas.microsoft.com/office/drawing/2014/main" id="{68B15AC2-C426-4CE6-BC17-B1080FFB4FA5}"/>
               </a:ext>
             </a:extLst>
           </p:cNvPr>
@@ -16100,7 +17464,7 @@
           <p:cNvPr id="3" name="Content Placeholder 2">
             <a:extLst>
               <a:ext uri="{FF2B5EF4-FFF2-40B4-BE49-F238E27FC236}">
-                <a16:creationId xmlns:a16="http://schemas.microsoft.com/office/drawing/2014/main" xmlns="" id="{857CCE95-0F9B-415E-8AFC-0C4025E6D4A0}"/>
+                <a16:creationId xmlns:a16="http://schemas.microsoft.com/office/drawing/2014/main" id="{857CCE95-0F9B-415E-8AFC-0C4025E6D4A0}"/>
               </a:ext>
             </a:extLst>
           </p:cNvPr>
@@ -16212,7 +17576,7 @@
           <p:cNvPr id="2" name="Title 1">
             <a:extLst>
               <a:ext uri="{FF2B5EF4-FFF2-40B4-BE49-F238E27FC236}">
-                <a16:creationId xmlns:a16="http://schemas.microsoft.com/office/drawing/2014/main" xmlns="" id="{A02CF469-CEE7-485C-8B48-C84082B3145D}"/>
+                <a16:creationId xmlns:a16="http://schemas.microsoft.com/office/drawing/2014/main" id="{A02CF469-CEE7-485C-8B48-C84082B3145D}"/>
               </a:ext>
             </a:extLst>
           </p:cNvPr>
@@ -16240,7 +17604,7 @@
           <p:cNvPr id="3" name="Content Placeholder 2">
             <a:extLst>
               <a:ext uri="{FF2B5EF4-FFF2-40B4-BE49-F238E27FC236}">
-                <a16:creationId xmlns:a16="http://schemas.microsoft.com/office/drawing/2014/main" xmlns="" id="{1261BE96-0868-452D-A1EB-EAFDD3BE44DD}"/>
+                <a16:creationId xmlns:a16="http://schemas.microsoft.com/office/drawing/2014/main" id="{1261BE96-0868-452D-A1EB-EAFDD3BE44DD}"/>
               </a:ext>
             </a:extLst>
           </p:cNvPr>
@@ -16321,10 +17685,6 @@
             <a:r>
               <a:rPr lang="en-US" u="sng" dirty="0"/>
               <a:t>one year</a:t>
-            </a:r>
-            <a:r>
-              <a:rPr lang="en-US" dirty="0"/>
-              <a:t/>
             </a:r>
             <a:br>
               <a:rPr lang="en-US" dirty="0"/>
@@ -16368,7 +17728,7 @@
           <p:cNvPr id="2" name="Title 1">
             <a:extLst>
               <a:ext uri="{FF2B5EF4-FFF2-40B4-BE49-F238E27FC236}">
-                <a16:creationId xmlns:a16="http://schemas.microsoft.com/office/drawing/2014/main" xmlns="" id="{767E56EE-22E9-4ED1-B5EC-7F4D19F3357B}"/>
+                <a16:creationId xmlns:a16="http://schemas.microsoft.com/office/drawing/2014/main" id="{767E56EE-22E9-4ED1-B5EC-7F4D19F3357B}"/>
               </a:ext>
             </a:extLst>
           </p:cNvPr>
@@ -16396,7 +17756,7 @@
           <p:cNvPr id="3" name="Content Placeholder 2">
             <a:extLst>
               <a:ext uri="{FF2B5EF4-FFF2-40B4-BE49-F238E27FC236}">
-                <a16:creationId xmlns:a16="http://schemas.microsoft.com/office/drawing/2014/main" xmlns="" id="{511E5792-09E2-447C-AD1E-24ABC5C74A5B}"/>
+                <a16:creationId xmlns:a16="http://schemas.microsoft.com/office/drawing/2014/main" id="{511E5792-09E2-447C-AD1E-24ABC5C74A5B}"/>
               </a:ext>
             </a:extLst>
           </p:cNvPr>
@@ -16544,7 +17904,7 @@
           <p:cNvPr id="2" name="Title 1">
             <a:extLst>
               <a:ext uri="{FF2B5EF4-FFF2-40B4-BE49-F238E27FC236}">
-                <a16:creationId xmlns:a16="http://schemas.microsoft.com/office/drawing/2014/main" xmlns="" id="{D032211E-8D2D-44F5-A411-D0257B8BBBD4}"/>
+                <a16:creationId xmlns:a16="http://schemas.microsoft.com/office/drawing/2014/main" id="{D032211E-8D2D-44F5-A411-D0257B8BBBD4}"/>
               </a:ext>
             </a:extLst>
           </p:cNvPr>
@@ -16572,7 +17932,7 @@
           <p:cNvPr id="3" name="Content Placeholder 2">
             <a:extLst>
               <a:ext uri="{FF2B5EF4-FFF2-40B4-BE49-F238E27FC236}">
-                <a16:creationId xmlns:a16="http://schemas.microsoft.com/office/drawing/2014/main" xmlns="" id="{CFD2027D-315E-42C2-AA32-D9A5CB2EDA84}"/>
+                <a16:creationId xmlns:a16="http://schemas.microsoft.com/office/drawing/2014/main" id="{CFD2027D-315E-42C2-AA32-D9A5CB2EDA84}"/>
               </a:ext>
             </a:extLst>
           </p:cNvPr>
@@ -16733,7 +18093,7 @@
           <p:cNvPr id="2" name="Title 1">
             <a:extLst>
               <a:ext uri="{FF2B5EF4-FFF2-40B4-BE49-F238E27FC236}">
-                <a16:creationId xmlns:a16="http://schemas.microsoft.com/office/drawing/2014/main" xmlns="" id="{136DD788-C74C-4208-B6FF-6EAF7C634C08}"/>
+                <a16:creationId xmlns:a16="http://schemas.microsoft.com/office/drawing/2014/main" id="{136DD788-C74C-4208-B6FF-6EAF7C634C08}"/>
               </a:ext>
             </a:extLst>
           </p:cNvPr>
@@ -16761,7 +18121,7 @@
           <p:cNvPr id="3" name="Content Placeholder 2">
             <a:extLst>
               <a:ext uri="{FF2B5EF4-FFF2-40B4-BE49-F238E27FC236}">
-                <a16:creationId xmlns:a16="http://schemas.microsoft.com/office/drawing/2014/main" xmlns="" id="{5BDEBC64-4149-4A8E-9F1F-574C502831E1}"/>
+                <a16:creationId xmlns:a16="http://schemas.microsoft.com/office/drawing/2014/main" id="{5BDEBC64-4149-4A8E-9F1F-574C502831E1}"/>
               </a:ext>
             </a:extLst>
           </p:cNvPr>

--- a/Documentation/Presentation/Project_Presentation_v2.pptx
+++ b/Documentation/Presentation/Project_Presentation_v2.pptx
@@ -5,7 +5,7 @@
     <p:sldMasterId id="2147483648" r:id="rId1"/>
   </p:sldMasterIdLst>
   <p:notesMasterIdLst>
-    <p:notesMasterId r:id="rId46"/>
+    <p:notesMasterId r:id="rId47"/>
   </p:notesMasterIdLst>
   <p:sldIdLst>
     <p:sldId id="257" r:id="rId2"/>
@@ -51,7 +51,8 @@
     <p:sldId id="296" r:id="rId42"/>
     <p:sldId id="307" r:id="rId43"/>
     <p:sldId id="297" r:id="rId44"/>
-    <p:sldId id="279" r:id="rId45"/>
+    <p:sldId id="308" r:id="rId45"/>
+    <p:sldId id="279" r:id="rId46"/>
   </p:sldIdLst>
   <p:sldSz cx="12192000" cy="6858000"/>
   <p:notesSz cx="6858000" cy="9144000"/>
@@ -17342,6 +17343,125 @@
 </file>
 
 <file path=ppt/slides/slide44.xml><?xml version="1.0" encoding="utf-8"?>
+<p:sld xmlns:a="http://schemas.openxmlformats.org/drawingml/2006/main" xmlns:r="http://schemas.openxmlformats.org/officeDocument/2006/relationships" xmlns:p="http://schemas.openxmlformats.org/presentationml/2006/main">
+  <p:cSld>
+    <p:spTree>
+      <p:nvGrpSpPr>
+        <p:cNvPr id="1" name=""/>
+        <p:cNvGrpSpPr/>
+        <p:nvPr/>
+      </p:nvGrpSpPr>
+      <p:grpSpPr>
+        <a:xfrm>
+          <a:off x="0" y="0"/>
+          <a:ext cx="0" cy="0"/>
+          <a:chOff x="0" y="0"/>
+          <a:chExt cx="0" cy="0"/>
+        </a:xfrm>
+      </p:grpSpPr>
+      <p:sp>
+        <p:nvSpPr>
+          <p:cNvPr id="2" name="Title 1">
+            <a:extLst>
+              <a:ext uri="{FF2B5EF4-FFF2-40B4-BE49-F238E27FC236}">
+                <a16:creationId xmlns:a16="http://schemas.microsoft.com/office/drawing/2014/main" id="{894DA608-A780-4BA6-895F-EB5D8D282107}"/>
+              </a:ext>
+            </a:extLst>
+          </p:cNvPr>
+          <p:cNvSpPr>
+            <a:spLocks noGrp="1"/>
+          </p:cNvSpPr>
+          <p:nvPr>
+            <p:ph type="title"/>
+          </p:nvPr>
+        </p:nvSpPr>
+        <p:spPr/>
+        <p:txBody>
+          <a:bodyPr/>
+          <a:lstStyle/>
+          <a:p>
+            <a:r>
+              <a:rPr lang="en-US" dirty="0"/>
+              <a:t>What next</a:t>
+            </a:r>
+          </a:p>
+        </p:txBody>
+      </p:sp>
+      <p:sp>
+        <p:nvSpPr>
+          <p:cNvPr id="3" name="Content Placeholder 2">
+            <a:extLst>
+              <a:ext uri="{FF2B5EF4-FFF2-40B4-BE49-F238E27FC236}">
+                <a16:creationId xmlns:a16="http://schemas.microsoft.com/office/drawing/2014/main" id="{86B98148-1047-4058-8B8E-94B3B38E8CF6}"/>
+              </a:ext>
+            </a:extLst>
+          </p:cNvPr>
+          <p:cNvSpPr>
+            <a:spLocks noGrp="1"/>
+          </p:cNvSpPr>
+          <p:nvPr>
+            <p:ph idx="1"/>
+          </p:nvPr>
+        </p:nvSpPr>
+        <p:spPr/>
+        <p:txBody>
+          <a:bodyPr/>
+          <a:lstStyle/>
+          <a:p>
+            <a:r>
+              <a:rPr lang="en-US" dirty="0"/>
+              <a:t>Other similarity measures</a:t>
+            </a:r>
+          </a:p>
+          <a:p>
+            <a:r>
+              <a:rPr lang="en-US" dirty="0"/>
+              <a:t>Parallel coordinates</a:t>
+            </a:r>
+          </a:p>
+          <a:p>
+            <a:pPr lvl="1"/>
+            <a:r>
+              <a:rPr lang="en-US" dirty="0"/>
+              <a:t>Extract interesting measures</a:t>
+            </a:r>
+          </a:p>
+          <a:p>
+            <a:pPr lvl="1"/>
+            <a:r>
+              <a:rPr lang="en-US" dirty="0"/>
+              <a:t>Comparison</a:t>
+            </a:r>
+          </a:p>
+          <a:p>
+            <a:r>
+              <a:rPr lang="en-US" dirty="0"/>
+              <a:t>Question 2: </a:t>
+            </a:r>
+            <a:r>
+              <a:rPr lang="en-US"/>
+              <a:t>further analysis of seeds</a:t>
+            </a:r>
+          </a:p>
+          <a:p>
+            <a:endParaRPr lang="en-US" dirty="0"/>
+          </a:p>
+        </p:txBody>
+      </p:sp>
+    </p:spTree>
+    <p:extLst>
+      <p:ext uri="{BB962C8B-B14F-4D97-AF65-F5344CB8AC3E}">
+        <p14:creationId xmlns:p14="http://schemas.microsoft.com/office/powerpoint/2010/main" val="2757907339"/>
+      </p:ext>
+    </p:extLst>
+  </p:cSld>
+  <p:clrMapOvr>
+    <a:masterClrMapping/>
+  </p:clrMapOvr>
+</p:sld>
+</file>
+
+<file path=ppt/slides/slide45.xml><?xml version="1.0" encoding="utf-8"?>
 <p:sld xmlns:a="http://schemas.openxmlformats.org/drawingml/2006/main" xmlns:r="http://schemas.openxmlformats.org/officeDocument/2006/relationships" xmlns:p="http://schemas.openxmlformats.org/presentationml/2006/main">
   <p:cSld>
     <p:spTree>

--- a/Documentation/Presentation/Project_Presentation_v2.pptx
+++ b/Documentation/Presentation/Project_Presentation_v2.pptx
@@ -17436,11 +17436,31 @@
           <a:p>
             <a:r>
               <a:rPr lang="en-US" dirty="0"/>
-              <a:t>Question 2: </a:t>
+              <a:t>Question 2: further analysis of seeds</a:t>
+            </a:r>
+          </a:p>
+          <a:p>
+            <a:pPr lvl="1"/>
+            <a:r>
+              <a:rPr lang="en-US" dirty="0"/>
+              <a:t>Use some of the similarity measure as thresholds</a:t>
+            </a:r>
+          </a:p>
+          <a:p>
+            <a:pPr lvl="1"/>
+            <a:r>
+              <a:rPr lang="en-US" dirty="0"/>
+              <a:t>Ego graph</a:t>
+            </a:r>
+          </a:p>
+          <a:p>
+            <a:r>
+              <a:rPr lang="en-US" dirty="0"/>
+              <a:t>Analysis based </a:t>
             </a:r>
             <a:r>
               <a:rPr lang="en-US"/>
-              <a:t>further analysis of seeds</a:t>
+              <a:t>on channels</a:t>
             </a:r>
           </a:p>
           <a:p>

--- a/Documentation/Presentation/Project_Presentation_v2.pptx
+++ b/Documentation/Presentation/Project_Presentation_v2.pptx
@@ -17456,11 +17456,7 @@
           <a:p>
             <a:r>
               <a:rPr lang="en-US" dirty="0"/>
-              <a:t>Analysis based </a:t>
-            </a:r>
-            <a:r>
-              <a:rPr lang="en-US"/>
-              <a:t>on channels</a:t>
+              <a:t>Analysis based on channels</a:t>
             </a:r>
           </a:p>
           <a:p>

--- a/Documentation/Presentation/Project_Presentation_v2.pptx
+++ b/Documentation/Presentation/Project_Presentation_v2.pptx
@@ -5,7 +5,7 @@
     <p:sldMasterId id="2147483648" r:id="rId1"/>
   </p:sldMasterIdLst>
   <p:notesMasterIdLst>
-    <p:notesMasterId r:id="rId47"/>
+    <p:notesMasterId r:id="rId48"/>
   </p:notesMasterIdLst>
   <p:sldIdLst>
     <p:sldId id="257" r:id="rId2"/>
@@ -52,7 +52,8 @@
     <p:sldId id="307" r:id="rId43"/>
     <p:sldId id="297" r:id="rId44"/>
     <p:sldId id="308" r:id="rId45"/>
-    <p:sldId id="279" r:id="rId46"/>
+    <p:sldId id="309" r:id="rId46"/>
+    <p:sldId id="279" r:id="rId47"/>
   </p:sldIdLst>
   <p:sldSz cx="12192000" cy="6858000"/>
   <p:notesSz cx="6858000" cy="9144000"/>
@@ -241,7 +242,7 @@
           <a:p>
             <a:fld id="{A24D267D-A5E8-45DB-ADB4-1A72CFD9B7CE}" type="datetimeFigureOut">
               <a:rPr lang="en-US" smtClean="0"/>
-              <a:t>5/13/2020</a:t>
+              <a:t>5/25/2020</a:t>
             </a:fld>
             <a:endParaRPr lang="en-US"/>
           </a:p>
@@ -657,7 +658,7 @@
           <p:cNvPr id="2" name="Title 1">
             <a:extLst>
               <a:ext uri="{FF2B5EF4-FFF2-40B4-BE49-F238E27FC236}">
-                <a16:creationId xmlns:a16="http://schemas.microsoft.com/office/drawing/2014/main" id="{284A2123-CC2A-4A04-B09A-EE3B4F32500D}"/>
+                <a16:creationId xmlns:a16="http://schemas.microsoft.com/office/drawing/2014/main" xmlns="" id="{284A2123-CC2A-4A04-B09A-EE3B4F32500D}"/>
               </a:ext>
             </a:extLst>
           </p:cNvPr>
@@ -694,7 +695,7 @@
           <p:cNvPr id="3" name="Subtitle 2">
             <a:extLst>
               <a:ext uri="{FF2B5EF4-FFF2-40B4-BE49-F238E27FC236}">
-                <a16:creationId xmlns:a16="http://schemas.microsoft.com/office/drawing/2014/main" id="{1B146465-F3E4-438E-849D-5F8180A6DEC8}"/>
+                <a16:creationId xmlns:a16="http://schemas.microsoft.com/office/drawing/2014/main" xmlns="" id="{1B146465-F3E4-438E-849D-5F8180A6DEC8}"/>
               </a:ext>
             </a:extLst>
           </p:cNvPr>
@@ -764,7 +765,7 @@
           <p:cNvPr id="4" name="Date Placeholder 3">
             <a:extLst>
               <a:ext uri="{FF2B5EF4-FFF2-40B4-BE49-F238E27FC236}">
-                <a16:creationId xmlns:a16="http://schemas.microsoft.com/office/drawing/2014/main" id="{8F118AA2-D399-4407-9F7B-6B682181DD8C}"/>
+                <a16:creationId xmlns:a16="http://schemas.microsoft.com/office/drawing/2014/main" xmlns="" id="{8F118AA2-D399-4407-9F7B-6B682181DD8C}"/>
               </a:ext>
             </a:extLst>
           </p:cNvPr>
@@ -782,7 +783,7 @@
           <a:p>
             <a:fld id="{17C4C4AE-CFD8-4AF2-A6E6-1D1ADC40C52A}" type="datetimeFigureOut">
               <a:rPr lang="en-US" smtClean="0"/>
-              <a:t>5/13/2020</a:t>
+              <a:t>5/25/2020</a:t>
             </a:fld>
             <a:endParaRPr lang="en-US"/>
           </a:p>
@@ -793,7 +794,7 @@
           <p:cNvPr id="5" name="Footer Placeholder 4">
             <a:extLst>
               <a:ext uri="{FF2B5EF4-FFF2-40B4-BE49-F238E27FC236}">
-                <a16:creationId xmlns:a16="http://schemas.microsoft.com/office/drawing/2014/main" id="{B1360D42-289D-427C-9581-D5FFA79CC734}"/>
+                <a16:creationId xmlns:a16="http://schemas.microsoft.com/office/drawing/2014/main" xmlns="" id="{B1360D42-289D-427C-9581-D5FFA79CC734}"/>
               </a:ext>
             </a:extLst>
           </p:cNvPr>
@@ -818,7 +819,7 @@
           <p:cNvPr id="6" name="Slide Number Placeholder 5">
             <a:extLst>
               <a:ext uri="{FF2B5EF4-FFF2-40B4-BE49-F238E27FC236}">
-                <a16:creationId xmlns:a16="http://schemas.microsoft.com/office/drawing/2014/main" id="{48F93999-98E7-41AF-8A7A-BDCF167C9E5F}"/>
+                <a16:creationId xmlns:a16="http://schemas.microsoft.com/office/drawing/2014/main" xmlns="" id="{48F93999-98E7-41AF-8A7A-BDCF167C9E5F}"/>
               </a:ext>
             </a:extLst>
           </p:cNvPr>
@@ -877,7 +878,7 @@
           <p:cNvPr id="2" name="Title 1">
             <a:extLst>
               <a:ext uri="{FF2B5EF4-FFF2-40B4-BE49-F238E27FC236}">
-                <a16:creationId xmlns:a16="http://schemas.microsoft.com/office/drawing/2014/main" id="{6FCA43C3-1AFE-4306-9FFD-B9E392E6495B}"/>
+                <a16:creationId xmlns:a16="http://schemas.microsoft.com/office/drawing/2014/main" xmlns="" id="{6FCA43C3-1AFE-4306-9FFD-B9E392E6495B}"/>
               </a:ext>
             </a:extLst>
           </p:cNvPr>
@@ -905,7 +906,7 @@
           <p:cNvPr id="3" name="Vertical Text Placeholder 2">
             <a:extLst>
               <a:ext uri="{FF2B5EF4-FFF2-40B4-BE49-F238E27FC236}">
-                <a16:creationId xmlns:a16="http://schemas.microsoft.com/office/drawing/2014/main" id="{18C96133-37BC-4B7B-8415-C53478DD1B74}"/>
+                <a16:creationId xmlns:a16="http://schemas.microsoft.com/office/drawing/2014/main" xmlns="" id="{18C96133-37BC-4B7B-8415-C53478DD1B74}"/>
               </a:ext>
             </a:extLst>
           </p:cNvPr>
@@ -962,7 +963,7 @@
           <p:cNvPr id="4" name="Date Placeholder 3">
             <a:extLst>
               <a:ext uri="{FF2B5EF4-FFF2-40B4-BE49-F238E27FC236}">
-                <a16:creationId xmlns:a16="http://schemas.microsoft.com/office/drawing/2014/main" id="{3BE721F4-7D48-42E1-92F7-CB836639ADD8}"/>
+                <a16:creationId xmlns:a16="http://schemas.microsoft.com/office/drawing/2014/main" xmlns="" id="{3BE721F4-7D48-42E1-92F7-CB836639ADD8}"/>
               </a:ext>
             </a:extLst>
           </p:cNvPr>
@@ -980,7 +981,7 @@
           <a:p>
             <a:fld id="{17C4C4AE-CFD8-4AF2-A6E6-1D1ADC40C52A}" type="datetimeFigureOut">
               <a:rPr lang="en-US" smtClean="0"/>
-              <a:t>5/13/2020</a:t>
+              <a:t>5/25/2020</a:t>
             </a:fld>
             <a:endParaRPr lang="en-US"/>
           </a:p>
@@ -991,7 +992,7 @@
           <p:cNvPr id="5" name="Footer Placeholder 4">
             <a:extLst>
               <a:ext uri="{FF2B5EF4-FFF2-40B4-BE49-F238E27FC236}">
-                <a16:creationId xmlns:a16="http://schemas.microsoft.com/office/drawing/2014/main" id="{C09A91EF-947B-43C4-B094-C99B32AA4311}"/>
+                <a16:creationId xmlns:a16="http://schemas.microsoft.com/office/drawing/2014/main" xmlns="" id="{C09A91EF-947B-43C4-B094-C99B32AA4311}"/>
               </a:ext>
             </a:extLst>
           </p:cNvPr>
@@ -1016,7 +1017,7 @@
           <p:cNvPr id="6" name="Slide Number Placeholder 5">
             <a:extLst>
               <a:ext uri="{FF2B5EF4-FFF2-40B4-BE49-F238E27FC236}">
-                <a16:creationId xmlns:a16="http://schemas.microsoft.com/office/drawing/2014/main" id="{C6425E30-808C-432C-ABC2-D6D3CB786333}"/>
+                <a16:creationId xmlns:a16="http://schemas.microsoft.com/office/drawing/2014/main" xmlns="" id="{C6425E30-808C-432C-ABC2-D6D3CB786333}"/>
               </a:ext>
             </a:extLst>
           </p:cNvPr>
@@ -1075,7 +1076,7 @@
           <p:cNvPr id="2" name="Vertical Title 1">
             <a:extLst>
               <a:ext uri="{FF2B5EF4-FFF2-40B4-BE49-F238E27FC236}">
-                <a16:creationId xmlns:a16="http://schemas.microsoft.com/office/drawing/2014/main" id="{B974A478-60CB-42F6-AD05-9E1D63DA3458}"/>
+                <a16:creationId xmlns:a16="http://schemas.microsoft.com/office/drawing/2014/main" xmlns="" id="{B974A478-60CB-42F6-AD05-9E1D63DA3458}"/>
               </a:ext>
             </a:extLst>
           </p:cNvPr>
@@ -1108,7 +1109,7 @@
           <p:cNvPr id="3" name="Vertical Text Placeholder 2">
             <a:extLst>
               <a:ext uri="{FF2B5EF4-FFF2-40B4-BE49-F238E27FC236}">
-                <a16:creationId xmlns:a16="http://schemas.microsoft.com/office/drawing/2014/main" id="{DE4E3DEC-26AB-4AB6-9D3A-20613E50F507}"/>
+                <a16:creationId xmlns:a16="http://schemas.microsoft.com/office/drawing/2014/main" xmlns="" id="{DE4E3DEC-26AB-4AB6-9D3A-20613E50F507}"/>
               </a:ext>
             </a:extLst>
           </p:cNvPr>
@@ -1170,7 +1171,7 @@
           <p:cNvPr id="4" name="Date Placeholder 3">
             <a:extLst>
               <a:ext uri="{FF2B5EF4-FFF2-40B4-BE49-F238E27FC236}">
-                <a16:creationId xmlns:a16="http://schemas.microsoft.com/office/drawing/2014/main" id="{347982CD-94CD-4330-94D7-9BE280C0F6AE}"/>
+                <a16:creationId xmlns:a16="http://schemas.microsoft.com/office/drawing/2014/main" xmlns="" id="{347982CD-94CD-4330-94D7-9BE280C0F6AE}"/>
               </a:ext>
             </a:extLst>
           </p:cNvPr>
@@ -1188,7 +1189,7 @@
           <a:p>
             <a:fld id="{17C4C4AE-CFD8-4AF2-A6E6-1D1ADC40C52A}" type="datetimeFigureOut">
               <a:rPr lang="en-US" smtClean="0"/>
-              <a:t>5/13/2020</a:t>
+              <a:t>5/25/2020</a:t>
             </a:fld>
             <a:endParaRPr lang="en-US"/>
           </a:p>
@@ -1199,7 +1200,7 @@
           <p:cNvPr id="5" name="Footer Placeholder 4">
             <a:extLst>
               <a:ext uri="{FF2B5EF4-FFF2-40B4-BE49-F238E27FC236}">
-                <a16:creationId xmlns:a16="http://schemas.microsoft.com/office/drawing/2014/main" id="{03F97E6D-D50B-4732-8F74-2C9C87D1BD41}"/>
+                <a16:creationId xmlns:a16="http://schemas.microsoft.com/office/drawing/2014/main" xmlns="" id="{03F97E6D-D50B-4732-8F74-2C9C87D1BD41}"/>
               </a:ext>
             </a:extLst>
           </p:cNvPr>
@@ -1224,7 +1225,7 @@
           <p:cNvPr id="6" name="Slide Number Placeholder 5">
             <a:extLst>
               <a:ext uri="{FF2B5EF4-FFF2-40B4-BE49-F238E27FC236}">
-                <a16:creationId xmlns:a16="http://schemas.microsoft.com/office/drawing/2014/main" id="{0BD41B36-52E5-4365-BBCA-4DAA892F891A}"/>
+                <a16:creationId xmlns:a16="http://schemas.microsoft.com/office/drawing/2014/main" xmlns="" id="{0BD41B36-52E5-4365-BBCA-4DAA892F891A}"/>
               </a:ext>
             </a:extLst>
           </p:cNvPr>
@@ -1586,7 +1587,7 @@
           <p:cNvPr id="2" name="Title 1">
             <a:extLst>
               <a:ext uri="{FF2B5EF4-FFF2-40B4-BE49-F238E27FC236}">
-                <a16:creationId xmlns:a16="http://schemas.microsoft.com/office/drawing/2014/main" id="{AA391EFA-AB9E-46C0-8D63-22EAB0ED4ACF}"/>
+                <a16:creationId xmlns:a16="http://schemas.microsoft.com/office/drawing/2014/main" xmlns="" id="{AA391EFA-AB9E-46C0-8D63-22EAB0ED4ACF}"/>
               </a:ext>
             </a:extLst>
           </p:cNvPr>
@@ -1614,7 +1615,7 @@
           <p:cNvPr id="3" name="Content Placeholder 2">
             <a:extLst>
               <a:ext uri="{FF2B5EF4-FFF2-40B4-BE49-F238E27FC236}">
-                <a16:creationId xmlns:a16="http://schemas.microsoft.com/office/drawing/2014/main" id="{F1FAC976-4D44-411D-965F-38C28BCE379E}"/>
+                <a16:creationId xmlns:a16="http://schemas.microsoft.com/office/drawing/2014/main" xmlns="" id="{F1FAC976-4D44-411D-965F-38C28BCE379E}"/>
               </a:ext>
             </a:extLst>
           </p:cNvPr>
@@ -1671,7 +1672,7 @@
           <p:cNvPr id="4" name="Date Placeholder 3">
             <a:extLst>
               <a:ext uri="{FF2B5EF4-FFF2-40B4-BE49-F238E27FC236}">
-                <a16:creationId xmlns:a16="http://schemas.microsoft.com/office/drawing/2014/main" id="{35108B7C-AC19-4554-AA93-B00630F6E9DD}"/>
+                <a16:creationId xmlns:a16="http://schemas.microsoft.com/office/drawing/2014/main" xmlns="" id="{35108B7C-AC19-4554-AA93-B00630F6E9DD}"/>
               </a:ext>
             </a:extLst>
           </p:cNvPr>
@@ -1689,7 +1690,7 @@
           <a:p>
             <a:fld id="{17C4C4AE-CFD8-4AF2-A6E6-1D1ADC40C52A}" type="datetimeFigureOut">
               <a:rPr lang="en-US" smtClean="0"/>
-              <a:t>5/13/2020</a:t>
+              <a:t>5/25/2020</a:t>
             </a:fld>
             <a:endParaRPr lang="en-US"/>
           </a:p>
@@ -1700,7 +1701,7 @@
           <p:cNvPr id="5" name="Footer Placeholder 4">
             <a:extLst>
               <a:ext uri="{FF2B5EF4-FFF2-40B4-BE49-F238E27FC236}">
-                <a16:creationId xmlns:a16="http://schemas.microsoft.com/office/drawing/2014/main" id="{095F15AC-6A1C-4D72-B0DA-C308E7C8800E}"/>
+                <a16:creationId xmlns:a16="http://schemas.microsoft.com/office/drawing/2014/main" xmlns="" id="{095F15AC-6A1C-4D72-B0DA-C308E7C8800E}"/>
               </a:ext>
             </a:extLst>
           </p:cNvPr>
@@ -1725,7 +1726,7 @@
           <p:cNvPr id="6" name="Slide Number Placeholder 5">
             <a:extLst>
               <a:ext uri="{FF2B5EF4-FFF2-40B4-BE49-F238E27FC236}">
-                <a16:creationId xmlns:a16="http://schemas.microsoft.com/office/drawing/2014/main" id="{B4E04CAC-EDD2-494A-9DAF-7D2BE2A2EC56}"/>
+                <a16:creationId xmlns:a16="http://schemas.microsoft.com/office/drawing/2014/main" xmlns="" id="{B4E04CAC-EDD2-494A-9DAF-7D2BE2A2EC56}"/>
               </a:ext>
             </a:extLst>
           </p:cNvPr>
@@ -1784,7 +1785,7 @@
           <p:cNvPr id="2" name="Title 1">
             <a:extLst>
               <a:ext uri="{FF2B5EF4-FFF2-40B4-BE49-F238E27FC236}">
-                <a16:creationId xmlns:a16="http://schemas.microsoft.com/office/drawing/2014/main" id="{F410E2E4-5535-4A23-ABAD-021F7F076CED}"/>
+                <a16:creationId xmlns:a16="http://schemas.microsoft.com/office/drawing/2014/main" xmlns="" id="{F410E2E4-5535-4A23-ABAD-021F7F076CED}"/>
               </a:ext>
             </a:extLst>
           </p:cNvPr>
@@ -1821,7 +1822,7 @@
           <p:cNvPr id="3" name="Text Placeholder 2">
             <a:extLst>
               <a:ext uri="{FF2B5EF4-FFF2-40B4-BE49-F238E27FC236}">
-                <a16:creationId xmlns:a16="http://schemas.microsoft.com/office/drawing/2014/main" id="{0C2A6E46-0F60-4BC7-829D-42909A660B30}"/>
+                <a16:creationId xmlns:a16="http://schemas.microsoft.com/office/drawing/2014/main" xmlns="" id="{0C2A6E46-0F60-4BC7-829D-42909A660B30}"/>
               </a:ext>
             </a:extLst>
           </p:cNvPr>
@@ -1946,7 +1947,7 @@
           <p:cNvPr id="4" name="Date Placeholder 3">
             <a:extLst>
               <a:ext uri="{FF2B5EF4-FFF2-40B4-BE49-F238E27FC236}">
-                <a16:creationId xmlns:a16="http://schemas.microsoft.com/office/drawing/2014/main" id="{F19ED7C4-A764-479E-B995-E566E15202AE}"/>
+                <a16:creationId xmlns:a16="http://schemas.microsoft.com/office/drawing/2014/main" xmlns="" id="{F19ED7C4-A764-479E-B995-E566E15202AE}"/>
               </a:ext>
             </a:extLst>
           </p:cNvPr>
@@ -1964,7 +1965,7 @@
           <a:p>
             <a:fld id="{17C4C4AE-CFD8-4AF2-A6E6-1D1ADC40C52A}" type="datetimeFigureOut">
               <a:rPr lang="en-US" smtClean="0"/>
-              <a:t>5/13/2020</a:t>
+              <a:t>5/25/2020</a:t>
             </a:fld>
             <a:endParaRPr lang="en-US"/>
           </a:p>
@@ -1975,7 +1976,7 @@
           <p:cNvPr id="5" name="Footer Placeholder 4">
             <a:extLst>
               <a:ext uri="{FF2B5EF4-FFF2-40B4-BE49-F238E27FC236}">
-                <a16:creationId xmlns:a16="http://schemas.microsoft.com/office/drawing/2014/main" id="{F9FD53D5-AE7A-4D4D-815E-6757E9F558C7}"/>
+                <a16:creationId xmlns:a16="http://schemas.microsoft.com/office/drawing/2014/main" xmlns="" id="{F9FD53D5-AE7A-4D4D-815E-6757E9F558C7}"/>
               </a:ext>
             </a:extLst>
           </p:cNvPr>
@@ -2000,7 +2001,7 @@
           <p:cNvPr id="6" name="Slide Number Placeholder 5">
             <a:extLst>
               <a:ext uri="{FF2B5EF4-FFF2-40B4-BE49-F238E27FC236}">
-                <a16:creationId xmlns:a16="http://schemas.microsoft.com/office/drawing/2014/main" id="{42172E3F-EBD1-4B58-A0DD-54B6C3134CB1}"/>
+                <a16:creationId xmlns:a16="http://schemas.microsoft.com/office/drawing/2014/main" xmlns="" id="{42172E3F-EBD1-4B58-A0DD-54B6C3134CB1}"/>
               </a:ext>
             </a:extLst>
           </p:cNvPr>
@@ -2059,7 +2060,7 @@
           <p:cNvPr id="2" name="Title 1">
             <a:extLst>
               <a:ext uri="{FF2B5EF4-FFF2-40B4-BE49-F238E27FC236}">
-                <a16:creationId xmlns:a16="http://schemas.microsoft.com/office/drawing/2014/main" id="{E7228693-7E81-404A-8183-FB5C1E989EBA}"/>
+                <a16:creationId xmlns:a16="http://schemas.microsoft.com/office/drawing/2014/main" xmlns="" id="{E7228693-7E81-404A-8183-FB5C1E989EBA}"/>
               </a:ext>
             </a:extLst>
           </p:cNvPr>
@@ -2087,7 +2088,7 @@
           <p:cNvPr id="3" name="Content Placeholder 2">
             <a:extLst>
               <a:ext uri="{FF2B5EF4-FFF2-40B4-BE49-F238E27FC236}">
-                <a16:creationId xmlns:a16="http://schemas.microsoft.com/office/drawing/2014/main" id="{FE0FEB7E-A69B-47BF-A7A6-93EEC7AC8CFA}"/>
+                <a16:creationId xmlns:a16="http://schemas.microsoft.com/office/drawing/2014/main" xmlns="" id="{FE0FEB7E-A69B-47BF-A7A6-93EEC7AC8CFA}"/>
               </a:ext>
             </a:extLst>
           </p:cNvPr>
@@ -2149,7 +2150,7 @@
           <p:cNvPr id="4" name="Content Placeholder 3">
             <a:extLst>
               <a:ext uri="{FF2B5EF4-FFF2-40B4-BE49-F238E27FC236}">
-                <a16:creationId xmlns:a16="http://schemas.microsoft.com/office/drawing/2014/main" id="{206E119D-A534-4ACF-B8CD-B083ED012860}"/>
+                <a16:creationId xmlns:a16="http://schemas.microsoft.com/office/drawing/2014/main" xmlns="" id="{206E119D-A534-4ACF-B8CD-B083ED012860}"/>
               </a:ext>
             </a:extLst>
           </p:cNvPr>
@@ -2211,7 +2212,7 @@
           <p:cNvPr id="5" name="Date Placeholder 4">
             <a:extLst>
               <a:ext uri="{FF2B5EF4-FFF2-40B4-BE49-F238E27FC236}">
-                <a16:creationId xmlns:a16="http://schemas.microsoft.com/office/drawing/2014/main" id="{1874A781-05B0-4D90-8E5E-198A301224AB}"/>
+                <a16:creationId xmlns:a16="http://schemas.microsoft.com/office/drawing/2014/main" xmlns="" id="{1874A781-05B0-4D90-8E5E-198A301224AB}"/>
               </a:ext>
             </a:extLst>
           </p:cNvPr>
@@ -2229,7 +2230,7 @@
           <a:p>
             <a:fld id="{17C4C4AE-CFD8-4AF2-A6E6-1D1ADC40C52A}" type="datetimeFigureOut">
               <a:rPr lang="en-US" smtClean="0"/>
-              <a:t>5/13/2020</a:t>
+              <a:t>5/25/2020</a:t>
             </a:fld>
             <a:endParaRPr lang="en-US"/>
           </a:p>
@@ -2240,7 +2241,7 @@
           <p:cNvPr id="6" name="Footer Placeholder 5">
             <a:extLst>
               <a:ext uri="{FF2B5EF4-FFF2-40B4-BE49-F238E27FC236}">
-                <a16:creationId xmlns:a16="http://schemas.microsoft.com/office/drawing/2014/main" id="{0474BA80-208A-4CC5-A0E3-08B43828C183}"/>
+                <a16:creationId xmlns:a16="http://schemas.microsoft.com/office/drawing/2014/main" xmlns="" id="{0474BA80-208A-4CC5-A0E3-08B43828C183}"/>
               </a:ext>
             </a:extLst>
           </p:cNvPr>
@@ -2265,7 +2266,7 @@
           <p:cNvPr id="7" name="Slide Number Placeholder 6">
             <a:extLst>
               <a:ext uri="{FF2B5EF4-FFF2-40B4-BE49-F238E27FC236}">
-                <a16:creationId xmlns:a16="http://schemas.microsoft.com/office/drawing/2014/main" id="{681494FD-310A-4C95-BC9B-79B4ACCE2420}"/>
+                <a16:creationId xmlns:a16="http://schemas.microsoft.com/office/drawing/2014/main" xmlns="" id="{681494FD-310A-4C95-BC9B-79B4ACCE2420}"/>
               </a:ext>
             </a:extLst>
           </p:cNvPr>
@@ -2324,7 +2325,7 @@
           <p:cNvPr id="2" name="Title 1">
             <a:extLst>
               <a:ext uri="{FF2B5EF4-FFF2-40B4-BE49-F238E27FC236}">
-                <a16:creationId xmlns:a16="http://schemas.microsoft.com/office/drawing/2014/main" id="{44DDCACD-7612-442C-B61E-1578E7609C6A}"/>
+                <a16:creationId xmlns:a16="http://schemas.microsoft.com/office/drawing/2014/main" xmlns="" id="{44DDCACD-7612-442C-B61E-1578E7609C6A}"/>
               </a:ext>
             </a:extLst>
           </p:cNvPr>
@@ -2357,7 +2358,7 @@
           <p:cNvPr id="3" name="Text Placeholder 2">
             <a:extLst>
               <a:ext uri="{FF2B5EF4-FFF2-40B4-BE49-F238E27FC236}">
-                <a16:creationId xmlns:a16="http://schemas.microsoft.com/office/drawing/2014/main" id="{C773E05F-4ED5-421E-9D24-F8A37DAEB348}"/>
+                <a16:creationId xmlns:a16="http://schemas.microsoft.com/office/drawing/2014/main" xmlns="" id="{C773E05F-4ED5-421E-9D24-F8A37DAEB348}"/>
               </a:ext>
             </a:extLst>
           </p:cNvPr>
@@ -2428,7 +2429,7 @@
           <p:cNvPr id="4" name="Content Placeholder 3">
             <a:extLst>
               <a:ext uri="{FF2B5EF4-FFF2-40B4-BE49-F238E27FC236}">
-                <a16:creationId xmlns:a16="http://schemas.microsoft.com/office/drawing/2014/main" id="{AC623842-3DFF-4B22-9338-7FEC53C5BFC6}"/>
+                <a16:creationId xmlns:a16="http://schemas.microsoft.com/office/drawing/2014/main" xmlns="" id="{AC623842-3DFF-4B22-9338-7FEC53C5BFC6}"/>
               </a:ext>
             </a:extLst>
           </p:cNvPr>
@@ -2490,7 +2491,7 @@
           <p:cNvPr id="5" name="Text Placeholder 4">
             <a:extLst>
               <a:ext uri="{FF2B5EF4-FFF2-40B4-BE49-F238E27FC236}">
-                <a16:creationId xmlns:a16="http://schemas.microsoft.com/office/drawing/2014/main" id="{201154FF-770E-466B-AA50-B08D65E36175}"/>
+                <a16:creationId xmlns:a16="http://schemas.microsoft.com/office/drawing/2014/main" xmlns="" id="{201154FF-770E-466B-AA50-B08D65E36175}"/>
               </a:ext>
             </a:extLst>
           </p:cNvPr>
@@ -2561,7 +2562,7 @@
           <p:cNvPr id="6" name="Content Placeholder 5">
             <a:extLst>
               <a:ext uri="{FF2B5EF4-FFF2-40B4-BE49-F238E27FC236}">
-                <a16:creationId xmlns:a16="http://schemas.microsoft.com/office/drawing/2014/main" id="{A547C2D1-9988-41D4-A0D0-CA53139FFD07}"/>
+                <a16:creationId xmlns:a16="http://schemas.microsoft.com/office/drawing/2014/main" xmlns="" id="{A547C2D1-9988-41D4-A0D0-CA53139FFD07}"/>
               </a:ext>
             </a:extLst>
           </p:cNvPr>
@@ -2623,7 +2624,7 @@
           <p:cNvPr id="7" name="Date Placeholder 6">
             <a:extLst>
               <a:ext uri="{FF2B5EF4-FFF2-40B4-BE49-F238E27FC236}">
-                <a16:creationId xmlns:a16="http://schemas.microsoft.com/office/drawing/2014/main" id="{8170E179-28A7-4022-96B3-1ED87C9B9F9D}"/>
+                <a16:creationId xmlns:a16="http://schemas.microsoft.com/office/drawing/2014/main" xmlns="" id="{8170E179-28A7-4022-96B3-1ED87C9B9F9D}"/>
               </a:ext>
             </a:extLst>
           </p:cNvPr>
@@ -2641,7 +2642,7 @@
           <a:p>
             <a:fld id="{17C4C4AE-CFD8-4AF2-A6E6-1D1ADC40C52A}" type="datetimeFigureOut">
               <a:rPr lang="en-US" smtClean="0"/>
-              <a:t>5/13/2020</a:t>
+              <a:t>5/25/2020</a:t>
             </a:fld>
             <a:endParaRPr lang="en-US"/>
           </a:p>
@@ -2652,7 +2653,7 @@
           <p:cNvPr id="8" name="Footer Placeholder 7">
             <a:extLst>
               <a:ext uri="{FF2B5EF4-FFF2-40B4-BE49-F238E27FC236}">
-                <a16:creationId xmlns:a16="http://schemas.microsoft.com/office/drawing/2014/main" id="{5313D6F5-D350-45DB-96E2-637F404615D3}"/>
+                <a16:creationId xmlns:a16="http://schemas.microsoft.com/office/drawing/2014/main" xmlns="" id="{5313D6F5-D350-45DB-96E2-637F404615D3}"/>
               </a:ext>
             </a:extLst>
           </p:cNvPr>
@@ -2677,7 +2678,7 @@
           <p:cNvPr id="9" name="Slide Number Placeholder 8">
             <a:extLst>
               <a:ext uri="{FF2B5EF4-FFF2-40B4-BE49-F238E27FC236}">
-                <a16:creationId xmlns:a16="http://schemas.microsoft.com/office/drawing/2014/main" id="{66B26A71-056B-4994-8763-1CCF40560567}"/>
+                <a16:creationId xmlns:a16="http://schemas.microsoft.com/office/drawing/2014/main" xmlns="" id="{66B26A71-056B-4994-8763-1CCF40560567}"/>
               </a:ext>
             </a:extLst>
           </p:cNvPr>
@@ -2736,7 +2737,7 @@
           <p:cNvPr id="2" name="Title 1">
             <a:extLst>
               <a:ext uri="{FF2B5EF4-FFF2-40B4-BE49-F238E27FC236}">
-                <a16:creationId xmlns:a16="http://schemas.microsoft.com/office/drawing/2014/main" id="{7C977E38-7846-4421-B9B4-2604E8EA0662}"/>
+                <a16:creationId xmlns:a16="http://schemas.microsoft.com/office/drawing/2014/main" xmlns="" id="{7C977E38-7846-4421-B9B4-2604E8EA0662}"/>
               </a:ext>
             </a:extLst>
           </p:cNvPr>
@@ -2764,7 +2765,7 @@
           <p:cNvPr id="3" name="Date Placeholder 2">
             <a:extLst>
               <a:ext uri="{FF2B5EF4-FFF2-40B4-BE49-F238E27FC236}">
-                <a16:creationId xmlns:a16="http://schemas.microsoft.com/office/drawing/2014/main" id="{05C2D18F-B833-49E2-9013-5C7B3CA767B2}"/>
+                <a16:creationId xmlns:a16="http://schemas.microsoft.com/office/drawing/2014/main" xmlns="" id="{05C2D18F-B833-49E2-9013-5C7B3CA767B2}"/>
               </a:ext>
             </a:extLst>
           </p:cNvPr>
@@ -2782,7 +2783,7 @@
           <a:p>
             <a:fld id="{17C4C4AE-CFD8-4AF2-A6E6-1D1ADC40C52A}" type="datetimeFigureOut">
               <a:rPr lang="en-US" smtClean="0"/>
-              <a:t>5/13/2020</a:t>
+              <a:t>5/25/2020</a:t>
             </a:fld>
             <a:endParaRPr lang="en-US"/>
           </a:p>
@@ -2793,7 +2794,7 @@
           <p:cNvPr id="4" name="Footer Placeholder 3">
             <a:extLst>
               <a:ext uri="{FF2B5EF4-FFF2-40B4-BE49-F238E27FC236}">
-                <a16:creationId xmlns:a16="http://schemas.microsoft.com/office/drawing/2014/main" id="{288AFBDA-A89F-40C2-92AC-E7FA900E9F44}"/>
+                <a16:creationId xmlns:a16="http://schemas.microsoft.com/office/drawing/2014/main" xmlns="" id="{288AFBDA-A89F-40C2-92AC-E7FA900E9F44}"/>
               </a:ext>
             </a:extLst>
           </p:cNvPr>
@@ -2818,7 +2819,7 @@
           <p:cNvPr id="5" name="Slide Number Placeholder 4">
             <a:extLst>
               <a:ext uri="{FF2B5EF4-FFF2-40B4-BE49-F238E27FC236}">
-                <a16:creationId xmlns:a16="http://schemas.microsoft.com/office/drawing/2014/main" id="{F726CC4B-2438-446C-BCF8-DEC91CF3313F}"/>
+                <a16:creationId xmlns:a16="http://schemas.microsoft.com/office/drawing/2014/main" xmlns="" id="{F726CC4B-2438-446C-BCF8-DEC91CF3313F}"/>
               </a:ext>
             </a:extLst>
           </p:cNvPr>
@@ -2877,7 +2878,7 @@
           <p:cNvPr id="2" name="Date Placeholder 1">
             <a:extLst>
               <a:ext uri="{FF2B5EF4-FFF2-40B4-BE49-F238E27FC236}">
-                <a16:creationId xmlns:a16="http://schemas.microsoft.com/office/drawing/2014/main" id="{59CEC192-0CFB-41D8-99EF-DF78FB2AB00B}"/>
+                <a16:creationId xmlns:a16="http://schemas.microsoft.com/office/drawing/2014/main" xmlns="" id="{59CEC192-0CFB-41D8-99EF-DF78FB2AB00B}"/>
               </a:ext>
             </a:extLst>
           </p:cNvPr>
@@ -2895,7 +2896,7 @@
           <a:p>
             <a:fld id="{17C4C4AE-CFD8-4AF2-A6E6-1D1ADC40C52A}" type="datetimeFigureOut">
               <a:rPr lang="en-US" smtClean="0"/>
-              <a:t>5/13/2020</a:t>
+              <a:t>5/25/2020</a:t>
             </a:fld>
             <a:endParaRPr lang="en-US"/>
           </a:p>
@@ -2906,7 +2907,7 @@
           <p:cNvPr id="3" name="Footer Placeholder 2">
             <a:extLst>
               <a:ext uri="{FF2B5EF4-FFF2-40B4-BE49-F238E27FC236}">
-                <a16:creationId xmlns:a16="http://schemas.microsoft.com/office/drawing/2014/main" id="{4EB7AABE-FF19-49B3-B9A9-FCFEF213D7F2}"/>
+                <a16:creationId xmlns:a16="http://schemas.microsoft.com/office/drawing/2014/main" xmlns="" id="{4EB7AABE-FF19-49B3-B9A9-FCFEF213D7F2}"/>
               </a:ext>
             </a:extLst>
           </p:cNvPr>
@@ -2931,7 +2932,7 @@
           <p:cNvPr id="4" name="Slide Number Placeholder 3">
             <a:extLst>
               <a:ext uri="{FF2B5EF4-FFF2-40B4-BE49-F238E27FC236}">
-                <a16:creationId xmlns:a16="http://schemas.microsoft.com/office/drawing/2014/main" id="{2E813211-6731-4046-A104-82E4046B9E5D}"/>
+                <a16:creationId xmlns:a16="http://schemas.microsoft.com/office/drawing/2014/main" xmlns="" id="{2E813211-6731-4046-A104-82E4046B9E5D}"/>
               </a:ext>
             </a:extLst>
           </p:cNvPr>
@@ -2990,7 +2991,7 @@
           <p:cNvPr id="2" name="Title 1">
             <a:extLst>
               <a:ext uri="{FF2B5EF4-FFF2-40B4-BE49-F238E27FC236}">
-                <a16:creationId xmlns:a16="http://schemas.microsoft.com/office/drawing/2014/main" id="{F282984C-8D3D-4F0D-B6C7-B3E164D63D5B}"/>
+                <a16:creationId xmlns:a16="http://schemas.microsoft.com/office/drawing/2014/main" xmlns="" id="{F282984C-8D3D-4F0D-B6C7-B3E164D63D5B}"/>
               </a:ext>
             </a:extLst>
           </p:cNvPr>
@@ -3027,7 +3028,7 @@
           <p:cNvPr id="3" name="Content Placeholder 2">
             <a:extLst>
               <a:ext uri="{FF2B5EF4-FFF2-40B4-BE49-F238E27FC236}">
-                <a16:creationId xmlns:a16="http://schemas.microsoft.com/office/drawing/2014/main" id="{C47284E9-9010-46F1-9824-B3C05697CEE2}"/>
+                <a16:creationId xmlns:a16="http://schemas.microsoft.com/office/drawing/2014/main" xmlns="" id="{C47284E9-9010-46F1-9824-B3C05697CEE2}"/>
               </a:ext>
             </a:extLst>
           </p:cNvPr>
@@ -3117,7 +3118,7 @@
           <p:cNvPr id="4" name="Text Placeholder 3">
             <a:extLst>
               <a:ext uri="{FF2B5EF4-FFF2-40B4-BE49-F238E27FC236}">
-                <a16:creationId xmlns:a16="http://schemas.microsoft.com/office/drawing/2014/main" id="{28EA1682-7F32-4E36-ACFD-E531F8925DA3}"/>
+                <a16:creationId xmlns:a16="http://schemas.microsoft.com/office/drawing/2014/main" xmlns="" id="{28EA1682-7F32-4E36-ACFD-E531F8925DA3}"/>
               </a:ext>
             </a:extLst>
           </p:cNvPr>
@@ -3188,7 +3189,7 @@
           <p:cNvPr id="5" name="Date Placeholder 4">
             <a:extLst>
               <a:ext uri="{FF2B5EF4-FFF2-40B4-BE49-F238E27FC236}">
-                <a16:creationId xmlns:a16="http://schemas.microsoft.com/office/drawing/2014/main" id="{4ED7FD55-632E-4F79-9A7E-087FA611EAB4}"/>
+                <a16:creationId xmlns:a16="http://schemas.microsoft.com/office/drawing/2014/main" xmlns="" id="{4ED7FD55-632E-4F79-9A7E-087FA611EAB4}"/>
               </a:ext>
             </a:extLst>
           </p:cNvPr>
@@ -3206,7 +3207,7 @@
           <a:p>
             <a:fld id="{17C4C4AE-CFD8-4AF2-A6E6-1D1ADC40C52A}" type="datetimeFigureOut">
               <a:rPr lang="en-US" smtClean="0"/>
-              <a:t>5/13/2020</a:t>
+              <a:t>5/25/2020</a:t>
             </a:fld>
             <a:endParaRPr lang="en-US"/>
           </a:p>
@@ -3217,7 +3218,7 @@
           <p:cNvPr id="6" name="Footer Placeholder 5">
             <a:extLst>
               <a:ext uri="{FF2B5EF4-FFF2-40B4-BE49-F238E27FC236}">
-                <a16:creationId xmlns:a16="http://schemas.microsoft.com/office/drawing/2014/main" id="{EDCC6EF4-C4D6-45C5-B755-5EA0E5C540F4}"/>
+                <a16:creationId xmlns:a16="http://schemas.microsoft.com/office/drawing/2014/main" xmlns="" id="{EDCC6EF4-C4D6-45C5-B755-5EA0E5C540F4}"/>
               </a:ext>
             </a:extLst>
           </p:cNvPr>
@@ -3242,7 +3243,7 @@
           <p:cNvPr id="7" name="Slide Number Placeholder 6">
             <a:extLst>
               <a:ext uri="{FF2B5EF4-FFF2-40B4-BE49-F238E27FC236}">
-                <a16:creationId xmlns:a16="http://schemas.microsoft.com/office/drawing/2014/main" id="{0BD19949-49BD-4139-A4F6-D28C0E4D59C6}"/>
+                <a16:creationId xmlns:a16="http://schemas.microsoft.com/office/drawing/2014/main" xmlns="" id="{0BD19949-49BD-4139-A4F6-D28C0E4D59C6}"/>
               </a:ext>
             </a:extLst>
           </p:cNvPr>
@@ -3301,7 +3302,7 @@
           <p:cNvPr id="2" name="Title 1">
             <a:extLst>
               <a:ext uri="{FF2B5EF4-FFF2-40B4-BE49-F238E27FC236}">
-                <a16:creationId xmlns:a16="http://schemas.microsoft.com/office/drawing/2014/main" id="{06EC0475-FB80-4883-8954-A02B53696925}"/>
+                <a16:creationId xmlns:a16="http://schemas.microsoft.com/office/drawing/2014/main" xmlns="" id="{06EC0475-FB80-4883-8954-A02B53696925}"/>
               </a:ext>
             </a:extLst>
           </p:cNvPr>
@@ -3338,7 +3339,7 @@
           <p:cNvPr id="3" name="Picture Placeholder 2">
             <a:extLst>
               <a:ext uri="{FF2B5EF4-FFF2-40B4-BE49-F238E27FC236}">
-                <a16:creationId xmlns:a16="http://schemas.microsoft.com/office/drawing/2014/main" id="{1EB2796D-A57F-40EF-96A1-3E3E75E41C1D}"/>
+                <a16:creationId xmlns:a16="http://schemas.microsoft.com/office/drawing/2014/main" xmlns="" id="{1EB2796D-A57F-40EF-96A1-3E3E75E41C1D}"/>
               </a:ext>
             </a:extLst>
           </p:cNvPr>
@@ -3405,7 +3406,7 @@
           <p:cNvPr id="4" name="Text Placeholder 3">
             <a:extLst>
               <a:ext uri="{FF2B5EF4-FFF2-40B4-BE49-F238E27FC236}">
-                <a16:creationId xmlns:a16="http://schemas.microsoft.com/office/drawing/2014/main" id="{B77B44D9-C477-4C5F-BBAE-955064BECB38}"/>
+                <a16:creationId xmlns:a16="http://schemas.microsoft.com/office/drawing/2014/main" xmlns="" id="{B77B44D9-C477-4C5F-BBAE-955064BECB38}"/>
               </a:ext>
             </a:extLst>
           </p:cNvPr>
@@ -3476,7 +3477,7 @@
           <p:cNvPr id="5" name="Date Placeholder 4">
             <a:extLst>
               <a:ext uri="{FF2B5EF4-FFF2-40B4-BE49-F238E27FC236}">
-                <a16:creationId xmlns:a16="http://schemas.microsoft.com/office/drawing/2014/main" id="{26B41616-CF67-4BB8-A43D-62EC48AD88D2}"/>
+                <a16:creationId xmlns:a16="http://schemas.microsoft.com/office/drawing/2014/main" xmlns="" id="{26B41616-CF67-4BB8-A43D-62EC48AD88D2}"/>
               </a:ext>
             </a:extLst>
           </p:cNvPr>
@@ -3494,7 +3495,7 @@
           <a:p>
             <a:fld id="{17C4C4AE-CFD8-4AF2-A6E6-1D1ADC40C52A}" type="datetimeFigureOut">
               <a:rPr lang="en-US" smtClean="0"/>
-              <a:t>5/13/2020</a:t>
+              <a:t>5/25/2020</a:t>
             </a:fld>
             <a:endParaRPr lang="en-US"/>
           </a:p>
@@ -3505,7 +3506,7 @@
           <p:cNvPr id="6" name="Footer Placeholder 5">
             <a:extLst>
               <a:ext uri="{FF2B5EF4-FFF2-40B4-BE49-F238E27FC236}">
-                <a16:creationId xmlns:a16="http://schemas.microsoft.com/office/drawing/2014/main" id="{33E0C423-960D-43B9-850F-3D70AF11F5E7}"/>
+                <a16:creationId xmlns:a16="http://schemas.microsoft.com/office/drawing/2014/main" xmlns="" id="{33E0C423-960D-43B9-850F-3D70AF11F5E7}"/>
               </a:ext>
             </a:extLst>
           </p:cNvPr>
@@ -3530,7 +3531,7 @@
           <p:cNvPr id="7" name="Slide Number Placeholder 6">
             <a:extLst>
               <a:ext uri="{FF2B5EF4-FFF2-40B4-BE49-F238E27FC236}">
-                <a16:creationId xmlns:a16="http://schemas.microsoft.com/office/drawing/2014/main" id="{C8AA2AF3-2F67-4219-900C-E541DC45C5A1}"/>
+                <a16:creationId xmlns:a16="http://schemas.microsoft.com/office/drawing/2014/main" xmlns="" id="{C8AA2AF3-2F67-4219-900C-E541DC45C5A1}"/>
               </a:ext>
             </a:extLst>
           </p:cNvPr>
@@ -3594,7 +3595,7 @@
           <p:cNvPr id="2" name="Title Placeholder 1">
             <a:extLst>
               <a:ext uri="{FF2B5EF4-FFF2-40B4-BE49-F238E27FC236}">
-                <a16:creationId xmlns:a16="http://schemas.microsoft.com/office/drawing/2014/main" id="{700A8801-C7B7-491A-BD26-AE0894EC0758}"/>
+                <a16:creationId xmlns:a16="http://schemas.microsoft.com/office/drawing/2014/main" xmlns="" id="{700A8801-C7B7-491A-BD26-AE0894EC0758}"/>
               </a:ext>
             </a:extLst>
           </p:cNvPr>
@@ -3632,7 +3633,7 @@
           <p:cNvPr id="3" name="Text Placeholder 2">
             <a:extLst>
               <a:ext uri="{FF2B5EF4-FFF2-40B4-BE49-F238E27FC236}">
-                <a16:creationId xmlns:a16="http://schemas.microsoft.com/office/drawing/2014/main" id="{195E2F83-A828-4F11-AFDC-F3D0BA43DA4E}"/>
+                <a16:creationId xmlns:a16="http://schemas.microsoft.com/office/drawing/2014/main" xmlns="" id="{195E2F83-A828-4F11-AFDC-F3D0BA43DA4E}"/>
               </a:ext>
             </a:extLst>
           </p:cNvPr>
@@ -3699,7 +3700,7 @@
           <p:cNvPr id="4" name="Date Placeholder 3">
             <a:extLst>
               <a:ext uri="{FF2B5EF4-FFF2-40B4-BE49-F238E27FC236}">
-                <a16:creationId xmlns:a16="http://schemas.microsoft.com/office/drawing/2014/main" id="{F1D42991-03E0-42E2-A919-4B56252BC2FD}"/>
+                <a16:creationId xmlns:a16="http://schemas.microsoft.com/office/drawing/2014/main" xmlns="" id="{F1D42991-03E0-42E2-A919-4B56252BC2FD}"/>
               </a:ext>
             </a:extLst>
           </p:cNvPr>
@@ -3735,7 +3736,7 @@
           <a:p>
             <a:fld id="{17C4C4AE-CFD8-4AF2-A6E6-1D1ADC40C52A}" type="datetimeFigureOut">
               <a:rPr lang="en-US" smtClean="0"/>
-              <a:t>5/13/2020</a:t>
+              <a:t>5/25/2020</a:t>
             </a:fld>
             <a:endParaRPr lang="en-US"/>
           </a:p>
@@ -3746,7 +3747,7 @@
           <p:cNvPr id="5" name="Footer Placeholder 4">
             <a:extLst>
               <a:ext uri="{FF2B5EF4-FFF2-40B4-BE49-F238E27FC236}">
-                <a16:creationId xmlns:a16="http://schemas.microsoft.com/office/drawing/2014/main" id="{A9B14B05-7883-4A8A-B654-E2C978A21ED7}"/>
+                <a16:creationId xmlns:a16="http://schemas.microsoft.com/office/drawing/2014/main" xmlns="" id="{A9B14B05-7883-4A8A-B654-E2C978A21ED7}"/>
               </a:ext>
             </a:extLst>
           </p:cNvPr>
@@ -3789,7 +3790,7 @@
           <p:cNvPr id="6" name="Slide Number Placeholder 5">
             <a:extLst>
               <a:ext uri="{FF2B5EF4-FFF2-40B4-BE49-F238E27FC236}">
-                <a16:creationId xmlns:a16="http://schemas.microsoft.com/office/drawing/2014/main" id="{B360A2F6-20F2-4064-B8C4-4CE6A905D5C4}"/>
+                <a16:creationId xmlns:a16="http://schemas.microsoft.com/office/drawing/2014/main" xmlns="" id="{B360A2F6-20F2-4064-B8C4-4CE6A905D5C4}"/>
               </a:ext>
             </a:extLst>
           </p:cNvPr>
@@ -4679,7 +4680,7 @@
           <p:cNvPr id="2" name="Title 1">
             <a:extLst>
               <a:ext uri="{FF2B5EF4-FFF2-40B4-BE49-F238E27FC236}">
-                <a16:creationId xmlns:a16="http://schemas.microsoft.com/office/drawing/2014/main" id="{6223038A-68E9-4682-ADF1-B26EE4C32CB9}"/>
+                <a16:creationId xmlns:a16="http://schemas.microsoft.com/office/drawing/2014/main" xmlns="" id="{6223038A-68E9-4682-ADF1-B26EE4C32CB9}"/>
               </a:ext>
             </a:extLst>
           </p:cNvPr>
@@ -4707,7 +4708,7 @@
           <p:cNvPr id="6" name="Table 6">
             <a:extLst>
               <a:ext uri="{FF2B5EF4-FFF2-40B4-BE49-F238E27FC236}">
-                <a16:creationId xmlns:a16="http://schemas.microsoft.com/office/drawing/2014/main" id="{3247C39F-7BB1-4652-A31A-B17B14CE5D4A}"/>
+                <a16:creationId xmlns:a16="http://schemas.microsoft.com/office/drawing/2014/main" xmlns="" id="{3247C39F-7BB1-4652-A31A-B17B14CE5D4A}"/>
               </a:ext>
             </a:extLst>
           </p:cNvPr>
@@ -4737,56 +4738,56 @@
                 <a:gridCol w="1771968">
                   <a:extLst>
                     <a:ext uri="{9D8B030D-6E8A-4147-A177-3AD203B41FA5}">
-                      <a16:colId xmlns:a16="http://schemas.microsoft.com/office/drawing/2014/main" val="3729389960"/>
+                      <a16:colId xmlns:a16="http://schemas.microsoft.com/office/drawing/2014/main" xmlns="" val="3729389960"/>
                     </a:ext>
                   </a:extLst>
                 </a:gridCol>
                 <a:gridCol w="835710">
                   <a:extLst>
                     <a:ext uri="{9D8B030D-6E8A-4147-A177-3AD203B41FA5}">
-                      <a16:colId xmlns:a16="http://schemas.microsoft.com/office/drawing/2014/main" val="2281435260"/>
+                      <a16:colId xmlns:a16="http://schemas.microsoft.com/office/drawing/2014/main" xmlns="" val="2281435260"/>
                     </a:ext>
                   </a:extLst>
                 </a:gridCol>
                 <a:gridCol w="2108825">
                   <a:extLst>
                     <a:ext uri="{9D8B030D-6E8A-4147-A177-3AD203B41FA5}">
-                      <a16:colId xmlns:a16="http://schemas.microsoft.com/office/drawing/2014/main" val="2072369400"/>
+                      <a16:colId xmlns:a16="http://schemas.microsoft.com/office/drawing/2014/main" xmlns="" val="2072369400"/>
                     </a:ext>
                   </a:extLst>
                 </a:gridCol>
                 <a:gridCol w="981041">
                   <a:extLst>
                     <a:ext uri="{9D8B030D-6E8A-4147-A177-3AD203B41FA5}">
-                      <a16:colId xmlns:a16="http://schemas.microsoft.com/office/drawing/2014/main" val="1567139128"/>
+                      <a16:colId xmlns:a16="http://schemas.microsoft.com/office/drawing/2014/main" xmlns="" val="1567139128"/>
                     </a:ext>
                   </a:extLst>
                 </a:gridCol>
                 <a:gridCol w="1133509">
                   <a:extLst>
                     <a:ext uri="{9D8B030D-6E8A-4147-A177-3AD203B41FA5}">
-                      <a16:colId xmlns:a16="http://schemas.microsoft.com/office/drawing/2014/main" val="2267513749"/>
+                      <a16:colId xmlns:a16="http://schemas.microsoft.com/office/drawing/2014/main" xmlns="" val="2267513749"/>
                     </a:ext>
                   </a:extLst>
                 </a:gridCol>
                 <a:gridCol w="1090938">
                   <a:extLst>
                     <a:ext uri="{9D8B030D-6E8A-4147-A177-3AD203B41FA5}">
-                      <a16:colId xmlns:a16="http://schemas.microsoft.com/office/drawing/2014/main" val="44632791"/>
+                      <a16:colId xmlns:a16="http://schemas.microsoft.com/office/drawing/2014/main" xmlns="" val="44632791"/>
                     </a:ext>
                   </a:extLst>
                 </a:gridCol>
                 <a:gridCol w="1107710">
                   <a:extLst>
                     <a:ext uri="{9D8B030D-6E8A-4147-A177-3AD203B41FA5}">
-                      <a16:colId xmlns:a16="http://schemas.microsoft.com/office/drawing/2014/main" val="3607100143"/>
+                      <a16:colId xmlns:a16="http://schemas.microsoft.com/office/drawing/2014/main" xmlns="" val="3607100143"/>
                     </a:ext>
                   </a:extLst>
                 </a:gridCol>
                 <a:gridCol w="1420850">
                   <a:extLst>
                     <a:ext uri="{9D8B030D-6E8A-4147-A177-3AD203B41FA5}">
-                      <a16:colId xmlns:a16="http://schemas.microsoft.com/office/drawing/2014/main" val="2294204304"/>
+                      <a16:colId xmlns:a16="http://schemas.microsoft.com/office/drawing/2014/main" xmlns="" val="2294204304"/>
                     </a:ext>
                   </a:extLst>
                 </a:gridCol>
@@ -4898,7 +4899,7 @@
                 </a:tc>
                 <a:extLst>
                   <a:ext uri="{0D108BD9-81ED-4DB2-BD59-A6C34878D82A}">
-                    <a16:rowId xmlns:a16="http://schemas.microsoft.com/office/drawing/2014/main" val="1271232916"/>
+                    <a16:rowId xmlns:a16="http://schemas.microsoft.com/office/drawing/2014/main" xmlns="" val="1271232916"/>
                   </a:ext>
                 </a:extLst>
               </a:tr>
@@ -5021,7 +5022,7 @@
                 </a:tc>
                 <a:extLst>
                   <a:ext uri="{0D108BD9-81ED-4DB2-BD59-A6C34878D82A}">
-                    <a16:rowId xmlns:a16="http://schemas.microsoft.com/office/drawing/2014/main" val="2779712042"/>
+                    <a16:rowId xmlns:a16="http://schemas.microsoft.com/office/drawing/2014/main" xmlns="" val="2779712042"/>
                   </a:ext>
                 </a:extLst>
               </a:tr>
@@ -5138,7 +5139,7 @@
                 </a:tc>
                 <a:extLst>
                   <a:ext uri="{0D108BD9-81ED-4DB2-BD59-A6C34878D82A}">
-                    <a16:rowId xmlns:a16="http://schemas.microsoft.com/office/drawing/2014/main" val="3255344687"/>
+                    <a16:rowId xmlns:a16="http://schemas.microsoft.com/office/drawing/2014/main" xmlns="" val="3255344687"/>
                   </a:ext>
                 </a:extLst>
               </a:tr>
@@ -5255,7 +5256,7 @@
                 </a:tc>
                 <a:extLst>
                   <a:ext uri="{0D108BD9-81ED-4DB2-BD59-A6C34878D82A}">
-                    <a16:rowId xmlns:a16="http://schemas.microsoft.com/office/drawing/2014/main" val="2416626755"/>
+                    <a16:rowId xmlns:a16="http://schemas.microsoft.com/office/drawing/2014/main" xmlns="" val="2416626755"/>
                   </a:ext>
                 </a:extLst>
               </a:tr>
@@ -5372,7 +5373,7 @@
                 </a:tc>
                 <a:extLst>
                   <a:ext uri="{0D108BD9-81ED-4DB2-BD59-A6C34878D82A}">
-                    <a16:rowId xmlns:a16="http://schemas.microsoft.com/office/drawing/2014/main" val="3388160115"/>
+                    <a16:rowId xmlns:a16="http://schemas.microsoft.com/office/drawing/2014/main" xmlns="" val="3388160115"/>
                   </a:ext>
                 </a:extLst>
               </a:tr>
@@ -5489,7 +5490,7 @@
                 </a:tc>
                 <a:extLst>
                   <a:ext uri="{0D108BD9-81ED-4DB2-BD59-A6C34878D82A}">
-                    <a16:rowId xmlns:a16="http://schemas.microsoft.com/office/drawing/2014/main" val="3416391999"/>
+                    <a16:rowId xmlns:a16="http://schemas.microsoft.com/office/drawing/2014/main" xmlns="" val="3416391999"/>
                   </a:ext>
                 </a:extLst>
               </a:tr>
@@ -5532,7 +5533,7 @@
           <p:cNvPr id="2" name="Title 1">
             <a:extLst>
               <a:ext uri="{FF2B5EF4-FFF2-40B4-BE49-F238E27FC236}">
-                <a16:creationId xmlns:a16="http://schemas.microsoft.com/office/drawing/2014/main" id="{ED585B93-BEA3-41EA-A274-24D73F7EFF94}"/>
+                <a16:creationId xmlns:a16="http://schemas.microsoft.com/office/drawing/2014/main" xmlns="" id="{ED585B93-BEA3-41EA-A274-24D73F7EFF94}"/>
               </a:ext>
             </a:extLst>
           </p:cNvPr>
@@ -5560,7 +5561,7 @@
           <p:cNvPr id="3" name="Content Placeholder 2">
             <a:extLst>
               <a:ext uri="{FF2B5EF4-FFF2-40B4-BE49-F238E27FC236}">
-                <a16:creationId xmlns:a16="http://schemas.microsoft.com/office/drawing/2014/main" id="{38E35F28-7FA4-4BCC-9693-A057F03CC0CD}"/>
+                <a16:creationId xmlns:a16="http://schemas.microsoft.com/office/drawing/2014/main" xmlns="" id="{38E35F28-7FA4-4BCC-9693-A057F03CC0CD}"/>
               </a:ext>
             </a:extLst>
           </p:cNvPr>
@@ -5764,7 +5765,7 @@
           <p:cNvPr id="2" name="Title 1">
             <a:extLst>
               <a:ext uri="{FF2B5EF4-FFF2-40B4-BE49-F238E27FC236}">
-                <a16:creationId xmlns:a16="http://schemas.microsoft.com/office/drawing/2014/main" id="{2FF40697-F87F-457B-8AAE-B94DA4E4F291}"/>
+                <a16:creationId xmlns:a16="http://schemas.microsoft.com/office/drawing/2014/main" xmlns="" id="{2FF40697-F87F-457B-8AAE-B94DA4E4F291}"/>
               </a:ext>
             </a:extLst>
           </p:cNvPr>
@@ -5792,7 +5793,7 @@
           <p:cNvPr id="3" name="Content Placeholder 2">
             <a:extLst>
               <a:ext uri="{FF2B5EF4-FFF2-40B4-BE49-F238E27FC236}">
-                <a16:creationId xmlns:a16="http://schemas.microsoft.com/office/drawing/2014/main" id="{A722E290-D32B-4DAA-873D-D3C16AA2BAAD}"/>
+                <a16:creationId xmlns:a16="http://schemas.microsoft.com/office/drawing/2014/main" xmlns="" id="{A722E290-D32B-4DAA-873D-D3C16AA2BAAD}"/>
               </a:ext>
             </a:extLst>
           </p:cNvPr>
@@ -5934,7 +5935,7 @@
           <p:cNvPr id="2" name="Title 1">
             <a:extLst>
               <a:ext uri="{FF2B5EF4-FFF2-40B4-BE49-F238E27FC236}">
-                <a16:creationId xmlns:a16="http://schemas.microsoft.com/office/drawing/2014/main" id="{1769AC8C-6A7E-45FA-9562-D9DE6754CBAD}"/>
+                <a16:creationId xmlns:a16="http://schemas.microsoft.com/office/drawing/2014/main" xmlns="" id="{1769AC8C-6A7E-45FA-9562-D9DE6754CBAD}"/>
               </a:ext>
             </a:extLst>
           </p:cNvPr>
@@ -5962,7 +5963,7 @@
           <p:cNvPr id="5" name="Content Placeholder 4">
             <a:extLst>
               <a:ext uri="{FF2B5EF4-FFF2-40B4-BE49-F238E27FC236}">
-                <a16:creationId xmlns:a16="http://schemas.microsoft.com/office/drawing/2014/main" id="{6FFFA01F-1B89-40AC-8FBE-1D847B9809EF}"/>
+                <a16:creationId xmlns:a16="http://schemas.microsoft.com/office/drawing/2014/main" xmlns="" id="{6FFFA01F-1B89-40AC-8FBE-1D847B9809EF}"/>
               </a:ext>
             </a:extLst>
           </p:cNvPr>
@@ -6027,7 +6028,7 @@
           <p:cNvPr id="2" name="Title 1">
             <a:extLst>
               <a:ext uri="{FF2B5EF4-FFF2-40B4-BE49-F238E27FC236}">
-                <a16:creationId xmlns:a16="http://schemas.microsoft.com/office/drawing/2014/main" id="{47A289F7-7C1E-46F6-850C-5C4A3205E905}"/>
+                <a16:creationId xmlns:a16="http://schemas.microsoft.com/office/drawing/2014/main" xmlns="" id="{47A289F7-7C1E-46F6-850C-5C4A3205E905}"/>
               </a:ext>
             </a:extLst>
           </p:cNvPr>
@@ -6055,7 +6056,7 @@
           <p:cNvPr id="3" name="Content Placeholder 2">
             <a:extLst>
               <a:ext uri="{FF2B5EF4-FFF2-40B4-BE49-F238E27FC236}">
-                <a16:creationId xmlns:a16="http://schemas.microsoft.com/office/drawing/2014/main" id="{5BA735FA-D620-4677-B3F9-84CA7053B1E9}"/>
+                <a16:creationId xmlns:a16="http://schemas.microsoft.com/office/drawing/2014/main" xmlns="" id="{5BA735FA-D620-4677-B3F9-84CA7053B1E9}"/>
               </a:ext>
             </a:extLst>
           </p:cNvPr>
@@ -6168,7 +6169,7 @@
           <p:cNvPr id="2" name="Title 1">
             <a:extLst>
               <a:ext uri="{FF2B5EF4-FFF2-40B4-BE49-F238E27FC236}">
-                <a16:creationId xmlns:a16="http://schemas.microsoft.com/office/drawing/2014/main" id="{693F91C1-99DE-45FC-A7F6-CBABE9975D4B}"/>
+                <a16:creationId xmlns:a16="http://schemas.microsoft.com/office/drawing/2014/main" xmlns="" id="{693F91C1-99DE-45FC-A7F6-CBABE9975D4B}"/>
               </a:ext>
             </a:extLst>
           </p:cNvPr>
@@ -6196,7 +6197,7 @@
           <p:cNvPr id="3" name="Content Placeholder 2">
             <a:extLst>
               <a:ext uri="{FF2B5EF4-FFF2-40B4-BE49-F238E27FC236}">
-                <a16:creationId xmlns:a16="http://schemas.microsoft.com/office/drawing/2014/main" id="{51965E6A-87F9-4CC2-9E30-3C857D20DF71}"/>
+                <a16:creationId xmlns:a16="http://schemas.microsoft.com/office/drawing/2014/main" xmlns="" id="{51965E6A-87F9-4CC2-9E30-3C857D20DF71}"/>
               </a:ext>
             </a:extLst>
           </p:cNvPr>
@@ -6280,7 +6281,7 @@
           <p:cNvPr id="2" name="Title 1">
             <a:extLst>
               <a:ext uri="{FF2B5EF4-FFF2-40B4-BE49-F238E27FC236}">
-                <a16:creationId xmlns:a16="http://schemas.microsoft.com/office/drawing/2014/main" id="{EC5CF48B-31CF-4E4C-B83F-C763D13AFA5E}"/>
+                <a16:creationId xmlns:a16="http://schemas.microsoft.com/office/drawing/2014/main" xmlns="" id="{EC5CF48B-31CF-4E4C-B83F-C763D13AFA5E}"/>
               </a:ext>
             </a:extLst>
           </p:cNvPr>
@@ -6308,7 +6309,7 @@
           <p:cNvPr id="3" name="Content Placeholder 2">
             <a:extLst>
               <a:ext uri="{FF2B5EF4-FFF2-40B4-BE49-F238E27FC236}">
-                <a16:creationId xmlns:a16="http://schemas.microsoft.com/office/drawing/2014/main" id="{F38A2334-8D4D-4C56-9995-8E3DB7EF990A}"/>
+                <a16:creationId xmlns:a16="http://schemas.microsoft.com/office/drawing/2014/main" xmlns="" id="{F38A2334-8D4D-4C56-9995-8E3DB7EF990A}"/>
               </a:ext>
             </a:extLst>
           </p:cNvPr>
@@ -6348,7 +6349,7 @@
           <p:cNvPr id="4" name="Table 4">
             <a:extLst>
               <a:ext uri="{FF2B5EF4-FFF2-40B4-BE49-F238E27FC236}">
-                <a16:creationId xmlns:a16="http://schemas.microsoft.com/office/drawing/2014/main" id="{70090BE0-6F6C-4744-A3FE-6D197D3417EA}"/>
+                <a16:creationId xmlns:a16="http://schemas.microsoft.com/office/drawing/2014/main" xmlns="" id="{70090BE0-6F6C-4744-A3FE-6D197D3417EA}"/>
               </a:ext>
             </a:extLst>
           </p:cNvPr>
@@ -6377,35 +6378,35 @@
                 <a:gridCol w="1955200">
                   <a:extLst>
                     <a:ext uri="{9D8B030D-6E8A-4147-A177-3AD203B41FA5}">
-                      <a16:colId xmlns:a16="http://schemas.microsoft.com/office/drawing/2014/main" val="4214309962"/>
+                      <a16:colId xmlns:a16="http://schemas.microsoft.com/office/drawing/2014/main" xmlns="" val="4214309962"/>
                     </a:ext>
                   </a:extLst>
                 </a:gridCol>
                 <a:gridCol w="1018082">
                   <a:extLst>
                     <a:ext uri="{9D8B030D-6E8A-4147-A177-3AD203B41FA5}">
-                      <a16:colId xmlns:a16="http://schemas.microsoft.com/office/drawing/2014/main" val="1220333688"/>
+                      <a16:colId xmlns:a16="http://schemas.microsoft.com/office/drawing/2014/main" xmlns="" val="1220333688"/>
                     </a:ext>
                   </a:extLst>
                 </a:gridCol>
                 <a:gridCol w="1018082">
                   <a:extLst>
                     <a:ext uri="{9D8B030D-6E8A-4147-A177-3AD203B41FA5}">
-                      <a16:colId xmlns:a16="http://schemas.microsoft.com/office/drawing/2014/main" val="2480967799"/>
+                      <a16:colId xmlns:a16="http://schemas.microsoft.com/office/drawing/2014/main" xmlns="" val="2480967799"/>
                     </a:ext>
                   </a:extLst>
                 </a:gridCol>
                 <a:gridCol w="1060029">
                   <a:extLst>
                     <a:ext uri="{9D8B030D-6E8A-4147-A177-3AD203B41FA5}">
-                      <a16:colId xmlns:a16="http://schemas.microsoft.com/office/drawing/2014/main" val="4190340588"/>
+                      <a16:colId xmlns:a16="http://schemas.microsoft.com/office/drawing/2014/main" xmlns="" val="4190340588"/>
                     </a:ext>
                   </a:extLst>
                 </a:gridCol>
                 <a:gridCol w="1884926">
                   <a:extLst>
                     <a:ext uri="{9D8B030D-6E8A-4147-A177-3AD203B41FA5}">
-                      <a16:colId xmlns:a16="http://schemas.microsoft.com/office/drawing/2014/main" val="1164797993"/>
+                      <a16:colId xmlns:a16="http://schemas.microsoft.com/office/drawing/2014/main" xmlns="" val="1164797993"/>
                     </a:ext>
                   </a:extLst>
                 </a:gridCol>
@@ -6478,7 +6479,7 @@
                 </a:tc>
                 <a:extLst>
                   <a:ext uri="{0D108BD9-81ED-4DB2-BD59-A6C34878D82A}">
-                    <a16:rowId xmlns:a16="http://schemas.microsoft.com/office/drawing/2014/main" val="1440860902"/>
+                    <a16:rowId xmlns:a16="http://schemas.microsoft.com/office/drawing/2014/main" xmlns="" val="1440860902"/>
                   </a:ext>
                 </a:extLst>
               </a:tr>
@@ -6577,7 +6578,7 @@
                 </a:tc>
                 <a:extLst>
                   <a:ext uri="{0D108BD9-81ED-4DB2-BD59-A6C34878D82A}">
-                    <a16:rowId xmlns:a16="http://schemas.microsoft.com/office/drawing/2014/main" val="3722050617"/>
+                    <a16:rowId xmlns:a16="http://schemas.microsoft.com/office/drawing/2014/main" xmlns="" val="3722050617"/>
                   </a:ext>
                 </a:extLst>
               </a:tr>
@@ -6675,7 +6676,7 @@
                 </a:tc>
                 <a:extLst>
                   <a:ext uri="{0D108BD9-81ED-4DB2-BD59-A6C34878D82A}">
-                    <a16:rowId xmlns:a16="http://schemas.microsoft.com/office/drawing/2014/main" val="750070091"/>
+                    <a16:rowId xmlns:a16="http://schemas.microsoft.com/office/drawing/2014/main" xmlns="" val="750070091"/>
                   </a:ext>
                 </a:extLst>
               </a:tr>
@@ -6771,7 +6772,7 @@
                 </a:tc>
                 <a:extLst>
                   <a:ext uri="{0D108BD9-81ED-4DB2-BD59-A6C34878D82A}">
-                    <a16:rowId xmlns:a16="http://schemas.microsoft.com/office/drawing/2014/main" val="2231563727"/>
+                    <a16:rowId xmlns:a16="http://schemas.microsoft.com/office/drawing/2014/main" xmlns="" val="2231563727"/>
                   </a:ext>
                 </a:extLst>
               </a:tr>
@@ -6867,7 +6868,7 @@
                 </a:tc>
                 <a:extLst>
                   <a:ext uri="{0D108BD9-81ED-4DB2-BD59-A6C34878D82A}">
-                    <a16:rowId xmlns:a16="http://schemas.microsoft.com/office/drawing/2014/main" val="2196828740"/>
+                    <a16:rowId xmlns:a16="http://schemas.microsoft.com/office/drawing/2014/main" xmlns="" val="2196828740"/>
                   </a:ext>
                 </a:extLst>
               </a:tr>
@@ -6963,7 +6964,7 @@
                 </a:tc>
                 <a:extLst>
                   <a:ext uri="{0D108BD9-81ED-4DB2-BD59-A6C34878D82A}">
-                    <a16:rowId xmlns:a16="http://schemas.microsoft.com/office/drawing/2014/main" val="3610824868"/>
+                    <a16:rowId xmlns:a16="http://schemas.microsoft.com/office/drawing/2014/main" xmlns="" val="3610824868"/>
                   </a:ext>
                 </a:extLst>
               </a:tr>
@@ -7059,7 +7060,7 @@
                 </a:tc>
                 <a:extLst>
                   <a:ext uri="{0D108BD9-81ED-4DB2-BD59-A6C34878D82A}">
-                    <a16:rowId xmlns:a16="http://schemas.microsoft.com/office/drawing/2014/main" val="1448076085"/>
+                    <a16:rowId xmlns:a16="http://schemas.microsoft.com/office/drawing/2014/main" xmlns="" val="1448076085"/>
                   </a:ext>
                 </a:extLst>
               </a:tr>
@@ -7102,7 +7103,7 @@
           <p:cNvPr id="2" name="Title 1">
             <a:extLst>
               <a:ext uri="{FF2B5EF4-FFF2-40B4-BE49-F238E27FC236}">
-                <a16:creationId xmlns:a16="http://schemas.microsoft.com/office/drawing/2014/main" id="{54B9F6F0-7DB3-4852-B506-FABDF5299892}"/>
+                <a16:creationId xmlns:a16="http://schemas.microsoft.com/office/drawing/2014/main" xmlns="" id="{54B9F6F0-7DB3-4852-B506-FABDF5299892}"/>
               </a:ext>
             </a:extLst>
           </p:cNvPr>
@@ -7130,7 +7131,7 @@
           <p:cNvPr id="7" name="Table 7">
             <a:extLst>
               <a:ext uri="{FF2B5EF4-FFF2-40B4-BE49-F238E27FC236}">
-                <a16:creationId xmlns:a16="http://schemas.microsoft.com/office/drawing/2014/main" id="{7990AA2E-03DD-4D73-A6DA-97E6BD92061F}"/>
+                <a16:creationId xmlns:a16="http://schemas.microsoft.com/office/drawing/2014/main" xmlns="" id="{7990AA2E-03DD-4D73-A6DA-97E6BD92061F}"/>
               </a:ext>
             </a:extLst>
           </p:cNvPr>
@@ -7160,63 +7161,63 @@
                 <a:gridCol w="786069">
                   <a:extLst>
                     <a:ext uri="{9D8B030D-6E8A-4147-A177-3AD203B41FA5}">
-                      <a16:colId xmlns:a16="http://schemas.microsoft.com/office/drawing/2014/main" val="2280984329"/>
+                      <a16:colId xmlns:a16="http://schemas.microsoft.com/office/drawing/2014/main" xmlns="" val="2280984329"/>
                     </a:ext>
                   </a:extLst>
                 </a:gridCol>
                 <a:gridCol w="582233">
                   <a:extLst>
                     <a:ext uri="{9D8B030D-6E8A-4147-A177-3AD203B41FA5}">
-                      <a16:colId xmlns:a16="http://schemas.microsoft.com/office/drawing/2014/main" val="2131263198"/>
+                      <a16:colId xmlns:a16="http://schemas.microsoft.com/office/drawing/2014/main" xmlns="" val="2131263198"/>
                     </a:ext>
                   </a:extLst>
                 </a:gridCol>
                 <a:gridCol w="498726">
                   <a:extLst>
                     <a:ext uri="{9D8B030D-6E8A-4147-A177-3AD203B41FA5}">
-                      <a16:colId xmlns:a16="http://schemas.microsoft.com/office/drawing/2014/main" val="1097013496"/>
+                      <a16:colId xmlns:a16="http://schemas.microsoft.com/office/drawing/2014/main" xmlns="" val="1097013496"/>
                     </a:ext>
                   </a:extLst>
                 </a:gridCol>
                 <a:gridCol w="498726">
                   <a:extLst>
                     <a:ext uri="{9D8B030D-6E8A-4147-A177-3AD203B41FA5}">
-                      <a16:colId xmlns:a16="http://schemas.microsoft.com/office/drawing/2014/main" val="2987665690"/>
+                      <a16:colId xmlns:a16="http://schemas.microsoft.com/office/drawing/2014/main" xmlns="" val="2987665690"/>
                     </a:ext>
                   </a:extLst>
                 </a:gridCol>
                 <a:gridCol w="498726">
                   <a:extLst>
                     <a:ext uri="{9D8B030D-6E8A-4147-A177-3AD203B41FA5}">
-                      <a16:colId xmlns:a16="http://schemas.microsoft.com/office/drawing/2014/main" val="2828808762"/>
+                      <a16:colId xmlns:a16="http://schemas.microsoft.com/office/drawing/2014/main" xmlns="" val="2828808762"/>
                     </a:ext>
                   </a:extLst>
                 </a:gridCol>
                 <a:gridCol w="498726">
                   <a:extLst>
                     <a:ext uri="{9D8B030D-6E8A-4147-A177-3AD203B41FA5}">
-                      <a16:colId xmlns:a16="http://schemas.microsoft.com/office/drawing/2014/main" val="204906864"/>
+                      <a16:colId xmlns:a16="http://schemas.microsoft.com/office/drawing/2014/main" xmlns="" val="204906864"/>
                     </a:ext>
                   </a:extLst>
                 </a:gridCol>
                 <a:gridCol w="498726">
                   <a:extLst>
                     <a:ext uri="{9D8B030D-6E8A-4147-A177-3AD203B41FA5}">
-                      <a16:colId xmlns:a16="http://schemas.microsoft.com/office/drawing/2014/main" val="1984915671"/>
+                      <a16:colId xmlns:a16="http://schemas.microsoft.com/office/drawing/2014/main" xmlns="" val="1984915671"/>
                     </a:ext>
                   </a:extLst>
                 </a:gridCol>
                 <a:gridCol w="498726">
                   <a:extLst>
                     <a:ext uri="{9D8B030D-6E8A-4147-A177-3AD203B41FA5}">
-                      <a16:colId xmlns:a16="http://schemas.microsoft.com/office/drawing/2014/main" val="1162398049"/>
+                      <a16:colId xmlns:a16="http://schemas.microsoft.com/office/drawing/2014/main" xmlns="" val="1162398049"/>
                     </a:ext>
                   </a:extLst>
                 </a:gridCol>
                 <a:gridCol w="498726">
                   <a:extLst>
                     <a:ext uri="{9D8B030D-6E8A-4147-A177-3AD203B41FA5}">
-                      <a16:colId xmlns:a16="http://schemas.microsoft.com/office/drawing/2014/main" val="3673277767"/>
+                      <a16:colId xmlns:a16="http://schemas.microsoft.com/office/drawing/2014/main" xmlns="" val="3673277767"/>
                     </a:ext>
                   </a:extLst>
                 </a:gridCol>
@@ -7443,7 +7444,7 @@
                 </a:tc>
                 <a:extLst>
                   <a:ext uri="{0D108BD9-81ED-4DB2-BD59-A6C34878D82A}">
-                    <a16:rowId xmlns:a16="http://schemas.microsoft.com/office/drawing/2014/main" val="2045821520"/>
+                    <a16:rowId xmlns:a16="http://schemas.microsoft.com/office/drawing/2014/main" xmlns="" val="2045821520"/>
                   </a:ext>
                 </a:extLst>
               </a:tr>
@@ -7612,7 +7613,7 @@
                 </a:tc>
                 <a:extLst>
                   <a:ext uri="{0D108BD9-81ED-4DB2-BD59-A6C34878D82A}">
-                    <a16:rowId xmlns:a16="http://schemas.microsoft.com/office/drawing/2014/main" val="2723981719"/>
+                    <a16:rowId xmlns:a16="http://schemas.microsoft.com/office/drawing/2014/main" xmlns="" val="2723981719"/>
                   </a:ext>
                 </a:extLst>
               </a:tr>
@@ -7781,7 +7782,7 @@
                 </a:tc>
                 <a:extLst>
                   <a:ext uri="{0D108BD9-81ED-4DB2-BD59-A6C34878D82A}">
-                    <a16:rowId xmlns:a16="http://schemas.microsoft.com/office/drawing/2014/main" val="3143795977"/>
+                    <a16:rowId xmlns:a16="http://schemas.microsoft.com/office/drawing/2014/main" xmlns="" val="3143795977"/>
                   </a:ext>
                 </a:extLst>
               </a:tr>
@@ -7950,7 +7951,7 @@
                 </a:tc>
                 <a:extLst>
                   <a:ext uri="{0D108BD9-81ED-4DB2-BD59-A6C34878D82A}">
-                    <a16:rowId xmlns:a16="http://schemas.microsoft.com/office/drawing/2014/main" val="3558029196"/>
+                    <a16:rowId xmlns:a16="http://schemas.microsoft.com/office/drawing/2014/main" xmlns="" val="3558029196"/>
                   </a:ext>
                 </a:extLst>
               </a:tr>
@@ -8119,7 +8120,7 @@
                 </a:tc>
                 <a:extLst>
                   <a:ext uri="{0D108BD9-81ED-4DB2-BD59-A6C34878D82A}">
-                    <a16:rowId xmlns:a16="http://schemas.microsoft.com/office/drawing/2014/main" val="1557115363"/>
+                    <a16:rowId xmlns:a16="http://schemas.microsoft.com/office/drawing/2014/main" xmlns="" val="1557115363"/>
                   </a:ext>
                 </a:extLst>
               </a:tr>
@@ -8288,7 +8289,7 @@
                 </a:tc>
                 <a:extLst>
                   <a:ext uri="{0D108BD9-81ED-4DB2-BD59-A6C34878D82A}">
-                    <a16:rowId xmlns:a16="http://schemas.microsoft.com/office/drawing/2014/main" val="300418311"/>
+                    <a16:rowId xmlns:a16="http://schemas.microsoft.com/office/drawing/2014/main" xmlns="" val="300418311"/>
                   </a:ext>
                 </a:extLst>
               </a:tr>
@@ -8463,7 +8464,7 @@
                 </a:tc>
                 <a:extLst>
                   <a:ext uri="{0D108BD9-81ED-4DB2-BD59-A6C34878D82A}">
-                    <a16:rowId xmlns:a16="http://schemas.microsoft.com/office/drawing/2014/main" val="915394205"/>
+                    <a16:rowId xmlns:a16="http://schemas.microsoft.com/office/drawing/2014/main" xmlns="" val="915394205"/>
                   </a:ext>
                 </a:extLst>
               </a:tr>
@@ -8476,7 +8477,7 @@
           <p:cNvPr id="9" name="Picture 8">
             <a:extLst>
               <a:ext uri="{FF2B5EF4-FFF2-40B4-BE49-F238E27FC236}">
-                <a16:creationId xmlns:a16="http://schemas.microsoft.com/office/drawing/2014/main" id="{BCC1CE06-DC1B-42E7-B1D7-16BC958A4013}"/>
+                <a16:creationId xmlns:a16="http://schemas.microsoft.com/office/drawing/2014/main" xmlns="" id="{BCC1CE06-DC1B-42E7-B1D7-16BC958A4013}"/>
               </a:ext>
             </a:extLst>
           </p:cNvPr>
@@ -8536,7 +8537,7 @@
           <p:cNvPr id="2" name="Title 1">
             <a:extLst>
               <a:ext uri="{FF2B5EF4-FFF2-40B4-BE49-F238E27FC236}">
-                <a16:creationId xmlns:a16="http://schemas.microsoft.com/office/drawing/2014/main" id="{693F91C1-99DE-45FC-A7F6-CBABE9975D4B}"/>
+                <a16:creationId xmlns:a16="http://schemas.microsoft.com/office/drawing/2014/main" xmlns="" id="{693F91C1-99DE-45FC-A7F6-CBABE9975D4B}"/>
               </a:ext>
             </a:extLst>
           </p:cNvPr>
@@ -8564,7 +8565,7 @@
           <p:cNvPr id="3" name="Content Placeholder 2">
             <a:extLst>
               <a:ext uri="{FF2B5EF4-FFF2-40B4-BE49-F238E27FC236}">
-                <a16:creationId xmlns:a16="http://schemas.microsoft.com/office/drawing/2014/main" id="{51965E6A-87F9-4CC2-9E30-3C857D20DF71}"/>
+                <a16:creationId xmlns:a16="http://schemas.microsoft.com/office/drawing/2014/main" xmlns="" id="{51965E6A-87F9-4CC2-9E30-3C857D20DF71}"/>
               </a:ext>
             </a:extLst>
           </p:cNvPr>
@@ -8622,7 +8623,7 @@
           <p:cNvPr id="2" name="Title 1">
             <a:extLst>
               <a:ext uri="{FF2B5EF4-FFF2-40B4-BE49-F238E27FC236}">
-                <a16:creationId xmlns:a16="http://schemas.microsoft.com/office/drawing/2014/main" id="{C5723F55-D07F-4E66-9BAA-754C68CE849A}"/>
+                <a16:creationId xmlns:a16="http://schemas.microsoft.com/office/drawing/2014/main" xmlns="" id="{C5723F55-D07F-4E66-9BAA-754C68CE849A}"/>
               </a:ext>
             </a:extLst>
           </p:cNvPr>
@@ -8650,7 +8651,7 @@
           <p:cNvPr id="3" name="Content Placeholder 2">
             <a:extLst>
               <a:ext uri="{FF2B5EF4-FFF2-40B4-BE49-F238E27FC236}">
-                <a16:creationId xmlns:a16="http://schemas.microsoft.com/office/drawing/2014/main" id="{CA299F92-DB79-49E7-B9D4-0B093224102D}"/>
+                <a16:creationId xmlns:a16="http://schemas.microsoft.com/office/drawing/2014/main" xmlns="" id="{CA299F92-DB79-49E7-B9D4-0B093224102D}"/>
               </a:ext>
             </a:extLst>
           </p:cNvPr>
@@ -8709,7 +8710,7 @@
           <p:cNvPr id="4" name="Table 4">
             <a:extLst>
               <a:ext uri="{FF2B5EF4-FFF2-40B4-BE49-F238E27FC236}">
-                <a16:creationId xmlns:a16="http://schemas.microsoft.com/office/drawing/2014/main" id="{2A5C9B5F-B12D-43B8-A7D3-92C6A635E9F7}"/>
+                <a16:creationId xmlns:a16="http://schemas.microsoft.com/office/drawing/2014/main" xmlns="" id="{2A5C9B5F-B12D-43B8-A7D3-92C6A635E9F7}"/>
               </a:ext>
             </a:extLst>
           </p:cNvPr>
@@ -8738,42 +8739,42 @@
                 <a:gridCol w="1691746">
                   <a:extLst>
                     <a:ext uri="{9D8B030D-6E8A-4147-A177-3AD203B41FA5}">
-                      <a16:colId xmlns:a16="http://schemas.microsoft.com/office/drawing/2014/main" val="2681313205"/>
+                      <a16:colId xmlns:a16="http://schemas.microsoft.com/office/drawing/2014/main" xmlns="" val="2681313205"/>
                     </a:ext>
                   </a:extLst>
                 </a:gridCol>
                 <a:gridCol w="1691746">
                   <a:extLst>
                     <a:ext uri="{9D8B030D-6E8A-4147-A177-3AD203B41FA5}">
-                      <a16:colId xmlns:a16="http://schemas.microsoft.com/office/drawing/2014/main" val="1274565177"/>
+                      <a16:colId xmlns:a16="http://schemas.microsoft.com/office/drawing/2014/main" xmlns="" val="1274565177"/>
                     </a:ext>
                   </a:extLst>
                 </a:gridCol>
                 <a:gridCol w="1691746">
                   <a:extLst>
                     <a:ext uri="{9D8B030D-6E8A-4147-A177-3AD203B41FA5}">
-                      <a16:colId xmlns:a16="http://schemas.microsoft.com/office/drawing/2014/main" val="3327581110"/>
+                      <a16:colId xmlns:a16="http://schemas.microsoft.com/office/drawing/2014/main" xmlns="" val="3327581110"/>
                     </a:ext>
                   </a:extLst>
                 </a:gridCol>
                 <a:gridCol w="1691746">
                   <a:extLst>
                     <a:ext uri="{9D8B030D-6E8A-4147-A177-3AD203B41FA5}">
-                      <a16:colId xmlns:a16="http://schemas.microsoft.com/office/drawing/2014/main" val="557321545"/>
+                      <a16:colId xmlns:a16="http://schemas.microsoft.com/office/drawing/2014/main" xmlns="" val="557321545"/>
                     </a:ext>
                   </a:extLst>
                 </a:gridCol>
                 <a:gridCol w="1691746">
                   <a:extLst>
                     <a:ext uri="{9D8B030D-6E8A-4147-A177-3AD203B41FA5}">
-                      <a16:colId xmlns:a16="http://schemas.microsoft.com/office/drawing/2014/main" val="906998426"/>
+                      <a16:colId xmlns:a16="http://schemas.microsoft.com/office/drawing/2014/main" xmlns="" val="906998426"/>
                     </a:ext>
                   </a:extLst>
                 </a:gridCol>
                 <a:gridCol w="1691746">
                   <a:extLst>
                     <a:ext uri="{9D8B030D-6E8A-4147-A177-3AD203B41FA5}">
-                      <a16:colId xmlns:a16="http://schemas.microsoft.com/office/drawing/2014/main" val="19775199"/>
+                      <a16:colId xmlns:a16="http://schemas.microsoft.com/office/drawing/2014/main" xmlns="" val="19775199"/>
                     </a:ext>
                   </a:extLst>
                 </a:gridCol>
@@ -8865,7 +8866,7 @@
                 </a:tc>
                 <a:extLst>
                   <a:ext uri="{0D108BD9-81ED-4DB2-BD59-A6C34878D82A}">
-                    <a16:rowId xmlns:a16="http://schemas.microsoft.com/office/drawing/2014/main" val="652785495"/>
+                    <a16:rowId xmlns:a16="http://schemas.microsoft.com/office/drawing/2014/main" xmlns="" val="652785495"/>
                   </a:ext>
                 </a:extLst>
               </a:tr>
@@ -8956,7 +8957,7 @@
                 </a:tc>
                 <a:extLst>
                   <a:ext uri="{0D108BD9-81ED-4DB2-BD59-A6C34878D82A}">
-                    <a16:rowId xmlns:a16="http://schemas.microsoft.com/office/drawing/2014/main" val="391719823"/>
+                    <a16:rowId xmlns:a16="http://schemas.microsoft.com/office/drawing/2014/main" xmlns="" val="391719823"/>
                   </a:ext>
                 </a:extLst>
               </a:tr>
@@ -9047,7 +9048,7 @@
                 </a:tc>
                 <a:extLst>
                   <a:ext uri="{0D108BD9-81ED-4DB2-BD59-A6C34878D82A}">
-                    <a16:rowId xmlns:a16="http://schemas.microsoft.com/office/drawing/2014/main" val="4150123384"/>
+                    <a16:rowId xmlns:a16="http://schemas.microsoft.com/office/drawing/2014/main" xmlns="" val="4150123384"/>
                   </a:ext>
                 </a:extLst>
               </a:tr>
@@ -9138,7 +9139,7 @@
                 </a:tc>
                 <a:extLst>
                   <a:ext uri="{0D108BD9-81ED-4DB2-BD59-A6C34878D82A}">
-                    <a16:rowId xmlns:a16="http://schemas.microsoft.com/office/drawing/2014/main" val="2915174795"/>
+                    <a16:rowId xmlns:a16="http://schemas.microsoft.com/office/drawing/2014/main" xmlns="" val="2915174795"/>
                   </a:ext>
                 </a:extLst>
               </a:tr>
@@ -9181,7 +9182,7 @@
           <p:cNvPr id="2" name="Title 1">
             <a:extLst>
               <a:ext uri="{FF2B5EF4-FFF2-40B4-BE49-F238E27FC236}">
-                <a16:creationId xmlns:a16="http://schemas.microsoft.com/office/drawing/2014/main" id="{92FD0CF7-0C7D-4338-9B72-EA62D0D009E9}"/>
+                <a16:creationId xmlns:a16="http://schemas.microsoft.com/office/drawing/2014/main" xmlns="" id="{92FD0CF7-0C7D-4338-9B72-EA62D0D009E9}"/>
               </a:ext>
             </a:extLst>
           </p:cNvPr>
@@ -9217,7 +9218,7 @@
           <p:cNvPr id="3" name="Content Placeholder 2">
             <a:extLst>
               <a:ext uri="{FF2B5EF4-FFF2-40B4-BE49-F238E27FC236}">
-                <a16:creationId xmlns:a16="http://schemas.microsoft.com/office/drawing/2014/main" id="{2672AED0-36D7-41E2-9CDD-1F831B01E13E}"/>
+                <a16:creationId xmlns:a16="http://schemas.microsoft.com/office/drawing/2014/main" xmlns="" id="{2672AED0-36D7-41E2-9CDD-1F831B01E13E}"/>
               </a:ext>
             </a:extLst>
           </p:cNvPr>
@@ -9302,7 +9303,7 @@
           <p:cNvPr id="2" name="Title 1">
             <a:extLst>
               <a:ext uri="{FF2B5EF4-FFF2-40B4-BE49-F238E27FC236}">
-                <a16:creationId xmlns:a16="http://schemas.microsoft.com/office/drawing/2014/main" id="{5115C648-66B8-49BE-B33E-D2150B203B24}"/>
+                <a16:creationId xmlns:a16="http://schemas.microsoft.com/office/drawing/2014/main" xmlns="" id="{5115C648-66B8-49BE-B33E-D2150B203B24}"/>
               </a:ext>
             </a:extLst>
           </p:cNvPr>
@@ -9330,7 +9331,7 @@
           <p:cNvPr id="3" name="Content Placeholder 2">
             <a:extLst>
               <a:ext uri="{FF2B5EF4-FFF2-40B4-BE49-F238E27FC236}">
-                <a16:creationId xmlns:a16="http://schemas.microsoft.com/office/drawing/2014/main" id="{B7CBAD27-F7D7-45FE-9E5B-0B22E29CC45E}"/>
+                <a16:creationId xmlns:a16="http://schemas.microsoft.com/office/drawing/2014/main" xmlns="" id="{B7CBAD27-F7D7-45FE-9E5B-0B22E29CC45E}"/>
               </a:ext>
             </a:extLst>
           </p:cNvPr>
@@ -9388,7 +9389,7 @@
           <p:cNvPr id="8" name="Rectangle 3">
             <a:extLst>
               <a:ext uri="{FF2B5EF4-FFF2-40B4-BE49-F238E27FC236}">
-                <a16:creationId xmlns:a16="http://schemas.microsoft.com/office/drawing/2014/main" id="{A59012F7-007B-4721-9046-E5B2FC83BD87}"/>
+                <a16:creationId xmlns:a16="http://schemas.microsoft.com/office/drawing/2014/main" xmlns="" id="{A59012F7-007B-4721-9046-E5B2FC83BD87}"/>
               </a:ext>
             </a:extLst>
           </p:cNvPr>
@@ -9532,7 +9533,7 @@
           <p:cNvPr id="2" name="Title 1">
             <a:extLst>
               <a:ext uri="{FF2B5EF4-FFF2-40B4-BE49-F238E27FC236}">
-                <a16:creationId xmlns:a16="http://schemas.microsoft.com/office/drawing/2014/main" id="{5115C648-66B8-49BE-B33E-D2150B203B24}"/>
+                <a16:creationId xmlns:a16="http://schemas.microsoft.com/office/drawing/2014/main" xmlns="" id="{5115C648-66B8-49BE-B33E-D2150B203B24}"/>
               </a:ext>
             </a:extLst>
           </p:cNvPr>
@@ -9560,7 +9561,7 @@
           <p:cNvPr id="3" name="Content Placeholder 2">
             <a:extLst>
               <a:ext uri="{FF2B5EF4-FFF2-40B4-BE49-F238E27FC236}">
-                <a16:creationId xmlns:a16="http://schemas.microsoft.com/office/drawing/2014/main" id="{B7CBAD27-F7D7-45FE-9E5B-0B22E29CC45E}"/>
+                <a16:creationId xmlns:a16="http://schemas.microsoft.com/office/drawing/2014/main" xmlns="" id="{B7CBAD27-F7D7-45FE-9E5B-0B22E29CC45E}"/>
               </a:ext>
             </a:extLst>
           </p:cNvPr>
@@ -9594,7 +9595,7 @@
           <p:cNvPr id="4" name="Table 4">
             <a:extLst>
               <a:ext uri="{FF2B5EF4-FFF2-40B4-BE49-F238E27FC236}">
-                <a16:creationId xmlns:a16="http://schemas.microsoft.com/office/drawing/2014/main" id="{249B5480-B1CA-47D0-BA73-02DAC27D5EFE}"/>
+                <a16:creationId xmlns:a16="http://schemas.microsoft.com/office/drawing/2014/main" xmlns="" id="{249B5480-B1CA-47D0-BA73-02DAC27D5EFE}"/>
               </a:ext>
             </a:extLst>
           </p:cNvPr>
@@ -9623,28 +9624,28 @@
                 <a:gridCol w="859230">
                   <a:extLst>
                     <a:ext uri="{9D8B030D-6E8A-4147-A177-3AD203B41FA5}">
-                      <a16:colId xmlns:a16="http://schemas.microsoft.com/office/drawing/2014/main" val="234728728"/>
+                      <a16:colId xmlns:a16="http://schemas.microsoft.com/office/drawing/2014/main" xmlns="" val="234728728"/>
                     </a:ext>
                   </a:extLst>
                 </a:gridCol>
                 <a:gridCol w="1564615">
                   <a:extLst>
                     <a:ext uri="{9D8B030D-6E8A-4147-A177-3AD203B41FA5}">
-                      <a16:colId xmlns:a16="http://schemas.microsoft.com/office/drawing/2014/main" val="1073814496"/>
+                      <a16:colId xmlns:a16="http://schemas.microsoft.com/office/drawing/2014/main" xmlns="" val="1073814496"/>
                     </a:ext>
                   </a:extLst>
                 </a:gridCol>
                 <a:gridCol w="1564615">
                   <a:extLst>
                     <a:ext uri="{9D8B030D-6E8A-4147-A177-3AD203B41FA5}">
-                      <a16:colId xmlns:a16="http://schemas.microsoft.com/office/drawing/2014/main" val="1589982913"/>
+                      <a16:colId xmlns:a16="http://schemas.microsoft.com/office/drawing/2014/main" xmlns="" val="1589982913"/>
                     </a:ext>
                   </a:extLst>
                 </a:gridCol>
                 <a:gridCol w="1564615">
                   <a:extLst>
                     <a:ext uri="{9D8B030D-6E8A-4147-A177-3AD203B41FA5}">
-                      <a16:colId xmlns:a16="http://schemas.microsoft.com/office/drawing/2014/main" val="4266380793"/>
+                      <a16:colId xmlns:a16="http://schemas.microsoft.com/office/drawing/2014/main" xmlns="" val="4266380793"/>
                     </a:ext>
                   </a:extLst>
                 </a:gridCol>
@@ -9724,7 +9725,7 @@
                 </a:tc>
                 <a:extLst>
                   <a:ext uri="{0D108BD9-81ED-4DB2-BD59-A6C34878D82A}">
-                    <a16:rowId xmlns:a16="http://schemas.microsoft.com/office/drawing/2014/main" val="1179860051"/>
+                    <a16:rowId xmlns:a16="http://schemas.microsoft.com/office/drawing/2014/main" xmlns="" val="1179860051"/>
                   </a:ext>
                 </a:extLst>
               </a:tr>
@@ -9787,7 +9788,7 @@
                 </a:tc>
                 <a:extLst>
                   <a:ext uri="{0D108BD9-81ED-4DB2-BD59-A6C34878D82A}">
-                    <a16:rowId xmlns:a16="http://schemas.microsoft.com/office/drawing/2014/main" val="3755276059"/>
+                    <a16:rowId xmlns:a16="http://schemas.microsoft.com/office/drawing/2014/main" xmlns="" val="3755276059"/>
                   </a:ext>
                 </a:extLst>
               </a:tr>
@@ -9843,7 +9844,7 @@
                 </a:tc>
                 <a:extLst>
                   <a:ext uri="{0D108BD9-81ED-4DB2-BD59-A6C34878D82A}">
-                    <a16:rowId xmlns:a16="http://schemas.microsoft.com/office/drawing/2014/main" val="2228960390"/>
+                    <a16:rowId xmlns:a16="http://schemas.microsoft.com/office/drawing/2014/main" xmlns="" val="2228960390"/>
                   </a:ext>
                 </a:extLst>
               </a:tr>
@@ -9906,7 +9907,7 @@
                 </a:tc>
                 <a:extLst>
                   <a:ext uri="{0D108BD9-81ED-4DB2-BD59-A6C34878D82A}">
-                    <a16:rowId xmlns:a16="http://schemas.microsoft.com/office/drawing/2014/main" val="4183955610"/>
+                    <a16:rowId xmlns:a16="http://schemas.microsoft.com/office/drawing/2014/main" xmlns="" val="4183955610"/>
                   </a:ext>
                 </a:extLst>
               </a:tr>
@@ -9962,7 +9963,7 @@
                 </a:tc>
                 <a:extLst>
                   <a:ext uri="{0D108BD9-81ED-4DB2-BD59-A6C34878D82A}">
-                    <a16:rowId xmlns:a16="http://schemas.microsoft.com/office/drawing/2014/main" val="3016369053"/>
+                    <a16:rowId xmlns:a16="http://schemas.microsoft.com/office/drawing/2014/main" xmlns="" val="3016369053"/>
                   </a:ext>
                 </a:extLst>
               </a:tr>
@@ -10025,7 +10026,7 @@
                 </a:tc>
                 <a:extLst>
                   <a:ext uri="{0D108BD9-81ED-4DB2-BD59-A6C34878D82A}">
-                    <a16:rowId xmlns:a16="http://schemas.microsoft.com/office/drawing/2014/main" val="780398715"/>
+                    <a16:rowId xmlns:a16="http://schemas.microsoft.com/office/drawing/2014/main" xmlns="" val="780398715"/>
                   </a:ext>
                 </a:extLst>
               </a:tr>
@@ -10088,7 +10089,7 @@
                 </a:tc>
                 <a:extLst>
                   <a:ext uri="{0D108BD9-81ED-4DB2-BD59-A6C34878D82A}">
-                    <a16:rowId xmlns:a16="http://schemas.microsoft.com/office/drawing/2014/main" val="639378041"/>
+                    <a16:rowId xmlns:a16="http://schemas.microsoft.com/office/drawing/2014/main" xmlns="" val="639378041"/>
                   </a:ext>
                 </a:extLst>
               </a:tr>
@@ -10148,7 +10149,7 @@
                 </a:tc>
                 <a:extLst>
                   <a:ext uri="{0D108BD9-81ED-4DB2-BD59-A6C34878D82A}">
-                    <a16:rowId xmlns:a16="http://schemas.microsoft.com/office/drawing/2014/main" val="2282781407"/>
+                    <a16:rowId xmlns:a16="http://schemas.microsoft.com/office/drawing/2014/main" xmlns="" val="2282781407"/>
                   </a:ext>
                 </a:extLst>
               </a:tr>
@@ -10211,7 +10212,7 @@
                 </a:tc>
                 <a:extLst>
                   <a:ext uri="{0D108BD9-81ED-4DB2-BD59-A6C34878D82A}">
-                    <a16:rowId xmlns:a16="http://schemas.microsoft.com/office/drawing/2014/main" val="3342183739"/>
+                    <a16:rowId xmlns:a16="http://schemas.microsoft.com/office/drawing/2014/main" xmlns="" val="3342183739"/>
                   </a:ext>
                 </a:extLst>
               </a:tr>
@@ -10224,7 +10225,7 @@
           <p:cNvPr id="8" name="Rectangle 3">
             <a:extLst>
               <a:ext uri="{FF2B5EF4-FFF2-40B4-BE49-F238E27FC236}">
-                <a16:creationId xmlns:a16="http://schemas.microsoft.com/office/drawing/2014/main" id="{A59012F7-007B-4721-9046-E5B2FC83BD87}"/>
+                <a16:creationId xmlns:a16="http://schemas.microsoft.com/office/drawing/2014/main" xmlns="" id="{A59012F7-007B-4721-9046-E5B2FC83BD87}"/>
               </a:ext>
             </a:extLst>
           </p:cNvPr>
@@ -10368,7 +10369,7 @@
           <p:cNvPr id="2" name="Title 1">
             <a:extLst>
               <a:ext uri="{FF2B5EF4-FFF2-40B4-BE49-F238E27FC236}">
-                <a16:creationId xmlns:a16="http://schemas.microsoft.com/office/drawing/2014/main" id="{27A329C0-DD08-4AE5-869B-8FD0F9676F74}"/>
+                <a16:creationId xmlns:a16="http://schemas.microsoft.com/office/drawing/2014/main" xmlns="" id="{27A329C0-DD08-4AE5-869B-8FD0F9676F74}"/>
               </a:ext>
             </a:extLst>
           </p:cNvPr>
@@ -10396,7 +10397,7 @@
           <p:cNvPr id="4" name="Content Placeholder 3">
             <a:extLst>
               <a:ext uri="{FF2B5EF4-FFF2-40B4-BE49-F238E27FC236}">
-                <a16:creationId xmlns:a16="http://schemas.microsoft.com/office/drawing/2014/main" id="{56F2A724-1A8B-4AF0-85DE-E522981BBB24}"/>
+                <a16:creationId xmlns:a16="http://schemas.microsoft.com/office/drawing/2014/main" xmlns="" id="{56F2A724-1A8B-4AF0-85DE-E522981BBB24}"/>
               </a:ext>
             </a:extLst>
           </p:cNvPr>
@@ -10458,7 +10459,7 @@
           <p:cNvPr id="2" name="Title 1">
             <a:extLst>
               <a:ext uri="{FF2B5EF4-FFF2-40B4-BE49-F238E27FC236}">
-                <a16:creationId xmlns:a16="http://schemas.microsoft.com/office/drawing/2014/main" id="{4DCFFD59-A8F3-496F-AF44-5C2FBF06295C}"/>
+                <a16:creationId xmlns:a16="http://schemas.microsoft.com/office/drawing/2014/main" xmlns="" id="{4DCFFD59-A8F3-496F-AF44-5C2FBF06295C}"/>
               </a:ext>
             </a:extLst>
           </p:cNvPr>
@@ -10487,7 +10488,7 @@
             <a:hlinkClick r:id="rId2"/>
             <a:extLst>
               <a:ext uri="{FF2B5EF4-FFF2-40B4-BE49-F238E27FC236}">
-                <a16:creationId xmlns:a16="http://schemas.microsoft.com/office/drawing/2014/main" id="{F644478E-FC7D-4DFF-ACE6-2A52163EA432}"/>
+                <a16:creationId xmlns:a16="http://schemas.microsoft.com/office/drawing/2014/main" xmlns="" id="{F644478E-FC7D-4DFF-ACE6-2A52163EA432}"/>
               </a:ext>
             </a:extLst>
           </p:cNvPr>
@@ -10549,7 +10550,7 @@
           <p:cNvPr id="2" name="Title 1">
             <a:extLst>
               <a:ext uri="{FF2B5EF4-FFF2-40B4-BE49-F238E27FC236}">
-                <a16:creationId xmlns:a16="http://schemas.microsoft.com/office/drawing/2014/main" id="{5115C648-66B8-49BE-B33E-D2150B203B24}"/>
+                <a16:creationId xmlns:a16="http://schemas.microsoft.com/office/drawing/2014/main" xmlns="" id="{5115C648-66B8-49BE-B33E-D2150B203B24}"/>
               </a:ext>
             </a:extLst>
           </p:cNvPr>
@@ -10577,7 +10578,7 @@
           <p:cNvPr id="3" name="Content Placeholder 2">
             <a:extLst>
               <a:ext uri="{FF2B5EF4-FFF2-40B4-BE49-F238E27FC236}">
-                <a16:creationId xmlns:a16="http://schemas.microsoft.com/office/drawing/2014/main" id="{B7CBAD27-F7D7-45FE-9E5B-0B22E29CC45E}"/>
+                <a16:creationId xmlns:a16="http://schemas.microsoft.com/office/drawing/2014/main" xmlns="" id="{B7CBAD27-F7D7-45FE-9E5B-0B22E29CC45E}"/>
               </a:ext>
             </a:extLst>
           </p:cNvPr>
@@ -10666,7 +10667,7 @@
           <p:cNvPr id="8" name="Rectangle 3">
             <a:extLst>
               <a:ext uri="{FF2B5EF4-FFF2-40B4-BE49-F238E27FC236}">
-                <a16:creationId xmlns:a16="http://schemas.microsoft.com/office/drawing/2014/main" id="{A59012F7-007B-4721-9046-E5B2FC83BD87}"/>
+                <a16:creationId xmlns:a16="http://schemas.microsoft.com/office/drawing/2014/main" xmlns="" id="{A59012F7-007B-4721-9046-E5B2FC83BD87}"/>
               </a:ext>
             </a:extLst>
           </p:cNvPr>
@@ -10810,7 +10811,7 @@
           <p:cNvPr id="2" name="Title 1">
             <a:extLst>
               <a:ext uri="{FF2B5EF4-FFF2-40B4-BE49-F238E27FC236}">
-                <a16:creationId xmlns:a16="http://schemas.microsoft.com/office/drawing/2014/main" id="{5115C648-66B8-49BE-B33E-D2150B203B24}"/>
+                <a16:creationId xmlns:a16="http://schemas.microsoft.com/office/drawing/2014/main" xmlns="" id="{5115C648-66B8-49BE-B33E-D2150B203B24}"/>
               </a:ext>
             </a:extLst>
           </p:cNvPr>
@@ -10845,7 +10846,7 @@
           <p:cNvPr id="3" name="Content Placeholder 2">
             <a:extLst>
               <a:ext uri="{FF2B5EF4-FFF2-40B4-BE49-F238E27FC236}">
-                <a16:creationId xmlns:a16="http://schemas.microsoft.com/office/drawing/2014/main" id="{B7CBAD27-F7D7-45FE-9E5B-0B22E29CC45E}"/>
+                <a16:creationId xmlns:a16="http://schemas.microsoft.com/office/drawing/2014/main" xmlns="" id="{B7CBAD27-F7D7-45FE-9E5B-0B22E29CC45E}"/>
               </a:ext>
             </a:extLst>
           </p:cNvPr>
@@ -10885,7 +10886,7 @@
           <p:cNvPr id="8" name="Rectangle 3">
             <a:extLst>
               <a:ext uri="{FF2B5EF4-FFF2-40B4-BE49-F238E27FC236}">
-                <a16:creationId xmlns:a16="http://schemas.microsoft.com/office/drawing/2014/main" id="{A59012F7-007B-4721-9046-E5B2FC83BD87}"/>
+                <a16:creationId xmlns:a16="http://schemas.microsoft.com/office/drawing/2014/main" xmlns="" id="{A59012F7-007B-4721-9046-E5B2FC83BD87}"/>
               </a:ext>
             </a:extLst>
           </p:cNvPr>
@@ -11022,42 +11023,42 @@
                 <a:gridCol w="1354667">
                   <a:extLst>
                     <a:ext uri="{9D8B030D-6E8A-4147-A177-3AD203B41FA5}">
-                      <a16:colId xmlns:a16="http://schemas.microsoft.com/office/drawing/2014/main" val="20000"/>
+                      <a16:colId xmlns:a16="http://schemas.microsoft.com/office/drawing/2014/main" xmlns="" val="20000"/>
                     </a:ext>
                   </a:extLst>
                 </a:gridCol>
                 <a:gridCol w="1354667">
                   <a:extLst>
                     <a:ext uri="{9D8B030D-6E8A-4147-A177-3AD203B41FA5}">
-                      <a16:colId xmlns:a16="http://schemas.microsoft.com/office/drawing/2014/main" val="20001"/>
+                      <a16:colId xmlns:a16="http://schemas.microsoft.com/office/drawing/2014/main" xmlns="" val="20001"/>
                     </a:ext>
                   </a:extLst>
                 </a:gridCol>
                 <a:gridCol w="1354667">
                   <a:extLst>
                     <a:ext uri="{9D8B030D-6E8A-4147-A177-3AD203B41FA5}">
-                      <a16:colId xmlns:a16="http://schemas.microsoft.com/office/drawing/2014/main" val="20002"/>
+                      <a16:colId xmlns:a16="http://schemas.microsoft.com/office/drawing/2014/main" xmlns="" val="20002"/>
                     </a:ext>
                   </a:extLst>
                 </a:gridCol>
                 <a:gridCol w="1354667">
                   <a:extLst>
                     <a:ext uri="{9D8B030D-6E8A-4147-A177-3AD203B41FA5}">
-                      <a16:colId xmlns:a16="http://schemas.microsoft.com/office/drawing/2014/main" val="20003"/>
+                      <a16:colId xmlns:a16="http://schemas.microsoft.com/office/drawing/2014/main" xmlns="" val="20003"/>
                     </a:ext>
                   </a:extLst>
                 </a:gridCol>
                 <a:gridCol w="1354667">
                   <a:extLst>
                     <a:ext uri="{9D8B030D-6E8A-4147-A177-3AD203B41FA5}">
-                      <a16:colId xmlns:a16="http://schemas.microsoft.com/office/drawing/2014/main" val="20004"/>
+                      <a16:colId xmlns:a16="http://schemas.microsoft.com/office/drawing/2014/main" xmlns="" val="20004"/>
                     </a:ext>
                   </a:extLst>
                 </a:gridCol>
                 <a:gridCol w="1354667">
                   <a:extLst>
                     <a:ext uri="{9D8B030D-6E8A-4147-A177-3AD203B41FA5}">
-                      <a16:colId xmlns:a16="http://schemas.microsoft.com/office/drawing/2014/main" val="20005"/>
+                      <a16:colId xmlns:a16="http://schemas.microsoft.com/office/drawing/2014/main" xmlns="" val="20005"/>
                     </a:ext>
                   </a:extLst>
                 </a:gridCol>
@@ -11149,7 +11150,7 @@
                 </a:tc>
                 <a:extLst>
                   <a:ext uri="{0D108BD9-81ED-4DB2-BD59-A6C34878D82A}">
-                    <a16:rowId xmlns:a16="http://schemas.microsoft.com/office/drawing/2014/main" val="10000"/>
+                    <a16:rowId xmlns:a16="http://schemas.microsoft.com/office/drawing/2014/main" xmlns="" val="10000"/>
                   </a:ext>
                 </a:extLst>
               </a:tr>
@@ -11248,7 +11249,7 @@
                 </a:tc>
                 <a:extLst>
                   <a:ext uri="{0D108BD9-81ED-4DB2-BD59-A6C34878D82A}">
-                    <a16:rowId xmlns:a16="http://schemas.microsoft.com/office/drawing/2014/main" val="10001"/>
+                    <a16:rowId xmlns:a16="http://schemas.microsoft.com/office/drawing/2014/main" xmlns="" val="10001"/>
                   </a:ext>
                 </a:extLst>
               </a:tr>
@@ -11347,7 +11348,7 @@
           <p:cNvPr id="2" name="Title 1">
             <a:extLst>
               <a:ext uri="{FF2B5EF4-FFF2-40B4-BE49-F238E27FC236}">
-                <a16:creationId xmlns:a16="http://schemas.microsoft.com/office/drawing/2014/main" id="{5115C648-66B8-49BE-B33E-D2150B203B24}"/>
+                <a16:creationId xmlns:a16="http://schemas.microsoft.com/office/drawing/2014/main" xmlns="" id="{5115C648-66B8-49BE-B33E-D2150B203B24}"/>
               </a:ext>
             </a:extLst>
           </p:cNvPr>
@@ -11382,7 +11383,7 @@
           <p:cNvPr id="3" name="Content Placeholder 2">
             <a:extLst>
               <a:ext uri="{FF2B5EF4-FFF2-40B4-BE49-F238E27FC236}">
-                <a16:creationId xmlns:a16="http://schemas.microsoft.com/office/drawing/2014/main" id="{B7CBAD27-F7D7-45FE-9E5B-0B22E29CC45E}"/>
+                <a16:creationId xmlns:a16="http://schemas.microsoft.com/office/drawing/2014/main" xmlns="" id="{B7CBAD27-F7D7-45FE-9E5B-0B22E29CC45E}"/>
               </a:ext>
             </a:extLst>
           </p:cNvPr>
@@ -11422,7 +11423,7 @@
           <p:cNvPr id="8" name="Rectangle 3">
             <a:extLst>
               <a:ext uri="{FF2B5EF4-FFF2-40B4-BE49-F238E27FC236}">
-                <a16:creationId xmlns:a16="http://schemas.microsoft.com/office/drawing/2014/main" id="{A59012F7-007B-4721-9046-E5B2FC83BD87}"/>
+                <a16:creationId xmlns:a16="http://schemas.microsoft.com/office/drawing/2014/main" xmlns="" id="{A59012F7-007B-4721-9046-E5B2FC83BD87}"/>
               </a:ext>
             </a:extLst>
           </p:cNvPr>
@@ -11559,42 +11560,42 @@
                 <a:gridCol w="1354667">
                   <a:extLst>
                     <a:ext uri="{9D8B030D-6E8A-4147-A177-3AD203B41FA5}">
-                      <a16:colId xmlns:a16="http://schemas.microsoft.com/office/drawing/2014/main" val="20000"/>
+                      <a16:colId xmlns:a16="http://schemas.microsoft.com/office/drawing/2014/main" xmlns="" val="20000"/>
                     </a:ext>
                   </a:extLst>
                 </a:gridCol>
                 <a:gridCol w="1354667">
                   <a:extLst>
                     <a:ext uri="{9D8B030D-6E8A-4147-A177-3AD203B41FA5}">
-                      <a16:colId xmlns:a16="http://schemas.microsoft.com/office/drawing/2014/main" val="20001"/>
+                      <a16:colId xmlns:a16="http://schemas.microsoft.com/office/drawing/2014/main" xmlns="" val="20001"/>
                     </a:ext>
                   </a:extLst>
                 </a:gridCol>
                 <a:gridCol w="1354667">
                   <a:extLst>
                     <a:ext uri="{9D8B030D-6E8A-4147-A177-3AD203B41FA5}">
-                      <a16:colId xmlns:a16="http://schemas.microsoft.com/office/drawing/2014/main" val="20002"/>
+                      <a16:colId xmlns:a16="http://schemas.microsoft.com/office/drawing/2014/main" xmlns="" val="20002"/>
                     </a:ext>
                   </a:extLst>
                 </a:gridCol>
                 <a:gridCol w="1354667">
                   <a:extLst>
                     <a:ext uri="{9D8B030D-6E8A-4147-A177-3AD203B41FA5}">
-                      <a16:colId xmlns:a16="http://schemas.microsoft.com/office/drawing/2014/main" val="20003"/>
+                      <a16:colId xmlns:a16="http://schemas.microsoft.com/office/drawing/2014/main" xmlns="" val="20003"/>
                     </a:ext>
                   </a:extLst>
                 </a:gridCol>
                 <a:gridCol w="1354667">
                   <a:extLst>
                     <a:ext uri="{9D8B030D-6E8A-4147-A177-3AD203B41FA5}">
-                      <a16:colId xmlns:a16="http://schemas.microsoft.com/office/drawing/2014/main" val="20004"/>
+                      <a16:colId xmlns:a16="http://schemas.microsoft.com/office/drawing/2014/main" xmlns="" val="20004"/>
                     </a:ext>
                   </a:extLst>
                 </a:gridCol>
                 <a:gridCol w="1354667">
                   <a:extLst>
                     <a:ext uri="{9D8B030D-6E8A-4147-A177-3AD203B41FA5}">
-                      <a16:colId xmlns:a16="http://schemas.microsoft.com/office/drawing/2014/main" val="20005"/>
+                      <a16:colId xmlns:a16="http://schemas.microsoft.com/office/drawing/2014/main" xmlns="" val="20005"/>
                     </a:ext>
                   </a:extLst>
                 </a:gridCol>
@@ -11686,7 +11687,7 @@
                 </a:tc>
                 <a:extLst>
                   <a:ext uri="{0D108BD9-81ED-4DB2-BD59-A6C34878D82A}">
-                    <a16:rowId xmlns:a16="http://schemas.microsoft.com/office/drawing/2014/main" val="10000"/>
+                    <a16:rowId xmlns:a16="http://schemas.microsoft.com/office/drawing/2014/main" xmlns="" val="10000"/>
                   </a:ext>
                 </a:extLst>
               </a:tr>
@@ -11799,7 +11800,7 @@
                 </a:tc>
                 <a:extLst>
                   <a:ext uri="{0D108BD9-81ED-4DB2-BD59-A6C34878D82A}">
-                    <a16:rowId xmlns:a16="http://schemas.microsoft.com/office/drawing/2014/main" val="10001"/>
+                    <a16:rowId xmlns:a16="http://schemas.microsoft.com/office/drawing/2014/main" xmlns="" val="10001"/>
                   </a:ext>
                 </a:extLst>
               </a:tr>
@@ -11903,7 +11904,7 @@
           <p:cNvPr id="2" name="Title 1">
             <a:extLst>
               <a:ext uri="{FF2B5EF4-FFF2-40B4-BE49-F238E27FC236}">
-                <a16:creationId xmlns:a16="http://schemas.microsoft.com/office/drawing/2014/main" id="{5115C648-66B8-49BE-B33E-D2150B203B24}"/>
+                <a16:creationId xmlns:a16="http://schemas.microsoft.com/office/drawing/2014/main" xmlns="" id="{5115C648-66B8-49BE-B33E-D2150B203B24}"/>
               </a:ext>
             </a:extLst>
           </p:cNvPr>
@@ -11938,7 +11939,7 @@
           <p:cNvPr id="3" name="Content Placeholder 2">
             <a:extLst>
               <a:ext uri="{FF2B5EF4-FFF2-40B4-BE49-F238E27FC236}">
-                <a16:creationId xmlns:a16="http://schemas.microsoft.com/office/drawing/2014/main" id="{B7CBAD27-F7D7-45FE-9E5B-0B22E29CC45E}"/>
+                <a16:creationId xmlns:a16="http://schemas.microsoft.com/office/drawing/2014/main" xmlns="" id="{B7CBAD27-F7D7-45FE-9E5B-0B22E29CC45E}"/>
               </a:ext>
             </a:extLst>
           </p:cNvPr>
@@ -11978,7 +11979,7 @@
           <p:cNvPr id="8" name="Rectangle 3">
             <a:extLst>
               <a:ext uri="{FF2B5EF4-FFF2-40B4-BE49-F238E27FC236}">
-                <a16:creationId xmlns:a16="http://schemas.microsoft.com/office/drawing/2014/main" id="{A59012F7-007B-4721-9046-E5B2FC83BD87}"/>
+                <a16:creationId xmlns:a16="http://schemas.microsoft.com/office/drawing/2014/main" xmlns="" id="{A59012F7-007B-4721-9046-E5B2FC83BD87}"/>
               </a:ext>
             </a:extLst>
           </p:cNvPr>
@@ -12115,42 +12116,42 @@
                 <a:gridCol w="1354667">
                   <a:extLst>
                     <a:ext uri="{9D8B030D-6E8A-4147-A177-3AD203B41FA5}">
-                      <a16:colId xmlns:a16="http://schemas.microsoft.com/office/drawing/2014/main" val="20000"/>
+                      <a16:colId xmlns:a16="http://schemas.microsoft.com/office/drawing/2014/main" xmlns="" val="20000"/>
                     </a:ext>
                   </a:extLst>
                 </a:gridCol>
                 <a:gridCol w="1354667">
                   <a:extLst>
                     <a:ext uri="{9D8B030D-6E8A-4147-A177-3AD203B41FA5}">
-                      <a16:colId xmlns:a16="http://schemas.microsoft.com/office/drawing/2014/main" val="20001"/>
+                      <a16:colId xmlns:a16="http://schemas.microsoft.com/office/drawing/2014/main" xmlns="" val="20001"/>
                     </a:ext>
                   </a:extLst>
                 </a:gridCol>
                 <a:gridCol w="1354667">
                   <a:extLst>
                     <a:ext uri="{9D8B030D-6E8A-4147-A177-3AD203B41FA5}">
-                      <a16:colId xmlns:a16="http://schemas.microsoft.com/office/drawing/2014/main" val="20002"/>
+                      <a16:colId xmlns:a16="http://schemas.microsoft.com/office/drawing/2014/main" xmlns="" val="20002"/>
                     </a:ext>
                   </a:extLst>
                 </a:gridCol>
                 <a:gridCol w="1354667">
                   <a:extLst>
                     <a:ext uri="{9D8B030D-6E8A-4147-A177-3AD203B41FA5}">
-                      <a16:colId xmlns:a16="http://schemas.microsoft.com/office/drawing/2014/main" val="20003"/>
+                      <a16:colId xmlns:a16="http://schemas.microsoft.com/office/drawing/2014/main" xmlns="" val="20003"/>
                     </a:ext>
                   </a:extLst>
                 </a:gridCol>
                 <a:gridCol w="1354667">
                   <a:extLst>
                     <a:ext uri="{9D8B030D-6E8A-4147-A177-3AD203B41FA5}">
-                      <a16:colId xmlns:a16="http://schemas.microsoft.com/office/drawing/2014/main" val="20004"/>
+                      <a16:colId xmlns:a16="http://schemas.microsoft.com/office/drawing/2014/main" xmlns="" val="20004"/>
                     </a:ext>
                   </a:extLst>
                 </a:gridCol>
                 <a:gridCol w="1354667">
                   <a:extLst>
                     <a:ext uri="{9D8B030D-6E8A-4147-A177-3AD203B41FA5}">
-                      <a16:colId xmlns:a16="http://schemas.microsoft.com/office/drawing/2014/main" val="20005"/>
+                      <a16:colId xmlns:a16="http://schemas.microsoft.com/office/drawing/2014/main" xmlns="" val="20005"/>
                     </a:ext>
                   </a:extLst>
                 </a:gridCol>
@@ -12242,7 +12243,7 @@
                 </a:tc>
                 <a:extLst>
                   <a:ext uri="{0D108BD9-81ED-4DB2-BD59-A6C34878D82A}">
-                    <a16:rowId xmlns:a16="http://schemas.microsoft.com/office/drawing/2014/main" val="10000"/>
+                    <a16:rowId xmlns:a16="http://schemas.microsoft.com/office/drawing/2014/main" xmlns="" val="10000"/>
                   </a:ext>
                 </a:extLst>
               </a:tr>
@@ -12355,7 +12356,7 @@
                 </a:tc>
                 <a:extLst>
                   <a:ext uri="{0D108BD9-81ED-4DB2-BD59-A6C34878D82A}">
-                    <a16:rowId xmlns:a16="http://schemas.microsoft.com/office/drawing/2014/main" val="10001"/>
+                    <a16:rowId xmlns:a16="http://schemas.microsoft.com/office/drawing/2014/main" xmlns="" val="10001"/>
                   </a:ext>
                 </a:extLst>
               </a:tr>
@@ -12459,7 +12460,7 @@
           <p:cNvPr id="2" name="Title 1">
             <a:extLst>
               <a:ext uri="{FF2B5EF4-FFF2-40B4-BE49-F238E27FC236}">
-                <a16:creationId xmlns:a16="http://schemas.microsoft.com/office/drawing/2014/main" id="{5115C648-66B8-49BE-B33E-D2150B203B24}"/>
+                <a16:creationId xmlns:a16="http://schemas.microsoft.com/office/drawing/2014/main" xmlns="" id="{5115C648-66B8-49BE-B33E-D2150B203B24}"/>
               </a:ext>
             </a:extLst>
           </p:cNvPr>
@@ -12494,7 +12495,7 @@
           <p:cNvPr id="3" name="Content Placeholder 2">
             <a:extLst>
               <a:ext uri="{FF2B5EF4-FFF2-40B4-BE49-F238E27FC236}">
-                <a16:creationId xmlns:a16="http://schemas.microsoft.com/office/drawing/2014/main" id="{B7CBAD27-F7D7-45FE-9E5B-0B22E29CC45E}"/>
+                <a16:creationId xmlns:a16="http://schemas.microsoft.com/office/drawing/2014/main" xmlns="" id="{B7CBAD27-F7D7-45FE-9E5B-0B22E29CC45E}"/>
               </a:ext>
             </a:extLst>
           </p:cNvPr>
@@ -12540,7 +12541,7 @@
           <p:cNvPr id="8" name="Rectangle 3">
             <a:extLst>
               <a:ext uri="{FF2B5EF4-FFF2-40B4-BE49-F238E27FC236}">
-                <a16:creationId xmlns:a16="http://schemas.microsoft.com/office/drawing/2014/main" id="{A59012F7-007B-4721-9046-E5B2FC83BD87}"/>
+                <a16:creationId xmlns:a16="http://schemas.microsoft.com/office/drawing/2014/main" xmlns="" id="{A59012F7-007B-4721-9046-E5B2FC83BD87}"/>
               </a:ext>
             </a:extLst>
           </p:cNvPr>
@@ -12677,42 +12678,42 @@
                 <a:gridCol w="1354667">
                   <a:extLst>
                     <a:ext uri="{9D8B030D-6E8A-4147-A177-3AD203B41FA5}">
-                      <a16:colId xmlns:a16="http://schemas.microsoft.com/office/drawing/2014/main" val="20000"/>
+                      <a16:colId xmlns:a16="http://schemas.microsoft.com/office/drawing/2014/main" xmlns="" val="20000"/>
                     </a:ext>
                   </a:extLst>
                 </a:gridCol>
                 <a:gridCol w="1354667">
                   <a:extLst>
                     <a:ext uri="{9D8B030D-6E8A-4147-A177-3AD203B41FA5}">
-                      <a16:colId xmlns:a16="http://schemas.microsoft.com/office/drawing/2014/main" val="20001"/>
+                      <a16:colId xmlns:a16="http://schemas.microsoft.com/office/drawing/2014/main" xmlns="" val="20001"/>
                     </a:ext>
                   </a:extLst>
                 </a:gridCol>
                 <a:gridCol w="1354667">
                   <a:extLst>
                     <a:ext uri="{9D8B030D-6E8A-4147-A177-3AD203B41FA5}">
-                      <a16:colId xmlns:a16="http://schemas.microsoft.com/office/drawing/2014/main" val="20002"/>
+                      <a16:colId xmlns:a16="http://schemas.microsoft.com/office/drawing/2014/main" xmlns="" val="20002"/>
                     </a:ext>
                   </a:extLst>
                 </a:gridCol>
                 <a:gridCol w="1354667">
                   <a:extLst>
                     <a:ext uri="{9D8B030D-6E8A-4147-A177-3AD203B41FA5}">
-                      <a16:colId xmlns:a16="http://schemas.microsoft.com/office/drawing/2014/main" val="20003"/>
+                      <a16:colId xmlns:a16="http://schemas.microsoft.com/office/drawing/2014/main" xmlns="" val="20003"/>
                     </a:ext>
                   </a:extLst>
                 </a:gridCol>
                 <a:gridCol w="1354667">
                   <a:extLst>
                     <a:ext uri="{9D8B030D-6E8A-4147-A177-3AD203B41FA5}">
-                      <a16:colId xmlns:a16="http://schemas.microsoft.com/office/drawing/2014/main" val="20004"/>
+                      <a16:colId xmlns:a16="http://schemas.microsoft.com/office/drawing/2014/main" xmlns="" val="20004"/>
                     </a:ext>
                   </a:extLst>
                 </a:gridCol>
                 <a:gridCol w="1354667">
                   <a:extLst>
                     <a:ext uri="{9D8B030D-6E8A-4147-A177-3AD203B41FA5}">
-                      <a16:colId xmlns:a16="http://schemas.microsoft.com/office/drawing/2014/main" val="20005"/>
+                      <a16:colId xmlns:a16="http://schemas.microsoft.com/office/drawing/2014/main" xmlns="" val="20005"/>
                     </a:ext>
                   </a:extLst>
                 </a:gridCol>
@@ -12804,7 +12805,7 @@
                 </a:tc>
                 <a:extLst>
                   <a:ext uri="{0D108BD9-81ED-4DB2-BD59-A6C34878D82A}">
-                    <a16:rowId xmlns:a16="http://schemas.microsoft.com/office/drawing/2014/main" val="10000"/>
+                    <a16:rowId xmlns:a16="http://schemas.microsoft.com/office/drawing/2014/main" xmlns="" val="10000"/>
                   </a:ext>
                 </a:extLst>
               </a:tr>
@@ -12917,7 +12918,7 @@
                 </a:tc>
                 <a:extLst>
                   <a:ext uri="{0D108BD9-81ED-4DB2-BD59-A6C34878D82A}">
-                    <a16:rowId xmlns:a16="http://schemas.microsoft.com/office/drawing/2014/main" val="10001"/>
+                    <a16:rowId xmlns:a16="http://schemas.microsoft.com/office/drawing/2014/main" xmlns="" val="10001"/>
                   </a:ext>
                 </a:extLst>
               </a:tr>
@@ -12990,42 +12991,42 @@
                 <a:gridCol w="1354667">
                   <a:extLst>
                     <a:ext uri="{9D8B030D-6E8A-4147-A177-3AD203B41FA5}">
-                      <a16:colId xmlns:a16="http://schemas.microsoft.com/office/drawing/2014/main" val="20000"/>
+                      <a16:colId xmlns:a16="http://schemas.microsoft.com/office/drawing/2014/main" xmlns="" val="20000"/>
                     </a:ext>
                   </a:extLst>
                 </a:gridCol>
                 <a:gridCol w="1354667">
                   <a:extLst>
                     <a:ext uri="{9D8B030D-6E8A-4147-A177-3AD203B41FA5}">
-                      <a16:colId xmlns:a16="http://schemas.microsoft.com/office/drawing/2014/main" val="20001"/>
+                      <a16:colId xmlns:a16="http://schemas.microsoft.com/office/drawing/2014/main" xmlns="" val="20001"/>
                     </a:ext>
                   </a:extLst>
                 </a:gridCol>
                 <a:gridCol w="1354667">
                   <a:extLst>
                     <a:ext uri="{9D8B030D-6E8A-4147-A177-3AD203B41FA5}">
-                      <a16:colId xmlns:a16="http://schemas.microsoft.com/office/drawing/2014/main" val="20002"/>
+                      <a16:colId xmlns:a16="http://schemas.microsoft.com/office/drawing/2014/main" xmlns="" val="20002"/>
                     </a:ext>
                   </a:extLst>
                 </a:gridCol>
                 <a:gridCol w="1354667">
                   <a:extLst>
                     <a:ext uri="{9D8B030D-6E8A-4147-A177-3AD203B41FA5}">
-                      <a16:colId xmlns:a16="http://schemas.microsoft.com/office/drawing/2014/main" val="20003"/>
+                      <a16:colId xmlns:a16="http://schemas.microsoft.com/office/drawing/2014/main" xmlns="" val="20003"/>
                     </a:ext>
                   </a:extLst>
                 </a:gridCol>
                 <a:gridCol w="1354667">
                   <a:extLst>
                     <a:ext uri="{9D8B030D-6E8A-4147-A177-3AD203B41FA5}">
-                      <a16:colId xmlns:a16="http://schemas.microsoft.com/office/drawing/2014/main" val="20004"/>
+                      <a16:colId xmlns:a16="http://schemas.microsoft.com/office/drawing/2014/main" xmlns="" val="20004"/>
                     </a:ext>
                   </a:extLst>
                 </a:gridCol>
                 <a:gridCol w="1354667">
                   <a:extLst>
                     <a:ext uri="{9D8B030D-6E8A-4147-A177-3AD203B41FA5}">
-                      <a16:colId xmlns:a16="http://schemas.microsoft.com/office/drawing/2014/main" val="20005"/>
+                      <a16:colId xmlns:a16="http://schemas.microsoft.com/office/drawing/2014/main" xmlns="" val="20005"/>
                     </a:ext>
                   </a:extLst>
                 </a:gridCol>
@@ -13117,7 +13118,7 @@
                 </a:tc>
                 <a:extLst>
                   <a:ext uri="{0D108BD9-81ED-4DB2-BD59-A6C34878D82A}">
-                    <a16:rowId xmlns:a16="http://schemas.microsoft.com/office/drawing/2014/main" val="10000"/>
+                    <a16:rowId xmlns:a16="http://schemas.microsoft.com/office/drawing/2014/main" xmlns="" val="10000"/>
                   </a:ext>
                 </a:extLst>
               </a:tr>
@@ -13230,7 +13231,7 @@
                 </a:tc>
                 <a:extLst>
                   <a:ext uri="{0D108BD9-81ED-4DB2-BD59-A6C34878D82A}">
-                    <a16:rowId xmlns:a16="http://schemas.microsoft.com/office/drawing/2014/main" val="10001"/>
+                    <a16:rowId xmlns:a16="http://schemas.microsoft.com/office/drawing/2014/main" xmlns="" val="10001"/>
                   </a:ext>
                 </a:extLst>
               </a:tr>
@@ -13266,42 +13267,42 @@
                 <a:gridCol w="1354667">
                   <a:extLst>
                     <a:ext uri="{9D8B030D-6E8A-4147-A177-3AD203B41FA5}">
-                      <a16:colId xmlns:a16="http://schemas.microsoft.com/office/drawing/2014/main" val="20000"/>
+                      <a16:colId xmlns:a16="http://schemas.microsoft.com/office/drawing/2014/main" xmlns="" val="20000"/>
                     </a:ext>
                   </a:extLst>
                 </a:gridCol>
                 <a:gridCol w="1354667">
                   <a:extLst>
                     <a:ext uri="{9D8B030D-6E8A-4147-A177-3AD203B41FA5}">
-                      <a16:colId xmlns:a16="http://schemas.microsoft.com/office/drawing/2014/main" val="20001"/>
+                      <a16:colId xmlns:a16="http://schemas.microsoft.com/office/drawing/2014/main" xmlns="" val="20001"/>
                     </a:ext>
                   </a:extLst>
                 </a:gridCol>
                 <a:gridCol w="1354667">
                   <a:extLst>
                     <a:ext uri="{9D8B030D-6E8A-4147-A177-3AD203B41FA5}">
-                      <a16:colId xmlns:a16="http://schemas.microsoft.com/office/drawing/2014/main" val="20002"/>
+                      <a16:colId xmlns:a16="http://schemas.microsoft.com/office/drawing/2014/main" xmlns="" val="20002"/>
                     </a:ext>
                   </a:extLst>
                 </a:gridCol>
                 <a:gridCol w="1354667">
                   <a:extLst>
                     <a:ext uri="{9D8B030D-6E8A-4147-A177-3AD203B41FA5}">
-                      <a16:colId xmlns:a16="http://schemas.microsoft.com/office/drawing/2014/main" val="20003"/>
+                      <a16:colId xmlns:a16="http://schemas.microsoft.com/office/drawing/2014/main" xmlns="" val="20003"/>
                     </a:ext>
                   </a:extLst>
                 </a:gridCol>
                 <a:gridCol w="1354667">
                   <a:extLst>
                     <a:ext uri="{9D8B030D-6E8A-4147-A177-3AD203B41FA5}">
-                      <a16:colId xmlns:a16="http://schemas.microsoft.com/office/drawing/2014/main" val="20004"/>
+                      <a16:colId xmlns:a16="http://schemas.microsoft.com/office/drawing/2014/main" xmlns="" val="20004"/>
                     </a:ext>
                   </a:extLst>
                 </a:gridCol>
                 <a:gridCol w="1354667">
                   <a:extLst>
                     <a:ext uri="{9D8B030D-6E8A-4147-A177-3AD203B41FA5}">
-                      <a16:colId xmlns:a16="http://schemas.microsoft.com/office/drawing/2014/main" val="20005"/>
+                      <a16:colId xmlns:a16="http://schemas.microsoft.com/office/drawing/2014/main" xmlns="" val="20005"/>
                     </a:ext>
                   </a:extLst>
                 </a:gridCol>
@@ -13393,7 +13394,7 @@
                 </a:tc>
                 <a:extLst>
                   <a:ext uri="{0D108BD9-81ED-4DB2-BD59-A6C34878D82A}">
-                    <a16:rowId xmlns:a16="http://schemas.microsoft.com/office/drawing/2014/main" val="10000"/>
+                    <a16:rowId xmlns:a16="http://schemas.microsoft.com/office/drawing/2014/main" xmlns="" val="10000"/>
                   </a:ext>
                 </a:extLst>
               </a:tr>
@@ -13506,7 +13507,7 @@
                 </a:tc>
                 <a:extLst>
                   <a:ext uri="{0D108BD9-81ED-4DB2-BD59-A6C34878D82A}">
-                    <a16:rowId xmlns:a16="http://schemas.microsoft.com/office/drawing/2014/main" val="10001"/>
+                    <a16:rowId xmlns:a16="http://schemas.microsoft.com/office/drawing/2014/main" xmlns="" val="10001"/>
                   </a:ext>
                 </a:extLst>
               </a:tr>
@@ -13583,7 +13584,7 @@
           <p:cNvPr id="2" name="Title 1">
             <a:extLst>
               <a:ext uri="{FF2B5EF4-FFF2-40B4-BE49-F238E27FC236}">
-                <a16:creationId xmlns:a16="http://schemas.microsoft.com/office/drawing/2014/main" id="{5115C648-66B8-49BE-B33E-D2150B203B24}"/>
+                <a16:creationId xmlns:a16="http://schemas.microsoft.com/office/drawing/2014/main" xmlns="" id="{5115C648-66B8-49BE-B33E-D2150B203B24}"/>
               </a:ext>
             </a:extLst>
           </p:cNvPr>
@@ -13618,7 +13619,7 @@
           <p:cNvPr id="3" name="Content Placeholder 2">
             <a:extLst>
               <a:ext uri="{FF2B5EF4-FFF2-40B4-BE49-F238E27FC236}">
-                <a16:creationId xmlns:a16="http://schemas.microsoft.com/office/drawing/2014/main" id="{B7CBAD27-F7D7-45FE-9E5B-0B22E29CC45E}"/>
+                <a16:creationId xmlns:a16="http://schemas.microsoft.com/office/drawing/2014/main" xmlns="" id="{B7CBAD27-F7D7-45FE-9E5B-0B22E29CC45E}"/>
               </a:ext>
             </a:extLst>
           </p:cNvPr>
@@ -13665,7 +13666,7 @@
           <p:cNvPr id="8" name="Rectangle 3">
             <a:extLst>
               <a:ext uri="{FF2B5EF4-FFF2-40B4-BE49-F238E27FC236}">
-                <a16:creationId xmlns:a16="http://schemas.microsoft.com/office/drawing/2014/main" id="{A59012F7-007B-4721-9046-E5B2FC83BD87}"/>
+                <a16:creationId xmlns:a16="http://schemas.microsoft.com/office/drawing/2014/main" xmlns="" id="{A59012F7-007B-4721-9046-E5B2FC83BD87}"/>
               </a:ext>
             </a:extLst>
           </p:cNvPr>
@@ -13802,42 +13803,42 @@
                 <a:gridCol w="1493298">
                   <a:extLst>
                     <a:ext uri="{9D8B030D-6E8A-4147-A177-3AD203B41FA5}">
-                      <a16:colId xmlns:a16="http://schemas.microsoft.com/office/drawing/2014/main" val="20000"/>
+                      <a16:colId xmlns:a16="http://schemas.microsoft.com/office/drawing/2014/main" xmlns="" val="20000"/>
                     </a:ext>
                   </a:extLst>
                 </a:gridCol>
                 <a:gridCol w="1493298">
                   <a:extLst>
                     <a:ext uri="{9D8B030D-6E8A-4147-A177-3AD203B41FA5}">
-                      <a16:colId xmlns:a16="http://schemas.microsoft.com/office/drawing/2014/main" val="20001"/>
+                      <a16:colId xmlns:a16="http://schemas.microsoft.com/office/drawing/2014/main" xmlns="" val="20001"/>
                     </a:ext>
                   </a:extLst>
                 </a:gridCol>
                 <a:gridCol w="1493298">
                   <a:extLst>
                     <a:ext uri="{9D8B030D-6E8A-4147-A177-3AD203B41FA5}">
-                      <a16:colId xmlns:a16="http://schemas.microsoft.com/office/drawing/2014/main" val="20002"/>
+                      <a16:colId xmlns:a16="http://schemas.microsoft.com/office/drawing/2014/main" xmlns="" val="20002"/>
                     </a:ext>
                   </a:extLst>
                 </a:gridCol>
                 <a:gridCol w="1493298">
                   <a:extLst>
                     <a:ext uri="{9D8B030D-6E8A-4147-A177-3AD203B41FA5}">
-                      <a16:colId xmlns:a16="http://schemas.microsoft.com/office/drawing/2014/main" val="20003"/>
+                      <a16:colId xmlns:a16="http://schemas.microsoft.com/office/drawing/2014/main" xmlns="" val="20003"/>
                     </a:ext>
                   </a:extLst>
                 </a:gridCol>
                 <a:gridCol w="1493298">
                   <a:extLst>
                     <a:ext uri="{9D8B030D-6E8A-4147-A177-3AD203B41FA5}">
-                      <a16:colId xmlns:a16="http://schemas.microsoft.com/office/drawing/2014/main" val="20004"/>
+                      <a16:colId xmlns:a16="http://schemas.microsoft.com/office/drawing/2014/main" xmlns="" val="20004"/>
                     </a:ext>
                   </a:extLst>
                 </a:gridCol>
                 <a:gridCol w="1493298">
                   <a:extLst>
                     <a:ext uri="{9D8B030D-6E8A-4147-A177-3AD203B41FA5}">
-                      <a16:colId xmlns:a16="http://schemas.microsoft.com/office/drawing/2014/main" val="20005"/>
+                      <a16:colId xmlns:a16="http://schemas.microsoft.com/office/drawing/2014/main" xmlns="" val="20005"/>
                     </a:ext>
                   </a:extLst>
                 </a:gridCol>
@@ -13929,7 +13930,7 @@
                 </a:tc>
                 <a:extLst>
                   <a:ext uri="{0D108BD9-81ED-4DB2-BD59-A6C34878D82A}">
-                    <a16:rowId xmlns:a16="http://schemas.microsoft.com/office/drawing/2014/main" val="10000"/>
+                    <a16:rowId xmlns:a16="http://schemas.microsoft.com/office/drawing/2014/main" xmlns="" val="10000"/>
                   </a:ext>
                 </a:extLst>
               </a:tr>
@@ -14042,7 +14043,7 @@
                 </a:tc>
                 <a:extLst>
                   <a:ext uri="{0D108BD9-81ED-4DB2-BD59-A6C34878D82A}">
-                    <a16:rowId xmlns:a16="http://schemas.microsoft.com/office/drawing/2014/main" val="10001"/>
+                    <a16:rowId xmlns:a16="http://schemas.microsoft.com/office/drawing/2014/main" xmlns="" val="10001"/>
                   </a:ext>
                 </a:extLst>
               </a:tr>
@@ -14122,7 +14123,7 @@
           <p:cNvPr id="2" name="Title 1">
             <a:extLst>
               <a:ext uri="{FF2B5EF4-FFF2-40B4-BE49-F238E27FC236}">
-                <a16:creationId xmlns:a16="http://schemas.microsoft.com/office/drawing/2014/main" id="{8EB1BB09-4D38-43FC-BC3F-45A150E79915}"/>
+                <a16:creationId xmlns:a16="http://schemas.microsoft.com/office/drawing/2014/main" xmlns="" id="{8EB1BB09-4D38-43FC-BC3F-45A150E79915}"/>
               </a:ext>
             </a:extLst>
           </p:cNvPr>
@@ -14150,7 +14151,7 @@
           <p:cNvPr id="3" name="Content Placeholder 2">
             <a:extLst>
               <a:ext uri="{FF2B5EF4-FFF2-40B4-BE49-F238E27FC236}">
-                <a16:creationId xmlns:a16="http://schemas.microsoft.com/office/drawing/2014/main" id="{72E41ECF-1908-4EEA-AC15-44B27C0D7A81}"/>
+                <a16:creationId xmlns:a16="http://schemas.microsoft.com/office/drawing/2014/main" xmlns="" id="{72E41ECF-1908-4EEA-AC15-44B27C0D7A81}"/>
               </a:ext>
             </a:extLst>
           </p:cNvPr>
@@ -14285,7 +14286,7 @@
           <p:cNvPr id="2" name="Title 1">
             <a:extLst>
               <a:ext uri="{FF2B5EF4-FFF2-40B4-BE49-F238E27FC236}">
-                <a16:creationId xmlns:a16="http://schemas.microsoft.com/office/drawing/2014/main" id="{5115C648-66B8-49BE-B33E-D2150B203B24}"/>
+                <a16:creationId xmlns:a16="http://schemas.microsoft.com/office/drawing/2014/main" xmlns="" id="{5115C648-66B8-49BE-B33E-D2150B203B24}"/>
               </a:ext>
             </a:extLst>
           </p:cNvPr>
@@ -14324,7 +14325,7 @@
           <p:cNvPr id="3" name="Content Placeholder 2">
             <a:extLst>
               <a:ext uri="{FF2B5EF4-FFF2-40B4-BE49-F238E27FC236}">
-                <a16:creationId xmlns:a16="http://schemas.microsoft.com/office/drawing/2014/main" id="{B7CBAD27-F7D7-45FE-9E5B-0B22E29CC45E}"/>
+                <a16:creationId xmlns:a16="http://schemas.microsoft.com/office/drawing/2014/main" xmlns="" id="{B7CBAD27-F7D7-45FE-9E5B-0B22E29CC45E}"/>
               </a:ext>
             </a:extLst>
           </p:cNvPr>
@@ -14377,7 +14378,7 @@
           <p:cNvPr id="8" name="Rectangle 3">
             <a:extLst>
               <a:ext uri="{FF2B5EF4-FFF2-40B4-BE49-F238E27FC236}">
-                <a16:creationId xmlns:a16="http://schemas.microsoft.com/office/drawing/2014/main" id="{A59012F7-007B-4721-9046-E5B2FC83BD87}"/>
+                <a16:creationId xmlns:a16="http://schemas.microsoft.com/office/drawing/2014/main" xmlns="" id="{A59012F7-007B-4721-9046-E5B2FC83BD87}"/>
               </a:ext>
             </a:extLst>
           </p:cNvPr>
@@ -14514,42 +14515,42 @@
                 <a:gridCol w="1493298">
                   <a:extLst>
                     <a:ext uri="{9D8B030D-6E8A-4147-A177-3AD203B41FA5}">
-                      <a16:colId xmlns:a16="http://schemas.microsoft.com/office/drawing/2014/main" val="20000"/>
+                      <a16:colId xmlns:a16="http://schemas.microsoft.com/office/drawing/2014/main" xmlns="" val="20000"/>
                     </a:ext>
                   </a:extLst>
                 </a:gridCol>
                 <a:gridCol w="1493298">
                   <a:extLst>
                     <a:ext uri="{9D8B030D-6E8A-4147-A177-3AD203B41FA5}">
-                      <a16:colId xmlns:a16="http://schemas.microsoft.com/office/drawing/2014/main" val="20001"/>
+                      <a16:colId xmlns:a16="http://schemas.microsoft.com/office/drawing/2014/main" xmlns="" val="20001"/>
                     </a:ext>
                   </a:extLst>
                 </a:gridCol>
                 <a:gridCol w="1493298">
                   <a:extLst>
                     <a:ext uri="{9D8B030D-6E8A-4147-A177-3AD203B41FA5}">
-                      <a16:colId xmlns:a16="http://schemas.microsoft.com/office/drawing/2014/main" val="20002"/>
+                      <a16:colId xmlns:a16="http://schemas.microsoft.com/office/drawing/2014/main" xmlns="" val="20002"/>
                     </a:ext>
                   </a:extLst>
                 </a:gridCol>
                 <a:gridCol w="1493298">
                   <a:extLst>
                     <a:ext uri="{9D8B030D-6E8A-4147-A177-3AD203B41FA5}">
-                      <a16:colId xmlns:a16="http://schemas.microsoft.com/office/drawing/2014/main" val="20003"/>
+                      <a16:colId xmlns:a16="http://schemas.microsoft.com/office/drawing/2014/main" xmlns="" val="20003"/>
                     </a:ext>
                   </a:extLst>
                 </a:gridCol>
                 <a:gridCol w="1493298">
                   <a:extLst>
                     <a:ext uri="{9D8B030D-6E8A-4147-A177-3AD203B41FA5}">
-                      <a16:colId xmlns:a16="http://schemas.microsoft.com/office/drawing/2014/main" val="20004"/>
+                      <a16:colId xmlns:a16="http://schemas.microsoft.com/office/drawing/2014/main" xmlns="" val="20004"/>
                     </a:ext>
                   </a:extLst>
                 </a:gridCol>
                 <a:gridCol w="1493298">
                   <a:extLst>
                     <a:ext uri="{9D8B030D-6E8A-4147-A177-3AD203B41FA5}">
-                      <a16:colId xmlns:a16="http://schemas.microsoft.com/office/drawing/2014/main" val="20005"/>
+                      <a16:colId xmlns:a16="http://schemas.microsoft.com/office/drawing/2014/main" xmlns="" val="20005"/>
                     </a:ext>
                   </a:extLst>
                 </a:gridCol>
@@ -14641,7 +14642,7 @@
                 </a:tc>
                 <a:extLst>
                   <a:ext uri="{0D108BD9-81ED-4DB2-BD59-A6C34878D82A}">
-                    <a16:rowId xmlns:a16="http://schemas.microsoft.com/office/drawing/2014/main" val="10000"/>
+                    <a16:rowId xmlns:a16="http://schemas.microsoft.com/office/drawing/2014/main" xmlns="" val="10000"/>
                   </a:ext>
                 </a:extLst>
               </a:tr>
@@ -14754,7 +14755,7 @@
                 </a:tc>
                 <a:extLst>
                   <a:ext uri="{0D108BD9-81ED-4DB2-BD59-A6C34878D82A}">
-                    <a16:rowId xmlns:a16="http://schemas.microsoft.com/office/drawing/2014/main" val="10001"/>
+                    <a16:rowId xmlns:a16="http://schemas.microsoft.com/office/drawing/2014/main" xmlns="" val="10001"/>
                   </a:ext>
                 </a:extLst>
               </a:tr>
@@ -14834,7 +14835,7 @@
           <p:cNvPr id="2" name="Title 1">
             <a:extLst>
               <a:ext uri="{FF2B5EF4-FFF2-40B4-BE49-F238E27FC236}">
-                <a16:creationId xmlns:a16="http://schemas.microsoft.com/office/drawing/2014/main" id="{5115C648-66B8-49BE-B33E-D2150B203B24}"/>
+                <a16:creationId xmlns:a16="http://schemas.microsoft.com/office/drawing/2014/main" xmlns="" id="{5115C648-66B8-49BE-B33E-D2150B203B24}"/>
               </a:ext>
             </a:extLst>
           </p:cNvPr>
@@ -14869,7 +14870,7 @@
           <p:cNvPr id="3" name="Content Placeholder 2">
             <a:extLst>
               <a:ext uri="{FF2B5EF4-FFF2-40B4-BE49-F238E27FC236}">
-                <a16:creationId xmlns:a16="http://schemas.microsoft.com/office/drawing/2014/main" id="{B7CBAD27-F7D7-45FE-9E5B-0B22E29CC45E}"/>
+                <a16:creationId xmlns:a16="http://schemas.microsoft.com/office/drawing/2014/main" xmlns="" id="{B7CBAD27-F7D7-45FE-9E5B-0B22E29CC45E}"/>
               </a:ext>
             </a:extLst>
           </p:cNvPr>
@@ -14936,7 +14937,7 @@
           <p:cNvPr id="8" name="Rectangle 3">
             <a:extLst>
               <a:ext uri="{FF2B5EF4-FFF2-40B4-BE49-F238E27FC236}">
-                <a16:creationId xmlns:a16="http://schemas.microsoft.com/office/drawing/2014/main" id="{A59012F7-007B-4721-9046-E5B2FC83BD87}"/>
+                <a16:creationId xmlns:a16="http://schemas.microsoft.com/office/drawing/2014/main" xmlns="" id="{A59012F7-007B-4721-9046-E5B2FC83BD87}"/>
               </a:ext>
             </a:extLst>
           </p:cNvPr>
@@ -15073,42 +15074,42 @@
                 <a:gridCol w="1493298">
                   <a:extLst>
                     <a:ext uri="{9D8B030D-6E8A-4147-A177-3AD203B41FA5}">
-                      <a16:colId xmlns:a16="http://schemas.microsoft.com/office/drawing/2014/main" val="20000"/>
+                      <a16:colId xmlns:a16="http://schemas.microsoft.com/office/drawing/2014/main" xmlns="" val="20000"/>
                     </a:ext>
                   </a:extLst>
                 </a:gridCol>
                 <a:gridCol w="1493298">
                   <a:extLst>
                     <a:ext uri="{9D8B030D-6E8A-4147-A177-3AD203B41FA5}">
-                      <a16:colId xmlns:a16="http://schemas.microsoft.com/office/drawing/2014/main" val="20001"/>
+                      <a16:colId xmlns:a16="http://schemas.microsoft.com/office/drawing/2014/main" xmlns="" val="20001"/>
                     </a:ext>
                   </a:extLst>
                 </a:gridCol>
                 <a:gridCol w="1493298">
                   <a:extLst>
                     <a:ext uri="{9D8B030D-6E8A-4147-A177-3AD203B41FA5}">
-                      <a16:colId xmlns:a16="http://schemas.microsoft.com/office/drawing/2014/main" val="20002"/>
+                      <a16:colId xmlns:a16="http://schemas.microsoft.com/office/drawing/2014/main" xmlns="" val="20002"/>
                     </a:ext>
                   </a:extLst>
                 </a:gridCol>
                 <a:gridCol w="1493298">
                   <a:extLst>
                     <a:ext uri="{9D8B030D-6E8A-4147-A177-3AD203B41FA5}">
-                      <a16:colId xmlns:a16="http://schemas.microsoft.com/office/drawing/2014/main" val="20003"/>
+                      <a16:colId xmlns:a16="http://schemas.microsoft.com/office/drawing/2014/main" xmlns="" val="20003"/>
                     </a:ext>
                   </a:extLst>
                 </a:gridCol>
                 <a:gridCol w="1493298">
                   <a:extLst>
                     <a:ext uri="{9D8B030D-6E8A-4147-A177-3AD203B41FA5}">
-                      <a16:colId xmlns:a16="http://schemas.microsoft.com/office/drawing/2014/main" val="20004"/>
+                      <a16:colId xmlns:a16="http://schemas.microsoft.com/office/drawing/2014/main" xmlns="" val="20004"/>
                     </a:ext>
                   </a:extLst>
                 </a:gridCol>
                 <a:gridCol w="1493298">
                   <a:extLst>
                     <a:ext uri="{9D8B030D-6E8A-4147-A177-3AD203B41FA5}">
-                      <a16:colId xmlns:a16="http://schemas.microsoft.com/office/drawing/2014/main" val="20005"/>
+                      <a16:colId xmlns:a16="http://schemas.microsoft.com/office/drawing/2014/main" xmlns="" val="20005"/>
                     </a:ext>
                   </a:extLst>
                 </a:gridCol>
@@ -15200,7 +15201,7 @@
                 </a:tc>
                 <a:extLst>
                   <a:ext uri="{0D108BD9-81ED-4DB2-BD59-A6C34878D82A}">
-                    <a16:rowId xmlns:a16="http://schemas.microsoft.com/office/drawing/2014/main" val="10000"/>
+                    <a16:rowId xmlns:a16="http://schemas.microsoft.com/office/drawing/2014/main" xmlns="" val="10000"/>
                   </a:ext>
                 </a:extLst>
               </a:tr>
@@ -15313,7 +15314,7 @@
                 </a:tc>
                 <a:extLst>
                   <a:ext uri="{0D108BD9-81ED-4DB2-BD59-A6C34878D82A}">
-                    <a16:rowId xmlns:a16="http://schemas.microsoft.com/office/drawing/2014/main" val="10001"/>
+                    <a16:rowId xmlns:a16="http://schemas.microsoft.com/office/drawing/2014/main" xmlns="" val="10001"/>
                   </a:ext>
                 </a:extLst>
               </a:tr>
@@ -15456,7 +15457,7 @@
                 </a:tc>
                 <a:extLst>
                   <a:ext uri="{0D108BD9-81ED-4DB2-BD59-A6C34878D82A}">
-                    <a16:rowId xmlns:a16="http://schemas.microsoft.com/office/drawing/2014/main" val="10002"/>
+                    <a16:rowId xmlns:a16="http://schemas.microsoft.com/office/drawing/2014/main" xmlns="" val="10002"/>
                   </a:ext>
                 </a:extLst>
               </a:tr>
@@ -15544,7 +15545,7 @@
           <p:cNvPr id="2" name="Title 1">
             <a:extLst>
               <a:ext uri="{FF2B5EF4-FFF2-40B4-BE49-F238E27FC236}">
-                <a16:creationId xmlns:a16="http://schemas.microsoft.com/office/drawing/2014/main" id="{FBF1C37A-D397-43F5-A832-5E0991EA7349}"/>
+                <a16:creationId xmlns:a16="http://schemas.microsoft.com/office/drawing/2014/main" xmlns="" id="{FBF1C37A-D397-43F5-A832-5E0991EA7349}"/>
               </a:ext>
             </a:extLst>
           </p:cNvPr>
@@ -15572,7 +15573,7 @@
           <p:cNvPr id="3" name="Content Placeholder 2">
             <a:extLst>
               <a:ext uri="{FF2B5EF4-FFF2-40B4-BE49-F238E27FC236}">
-                <a16:creationId xmlns:a16="http://schemas.microsoft.com/office/drawing/2014/main" id="{5FEA6262-AB77-468E-B04C-0A737EBB6B8B}"/>
+                <a16:creationId xmlns:a16="http://schemas.microsoft.com/office/drawing/2014/main" xmlns="" id="{5FEA6262-AB77-468E-B04C-0A737EBB6B8B}"/>
               </a:ext>
             </a:extLst>
           </p:cNvPr>
@@ -15648,7 +15649,7 @@
           <p:cNvPr id="2" name="Title 1">
             <a:extLst>
               <a:ext uri="{FF2B5EF4-FFF2-40B4-BE49-F238E27FC236}">
-                <a16:creationId xmlns:a16="http://schemas.microsoft.com/office/drawing/2014/main" id="{74964E3F-25D1-4DAC-8B76-6FAB760DEA89}"/>
+                <a16:creationId xmlns:a16="http://schemas.microsoft.com/office/drawing/2014/main" xmlns="" id="{74964E3F-25D1-4DAC-8B76-6FAB760DEA89}"/>
               </a:ext>
             </a:extLst>
           </p:cNvPr>
@@ -15677,7 +15678,7 @@
             <a:hlinkClick r:id="rId2" action="ppaction://hlinkfile"/>
             <a:extLst>
               <a:ext uri="{FF2B5EF4-FFF2-40B4-BE49-F238E27FC236}">
-                <a16:creationId xmlns:a16="http://schemas.microsoft.com/office/drawing/2014/main" id="{217E7CE5-A9F6-49C0-A46A-CE76E1E74151}"/>
+                <a16:creationId xmlns:a16="http://schemas.microsoft.com/office/drawing/2014/main" xmlns="" id="{217E7CE5-A9F6-49C0-A46A-CE76E1E74151}"/>
               </a:ext>
             </a:extLst>
           </p:cNvPr>
@@ -15741,7 +15742,7 @@
           <p:cNvPr id="2" name="Title 1">
             <a:extLst>
               <a:ext uri="{FF2B5EF4-FFF2-40B4-BE49-F238E27FC236}">
-                <a16:creationId xmlns:a16="http://schemas.microsoft.com/office/drawing/2014/main" id="{70F7921F-1F66-45D0-8044-1936485C7AFC}"/>
+                <a16:creationId xmlns:a16="http://schemas.microsoft.com/office/drawing/2014/main" xmlns="" id="{70F7921F-1F66-45D0-8044-1936485C7AFC}"/>
               </a:ext>
             </a:extLst>
           </p:cNvPr>
@@ -15769,7 +15770,7 @@
           <p:cNvPr id="3" name="Content Placeholder 2">
             <a:extLst>
               <a:ext uri="{FF2B5EF4-FFF2-40B4-BE49-F238E27FC236}">
-                <a16:creationId xmlns:a16="http://schemas.microsoft.com/office/drawing/2014/main" id="{2973ED00-4A2F-4A90-8BFE-936EABC4C6A7}"/>
+                <a16:creationId xmlns:a16="http://schemas.microsoft.com/office/drawing/2014/main" xmlns="" id="{2973ED00-4A2F-4A90-8BFE-936EABC4C6A7}"/>
               </a:ext>
             </a:extLst>
           </p:cNvPr>
@@ -15858,7 +15859,7 @@
           <p:cNvPr id="2" name="Title 1">
             <a:extLst>
               <a:ext uri="{FF2B5EF4-FFF2-40B4-BE49-F238E27FC236}">
-                <a16:creationId xmlns:a16="http://schemas.microsoft.com/office/drawing/2014/main" id="{497114B6-8718-4F9A-83BF-655167AADD16}"/>
+                <a16:creationId xmlns:a16="http://schemas.microsoft.com/office/drawing/2014/main" xmlns="" id="{497114B6-8718-4F9A-83BF-655167AADD16}"/>
               </a:ext>
             </a:extLst>
           </p:cNvPr>
@@ -15887,7 +15888,7 @@
             <a:hlinkClick r:id="rId2" action="ppaction://hlinkfile"/>
             <a:extLst>
               <a:ext uri="{FF2B5EF4-FFF2-40B4-BE49-F238E27FC236}">
-                <a16:creationId xmlns:a16="http://schemas.microsoft.com/office/drawing/2014/main" id="{DE01B8AE-E027-4E91-9D92-F65F9E55790E}"/>
+                <a16:creationId xmlns:a16="http://schemas.microsoft.com/office/drawing/2014/main" xmlns="" id="{DE01B8AE-E027-4E91-9D92-F65F9E55790E}"/>
               </a:ext>
             </a:extLst>
           </p:cNvPr>
@@ -15952,7 +15953,7 @@
             <a:hlinkClick r:id="rId2" action="ppaction://hlinkfile"/>
             <a:extLst>
               <a:ext uri="{FF2B5EF4-FFF2-40B4-BE49-F238E27FC236}">
-                <a16:creationId xmlns:a16="http://schemas.microsoft.com/office/drawing/2014/main" id="{4B9A44BB-3633-48B8-B439-3AD36A2366B8}"/>
+                <a16:creationId xmlns:a16="http://schemas.microsoft.com/office/drawing/2014/main" xmlns="" id="{4B9A44BB-3633-48B8-B439-3AD36A2366B8}"/>
               </a:ext>
             </a:extLst>
           </p:cNvPr>
@@ -15987,7 +15988,7 @@
           <p:cNvPr id="2" name="Title 1">
             <a:extLst>
               <a:ext uri="{FF2B5EF4-FFF2-40B4-BE49-F238E27FC236}">
-                <a16:creationId xmlns:a16="http://schemas.microsoft.com/office/drawing/2014/main" id="{0CB29FC7-A20C-4A6F-A445-2BDA8BE1DF9B}"/>
+                <a16:creationId xmlns:a16="http://schemas.microsoft.com/office/drawing/2014/main" xmlns="" id="{0CB29FC7-A20C-4A6F-A445-2BDA8BE1DF9B}"/>
               </a:ext>
             </a:extLst>
           </p:cNvPr>
@@ -16045,7 +16046,7 @@
           <p:cNvPr id="2" name="Title 1">
             <a:extLst>
               <a:ext uri="{FF2B5EF4-FFF2-40B4-BE49-F238E27FC236}">
-                <a16:creationId xmlns:a16="http://schemas.microsoft.com/office/drawing/2014/main" id="{A2BA7B1A-3312-4126-B6C2-CE3479C31549}"/>
+                <a16:creationId xmlns:a16="http://schemas.microsoft.com/office/drawing/2014/main" xmlns="" id="{A2BA7B1A-3312-4126-B6C2-CE3479C31549}"/>
               </a:ext>
             </a:extLst>
           </p:cNvPr>
@@ -16073,7 +16074,7 @@
           <p:cNvPr id="3" name="Content Placeholder 2">
             <a:extLst>
               <a:ext uri="{FF2B5EF4-FFF2-40B4-BE49-F238E27FC236}">
-                <a16:creationId xmlns:a16="http://schemas.microsoft.com/office/drawing/2014/main" id="{8D65D282-0A60-48E3-947F-5D39FB83E5E2}"/>
+                <a16:creationId xmlns:a16="http://schemas.microsoft.com/office/drawing/2014/main" xmlns="" id="{8D65D282-0A60-48E3-947F-5D39FB83E5E2}"/>
               </a:ext>
             </a:extLst>
           </p:cNvPr>
@@ -16176,7 +16177,7 @@
             <a:hlinkClick r:id="rId2" action="ppaction://hlinkfile"/>
             <a:extLst>
               <a:ext uri="{FF2B5EF4-FFF2-40B4-BE49-F238E27FC236}">
-                <a16:creationId xmlns:a16="http://schemas.microsoft.com/office/drawing/2014/main" id="{D9E2CEAA-CFE8-4906-B123-3C6B27DEAF42}"/>
+                <a16:creationId xmlns:a16="http://schemas.microsoft.com/office/drawing/2014/main" xmlns="" id="{D9E2CEAA-CFE8-4906-B123-3C6B27DEAF42}"/>
               </a:ext>
             </a:extLst>
           </p:cNvPr>
@@ -16211,7 +16212,7 @@
           <p:cNvPr id="2" name="Title 1">
             <a:extLst>
               <a:ext uri="{FF2B5EF4-FFF2-40B4-BE49-F238E27FC236}">
-                <a16:creationId xmlns:a16="http://schemas.microsoft.com/office/drawing/2014/main" id="{4D025E74-0643-435E-87C2-5F81D0EB8BC3}"/>
+                <a16:creationId xmlns:a16="http://schemas.microsoft.com/office/drawing/2014/main" xmlns="" id="{4D025E74-0643-435E-87C2-5F81D0EB8BC3}"/>
               </a:ext>
             </a:extLst>
           </p:cNvPr>
@@ -16291,6 +16292,10 @@
             <a:r>
               <a:rPr lang="en-IN" sz="2400" dirty="0"/>
               <a:t>Degree (All)</a:t>
+            </a:r>
+            <a:r>
+              <a:rPr lang="en-IN" dirty="0"/>
+              <a:t/>
             </a:r>
             <a:br>
               <a:rPr lang="en-IN" dirty="0"/>
@@ -16513,7 +16518,7 @@
           <p:cNvPr id="2" name="Title 1">
             <a:extLst>
               <a:ext uri="{FF2B5EF4-FFF2-40B4-BE49-F238E27FC236}">
-                <a16:creationId xmlns:a16="http://schemas.microsoft.com/office/drawing/2014/main" id="{B850A98A-F088-46E3-9F6E-A4431C47653D}"/>
+                <a16:creationId xmlns:a16="http://schemas.microsoft.com/office/drawing/2014/main" xmlns="" id="{B850A98A-F088-46E3-9F6E-A4431C47653D}"/>
               </a:ext>
             </a:extLst>
           </p:cNvPr>
@@ -16541,7 +16546,7 @@
           <p:cNvPr id="3" name="Content Placeholder 2">
             <a:extLst>
               <a:ext uri="{FF2B5EF4-FFF2-40B4-BE49-F238E27FC236}">
-                <a16:creationId xmlns:a16="http://schemas.microsoft.com/office/drawing/2014/main" id="{5ECCEACC-4CAE-43A6-B046-E3848B129C55}"/>
+                <a16:creationId xmlns:a16="http://schemas.microsoft.com/office/drawing/2014/main" xmlns="" id="{5ECCEACC-4CAE-43A6-B046-E3848B129C55}"/>
               </a:ext>
             </a:extLst>
           </p:cNvPr>
@@ -17115,7 +17120,7 @@
           <p:cNvPr id="3" name="Content Placeholder 2">
             <a:extLst>
               <a:ext uri="{FF2B5EF4-FFF2-40B4-BE49-F238E27FC236}">
-                <a16:creationId xmlns:a16="http://schemas.microsoft.com/office/drawing/2014/main" id="{008677AC-41CA-4320-A442-3EF3DADB63FD}"/>
+                <a16:creationId xmlns:a16="http://schemas.microsoft.com/office/drawing/2014/main" xmlns="" id="{008677AC-41CA-4320-A442-3EF3DADB63FD}"/>
               </a:ext>
             </a:extLst>
           </p:cNvPr>
@@ -17163,7 +17168,7 @@
           <p:cNvPr id="9" name="Picture 8">
             <a:extLst>
               <a:ext uri="{FF2B5EF4-FFF2-40B4-BE49-F238E27FC236}">
-                <a16:creationId xmlns:a16="http://schemas.microsoft.com/office/drawing/2014/main" id="{9A917A6B-0399-4135-A978-819412E3720E}"/>
+                <a16:creationId xmlns:a16="http://schemas.microsoft.com/office/drawing/2014/main" xmlns="" id="{9A917A6B-0399-4135-A978-819412E3720E}"/>
               </a:ext>
             </a:extLst>
           </p:cNvPr>
@@ -17229,7 +17234,7 @@
           <p:cNvPr id="2" name="Title 1">
             <a:extLst>
               <a:ext uri="{FF2B5EF4-FFF2-40B4-BE49-F238E27FC236}">
-                <a16:creationId xmlns:a16="http://schemas.microsoft.com/office/drawing/2014/main" id="{D228E181-8FA8-42E6-8815-124E8B7E25FC}"/>
+                <a16:creationId xmlns:a16="http://schemas.microsoft.com/office/drawing/2014/main" xmlns="" id="{D228E181-8FA8-42E6-8815-124E8B7E25FC}"/>
               </a:ext>
             </a:extLst>
           </p:cNvPr>
@@ -17257,7 +17262,7 @@
           <p:cNvPr id="3" name="Content Placeholder 2">
             <a:extLst>
               <a:ext uri="{FF2B5EF4-FFF2-40B4-BE49-F238E27FC236}">
-                <a16:creationId xmlns:a16="http://schemas.microsoft.com/office/drawing/2014/main" id="{CBE33209-034E-4698-A99E-E10E3685290F}"/>
+                <a16:creationId xmlns:a16="http://schemas.microsoft.com/office/drawing/2014/main" xmlns="" id="{CBE33209-034E-4698-A99E-E10E3685290F}"/>
               </a:ext>
             </a:extLst>
           </p:cNvPr>
@@ -17364,7 +17369,7 @@
           <p:cNvPr id="2" name="Title 1">
             <a:extLst>
               <a:ext uri="{FF2B5EF4-FFF2-40B4-BE49-F238E27FC236}">
-                <a16:creationId xmlns:a16="http://schemas.microsoft.com/office/drawing/2014/main" id="{894DA608-A780-4BA6-895F-EB5D8D282107}"/>
+                <a16:creationId xmlns:a16="http://schemas.microsoft.com/office/drawing/2014/main" xmlns="" id="{894DA608-A780-4BA6-895F-EB5D8D282107}"/>
               </a:ext>
             </a:extLst>
           </p:cNvPr>
@@ -17392,7 +17397,7 @@
           <p:cNvPr id="3" name="Content Placeholder 2">
             <a:extLst>
               <a:ext uri="{FF2B5EF4-FFF2-40B4-BE49-F238E27FC236}">
-                <a16:creationId xmlns:a16="http://schemas.microsoft.com/office/drawing/2014/main" id="{86B98148-1047-4058-8B8E-94B3B38E8CF6}"/>
+                <a16:creationId xmlns:a16="http://schemas.microsoft.com/office/drawing/2014/main" xmlns="" id="{86B98148-1047-4058-8B8E-94B3B38E8CF6}"/>
               </a:ext>
             </a:extLst>
           </p:cNvPr>
@@ -17496,10 +17501,689 @@
       </p:grpSpPr>
       <p:sp>
         <p:nvSpPr>
+          <p:cNvPr id="2" name="Title 1"/>
+          <p:cNvSpPr>
+            <a:spLocks noGrp="1"/>
+          </p:cNvSpPr>
+          <p:nvPr>
+            <p:ph type="title"/>
+          </p:nvPr>
+        </p:nvSpPr>
+        <p:spPr/>
+        <p:txBody>
+          <a:bodyPr/>
+          <a:lstStyle/>
+          <a:p>
+            <a:r>
+              <a:rPr lang="en-IN" dirty="0" smtClean="0"/>
+              <a:t>Wasserstein Metric</a:t>
+            </a:r>
+            <a:br>
+              <a:rPr lang="en-IN" dirty="0" smtClean="0"/>
+            </a:br>
+            <a:r>
+              <a:rPr lang="en-IN" sz="2800" dirty="0" smtClean="0"/>
+              <a:t>Degree</a:t>
+            </a:r>
+            <a:endParaRPr lang="en-GB" dirty="0"/>
+          </a:p>
+        </p:txBody>
+      </p:sp>
+      <p:graphicFrame>
+        <p:nvGraphicFramePr>
+          <p:cNvPr id="4" name="Content Placeholder 3"/>
+          <p:cNvGraphicFramePr>
+            <a:graphicFrameLocks noGrp="1"/>
+          </p:cNvGraphicFramePr>
+          <p:nvPr>
+            <p:ph idx="1"/>
+            <p:extLst>
+              <p:ext uri="{D42A27DB-BD31-4B8C-83A1-F6EECF244321}">
+                <p14:modId xmlns:p14="http://schemas.microsoft.com/office/powerpoint/2010/main" val="1665522249"/>
+              </p:ext>
+            </p:extLst>
+          </p:nvPr>
+        </p:nvGraphicFramePr>
+        <p:xfrm>
+          <a:off x="838200" y="1825625"/>
+          <a:ext cx="10515600" cy="2225040"/>
+        </p:xfrm>
+        <a:graphic>
+          <a:graphicData uri="http://schemas.openxmlformats.org/drawingml/2006/table">
+            <a:tbl>
+              <a:tblPr firstRow="1" bandRow="1">
+                <a:tableStyleId>{5C22544A-7EE6-4342-B048-85BDC9FD1C3A}</a:tableStyleId>
+              </a:tblPr>
+              <a:tblGrid>
+                <a:gridCol w="2628900"/>
+                <a:gridCol w="2114191"/>
+                <a:gridCol w="1613139"/>
+                <a:gridCol w="4159370"/>
+              </a:tblGrid>
+              <a:tr h="370840">
+                <a:tc>
+                  <a:txBody>
+                    <a:bodyPr/>
+                    <a:lstStyle/>
+                    <a:p>
+                      <a:r>
+                        <a:rPr lang="en-IN" dirty="0" smtClean="0"/>
+                        <a:t>Graph Name</a:t>
+                      </a:r>
+                      <a:endParaRPr lang="en-GB" dirty="0"/>
+                    </a:p>
+                  </a:txBody>
+                  <a:tcPr/>
+                </a:tc>
+                <a:tc>
+                  <a:txBody>
+                    <a:bodyPr/>
+                    <a:lstStyle/>
+                    <a:p>
+                      <a:r>
+                        <a:rPr lang="en-IN" dirty="0" smtClean="0"/>
+                        <a:t>Wasserstein Metric</a:t>
+                      </a:r>
+                      <a:endParaRPr lang="en-GB" dirty="0"/>
+                    </a:p>
+                  </a:txBody>
+                  <a:tcPr/>
+                </a:tc>
+                <a:tc>
+                  <a:txBody>
+                    <a:bodyPr/>
+                    <a:lstStyle/>
+                    <a:p>
+                      <a:r>
+                        <a:rPr lang="en-IN" dirty="0" smtClean="0"/>
+                        <a:t>P-value</a:t>
+                      </a:r>
+                      <a:endParaRPr lang="en-GB" dirty="0"/>
+                    </a:p>
+                  </a:txBody>
+                  <a:tcPr/>
+                </a:tc>
+                <a:tc>
+                  <a:txBody>
+                    <a:bodyPr/>
+                    <a:lstStyle/>
+                    <a:p>
+                      <a:r>
+                        <a:rPr lang="en-IN" dirty="0" smtClean="0"/>
+                        <a:t>Difference</a:t>
+                      </a:r>
+                      <a:endParaRPr lang="en-GB" dirty="0"/>
+                    </a:p>
+                  </a:txBody>
+                  <a:tcPr/>
+                </a:tc>
+              </a:tr>
+              <a:tr h="370840">
+                <a:tc>
+                  <a:txBody>
+                    <a:bodyPr/>
+                    <a:lstStyle/>
+                    <a:p>
+                      <a:r>
+                        <a:rPr lang="en-IN" dirty="0" smtClean="0"/>
+                        <a:t>Template, G1</a:t>
+                      </a:r>
+                      <a:endParaRPr lang="en-GB" dirty="0"/>
+                    </a:p>
+                  </a:txBody>
+                  <a:tcPr/>
+                </a:tc>
+                <a:tc>
+                  <a:txBody>
+                    <a:bodyPr/>
+                    <a:lstStyle/>
+                    <a:p>
+                      <a:r>
+                        <a:rPr lang="en-GB" dirty="0" smtClean="0">
+                          <a:effectLst/>
+                        </a:rPr>
+                        <a:t>7.184</a:t>
+                      </a:r>
+                      <a:endParaRPr lang="en-GB" dirty="0"/>
+                    </a:p>
+                  </a:txBody>
+                  <a:tcPr/>
+                </a:tc>
+                <a:tc>
+                  <a:txBody>
+                    <a:bodyPr/>
+                    <a:lstStyle/>
+                    <a:p>
+                      <a:r>
+                        <a:rPr lang="en-GB" dirty="0" smtClean="0">
+                          <a:effectLst/>
+                        </a:rPr>
+                        <a:t>0.097</a:t>
+                      </a:r>
+                      <a:endParaRPr lang="en-GB" dirty="0"/>
+                    </a:p>
+                  </a:txBody>
+                  <a:tcPr/>
+                </a:tc>
+                <a:tc>
+                  <a:txBody>
+                    <a:bodyPr/>
+                    <a:lstStyle/>
+                    <a:p>
+                      <a:r>
+                        <a:rPr lang="en-IN" dirty="0" err="1" smtClean="0"/>
+                        <a:t>per.size</a:t>
+                      </a:r>
+                      <a:r>
+                        <a:rPr lang="en-IN" dirty="0" smtClean="0"/>
+                        <a:t>&gt;</a:t>
+                      </a:r>
+                      <a:r>
+                        <a:rPr lang="en-IN" dirty="0" err="1" smtClean="0"/>
+                        <a:t>per.shape</a:t>
+                      </a:r>
+                      <a:r>
+                        <a:rPr lang="en-IN" dirty="0" smtClean="0"/>
+                        <a:t>&gt;</a:t>
+                      </a:r>
+                      <a:r>
+                        <a:rPr lang="en-IN" dirty="0" err="1" smtClean="0"/>
+                        <a:t>per.loc</a:t>
+                      </a:r>
+                      <a:endParaRPr lang="en-GB" dirty="0"/>
+                    </a:p>
+                  </a:txBody>
+                  <a:tcPr/>
+                </a:tc>
+              </a:tr>
+              <a:tr h="370840">
+                <a:tc>
+                  <a:txBody>
+                    <a:bodyPr/>
+                    <a:lstStyle/>
+                    <a:p>
+                      <a:pPr marL="0" marR="0" lvl="0" indent="0" algn="l" defTabSz="914400" rtl="0" eaLnBrk="1" fontAlgn="auto" latinLnBrk="0" hangingPunct="1">
+                        <a:lnSpc>
+                          <a:spcPct val="100000"/>
+                        </a:lnSpc>
+                        <a:spcBef>
+                          <a:spcPts val="0"/>
+                        </a:spcBef>
+                        <a:spcAft>
+                          <a:spcPts val="0"/>
+                        </a:spcAft>
+                        <a:buClrTx/>
+                        <a:buSzTx/>
+                        <a:buFontTx/>
+                        <a:buNone/>
+                        <a:tabLst/>
+                        <a:defRPr/>
+                      </a:pPr>
+                      <a:r>
+                        <a:rPr lang="en-IN" dirty="0" smtClean="0"/>
+                        <a:t>Template, G2</a:t>
+                      </a:r>
+                      <a:endParaRPr lang="en-GB" dirty="0" smtClean="0"/>
+                    </a:p>
+                  </a:txBody>
+                  <a:tcPr/>
+                </a:tc>
+                <a:tc>
+                  <a:txBody>
+                    <a:bodyPr/>
+                    <a:lstStyle/>
+                    <a:p>
+                      <a:r>
+                        <a:rPr lang="en-GB" dirty="0" smtClean="0">
+                          <a:effectLst/>
+                        </a:rPr>
+                        <a:t>6.195</a:t>
+                      </a:r>
+                      <a:endParaRPr lang="en-GB" dirty="0"/>
+                    </a:p>
+                  </a:txBody>
+                  <a:tcPr/>
+                </a:tc>
+                <a:tc>
+                  <a:txBody>
+                    <a:bodyPr/>
+                    <a:lstStyle/>
+                    <a:p>
+                      <a:r>
+                        <a:rPr lang="en-GB" dirty="0" smtClean="0">
+                          <a:effectLst/>
+                        </a:rPr>
+                        <a:t>0.593</a:t>
+                      </a:r>
+                      <a:endParaRPr lang="en-GB" dirty="0"/>
+                    </a:p>
+                  </a:txBody>
+                  <a:tcPr/>
+                </a:tc>
+                <a:tc>
+                  <a:txBody>
+                    <a:bodyPr/>
+                    <a:lstStyle/>
+                    <a:p>
+                      <a:pPr marL="0" marR="0" lvl="0" indent="0" algn="l" defTabSz="914400" rtl="0" eaLnBrk="1" fontAlgn="auto" latinLnBrk="0" hangingPunct="1">
+                        <a:lnSpc>
+                          <a:spcPct val="100000"/>
+                        </a:lnSpc>
+                        <a:spcBef>
+                          <a:spcPts val="0"/>
+                        </a:spcBef>
+                        <a:spcAft>
+                          <a:spcPts val="0"/>
+                        </a:spcAft>
+                        <a:buClrTx/>
+                        <a:buSzTx/>
+                        <a:buFontTx/>
+                        <a:buNone/>
+                        <a:tabLst/>
+                        <a:defRPr/>
+                      </a:pPr>
+                      <a:r>
+                        <a:rPr lang="en-IN" dirty="0" err="1" smtClean="0"/>
+                        <a:t>per.size</a:t>
+                      </a:r>
+                      <a:r>
+                        <a:rPr lang="en-IN" dirty="0" smtClean="0"/>
+                        <a:t>&gt;</a:t>
+                      </a:r>
+                      <a:r>
+                        <a:rPr lang="en-IN" dirty="0" err="1" smtClean="0"/>
+                        <a:t>per.shape</a:t>
+                      </a:r>
+                      <a:r>
+                        <a:rPr lang="en-IN" dirty="0" smtClean="0"/>
+                        <a:t>&gt;</a:t>
+                      </a:r>
+                      <a:r>
+                        <a:rPr lang="en-IN" dirty="0" err="1" smtClean="0"/>
+                        <a:t>per.loc</a:t>
+                      </a:r>
+                      <a:endParaRPr lang="en-GB" dirty="0" smtClean="0"/>
+                    </a:p>
+                  </a:txBody>
+                  <a:tcPr/>
+                </a:tc>
+              </a:tr>
+              <a:tr h="370840">
+                <a:tc>
+                  <a:txBody>
+                    <a:bodyPr/>
+                    <a:lstStyle/>
+                    <a:p>
+                      <a:pPr marL="0" marR="0" lvl="0" indent="0" algn="l" defTabSz="914400" rtl="0" eaLnBrk="1" fontAlgn="auto" latinLnBrk="0" hangingPunct="1">
+                        <a:lnSpc>
+                          <a:spcPct val="100000"/>
+                        </a:lnSpc>
+                        <a:spcBef>
+                          <a:spcPts val="0"/>
+                        </a:spcBef>
+                        <a:spcAft>
+                          <a:spcPts val="0"/>
+                        </a:spcAft>
+                        <a:buClrTx/>
+                        <a:buSzTx/>
+                        <a:buFontTx/>
+                        <a:buNone/>
+                        <a:tabLst/>
+                        <a:defRPr/>
+                      </a:pPr>
+                      <a:r>
+                        <a:rPr lang="en-IN" dirty="0" smtClean="0"/>
+                        <a:t>Template, G3</a:t>
+                      </a:r>
+                      <a:endParaRPr lang="en-GB" dirty="0" smtClean="0"/>
+                    </a:p>
+                  </a:txBody>
+                  <a:tcPr/>
+                </a:tc>
+                <a:tc>
+                  <a:txBody>
+                    <a:bodyPr/>
+                    <a:lstStyle/>
+                    <a:p>
+                      <a:r>
+                        <a:rPr lang="en-GB" dirty="0" smtClean="0">
+                          <a:effectLst/>
+                        </a:rPr>
+                        <a:t>11.695</a:t>
+                      </a:r>
+                      <a:endParaRPr lang="en-GB" dirty="0"/>
+                    </a:p>
+                  </a:txBody>
+                  <a:tcPr/>
+                </a:tc>
+                <a:tc>
+                  <a:txBody>
+                    <a:bodyPr/>
+                    <a:lstStyle/>
+                    <a:p>
+                      <a:r>
+                        <a:rPr lang="en-GB" dirty="0" smtClean="0">
+                          <a:effectLst/>
+                        </a:rPr>
+                        <a:t>0.002</a:t>
+                      </a:r>
+                      <a:endParaRPr lang="en-GB" dirty="0"/>
+                    </a:p>
+                  </a:txBody>
+                  <a:tcPr/>
+                </a:tc>
+                <a:tc>
+                  <a:txBody>
+                    <a:bodyPr/>
+                    <a:lstStyle/>
+                    <a:p>
+                      <a:pPr marL="0" marR="0" lvl="0" indent="0" algn="l" defTabSz="914400" rtl="0" eaLnBrk="1" fontAlgn="auto" latinLnBrk="0" hangingPunct="1">
+                        <a:lnSpc>
+                          <a:spcPct val="100000"/>
+                        </a:lnSpc>
+                        <a:spcBef>
+                          <a:spcPts val="0"/>
+                        </a:spcBef>
+                        <a:spcAft>
+                          <a:spcPts val="0"/>
+                        </a:spcAft>
+                        <a:buClrTx/>
+                        <a:buSzTx/>
+                        <a:buFontTx/>
+                        <a:buNone/>
+                        <a:tabLst/>
+                        <a:defRPr/>
+                      </a:pPr>
+                      <a:r>
+                        <a:rPr lang="en-IN" dirty="0" err="1" smtClean="0"/>
+                        <a:t>per.size</a:t>
+                      </a:r>
+                      <a:r>
+                        <a:rPr lang="en-IN" dirty="0" smtClean="0"/>
+                        <a:t>&gt;</a:t>
+                      </a:r>
+                      <a:r>
+                        <a:rPr lang="en-IN" dirty="0" err="1" smtClean="0"/>
+                        <a:t>per.loc</a:t>
+                      </a:r>
+                      <a:r>
+                        <a:rPr lang="en-IN" dirty="0" smtClean="0"/>
+                        <a:t>&gt;</a:t>
+                      </a:r>
+                      <a:r>
+                        <a:rPr lang="en-IN" dirty="0" err="1" smtClean="0"/>
+                        <a:t>per.shape</a:t>
+                      </a:r>
+                      <a:endParaRPr lang="en-GB" dirty="0" smtClean="0"/>
+                    </a:p>
+                  </a:txBody>
+                  <a:tcPr/>
+                </a:tc>
+              </a:tr>
+              <a:tr h="370840">
+                <a:tc>
+                  <a:txBody>
+                    <a:bodyPr/>
+                    <a:lstStyle/>
+                    <a:p>
+                      <a:pPr marL="0" marR="0" lvl="0" indent="0" algn="l" defTabSz="914400" rtl="0" eaLnBrk="1" fontAlgn="auto" latinLnBrk="0" hangingPunct="1">
+                        <a:lnSpc>
+                          <a:spcPct val="100000"/>
+                        </a:lnSpc>
+                        <a:spcBef>
+                          <a:spcPts val="0"/>
+                        </a:spcBef>
+                        <a:spcAft>
+                          <a:spcPts val="0"/>
+                        </a:spcAft>
+                        <a:buClrTx/>
+                        <a:buSzTx/>
+                        <a:buFontTx/>
+                        <a:buNone/>
+                        <a:tabLst/>
+                        <a:defRPr/>
+                      </a:pPr>
+                      <a:r>
+                        <a:rPr lang="en-IN" dirty="0" smtClean="0"/>
+                        <a:t>Template, G4</a:t>
+                      </a:r>
+                      <a:endParaRPr lang="en-GB" dirty="0" smtClean="0"/>
+                    </a:p>
+                  </a:txBody>
+                  <a:tcPr/>
+                </a:tc>
+                <a:tc>
+                  <a:txBody>
+                    <a:bodyPr/>
+                    <a:lstStyle/>
+                    <a:p>
+                      <a:r>
+                        <a:rPr lang="en-GB" dirty="0" smtClean="0">
+                          <a:effectLst/>
+                        </a:rPr>
+                        <a:t>13.286</a:t>
+                      </a:r>
+                      <a:endParaRPr lang="en-GB" dirty="0"/>
+                    </a:p>
+                  </a:txBody>
+                  <a:tcPr/>
+                </a:tc>
+                <a:tc>
+                  <a:txBody>
+                    <a:bodyPr/>
+                    <a:lstStyle/>
+                    <a:p>
+                      <a:r>
+                        <a:rPr lang="en-GB" dirty="0" smtClean="0">
+                          <a:effectLst/>
+                        </a:rPr>
+                        <a:t>0.0005</a:t>
+                      </a:r>
+                      <a:endParaRPr lang="en-GB" dirty="0"/>
+                    </a:p>
+                  </a:txBody>
+                  <a:tcPr/>
+                </a:tc>
+                <a:tc>
+                  <a:txBody>
+                    <a:bodyPr/>
+                    <a:lstStyle/>
+                    <a:p>
+                      <a:pPr marL="0" marR="0" lvl="0" indent="0" algn="l" defTabSz="914400" rtl="0" eaLnBrk="1" fontAlgn="auto" latinLnBrk="0" hangingPunct="1">
+                        <a:lnSpc>
+                          <a:spcPct val="100000"/>
+                        </a:lnSpc>
+                        <a:spcBef>
+                          <a:spcPts val="0"/>
+                        </a:spcBef>
+                        <a:spcAft>
+                          <a:spcPts val="0"/>
+                        </a:spcAft>
+                        <a:buClrTx/>
+                        <a:buSzTx/>
+                        <a:buFontTx/>
+                        <a:buNone/>
+                        <a:tabLst/>
+                        <a:defRPr/>
+                      </a:pPr>
+                      <a:r>
+                        <a:rPr lang="en-IN" dirty="0" err="1" smtClean="0"/>
+                        <a:t>per.size</a:t>
+                      </a:r>
+                      <a:r>
+                        <a:rPr lang="en-IN" dirty="0" smtClean="0"/>
+                        <a:t>&gt;</a:t>
+                      </a:r>
+                      <a:r>
+                        <a:rPr lang="en-IN" dirty="0" err="1" smtClean="0"/>
+                        <a:t>per.loc</a:t>
+                      </a:r>
+                      <a:r>
+                        <a:rPr lang="en-IN" dirty="0" smtClean="0"/>
+                        <a:t>&gt;</a:t>
+                      </a:r>
+                      <a:r>
+                        <a:rPr lang="en-IN" dirty="0" err="1" smtClean="0"/>
+                        <a:t>per.shape</a:t>
+                      </a:r>
+                      <a:endParaRPr lang="en-GB" dirty="0" smtClean="0"/>
+                    </a:p>
+                  </a:txBody>
+                  <a:tcPr/>
+                </a:tc>
+              </a:tr>
+              <a:tr h="370840">
+                <a:tc>
+                  <a:txBody>
+                    <a:bodyPr/>
+                    <a:lstStyle/>
+                    <a:p>
+                      <a:pPr marL="0" marR="0" lvl="0" indent="0" algn="l" defTabSz="914400" rtl="0" eaLnBrk="1" fontAlgn="auto" latinLnBrk="0" hangingPunct="1">
+                        <a:lnSpc>
+                          <a:spcPct val="100000"/>
+                        </a:lnSpc>
+                        <a:spcBef>
+                          <a:spcPts val="0"/>
+                        </a:spcBef>
+                        <a:spcAft>
+                          <a:spcPts val="0"/>
+                        </a:spcAft>
+                        <a:buClrTx/>
+                        <a:buSzTx/>
+                        <a:buFontTx/>
+                        <a:buNone/>
+                        <a:tabLst/>
+                        <a:defRPr/>
+                      </a:pPr>
+                      <a:r>
+                        <a:rPr lang="en-IN" dirty="0" smtClean="0"/>
+                        <a:t>Template, G5</a:t>
+                      </a:r>
+                      <a:endParaRPr lang="en-GB" dirty="0" smtClean="0"/>
+                    </a:p>
+                  </a:txBody>
+                  <a:tcPr/>
+                </a:tc>
+                <a:tc>
+                  <a:txBody>
+                    <a:bodyPr/>
+                    <a:lstStyle/>
+                    <a:p>
+                      <a:r>
+                        <a:rPr lang="en-GB" dirty="0" smtClean="0">
+                          <a:effectLst/>
+                        </a:rPr>
+                        <a:t>20.927</a:t>
+                      </a:r>
+                      <a:endParaRPr lang="en-GB" dirty="0"/>
+                    </a:p>
+                  </a:txBody>
+                  <a:tcPr/>
+                </a:tc>
+                <a:tc>
+                  <a:txBody>
+                    <a:bodyPr/>
+                    <a:lstStyle/>
+                    <a:p>
+                      <a:r>
+                        <a:rPr lang="en-GB" dirty="0" smtClean="0">
+                          <a:effectLst/>
+                        </a:rPr>
+                        <a:t>0.00009</a:t>
+                      </a:r>
+                      <a:endParaRPr lang="en-GB" dirty="0"/>
+                    </a:p>
+                  </a:txBody>
+                  <a:tcPr/>
+                </a:tc>
+                <a:tc>
+                  <a:txBody>
+                    <a:bodyPr/>
+                    <a:lstStyle/>
+                    <a:p>
+                      <a:pPr marL="0" marR="0" lvl="0" indent="0" algn="l" defTabSz="914400" rtl="0" eaLnBrk="1" fontAlgn="auto" latinLnBrk="0" hangingPunct="1">
+                        <a:lnSpc>
+                          <a:spcPct val="100000"/>
+                        </a:lnSpc>
+                        <a:spcBef>
+                          <a:spcPts val="0"/>
+                        </a:spcBef>
+                        <a:spcAft>
+                          <a:spcPts val="0"/>
+                        </a:spcAft>
+                        <a:buClrTx/>
+                        <a:buSzTx/>
+                        <a:buFontTx/>
+                        <a:buNone/>
+                        <a:tabLst/>
+                        <a:defRPr/>
+                      </a:pPr>
+                      <a:r>
+                        <a:rPr lang="en-IN" dirty="0" err="1" smtClean="0"/>
+                        <a:t>per.loc</a:t>
+                      </a:r>
+                      <a:r>
+                        <a:rPr lang="en-IN" dirty="0" smtClean="0"/>
+                        <a:t>&gt;</a:t>
+                      </a:r>
+                      <a:r>
+                        <a:rPr lang="en-IN" dirty="0" err="1" smtClean="0"/>
+                        <a:t>per.size</a:t>
+                      </a:r>
+                      <a:r>
+                        <a:rPr lang="en-IN" dirty="0" smtClean="0"/>
+                        <a:t>&gt;</a:t>
+                      </a:r>
+                      <a:r>
+                        <a:rPr lang="en-IN" dirty="0" err="1" smtClean="0"/>
+                        <a:t>per.shape</a:t>
+                      </a:r>
+                      <a:endParaRPr lang="en-GB" dirty="0" smtClean="0"/>
+                    </a:p>
+                  </a:txBody>
+                  <a:tcPr/>
+                </a:tc>
+              </a:tr>
+            </a:tbl>
+          </a:graphicData>
+        </a:graphic>
+      </p:graphicFrame>
+    </p:spTree>
+    <p:extLst>
+      <p:ext uri="{BB962C8B-B14F-4D97-AF65-F5344CB8AC3E}">
+        <p14:creationId xmlns:p14="http://schemas.microsoft.com/office/powerpoint/2010/main" val="4094231845"/>
+      </p:ext>
+    </p:extLst>
+  </p:cSld>
+  <p:clrMapOvr>
+    <a:masterClrMapping/>
+  </p:clrMapOvr>
+</p:sld>
+</file>
+
+<file path=ppt/slides/slide46.xml><?xml version="1.0" encoding="utf-8"?>
+<p:sld xmlns:a="http://schemas.openxmlformats.org/drawingml/2006/main" xmlns:r="http://schemas.openxmlformats.org/officeDocument/2006/relationships" xmlns:p="http://schemas.openxmlformats.org/presentationml/2006/main">
+  <p:cSld>
+    <p:spTree>
+      <p:nvGrpSpPr>
+        <p:cNvPr id="1" name=""/>
+        <p:cNvGrpSpPr/>
+        <p:nvPr/>
+      </p:nvGrpSpPr>
+      <p:grpSpPr>
+        <a:xfrm>
+          <a:off x="0" y="0"/>
+          <a:ext cx="0" cy="0"/>
+          <a:chOff x="0" y="0"/>
+          <a:chExt cx="0" cy="0"/>
+        </a:xfrm>
+      </p:grpSpPr>
+      <p:sp>
+        <p:nvSpPr>
           <p:cNvPr id="2" name="Title 1">
             <a:extLst>
               <a:ext uri="{FF2B5EF4-FFF2-40B4-BE49-F238E27FC236}">
-                <a16:creationId xmlns:a16="http://schemas.microsoft.com/office/drawing/2014/main" id="{03157DC7-9BF8-4E26-8207-6C2831CE5A1E}"/>
+                <a16:creationId xmlns:a16="http://schemas.microsoft.com/office/drawing/2014/main" xmlns="" id="{03157DC7-9BF8-4E26-8207-6C2831CE5A1E}"/>
               </a:ext>
             </a:extLst>
           </p:cNvPr>
@@ -17572,7 +18256,7 @@
           <p:cNvPr id="2" name="Title 1">
             <a:extLst>
               <a:ext uri="{FF2B5EF4-FFF2-40B4-BE49-F238E27FC236}">
-                <a16:creationId xmlns:a16="http://schemas.microsoft.com/office/drawing/2014/main" id="{68B15AC2-C426-4CE6-BC17-B1080FFB4FA5}"/>
+                <a16:creationId xmlns:a16="http://schemas.microsoft.com/office/drawing/2014/main" xmlns="" id="{68B15AC2-C426-4CE6-BC17-B1080FFB4FA5}"/>
               </a:ext>
             </a:extLst>
           </p:cNvPr>
@@ -17600,7 +18284,7 @@
           <p:cNvPr id="3" name="Content Placeholder 2">
             <a:extLst>
               <a:ext uri="{FF2B5EF4-FFF2-40B4-BE49-F238E27FC236}">
-                <a16:creationId xmlns:a16="http://schemas.microsoft.com/office/drawing/2014/main" id="{857CCE95-0F9B-415E-8AFC-0C4025E6D4A0}"/>
+                <a16:creationId xmlns:a16="http://schemas.microsoft.com/office/drawing/2014/main" xmlns="" id="{857CCE95-0F9B-415E-8AFC-0C4025E6D4A0}"/>
               </a:ext>
             </a:extLst>
           </p:cNvPr>
@@ -17712,7 +18396,7 @@
           <p:cNvPr id="2" name="Title 1">
             <a:extLst>
               <a:ext uri="{FF2B5EF4-FFF2-40B4-BE49-F238E27FC236}">
-                <a16:creationId xmlns:a16="http://schemas.microsoft.com/office/drawing/2014/main" id="{A02CF469-CEE7-485C-8B48-C84082B3145D}"/>
+                <a16:creationId xmlns:a16="http://schemas.microsoft.com/office/drawing/2014/main" xmlns="" id="{A02CF469-CEE7-485C-8B48-C84082B3145D}"/>
               </a:ext>
             </a:extLst>
           </p:cNvPr>
@@ -17740,7 +18424,7 @@
           <p:cNvPr id="3" name="Content Placeholder 2">
             <a:extLst>
               <a:ext uri="{FF2B5EF4-FFF2-40B4-BE49-F238E27FC236}">
-                <a16:creationId xmlns:a16="http://schemas.microsoft.com/office/drawing/2014/main" id="{1261BE96-0868-452D-A1EB-EAFDD3BE44DD}"/>
+                <a16:creationId xmlns:a16="http://schemas.microsoft.com/office/drawing/2014/main" xmlns="" id="{1261BE96-0868-452D-A1EB-EAFDD3BE44DD}"/>
               </a:ext>
             </a:extLst>
           </p:cNvPr>
@@ -17821,6 +18505,10 @@
             <a:r>
               <a:rPr lang="en-US" u="sng" dirty="0"/>
               <a:t>one year</a:t>
+            </a:r>
+            <a:r>
+              <a:rPr lang="en-US" dirty="0"/>
+              <a:t/>
             </a:r>
             <a:br>
               <a:rPr lang="en-US" dirty="0"/>
@@ -17864,7 +18552,7 @@
           <p:cNvPr id="2" name="Title 1">
             <a:extLst>
               <a:ext uri="{FF2B5EF4-FFF2-40B4-BE49-F238E27FC236}">
-                <a16:creationId xmlns:a16="http://schemas.microsoft.com/office/drawing/2014/main" id="{767E56EE-22E9-4ED1-B5EC-7F4D19F3357B}"/>
+                <a16:creationId xmlns:a16="http://schemas.microsoft.com/office/drawing/2014/main" xmlns="" id="{767E56EE-22E9-4ED1-B5EC-7F4D19F3357B}"/>
               </a:ext>
             </a:extLst>
           </p:cNvPr>
@@ -17892,7 +18580,7 @@
           <p:cNvPr id="3" name="Content Placeholder 2">
             <a:extLst>
               <a:ext uri="{FF2B5EF4-FFF2-40B4-BE49-F238E27FC236}">
-                <a16:creationId xmlns:a16="http://schemas.microsoft.com/office/drawing/2014/main" id="{511E5792-09E2-447C-AD1E-24ABC5C74A5B}"/>
+                <a16:creationId xmlns:a16="http://schemas.microsoft.com/office/drawing/2014/main" xmlns="" id="{511E5792-09E2-447C-AD1E-24ABC5C74A5B}"/>
               </a:ext>
             </a:extLst>
           </p:cNvPr>
@@ -18040,7 +18728,7 @@
           <p:cNvPr id="2" name="Title 1">
             <a:extLst>
               <a:ext uri="{FF2B5EF4-FFF2-40B4-BE49-F238E27FC236}">
-                <a16:creationId xmlns:a16="http://schemas.microsoft.com/office/drawing/2014/main" id="{D032211E-8D2D-44F5-A411-D0257B8BBBD4}"/>
+                <a16:creationId xmlns:a16="http://schemas.microsoft.com/office/drawing/2014/main" xmlns="" id="{D032211E-8D2D-44F5-A411-D0257B8BBBD4}"/>
               </a:ext>
             </a:extLst>
           </p:cNvPr>
@@ -18068,7 +18756,7 @@
           <p:cNvPr id="3" name="Content Placeholder 2">
             <a:extLst>
               <a:ext uri="{FF2B5EF4-FFF2-40B4-BE49-F238E27FC236}">
-                <a16:creationId xmlns:a16="http://schemas.microsoft.com/office/drawing/2014/main" id="{CFD2027D-315E-42C2-AA32-D9A5CB2EDA84}"/>
+                <a16:creationId xmlns:a16="http://schemas.microsoft.com/office/drawing/2014/main" xmlns="" id="{CFD2027D-315E-42C2-AA32-D9A5CB2EDA84}"/>
               </a:ext>
             </a:extLst>
           </p:cNvPr>
@@ -18229,7 +18917,7 @@
           <p:cNvPr id="2" name="Title 1">
             <a:extLst>
               <a:ext uri="{FF2B5EF4-FFF2-40B4-BE49-F238E27FC236}">
-                <a16:creationId xmlns:a16="http://schemas.microsoft.com/office/drawing/2014/main" id="{136DD788-C74C-4208-B6FF-6EAF7C634C08}"/>
+                <a16:creationId xmlns:a16="http://schemas.microsoft.com/office/drawing/2014/main" xmlns="" id="{136DD788-C74C-4208-B6FF-6EAF7C634C08}"/>
               </a:ext>
             </a:extLst>
           </p:cNvPr>
@@ -18257,7 +18945,7 @@
           <p:cNvPr id="3" name="Content Placeholder 2">
             <a:extLst>
               <a:ext uri="{FF2B5EF4-FFF2-40B4-BE49-F238E27FC236}">
-                <a16:creationId xmlns:a16="http://schemas.microsoft.com/office/drawing/2014/main" id="{5BDEBC64-4149-4A8E-9F1F-574C502831E1}"/>
+                <a16:creationId xmlns:a16="http://schemas.microsoft.com/office/drawing/2014/main" xmlns="" id="{5BDEBC64-4149-4A8E-9F1F-574C502831E1}"/>
               </a:ext>
             </a:extLst>
           </p:cNvPr>

--- a/Documentation/Presentation/Project_Presentation_v2.pptx
+++ b/Documentation/Presentation/Project_Presentation_v2.pptx
@@ -5,7 +5,7 @@
     <p:sldMasterId id="2147483648" r:id="rId1"/>
   </p:sldMasterIdLst>
   <p:notesMasterIdLst>
-    <p:notesMasterId r:id="rId48"/>
+    <p:notesMasterId r:id="rId50"/>
   </p:notesMasterIdLst>
   <p:sldIdLst>
     <p:sldId id="257" r:id="rId2"/>
@@ -53,7 +53,9 @@
     <p:sldId id="297" r:id="rId44"/>
     <p:sldId id="308" r:id="rId45"/>
     <p:sldId id="309" r:id="rId46"/>
-    <p:sldId id="279" r:id="rId47"/>
+    <p:sldId id="310" r:id="rId47"/>
+    <p:sldId id="311" r:id="rId48"/>
+    <p:sldId id="279" r:id="rId49"/>
   </p:sldIdLst>
   <p:sldSz cx="12192000" cy="6858000"/>
   <p:notesSz cx="6858000" cy="9144000"/>
@@ -18162,6 +18164,1398 @@
 </file>
 
 <file path=ppt/slides/slide46.xml><?xml version="1.0" encoding="utf-8"?>
+<p:sld xmlns:a="http://schemas.openxmlformats.org/drawingml/2006/main" xmlns:r="http://schemas.openxmlformats.org/officeDocument/2006/relationships" xmlns:p="http://schemas.openxmlformats.org/presentationml/2006/main">
+  <p:cSld>
+    <p:spTree>
+      <p:nvGrpSpPr>
+        <p:cNvPr id="1" name=""/>
+        <p:cNvGrpSpPr/>
+        <p:nvPr/>
+      </p:nvGrpSpPr>
+      <p:grpSpPr>
+        <a:xfrm>
+          <a:off x="0" y="0"/>
+          <a:ext cx="0" cy="0"/>
+          <a:chOff x="0" y="0"/>
+          <a:chExt cx="0" cy="0"/>
+        </a:xfrm>
+      </p:grpSpPr>
+      <p:sp>
+        <p:nvSpPr>
+          <p:cNvPr id="2" name="Title 1"/>
+          <p:cNvSpPr>
+            <a:spLocks noGrp="1"/>
+          </p:cNvSpPr>
+          <p:nvPr>
+            <p:ph type="title"/>
+          </p:nvPr>
+        </p:nvSpPr>
+        <p:spPr/>
+        <p:txBody>
+          <a:bodyPr/>
+          <a:lstStyle/>
+          <a:p>
+            <a:r>
+              <a:rPr lang="en-IN" dirty="0" smtClean="0"/>
+              <a:t>Wasserstein Metric</a:t>
+            </a:r>
+            <a:br>
+              <a:rPr lang="en-IN" dirty="0" smtClean="0"/>
+            </a:br>
+            <a:r>
+              <a:rPr lang="en-IN" sz="2800" dirty="0" smtClean="0"/>
+              <a:t>Closeness</a:t>
+            </a:r>
+            <a:endParaRPr lang="en-GB" dirty="0"/>
+          </a:p>
+        </p:txBody>
+      </p:sp>
+      <p:graphicFrame>
+        <p:nvGraphicFramePr>
+          <p:cNvPr id="4" name="Content Placeholder 3"/>
+          <p:cNvGraphicFramePr>
+            <a:graphicFrameLocks noGrp="1"/>
+          </p:cNvGraphicFramePr>
+          <p:nvPr>
+            <p:ph idx="1"/>
+            <p:extLst>
+              <p:ext uri="{D42A27DB-BD31-4B8C-83A1-F6EECF244321}">
+                <p14:modId xmlns:p14="http://schemas.microsoft.com/office/powerpoint/2010/main" val="1216027761"/>
+              </p:ext>
+            </p:extLst>
+          </p:nvPr>
+        </p:nvGraphicFramePr>
+        <p:xfrm>
+          <a:off x="838200" y="1825625"/>
+          <a:ext cx="10515600" cy="2225040"/>
+        </p:xfrm>
+        <a:graphic>
+          <a:graphicData uri="http://schemas.openxmlformats.org/drawingml/2006/table">
+            <a:tbl>
+              <a:tblPr firstRow="1" bandRow="1">
+                <a:tableStyleId>{5C22544A-7EE6-4342-B048-85BDC9FD1C3A}</a:tableStyleId>
+              </a:tblPr>
+              <a:tblGrid>
+                <a:gridCol w="2628900"/>
+                <a:gridCol w="2114191"/>
+                <a:gridCol w="1613139"/>
+                <a:gridCol w="4159370"/>
+              </a:tblGrid>
+              <a:tr h="370840">
+                <a:tc>
+                  <a:txBody>
+                    <a:bodyPr/>
+                    <a:lstStyle/>
+                    <a:p>
+                      <a:r>
+                        <a:rPr lang="en-IN" dirty="0" smtClean="0"/>
+                        <a:t>Graph Name</a:t>
+                      </a:r>
+                      <a:endParaRPr lang="en-GB" dirty="0"/>
+                    </a:p>
+                  </a:txBody>
+                  <a:tcPr/>
+                </a:tc>
+                <a:tc>
+                  <a:txBody>
+                    <a:bodyPr/>
+                    <a:lstStyle/>
+                    <a:p>
+                      <a:r>
+                        <a:rPr lang="en-IN" dirty="0" smtClean="0"/>
+                        <a:t>Wasserstein Metric</a:t>
+                      </a:r>
+                      <a:endParaRPr lang="en-GB" dirty="0"/>
+                    </a:p>
+                  </a:txBody>
+                  <a:tcPr/>
+                </a:tc>
+                <a:tc>
+                  <a:txBody>
+                    <a:bodyPr/>
+                    <a:lstStyle/>
+                    <a:p>
+                      <a:r>
+                        <a:rPr lang="en-IN" dirty="0" smtClean="0"/>
+                        <a:t>P-value</a:t>
+                      </a:r>
+                      <a:endParaRPr lang="en-GB" dirty="0"/>
+                    </a:p>
+                  </a:txBody>
+                  <a:tcPr/>
+                </a:tc>
+                <a:tc>
+                  <a:txBody>
+                    <a:bodyPr/>
+                    <a:lstStyle/>
+                    <a:p>
+                      <a:r>
+                        <a:rPr lang="en-IN" dirty="0" smtClean="0"/>
+                        <a:t>Difference</a:t>
+                      </a:r>
+                      <a:endParaRPr lang="en-GB" dirty="0"/>
+                    </a:p>
+                  </a:txBody>
+                  <a:tcPr/>
+                </a:tc>
+              </a:tr>
+              <a:tr h="370840">
+                <a:tc>
+                  <a:txBody>
+                    <a:bodyPr/>
+                    <a:lstStyle/>
+                    <a:p>
+                      <a:r>
+                        <a:rPr lang="en-IN" dirty="0" smtClean="0"/>
+                        <a:t>Template, G1</a:t>
+                      </a:r>
+                      <a:endParaRPr lang="en-GB" dirty="0"/>
+                    </a:p>
+                  </a:txBody>
+                  <a:tcPr/>
+                </a:tc>
+                <a:tc>
+                  <a:txBody>
+                    <a:bodyPr/>
+                    <a:lstStyle/>
+                    <a:p>
+                      <a:r>
+                        <a:rPr lang="en-GB" dirty="0" smtClean="0">
+                          <a:effectLst/>
+                        </a:rPr>
+                        <a:t>2.173132e-05</a:t>
+                      </a:r>
+                      <a:endParaRPr lang="en-GB" dirty="0"/>
+                    </a:p>
+                  </a:txBody>
+                  <a:tcPr/>
+                </a:tc>
+                <a:tc>
+                  <a:txBody>
+                    <a:bodyPr/>
+                    <a:lstStyle/>
+                    <a:p>
+                      <a:r>
+                        <a:rPr lang="en-GB" dirty="0" smtClean="0">
+                          <a:effectLst/>
+                        </a:rPr>
+                        <a:t>0.761</a:t>
+                      </a:r>
+                      <a:endParaRPr lang="en-GB" dirty="0"/>
+                    </a:p>
+                  </a:txBody>
+                  <a:tcPr/>
+                </a:tc>
+                <a:tc>
+                  <a:txBody>
+                    <a:bodyPr/>
+                    <a:lstStyle/>
+                    <a:p>
+                      <a:pPr marL="0" marR="0" lvl="0" indent="0" algn="l" defTabSz="914400" rtl="0" eaLnBrk="1" fontAlgn="auto" latinLnBrk="0" hangingPunct="1">
+                        <a:lnSpc>
+                          <a:spcPct val="100000"/>
+                        </a:lnSpc>
+                        <a:spcBef>
+                          <a:spcPts val="0"/>
+                        </a:spcBef>
+                        <a:spcAft>
+                          <a:spcPts val="0"/>
+                        </a:spcAft>
+                        <a:buClrTx/>
+                        <a:buSzTx/>
+                        <a:buFontTx/>
+                        <a:buNone/>
+                        <a:tabLst/>
+                        <a:defRPr/>
+                      </a:pPr>
+                      <a:r>
+                        <a:rPr lang="en-IN" dirty="0" err="1" smtClean="0"/>
+                        <a:t>per.shape</a:t>
+                      </a:r>
+                      <a:r>
+                        <a:rPr lang="en-IN" dirty="0" smtClean="0"/>
+                        <a:t>&gt;</a:t>
+                      </a:r>
+                      <a:r>
+                        <a:rPr lang="en-IN" dirty="0" err="1" smtClean="0"/>
+                        <a:t>per.loc</a:t>
+                      </a:r>
+                      <a:r>
+                        <a:rPr lang="en-GB" dirty="0" smtClean="0"/>
+                        <a:t>&gt;</a:t>
+                      </a:r>
+                      <a:r>
+                        <a:rPr lang="en-IN" dirty="0" err="1" smtClean="0"/>
+                        <a:t>per.size</a:t>
+                      </a:r>
+                      <a:endParaRPr lang="en-GB" dirty="0"/>
+                    </a:p>
+                  </a:txBody>
+                  <a:tcPr/>
+                </a:tc>
+              </a:tr>
+              <a:tr h="370840">
+                <a:tc>
+                  <a:txBody>
+                    <a:bodyPr/>
+                    <a:lstStyle/>
+                    <a:p>
+                      <a:pPr marL="0" marR="0" lvl="0" indent="0" algn="l" defTabSz="914400" rtl="0" eaLnBrk="1" fontAlgn="auto" latinLnBrk="0" hangingPunct="1">
+                        <a:lnSpc>
+                          <a:spcPct val="100000"/>
+                        </a:lnSpc>
+                        <a:spcBef>
+                          <a:spcPts val="0"/>
+                        </a:spcBef>
+                        <a:spcAft>
+                          <a:spcPts val="0"/>
+                        </a:spcAft>
+                        <a:buClrTx/>
+                        <a:buSzTx/>
+                        <a:buFontTx/>
+                        <a:buNone/>
+                        <a:tabLst/>
+                        <a:defRPr/>
+                      </a:pPr>
+                      <a:r>
+                        <a:rPr lang="en-IN" dirty="0" smtClean="0"/>
+                        <a:t>Template, G2</a:t>
+                      </a:r>
+                      <a:endParaRPr lang="en-GB" dirty="0" smtClean="0"/>
+                    </a:p>
+                  </a:txBody>
+                  <a:tcPr/>
+                </a:tc>
+                <a:tc>
+                  <a:txBody>
+                    <a:bodyPr/>
+                    <a:lstStyle/>
+                    <a:p>
+                      <a:r>
+                        <a:rPr lang="en-GB" dirty="0" smtClean="0">
+                          <a:effectLst/>
+                        </a:rPr>
+                        <a:t>5.922989e-05</a:t>
+                      </a:r>
+                      <a:endParaRPr lang="en-GB" dirty="0"/>
+                    </a:p>
+                  </a:txBody>
+                  <a:tcPr/>
+                </a:tc>
+                <a:tc>
+                  <a:txBody>
+                    <a:bodyPr/>
+                    <a:lstStyle/>
+                    <a:p>
+                      <a:r>
+                        <a:rPr lang="en-GB" dirty="0" smtClean="0">
+                          <a:effectLst/>
+                        </a:rPr>
+                        <a:t>0.219</a:t>
+                      </a:r>
+                      <a:endParaRPr lang="en-GB" dirty="0"/>
+                    </a:p>
+                  </a:txBody>
+                  <a:tcPr/>
+                </a:tc>
+                <a:tc>
+                  <a:txBody>
+                    <a:bodyPr/>
+                    <a:lstStyle/>
+                    <a:p>
+                      <a:pPr marL="0" marR="0" lvl="0" indent="0" algn="l" defTabSz="914400" rtl="0" eaLnBrk="1" fontAlgn="auto" latinLnBrk="0" hangingPunct="1">
+                        <a:lnSpc>
+                          <a:spcPct val="100000"/>
+                        </a:lnSpc>
+                        <a:spcBef>
+                          <a:spcPts val="0"/>
+                        </a:spcBef>
+                        <a:spcAft>
+                          <a:spcPts val="0"/>
+                        </a:spcAft>
+                        <a:buClrTx/>
+                        <a:buSzTx/>
+                        <a:buFontTx/>
+                        <a:buNone/>
+                        <a:tabLst/>
+                        <a:defRPr/>
+                      </a:pPr>
+                      <a:r>
+                        <a:rPr lang="en-IN" dirty="0" err="1" smtClean="0"/>
+                        <a:t>per.size</a:t>
+                      </a:r>
+                      <a:r>
+                        <a:rPr lang="en-IN" dirty="0" smtClean="0"/>
+                        <a:t>&gt;</a:t>
+                      </a:r>
+                      <a:r>
+                        <a:rPr lang="en-IN" dirty="0" err="1" smtClean="0"/>
+                        <a:t>per.loc</a:t>
+                      </a:r>
+                      <a:r>
+                        <a:rPr lang="en-GB" dirty="0" smtClean="0"/>
+                        <a:t>&gt;</a:t>
+                      </a:r>
+                      <a:r>
+                        <a:rPr lang="en-IN" dirty="0" err="1" smtClean="0"/>
+                        <a:t>per.shape</a:t>
+                      </a:r>
+                      <a:endParaRPr lang="en-GB" dirty="0" smtClean="0"/>
+                    </a:p>
+                  </a:txBody>
+                  <a:tcPr/>
+                </a:tc>
+              </a:tr>
+              <a:tr h="370840">
+                <a:tc>
+                  <a:txBody>
+                    <a:bodyPr/>
+                    <a:lstStyle/>
+                    <a:p>
+                      <a:pPr marL="0" marR="0" lvl="0" indent="0" algn="l" defTabSz="914400" rtl="0" eaLnBrk="1" fontAlgn="auto" latinLnBrk="0" hangingPunct="1">
+                        <a:lnSpc>
+                          <a:spcPct val="100000"/>
+                        </a:lnSpc>
+                        <a:spcBef>
+                          <a:spcPts val="0"/>
+                        </a:spcBef>
+                        <a:spcAft>
+                          <a:spcPts val="0"/>
+                        </a:spcAft>
+                        <a:buClrTx/>
+                        <a:buSzTx/>
+                        <a:buFontTx/>
+                        <a:buNone/>
+                        <a:tabLst/>
+                        <a:defRPr/>
+                      </a:pPr>
+                      <a:r>
+                        <a:rPr lang="en-IN" dirty="0" smtClean="0"/>
+                        <a:t>Template, G3</a:t>
+                      </a:r>
+                      <a:endParaRPr lang="en-GB" dirty="0" smtClean="0"/>
+                    </a:p>
+                  </a:txBody>
+                  <a:tcPr/>
+                </a:tc>
+                <a:tc>
+                  <a:txBody>
+                    <a:bodyPr/>
+                    <a:lstStyle/>
+                    <a:p>
+                      <a:r>
+                        <a:rPr lang="en-GB" dirty="0" smtClean="0">
+                          <a:effectLst/>
+                        </a:rPr>
+                        <a:t>2.732857e-05</a:t>
+                      </a:r>
+                      <a:endParaRPr lang="en-GB" dirty="0"/>
+                    </a:p>
+                  </a:txBody>
+                  <a:tcPr/>
+                </a:tc>
+                <a:tc>
+                  <a:txBody>
+                    <a:bodyPr/>
+                    <a:lstStyle/>
+                    <a:p>
+                      <a:r>
+                        <a:rPr lang="en-GB" dirty="0" smtClean="0">
+                          <a:effectLst/>
+                        </a:rPr>
+                        <a:t>0.838</a:t>
+                      </a:r>
+                      <a:endParaRPr lang="en-GB" dirty="0"/>
+                    </a:p>
+                  </a:txBody>
+                  <a:tcPr/>
+                </a:tc>
+                <a:tc>
+                  <a:txBody>
+                    <a:bodyPr/>
+                    <a:lstStyle/>
+                    <a:p>
+                      <a:pPr marL="0" marR="0" lvl="0" indent="0" algn="l" defTabSz="914400" rtl="0" eaLnBrk="1" fontAlgn="auto" latinLnBrk="0" hangingPunct="1">
+                        <a:lnSpc>
+                          <a:spcPct val="100000"/>
+                        </a:lnSpc>
+                        <a:spcBef>
+                          <a:spcPts val="0"/>
+                        </a:spcBef>
+                        <a:spcAft>
+                          <a:spcPts val="0"/>
+                        </a:spcAft>
+                        <a:buClrTx/>
+                        <a:buSzTx/>
+                        <a:buFontTx/>
+                        <a:buNone/>
+                        <a:tabLst/>
+                        <a:defRPr/>
+                      </a:pPr>
+                      <a:r>
+                        <a:rPr lang="en-IN" dirty="0" err="1" smtClean="0"/>
+                        <a:t>per.loc</a:t>
+                      </a:r>
+                      <a:r>
+                        <a:rPr lang="en-IN" dirty="0" smtClean="0"/>
+                        <a:t>&gt;</a:t>
+                      </a:r>
+                      <a:r>
+                        <a:rPr lang="en-IN" dirty="0" err="1" smtClean="0"/>
+                        <a:t>per.shape</a:t>
+                      </a:r>
+                      <a:r>
+                        <a:rPr lang="en-IN" dirty="0" smtClean="0"/>
+                        <a:t>&gt;</a:t>
+                      </a:r>
+                      <a:r>
+                        <a:rPr lang="en-IN" dirty="0" err="1" smtClean="0"/>
+                        <a:t>per.size</a:t>
+                      </a:r>
+                      <a:endParaRPr lang="en-GB" dirty="0" smtClean="0"/>
+                    </a:p>
+                  </a:txBody>
+                  <a:tcPr/>
+                </a:tc>
+              </a:tr>
+              <a:tr h="370840">
+                <a:tc>
+                  <a:txBody>
+                    <a:bodyPr/>
+                    <a:lstStyle/>
+                    <a:p>
+                      <a:pPr marL="0" marR="0" lvl="0" indent="0" algn="l" defTabSz="914400" rtl="0" eaLnBrk="1" fontAlgn="auto" latinLnBrk="0" hangingPunct="1">
+                        <a:lnSpc>
+                          <a:spcPct val="100000"/>
+                        </a:lnSpc>
+                        <a:spcBef>
+                          <a:spcPts val="0"/>
+                        </a:spcBef>
+                        <a:spcAft>
+                          <a:spcPts val="0"/>
+                        </a:spcAft>
+                        <a:buClrTx/>
+                        <a:buSzTx/>
+                        <a:buFontTx/>
+                        <a:buNone/>
+                        <a:tabLst/>
+                        <a:defRPr/>
+                      </a:pPr>
+                      <a:r>
+                        <a:rPr lang="en-IN" dirty="0" smtClean="0"/>
+                        <a:t>Template, G4</a:t>
+                      </a:r>
+                      <a:endParaRPr lang="en-GB" dirty="0" smtClean="0"/>
+                    </a:p>
+                  </a:txBody>
+                  <a:tcPr/>
+                </a:tc>
+                <a:tc>
+                  <a:txBody>
+                    <a:bodyPr/>
+                    <a:lstStyle/>
+                    <a:p>
+                      <a:r>
+                        <a:rPr lang="en-GB" dirty="0" smtClean="0">
+                          <a:effectLst/>
+                        </a:rPr>
+                        <a:t>0.0007895869</a:t>
+                      </a:r>
+                      <a:endParaRPr lang="en-GB" dirty="0"/>
+                    </a:p>
+                  </a:txBody>
+                  <a:tcPr/>
+                </a:tc>
+                <a:tc>
+                  <a:txBody>
+                    <a:bodyPr/>
+                    <a:lstStyle/>
+                    <a:p>
+                      <a:r>
+                        <a:rPr lang="en-GB" dirty="0" smtClean="0">
+                          <a:effectLst/>
+                        </a:rPr>
+                        <a:t>0.00009</a:t>
+                      </a:r>
+                      <a:endParaRPr lang="en-GB" dirty="0"/>
+                    </a:p>
+                  </a:txBody>
+                  <a:tcPr/>
+                </a:tc>
+                <a:tc>
+                  <a:txBody>
+                    <a:bodyPr/>
+                    <a:lstStyle/>
+                    <a:p>
+                      <a:pPr marL="0" marR="0" lvl="0" indent="0" algn="l" defTabSz="914400" rtl="0" eaLnBrk="1" fontAlgn="auto" latinLnBrk="0" hangingPunct="1">
+                        <a:lnSpc>
+                          <a:spcPct val="100000"/>
+                        </a:lnSpc>
+                        <a:spcBef>
+                          <a:spcPts val="0"/>
+                        </a:spcBef>
+                        <a:spcAft>
+                          <a:spcPts val="0"/>
+                        </a:spcAft>
+                        <a:buClrTx/>
+                        <a:buSzTx/>
+                        <a:buFontTx/>
+                        <a:buNone/>
+                        <a:tabLst/>
+                        <a:defRPr/>
+                      </a:pPr>
+                      <a:r>
+                        <a:rPr lang="en-IN" dirty="0" err="1" smtClean="0"/>
+                        <a:t>per.size</a:t>
+                      </a:r>
+                      <a:r>
+                        <a:rPr lang="en-IN" dirty="0" smtClean="0"/>
+                        <a:t>&gt;</a:t>
+                      </a:r>
+                      <a:r>
+                        <a:rPr lang="en-IN" dirty="0" err="1" smtClean="0"/>
+                        <a:t>per.loc</a:t>
+                      </a:r>
+                      <a:r>
+                        <a:rPr lang="en-IN" dirty="0" smtClean="0"/>
+                        <a:t>&gt;</a:t>
+                      </a:r>
+                      <a:r>
+                        <a:rPr lang="en-IN" dirty="0" err="1" smtClean="0"/>
+                        <a:t>per.shape</a:t>
+                      </a:r>
+                      <a:endParaRPr lang="en-GB" dirty="0" smtClean="0"/>
+                    </a:p>
+                  </a:txBody>
+                  <a:tcPr/>
+                </a:tc>
+              </a:tr>
+              <a:tr h="370840">
+                <a:tc>
+                  <a:txBody>
+                    <a:bodyPr/>
+                    <a:lstStyle/>
+                    <a:p>
+                      <a:pPr marL="0" marR="0" lvl="0" indent="0" algn="l" defTabSz="914400" rtl="0" eaLnBrk="1" fontAlgn="auto" latinLnBrk="0" hangingPunct="1">
+                        <a:lnSpc>
+                          <a:spcPct val="100000"/>
+                        </a:lnSpc>
+                        <a:spcBef>
+                          <a:spcPts val="0"/>
+                        </a:spcBef>
+                        <a:spcAft>
+                          <a:spcPts val="0"/>
+                        </a:spcAft>
+                        <a:buClrTx/>
+                        <a:buSzTx/>
+                        <a:buFontTx/>
+                        <a:buNone/>
+                        <a:tabLst/>
+                        <a:defRPr/>
+                      </a:pPr>
+                      <a:r>
+                        <a:rPr lang="en-IN" dirty="0" smtClean="0"/>
+                        <a:t>Template, G5</a:t>
+                      </a:r>
+                      <a:endParaRPr lang="en-GB" dirty="0" smtClean="0"/>
+                    </a:p>
+                  </a:txBody>
+                  <a:tcPr/>
+                </a:tc>
+                <a:tc>
+                  <a:txBody>
+                    <a:bodyPr/>
+                    <a:lstStyle/>
+                    <a:p>
+                      <a:r>
+                        <a:rPr lang="en-GB" dirty="0" smtClean="0">
+                          <a:effectLst/>
+                        </a:rPr>
+                        <a:t>0.0004404841</a:t>
+                      </a:r>
+                      <a:endParaRPr lang="en-GB" dirty="0"/>
+                    </a:p>
+                  </a:txBody>
+                  <a:tcPr/>
+                </a:tc>
+                <a:tc>
+                  <a:txBody>
+                    <a:bodyPr/>
+                    <a:lstStyle/>
+                    <a:p>
+                      <a:r>
+                        <a:rPr lang="en-GB" dirty="0" smtClean="0">
+                          <a:effectLst/>
+                        </a:rPr>
+                        <a:t>0.00009</a:t>
+                      </a:r>
+                      <a:endParaRPr lang="en-GB" dirty="0"/>
+                    </a:p>
+                  </a:txBody>
+                  <a:tcPr/>
+                </a:tc>
+                <a:tc>
+                  <a:txBody>
+                    <a:bodyPr/>
+                    <a:lstStyle/>
+                    <a:p>
+                      <a:pPr marL="0" marR="0" lvl="0" indent="0" algn="l" defTabSz="914400" rtl="0" eaLnBrk="1" fontAlgn="auto" latinLnBrk="0" hangingPunct="1">
+                        <a:lnSpc>
+                          <a:spcPct val="100000"/>
+                        </a:lnSpc>
+                        <a:spcBef>
+                          <a:spcPts val="0"/>
+                        </a:spcBef>
+                        <a:spcAft>
+                          <a:spcPts val="0"/>
+                        </a:spcAft>
+                        <a:buClrTx/>
+                        <a:buSzTx/>
+                        <a:buFontTx/>
+                        <a:buNone/>
+                        <a:tabLst/>
+                        <a:defRPr/>
+                      </a:pPr>
+                      <a:r>
+                        <a:rPr lang="en-IN" dirty="0" err="1" smtClean="0"/>
+                        <a:t>per.size</a:t>
+                      </a:r>
+                      <a:r>
+                        <a:rPr lang="en-IN" dirty="0" smtClean="0"/>
+                        <a:t>&gt;</a:t>
+                      </a:r>
+                      <a:r>
+                        <a:rPr lang="en-IN" dirty="0" err="1" smtClean="0"/>
+                        <a:t>per.loc</a:t>
+                      </a:r>
+                      <a:r>
+                        <a:rPr lang="en-IN" dirty="0" smtClean="0"/>
+                        <a:t>&gt;</a:t>
+                      </a:r>
+                      <a:r>
+                        <a:rPr lang="en-IN" dirty="0" err="1" smtClean="0"/>
+                        <a:t>per.shape</a:t>
+                      </a:r>
+                      <a:endParaRPr lang="en-GB" dirty="0" smtClean="0"/>
+                    </a:p>
+                  </a:txBody>
+                  <a:tcPr/>
+                </a:tc>
+              </a:tr>
+            </a:tbl>
+          </a:graphicData>
+        </a:graphic>
+      </p:graphicFrame>
+    </p:spTree>
+    <p:extLst>
+      <p:ext uri="{BB962C8B-B14F-4D97-AF65-F5344CB8AC3E}">
+        <p14:creationId xmlns:p14="http://schemas.microsoft.com/office/powerpoint/2010/main" val="3156725506"/>
+      </p:ext>
+    </p:extLst>
+  </p:cSld>
+  <p:clrMapOvr>
+    <a:masterClrMapping/>
+  </p:clrMapOvr>
+</p:sld>
+</file>
+
+<file path=ppt/slides/slide47.xml><?xml version="1.0" encoding="utf-8"?>
+<p:sld xmlns:a="http://schemas.openxmlformats.org/drawingml/2006/main" xmlns:r="http://schemas.openxmlformats.org/officeDocument/2006/relationships" xmlns:p="http://schemas.openxmlformats.org/presentationml/2006/main">
+  <p:cSld>
+    <p:spTree>
+      <p:nvGrpSpPr>
+        <p:cNvPr id="1" name=""/>
+        <p:cNvGrpSpPr/>
+        <p:nvPr/>
+      </p:nvGrpSpPr>
+      <p:grpSpPr>
+        <a:xfrm>
+          <a:off x="0" y="0"/>
+          <a:ext cx="0" cy="0"/>
+          <a:chOff x="0" y="0"/>
+          <a:chExt cx="0" cy="0"/>
+        </a:xfrm>
+      </p:grpSpPr>
+      <p:sp>
+        <p:nvSpPr>
+          <p:cNvPr id="2" name="Title 1"/>
+          <p:cNvSpPr>
+            <a:spLocks noGrp="1"/>
+          </p:cNvSpPr>
+          <p:nvPr>
+            <p:ph type="title"/>
+          </p:nvPr>
+        </p:nvSpPr>
+        <p:spPr/>
+        <p:txBody>
+          <a:bodyPr/>
+          <a:lstStyle/>
+          <a:p>
+            <a:r>
+              <a:rPr lang="en-IN" dirty="0" smtClean="0"/>
+              <a:t>Wasserstein Metric</a:t>
+            </a:r>
+            <a:br>
+              <a:rPr lang="en-IN" dirty="0" smtClean="0"/>
+            </a:br>
+            <a:r>
+              <a:rPr lang="en-IN" sz="2800" dirty="0" smtClean="0"/>
+              <a:t>Closeness</a:t>
+            </a:r>
+            <a:endParaRPr lang="en-GB" dirty="0"/>
+          </a:p>
+        </p:txBody>
+      </p:sp>
+      <p:graphicFrame>
+        <p:nvGraphicFramePr>
+          <p:cNvPr id="4" name="Content Placeholder 3"/>
+          <p:cNvGraphicFramePr>
+            <a:graphicFrameLocks noGrp="1"/>
+          </p:cNvGraphicFramePr>
+          <p:nvPr>
+            <p:ph idx="1"/>
+            <p:extLst>
+              <p:ext uri="{D42A27DB-BD31-4B8C-83A1-F6EECF244321}">
+                <p14:modId xmlns:p14="http://schemas.microsoft.com/office/powerpoint/2010/main" val="1216027761"/>
+              </p:ext>
+            </p:extLst>
+          </p:nvPr>
+        </p:nvGraphicFramePr>
+        <p:xfrm>
+          <a:off x="838200" y="1825625"/>
+          <a:ext cx="10515600" cy="2225040"/>
+        </p:xfrm>
+        <a:graphic>
+          <a:graphicData uri="http://schemas.openxmlformats.org/drawingml/2006/table">
+            <a:tbl>
+              <a:tblPr firstRow="1" bandRow="1">
+                <a:tableStyleId>{5C22544A-7EE6-4342-B048-85BDC9FD1C3A}</a:tableStyleId>
+              </a:tblPr>
+              <a:tblGrid>
+                <a:gridCol w="2628900"/>
+                <a:gridCol w="2114191"/>
+                <a:gridCol w="1613139"/>
+                <a:gridCol w="4159370"/>
+              </a:tblGrid>
+              <a:tr h="370840">
+                <a:tc>
+                  <a:txBody>
+                    <a:bodyPr/>
+                    <a:lstStyle/>
+                    <a:p>
+                      <a:r>
+                        <a:rPr lang="en-IN" dirty="0" smtClean="0"/>
+                        <a:t>Graph Name</a:t>
+                      </a:r>
+                      <a:endParaRPr lang="en-GB" dirty="0"/>
+                    </a:p>
+                  </a:txBody>
+                  <a:tcPr/>
+                </a:tc>
+                <a:tc>
+                  <a:txBody>
+                    <a:bodyPr/>
+                    <a:lstStyle/>
+                    <a:p>
+                      <a:r>
+                        <a:rPr lang="en-IN" dirty="0" smtClean="0"/>
+                        <a:t>Wasserstein Metric</a:t>
+                      </a:r>
+                      <a:endParaRPr lang="en-GB" dirty="0"/>
+                    </a:p>
+                  </a:txBody>
+                  <a:tcPr/>
+                </a:tc>
+                <a:tc>
+                  <a:txBody>
+                    <a:bodyPr/>
+                    <a:lstStyle/>
+                    <a:p>
+                      <a:r>
+                        <a:rPr lang="en-IN" dirty="0" smtClean="0"/>
+                        <a:t>P-value</a:t>
+                      </a:r>
+                      <a:endParaRPr lang="en-GB" dirty="0"/>
+                    </a:p>
+                  </a:txBody>
+                  <a:tcPr/>
+                </a:tc>
+                <a:tc>
+                  <a:txBody>
+                    <a:bodyPr/>
+                    <a:lstStyle/>
+                    <a:p>
+                      <a:r>
+                        <a:rPr lang="en-IN" dirty="0" smtClean="0"/>
+                        <a:t>Difference</a:t>
+                      </a:r>
+                      <a:endParaRPr lang="en-GB" dirty="0"/>
+                    </a:p>
+                  </a:txBody>
+                  <a:tcPr/>
+                </a:tc>
+              </a:tr>
+              <a:tr h="370840">
+                <a:tc>
+                  <a:txBody>
+                    <a:bodyPr/>
+                    <a:lstStyle/>
+                    <a:p>
+                      <a:r>
+                        <a:rPr lang="en-IN" dirty="0" smtClean="0"/>
+                        <a:t>Template, G1</a:t>
+                      </a:r>
+                      <a:endParaRPr lang="en-GB" dirty="0"/>
+                    </a:p>
+                  </a:txBody>
+                  <a:tcPr/>
+                </a:tc>
+                <a:tc>
+                  <a:txBody>
+                    <a:bodyPr/>
+                    <a:lstStyle/>
+                    <a:p>
+                      <a:r>
+                        <a:rPr lang="en-GB" dirty="0" smtClean="0">
+                          <a:effectLst/>
+                        </a:rPr>
+                        <a:t>2.173132e-05</a:t>
+                      </a:r>
+                      <a:endParaRPr lang="en-GB" dirty="0"/>
+                    </a:p>
+                  </a:txBody>
+                  <a:tcPr/>
+                </a:tc>
+                <a:tc>
+                  <a:txBody>
+                    <a:bodyPr/>
+                    <a:lstStyle/>
+                    <a:p>
+                      <a:r>
+                        <a:rPr lang="en-GB" dirty="0" smtClean="0">
+                          <a:effectLst/>
+                        </a:rPr>
+                        <a:t>0.761</a:t>
+                      </a:r>
+                      <a:endParaRPr lang="en-GB" dirty="0"/>
+                    </a:p>
+                  </a:txBody>
+                  <a:tcPr/>
+                </a:tc>
+                <a:tc>
+                  <a:txBody>
+                    <a:bodyPr/>
+                    <a:lstStyle/>
+                    <a:p>
+                      <a:pPr marL="0" marR="0" lvl="0" indent="0" algn="l" defTabSz="914400" rtl="0" eaLnBrk="1" fontAlgn="auto" latinLnBrk="0" hangingPunct="1">
+                        <a:lnSpc>
+                          <a:spcPct val="100000"/>
+                        </a:lnSpc>
+                        <a:spcBef>
+                          <a:spcPts val="0"/>
+                        </a:spcBef>
+                        <a:spcAft>
+                          <a:spcPts val="0"/>
+                        </a:spcAft>
+                        <a:buClrTx/>
+                        <a:buSzTx/>
+                        <a:buFontTx/>
+                        <a:buNone/>
+                        <a:tabLst/>
+                        <a:defRPr/>
+                      </a:pPr>
+                      <a:r>
+                        <a:rPr lang="en-IN" dirty="0" err="1" smtClean="0"/>
+                        <a:t>per.shape</a:t>
+                      </a:r>
+                      <a:r>
+                        <a:rPr lang="en-IN" dirty="0" smtClean="0"/>
+                        <a:t>&gt;</a:t>
+                      </a:r>
+                      <a:r>
+                        <a:rPr lang="en-IN" dirty="0" err="1" smtClean="0"/>
+                        <a:t>per.loc</a:t>
+                      </a:r>
+                      <a:r>
+                        <a:rPr lang="en-GB" dirty="0" smtClean="0"/>
+                        <a:t>&gt;</a:t>
+                      </a:r>
+                      <a:r>
+                        <a:rPr lang="en-IN" dirty="0" err="1" smtClean="0"/>
+                        <a:t>per.size</a:t>
+                      </a:r>
+                      <a:endParaRPr lang="en-GB" dirty="0"/>
+                    </a:p>
+                  </a:txBody>
+                  <a:tcPr/>
+                </a:tc>
+              </a:tr>
+              <a:tr h="370840">
+                <a:tc>
+                  <a:txBody>
+                    <a:bodyPr/>
+                    <a:lstStyle/>
+                    <a:p>
+                      <a:pPr marL="0" marR="0" lvl="0" indent="0" algn="l" defTabSz="914400" rtl="0" eaLnBrk="1" fontAlgn="auto" latinLnBrk="0" hangingPunct="1">
+                        <a:lnSpc>
+                          <a:spcPct val="100000"/>
+                        </a:lnSpc>
+                        <a:spcBef>
+                          <a:spcPts val="0"/>
+                        </a:spcBef>
+                        <a:spcAft>
+                          <a:spcPts val="0"/>
+                        </a:spcAft>
+                        <a:buClrTx/>
+                        <a:buSzTx/>
+                        <a:buFontTx/>
+                        <a:buNone/>
+                        <a:tabLst/>
+                        <a:defRPr/>
+                      </a:pPr>
+                      <a:r>
+                        <a:rPr lang="en-IN" dirty="0" smtClean="0"/>
+                        <a:t>Template, G2</a:t>
+                      </a:r>
+                      <a:endParaRPr lang="en-GB" dirty="0" smtClean="0"/>
+                    </a:p>
+                  </a:txBody>
+                  <a:tcPr/>
+                </a:tc>
+                <a:tc>
+                  <a:txBody>
+                    <a:bodyPr/>
+                    <a:lstStyle/>
+                    <a:p>
+                      <a:r>
+                        <a:rPr lang="en-GB" dirty="0" smtClean="0">
+                          <a:effectLst/>
+                        </a:rPr>
+                        <a:t>5.922989e-05</a:t>
+                      </a:r>
+                      <a:endParaRPr lang="en-GB" dirty="0"/>
+                    </a:p>
+                  </a:txBody>
+                  <a:tcPr/>
+                </a:tc>
+                <a:tc>
+                  <a:txBody>
+                    <a:bodyPr/>
+                    <a:lstStyle/>
+                    <a:p>
+                      <a:r>
+                        <a:rPr lang="en-GB" dirty="0" smtClean="0">
+                          <a:effectLst/>
+                        </a:rPr>
+                        <a:t>0.219</a:t>
+                      </a:r>
+                      <a:endParaRPr lang="en-GB" dirty="0"/>
+                    </a:p>
+                  </a:txBody>
+                  <a:tcPr/>
+                </a:tc>
+                <a:tc>
+                  <a:txBody>
+                    <a:bodyPr/>
+                    <a:lstStyle/>
+                    <a:p>
+                      <a:pPr marL="0" marR="0" lvl="0" indent="0" algn="l" defTabSz="914400" rtl="0" eaLnBrk="1" fontAlgn="auto" latinLnBrk="0" hangingPunct="1">
+                        <a:lnSpc>
+                          <a:spcPct val="100000"/>
+                        </a:lnSpc>
+                        <a:spcBef>
+                          <a:spcPts val="0"/>
+                        </a:spcBef>
+                        <a:spcAft>
+                          <a:spcPts val="0"/>
+                        </a:spcAft>
+                        <a:buClrTx/>
+                        <a:buSzTx/>
+                        <a:buFontTx/>
+                        <a:buNone/>
+                        <a:tabLst/>
+                        <a:defRPr/>
+                      </a:pPr>
+                      <a:r>
+                        <a:rPr lang="en-IN" dirty="0" err="1" smtClean="0"/>
+                        <a:t>per.size</a:t>
+                      </a:r>
+                      <a:r>
+                        <a:rPr lang="en-IN" dirty="0" smtClean="0"/>
+                        <a:t>&gt;</a:t>
+                      </a:r>
+                      <a:r>
+                        <a:rPr lang="en-IN" dirty="0" err="1" smtClean="0"/>
+                        <a:t>per.loc</a:t>
+                      </a:r>
+                      <a:r>
+                        <a:rPr lang="en-GB" dirty="0" smtClean="0"/>
+                        <a:t>&gt;</a:t>
+                      </a:r>
+                      <a:r>
+                        <a:rPr lang="en-IN" dirty="0" err="1" smtClean="0"/>
+                        <a:t>per.shape</a:t>
+                      </a:r>
+                      <a:endParaRPr lang="en-GB" dirty="0" smtClean="0"/>
+                    </a:p>
+                  </a:txBody>
+                  <a:tcPr/>
+                </a:tc>
+              </a:tr>
+              <a:tr h="370840">
+                <a:tc>
+                  <a:txBody>
+                    <a:bodyPr/>
+                    <a:lstStyle/>
+                    <a:p>
+                      <a:pPr marL="0" marR="0" lvl="0" indent="0" algn="l" defTabSz="914400" rtl="0" eaLnBrk="1" fontAlgn="auto" latinLnBrk="0" hangingPunct="1">
+                        <a:lnSpc>
+                          <a:spcPct val="100000"/>
+                        </a:lnSpc>
+                        <a:spcBef>
+                          <a:spcPts val="0"/>
+                        </a:spcBef>
+                        <a:spcAft>
+                          <a:spcPts val="0"/>
+                        </a:spcAft>
+                        <a:buClrTx/>
+                        <a:buSzTx/>
+                        <a:buFontTx/>
+                        <a:buNone/>
+                        <a:tabLst/>
+                        <a:defRPr/>
+                      </a:pPr>
+                      <a:r>
+                        <a:rPr lang="en-IN" dirty="0" smtClean="0"/>
+                        <a:t>Template, G3</a:t>
+                      </a:r>
+                      <a:endParaRPr lang="en-GB" dirty="0" smtClean="0"/>
+                    </a:p>
+                  </a:txBody>
+                  <a:tcPr/>
+                </a:tc>
+                <a:tc>
+                  <a:txBody>
+                    <a:bodyPr/>
+                    <a:lstStyle/>
+                    <a:p>
+                      <a:r>
+                        <a:rPr lang="en-GB" dirty="0" smtClean="0">
+                          <a:effectLst/>
+                        </a:rPr>
+                        <a:t>2.732857e-05</a:t>
+                      </a:r>
+                      <a:endParaRPr lang="en-GB" dirty="0"/>
+                    </a:p>
+                  </a:txBody>
+                  <a:tcPr/>
+                </a:tc>
+                <a:tc>
+                  <a:txBody>
+                    <a:bodyPr/>
+                    <a:lstStyle/>
+                    <a:p>
+                      <a:r>
+                        <a:rPr lang="en-GB" dirty="0" smtClean="0">
+                          <a:effectLst/>
+                        </a:rPr>
+                        <a:t>0.838</a:t>
+                      </a:r>
+                      <a:endParaRPr lang="en-GB" dirty="0"/>
+                    </a:p>
+                  </a:txBody>
+                  <a:tcPr/>
+                </a:tc>
+                <a:tc>
+                  <a:txBody>
+                    <a:bodyPr/>
+                    <a:lstStyle/>
+                    <a:p>
+                      <a:pPr marL="0" marR="0" lvl="0" indent="0" algn="l" defTabSz="914400" rtl="0" eaLnBrk="1" fontAlgn="auto" latinLnBrk="0" hangingPunct="1">
+                        <a:lnSpc>
+                          <a:spcPct val="100000"/>
+                        </a:lnSpc>
+                        <a:spcBef>
+                          <a:spcPts val="0"/>
+                        </a:spcBef>
+                        <a:spcAft>
+                          <a:spcPts val="0"/>
+                        </a:spcAft>
+                        <a:buClrTx/>
+                        <a:buSzTx/>
+                        <a:buFontTx/>
+                        <a:buNone/>
+                        <a:tabLst/>
+                        <a:defRPr/>
+                      </a:pPr>
+                      <a:r>
+                        <a:rPr lang="en-IN" dirty="0" err="1" smtClean="0"/>
+                        <a:t>per.loc</a:t>
+                      </a:r>
+                      <a:r>
+                        <a:rPr lang="en-IN" dirty="0" smtClean="0"/>
+                        <a:t>&gt;</a:t>
+                      </a:r>
+                      <a:r>
+                        <a:rPr lang="en-IN" dirty="0" err="1" smtClean="0"/>
+                        <a:t>per.shape</a:t>
+                      </a:r>
+                      <a:r>
+                        <a:rPr lang="en-IN" dirty="0" smtClean="0"/>
+                        <a:t>&gt;</a:t>
+                      </a:r>
+                      <a:r>
+                        <a:rPr lang="en-IN" dirty="0" err="1" smtClean="0"/>
+                        <a:t>per.size</a:t>
+                      </a:r>
+                      <a:endParaRPr lang="en-GB" dirty="0" smtClean="0"/>
+                    </a:p>
+                  </a:txBody>
+                  <a:tcPr/>
+                </a:tc>
+              </a:tr>
+              <a:tr h="370840">
+                <a:tc>
+                  <a:txBody>
+                    <a:bodyPr/>
+                    <a:lstStyle/>
+                    <a:p>
+                      <a:pPr marL="0" marR="0" lvl="0" indent="0" algn="l" defTabSz="914400" rtl="0" eaLnBrk="1" fontAlgn="auto" latinLnBrk="0" hangingPunct="1">
+                        <a:lnSpc>
+                          <a:spcPct val="100000"/>
+                        </a:lnSpc>
+                        <a:spcBef>
+                          <a:spcPts val="0"/>
+                        </a:spcBef>
+                        <a:spcAft>
+                          <a:spcPts val="0"/>
+                        </a:spcAft>
+                        <a:buClrTx/>
+                        <a:buSzTx/>
+                        <a:buFontTx/>
+                        <a:buNone/>
+                        <a:tabLst/>
+                        <a:defRPr/>
+                      </a:pPr>
+                      <a:r>
+                        <a:rPr lang="en-IN" dirty="0" smtClean="0"/>
+                        <a:t>Template, G4</a:t>
+                      </a:r>
+                      <a:endParaRPr lang="en-GB" dirty="0" smtClean="0"/>
+                    </a:p>
+                  </a:txBody>
+                  <a:tcPr/>
+                </a:tc>
+                <a:tc>
+                  <a:txBody>
+                    <a:bodyPr/>
+                    <a:lstStyle/>
+                    <a:p>
+                      <a:r>
+                        <a:rPr lang="en-GB" dirty="0" smtClean="0">
+                          <a:effectLst/>
+                        </a:rPr>
+                        <a:t>0.0007895869</a:t>
+                      </a:r>
+                      <a:endParaRPr lang="en-GB" dirty="0"/>
+                    </a:p>
+                  </a:txBody>
+                  <a:tcPr/>
+                </a:tc>
+                <a:tc>
+                  <a:txBody>
+                    <a:bodyPr/>
+                    <a:lstStyle/>
+                    <a:p>
+                      <a:r>
+                        <a:rPr lang="en-GB" dirty="0" smtClean="0">
+                          <a:effectLst/>
+                        </a:rPr>
+                        <a:t>0.00009</a:t>
+                      </a:r>
+                      <a:endParaRPr lang="en-GB" dirty="0"/>
+                    </a:p>
+                  </a:txBody>
+                  <a:tcPr/>
+                </a:tc>
+                <a:tc>
+                  <a:txBody>
+                    <a:bodyPr/>
+                    <a:lstStyle/>
+                    <a:p>
+                      <a:pPr marL="0" marR="0" lvl="0" indent="0" algn="l" defTabSz="914400" rtl="0" eaLnBrk="1" fontAlgn="auto" latinLnBrk="0" hangingPunct="1">
+                        <a:lnSpc>
+                          <a:spcPct val="100000"/>
+                        </a:lnSpc>
+                        <a:spcBef>
+                          <a:spcPts val="0"/>
+                        </a:spcBef>
+                        <a:spcAft>
+                          <a:spcPts val="0"/>
+                        </a:spcAft>
+                        <a:buClrTx/>
+                        <a:buSzTx/>
+                        <a:buFontTx/>
+                        <a:buNone/>
+                        <a:tabLst/>
+                        <a:defRPr/>
+                      </a:pPr>
+                      <a:r>
+                        <a:rPr lang="en-IN" dirty="0" err="1" smtClean="0"/>
+                        <a:t>per.size</a:t>
+                      </a:r>
+                      <a:r>
+                        <a:rPr lang="en-IN" dirty="0" smtClean="0"/>
+                        <a:t>&gt;</a:t>
+                      </a:r>
+                      <a:r>
+                        <a:rPr lang="en-IN" dirty="0" err="1" smtClean="0"/>
+                        <a:t>per.loc</a:t>
+                      </a:r>
+                      <a:r>
+                        <a:rPr lang="en-IN" dirty="0" smtClean="0"/>
+                        <a:t>&gt;</a:t>
+                      </a:r>
+                      <a:r>
+                        <a:rPr lang="en-IN" dirty="0" err="1" smtClean="0"/>
+                        <a:t>per.shape</a:t>
+                      </a:r>
+                      <a:endParaRPr lang="en-GB" dirty="0" smtClean="0"/>
+                    </a:p>
+                  </a:txBody>
+                  <a:tcPr/>
+                </a:tc>
+              </a:tr>
+              <a:tr h="370840">
+                <a:tc>
+                  <a:txBody>
+                    <a:bodyPr/>
+                    <a:lstStyle/>
+                    <a:p>
+                      <a:pPr marL="0" marR="0" lvl="0" indent="0" algn="l" defTabSz="914400" rtl="0" eaLnBrk="1" fontAlgn="auto" latinLnBrk="0" hangingPunct="1">
+                        <a:lnSpc>
+                          <a:spcPct val="100000"/>
+                        </a:lnSpc>
+                        <a:spcBef>
+                          <a:spcPts val="0"/>
+                        </a:spcBef>
+                        <a:spcAft>
+                          <a:spcPts val="0"/>
+                        </a:spcAft>
+                        <a:buClrTx/>
+                        <a:buSzTx/>
+                        <a:buFontTx/>
+                        <a:buNone/>
+                        <a:tabLst/>
+                        <a:defRPr/>
+                      </a:pPr>
+                      <a:r>
+                        <a:rPr lang="en-IN" dirty="0" smtClean="0"/>
+                        <a:t>Template, G5</a:t>
+                      </a:r>
+                      <a:endParaRPr lang="en-GB" dirty="0" smtClean="0"/>
+                    </a:p>
+                  </a:txBody>
+                  <a:tcPr/>
+                </a:tc>
+                <a:tc>
+                  <a:txBody>
+                    <a:bodyPr/>
+                    <a:lstStyle/>
+                    <a:p>
+                      <a:r>
+                        <a:rPr lang="en-GB" dirty="0" smtClean="0">
+                          <a:effectLst/>
+                        </a:rPr>
+                        <a:t>0.0004404841</a:t>
+                      </a:r>
+                      <a:endParaRPr lang="en-GB" dirty="0"/>
+                    </a:p>
+                  </a:txBody>
+                  <a:tcPr/>
+                </a:tc>
+                <a:tc>
+                  <a:txBody>
+                    <a:bodyPr/>
+                    <a:lstStyle/>
+                    <a:p>
+                      <a:r>
+                        <a:rPr lang="en-GB" dirty="0" smtClean="0">
+                          <a:effectLst/>
+                        </a:rPr>
+                        <a:t>0.00009</a:t>
+                      </a:r>
+                      <a:endParaRPr lang="en-GB" dirty="0"/>
+                    </a:p>
+                  </a:txBody>
+                  <a:tcPr/>
+                </a:tc>
+                <a:tc>
+                  <a:txBody>
+                    <a:bodyPr/>
+                    <a:lstStyle/>
+                    <a:p>
+                      <a:pPr marL="0" marR="0" lvl="0" indent="0" algn="l" defTabSz="914400" rtl="0" eaLnBrk="1" fontAlgn="auto" latinLnBrk="0" hangingPunct="1">
+                        <a:lnSpc>
+                          <a:spcPct val="100000"/>
+                        </a:lnSpc>
+                        <a:spcBef>
+                          <a:spcPts val="0"/>
+                        </a:spcBef>
+                        <a:spcAft>
+                          <a:spcPts val="0"/>
+                        </a:spcAft>
+                        <a:buClrTx/>
+                        <a:buSzTx/>
+                        <a:buFontTx/>
+                        <a:buNone/>
+                        <a:tabLst/>
+                        <a:defRPr/>
+                      </a:pPr>
+                      <a:r>
+                        <a:rPr lang="en-IN" dirty="0" err="1" smtClean="0"/>
+                        <a:t>per.size</a:t>
+                      </a:r>
+                      <a:r>
+                        <a:rPr lang="en-IN" dirty="0" smtClean="0"/>
+                        <a:t>&gt;</a:t>
+                      </a:r>
+                      <a:r>
+                        <a:rPr lang="en-IN" dirty="0" err="1" smtClean="0"/>
+                        <a:t>per.loc</a:t>
+                      </a:r>
+                      <a:r>
+                        <a:rPr lang="en-IN" dirty="0" smtClean="0"/>
+                        <a:t>&gt;</a:t>
+                      </a:r>
+                      <a:r>
+                        <a:rPr lang="en-IN" dirty="0" err="1" smtClean="0"/>
+                        <a:t>per.shape</a:t>
+                      </a:r>
+                      <a:endParaRPr lang="en-GB" dirty="0" smtClean="0"/>
+                    </a:p>
+                  </a:txBody>
+                  <a:tcPr/>
+                </a:tc>
+              </a:tr>
+            </a:tbl>
+          </a:graphicData>
+        </a:graphic>
+      </p:graphicFrame>
+    </p:spTree>
+    <p:extLst>
+      <p:ext uri="{BB962C8B-B14F-4D97-AF65-F5344CB8AC3E}">
+        <p14:creationId xmlns:p14="http://schemas.microsoft.com/office/powerpoint/2010/main" val="250803525"/>
+      </p:ext>
+    </p:extLst>
+  </p:cSld>
+  <p:clrMapOvr>
+    <a:masterClrMapping/>
+  </p:clrMapOvr>
+</p:sld>
+</file>
+
+<file path=ppt/slides/slide48.xml><?xml version="1.0" encoding="utf-8"?>
 <p:sld xmlns:a="http://schemas.openxmlformats.org/drawingml/2006/main" xmlns:r="http://schemas.openxmlformats.org/officeDocument/2006/relationships" xmlns:p="http://schemas.openxmlformats.org/presentationml/2006/main">
   <p:cSld>
     <p:spTree>

--- a/Documentation/Presentation/Project_Presentation_v2.pptx
+++ b/Documentation/Presentation/Project_Presentation_v2.pptx
@@ -5,7 +5,7 @@
     <p:sldMasterId id="2147483648" r:id="rId1"/>
   </p:sldMasterIdLst>
   <p:notesMasterIdLst>
-    <p:notesMasterId r:id="rId50"/>
+    <p:notesMasterId r:id="rId52"/>
   </p:notesMasterIdLst>
   <p:sldIdLst>
     <p:sldId id="257" r:id="rId2"/>
@@ -55,7 +55,9 @@
     <p:sldId id="309" r:id="rId46"/>
     <p:sldId id="310" r:id="rId47"/>
     <p:sldId id="311" r:id="rId48"/>
-    <p:sldId id="279" r:id="rId49"/>
+    <p:sldId id="312" r:id="rId49"/>
+    <p:sldId id="313" r:id="rId50"/>
+    <p:sldId id="279" r:id="rId51"/>
   </p:sldIdLst>
   <p:sldSz cx="12192000" cy="6858000"/>
   <p:notesSz cx="6858000" cy="9144000"/>
@@ -17541,7 +17543,7 @@
             <p:ph idx="1"/>
             <p:extLst>
               <p:ext uri="{D42A27DB-BD31-4B8C-83A1-F6EECF244321}">
-                <p14:modId xmlns:p14="http://schemas.microsoft.com/office/powerpoint/2010/main" val="1665522249"/>
+                <p14:modId xmlns:p14="http://schemas.microsoft.com/office/powerpoint/2010/main" val="1307938515"/>
               </p:ext>
             </p:extLst>
           </p:nvPr>
@@ -17660,7 +17662,7 @@
                         <a:rPr lang="en-GB" dirty="0" smtClean="0">
                           <a:effectLst/>
                         </a:rPr>
-                        <a:t>0.097</a:t>
+                        <a:t>0.093</a:t>
                       </a:r>
                       <a:endParaRPr lang="en-GB" dirty="0"/>
                     </a:p>
@@ -17755,13 +17757,45 @@
                         <a:rPr lang="en-GB" dirty="0" smtClean="0">
                           <a:effectLst/>
                         </a:rPr>
-                        <a:t>0.593</a:t>
+                        <a:t>0.594</a:t>
                       </a:r>
                       <a:endParaRPr lang="en-GB" dirty="0"/>
                     </a:p>
                   </a:txBody>
                   <a:tcPr/>
                 </a:tc>
+                <a:tc>
+                  <a:txBody>
+                    <a:bodyPr/>
+                    <a:lstStyle/>
+                    <a:p>
+                      <a:r>
+                        <a:rPr lang="en-IN" dirty="0" err="1" smtClean="0"/>
+                        <a:t>per.size</a:t>
+                      </a:r>
+                      <a:r>
+                        <a:rPr lang="en-IN" dirty="0" smtClean="0"/>
+                        <a:t>&gt;</a:t>
+                      </a:r>
+                      <a:r>
+                        <a:rPr lang="en-IN" dirty="0" err="1" smtClean="0"/>
+                        <a:t>per.shape</a:t>
+                      </a:r>
+                      <a:r>
+                        <a:rPr lang="en-IN" dirty="0" smtClean="0"/>
+                        <a:t>&gt;</a:t>
+                      </a:r>
+                      <a:r>
+                        <a:rPr lang="en-IN" dirty="0" err="1" smtClean="0"/>
+                        <a:t>per.loc</a:t>
+                      </a:r>
+                      <a:endParaRPr lang="en-GB" dirty="0"/>
+                    </a:p>
+                  </a:txBody>
+                  <a:tcPr/>
+                </a:tc>
+              </a:tr>
+              <a:tr h="370840">
                 <a:tc>
                   <a:txBody>
                     <a:bodyPr/>
@@ -17785,32 +17819,46 @@
                         <a:defRPr/>
                       </a:pPr>
                       <a:r>
-                        <a:rPr lang="en-IN" dirty="0" err="1" smtClean="0"/>
-                        <a:t>per.size</a:t>
-                      </a:r>
-                      <a:r>
                         <a:rPr lang="en-IN" dirty="0" smtClean="0"/>
-                        <a:t>&gt;</a:t>
-                      </a:r>
-                      <a:r>
-                        <a:rPr lang="en-IN" dirty="0" err="1" smtClean="0"/>
-                        <a:t>per.shape</a:t>
-                      </a:r>
-                      <a:r>
-                        <a:rPr lang="en-IN" dirty="0" smtClean="0"/>
-                        <a:t>&gt;</a:t>
-                      </a:r>
-                      <a:r>
-                        <a:rPr lang="en-IN" dirty="0" err="1" smtClean="0"/>
-                        <a:t>per.loc</a:t>
+                        <a:t>Template, G3</a:t>
                       </a:r>
                       <a:endParaRPr lang="en-GB" dirty="0" smtClean="0"/>
                     </a:p>
                   </a:txBody>
                   <a:tcPr/>
                 </a:tc>
-              </a:tr>
-              <a:tr h="370840">
+                <a:tc>
+                  <a:txBody>
+                    <a:bodyPr/>
+                    <a:lstStyle/>
+                    <a:p>
+                      <a:r>
+                        <a:rPr lang="en-GB" dirty="0" smtClean="0">
+                          <a:effectLst/>
+                        </a:rPr>
+                        <a:t>11.695</a:t>
+                      </a:r>
+                      <a:endParaRPr lang="en-GB" dirty="0"/>
+                    </a:p>
+                  </a:txBody>
+                  <a:tcPr/>
+                </a:tc>
+                <a:tc>
+                  <a:txBody>
+                    <a:bodyPr/>
+                    <a:lstStyle/>
+                    <a:p>
+                      <a:r>
+                        <a:rPr lang="en-GB" dirty="0" smtClean="0">
+                          <a:effectLst/>
+                        </a:rPr>
+                        <a:t>0.002</a:t>
+                      </a:r>
+                      <a:endParaRPr lang="en-GB" dirty="0"/>
+                    </a:p>
+                  </a:txBody>
+                  <a:tcPr/>
+                </a:tc>
                 <a:tc>
                   <a:txBody>
                     <a:bodyPr/>
@@ -17834,46 +17882,32 @@
                         <a:defRPr/>
                       </a:pPr>
                       <a:r>
+                        <a:rPr lang="en-IN" dirty="0" err="1" smtClean="0"/>
+                        <a:t>per.size</a:t>
+                      </a:r>
+                      <a:r>
                         <a:rPr lang="en-IN" dirty="0" smtClean="0"/>
-                        <a:t>Template, G3</a:t>
+                        <a:t>&gt;</a:t>
+                      </a:r>
+                      <a:r>
+                        <a:rPr lang="en-IN" dirty="0" err="1" smtClean="0"/>
+                        <a:t>per.loc</a:t>
+                      </a:r>
+                      <a:r>
+                        <a:rPr lang="en-IN" dirty="0" smtClean="0"/>
+                        <a:t>&gt;</a:t>
+                      </a:r>
+                      <a:r>
+                        <a:rPr lang="en-IN" dirty="0" err="1" smtClean="0"/>
+                        <a:t>per.shape</a:t>
                       </a:r>
                       <a:endParaRPr lang="en-GB" dirty="0" smtClean="0"/>
                     </a:p>
                   </a:txBody>
                   <a:tcPr/>
                 </a:tc>
-                <a:tc>
-                  <a:txBody>
-                    <a:bodyPr/>
-                    <a:lstStyle/>
-                    <a:p>
-                      <a:r>
-                        <a:rPr lang="en-GB" dirty="0" smtClean="0">
-                          <a:effectLst/>
-                        </a:rPr>
-                        <a:t>11.695</a:t>
-                      </a:r>
-                      <a:endParaRPr lang="en-GB" dirty="0"/>
-                    </a:p>
-                  </a:txBody>
-                  <a:tcPr/>
-                </a:tc>
-                <a:tc>
-                  <a:txBody>
-                    <a:bodyPr/>
-                    <a:lstStyle/>
-                    <a:p>
-                      <a:r>
-                        <a:rPr lang="en-GB" dirty="0" smtClean="0">
-                          <a:effectLst/>
-                        </a:rPr>
-                        <a:t>0.002</a:t>
-                      </a:r>
-                      <a:endParaRPr lang="en-GB" dirty="0"/>
-                    </a:p>
-                  </a:txBody>
-                  <a:tcPr/>
-                </a:tc>
+              </a:tr>
+              <a:tr h="370840">
                 <a:tc>
                   <a:txBody>
                     <a:bodyPr/>
@@ -17897,55 +17931,6 @@
                         <a:defRPr/>
                       </a:pPr>
                       <a:r>
-                        <a:rPr lang="en-IN" dirty="0" err="1" smtClean="0"/>
-                        <a:t>per.size</a:t>
-                      </a:r>
-                      <a:r>
-                        <a:rPr lang="en-IN" dirty="0" smtClean="0"/>
-                        <a:t>&gt;</a:t>
-                      </a:r>
-                      <a:r>
-                        <a:rPr lang="en-IN" dirty="0" err="1" smtClean="0"/>
-                        <a:t>per.loc</a:t>
-                      </a:r>
-                      <a:r>
-                        <a:rPr lang="en-IN" dirty="0" smtClean="0"/>
-                        <a:t>&gt;</a:t>
-                      </a:r>
-                      <a:r>
-                        <a:rPr lang="en-IN" dirty="0" err="1" smtClean="0"/>
-                        <a:t>per.shape</a:t>
-                      </a:r>
-                      <a:endParaRPr lang="en-GB" dirty="0" smtClean="0"/>
-                    </a:p>
-                  </a:txBody>
-                  <a:tcPr/>
-                </a:tc>
-              </a:tr>
-              <a:tr h="370840">
-                <a:tc>
-                  <a:txBody>
-                    <a:bodyPr/>
-                    <a:lstStyle/>
-                    <a:p>
-                      <a:pPr marL="0" marR="0" lvl="0" indent="0" algn="l" defTabSz="914400" rtl="0" eaLnBrk="1" fontAlgn="auto" latinLnBrk="0" hangingPunct="1">
-                        <a:lnSpc>
-                          <a:spcPct val="100000"/>
-                        </a:lnSpc>
-                        <a:spcBef>
-                          <a:spcPts val="0"/>
-                        </a:spcBef>
-                        <a:spcAft>
-                          <a:spcPts val="0"/>
-                        </a:spcAft>
-                        <a:buClrTx/>
-                        <a:buSzTx/>
-                        <a:buFontTx/>
-                        <a:buNone/>
-                        <a:tabLst/>
-                        <a:defRPr/>
-                      </a:pPr>
-                      <a:r>
                         <a:rPr lang="en-IN" dirty="0" smtClean="0"/>
                         <a:t>Template, G4</a:t>
                       </a:r>
@@ -17979,7 +17964,7 @@
                         <a:rPr lang="en-GB" dirty="0" smtClean="0">
                           <a:effectLst/>
                         </a:rPr>
-                        <a:t>0.0005</a:t>
+                        <a:t>0.00009</a:t>
                       </a:r>
                       <a:endParaRPr lang="en-GB" dirty="0"/>
                     </a:p>
@@ -18899,8 +18884,8 @@
               <a:rPr lang="en-IN" dirty="0" smtClean="0"/>
             </a:br>
             <a:r>
-              <a:rPr lang="en-IN" sz="2800" dirty="0" smtClean="0"/>
-              <a:t>Closeness</a:t>
+              <a:rPr lang="en-IN" sz="2800" dirty="0" err="1" smtClean="0"/>
+              <a:t>Betweenness</a:t>
             </a:r>
             <a:endParaRPr lang="en-GB" dirty="0"/>
           </a:p>
@@ -18916,7 +18901,7 @@
             <p:ph idx="1"/>
             <p:extLst>
               <p:ext uri="{D42A27DB-BD31-4B8C-83A1-F6EECF244321}">
-                <p14:modId xmlns:p14="http://schemas.microsoft.com/office/powerpoint/2010/main" val="1216027761"/>
+                <p14:modId xmlns:p14="http://schemas.microsoft.com/office/powerpoint/2010/main" val="4175179597"/>
               </p:ext>
             </p:extLst>
           </p:nvPr>
@@ -19019,7 +19004,7 @@
                         <a:rPr lang="en-GB" dirty="0" smtClean="0">
                           <a:effectLst/>
                         </a:rPr>
-                        <a:t>2.173132e-05</a:t>
+                        <a:t>10.886</a:t>
                       </a:r>
                       <a:endParaRPr lang="en-GB" dirty="0"/>
                     </a:p>
@@ -19035,7 +19020,7 @@
                         <a:rPr lang="en-GB" dirty="0" smtClean="0">
                           <a:effectLst/>
                         </a:rPr>
-                        <a:t>0.761</a:t>
+                        <a:t>0.833</a:t>
                       </a:r>
                       <a:endParaRPr lang="en-GB" dirty="0"/>
                     </a:p>
@@ -19066,7 +19051,7 @@
                       </a:pPr>
                       <a:r>
                         <a:rPr lang="en-IN" dirty="0" err="1" smtClean="0"/>
-                        <a:t>per.shape</a:t>
+                        <a:t>per.size</a:t>
                       </a:r>
                       <a:r>
                         <a:rPr lang="en-IN" dirty="0" smtClean="0"/>
@@ -19074,15 +19059,15 @@
                       </a:r>
                       <a:r>
                         <a:rPr lang="en-IN" dirty="0" err="1" smtClean="0"/>
+                        <a:t>per.shape</a:t>
+                      </a:r>
+                      <a:r>
+                        <a:rPr lang="en-IN" dirty="0" smtClean="0"/>
+                        <a:t>&gt;</a:t>
+                      </a:r>
+                      <a:r>
+                        <a:rPr lang="en-IN" dirty="0" err="1" smtClean="0"/>
                         <a:t>per.loc</a:t>
-                      </a:r>
-                      <a:r>
-                        <a:rPr lang="en-GB" dirty="0" smtClean="0"/>
-                        <a:t>&gt;</a:t>
-                      </a:r>
-                      <a:r>
-                        <a:rPr lang="en-IN" dirty="0" err="1" smtClean="0"/>
-                        <a:t>per.size</a:t>
                       </a:r>
                       <a:endParaRPr lang="en-GB" dirty="0"/>
                     </a:p>
@@ -19131,7 +19116,7 @@
                         <a:rPr lang="en-GB" dirty="0" smtClean="0">
                           <a:effectLst/>
                         </a:rPr>
-                        <a:t>5.922989e-05</a:t>
+                        <a:t>12.515</a:t>
                       </a:r>
                       <a:endParaRPr lang="en-GB" dirty="0"/>
                     </a:p>
@@ -19147,7 +19132,7 @@
                         <a:rPr lang="en-GB" dirty="0" smtClean="0">
                           <a:effectLst/>
                         </a:rPr>
-                        <a:t>0.219</a:t>
+                        <a:t>0.577</a:t>
                       </a:r>
                       <a:endParaRPr lang="en-GB" dirty="0"/>
                     </a:p>
@@ -19186,17 +19171,17 @@
                       </a:r>
                       <a:r>
                         <a:rPr lang="en-IN" dirty="0" err="1" smtClean="0"/>
+                        <a:t>per.shape</a:t>
+                      </a:r>
+                      <a:r>
+                        <a:rPr lang="en-IN" dirty="0" smtClean="0"/>
+                        <a:t>&gt;</a:t>
+                      </a:r>
+                      <a:r>
+                        <a:rPr lang="en-IN" dirty="0" err="1" smtClean="0"/>
                         <a:t>per.loc</a:t>
                       </a:r>
-                      <a:r>
-                        <a:rPr lang="en-GB" dirty="0" smtClean="0"/>
-                        <a:t>&gt;</a:t>
-                      </a:r>
-                      <a:r>
-                        <a:rPr lang="en-IN" dirty="0" err="1" smtClean="0"/>
-                        <a:t>per.shape</a:t>
-                      </a:r>
-                      <a:endParaRPr lang="en-GB" dirty="0" smtClean="0"/>
+                      <a:endParaRPr lang="en-GB" dirty="0"/>
                     </a:p>
                   </a:txBody>
                   <a:tcPr/>
@@ -19243,7 +19228,7 @@
                         <a:rPr lang="en-GB" dirty="0" smtClean="0">
                           <a:effectLst/>
                         </a:rPr>
-                        <a:t>2.732857e-05</a:t>
+                        <a:t>7.335</a:t>
                       </a:r>
                       <a:endParaRPr lang="en-GB" dirty="0"/>
                     </a:p>
@@ -19259,7 +19244,7 @@
                         <a:rPr lang="en-GB" dirty="0" smtClean="0">
                           <a:effectLst/>
                         </a:rPr>
-                        <a:t>0.838</a:t>
+                        <a:t>0.923</a:t>
                       </a:r>
                       <a:endParaRPr lang="en-GB" dirty="0"/>
                     </a:p>
@@ -19290,7 +19275,7 @@
                       </a:pPr>
                       <a:r>
                         <a:rPr lang="en-IN" dirty="0" err="1" smtClean="0"/>
-                        <a:t>per.loc</a:t>
+                        <a:t>per.shape</a:t>
                       </a:r>
                       <a:r>
                         <a:rPr lang="en-IN" dirty="0" smtClean="0"/>
@@ -19298,7 +19283,7 @@
                       </a:r>
                       <a:r>
                         <a:rPr lang="en-IN" dirty="0" err="1" smtClean="0"/>
-                        <a:t>per.shape</a:t>
+                        <a:t>per.size</a:t>
                       </a:r>
                       <a:r>
                         <a:rPr lang="en-IN" dirty="0" smtClean="0"/>
@@ -19306,7 +19291,7 @@
                       </a:r>
                       <a:r>
                         <a:rPr lang="en-IN" dirty="0" err="1" smtClean="0"/>
-                        <a:t>per.size</a:t>
+                        <a:t>per.loc</a:t>
                       </a:r>
                       <a:endParaRPr lang="en-GB" dirty="0" smtClean="0"/>
                     </a:p>
@@ -19355,7 +19340,7 @@
                         <a:rPr lang="en-GB" dirty="0" smtClean="0">
                           <a:effectLst/>
                         </a:rPr>
-                        <a:t>0.0007895869</a:t>
+                        <a:t>18.968</a:t>
                       </a:r>
                       <a:endParaRPr lang="en-GB" dirty="0"/>
                     </a:p>
@@ -19371,7 +19356,7 @@
                         <a:rPr lang="en-GB" dirty="0" smtClean="0">
                           <a:effectLst/>
                         </a:rPr>
-                        <a:t>0.00009</a:t>
+                        <a:t>0.327</a:t>
                       </a:r>
                       <a:endParaRPr lang="en-GB" dirty="0"/>
                     </a:p>
@@ -19410,7 +19395,7 @@
                       </a:r>
                       <a:r>
                         <a:rPr lang="en-IN" dirty="0" err="1" smtClean="0"/>
-                        <a:t>per.loc</a:t>
+                        <a:t>per.shape</a:t>
                       </a:r>
                       <a:r>
                         <a:rPr lang="en-IN" dirty="0" smtClean="0"/>
@@ -19418,9 +19403,9 @@
                       </a:r>
                       <a:r>
                         <a:rPr lang="en-IN" dirty="0" err="1" smtClean="0"/>
-                        <a:t>per.shape</a:t>
-                      </a:r>
-                      <a:endParaRPr lang="en-GB" dirty="0" smtClean="0"/>
+                        <a:t>per.loc</a:t>
+                      </a:r>
+                      <a:endParaRPr lang="en-GB" dirty="0"/>
                     </a:p>
                   </a:txBody>
                   <a:tcPr/>
@@ -19467,7 +19452,7 @@
                         <a:rPr lang="en-GB" dirty="0" smtClean="0">
                           <a:effectLst/>
                         </a:rPr>
-                        <a:t>0.0004404841</a:t>
+                        <a:t>7.901</a:t>
                       </a:r>
                       <a:endParaRPr lang="en-GB" dirty="0"/>
                     </a:p>
@@ -19483,7 +19468,7 @@
                         <a:rPr lang="en-GB" dirty="0" smtClean="0">
                           <a:effectLst/>
                         </a:rPr>
-                        <a:t>0.00009</a:t>
+                        <a:t>0.962</a:t>
                       </a:r>
                       <a:endParaRPr lang="en-GB" dirty="0"/>
                     </a:p>
@@ -19514,7 +19499,7 @@
                       </a:pPr>
                       <a:r>
                         <a:rPr lang="en-IN" dirty="0" err="1" smtClean="0"/>
-                        <a:t>per.size</a:t>
+                        <a:t>per.shape</a:t>
                       </a:r>
                       <a:r>
                         <a:rPr lang="en-IN" dirty="0" smtClean="0"/>
@@ -19522,7 +19507,7 @@
                       </a:r>
                       <a:r>
                         <a:rPr lang="en-IN" dirty="0" err="1" smtClean="0"/>
-                        <a:t>per.loc</a:t>
+                        <a:t>per.size</a:t>
                       </a:r>
                       <a:r>
                         <a:rPr lang="en-IN" dirty="0" smtClean="0"/>
@@ -19530,7 +19515,7 @@
                       </a:r>
                       <a:r>
                         <a:rPr lang="en-IN" dirty="0" err="1" smtClean="0"/>
-                        <a:t>per.shape</a:t>
+                        <a:t>per.loc</a:t>
                       </a:r>
                       <a:endParaRPr lang="en-GB" dirty="0" smtClean="0"/>
                     </a:p>
@@ -19574,51 +19559,1370 @@
       </p:grpSpPr>
       <p:sp>
         <p:nvSpPr>
-          <p:cNvPr id="2" name="Title 1">
-            <a:extLst>
-              <a:ext uri="{FF2B5EF4-FFF2-40B4-BE49-F238E27FC236}">
-                <a16:creationId xmlns:a16="http://schemas.microsoft.com/office/drawing/2014/main" xmlns="" id="{03157DC7-9BF8-4E26-8207-6C2831CE5A1E}"/>
-              </a:ext>
-            </a:extLst>
-          </p:cNvPr>
+          <p:cNvPr id="2" name="Title 1"/>
           <p:cNvSpPr>
             <a:spLocks noGrp="1"/>
           </p:cNvSpPr>
           <p:nvPr>
-            <p:ph type="ctrTitle"/>
+            <p:ph type="title"/>
           </p:nvPr>
         </p:nvSpPr>
         <p:spPr/>
         <p:txBody>
-          <a:bodyPr>
-            <a:normAutofit/>
-          </a:bodyPr>
+          <a:bodyPr/>
           <a:lstStyle/>
           <a:p>
             <a:r>
-              <a:rPr lang="en-US" sz="6600" b="1" dirty="0">
-                <a:solidFill>
-                  <a:schemeClr val="accent1">
-                    <a:lumMod val="50000"/>
-                  </a:schemeClr>
-                </a:solidFill>
-                <a:effectLst>
-                  <a:outerShdw blurRad="38100" dist="38100" dir="2700000" algn="tl">
-                    <a:srgbClr val="000000">
-                      <a:alpha val="43137"/>
-                    </a:srgbClr>
-                  </a:outerShdw>
-                </a:effectLst>
-              </a:rPr>
-              <a:t>Thank you for your time</a:t>
-            </a:r>
+              <a:rPr lang="en-IN" dirty="0" smtClean="0"/>
+              <a:t>Wasserstein Metric</a:t>
+            </a:r>
+            <a:br>
+              <a:rPr lang="en-IN" dirty="0" smtClean="0"/>
+            </a:br>
+            <a:r>
+              <a:rPr lang="en-IN" sz="2800" dirty="0" smtClean="0"/>
+              <a:t>Eigen Centrality</a:t>
+            </a:r>
+            <a:endParaRPr lang="en-GB" dirty="0"/>
           </a:p>
         </p:txBody>
       </p:sp>
+      <p:graphicFrame>
+        <p:nvGraphicFramePr>
+          <p:cNvPr id="4" name="Content Placeholder 3"/>
+          <p:cNvGraphicFramePr>
+            <a:graphicFrameLocks noGrp="1"/>
+          </p:cNvGraphicFramePr>
+          <p:nvPr>
+            <p:ph idx="1"/>
+            <p:extLst>
+              <p:ext uri="{D42A27DB-BD31-4B8C-83A1-F6EECF244321}">
+                <p14:modId xmlns:p14="http://schemas.microsoft.com/office/powerpoint/2010/main" val="2067181116"/>
+              </p:ext>
+            </p:extLst>
+          </p:nvPr>
+        </p:nvGraphicFramePr>
+        <p:xfrm>
+          <a:off x="838200" y="1825625"/>
+          <a:ext cx="10515600" cy="2225040"/>
+        </p:xfrm>
+        <a:graphic>
+          <a:graphicData uri="http://schemas.openxmlformats.org/drawingml/2006/table">
+            <a:tbl>
+              <a:tblPr firstRow="1" bandRow="1">
+                <a:tableStyleId>{5C22544A-7EE6-4342-B048-85BDC9FD1C3A}</a:tableStyleId>
+              </a:tblPr>
+              <a:tblGrid>
+                <a:gridCol w="2628900"/>
+                <a:gridCol w="2114191"/>
+                <a:gridCol w="1613139"/>
+                <a:gridCol w="4159370"/>
+              </a:tblGrid>
+              <a:tr h="370840">
+                <a:tc>
+                  <a:txBody>
+                    <a:bodyPr/>
+                    <a:lstStyle/>
+                    <a:p>
+                      <a:r>
+                        <a:rPr lang="en-IN" dirty="0" smtClean="0"/>
+                        <a:t>Graph Name</a:t>
+                      </a:r>
+                      <a:endParaRPr lang="en-GB" dirty="0"/>
+                    </a:p>
+                  </a:txBody>
+                  <a:tcPr/>
+                </a:tc>
+                <a:tc>
+                  <a:txBody>
+                    <a:bodyPr/>
+                    <a:lstStyle/>
+                    <a:p>
+                      <a:r>
+                        <a:rPr lang="en-IN" dirty="0" smtClean="0"/>
+                        <a:t>Wasserstein Metric</a:t>
+                      </a:r>
+                      <a:endParaRPr lang="en-GB" dirty="0"/>
+                    </a:p>
+                  </a:txBody>
+                  <a:tcPr/>
+                </a:tc>
+                <a:tc>
+                  <a:txBody>
+                    <a:bodyPr/>
+                    <a:lstStyle/>
+                    <a:p>
+                      <a:r>
+                        <a:rPr lang="en-IN" dirty="0" smtClean="0"/>
+                        <a:t>P-value</a:t>
+                      </a:r>
+                      <a:endParaRPr lang="en-GB" dirty="0"/>
+                    </a:p>
+                  </a:txBody>
+                  <a:tcPr/>
+                </a:tc>
+                <a:tc>
+                  <a:txBody>
+                    <a:bodyPr/>
+                    <a:lstStyle/>
+                    <a:p>
+                      <a:r>
+                        <a:rPr lang="en-IN" dirty="0" smtClean="0"/>
+                        <a:t>Difference</a:t>
+                      </a:r>
+                      <a:endParaRPr lang="en-GB" dirty="0"/>
+                    </a:p>
+                  </a:txBody>
+                  <a:tcPr/>
+                </a:tc>
+              </a:tr>
+              <a:tr h="370840">
+                <a:tc>
+                  <a:txBody>
+                    <a:bodyPr/>
+                    <a:lstStyle/>
+                    <a:p>
+                      <a:r>
+                        <a:rPr lang="en-IN" dirty="0" smtClean="0"/>
+                        <a:t>Template, G1</a:t>
+                      </a:r>
+                      <a:endParaRPr lang="en-GB" dirty="0"/>
+                    </a:p>
+                  </a:txBody>
+                  <a:tcPr/>
+                </a:tc>
+                <a:tc>
+                  <a:txBody>
+                    <a:bodyPr/>
+                    <a:lstStyle/>
+                    <a:p>
+                      <a:r>
+                        <a:rPr lang="en-GB" dirty="0" smtClean="0">
+                          <a:effectLst/>
+                        </a:rPr>
+                        <a:t>0.071</a:t>
+                      </a:r>
+                      <a:endParaRPr lang="en-GB" dirty="0"/>
+                    </a:p>
+                  </a:txBody>
+                  <a:tcPr/>
+                </a:tc>
+                <a:tc>
+                  <a:txBody>
+                    <a:bodyPr/>
+                    <a:lstStyle/>
+                    <a:p>
+                      <a:r>
+                        <a:rPr lang="en-GB" dirty="0" smtClean="0">
+                          <a:effectLst/>
+                        </a:rPr>
+                        <a:t>0.136</a:t>
+                      </a:r>
+                      <a:endParaRPr lang="en-GB" dirty="0"/>
+                    </a:p>
+                  </a:txBody>
+                  <a:tcPr/>
+                </a:tc>
+                <a:tc>
+                  <a:txBody>
+                    <a:bodyPr/>
+                    <a:lstStyle/>
+                    <a:p>
+                      <a:pPr marL="0" marR="0" lvl="0" indent="0" algn="l" defTabSz="914400" rtl="0" eaLnBrk="1" fontAlgn="auto" latinLnBrk="0" hangingPunct="1">
+                        <a:lnSpc>
+                          <a:spcPct val="100000"/>
+                        </a:lnSpc>
+                        <a:spcBef>
+                          <a:spcPts val="0"/>
+                        </a:spcBef>
+                        <a:spcAft>
+                          <a:spcPts val="0"/>
+                        </a:spcAft>
+                        <a:buClrTx/>
+                        <a:buSzTx/>
+                        <a:buFontTx/>
+                        <a:buNone/>
+                        <a:tabLst/>
+                        <a:defRPr/>
+                      </a:pPr>
+                      <a:r>
+                        <a:rPr lang="en-IN" dirty="0" err="1" smtClean="0"/>
+                        <a:t>per.shape</a:t>
+                      </a:r>
+                      <a:r>
+                        <a:rPr lang="en-IN" dirty="0" smtClean="0"/>
+                        <a:t>&gt;</a:t>
+                      </a:r>
+                      <a:r>
+                        <a:rPr lang="en-IN" dirty="0" err="1" smtClean="0"/>
+                        <a:t>per.loc</a:t>
+                      </a:r>
+                      <a:r>
+                        <a:rPr lang="en-IN" dirty="0" smtClean="0"/>
+                        <a:t>&gt;</a:t>
+                      </a:r>
+                      <a:r>
+                        <a:rPr lang="en-IN" dirty="0" err="1" smtClean="0"/>
+                        <a:t>per.size</a:t>
+                      </a:r>
+                      <a:endParaRPr lang="en-GB" dirty="0" smtClean="0"/>
+                    </a:p>
+                  </a:txBody>
+                  <a:tcPr/>
+                </a:tc>
+              </a:tr>
+              <a:tr h="370840">
+                <a:tc>
+                  <a:txBody>
+                    <a:bodyPr/>
+                    <a:lstStyle/>
+                    <a:p>
+                      <a:pPr marL="0" marR="0" lvl="0" indent="0" algn="l" defTabSz="914400" rtl="0" eaLnBrk="1" fontAlgn="auto" latinLnBrk="0" hangingPunct="1">
+                        <a:lnSpc>
+                          <a:spcPct val="100000"/>
+                        </a:lnSpc>
+                        <a:spcBef>
+                          <a:spcPts val="0"/>
+                        </a:spcBef>
+                        <a:spcAft>
+                          <a:spcPts val="0"/>
+                        </a:spcAft>
+                        <a:buClrTx/>
+                        <a:buSzTx/>
+                        <a:buFontTx/>
+                        <a:buNone/>
+                        <a:tabLst/>
+                        <a:defRPr/>
+                      </a:pPr>
+                      <a:r>
+                        <a:rPr lang="en-IN" dirty="0" smtClean="0"/>
+                        <a:t>Template, G2</a:t>
+                      </a:r>
+                      <a:endParaRPr lang="en-GB" dirty="0" smtClean="0"/>
+                    </a:p>
+                  </a:txBody>
+                  <a:tcPr/>
+                </a:tc>
+                <a:tc>
+                  <a:txBody>
+                    <a:bodyPr/>
+                    <a:lstStyle/>
+                    <a:p>
+                      <a:r>
+                        <a:rPr lang="en-GB" dirty="0" smtClean="0">
+                          <a:effectLst/>
+                        </a:rPr>
+                        <a:t>0.086</a:t>
+                      </a:r>
+                      <a:endParaRPr lang="en-GB" dirty="0"/>
+                    </a:p>
+                  </a:txBody>
+                  <a:tcPr/>
+                </a:tc>
+                <a:tc>
+                  <a:txBody>
+                    <a:bodyPr/>
+                    <a:lstStyle/>
+                    <a:p>
+                      <a:r>
+                        <a:rPr lang="en-GB" dirty="0" smtClean="0">
+                          <a:effectLst/>
+                        </a:rPr>
+                        <a:t>0.045</a:t>
+                      </a:r>
+                      <a:endParaRPr lang="en-GB" dirty="0"/>
+                    </a:p>
+                  </a:txBody>
+                  <a:tcPr/>
+                </a:tc>
+                <a:tc>
+                  <a:txBody>
+                    <a:bodyPr/>
+                    <a:lstStyle/>
+                    <a:p>
+                      <a:pPr marL="0" marR="0" lvl="0" indent="0" algn="l" defTabSz="914400" rtl="0" eaLnBrk="1" fontAlgn="auto" latinLnBrk="0" hangingPunct="1">
+                        <a:lnSpc>
+                          <a:spcPct val="100000"/>
+                        </a:lnSpc>
+                        <a:spcBef>
+                          <a:spcPts val="0"/>
+                        </a:spcBef>
+                        <a:spcAft>
+                          <a:spcPts val="0"/>
+                        </a:spcAft>
+                        <a:buClrTx/>
+                        <a:buSzTx/>
+                        <a:buFontTx/>
+                        <a:buNone/>
+                        <a:tabLst/>
+                        <a:defRPr/>
+                      </a:pPr>
+                      <a:r>
+                        <a:rPr lang="en-IN" dirty="0" err="1" smtClean="0"/>
+                        <a:t>per.shape</a:t>
+                      </a:r>
+                      <a:r>
+                        <a:rPr lang="en-IN" dirty="0" smtClean="0"/>
+                        <a:t>&gt;</a:t>
+                      </a:r>
+                      <a:r>
+                        <a:rPr lang="en-IN" dirty="0" err="1" smtClean="0"/>
+                        <a:t>per.loc</a:t>
+                      </a:r>
+                      <a:r>
+                        <a:rPr lang="en-IN" dirty="0" smtClean="0"/>
+                        <a:t>&gt;</a:t>
+                      </a:r>
+                      <a:r>
+                        <a:rPr lang="en-IN" dirty="0" err="1" smtClean="0"/>
+                        <a:t>per.size</a:t>
+                      </a:r>
+                      <a:endParaRPr lang="en-GB" dirty="0" smtClean="0"/>
+                    </a:p>
+                  </a:txBody>
+                  <a:tcPr/>
+                </a:tc>
+              </a:tr>
+              <a:tr h="370840">
+                <a:tc>
+                  <a:txBody>
+                    <a:bodyPr/>
+                    <a:lstStyle/>
+                    <a:p>
+                      <a:pPr marL="0" marR="0" lvl="0" indent="0" algn="l" defTabSz="914400" rtl="0" eaLnBrk="1" fontAlgn="auto" latinLnBrk="0" hangingPunct="1">
+                        <a:lnSpc>
+                          <a:spcPct val="100000"/>
+                        </a:lnSpc>
+                        <a:spcBef>
+                          <a:spcPts val="0"/>
+                        </a:spcBef>
+                        <a:spcAft>
+                          <a:spcPts val="0"/>
+                        </a:spcAft>
+                        <a:buClrTx/>
+                        <a:buSzTx/>
+                        <a:buFontTx/>
+                        <a:buNone/>
+                        <a:tabLst/>
+                        <a:defRPr/>
+                      </a:pPr>
+                      <a:r>
+                        <a:rPr lang="en-IN" dirty="0" smtClean="0"/>
+                        <a:t>Template, G3</a:t>
+                      </a:r>
+                      <a:endParaRPr lang="en-GB" dirty="0" smtClean="0"/>
+                    </a:p>
+                  </a:txBody>
+                  <a:tcPr/>
+                </a:tc>
+                <a:tc>
+                  <a:txBody>
+                    <a:bodyPr/>
+                    <a:lstStyle/>
+                    <a:p>
+                      <a:r>
+                        <a:rPr lang="en-GB" dirty="0" smtClean="0">
+                          <a:effectLst/>
+                        </a:rPr>
+                        <a:t>0.074</a:t>
+                      </a:r>
+                      <a:endParaRPr lang="en-GB" dirty="0"/>
+                    </a:p>
+                  </a:txBody>
+                  <a:tcPr/>
+                </a:tc>
+                <a:tc>
+                  <a:txBody>
+                    <a:bodyPr/>
+                    <a:lstStyle/>
+                    <a:p>
+                      <a:r>
+                        <a:rPr lang="en-GB" dirty="0" smtClean="0">
+                          <a:effectLst/>
+                        </a:rPr>
+                        <a:t>0.154</a:t>
+                      </a:r>
+                      <a:endParaRPr lang="en-GB" dirty="0"/>
+                    </a:p>
+                  </a:txBody>
+                  <a:tcPr/>
+                </a:tc>
+                <a:tc>
+                  <a:txBody>
+                    <a:bodyPr/>
+                    <a:lstStyle/>
+                    <a:p>
+                      <a:pPr marL="0" marR="0" lvl="0" indent="0" algn="l" defTabSz="914400" rtl="0" eaLnBrk="1" fontAlgn="auto" latinLnBrk="0" hangingPunct="1">
+                        <a:lnSpc>
+                          <a:spcPct val="100000"/>
+                        </a:lnSpc>
+                        <a:spcBef>
+                          <a:spcPts val="0"/>
+                        </a:spcBef>
+                        <a:spcAft>
+                          <a:spcPts val="0"/>
+                        </a:spcAft>
+                        <a:buClrTx/>
+                        <a:buSzTx/>
+                        <a:buFontTx/>
+                        <a:buNone/>
+                        <a:tabLst/>
+                        <a:defRPr/>
+                      </a:pPr>
+                      <a:r>
+                        <a:rPr lang="en-IN" dirty="0" err="1" smtClean="0"/>
+                        <a:t>per.shape</a:t>
+                      </a:r>
+                      <a:r>
+                        <a:rPr lang="en-IN" dirty="0" smtClean="0"/>
+                        <a:t>&gt;</a:t>
+                      </a:r>
+                      <a:r>
+                        <a:rPr lang="en-IN" dirty="0" err="1" smtClean="0"/>
+                        <a:t>per.loc</a:t>
+                      </a:r>
+                      <a:r>
+                        <a:rPr lang="en-IN" dirty="0" smtClean="0"/>
+                        <a:t>&gt;</a:t>
+                      </a:r>
+                      <a:r>
+                        <a:rPr lang="en-IN" dirty="0" err="1" smtClean="0"/>
+                        <a:t>per.size</a:t>
+                      </a:r>
+                      <a:endParaRPr lang="en-GB" dirty="0" smtClean="0"/>
+                    </a:p>
+                  </a:txBody>
+                  <a:tcPr/>
+                </a:tc>
+              </a:tr>
+              <a:tr h="370840">
+                <a:tc>
+                  <a:txBody>
+                    <a:bodyPr/>
+                    <a:lstStyle/>
+                    <a:p>
+                      <a:pPr marL="0" marR="0" lvl="0" indent="0" algn="l" defTabSz="914400" rtl="0" eaLnBrk="1" fontAlgn="auto" latinLnBrk="0" hangingPunct="1">
+                        <a:lnSpc>
+                          <a:spcPct val="100000"/>
+                        </a:lnSpc>
+                        <a:spcBef>
+                          <a:spcPts val="0"/>
+                        </a:spcBef>
+                        <a:spcAft>
+                          <a:spcPts val="0"/>
+                        </a:spcAft>
+                        <a:buClrTx/>
+                        <a:buSzTx/>
+                        <a:buFontTx/>
+                        <a:buNone/>
+                        <a:tabLst/>
+                        <a:defRPr/>
+                      </a:pPr>
+                      <a:r>
+                        <a:rPr lang="en-IN" dirty="0" smtClean="0"/>
+                        <a:t>Template, G4</a:t>
+                      </a:r>
+                      <a:endParaRPr lang="en-GB" dirty="0" smtClean="0"/>
+                    </a:p>
+                  </a:txBody>
+                  <a:tcPr/>
+                </a:tc>
+                <a:tc>
+                  <a:txBody>
+                    <a:bodyPr/>
+                    <a:lstStyle/>
+                    <a:p>
+                      <a:r>
+                        <a:rPr lang="en-GB" dirty="0" smtClean="0">
+                          <a:effectLst/>
+                        </a:rPr>
+                        <a:t>0.091</a:t>
+                      </a:r>
+                      <a:endParaRPr lang="en-GB" dirty="0"/>
+                    </a:p>
+                  </a:txBody>
+                  <a:tcPr/>
+                </a:tc>
+                <a:tc>
+                  <a:txBody>
+                    <a:bodyPr/>
+                    <a:lstStyle/>
+                    <a:p>
+                      <a:r>
+                        <a:rPr lang="en-GB" dirty="0" smtClean="0">
+                          <a:effectLst/>
+                        </a:rPr>
+                        <a:t>0.052</a:t>
+                      </a:r>
+                      <a:endParaRPr lang="en-GB" dirty="0"/>
+                    </a:p>
+                  </a:txBody>
+                  <a:tcPr/>
+                </a:tc>
+                <a:tc>
+                  <a:txBody>
+                    <a:bodyPr/>
+                    <a:lstStyle/>
+                    <a:p>
+                      <a:pPr marL="0" marR="0" lvl="0" indent="0" algn="l" defTabSz="914400" rtl="0" eaLnBrk="1" fontAlgn="auto" latinLnBrk="0" hangingPunct="1">
+                        <a:lnSpc>
+                          <a:spcPct val="100000"/>
+                        </a:lnSpc>
+                        <a:spcBef>
+                          <a:spcPts val="0"/>
+                        </a:spcBef>
+                        <a:spcAft>
+                          <a:spcPts val="0"/>
+                        </a:spcAft>
+                        <a:buClrTx/>
+                        <a:buSzTx/>
+                        <a:buFontTx/>
+                        <a:buNone/>
+                        <a:tabLst/>
+                        <a:defRPr/>
+                      </a:pPr>
+                      <a:r>
+                        <a:rPr lang="en-IN" dirty="0" err="1" smtClean="0"/>
+                        <a:t>per.shape</a:t>
+                      </a:r>
+                      <a:r>
+                        <a:rPr lang="en-IN" dirty="0" smtClean="0"/>
+                        <a:t>&gt;</a:t>
+                      </a:r>
+                      <a:r>
+                        <a:rPr lang="en-IN" dirty="0" err="1" smtClean="0"/>
+                        <a:t>per.size</a:t>
+                      </a:r>
+                      <a:r>
+                        <a:rPr lang="en-IN" dirty="0" smtClean="0"/>
+                        <a:t>&gt;</a:t>
+                      </a:r>
+                      <a:r>
+                        <a:rPr lang="en-IN" dirty="0" err="1" smtClean="0"/>
+                        <a:t>per.loc</a:t>
+                      </a:r>
+                      <a:endParaRPr lang="en-GB" dirty="0" smtClean="0"/>
+                    </a:p>
+                  </a:txBody>
+                  <a:tcPr/>
+                </a:tc>
+              </a:tr>
+              <a:tr h="370840">
+                <a:tc>
+                  <a:txBody>
+                    <a:bodyPr/>
+                    <a:lstStyle/>
+                    <a:p>
+                      <a:pPr marL="0" marR="0" lvl="0" indent="0" algn="l" defTabSz="914400" rtl="0" eaLnBrk="1" fontAlgn="auto" latinLnBrk="0" hangingPunct="1">
+                        <a:lnSpc>
+                          <a:spcPct val="100000"/>
+                        </a:lnSpc>
+                        <a:spcBef>
+                          <a:spcPts val="0"/>
+                        </a:spcBef>
+                        <a:spcAft>
+                          <a:spcPts val="0"/>
+                        </a:spcAft>
+                        <a:buClrTx/>
+                        <a:buSzTx/>
+                        <a:buFontTx/>
+                        <a:buNone/>
+                        <a:tabLst/>
+                        <a:defRPr/>
+                      </a:pPr>
+                      <a:r>
+                        <a:rPr lang="en-IN" dirty="0" smtClean="0"/>
+                        <a:t>Template, G5</a:t>
+                      </a:r>
+                      <a:endParaRPr lang="en-GB" dirty="0" smtClean="0"/>
+                    </a:p>
+                  </a:txBody>
+                  <a:tcPr/>
+                </a:tc>
+                <a:tc>
+                  <a:txBody>
+                    <a:bodyPr/>
+                    <a:lstStyle/>
+                    <a:p>
+                      <a:r>
+                        <a:rPr lang="en-GB" dirty="0" smtClean="0">
+                          <a:effectLst/>
+                        </a:rPr>
+                        <a:t>0.060</a:t>
+                      </a:r>
+                      <a:endParaRPr lang="en-GB" dirty="0"/>
+                    </a:p>
+                  </a:txBody>
+                  <a:tcPr/>
+                </a:tc>
+                <a:tc>
+                  <a:txBody>
+                    <a:bodyPr/>
+                    <a:lstStyle/>
+                    <a:p>
+                      <a:r>
+                        <a:rPr lang="en-GB" dirty="0" smtClean="0">
+                          <a:effectLst/>
+                        </a:rPr>
+                        <a:t>0.014</a:t>
+                      </a:r>
+                      <a:endParaRPr lang="en-GB" dirty="0"/>
+                    </a:p>
+                  </a:txBody>
+                  <a:tcPr/>
+                </a:tc>
+                <a:tc>
+                  <a:txBody>
+                    <a:bodyPr/>
+                    <a:lstStyle/>
+                    <a:p>
+                      <a:pPr marL="0" marR="0" lvl="0" indent="0" algn="l" defTabSz="914400" rtl="0" eaLnBrk="1" fontAlgn="auto" latinLnBrk="0" hangingPunct="1">
+                        <a:lnSpc>
+                          <a:spcPct val="100000"/>
+                        </a:lnSpc>
+                        <a:spcBef>
+                          <a:spcPts val="0"/>
+                        </a:spcBef>
+                        <a:spcAft>
+                          <a:spcPts val="0"/>
+                        </a:spcAft>
+                        <a:buClrTx/>
+                        <a:buSzTx/>
+                        <a:buFontTx/>
+                        <a:buNone/>
+                        <a:tabLst/>
+                        <a:defRPr/>
+                      </a:pPr>
+                      <a:r>
+                        <a:rPr lang="en-IN" dirty="0" err="1" smtClean="0"/>
+                        <a:t>per.shape</a:t>
+                      </a:r>
+                      <a:r>
+                        <a:rPr lang="en-IN" dirty="0" smtClean="0"/>
+                        <a:t>&gt;</a:t>
+                      </a:r>
+                      <a:r>
+                        <a:rPr lang="en-IN" dirty="0" err="1" smtClean="0"/>
+                        <a:t>per.loc</a:t>
+                      </a:r>
+                      <a:r>
+                        <a:rPr lang="en-IN" dirty="0" smtClean="0"/>
+                        <a:t>&gt;</a:t>
+                      </a:r>
+                      <a:r>
+                        <a:rPr lang="en-IN" dirty="0" err="1" smtClean="0"/>
+                        <a:t>per.size</a:t>
+                      </a:r>
+                      <a:endParaRPr lang="en-GB" dirty="0" smtClean="0"/>
+                    </a:p>
+                  </a:txBody>
+                  <a:tcPr/>
+                </a:tc>
+              </a:tr>
+            </a:tbl>
+          </a:graphicData>
+        </a:graphic>
+      </p:graphicFrame>
     </p:spTree>
     <p:extLst>
       <p:ext uri="{BB962C8B-B14F-4D97-AF65-F5344CB8AC3E}">
-        <p14:creationId xmlns:p14="http://schemas.microsoft.com/office/powerpoint/2010/main" val="4090626466"/>
+        <p14:creationId xmlns:p14="http://schemas.microsoft.com/office/powerpoint/2010/main" val="3344986840"/>
+      </p:ext>
+    </p:extLst>
+  </p:cSld>
+  <p:clrMapOvr>
+    <a:masterClrMapping/>
+  </p:clrMapOvr>
+</p:sld>
+</file>
+
+<file path=ppt/slides/slide49.xml><?xml version="1.0" encoding="utf-8"?>
+<p:sld xmlns:a="http://schemas.openxmlformats.org/drawingml/2006/main" xmlns:r="http://schemas.openxmlformats.org/officeDocument/2006/relationships" xmlns:p="http://schemas.openxmlformats.org/presentationml/2006/main">
+  <p:cSld>
+    <p:spTree>
+      <p:nvGrpSpPr>
+        <p:cNvPr id="1" name=""/>
+        <p:cNvGrpSpPr/>
+        <p:nvPr/>
+      </p:nvGrpSpPr>
+      <p:grpSpPr>
+        <a:xfrm>
+          <a:off x="0" y="0"/>
+          <a:ext cx="0" cy="0"/>
+          <a:chOff x="0" y="0"/>
+          <a:chExt cx="0" cy="0"/>
+        </a:xfrm>
+      </p:grpSpPr>
+      <p:sp>
+        <p:nvSpPr>
+          <p:cNvPr id="2" name="Title 1"/>
+          <p:cNvSpPr>
+            <a:spLocks noGrp="1"/>
+          </p:cNvSpPr>
+          <p:nvPr>
+            <p:ph type="title"/>
+          </p:nvPr>
+        </p:nvSpPr>
+        <p:spPr/>
+        <p:txBody>
+          <a:bodyPr/>
+          <a:lstStyle/>
+          <a:p>
+            <a:r>
+              <a:rPr lang="en-IN" dirty="0" smtClean="0"/>
+              <a:t>Wasserstein Metric</a:t>
+            </a:r>
+            <a:br>
+              <a:rPr lang="en-IN" dirty="0" smtClean="0"/>
+            </a:br>
+            <a:r>
+              <a:rPr lang="en-IN" sz="2800" dirty="0" smtClean="0"/>
+              <a:t>Page Rank</a:t>
+            </a:r>
+            <a:endParaRPr lang="en-GB" dirty="0"/>
+          </a:p>
+        </p:txBody>
+      </p:sp>
+      <p:graphicFrame>
+        <p:nvGraphicFramePr>
+          <p:cNvPr id="4" name="Content Placeholder 3"/>
+          <p:cNvGraphicFramePr>
+            <a:graphicFrameLocks noGrp="1"/>
+          </p:cNvGraphicFramePr>
+          <p:nvPr>
+            <p:ph idx="1"/>
+            <p:extLst>
+              <p:ext uri="{D42A27DB-BD31-4B8C-83A1-F6EECF244321}">
+                <p14:modId xmlns:p14="http://schemas.microsoft.com/office/powerpoint/2010/main" val="2005526799"/>
+              </p:ext>
+            </p:extLst>
+          </p:nvPr>
+        </p:nvGraphicFramePr>
+        <p:xfrm>
+          <a:off x="838200" y="1825625"/>
+          <a:ext cx="10515600" cy="2225040"/>
+        </p:xfrm>
+        <a:graphic>
+          <a:graphicData uri="http://schemas.openxmlformats.org/drawingml/2006/table">
+            <a:tbl>
+              <a:tblPr firstRow="1" bandRow="1">
+                <a:tableStyleId>{5C22544A-7EE6-4342-B048-85BDC9FD1C3A}</a:tableStyleId>
+              </a:tblPr>
+              <a:tblGrid>
+                <a:gridCol w="2628900"/>
+                <a:gridCol w="2114191"/>
+                <a:gridCol w="1613139"/>
+                <a:gridCol w="4159370"/>
+              </a:tblGrid>
+              <a:tr h="370840">
+                <a:tc>
+                  <a:txBody>
+                    <a:bodyPr/>
+                    <a:lstStyle/>
+                    <a:p>
+                      <a:r>
+                        <a:rPr lang="en-IN" dirty="0" smtClean="0"/>
+                        <a:t>Graph Name</a:t>
+                      </a:r>
+                      <a:endParaRPr lang="en-GB" dirty="0"/>
+                    </a:p>
+                  </a:txBody>
+                  <a:tcPr/>
+                </a:tc>
+                <a:tc>
+                  <a:txBody>
+                    <a:bodyPr/>
+                    <a:lstStyle/>
+                    <a:p>
+                      <a:r>
+                        <a:rPr lang="en-IN" dirty="0" smtClean="0"/>
+                        <a:t>Wasserstein Metric</a:t>
+                      </a:r>
+                      <a:endParaRPr lang="en-GB" dirty="0"/>
+                    </a:p>
+                  </a:txBody>
+                  <a:tcPr/>
+                </a:tc>
+                <a:tc>
+                  <a:txBody>
+                    <a:bodyPr/>
+                    <a:lstStyle/>
+                    <a:p>
+                      <a:r>
+                        <a:rPr lang="en-IN" dirty="0" smtClean="0"/>
+                        <a:t>P-value</a:t>
+                      </a:r>
+                      <a:endParaRPr lang="en-GB" dirty="0"/>
+                    </a:p>
+                  </a:txBody>
+                  <a:tcPr/>
+                </a:tc>
+                <a:tc>
+                  <a:txBody>
+                    <a:bodyPr/>
+                    <a:lstStyle/>
+                    <a:p>
+                      <a:r>
+                        <a:rPr lang="en-IN" dirty="0" smtClean="0"/>
+                        <a:t>Difference</a:t>
+                      </a:r>
+                      <a:endParaRPr lang="en-GB" dirty="0"/>
+                    </a:p>
+                  </a:txBody>
+                  <a:tcPr/>
+                </a:tc>
+              </a:tr>
+              <a:tr h="370840">
+                <a:tc>
+                  <a:txBody>
+                    <a:bodyPr/>
+                    <a:lstStyle/>
+                    <a:p>
+                      <a:r>
+                        <a:rPr lang="en-IN" dirty="0" smtClean="0"/>
+                        <a:t>Template, G1</a:t>
+                      </a:r>
+                      <a:endParaRPr lang="en-GB" dirty="0"/>
+                    </a:p>
+                  </a:txBody>
+                  <a:tcPr/>
+                </a:tc>
+                <a:tc>
+                  <a:txBody>
+                    <a:bodyPr/>
+                    <a:lstStyle/>
+                    <a:p>
+                      <a:r>
+                        <a:rPr lang="en-GB" dirty="0" smtClean="0">
+                          <a:effectLst/>
+                        </a:rPr>
+                        <a:t>0.00074</a:t>
+                      </a:r>
+                      <a:endParaRPr lang="en-GB" dirty="0"/>
+                    </a:p>
+                  </a:txBody>
+                  <a:tcPr/>
+                </a:tc>
+                <a:tc>
+                  <a:txBody>
+                    <a:bodyPr/>
+                    <a:lstStyle/>
+                    <a:p>
+                      <a:r>
+                        <a:rPr lang="en-GB" dirty="0" smtClean="0">
+                          <a:effectLst/>
+                        </a:rPr>
+                        <a:t>0.752</a:t>
+                      </a:r>
+                      <a:endParaRPr lang="en-GB" dirty="0"/>
+                    </a:p>
+                  </a:txBody>
+                  <a:tcPr/>
+                </a:tc>
+                <a:tc>
+                  <a:txBody>
+                    <a:bodyPr/>
+                    <a:lstStyle/>
+                    <a:p>
+                      <a:pPr marL="0" marR="0" lvl="0" indent="0" algn="l" defTabSz="914400" rtl="0" eaLnBrk="1" fontAlgn="auto" latinLnBrk="0" hangingPunct="1">
+                        <a:lnSpc>
+                          <a:spcPct val="100000"/>
+                        </a:lnSpc>
+                        <a:spcBef>
+                          <a:spcPts val="0"/>
+                        </a:spcBef>
+                        <a:spcAft>
+                          <a:spcPts val="0"/>
+                        </a:spcAft>
+                        <a:buClrTx/>
+                        <a:buSzTx/>
+                        <a:buFontTx/>
+                        <a:buNone/>
+                        <a:tabLst/>
+                        <a:defRPr/>
+                      </a:pPr>
+                      <a:r>
+                        <a:rPr lang="en-IN" dirty="0" err="1" smtClean="0"/>
+                        <a:t>per.shape</a:t>
+                      </a:r>
+                      <a:r>
+                        <a:rPr lang="en-IN" dirty="0" smtClean="0"/>
+                        <a:t>&gt;</a:t>
+                      </a:r>
+                      <a:r>
+                        <a:rPr lang="en-IN" dirty="0" err="1" smtClean="0"/>
+                        <a:t>per.loc</a:t>
+                      </a:r>
+                      <a:r>
+                        <a:rPr lang="en-IN" dirty="0" smtClean="0"/>
+                        <a:t>&gt;</a:t>
+                      </a:r>
+                      <a:r>
+                        <a:rPr lang="en-IN" dirty="0" err="1" smtClean="0"/>
+                        <a:t>per.size</a:t>
+                      </a:r>
+                      <a:endParaRPr lang="en-GB" dirty="0" smtClean="0"/>
+                    </a:p>
+                  </a:txBody>
+                  <a:tcPr/>
+                </a:tc>
+              </a:tr>
+              <a:tr h="370840">
+                <a:tc>
+                  <a:txBody>
+                    <a:bodyPr/>
+                    <a:lstStyle/>
+                    <a:p>
+                      <a:pPr marL="0" marR="0" lvl="0" indent="0" algn="l" defTabSz="914400" rtl="0" eaLnBrk="1" fontAlgn="auto" latinLnBrk="0" hangingPunct="1">
+                        <a:lnSpc>
+                          <a:spcPct val="100000"/>
+                        </a:lnSpc>
+                        <a:spcBef>
+                          <a:spcPts val="0"/>
+                        </a:spcBef>
+                        <a:spcAft>
+                          <a:spcPts val="0"/>
+                        </a:spcAft>
+                        <a:buClrTx/>
+                        <a:buSzTx/>
+                        <a:buFontTx/>
+                        <a:buNone/>
+                        <a:tabLst/>
+                        <a:defRPr/>
+                      </a:pPr>
+                      <a:r>
+                        <a:rPr lang="en-IN" dirty="0" smtClean="0"/>
+                        <a:t>Template, G2</a:t>
+                      </a:r>
+                      <a:endParaRPr lang="en-GB" dirty="0" smtClean="0"/>
+                    </a:p>
+                  </a:txBody>
+                  <a:tcPr/>
+                </a:tc>
+                <a:tc>
+                  <a:txBody>
+                    <a:bodyPr/>
+                    <a:lstStyle/>
+                    <a:p>
+                      <a:r>
+                        <a:rPr lang="en-GB" dirty="0" smtClean="0">
+                          <a:effectLst/>
+                        </a:rPr>
+                        <a:t>0.00070</a:t>
+                      </a:r>
+                      <a:endParaRPr lang="en-GB" dirty="0"/>
+                    </a:p>
+                  </a:txBody>
+                  <a:tcPr/>
+                </a:tc>
+                <a:tc>
+                  <a:txBody>
+                    <a:bodyPr/>
+                    <a:lstStyle/>
+                    <a:p>
+                      <a:r>
+                        <a:rPr lang="en-GB" dirty="0" smtClean="0">
+                          <a:effectLst/>
+                        </a:rPr>
+                        <a:t>0.805</a:t>
+                      </a:r>
+                      <a:endParaRPr lang="en-GB" dirty="0"/>
+                    </a:p>
+                  </a:txBody>
+                  <a:tcPr/>
+                </a:tc>
+                <a:tc>
+                  <a:txBody>
+                    <a:bodyPr/>
+                    <a:lstStyle/>
+                    <a:p>
+                      <a:pPr marL="0" marR="0" lvl="0" indent="0" algn="l" defTabSz="914400" rtl="0" eaLnBrk="1" fontAlgn="auto" latinLnBrk="0" hangingPunct="1">
+                        <a:lnSpc>
+                          <a:spcPct val="100000"/>
+                        </a:lnSpc>
+                        <a:spcBef>
+                          <a:spcPts val="0"/>
+                        </a:spcBef>
+                        <a:spcAft>
+                          <a:spcPts val="0"/>
+                        </a:spcAft>
+                        <a:buClrTx/>
+                        <a:buSzTx/>
+                        <a:buFontTx/>
+                        <a:buNone/>
+                        <a:tabLst/>
+                        <a:defRPr/>
+                      </a:pPr>
+                      <a:r>
+                        <a:rPr lang="en-IN" dirty="0" err="1" smtClean="0"/>
+                        <a:t>per.shape</a:t>
+                      </a:r>
+                      <a:r>
+                        <a:rPr lang="en-IN" dirty="0" smtClean="0"/>
+                        <a:t>&gt;</a:t>
+                      </a:r>
+                      <a:r>
+                        <a:rPr lang="en-IN" dirty="0" err="1" smtClean="0"/>
+                        <a:t>per.loc</a:t>
+                      </a:r>
+                      <a:r>
+                        <a:rPr lang="en-IN" dirty="0" smtClean="0"/>
+                        <a:t>&gt;</a:t>
+                      </a:r>
+                      <a:r>
+                        <a:rPr lang="en-IN" dirty="0" err="1" smtClean="0"/>
+                        <a:t>per.size</a:t>
+                      </a:r>
+                      <a:endParaRPr lang="en-GB" dirty="0" smtClean="0"/>
+                    </a:p>
+                  </a:txBody>
+                  <a:tcPr/>
+                </a:tc>
+              </a:tr>
+              <a:tr h="370840">
+                <a:tc>
+                  <a:txBody>
+                    <a:bodyPr/>
+                    <a:lstStyle/>
+                    <a:p>
+                      <a:pPr marL="0" marR="0" lvl="0" indent="0" algn="l" defTabSz="914400" rtl="0" eaLnBrk="1" fontAlgn="auto" latinLnBrk="0" hangingPunct="1">
+                        <a:lnSpc>
+                          <a:spcPct val="100000"/>
+                        </a:lnSpc>
+                        <a:spcBef>
+                          <a:spcPts val="0"/>
+                        </a:spcBef>
+                        <a:spcAft>
+                          <a:spcPts val="0"/>
+                        </a:spcAft>
+                        <a:buClrTx/>
+                        <a:buSzTx/>
+                        <a:buFontTx/>
+                        <a:buNone/>
+                        <a:tabLst/>
+                        <a:defRPr/>
+                      </a:pPr>
+                      <a:r>
+                        <a:rPr lang="en-IN" dirty="0" smtClean="0"/>
+                        <a:t>Template, G3</a:t>
+                      </a:r>
+                      <a:endParaRPr lang="en-GB" dirty="0" smtClean="0"/>
+                    </a:p>
+                  </a:txBody>
+                  <a:tcPr/>
+                </a:tc>
+                <a:tc>
+                  <a:txBody>
+                    <a:bodyPr/>
+                    <a:lstStyle/>
+                    <a:p>
+                      <a:r>
+                        <a:rPr lang="en-GB" dirty="0" smtClean="0">
+                          <a:effectLst/>
+                        </a:rPr>
+                        <a:t>0.00130</a:t>
+                      </a:r>
+                      <a:endParaRPr lang="en-GB" dirty="0"/>
+                    </a:p>
+                  </a:txBody>
+                  <a:tcPr/>
+                </a:tc>
+                <a:tc>
+                  <a:txBody>
+                    <a:bodyPr/>
+                    <a:lstStyle/>
+                    <a:p>
+                      <a:r>
+                        <a:rPr lang="en-GB" dirty="0" smtClean="0">
+                          <a:effectLst/>
+                        </a:rPr>
+                        <a:t>0.425</a:t>
+                      </a:r>
+                      <a:endParaRPr lang="en-GB" dirty="0"/>
+                    </a:p>
+                  </a:txBody>
+                  <a:tcPr/>
+                </a:tc>
+                <a:tc>
+                  <a:txBody>
+                    <a:bodyPr/>
+                    <a:lstStyle/>
+                    <a:p>
+                      <a:pPr marL="0" marR="0" lvl="0" indent="0" algn="l" defTabSz="914400" rtl="0" eaLnBrk="1" fontAlgn="auto" latinLnBrk="0" hangingPunct="1">
+                        <a:lnSpc>
+                          <a:spcPct val="100000"/>
+                        </a:lnSpc>
+                        <a:spcBef>
+                          <a:spcPts val="0"/>
+                        </a:spcBef>
+                        <a:spcAft>
+                          <a:spcPts val="0"/>
+                        </a:spcAft>
+                        <a:buClrTx/>
+                        <a:buSzTx/>
+                        <a:buFontTx/>
+                        <a:buNone/>
+                        <a:tabLst/>
+                        <a:defRPr/>
+                      </a:pPr>
+                      <a:r>
+                        <a:rPr lang="en-IN" dirty="0" err="1" smtClean="0"/>
+                        <a:t>per.loc</a:t>
+                      </a:r>
+                      <a:r>
+                        <a:rPr lang="en-IN" dirty="0" smtClean="0"/>
+                        <a:t>&gt;</a:t>
+                      </a:r>
+                      <a:r>
+                        <a:rPr lang="en-IN" dirty="0" err="1" smtClean="0"/>
+                        <a:t>per.shape</a:t>
+                      </a:r>
+                      <a:r>
+                        <a:rPr lang="en-IN" dirty="0" smtClean="0"/>
+                        <a:t>&gt;</a:t>
+                      </a:r>
+                      <a:r>
+                        <a:rPr lang="en-IN" dirty="0" err="1" smtClean="0"/>
+                        <a:t>per.size</a:t>
+                      </a:r>
+                      <a:endParaRPr lang="en-GB" dirty="0" smtClean="0"/>
+                    </a:p>
+                  </a:txBody>
+                  <a:tcPr/>
+                </a:tc>
+              </a:tr>
+              <a:tr h="370840">
+                <a:tc>
+                  <a:txBody>
+                    <a:bodyPr/>
+                    <a:lstStyle/>
+                    <a:p>
+                      <a:pPr marL="0" marR="0" lvl="0" indent="0" algn="l" defTabSz="914400" rtl="0" eaLnBrk="1" fontAlgn="auto" latinLnBrk="0" hangingPunct="1">
+                        <a:lnSpc>
+                          <a:spcPct val="100000"/>
+                        </a:lnSpc>
+                        <a:spcBef>
+                          <a:spcPts val="0"/>
+                        </a:spcBef>
+                        <a:spcAft>
+                          <a:spcPts val="0"/>
+                        </a:spcAft>
+                        <a:buClrTx/>
+                        <a:buSzTx/>
+                        <a:buFontTx/>
+                        <a:buNone/>
+                        <a:tabLst/>
+                        <a:defRPr/>
+                      </a:pPr>
+                      <a:r>
+                        <a:rPr lang="en-IN" dirty="0" smtClean="0"/>
+                        <a:t>Template, G4</a:t>
+                      </a:r>
+                      <a:endParaRPr lang="en-GB" dirty="0" smtClean="0"/>
+                    </a:p>
+                  </a:txBody>
+                  <a:tcPr/>
+                </a:tc>
+                <a:tc>
+                  <a:txBody>
+                    <a:bodyPr/>
+                    <a:lstStyle/>
+                    <a:p>
+                      <a:r>
+                        <a:rPr lang="en-GB" dirty="0" smtClean="0">
+                          <a:effectLst/>
+                        </a:rPr>
+                        <a:t>0.00151</a:t>
+                      </a:r>
+                      <a:endParaRPr lang="en-GB" dirty="0"/>
+                    </a:p>
+                  </a:txBody>
+                  <a:tcPr/>
+                </a:tc>
+                <a:tc>
+                  <a:txBody>
+                    <a:bodyPr/>
+                    <a:lstStyle/>
+                    <a:p>
+                      <a:r>
+                        <a:rPr lang="en-GB" dirty="0" smtClean="0">
+                          <a:effectLst/>
+                        </a:rPr>
+                        <a:t>0.032</a:t>
+                      </a:r>
+                      <a:endParaRPr lang="en-GB" dirty="0"/>
+                    </a:p>
+                  </a:txBody>
+                  <a:tcPr/>
+                </a:tc>
+                <a:tc>
+                  <a:txBody>
+                    <a:bodyPr/>
+                    <a:lstStyle/>
+                    <a:p>
+                      <a:pPr marL="0" marR="0" lvl="0" indent="0" algn="l" defTabSz="914400" rtl="0" eaLnBrk="1" fontAlgn="auto" latinLnBrk="0" hangingPunct="1">
+                        <a:lnSpc>
+                          <a:spcPct val="100000"/>
+                        </a:lnSpc>
+                        <a:spcBef>
+                          <a:spcPts val="0"/>
+                        </a:spcBef>
+                        <a:spcAft>
+                          <a:spcPts val="0"/>
+                        </a:spcAft>
+                        <a:buClrTx/>
+                        <a:buSzTx/>
+                        <a:buFontTx/>
+                        <a:buNone/>
+                        <a:tabLst/>
+                        <a:defRPr/>
+                      </a:pPr>
+                      <a:r>
+                        <a:rPr lang="en-IN" dirty="0" err="1" smtClean="0"/>
+                        <a:t>per.size</a:t>
+                      </a:r>
+                      <a:r>
+                        <a:rPr lang="en-IN" dirty="0" smtClean="0"/>
+                        <a:t>&gt;</a:t>
+                      </a:r>
+                      <a:r>
+                        <a:rPr lang="en-IN" dirty="0" err="1" smtClean="0"/>
+                        <a:t>per.shape</a:t>
+                      </a:r>
+                      <a:r>
+                        <a:rPr lang="en-IN" dirty="0" smtClean="0"/>
+                        <a:t>&gt;</a:t>
+                      </a:r>
+                      <a:r>
+                        <a:rPr lang="en-IN" dirty="0" err="1" smtClean="0"/>
+                        <a:t>per.loc</a:t>
+                      </a:r>
+                      <a:endParaRPr lang="en-GB" dirty="0" smtClean="0"/>
+                    </a:p>
+                  </a:txBody>
+                  <a:tcPr/>
+                </a:tc>
+              </a:tr>
+              <a:tr h="370840">
+                <a:tc>
+                  <a:txBody>
+                    <a:bodyPr/>
+                    <a:lstStyle/>
+                    <a:p>
+                      <a:pPr marL="0" marR="0" lvl="0" indent="0" algn="l" defTabSz="914400" rtl="0" eaLnBrk="1" fontAlgn="auto" latinLnBrk="0" hangingPunct="1">
+                        <a:lnSpc>
+                          <a:spcPct val="100000"/>
+                        </a:lnSpc>
+                        <a:spcBef>
+                          <a:spcPts val="0"/>
+                        </a:spcBef>
+                        <a:spcAft>
+                          <a:spcPts val="0"/>
+                        </a:spcAft>
+                        <a:buClrTx/>
+                        <a:buSzTx/>
+                        <a:buFontTx/>
+                        <a:buNone/>
+                        <a:tabLst/>
+                        <a:defRPr/>
+                      </a:pPr>
+                      <a:r>
+                        <a:rPr lang="en-IN" dirty="0" smtClean="0"/>
+                        <a:t>Template, G5</a:t>
+                      </a:r>
+                      <a:endParaRPr lang="en-GB" dirty="0" smtClean="0"/>
+                    </a:p>
+                  </a:txBody>
+                  <a:tcPr/>
+                </a:tc>
+                <a:tc>
+                  <a:txBody>
+                    <a:bodyPr/>
+                    <a:lstStyle/>
+                    <a:p>
+                      <a:r>
+                        <a:rPr lang="en-GB" dirty="0" smtClean="0">
+                          <a:effectLst/>
+                        </a:rPr>
+                        <a:t>0.00264</a:t>
+                      </a:r>
+                      <a:endParaRPr lang="en-GB" dirty="0"/>
+                    </a:p>
+                  </a:txBody>
+                  <a:tcPr/>
+                </a:tc>
+                <a:tc>
+                  <a:txBody>
+                    <a:bodyPr/>
+                    <a:lstStyle/>
+                    <a:p>
+                      <a:r>
+                        <a:rPr lang="en-GB" dirty="0" smtClean="0">
+                          <a:effectLst/>
+                        </a:rPr>
+                        <a:t>0.00009</a:t>
+                      </a:r>
+                      <a:endParaRPr lang="en-GB" dirty="0"/>
+                    </a:p>
+                  </a:txBody>
+                  <a:tcPr/>
+                </a:tc>
+                <a:tc>
+                  <a:txBody>
+                    <a:bodyPr/>
+                    <a:lstStyle/>
+                    <a:p>
+                      <a:pPr marL="0" marR="0" lvl="0" indent="0" algn="l" defTabSz="914400" rtl="0" eaLnBrk="1" fontAlgn="auto" latinLnBrk="0" hangingPunct="1">
+                        <a:lnSpc>
+                          <a:spcPct val="100000"/>
+                        </a:lnSpc>
+                        <a:spcBef>
+                          <a:spcPts val="0"/>
+                        </a:spcBef>
+                        <a:spcAft>
+                          <a:spcPts val="0"/>
+                        </a:spcAft>
+                        <a:buClrTx/>
+                        <a:buSzTx/>
+                        <a:buFontTx/>
+                        <a:buNone/>
+                        <a:tabLst/>
+                        <a:defRPr/>
+                      </a:pPr>
+                      <a:r>
+                        <a:rPr lang="en-IN" dirty="0" err="1" smtClean="0"/>
+                        <a:t>per.size</a:t>
+                      </a:r>
+                      <a:r>
+                        <a:rPr lang="en-IN" dirty="0" smtClean="0"/>
+                        <a:t>&gt;</a:t>
+                      </a:r>
+                      <a:r>
+                        <a:rPr lang="en-IN" dirty="0" err="1" smtClean="0"/>
+                        <a:t>per.shape</a:t>
+                      </a:r>
+                      <a:r>
+                        <a:rPr lang="en-IN" dirty="0" smtClean="0"/>
+                        <a:t>&gt;</a:t>
+                      </a:r>
+                      <a:r>
+                        <a:rPr lang="en-IN" smtClean="0"/>
+                        <a:t>per.loc</a:t>
+                      </a:r>
+                      <a:endParaRPr lang="en-GB" dirty="0" smtClean="0"/>
+                    </a:p>
+                  </a:txBody>
+                  <a:tcPr/>
+                </a:tc>
+              </a:tr>
+            </a:tbl>
+          </a:graphicData>
+        </a:graphic>
+      </p:graphicFrame>
+    </p:spTree>
+    <p:extLst>
+      <p:ext uri="{BB962C8B-B14F-4D97-AF65-F5344CB8AC3E}">
+        <p14:creationId xmlns:p14="http://schemas.microsoft.com/office/powerpoint/2010/main" val="132342255"/>
       </p:ext>
     </p:extLst>
   </p:cSld>
@@ -19759,6 +21063,79 @@
     <p:extLst>
       <p:ext uri="{BB962C8B-B14F-4D97-AF65-F5344CB8AC3E}">
         <p14:creationId xmlns:p14="http://schemas.microsoft.com/office/powerpoint/2010/main" val="846317881"/>
+      </p:ext>
+    </p:extLst>
+  </p:cSld>
+  <p:clrMapOvr>
+    <a:masterClrMapping/>
+  </p:clrMapOvr>
+</p:sld>
+</file>
+
+<file path=ppt/slides/slide50.xml><?xml version="1.0" encoding="utf-8"?>
+<p:sld xmlns:a="http://schemas.openxmlformats.org/drawingml/2006/main" xmlns:r="http://schemas.openxmlformats.org/officeDocument/2006/relationships" xmlns:p="http://schemas.openxmlformats.org/presentationml/2006/main">
+  <p:cSld>
+    <p:spTree>
+      <p:nvGrpSpPr>
+        <p:cNvPr id="1" name=""/>
+        <p:cNvGrpSpPr/>
+        <p:nvPr/>
+      </p:nvGrpSpPr>
+      <p:grpSpPr>
+        <a:xfrm>
+          <a:off x="0" y="0"/>
+          <a:ext cx="0" cy="0"/>
+          <a:chOff x="0" y="0"/>
+          <a:chExt cx="0" cy="0"/>
+        </a:xfrm>
+      </p:grpSpPr>
+      <p:sp>
+        <p:nvSpPr>
+          <p:cNvPr id="2" name="Title 1">
+            <a:extLst>
+              <a:ext uri="{FF2B5EF4-FFF2-40B4-BE49-F238E27FC236}">
+                <a16:creationId xmlns:a16="http://schemas.microsoft.com/office/drawing/2014/main" xmlns="" id="{03157DC7-9BF8-4E26-8207-6C2831CE5A1E}"/>
+              </a:ext>
+            </a:extLst>
+          </p:cNvPr>
+          <p:cNvSpPr>
+            <a:spLocks noGrp="1"/>
+          </p:cNvSpPr>
+          <p:nvPr>
+            <p:ph type="ctrTitle"/>
+          </p:nvPr>
+        </p:nvSpPr>
+        <p:spPr/>
+        <p:txBody>
+          <a:bodyPr>
+            <a:normAutofit/>
+          </a:bodyPr>
+          <a:lstStyle/>
+          <a:p>
+            <a:r>
+              <a:rPr lang="en-US" sz="6600" b="1" dirty="0">
+                <a:solidFill>
+                  <a:schemeClr val="accent1">
+                    <a:lumMod val="50000"/>
+                  </a:schemeClr>
+                </a:solidFill>
+                <a:effectLst>
+                  <a:outerShdw blurRad="38100" dist="38100" dir="2700000" algn="tl">
+                    <a:srgbClr val="000000">
+                      <a:alpha val="43137"/>
+                    </a:srgbClr>
+                  </a:outerShdw>
+                </a:effectLst>
+              </a:rPr>
+              <a:t>Thank you for your time</a:t>
+            </a:r>
+          </a:p>
+        </p:txBody>
+      </p:sp>
+    </p:spTree>
+    <p:extLst>
+      <p:ext uri="{BB962C8B-B14F-4D97-AF65-F5344CB8AC3E}">
+        <p14:creationId xmlns:p14="http://schemas.microsoft.com/office/powerpoint/2010/main" val="4090626466"/>
       </p:ext>
     </p:extLst>
   </p:cSld>

--- a/Documentation/Presentation/Project_Presentation_v2.pptx
+++ b/Documentation/Presentation/Project_Presentation_v2.pptx
@@ -5,7 +5,7 @@
     <p:sldMasterId id="2147483648" r:id="rId1"/>
   </p:sldMasterIdLst>
   <p:notesMasterIdLst>
-    <p:notesMasterId r:id="rId52"/>
+    <p:notesMasterId r:id="rId54"/>
   </p:notesMasterIdLst>
   <p:sldIdLst>
     <p:sldId id="257" r:id="rId2"/>
@@ -57,7 +57,9 @@
     <p:sldId id="311" r:id="rId48"/>
     <p:sldId id="312" r:id="rId49"/>
     <p:sldId id="313" r:id="rId50"/>
-    <p:sldId id="279" r:id="rId51"/>
+    <p:sldId id="314" r:id="rId51"/>
+    <p:sldId id="315" r:id="rId52"/>
+    <p:sldId id="279" r:id="rId53"/>
   </p:sldIdLst>
   <p:sldSz cx="12192000" cy="6858000"/>
   <p:notesSz cx="6858000" cy="9144000"/>
@@ -17543,7 +17545,7 @@
             <p:ph idx="1"/>
             <p:extLst>
               <p:ext uri="{D42A27DB-BD31-4B8C-83A1-F6EECF244321}">
-                <p14:modId xmlns:p14="http://schemas.microsoft.com/office/powerpoint/2010/main" val="1307938515"/>
+                <p14:modId xmlns:p14="http://schemas.microsoft.com/office/powerpoint/2010/main" val="2314304438"/>
               </p:ext>
             </p:extLst>
           </p:nvPr>
@@ -17635,7 +17637,14 @@
                       <a:endParaRPr lang="en-GB" dirty="0"/>
                     </a:p>
                   </a:txBody>
-                  <a:tcPr/>
+                  <a:tcPr>
+                    <a:solidFill>
+                      <a:schemeClr val="accent6">
+                        <a:lumMod val="40000"/>
+                        <a:lumOff val="60000"/>
+                      </a:schemeClr>
+                    </a:solidFill>
+                  </a:tcPr>
                 </a:tc>
                 <a:tc>
                   <a:txBody>
@@ -17651,7 +17660,14 @@
                       <a:endParaRPr lang="en-GB" dirty="0"/>
                     </a:p>
                   </a:txBody>
-                  <a:tcPr/>
+                  <a:tcPr>
+                    <a:solidFill>
+                      <a:schemeClr val="accent6">
+                        <a:lumMod val="40000"/>
+                        <a:lumOff val="60000"/>
+                      </a:schemeClr>
+                    </a:solidFill>
+                  </a:tcPr>
                 </a:tc>
                 <a:tc>
                   <a:txBody>
@@ -17667,7 +17683,14 @@
                       <a:endParaRPr lang="en-GB" dirty="0"/>
                     </a:p>
                   </a:txBody>
-                  <a:tcPr/>
+                  <a:tcPr>
+                    <a:solidFill>
+                      <a:schemeClr val="accent6">
+                        <a:lumMod val="40000"/>
+                        <a:lumOff val="60000"/>
+                      </a:schemeClr>
+                    </a:solidFill>
+                  </a:tcPr>
                 </a:tc>
                 <a:tc>
                   <a:txBody>
@@ -17697,7 +17720,14 @@
                       <a:endParaRPr lang="en-GB" dirty="0"/>
                     </a:p>
                   </a:txBody>
-                  <a:tcPr/>
+                  <a:tcPr>
+                    <a:solidFill>
+                      <a:schemeClr val="accent6">
+                        <a:lumMod val="40000"/>
+                        <a:lumOff val="60000"/>
+                      </a:schemeClr>
+                    </a:solidFill>
+                  </a:tcPr>
                 </a:tc>
               </a:tr>
               <a:tr h="370840">
@@ -17730,7 +17760,14 @@
                       <a:endParaRPr lang="en-GB" dirty="0" smtClean="0"/>
                     </a:p>
                   </a:txBody>
-                  <a:tcPr/>
+                  <a:tcPr>
+                    <a:solidFill>
+                      <a:schemeClr val="accent6">
+                        <a:lumMod val="60000"/>
+                        <a:lumOff val="40000"/>
+                      </a:schemeClr>
+                    </a:solidFill>
+                  </a:tcPr>
                 </a:tc>
                 <a:tc>
                   <a:txBody>
@@ -17746,7 +17783,14 @@
                       <a:endParaRPr lang="en-GB" dirty="0"/>
                     </a:p>
                   </a:txBody>
-                  <a:tcPr/>
+                  <a:tcPr>
+                    <a:solidFill>
+                      <a:schemeClr val="accent6">
+                        <a:lumMod val="60000"/>
+                        <a:lumOff val="40000"/>
+                      </a:schemeClr>
+                    </a:solidFill>
+                  </a:tcPr>
                 </a:tc>
                 <a:tc>
                   <a:txBody>
@@ -17762,7 +17806,14 @@
                       <a:endParaRPr lang="en-GB" dirty="0"/>
                     </a:p>
                   </a:txBody>
-                  <a:tcPr/>
+                  <a:tcPr>
+                    <a:solidFill>
+                      <a:schemeClr val="accent6">
+                        <a:lumMod val="60000"/>
+                        <a:lumOff val="40000"/>
+                      </a:schemeClr>
+                    </a:solidFill>
+                  </a:tcPr>
                 </a:tc>
                 <a:tc>
                   <a:txBody>
@@ -17792,7 +17843,14 @@
                       <a:endParaRPr lang="en-GB" dirty="0"/>
                     </a:p>
                   </a:txBody>
-                  <a:tcPr/>
+                  <a:tcPr>
+                    <a:solidFill>
+                      <a:schemeClr val="accent6">
+                        <a:lumMod val="60000"/>
+                        <a:lumOff val="40000"/>
+                      </a:schemeClr>
+                    </a:solidFill>
+                  </a:tcPr>
                 </a:tc>
               </a:tr>
               <a:tr h="370840">
@@ -18205,7 +18263,7 @@
             <p:ph idx="1"/>
             <p:extLst>
               <p:ext uri="{D42A27DB-BD31-4B8C-83A1-F6EECF244321}">
-                <p14:modId xmlns:p14="http://schemas.microsoft.com/office/powerpoint/2010/main" val="1216027761"/>
+                <p14:modId xmlns:p14="http://schemas.microsoft.com/office/powerpoint/2010/main" val="3034359301"/>
               </p:ext>
             </p:extLst>
           </p:nvPr>
@@ -18297,7 +18355,14 @@
                       <a:endParaRPr lang="en-GB" dirty="0"/>
                     </a:p>
                   </a:txBody>
-                  <a:tcPr/>
+                  <a:tcPr>
+                    <a:solidFill>
+                      <a:schemeClr val="accent6">
+                        <a:lumMod val="40000"/>
+                        <a:lumOff val="60000"/>
+                      </a:schemeClr>
+                    </a:solidFill>
+                  </a:tcPr>
                 </a:tc>
                 <a:tc>
                   <a:txBody>
@@ -18313,7 +18378,14 @@
                       <a:endParaRPr lang="en-GB" dirty="0"/>
                     </a:p>
                   </a:txBody>
-                  <a:tcPr/>
+                  <a:tcPr>
+                    <a:solidFill>
+                      <a:schemeClr val="accent6">
+                        <a:lumMod val="40000"/>
+                        <a:lumOff val="60000"/>
+                      </a:schemeClr>
+                    </a:solidFill>
+                  </a:tcPr>
                 </a:tc>
                 <a:tc>
                   <a:txBody>
@@ -18329,7 +18401,14 @@
                       <a:endParaRPr lang="en-GB" dirty="0"/>
                     </a:p>
                   </a:txBody>
-                  <a:tcPr/>
+                  <a:tcPr>
+                    <a:solidFill>
+                      <a:schemeClr val="accent6">
+                        <a:lumMod val="40000"/>
+                        <a:lumOff val="60000"/>
+                      </a:schemeClr>
+                    </a:solidFill>
+                  </a:tcPr>
                 </a:tc>
                 <a:tc>
                   <a:txBody>
@@ -18376,7 +18455,14 @@
                       <a:endParaRPr lang="en-GB" dirty="0"/>
                     </a:p>
                   </a:txBody>
-                  <a:tcPr/>
+                  <a:tcPr>
+                    <a:solidFill>
+                      <a:schemeClr val="accent6">
+                        <a:lumMod val="40000"/>
+                        <a:lumOff val="60000"/>
+                      </a:schemeClr>
+                    </a:solidFill>
+                  </a:tcPr>
                 </a:tc>
               </a:tr>
               <a:tr h="370840">
@@ -18521,7 +18607,14 @@
                       <a:endParaRPr lang="en-GB" dirty="0" smtClean="0"/>
                     </a:p>
                   </a:txBody>
-                  <a:tcPr/>
+                  <a:tcPr>
+                    <a:solidFill>
+                      <a:schemeClr val="accent6">
+                        <a:lumMod val="60000"/>
+                        <a:lumOff val="40000"/>
+                      </a:schemeClr>
+                    </a:solidFill>
+                  </a:tcPr>
                 </a:tc>
                 <a:tc>
                   <a:txBody>
@@ -18537,7 +18630,14 @@
                       <a:endParaRPr lang="en-GB" dirty="0"/>
                     </a:p>
                   </a:txBody>
-                  <a:tcPr/>
+                  <a:tcPr>
+                    <a:solidFill>
+                      <a:schemeClr val="accent6">
+                        <a:lumMod val="60000"/>
+                        <a:lumOff val="40000"/>
+                      </a:schemeClr>
+                    </a:solidFill>
+                  </a:tcPr>
                 </a:tc>
                 <a:tc>
                   <a:txBody>
@@ -18553,7 +18653,14 @@
                       <a:endParaRPr lang="en-GB" dirty="0"/>
                     </a:p>
                   </a:txBody>
-                  <a:tcPr/>
+                  <a:tcPr>
+                    <a:solidFill>
+                      <a:schemeClr val="accent6">
+                        <a:lumMod val="60000"/>
+                        <a:lumOff val="40000"/>
+                      </a:schemeClr>
+                    </a:solidFill>
+                  </a:tcPr>
                 </a:tc>
                 <a:tc>
                   <a:txBody>
@@ -18600,7 +18707,14 @@
                       <a:endParaRPr lang="en-GB" dirty="0" smtClean="0"/>
                     </a:p>
                   </a:txBody>
-                  <a:tcPr/>
+                  <a:tcPr>
+                    <a:solidFill>
+                      <a:schemeClr val="accent6">
+                        <a:lumMod val="60000"/>
+                        <a:lumOff val="40000"/>
+                      </a:schemeClr>
+                    </a:solidFill>
+                  </a:tcPr>
                 </a:tc>
               </a:tr>
               <a:tr h="370840">
@@ -18901,7 +19015,7 @@
             <p:ph idx="1"/>
             <p:extLst>
               <p:ext uri="{D42A27DB-BD31-4B8C-83A1-F6EECF244321}">
-                <p14:modId xmlns:p14="http://schemas.microsoft.com/office/powerpoint/2010/main" val="4175179597"/>
+                <p14:modId xmlns:p14="http://schemas.microsoft.com/office/powerpoint/2010/main" val="1785361586"/>
               </p:ext>
             </p:extLst>
           </p:nvPr>
@@ -18993,7 +19107,14 @@
                       <a:endParaRPr lang="en-GB" dirty="0"/>
                     </a:p>
                   </a:txBody>
-                  <a:tcPr/>
+                  <a:tcPr>
+                    <a:solidFill>
+                      <a:schemeClr val="accent6">
+                        <a:lumMod val="40000"/>
+                        <a:lumOff val="60000"/>
+                      </a:schemeClr>
+                    </a:solidFill>
+                  </a:tcPr>
                 </a:tc>
                 <a:tc>
                   <a:txBody>
@@ -19009,7 +19130,14 @@
                       <a:endParaRPr lang="en-GB" dirty="0"/>
                     </a:p>
                   </a:txBody>
-                  <a:tcPr/>
+                  <a:tcPr>
+                    <a:solidFill>
+                      <a:schemeClr val="accent6">
+                        <a:lumMod val="40000"/>
+                        <a:lumOff val="60000"/>
+                      </a:schemeClr>
+                    </a:solidFill>
+                  </a:tcPr>
                 </a:tc>
                 <a:tc>
                   <a:txBody>
@@ -19025,7 +19153,14 @@
                       <a:endParaRPr lang="en-GB" dirty="0"/>
                     </a:p>
                   </a:txBody>
-                  <a:tcPr/>
+                  <a:tcPr>
+                    <a:solidFill>
+                      <a:schemeClr val="accent6">
+                        <a:lumMod val="40000"/>
+                        <a:lumOff val="60000"/>
+                      </a:schemeClr>
+                    </a:solidFill>
+                  </a:tcPr>
                 </a:tc>
                 <a:tc>
                   <a:txBody>
@@ -19072,7 +19207,14 @@
                       <a:endParaRPr lang="en-GB" dirty="0"/>
                     </a:p>
                   </a:txBody>
-                  <a:tcPr/>
+                  <a:tcPr>
+                    <a:solidFill>
+                      <a:schemeClr val="accent6">
+                        <a:lumMod val="40000"/>
+                        <a:lumOff val="60000"/>
+                      </a:schemeClr>
+                    </a:solidFill>
+                  </a:tcPr>
                 </a:tc>
               </a:tr>
               <a:tr h="370840">
@@ -19217,7 +19359,14 @@
                       <a:endParaRPr lang="en-GB" dirty="0" smtClean="0"/>
                     </a:p>
                   </a:txBody>
-                  <a:tcPr/>
+                  <a:tcPr>
+                    <a:solidFill>
+                      <a:schemeClr val="accent6">
+                        <a:lumMod val="40000"/>
+                        <a:lumOff val="60000"/>
+                      </a:schemeClr>
+                    </a:solidFill>
+                  </a:tcPr>
                 </a:tc>
                 <a:tc>
                   <a:txBody>
@@ -19233,7 +19382,14 @@
                       <a:endParaRPr lang="en-GB" dirty="0"/>
                     </a:p>
                   </a:txBody>
-                  <a:tcPr/>
+                  <a:tcPr>
+                    <a:solidFill>
+                      <a:schemeClr val="accent6">
+                        <a:lumMod val="40000"/>
+                        <a:lumOff val="60000"/>
+                      </a:schemeClr>
+                    </a:solidFill>
+                  </a:tcPr>
                 </a:tc>
                 <a:tc>
                   <a:txBody>
@@ -19249,7 +19405,14 @@
                       <a:endParaRPr lang="en-GB" dirty="0"/>
                     </a:p>
                   </a:txBody>
-                  <a:tcPr/>
+                  <a:tcPr>
+                    <a:solidFill>
+                      <a:schemeClr val="accent6">
+                        <a:lumMod val="40000"/>
+                        <a:lumOff val="60000"/>
+                      </a:schemeClr>
+                    </a:solidFill>
+                  </a:tcPr>
                 </a:tc>
                 <a:tc>
                   <a:txBody>
@@ -19296,7 +19459,14 @@
                       <a:endParaRPr lang="en-GB" dirty="0" smtClean="0"/>
                     </a:p>
                   </a:txBody>
-                  <a:tcPr/>
+                  <a:tcPr>
+                    <a:solidFill>
+                      <a:schemeClr val="accent6">
+                        <a:lumMod val="40000"/>
+                        <a:lumOff val="60000"/>
+                      </a:schemeClr>
+                    </a:solidFill>
+                  </a:tcPr>
                 </a:tc>
               </a:tr>
               <a:tr h="370840">
@@ -19441,7 +19611,14 @@
                       <a:endParaRPr lang="en-GB" dirty="0" smtClean="0"/>
                     </a:p>
                   </a:txBody>
-                  <a:tcPr/>
+                  <a:tcPr>
+                    <a:solidFill>
+                      <a:schemeClr val="accent6">
+                        <a:lumMod val="60000"/>
+                        <a:lumOff val="40000"/>
+                      </a:schemeClr>
+                    </a:solidFill>
+                  </a:tcPr>
                 </a:tc>
                 <a:tc>
                   <a:txBody>
@@ -19457,7 +19634,14 @@
                       <a:endParaRPr lang="en-GB" dirty="0"/>
                     </a:p>
                   </a:txBody>
-                  <a:tcPr/>
+                  <a:tcPr>
+                    <a:solidFill>
+                      <a:schemeClr val="accent6">
+                        <a:lumMod val="60000"/>
+                        <a:lumOff val="40000"/>
+                      </a:schemeClr>
+                    </a:solidFill>
+                  </a:tcPr>
                 </a:tc>
                 <a:tc>
                   <a:txBody>
@@ -19473,7 +19657,14 @@
                       <a:endParaRPr lang="en-GB" dirty="0"/>
                     </a:p>
                   </a:txBody>
-                  <a:tcPr/>
+                  <a:tcPr>
+                    <a:solidFill>
+                      <a:schemeClr val="accent6">
+                        <a:lumMod val="60000"/>
+                        <a:lumOff val="40000"/>
+                      </a:schemeClr>
+                    </a:solidFill>
+                  </a:tcPr>
                 </a:tc>
                 <a:tc>
                   <a:txBody>
@@ -19520,7 +19711,14 @@
                       <a:endParaRPr lang="en-GB" dirty="0" smtClean="0"/>
                     </a:p>
                   </a:txBody>
-                  <a:tcPr/>
+                  <a:tcPr>
+                    <a:solidFill>
+                      <a:schemeClr val="accent6">
+                        <a:lumMod val="60000"/>
+                        <a:lumOff val="40000"/>
+                      </a:schemeClr>
+                    </a:solidFill>
+                  </a:tcPr>
                 </a:tc>
               </a:tr>
             </a:tbl>
@@ -19597,7 +19795,7 @@
             <p:ph idx="1"/>
             <p:extLst>
               <p:ext uri="{D42A27DB-BD31-4B8C-83A1-F6EECF244321}">
-                <p14:modId xmlns:p14="http://schemas.microsoft.com/office/powerpoint/2010/main" val="2067181116"/>
+                <p14:modId xmlns:p14="http://schemas.microsoft.com/office/powerpoint/2010/main" val="1227936086"/>
               </p:ext>
             </p:extLst>
           </p:nvPr>
@@ -19689,7 +19887,14 @@
                       <a:endParaRPr lang="en-GB" dirty="0"/>
                     </a:p>
                   </a:txBody>
-                  <a:tcPr/>
+                  <a:tcPr>
+                    <a:solidFill>
+                      <a:schemeClr val="accent6">
+                        <a:lumMod val="40000"/>
+                        <a:lumOff val="60000"/>
+                      </a:schemeClr>
+                    </a:solidFill>
+                  </a:tcPr>
                 </a:tc>
                 <a:tc>
                   <a:txBody>
@@ -19705,7 +19910,14 @@
                       <a:endParaRPr lang="en-GB" dirty="0"/>
                     </a:p>
                   </a:txBody>
-                  <a:tcPr/>
+                  <a:tcPr>
+                    <a:solidFill>
+                      <a:schemeClr val="accent6">
+                        <a:lumMod val="40000"/>
+                        <a:lumOff val="60000"/>
+                      </a:schemeClr>
+                    </a:solidFill>
+                  </a:tcPr>
                 </a:tc>
                 <a:tc>
                   <a:txBody>
@@ -19721,7 +19933,14 @@
                       <a:endParaRPr lang="en-GB" dirty="0"/>
                     </a:p>
                   </a:txBody>
-                  <a:tcPr/>
+                  <a:tcPr>
+                    <a:solidFill>
+                      <a:schemeClr val="accent6">
+                        <a:lumMod val="40000"/>
+                        <a:lumOff val="60000"/>
+                      </a:schemeClr>
+                    </a:solidFill>
+                  </a:tcPr>
                 </a:tc>
                 <a:tc>
                   <a:txBody>
@@ -19768,7 +19987,14 @@
                       <a:endParaRPr lang="en-GB" dirty="0" smtClean="0"/>
                     </a:p>
                   </a:txBody>
-                  <a:tcPr/>
+                  <a:tcPr>
+                    <a:solidFill>
+                      <a:schemeClr val="accent6">
+                        <a:lumMod val="40000"/>
+                        <a:lumOff val="60000"/>
+                      </a:schemeClr>
+                    </a:solidFill>
+                  </a:tcPr>
                 </a:tc>
               </a:tr>
               <a:tr h="370840">
@@ -19913,7 +20139,14 @@
                       <a:endParaRPr lang="en-GB" dirty="0" smtClean="0"/>
                     </a:p>
                   </a:txBody>
-                  <a:tcPr/>
+                  <a:tcPr>
+                    <a:solidFill>
+                      <a:schemeClr val="accent6">
+                        <a:lumMod val="60000"/>
+                        <a:lumOff val="40000"/>
+                      </a:schemeClr>
+                    </a:solidFill>
+                  </a:tcPr>
                 </a:tc>
                 <a:tc>
                   <a:txBody>
@@ -19929,7 +20162,14 @@
                       <a:endParaRPr lang="en-GB" dirty="0"/>
                     </a:p>
                   </a:txBody>
-                  <a:tcPr/>
+                  <a:tcPr>
+                    <a:solidFill>
+                      <a:schemeClr val="accent6">
+                        <a:lumMod val="60000"/>
+                        <a:lumOff val="40000"/>
+                      </a:schemeClr>
+                    </a:solidFill>
+                  </a:tcPr>
                 </a:tc>
                 <a:tc>
                   <a:txBody>
@@ -19945,7 +20185,14 @@
                       <a:endParaRPr lang="en-GB" dirty="0"/>
                     </a:p>
                   </a:txBody>
-                  <a:tcPr/>
+                  <a:tcPr>
+                    <a:solidFill>
+                      <a:schemeClr val="accent6">
+                        <a:lumMod val="60000"/>
+                        <a:lumOff val="40000"/>
+                      </a:schemeClr>
+                    </a:solidFill>
+                  </a:tcPr>
                 </a:tc>
                 <a:tc>
                   <a:txBody>
@@ -19992,7 +20239,14 @@
                       <a:endParaRPr lang="en-GB" dirty="0" smtClean="0"/>
                     </a:p>
                   </a:txBody>
-                  <a:tcPr/>
+                  <a:tcPr>
+                    <a:solidFill>
+                      <a:schemeClr val="accent6">
+                        <a:lumMod val="60000"/>
+                        <a:lumOff val="40000"/>
+                      </a:schemeClr>
+                    </a:solidFill>
+                  </a:tcPr>
                 </a:tc>
               </a:tr>
               <a:tr h="370840">
@@ -20293,7 +20547,7 @@
             <p:ph idx="1"/>
             <p:extLst>
               <p:ext uri="{D42A27DB-BD31-4B8C-83A1-F6EECF244321}">
-                <p14:modId xmlns:p14="http://schemas.microsoft.com/office/powerpoint/2010/main" val="2005526799"/>
+                <p14:modId xmlns:p14="http://schemas.microsoft.com/office/powerpoint/2010/main" val="174251323"/>
               </p:ext>
             </p:extLst>
           </p:nvPr>
@@ -20385,7 +20639,14 @@
                       <a:endParaRPr lang="en-GB" dirty="0"/>
                     </a:p>
                   </a:txBody>
-                  <a:tcPr/>
+                  <a:tcPr>
+                    <a:solidFill>
+                      <a:schemeClr val="accent6">
+                        <a:lumMod val="40000"/>
+                        <a:lumOff val="60000"/>
+                      </a:schemeClr>
+                    </a:solidFill>
+                  </a:tcPr>
                 </a:tc>
                 <a:tc>
                   <a:txBody>
@@ -20401,7 +20662,14 @@
                       <a:endParaRPr lang="en-GB" dirty="0"/>
                     </a:p>
                   </a:txBody>
-                  <a:tcPr/>
+                  <a:tcPr>
+                    <a:solidFill>
+                      <a:schemeClr val="accent6">
+                        <a:lumMod val="40000"/>
+                        <a:lumOff val="60000"/>
+                      </a:schemeClr>
+                    </a:solidFill>
+                  </a:tcPr>
                 </a:tc>
                 <a:tc>
                   <a:txBody>
@@ -20417,7 +20685,14 @@
                       <a:endParaRPr lang="en-GB" dirty="0"/>
                     </a:p>
                   </a:txBody>
-                  <a:tcPr/>
+                  <a:tcPr>
+                    <a:solidFill>
+                      <a:schemeClr val="accent6">
+                        <a:lumMod val="40000"/>
+                        <a:lumOff val="60000"/>
+                      </a:schemeClr>
+                    </a:solidFill>
+                  </a:tcPr>
                 </a:tc>
                 <a:tc>
                   <a:txBody>
@@ -20464,7 +20739,14 @@
                       <a:endParaRPr lang="en-GB" dirty="0" smtClean="0"/>
                     </a:p>
                   </a:txBody>
-                  <a:tcPr/>
+                  <a:tcPr>
+                    <a:solidFill>
+                      <a:schemeClr val="accent6">
+                        <a:lumMod val="40000"/>
+                        <a:lumOff val="60000"/>
+                      </a:schemeClr>
+                    </a:solidFill>
+                  </a:tcPr>
                 </a:tc>
               </a:tr>
               <a:tr h="370840">
@@ -20497,7 +20779,14 @@
                       <a:endParaRPr lang="en-GB" dirty="0" smtClean="0"/>
                     </a:p>
                   </a:txBody>
-                  <a:tcPr/>
+                  <a:tcPr>
+                    <a:solidFill>
+                      <a:schemeClr val="accent6">
+                        <a:lumMod val="60000"/>
+                        <a:lumOff val="40000"/>
+                      </a:schemeClr>
+                    </a:solidFill>
+                  </a:tcPr>
                 </a:tc>
                 <a:tc>
                   <a:txBody>
@@ -20513,7 +20802,14 @@
                       <a:endParaRPr lang="en-GB" dirty="0"/>
                     </a:p>
                   </a:txBody>
-                  <a:tcPr/>
+                  <a:tcPr>
+                    <a:solidFill>
+                      <a:schemeClr val="accent6">
+                        <a:lumMod val="60000"/>
+                        <a:lumOff val="40000"/>
+                      </a:schemeClr>
+                    </a:solidFill>
+                  </a:tcPr>
                 </a:tc>
                 <a:tc>
                   <a:txBody>
@@ -20529,7 +20825,14 @@
                       <a:endParaRPr lang="en-GB" dirty="0"/>
                     </a:p>
                   </a:txBody>
-                  <a:tcPr/>
+                  <a:tcPr>
+                    <a:solidFill>
+                      <a:schemeClr val="accent6">
+                        <a:lumMod val="60000"/>
+                        <a:lumOff val="40000"/>
+                      </a:schemeClr>
+                    </a:solidFill>
+                  </a:tcPr>
                 </a:tc>
                 <a:tc>
                   <a:txBody>
@@ -20576,7 +20879,14 @@
                       <a:endParaRPr lang="en-GB" dirty="0" smtClean="0"/>
                     </a:p>
                   </a:txBody>
-                  <a:tcPr/>
+                  <a:tcPr>
+                    <a:solidFill>
+                      <a:schemeClr val="accent6">
+                        <a:lumMod val="60000"/>
+                        <a:lumOff val="40000"/>
+                      </a:schemeClr>
+                    </a:solidFill>
+                  </a:tcPr>
                 </a:tc>
               </a:tr>
               <a:tr h="370840">
@@ -20906,7 +21216,7 @@
                         <a:t>&gt;</a:t>
                       </a:r>
                       <a:r>
-                        <a:rPr lang="en-IN" smtClean="0"/>
+                        <a:rPr lang="en-IN" dirty="0" err="1" smtClean="0"/>
                         <a:t>per.loc</a:t>
                       </a:r>
                       <a:endParaRPr lang="en-GB" dirty="0" smtClean="0"/>
@@ -21073,6 +21383,1518 @@
 </file>
 
 <file path=ppt/slides/slide50.xml><?xml version="1.0" encoding="utf-8"?>
+<p:sld xmlns:a="http://schemas.openxmlformats.org/drawingml/2006/main" xmlns:r="http://schemas.openxmlformats.org/officeDocument/2006/relationships" xmlns:p="http://schemas.openxmlformats.org/presentationml/2006/main">
+  <p:cSld>
+    <p:spTree>
+      <p:nvGrpSpPr>
+        <p:cNvPr id="1" name=""/>
+        <p:cNvGrpSpPr/>
+        <p:nvPr/>
+      </p:nvGrpSpPr>
+      <p:grpSpPr>
+        <a:xfrm>
+          <a:off x="0" y="0"/>
+          <a:ext cx="0" cy="0"/>
+          <a:chOff x="0" y="0"/>
+          <a:chExt cx="0" cy="0"/>
+        </a:xfrm>
+      </p:grpSpPr>
+      <p:sp>
+        <p:nvSpPr>
+          <p:cNvPr id="2" name="Title 1"/>
+          <p:cNvSpPr>
+            <a:spLocks noGrp="1"/>
+          </p:cNvSpPr>
+          <p:nvPr>
+            <p:ph type="title"/>
+          </p:nvPr>
+        </p:nvSpPr>
+        <p:spPr/>
+        <p:txBody>
+          <a:bodyPr/>
+          <a:lstStyle/>
+          <a:p>
+            <a:r>
+              <a:rPr lang="en-IN" dirty="0" smtClean="0"/>
+              <a:t>Wasserstein Metric</a:t>
+            </a:r>
+            <a:br>
+              <a:rPr lang="en-IN" dirty="0" smtClean="0"/>
+            </a:br>
+            <a:r>
+              <a:rPr lang="en-IN" sz="2800" dirty="0" smtClean="0"/>
+              <a:t>KNN</a:t>
+            </a:r>
+            <a:endParaRPr lang="en-GB" dirty="0"/>
+          </a:p>
+        </p:txBody>
+      </p:sp>
+      <p:graphicFrame>
+        <p:nvGraphicFramePr>
+          <p:cNvPr id="4" name="Content Placeholder 3"/>
+          <p:cNvGraphicFramePr>
+            <a:graphicFrameLocks noGrp="1"/>
+          </p:cNvGraphicFramePr>
+          <p:nvPr>
+            <p:ph idx="1"/>
+            <p:extLst>
+              <p:ext uri="{D42A27DB-BD31-4B8C-83A1-F6EECF244321}">
+                <p14:modId xmlns:p14="http://schemas.microsoft.com/office/powerpoint/2010/main" val="922398794"/>
+              </p:ext>
+            </p:extLst>
+          </p:nvPr>
+        </p:nvGraphicFramePr>
+        <p:xfrm>
+          <a:off x="838200" y="1825625"/>
+          <a:ext cx="10515600" cy="2225040"/>
+        </p:xfrm>
+        <a:graphic>
+          <a:graphicData uri="http://schemas.openxmlformats.org/drawingml/2006/table">
+            <a:tbl>
+              <a:tblPr firstRow="1" bandRow="1">
+                <a:tableStyleId>{5C22544A-7EE6-4342-B048-85BDC9FD1C3A}</a:tableStyleId>
+              </a:tblPr>
+              <a:tblGrid>
+                <a:gridCol w="2628900"/>
+                <a:gridCol w="2114191"/>
+                <a:gridCol w="1613139"/>
+                <a:gridCol w="4159370"/>
+              </a:tblGrid>
+              <a:tr h="370840">
+                <a:tc>
+                  <a:txBody>
+                    <a:bodyPr/>
+                    <a:lstStyle/>
+                    <a:p>
+                      <a:r>
+                        <a:rPr lang="en-IN" dirty="0" smtClean="0"/>
+                        <a:t>Graph Name</a:t>
+                      </a:r>
+                      <a:endParaRPr lang="en-GB" dirty="0"/>
+                    </a:p>
+                  </a:txBody>
+                  <a:tcPr/>
+                </a:tc>
+                <a:tc>
+                  <a:txBody>
+                    <a:bodyPr/>
+                    <a:lstStyle/>
+                    <a:p>
+                      <a:r>
+                        <a:rPr lang="en-IN" dirty="0" smtClean="0"/>
+                        <a:t>Wasserstein Metric</a:t>
+                      </a:r>
+                      <a:endParaRPr lang="en-GB" dirty="0"/>
+                    </a:p>
+                  </a:txBody>
+                  <a:tcPr/>
+                </a:tc>
+                <a:tc>
+                  <a:txBody>
+                    <a:bodyPr/>
+                    <a:lstStyle/>
+                    <a:p>
+                      <a:r>
+                        <a:rPr lang="en-IN" dirty="0" smtClean="0"/>
+                        <a:t>P-value</a:t>
+                      </a:r>
+                      <a:endParaRPr lang="en-GB" dirty="0"/>
+                    </a:p>
+                  </a:txBody>
+                  <a:tcPr/>
+                </a:tc>
+                <a:tc>
+                  <a:txBody>
+                    <a:bodyPr/>
+                    <a:lstStyle/>
+                    <a:p>
+                      <a:r>
+                        <a:rPr lang="en-IN" dirty="0" smtClean="0"/>
+                        <a:t>Difference</a:t>
+                      </a:r>
+                      <a:endParaRPr lang="en-GB" dirty="0"/>
+                    </a:p>
+                  </a:txBody>
+                  <a:tcPr/>
+                </a:tc>
+              </a:tr>
+              <a:tr h="370840">
+                <a:tc>
+                  <a:txBody>
+                    <a:bodyPr/>
+                    <a:lstStyle/>
+                    <a:p>
+                      <a:r>
+                        <a:rPr lang="en-IN" dirty="0" smtClean="0"/>
+                        <a:t>Template, G1</a:t>
+                      </a:r>
+                      <a:endParaRPr lang="en-GB" dirty="0"/>
+                    </a:p>
+                  </a:txBody>
+                  <a:tcPr>
+                    <a:solidFill>
+                      <a:schemeClr val="accent6">
+                        <a:lumMod val="40000"/>
+                        <a:lumOff val="60000"/>
+                      </a:schemeClr>
+                    </a:solidFill>
+                  </a:tcPr>
+                </a:tc>
+                <a:tc>
+                  <a:txBody>
+                    <a:bodyPr/>
+                    <a:lstStyle/>
+                    <a:p>
+                      <a:r>
+                        <a:rPr lang="en-GB" dirty="0" smtClean="0">
+                          <a:effectLst/>
+                        </a:rPr>
+                        <a:t>3.441</a:t>
+                      </a:r>
+                      <a:endParaRPr lang="en-GB" dirty="0"/>
+                    </a:p>
+                  </a:txBody>
+                  <a:tcPr>
+                    <a:solidFill>
+                      <a:schemeClr val="accent6">
+                        <a:lumMod val="40000"/>
+                        <a:lumOff val="60000"/>
+                      </a:schemeClr>
+                    </a:solidFill>
+                  </a:tcPr>
+                </a:tc>
+                <a:tc>
+                  <a:txBody>
+                    <a:bodyPr/>
+                    <a:lstStyle/>
+                    <a:p>
+                      <a:r>
+                        <a:rPr lang="en-GB" dirty="0" smtClean="0">
+                          <a:effectLst/>
+                        </a:rPr>
+                        <a:t>0.0974</a:t>
+                      </a:r>
+                      <a:endParaRPr lang="en-GB" dirty="0"/>
+                    </a:p>
+                  </a:txBody>
+                  <a:tcPr>
+                    <a:solidFill>
+                      <a:schemeClr val="accent6">
+                        <a:lumMod val="40000"/>
+                        <a:lumOff val="60000"/>
+                      </a:schemeClr>
+                    </a:solidFill>
+                  </a:tcPr>
+                </a:tc>
+                <a:tc>
+                  <a:txBody>
+                    <a:bodyPr/>
+                    <a:lstStyle/>
+                    <a:p>
+                      <a:pPr marL="0" marR="0" lvl="0" indent="0" algn="l" defTabSz="914400" rtl="0" eaLnBrk="1" fontAlgn="auto" latinLnBrk="0" hangingPunct="1">
+                        <a:lnSpc>
+                          <a:spcPct val="100000"/>
+                        </a:lnSpc>
+                        <a:spcBef>
+                          <a:spcPts val="0"/>
+                        </a:spcBef>
+                        <a:spcAft>
+                          <a:spcPts val="0"/>
+                        </a:spcAft>
+                        <a:buClrTx/>
+                        <a:buSzTx/>
+                        <a:buFontTx/>
+                        <a:buNone/>
+                        <a:tabLst/>
+                        <a:defRPr/>
+                      </a:pPr>
+                      <a:r>
+                        <a:rPr lang="en-IN" dirty="0" err="1" smtClean="0"/>
+                        <a:t>per.shape</a:t>
+                      </a:r>
+                      <a:r>
+                        <a:rPr lang="en-IN" dirty="0" smtClean="0"/>
+                        <a:t>&gt;</a:t>
+                      </a:r>
+                      <a:r>
+                        <a:rPr lang="en-IN" dirty="0" err="1" smtClean="0"/>
+                        <a:t>per.loc</a:t>
+                      </a:r>
+                      <a:r>
+                        <a:rPr lang="en-IN" dirty="0" smtClean="0"/>
+                        <a:t>&gt;</a:t>
+                      </a:r>
+                      <a:r>
+                        <a:rPr lang="en-IN" dirty="0" err="1" smtClean="0"/>
+                        <a:t>per.size</a:t>
+                      </a:r>
+                      <a:endParaRPr lang="en-GB" dirty="0" smtClean="0"/>
+                    </a:p>
+                  </a:txBody>
+                  <a:tcPr>
+                    <a:solidFill>
+                      <a:schemeClr val="accent6">
+                        <a:lumMod val="40000"/>
+                        <a:lumOff val="60000"/>
+                      </a:schemeClr>
+                    </a:solidFill>
+                  </a:tcPr>
+                </a:tc>
+              </a:tr>
+              <a:tr h="370840">
+                <a:tc>
+                  <a:txBody>
+                    <a:bodyPr/>
+                    <a:lstStyle/>
+                    <a:p>
+                      <a:pPr marL="0" marR="0" lvl="0" indent="0" algn="l" defTabSz="914400" rtl="0" eaLnBrk="1" fontAlgn="auto" latinLnBrk="0" hangingPunct="1">
+                        <a:lnSpc>
+                          <a:spcPct val="100000"/>
+                        </a:lnSpc>
+                        <a:spcBef>
+                          <a:spcPts val="0"/>
+                        </a:spcBef>
+                        <a:spcAft>
+                          <a:spcPts val="0"/>
+                        </a:spcAft>
+                        <a:buClrTx/>
+                        <a:buSzTx/>
+                        <a:buFontTx/>
+                        <a:buNone/>
+                        <a:tabLst/>
+                        <a:defRPr/>
+                      </a:pPr>
+                      <a:r>
+                        <a:rPr lang="en-IN" dirty="0" smtClean="0"/>
+                        <a:t>Template, G2</a:t>
+                      </a:r>
+                      <a:endParaRPr lang="en-GB" dirty="0" smtClean="0"/>
+                    </a:p>
+                  </a:txBody>
+                  <a:tcPr>
+                    <a:solidFill>
+                      <a:schemeClr val="accent6">
+                        <a:lumMod val="60000"/>
+                        <a:lumOff val="40000"/>
+                      </a:schemeClr>
+                    </a:solidFill>
+                  </a:tcPr>
+                </a:tc>
+                <a:tc>
+                  <a:txBody>
+                    <a:bodyPr/>
+                    <a:lstStyle/>
+                    <a:p>
+                      <a:r>
+                        <a:rPr lang="en-GB" dirty="0" smtClean="0">
+                          <a:effectLst/>
+                        </a:rPr>
+                        <a:t>4.214</a:t>
+                      </a:r>
+                      <a:endParaRPr lang="en-GB" dirty="0"/>
+                    </a:p>
+                  </a:txBody>
+                  <a:tcPr>
+                    <a:solidFill>
+                      <a:schemeClr val="accent6">
+                        <a:lumMod val="60000"/>
+                        <a:lumOff val="40000"/>
+                      </a:schemeClr>
+                    </a:solidFill>
+                  </a:tcPr>
+                </a:tc>
+                <a:tc>
+                  <a:txBody>
+                    <a:bodyPr/>
+                    <a:lstStyle/>
+                    <a:p>
+                      <a:r>
+                        <a:rPr lang="en-GB" dirty="0" smtClean="0">
+                          <a:effectLst/>
+                        </a:rPr>
+                        <a:t>0.0030</a:t>
+                      </a:r>
+                      <a:endParaRPr lang="en-GB" dirty="0"/>
+                    </a:p>
+                  </a:txBody>
+                  <a:tcPr>
+                    <a:solidFill>
+                      <a:schemeClr val="accent6">
+                        <a:lumMod val="60000"/>
+                        <a:lumOff val="40000"/>
+                      </a:schemeClr>
+                    </a:solidFill>
+                  </a:tcPr>
+                </a:tc>
+                <a:tc>
+                  <a:txBody>
+                    <a:bodyPr/>
+                    <a:lstStyle/>
+                    <a:p>
+                      <a:pPr marL="0" marR="0" lvl="0" indent="0" algn="l" defTabSz="914400" rtl="0" eaLnBrk="1" fontAlgn="auto" latinLnBrk="0" hangingPunct="1">
+                        <a:lnSpc>
+                          <a:spcPct val="100000"/>
+                        </a:lnSpc>
+                        <a:spcBef>
+                          <a:spcPts val="0"/>
+                        </a:spcBef>
+                        <a:spcAft>
+                          <a:spcPts val="0"/>
+                        </a:spcAft>
+                        <a:buClrTx/>
+                        <a:buSzTx/>
+                        <a:buFontTx/>
+                        <a:buNone/>
+                        <a:tabLst/>
+                        <a:defRPr/>
+                      </a:pPr>
+                      <a:r>
+                        <a:rPr lang="en-IN" dirty="0" err="1" smtClean="0"/>
+                        <a:t>per.loc</a:t>
+                      </a:r>
+                      <a:r>
+                        <a:rPr lang="en-IN" dirty="0" smtClean="0"/>
+                        <a:t>&gt;</a:t>
+                      </a:r>
+                      <a:r>
+                        <a:rPr lang="en-IN" dirty="0" err="1" smtClean="0"/>
+                        <a:t>per.shape</a:t>
+                      </a:r>
+                      <a:r>
+                        <a:rPr lang="en-IN" dirty="0" smtClean="0"/>
+                        <a:t>&gt;</a:t>
+                      </a:r>
+                      <a:r>
+                        <a:rPr lang="en-IN" dirty="0" err="1" smtClean="0"/>
+                        <a:t>per.size</a:t>
+                      </a:r>
+                      <a:endParaRPr lang="en-GB" dirty="0" smtClean="0"/>
+                    </a:p>
+                  </a:txBody>
+                  <a:tcPr>
+                    <a:solidFill>
+                      <a:schemeClr val="accent6">
+                        <a:lumMod val="60000"/>
+                        <a:lumOff val="40000"/>
+                      </a:schemeClr>
+                    </a:solidFill>
+                  </a:tcPr>
+                </a:tc>
+              </a:tr>
+              <a:tr h="370840">
+                <a:tc>
+                  <a:txBody>
+                    <a:bodyPr/>
+                    <a:lstStyle/>
+                    <a:p>
+                      <a:pPr marL="0" marR="0" lvl="0" indent="0" algn="l" defTabSz="914400" rtl="0" eaLnBrk="1" fontAlgn="auto" latinLnBrk="0" hangingPunct="1">
+                        <a:lnSpc>
+                          <a:spcPct val="100000"/>
+                        </a:lnSpc>
+                        <a:spcBef>
+                          <a:spcPts val="0"/>
+                        </a:spcBef>
+                        <a:spcAft>
+                          <a:spcPts val="0"/>
+                        </a:spcAft>
+                        <a:buClrTx/>
+                        <a:buSzTx/>
+                        <a:buFontTx/>
+                        <a:buNone/>
+                        <a:tabLst/>
+                        <a:defRPr/>
+                      </a:pPr>
+                      <a:r>
+                        <a:rPr lang="en-IN" dirty="0" smtClean="0"/>
+                        <a:t>Template, G3</a:t>
+                      </a:r>
+                      <a:endParaRPr lang="en-GB" dirty="0" smtClean="0"/>
+                    </a:p>
+                  </a:txBody>
+                  <a:tcPr/>
+                </a:tc>
+                <a:tc>
+                  <a:txBody>
+                    <a:bodyPr/>
+                    <a:lstStyle/>
+                    <a:p>
+                      <a:r>
+                        <a:rPr lang="en-GB" dirty="0" smtClean="0">
+                          <a:effectLst/>
+                        </a:rPr>
+                        <a:t>5.081</a:t>
+                      </a:r>
+                      <a:endParaRPr lang="en-GB" dirty="0"/>
+                    </a:p>
+                  </a:txBody>
+                  <a:tcPr/>
+                </a:tc>
+                <a:tc>
+                  <a:txBody>
+                    <a:bodyPr/>
+                    <a:lstStyle/>
+                    <a:p>
+                      <a:r>
+                        <a:rPr lang="en-GB" dirty="0" smtClean="0">
+                          <a:effectLst/>
+                        </a:rPr>
+                        <a:t>0.0035</a:t>
+                      </a:r>
+                      <a:endParaRPr lang="en-GB" dirty="0"/>
+                    </a:p>
+                  </a:txBody>
+                  <a:tcPr/>
+                </a:tc>
+                <a:tc>
+                  <a:txBody>
+                    <a:bodyPr/>
+                    <a:lstStyle/>
+                    <a:p>
+                      <a:pPr marL="0" marR="0" lvl="0" indent="0" algn="l" defTabSz="914400" rtl="0" eaLnBrk="1" fontAlgn="auto" latinLnBrk="0" hangingPunct="1">
+                        <a:lnSpc>
+                          <a:spcPct val="100000"/>
+                        </a:lnSpc>
+                        <a:spcBef>
+                          <a:spcPts val="0"/>
+                        </a:spcBef>
+                        <a:spcAft>
+                          <a:spcPts val="0"/>
+                        </a:spcAft>
+                        <a:buClrTx/>
+                        <a:buSzTx/>
+                        <a:buFontTx/>
+                        <a:buNone/>
+                        <a:tabLst/>
+                        <a:defRPr/>
+                      </a:pPr>
+                      <a:r>
+                        <a:rPr lang="en-IN" dirty="0" err="1" smtClean="0"/>
+                        <a:t>per.loc</a:t>
+                      </a:r>
+                      <a:r>
+                        <a:rPr lang="en-IN" dirty="0" smtClean="0"/>
+                        <a:t>&gt;</a:t>
+                      </a:r>
+                      <a:r>
+                        <a:rPr lang="en-IN" dirty="0" err="1" smtClean="0"/>
+                        <a:t>per.shape</a:t>
+                      </a:r>
+                      <a:r>
+                        <a:rPr lang="en-IN" dirty="0" smtClean="0"/>
+                        <a:t>&gt;</a:t>
+                      </a:r>
+                      <a:r>
+                        <a:rPr lang="en-IN" dirty="0" err="1" smtClean="0"/>
+                        <a:t>per.size</a:t>
+                      </a:r>
+                      <a:endParaRPr lang="en-GB" dirty="0" smtClean="0"/>
+                    </a:p>
+                  </a:txBody>
+                  <a:tcPr/>
+                </a:tc>
+              </a:tr>
+              <a:tr h="370840">
+                <a:tc>
+                  <a:txBody>
+                    <a:bodyPr/>
+                    <a:lstStyle/>
+                    <a:p>
+                      <a:pPr marL="0" marR="0" lvl="0" indent="0" algn="l" defTabSz="914400" rtl="0" eaLnBrk="1" fontAlgn="auto" latinLnBrk="0" hangingPunct="1">
+                        <a:lnSpc>
+                          <a:spcPct val="100000"/>
+                        </a:lnSpc>
+                        <a:spcBef>
+                          <a:spcPts val="0"/>
+                        </a:spcBef>
+                        <a:spcAft>
+                          <a:spcPts val="0"/>
+                        </a:spcAft>
+                        <a:buClrTx/>
+                        <a:buSzTx/>
+                        <a:buFontTx/>
+                        <a:buNone/>
+                        <a:tabLst/>
+                        <a:defRPr/>
+                      </a:pPr>
+                      <a:r>
+                        <a:rPr lang="en-IN" dirty="0" smtClean="0"/>
+                        <a:t>Template, G4</a:t>
+                      </a:r>
+                      <a:endParaRPr lang="en-GB" dirty="0" smtClean="0"/>
+                    </a:p>
+                  </a:txBody>
+                  <a:tcPr/>
+                </a:tc>
+                <a:tc>
+                  <a:txBody>
+                    <a:bodyPr/>
+                    <a:lstStyle/>
+                    <a:p>
+                      <a:r>
+                        <a:rPr lang="en-GB" dirty="0" smtClean="0">
+                          <a:effectLst/>
+                        </a:rPr>
+                        <a:t>5.606</a:t>
+                      </a:r>
+                      <a:endParaRPr lang="en-GB" dirty="0"/>
+                    </a:p>
+                  </a:txBody>
+                  <a:tcPr/>
+                </a:tc>
+                <a:tc>
+                  <a:txBody>
+                    <a:bodyPr/>
+                    <a:lstStyle/>
+                    <a:p>
+                      <a:r>
+                        <a:rPr lang="en-GB" dirty="0" smtClean="0">
+                          <a:effectLst/>
+                        </a:rPr>
+                        <a:t>0.00009</a:t>
+                      </a:r>
+                      <a:endParaRPr lang="en-GB" dirty="0"/>
+                    </a:p>
+                  </a:txBody>
+                  <a:tcPr/>
+                </a:tc>
+                <a:tc>
+                  <a:txBody>
+                    <a:bodyPr/>
+                    <a:lstStyle/>
+                    <a:p>
+                      <a:pPr marL="0" marR="0" lvl="0" indent="0" algn="l" defTabSz="914400" rtl="0" eaLnBrk="1" fontAlgn="auto" latinLnBrk="0" hangingPunct="1">
+                        <a:lnSpc>
+                          <a:spcPct val="100000"/>
+                        </a:lnSpc>
+                        <a:spcBef>
+                          <a:spcPts val="0"/>
+                        </a:spcBef>
+                        <a:spcAft>
+                          <a:spcPts val="0"/>
+                        </a:spcAft>
+                        <a:buClrTx/>
+                        <a:buSzTx/>
+                        <a:buFontTx/>
+                        <a:buNone/>
+                        <a:tabLst/>
+                        <a:defRPr/>
+                      </a:pPr>
+                      <a:r>
+                        <a:rPr lang="en-IN" dirty="0" err="1" smtClean="0"/>
+                        <a:t>per.loc</a:t>
+                      </a:r>
+                      <a:r>
+                        <a:rPr lang="en-IN" dirty="0" smtClean="0"/>
+                        <a:t>&gt;</a:t>
+                      </a:r>
+                      <a:r>
+                        <a:rPr lang="en-IN" dirty="0" err="1" smtClean="0"/>
+                        <a:t>per.shape</a:t>
+                      </a:r>
+                      <a:r>
+                        <a:rPr lang="en-IN" dirty="0" smtClean="0"/>
+                        <a:t>&gt;</a:t>
+                      </a:r>
+                      <a:r>
+                        <a:rPr lang="en-IN" dirty="0" err="1" smtClean="0"/>
+                        <a:t>per.size</a:t>
+                      </a:r>
+                      <a:endParaRPr lang="en-GB" dirty="0" smtClean="0"/>
+                    </a:p>
+                  </a:txBody>
+                  <a:tcPr/>
+                </a:tc>
+              </a:tr>
+              <a:tr h="370840">
+                <a:tc>
+                  <a:txBody>
+                    <a:bodyPr/>
+                    <a:lstStyle/>
+                    <a:p>
+                      <a:pPr marL="0" marR="0" lvl="0" indent="0" algn="l" defTabSz="914400" rtl="0" eaLnBrk="1" fontAlgn="auto" latinLnBrk="0" hangingPunct="1">
+                        <a:lnSpc>
+                          <a:spcPct val="100000"/>
+                        </a:lnSpc>
+                        <a:spcBef>
+                          <a:spcPts val="0"/>
+                        </a:spcBef>
+                        <a:spcAft>
+                          <a:spcPts val="0"/>
+                        </a:spcAft>
+                        <a:buClrTx/>
+                        <a:buSzTx/>
+                        <a:buFontTx/>
+                        <a:buNone/>
+                        <a:tabLst/>
+                        <a:defRPr/>
+                      </a:pPr>
+                      <a:r>
+                        <a:rPr lang="en-IN" dirty="0" smtClean="0"/>
+                        <a:t>Template, G5</a:t>
+                      </a:r>
+                      <a:endParaRPr lang="en-GB" dirty="0" smtClean="0"/>
+                    </a:p>
+                  </a:txBody>
+                  <a:tcPr/>
+                </a:tc>
+                <a:tc>
+                  <a:txBody>
+                    <a:bodyPr/>
+                    <a:lstStyle/>
+                    <a:p>
+                      <a:r>
+                        <a:rPr lang="en-GB" dirty="0" smtClean="0">
+                          <a:effectLst/>
+                        </a:rPr>
+                        <a:t>12.568</a:t>
+                      </a:r>
+                      <a:endParaRPr lang="en-GB" dirty="0"/>
+                    </a:p>
+                  </a:txBody>
+                  <a:tcPr/>
+                </a:tc>
+                <a:tc>
+                  <a:txBody>
+                    <a:bodyPr/>
+                    <a:lstStyle/>
+                    <a:p>
+                      <a:r>
+                        <a:rPr lang="en-GB" dirty="0" smtClean="0">
+                          <a:effectLst/>
+                        </a:rPr>
+                        <a:t>0.00009</a:t>
+                      </a:r>
+                      <a:endParaRPr lang="en-GB" dirty="0"/>
+                    </a:p>
+                  </a:txBody>
+                  <a:tcPr/>
+                </a:tc>
+                <a:tc>
+                  <a:txBody>
+                    <a:bodyPr/>
+                    <a:lstStyle/>
+                    <a:p>
+                      <a:pPr marL="0" marR="0" lvl="0" indent="0" algn="l" defTabSz="914400" rtl="0" eaLnBrk="1" fontAlgn="auto" latinLnBrk="0" hangingPunct="1">
+                        <a:lnSpc>
+                          <a:spcPct val="100000"/>
+                        </a:lnSpc>
+                        <a:spcBef>
+                          <a:spcPts val="0"/>
+                        </a:spcBef>
+                        <a:spcAft>
+                          <a:spcPts val="0"/>
+                        </a:spcAft>
+                        <a:buClrTx/>
+                        <a:buSzTx/>
+                        <a:buFontTx/>
+                        <a:buNone/>
+                        <a:tabLst/>
+                        <a:defRPr/>
+                      </a:pPr>
+                      <a:r>
+                        <a:rPr lang="en-IN" dirty="0" err="1" smtClean="0"/>
+                        <a:t>per.loc</a:t>
+                      </a:r>
+                      <a:r>
+                        <a:rPr lang="en-IN" dirty="0" smtClean="0"/>
+                        <a:t>&gt;</a:t>
+                      </a:r>
+                      <a:r>
+                        <a:rPr lang="en-IN" dirty="0" err="1" smtClean="0"/>
+                        <a:t>per.size</a:t>
+                      </a:r>
+                      <a:r>
+                        <a:rPr lang="en-GB" dirty="0" smtClean="0"/>
+                        <a:t>&gt;</a:t>
+                      </a:r>
+                      <a:r>
+                        <a:rPr lang="en-IN" dirty="0" err="1" smtClean="0"/>
+                        <a:t>per.shape</a:t>
+                      </a:r>
+                      <a:endParaRPr lang="en-GB" dirty="0" smtClean="0"/>
+                    </a:p>
+                  </a:txBody>
+                  <a:tcPr/>
+                </a:tc>
+              </a:tr>
+            </a:tbl>
+          </a:graphicData>
+        </a:graphic>
+      </p:graphicFrame>
+    </p:spTree>
+    <p:extLst>
+      <p:ext uri="{BB962C8B-B14F-4D97-AF65-F5344CB8AC3E}">
+        <p14:creationId xmlns:p14="http://schemas.microsoft.com/office/powerpoint/2010/main" val="4259695363"/>
+      </p:ext>
+    </p:extLst>
+  </p:cSld>
+  <p:clrMapOvr>
+    <a:masterClrMapping/>
+  </p:clrMapOvr>
+</p:sld>
+</file>
+
+<file path=ppt/slides/slide51.xml><?xml version="1.0" encoding="utf-8"?>
+<p:sld xmlns:a="http://schemas.openxmlformats.org/drawingml/2006/main" xmlns:r="http://schemas.openxmlformats.org/officeDocument/2006/relationships" xmlns:p="http://schemas.openxmlformats.org/presentationml/2006/main">
+  <p:cSld>
+    <p:spTree>
+      <p:nvGrpSpPr>
+        <p:cNvPr id="1" name=""/>
+        <p:cNvGrpSpPr/>
+        <p:nvPr/>
+      </p:nvGrpSpPr>
+      <p:grpSpPr>
+        <a:xfrm>
+          <a:off x="0" y="0"/>
+          <a:ext cx="0" cy="0"/>
+          <a:chOff x="0" y="0"/>
+          <a:chExt cx="0" cy="0"/>
+        </a:xfrm>
+      </p:grpSpPr>
+      <p:sp>
+        <p:nvSpPr>
+          <p:cNvPr id="2" name="Title 1"/>
+          <p:cNvSpPr>
+            <a:spLocks noGrp="1"/>
+          </p:cNvSpPr>
+          <p:nvPr>
+            <p:ph type="title"/>
+          </p:nvPr>
+        </p:nvSpPr>
+        <p:spPr/>
+        <p:txBody>
+          <a:bodyPr/>
+          <a:lstStyle/>
+          <a:p>
+            <a:r>
+              <a:rPr lang="en-IN" dirty="0" smtClean="0"/>
+              <a:t>Wasserstein Metric</a:t>
+            </a:r>
+            <a:br>
+              <a:rPr lang="en-IN" dirty="0" smtClean="0"/>
+            </a:br>
+            <a:r>
+              <a:rPr lang="en-IN" sz="2800" dirty="0" smtClean="0"/>
+              <a:t>Average </a:t>
+            </a:r>
+            <a:r>
+              <a:rPr lang="en-IN" sz="2800" dirty="0" err="1" smtClean="0"/>
+              <a:t>Neighbors</a:t>
+            </a:r>
+            <a:r>
+              <a:rPr lang="en-IN" sz="2800" smtClean="0"/>
+              <a:t> Degree</a:t>
+            </a:r>
+            <a:endParaRPr lang="en-GB" dirty="0"/>
+          </a:p>
+        </p:txBody>
+      </p:sp>
+      <p:graphicFrame>
+        <p:nvGraphicFramePr>
+          <p:cNvPr id="4" name="Content Placeholder 3"/>
+          <p:cNvGraphicFramePr>
+            <a:graphicFrameLocks noGrp="1"/>
+          </p:cNvGraphicFramePr>
+          <p:nvPr>
+            <p:ph idx="1"/>
+            <p:extLst>
+              <p:ext uri="{D42A27DB-BD31-4B8C-83A1-F6EECF244321}">
+                <p14:modId xmlns:p14="http://schemas.microsoft.com/office/powerpoint/2010/main" val="922398794"/>
+              </p:ext>
+            </p:extLst>
+          </p:nvPr>
+        </p:nvGraphicFramePr>
+        <p:xfrm>
+          <a:off x="838200" y="1825625"/>
+          <a:ext cx="10515600" cy="2225040"/>
+        </p:xfrm>
+        <a:graphic>
+          <a:graphicData uri="http://schemas.openxmlformats.org/drawingml/2006/table">
+            <a:tbl>
+              <a:tblPr firstRow="1" bandRow="1">
+                <a:tableStyleId>{5C22544A-7EE6-4342-B048-85BDC9FD1C3A}</a:tableStyleId>
+              </a:tblPr>
+              <a:tblGrid>
+                <a:gridCol w="2628900"/>
+                <a:gridCol w="2114191"/>
+                <a:gridCol w="1613139"/>
+                <a:gridCol w="4159370"/>
+              </a:tblGrid>
+              <a:tr h="370840">
+                <a:tc>
+                  <a:txBody>
+                    <a:bodyPr/>
+                    <a:lstStyle/>
+                    <a:p>
+                      <a:r>
+                        <a:rPr lang="en-IN" dirty="0" smtClean="0"/>
+                        <a:t>Graph Name</a:t>
+                      </a:r>
+                      <a:endParaRPr lang="en-GB" dirty="0"/>
+                    </a:p>
+                  </a:txBody>
+                  <a:tcPr/>
+                </a:tc>
+                <a:tc>
+                  <a:txBody>
+                    <a:bodyPr/>
+                    <a:lstStyle/>
+                    <a:p>
+                      <a:r>
+                        <a:rPr lang="en-IN" dirty="0" smtClean="0"/>
+                        <a:t>Wasserstein Metric</a:t>
+                      </a:r>
+                      <a:endParaRPr lang="en-GB" dirty="0"/>
+                    </a:p>
+                  </a:txBody>
+                  <a:tcPr/>
+                </a:tc>
+                <a:tc>
+                  <a:txBody>
+                    <a:bodyPr/>
+                    <a:lstStyle/>
+                    <a:p>
+                      <a:r>
+                        <a:rPr lang="en-IN" dirty="0" smtClean="0"/>
+                        <a:t>P-value</a:t>
+                      </a:r>
+                      <a:endParaRPr lang="en-GB" dirty="0"/>
+                    </a:p>
+                  </a:txBody>
+                  <a:tcPr/>
+                </a:tc>
+                <a:tc>
+                  <a:txBody>
+                    <a:bodyPr/>
+                    <a:lstStyle/>
+                    <a:p>
+                      <a:r>
+                        <a:rPr lang="en-IN" dirty="0" smtClean="0"/>
+                        <a:t>Difference</a:t>
+                      </a:r>
+                      <a:endParaRPr lang="en-GB" dirty="0"/>
+                    </a:p>
+                  </a:txBody>
+                  <a:tcPr/>
+                </a:tc>
+              </a:tr>
+              <a:tr h="370840">
+                <a:tc>
+                  <a:txBody>
+                    <a:bodyPr/>
+                    <a:lstStyle/>
+                    <a:p>
+                      <a:r>
+                        <a:rPr lang="en-IN" dirty="0" smtClean="0"/>
+                        <a:t>Template, G1</a:t>
+                      </a:r>
+                      <a:endParaRPr lang="en-GB" dirty="0"/>
+                    </a:p>
+                  </a:txBody>
+                  <a:tcPr>
+                    <a:solidFill>
+                      <a:schemeClr val="accent6">
+                        <a:lumMod val="40000"/>
+                        <a:lumOff val="60000"/>
+                      </a:schemeClr>
+                    </a:solidFill>
+                  </a:tcPr>
+                </a:tc>
+                <a:tc>
+                  <a:txBody>
+                    <a:bodyPr/>
+                    <a:lstStyle/>
+                    <a:p>
+                      <a:r>
+                        <a:rPr lang="en-GB" dirty="0" smtClean="0">
+                          <a:effectLst/>
+                        </a:rPr>
+                        <a:t>3.441</a:t>
+                      </a:r>
+                      <a:endParaRPr lang="en-GB" dirty="0"/>
+                    </a:p>
+                  </a:txBody>
+                  <a:tcPr>
+                    <a:solidFill>
+                      <a:schemeClr val="accent6">
+                        <a:lumMod val="40000"/>
+                        <a:lumOff val="60000"/>
+                      </a:schemeClr>
+                    </a:solidFill>
+                  </a:tcPr>
+                </a:tc>
+                <a:tc>
+                  <a:txBody>
+                    <a:bodyPr/>
+                    <a:lstStyle/>
+                    <a:p>
+                      <a:r>
+                        <a:rPr lang="en-GB" dirty="0" smtClean="0">
+                          <a:effectLst/>
+                        </a:rPr>
+                        <a:t>0.0974</a:t>
+                      </a:r>
+                      <a:endParaRPr lang="en-GB" dirty="0"/>
+                    </a:p>
+                  </a:txBody>
+                  <a:tcPr>
+                    <a:solidFill>
+                      <a:schemeClr val="accent6">
+                        <a:lumMod val="40000"/>
+                        <a:lumOff val="60000"/>
+                      </a:schemeClr>
+                    </a:solidFill>
+                  </a:tcPr>
+                </a:tc>
+                <a:tc>
+                  <a:txBody>
+                    <a:bodyPr/>
+                    <a:lstStyle/>
+                    <a:p>
+                      <a:pPr marL="0" marR="0" lvl="0" indent="0" algn="l" defTabSz="914400" rtl="0" eaLnBrk="1" fontAlgn="auto" latinLnBrk="0" hangingPunct="1">
+                        <a:lnSpc>
+                          <a:spcPct val="100000"/>
+                        </a:lnSpc>
+                        <a:spcBef>
+                          <a:spcPts val="0"/>
+                        </a:spcBef>
+                        <a:spcAft>
+                          <a:spcPts val="0"/>
+                        </a:spcAft>
+                        <a:buClrTx/>
+                        <a:buSzTx/>
+                        <a:buFontTx/>
+                        <a:buNone/>
+                        <a:tabLst/>
+                        <a:defRPr/>
+                      </a:pPr>
+                      <a:r>
+                        <a:rPr lang="en-IN" dirty="0" err="1" smtClean="0"/>
+                        <a:t>per.shape</a:t>
+                      </a:r>
+                      <a:r>
+                        <a:rPr lang="en-IN" dirty="0" smtClean="0"/>
+                        <a:t>&gt;</a:t>
+                      </a:r>
+                      <a:r>
+                        <a:rPr lang="en-IN" dirty="0" err="1" smtClean="0"/>
+                        <a:t>per.loc</a:t>
+                      </a:r>
+                      <a:r>
+                        <a:rPr lang="en-IN" dirty="0" smtClean="0"/>
+                        <a:t>&gt;</a:t>
+                      </a:r>
+                      <a:r>
+                        <a:rPr lang="en-IN" dirty="0" err="1" smtClean="0"/>
+                        <a:t>per.size</a:t>
+                      </a:r>
+                      <a:endParaRPr lang="en-GB" dirty="0" smtClean="0"/>
+                    </a:p>
+                  </a:txBody>
+                  <a:tcPr>
+                    <a:solidFill>
+                      <a:schemeClr val="accent6">
+                        <a:lumMod val="40000"/>
+                        <a:lumOff val="60000"/>
+                      </a:schemeClr>
+                    </a:solidFill>
+                  </a:tcPr>
+                </a:tc>
+              </a:tr>
+              <a:tr h="370840">
+                <a:tc>
+                  <a:txBody>
+                    <a:bodyPr/>
+                    <a:lstStyle/>
+                    <a:p>
+                      <a:pPr marL="0" marR="0" lvl="0" indent="0" algn="l" defTabSz="914400" rtl="0" eaLnBrk="1" fontAlgn="auto" latinLnBrk="0" hangingPunct="1">
+                        <a:lnSpc>
+                          <a:spcPct val="100000"/>
+                        </a:lnSpc>
+                        <a:spcBef>
+                          <a:spcPts val="0"/>
+                        </a:spcBef>
+                        <a:spcAft>
+                          <a:spcPts val="0"/>
+                        </a:spcAft>
+                        <a:buClrTx/>
+                        <a:buSzTx/>
+                        <a:buFontTx/>
+                        <a:buNone/>
+                        <a:tabLst/>
+                        <a:defRPr/>
+                      </a:pPr>
+                      <a:r>
+                        <a:rPr lang="en-IN" dirty="0" smtClean="0"/>
+                        <a:t>Template, G2</a:t>
+                      </a:r>
+                      <a:endParaRPr lang="en-GB" dirty="0" smtClean="0"/>
+                    </a:p>
+                  </a:txBody>
+                  <a:tcPr>
+                    <a:solidFill>
+                      <a:schemeClr val="accent6">
+                        <a:lumMod val="60000"/>
+                        <a:lumOff val="40000"/>
+                      </a:schemeClr>
+                    </a:solidFill>
+                  </a:tcPr>
+                </a:tc>
+                <a:tc>
+                  <a:txBody>
+                    <a:bodyPr/>
+                    <a:lstStyle/>
+                    <a:p>
+                      <a:r>
+                        <a:rPr lang="en-GB" dirty="0" smtClean="0">
+                          <a:effectLst/>
+                        </a:rPr>
+                        <a:t>4.214</a:t>
+                      </a:r>
+                      <a:endParaRPr lang="en-GB" dirty="0"/>
+                    </a:p>
+                  </a:txBody>
+                  <a:tcPr>
+                    <a:solidFill>
+                      <a:schemeClr val="accent6">
+                        <a:lumMod val="60000"/>
+                        <a:lumOff val="40000"/>
+                      </a:schemeClr>
+                    </a:solidFill>
+                  </a:tcPr>
+                </a:tc>
+                <a:tc>
+                  <a:txBody>
+                    <a:bodyPr/>
+                    <a:lstStyle/>
+                    <a:p>
+                      <a:r>
+                        <a:rPr lang="en-GB" dirty="0" smtClean="0">
+                          <a:effectLst/>
+                        </a:rPr>
+                        <a:t>0.0030</a:t>
+                      </a:r>
+                      <a:endParaRPr lang="en-GB" dirty="0"/>
+                    </a:p>
+                  </a:txBody>
+                  <a:tcPr>
+                    <a:solidFill>
+                      <a:schemeClr val="accent6">
+                        <a:lumMod val="60000"/>
+                        <a:lumOff val="40000"/>
+                      </a:schemeClr>
+                    </a:solidFill>
+                  </a:tcPr>
+                </a:tc>
+                <a:tc>
+                  <a:txBody>
+                    <a:bodyPr/>
+                    <a:lstStyle/>
+                    <a:p>
+                      <a:pPr marL="0" marR="0" lvl="0" indent="0" algn="l" defTabSz="914400" rtl="0" eaLnBrk="1" fontAlgn="auto" latinLnBrk="0" hangingPunct="1">
+                        <a:lnSpc>
+                          <a:spcPct val="100000"/>
+                        </a:lnSpc>
+                        <a:spcBef>
+                          <a:spcPts val="0"/>
+                        </a:spcBef>
+                        <a:spcAft>
+                          <a:spcPts val="0"/>
+                        </a:spcAft>
+                        <a:buClrTx/>
+                        <a:buSzTx/>
+                        <a:buFontTx/>
+                        <a:buNone/>
+                        <a:tabLst/>
+                        <a:defRPr/>
+                      </a:pPr>
+                      <a:r>
+                        <a:rPr lang="en-IN" dirty="0" err="1" smtClean="0"/>
+                        <a:t>per.loc</a:t>
+                      </a:r>
+                      <a:r>
+                        <a:rPr lang="en-IN" dirty="0" smtClean="0"/>
+                        <a:t>&gt;</a:t>
+                      </a:r>
+                      <a:r>
+                        <a:rPr lang="en-IN" dirty="0" err="1" smtClean="0"/>
+                        <a:t>per.shape</a:t>
+                      </a:r>
+                      <a:r>
+                        <a:rPr lang="en-IN" dirty="0" smtClean="0"/>
+                        <a:t>&gt;</a:t>
+                      </a:r>
+                      <a:r>
+                        <a:rPr lang="en-IN" dirty="0" err="1" smtClean="0"/>
+                        <a:t>per.size</a:t>
+                      </a:r>
+                      <a:endParaRPr lang="en-GB" dirty="0" smtClean="0"/>
+                    </a:p>
+                  </a:txBody>
+                  <a:tcPr>
+                    <a:solidFill>
+                      <a:schemeClr val="accent6">
+                        <a:lumMod val="60000"/>
+                        <a:lumOff val="40000"/>
+                      </a:schemeClr>
+                    </a:solidFill>
+                  </a:tcPr>
+                </a:tc>
+              </a:tr>
+              <a:tr h="370840">
+                <a:tc>
+                  <a:txBody>
+                    <a:bodyPr/>
+                    <a:lstStyle/>
+                    <a:p>
+                      <a:pPr marL="0" marR="0" lvl="0" indent="0" algn="l" defTabSz="914400" rtl="0" eaLnBrk="1" fontAlgn="auto" latinLnBrk="0" hangingPunct="1">
+                        <a:lnSpc>
+                          <a:spcPct val="100000"/>
+                        </a:lnSpc>
+                        <a:spcBef>
+                          <a:spcPts val="0"/>
+                        </a:spcBef>
+                        <a:spcAft>
+                          <a:spcPts val="0"/>
+                        </a:spcAft>
+                        <a:buClrTx/>
+                        <a:buSzTx/>
+                        <a:buFontTx/>
+                        <a:buNone/>
+                        <a:tabLst/>
+                        <a:defRPr/>
+                      </a:pPr>
+                      <a:r>
+                        <a:rPr lang="en-IN" dirty="0" smtClean="0"/>
+                        <a:t>Template, G3</a:t>
+                      </a:r>
+                      <a:endParaRPr lang="en-GB" dirty="0" smtClean="0"/>
+                    </a:p>
+                  </a:txBody>
+                  <a:tcPr/>
+                </a:tc>
+                <a:tc>
+                  <a:txBody>
+                    <a:bodyPr/>
+                    <a:lstStyle/>
+                    <a:p>
+                      <a:r>
+                        <a:rPr lang="en-GB" dirty="0" smtClean="0">
+                          <a:effectLst/>
+                        </a:rPr>
+                        <a:t>5.081</a:t>
+                      </a:r>
+                      <a:endParaRPr lang="en-GB" dirty="0"/>
+                    </a:p>
+                  </a:txBody>
+                  <a:tcPr/>
+                </a:tc>
+                <a:tc>
+                  <a:txBody>
+                    <a:bodyPr/>
+                    <a:lstStyle/>
+                    <a:p>
+                      <a:r>
+                        <a:rPr lang="en-GB" dirty="0" smtClean="0">
+                          <a:effectLst/>
+                        </a:rPr>
+                        <a:t>0.0035</a:t>
+                      </a:r>
+                      <a:endParaRPr lang="en-GB" dirty="0"/>
+                    </a:p>
+                  </a:txBody>
+                  <a:tcPr/>
+                </a:tc>
+                <a:tc>
+                  <a:txBody>
+                    <a:bodyPr/>
+                    <a:lstStyle/>
+                    <a:p>
+                      <a:pPr marL="0" marR="0" lvl="0" indent="0" algn="l" defTabSz="914400" rtl="0" eaLnBrk="1" fontAlgn="auto" latinLnBrk="0" hangingPunct="1">
+                        <a:lnSpc>
+                          <a:spcPct val="100000"/>
+                        </a:lnSpc>
+                        <a:spcBef>
+                          <a:spcPts val="0"/>
+                        </a:spcBef>
+                        <a:spcAft>
+                          <a:spcPts val="0"/>
+                        </a:spcAft>
+                        <a:buClrTx/>
+                        <a:buSzTx/>
+                        <a:buFontTx/>
+                        <a:buNone/>
+                        <a:tabLst/>
+                        <a:defRPr/>
+                      </a:pPr>
+                      <a:r>
+                        <a:rPr lang="en-IN" dirty="0" err="1" smtClean="0"/>
+                        <a:t>per.loc</a:t>
+                      </a:r>
+                      <a:r>
+                        <a:rPr lang="en-IN" dirty="0" smtClean="0"/>
+                        <a:t>&gt;</a:t>
+                      </a:r>
+                      <a:r>
+                        <a:rPr lang="en-IN" dirty="0" err="1" smtClean="0"/>
+                        <a:t>per.shape</a:t>
+                      </a:r>
+                      <a:r>
+                        <a:rPr lang="en-IN" dirty="0" smtClean="0"/>
+                        <a:t>&gt;</a:t>
+                      </a:r>
+                      <a:r>
+                        <a:rPr lang="en-IN" dirty="0" err="1" smtClean="0"/>
+                        <a:t>per.size</a:t>
+                      </a:r>
+                      <a:endParaRPr lang="en-GB" dirty="0" smtClean="0"/>
+                    </a:p>
+                  </a:txBody>
+                  <a:tcPr/>
+                </a:tc>
+              </a:tr>
+              <a:tr h="370840">
+                <a:tc>
+                  <a:txBody>
+                    <a:bodyPr/>
+                    <a:lstStyle/>
+                    <a:p>
+                      <a:pPr marL="0" marR="0" lvl="0" indent="0" algn="l" defTabSz="914400" rtl="0" eaLnBrk="1" fontAlgn="auto" latinLnBrk="0" hangingPunct="1">
+                        <a:lnSpc>
+                          <a:spcPct val="100000"/>
+                        </a:lnSpc>
+                        <a:spcBef>
+                          <a:spcPts val="0"/>
+                        </a:spcBef>
+                        <a:spcAft>
+                          <a:spcPts val="0"/>
+                        </a:spcAft>
+                        <a:buClrTx/>
+                        <a:buSzTx/>
+                        <a:buFontTx/>
+                        <a:buNone/>
+                        <a:tabLst/>
+                        <a:defRPr/>
+                      </a:pPr>
+                      <a:r>
+                        <a:rPr lang="en-IN" dirty="0" smtClean="0"/>
+                        <a:t>Template, G4</a:t>
+                      </a:r>
+                      <a:endParaRPr lang="en-GB" dirty="0" smtClean="0"/>
+                    </a:p>
+                  </a:txBody>
+                  <a:tcPr/>
+                </a:tc>
+                <a:tc>
+                  <a:txBody>
+                    <a:bodyPr/>
+                    <a:lstStyle/>
+                    <a:p>
+                      <a:r>
+                        <a:rPr lang="en-GB" dirty="0" smtClean="0">
+                          <a:effectLst/>
+                        </a:rPr>
+                        <a:t>5.606</a:t>
+                      </a:r>
+                      <a:endParaRPr lang="en-GB" dirty="0"/>
+                    </a:p>
+                  </a:txBody>
+                  <a:tcPr/>
+                </a:tc>
+                <a:tc>
+                  <a:txBody>
+                    <a:bodyPr/>
+                    <a:lstStyle/>
+                    <a:p>
+                      <a:r>
+                        <a:rPr lang="en-GB" dirty="0" smtClean="0">
+                          <a:effectLst/>
+                        </a:rPr>
+                        <a:t>0.00009</a:t>
+                      </a:r>
+                      <a:endParaRPr lang="en-GB" dirty="0"/>
+                    </a:p>
+                  </a:txBody>
+                  <a:tcPr/>
+                </a:tc>
+                <a:tc>
+                  <a:txBody>
+                    <a:bodyPr/>
+                    <a:lstStyle/>
+                    <a:p>
+                      <a:pPr marL="0" marR="0" lvl="0" indent="0" algn="l" defTabSz="914400" rtl="0" eaLnBrk="1" fontAlgn="auto" latinLnBrk="0" hangingPunct="1">
+                        <a:lnSpc>
+                          <a:spcPct val="100000"/>
+                        </a:lnSpc>
+                        <a:spcBef>
+                          <a:spcPts val="0"/>
+                        </a:spcBef>
+                        <a:spcAft>
+                          <a:spcPts val="0"/>
+                        </a:spcAft>
+                        <a:buClrTx/>
+                        <a:buSzTx/>
+                        <a:buFontTx/>
+                        <a:buNone/>
+                        <a:tabLst/>
+                        <a:defRPr/>
+                      </a:pPr>
+                      <a:r>
+                        <a:rPr lang="en-IN" dirty="0" err="1" smtClean="0"/>
+                        <a:t>per.loc</a:t>
+                      </a:r>
+                      <a:r>
+                        <a:rPr lang="en-IN" dirty="0" smtClean="0"/>
+                        <a:t>&gt;</a:t>
+                      </a:r>
+                      <a:r>
+                        <a:rPr lang="en-IN" dirty="0" err="1" smtClean="0"/>
+                        <a:t>per.shape</a:t>
+                      </a:r>
+                      <a:r>
+                        <a:rPr lang="en-IN" dirty="0" smtClean="0"/>
+                        <a:t>&gt;</a:t>
+                      </a:r>
+                      <a:r>
+                        <a:rPr lang="en-IN" dirty="0" err="1" smtClean="0"/>
+                        <a:t>per.size</a:t>
+                      </a:r>
+                      <a:endParaRPr lang="en-GB" dirty="0" smtClean="0"/>
+                    </a:p>
+                  </a:txBody>
+                  <a:tcPr/>
+                </a:tc>
+              </a:tr>
+              <a:tr h="370840">
+                <a:tc>
+                  <a:txBody>
+                    <a:bodyPr/>
+                    <a:lstStyle/>
+                    <a:p>
+                      <a:pPr marL="0" marR="0" lvl="0" indent="0" algn="l" defTabSz="914400" rtl="0" eaLnBrk="1" fontAlgn="auto" latinLnBrk="0" hangingPunct="1">
+                        <a:lnSpc>
+                          <a:spcPct val="100000"/>
+                        </a:lnSpc>
+                        <a:spcBef>
+                          <a:spcPts val="0"/>
+                        </a:spcBef>
+                        <a:spcAft>
+                          <a:spcPts val="0"/>
+                        </a:spcAft>
+                        <a:buClrTx/>
+                        <a:buSzTx/>
+                        <a:buFontTx/>
+                        <a:buNone/>
+                        <a:tabLst/>
+                        <a:defRPr/>
+                      </a:pPr>
+                      <a:r>
+                        <a:rPr lang="en-IN" dirty="0" smtClean="0"/>
+                        <a:t>Template, G5</a:t>
+                      </a:r>
+                      <a:endParaRPr lang="en-GB" dirty="0" smtClean="0"/>
+                    </a:p>
+                  </a:txBody>
+                  <a:tcPr/>
+                </a:tc>
+                <a:tc>
+                  <a:txBody>
+                    <a:bodyPr/>
+                    <a:lstStyle/>
+                    <a:p>
+                      <a:r>
+                        <a:rPr lang="en-GB" dirty="0" smtClean="0">
+                          <a:effectLst/>
+                        </a:rPr>
+                        <a:t>12.568</a:t>
+                      </a:r>
+                      <a:endParaRPr lang="en-GB" dirty="0"/>
+                    </a:p>
+                  </a:txBody>
+                  <a:tcPr/>
+                </a:tc>
+                <a:tc>
+                  <a:txBody>
+                    <a:bodyPr/>
+                    <a:lstStyle/>
+                    <a:p>
+                      <a:r>
+                        <a:rPr lang="en-GB" dirty="0" smtClean="0">
+                          <a:effectLst/>
+                        </a:rPr>
+                        <a:t>0.00009</a:t>
+                      </a:r>
+                      <a:endParaRPr lang="en-GB" dirty="0"/>
+                    </a:p>
+                  </a:txBody>
+                  <a:tcPr/>
+                </a:tc>
+                <a:tc>
+                  <a:txBody>
+                    <a:bodyPr/>
+                    <a:lstStyle/>
+                    <a:p>
+                      <a:pPr marL="0" marR="0" lvl="0" indent="0" algn="l" defTabSz="914400" rtl="0" eaLnBrk="1" fontAlgn="auto" latinLnBrk="0" hangingPunct="1">
+                        <a:lnSpc>
+                          <a:spcPct val="100000"/>
+                        </a:lnSpc>
+                        <a:spcBef>
+                          <a:spcPts val="0"/>
+                        </a:spcBef>
+                        <a:spcAft>
+                          <a:spcPts val="0"/>
+                        </a:spcAft>
+                        <a:buClrTx/>
+                        <a:buSzTx/>
+                        <a:buFontTx/>
+                        <a:buNone/>
+                        <a:tabLst/>
+                        <a:defRPr/>
+                      </a:pPr>
+                      <a:r>
+                        <a:rPr lang="en-IN" dirty="0" err="1" smtClean="0"/>
+                        <a:t>per.loc</a:t>
+                      </a:r>
+                      <a:r>
+                        <a:rPr lang="en-IN" dirty="0" smtClean="0"/>
+                        <a:t>&gt;</a:t>
+                      </a:r>
+                      <a:r>
+                        <a:rPr lang="en-IN" dirty="0" err="1" smtClean="0"/>
+                        <a:t>per.size</a:t>
+                      </a:r>
+                      <a:r>
+                        <a:rPr lang="en-GB" dirty="0" smtClean="0"/>
+                        <a:t>&gt;</a:t>
+                      </a:r>
+                      <a:r>
+                        <a:rPr lang="en-IN" dirty="0" err="1" smtClean="0"/>
+                        <a:t>per.shape</a:t>
+                      </a:r>
+                      <a:endParaRPr lang="en-GB" dirty="0" smtClean="0"/>
+                    </a:p>
+                  </a:txBody>
+                  <a:tcPr/>
+                </a:tc>
+              </a:tr>
+            </a:tbl>
+          </a:graphicData>
+        </a:graphic>
+      </p:graphicFrame>
+    </p:spTree>
+    <p:extLst>
+      <p:ext uri="{BB962C8B-B14F-4D97-AF65-F5344CB8AC3E}">
+        <p14:creationId xmlns:p14="http://schemas.microsoft.com/office/powerpoint/2010/main" val="2908292829"/>
+      </p:ext>
+    </p:extLst>
+  </p:cSld>
+  <p:clrMapOvr>
+    <a:masterClrMapping/>
+  </p:clrMapOvr>
+</p:sld>
+</file>
+
+<file path=ppt/slides/slide52.xml><?xml version="1.0" encoding="utf-8"?>
 <p:sld xmlns:a="http://schemas.openxmlformats.org/drawingml/2006/main" xmlns:r="http://schemas.openxmlformats.org/officeDocument/2006/relationships" xmlns:p="http://schemas.openxmlformats.org/presentationml/2006/main">
   <p:cSld>
     <p:spTree>

--- a/Documentation/Presentation/Project_Presentation_v2.pptx
+++ b/Documentation/Presentation/Project_Presentation_v2.pptx
@@ -24803,7 +24803,7 @@
         <p:spPr>
           <a:xfrm>
             <a:off x="1147313" y="3976777"/>
-            <a:ext cx="9583947" cy="2031325"/>
+            <a:ext cx="9583947" cy="2308324"/>
           </a:xfrm>
           <a:prstGeom prst="rect">
             <a:avLst/>
@@ -24908,7 +24908,13 @@
               <a:rPr lang="en-IN" dirty="0" smtClean="0"/>
               <a:t>= 0.396</a:t>
             </a:r>
-            <a:endParaRPr lang="en-IN" dirty="0"/>
+          </a:p>
+          <a:p>
+            <a:r>
+              <a:rPr lang="en-IN" b="1" dirty="0" smtClean="0"/>
+              <a:t>Hence, higher the value more is the similarity.</a:t>
+            </a:r>
+            <a:endParaRPr lang="en-IN" b="1" dirty="0"/>
           </a:p>
         </p:txBody>
       </p:sp>
@@ -24975,14 +24981,14 @@
             <p:ph idx="1"/>
             <p:extLst>
               <p:ext uri="{D42A27DB-BD31-4B8C-83A1-F6EECF244321}">
-                <p14:modId xmlns:p14="http://schemas.microsoft.com/office/powerpoint/2010/main" val="3244719495"/>
+                <p14:modId xmlns:p14="http://schemas.microsoft.com/office/powerpoint/2010/main" val="1705420755"/>
               </p:ext>
             </p:extLst>
           </p:nvPr>
         </p:nvGraphicFramePr>
         <p:xfrm>
-          <a:off x="838200" y="1825625"/>
-          <a:ext cx="10515600" cy="2225040"/>
+          <a:off x="2438400" y="2187935"/>
+          <a:ext cx="7315200" cy="2225040"/>
         </p:xfrm>
         <a:graphic>
           <a:graphicData uri="http://schemas.openxmlformats.org/drawingml/2006/table">
@@ -24991,8 +24997,8 @@
                 <a:tableStyleId>{5C22544A-7EE6-4342-B048-85BDC9FD1C3A}</a:tableStyleId>
               </a:tblPr>
               <a:tblGrid>
-                <a:gridCol w="5257800"/>
-                <a:gridCol w="5257800"/>
+                <a:gridCol w="3657600"/>
+                <a:gridCol w="3657600"/>
               </a:tblGrid>
               <a:tr h="370840">
                 <a:tc>
@@ -25165,7 +25171,7 @@
                     <a:lstStyle/>
                     <a:p>
                       <a:r>
-                        <a:rPr lang="en-IN" smtClean="0"/>
+                        <a:rPr lang="en-IN" dirty="0" smtClean="0"/>
                         <a:t>0.49</a:t>
                       </a:r>
                       <a:endParaRPr lang="en-GB" dirty="0"/>
@@ -44097,7 +44103,7 @@
             <p:ph idx="1"/>
             <p:extLst>
               <p:ext uri="{D42A27DB-BD31-4B8C-83A1-F6EECF244321}">
-                <p14:modId xmlns:p14="http://schemas.microsoft.com/office/powerpoint/2010/main" val="4103166962"/>
+                <p14:modId xmlns:p14="http://schemas.microsoft.com/office/powerpoint/2010/main" val="4027245233"/>
               </p:ext>
             </p:extLst>
           </p:nvPr>
@@ -44230,7 +44236,7 @@
                         <a:rPr lang="en-GB" dirty="0" smtClean="0">
                           <a:effectLst/>
                         </a:rPr>
-                        <a:t>1</a:t>
+                        <a:t>0.273</a:t>
                       </a:r>
                       <a:endParaRPr lang="en-GB" dirty="0"/>
                     </a:p>
@@ -44268,7 +44274,23 @@
                       </a:pPr>
                       <a:r>
                         <a:rPr lang="en-IN" dirty="0" err="1" smtClean="0"/>
-                        <a:t>NaN</a:t>
+                        <a:t>per.shape</a:t>
+                      </a:r>
+                      <a:r>
+                        <a:rPr lang="en-IN" dirty="0" smtClean="0"/>
+                        <a:t>&gt;</a:t>
+                      </a:r>
+                      <a:r>
+                        <a:rPr lang="en-IN" dirty="0" err="1" smtClean="0"/>
+                        <a:t>per.loc</a:t>
+                      </a:r>
+                      <a:r>
+                        <a:rPr lang="en-IN" dirty="0" smtClean="0"/>
+                        <a:t>&gt;</a:t>
+                      </a:r>
+                      <a:r>
+                        <a:rPr lang="en-IN" dirty="0" err="1" smtClean="0"/>
+                        <a:t>per.size</a:t>
                       </a:r>
                       <a:endParaRPr lang="en-GB" dirty="0" smtClean="0"/>
                     </a:p>
@@ -44354,7 +44376,7 @@
                         <a:rPr lang="en-GB" dirty="0" smtClean="0">
                           <a:effectLst/>
                         </a:rPr>
-                        <a:t>0.99</a:t>
+                        <a:t>0.298</a:t>
                       </a:r>
                       <a:endParaRPr lang="en-GB" dirty="0"/>
                     </a:p>
@@ -44392,14 +44414,6 @@
                       </a:pPr>
                       <a:r>
                         <a:rPr lang="en-IN" dirty="0" err="1" smtClean="0"/>
-                        <a:t>per.size</a:t>
-                      </a:r>
-                      <a:r>
-                        <a:rPr lang="en-IN" dirty="0" smtClean="0"/>
-                        <a:t>&gt;</a:t>
-                      </a:r>
-                      <a:r>
-                        <a:rPr lang="en-IN" dirty="0" err="1" smtClean="0"/>
                         <a:t>per.loc</a:t>
                       </a:r>
                       <a:r>
@@ -44409,6 +44423,14 @@
                       <a:r>
                         <a:rPr lang="en-IN" dirty="0" err="1" smtClean="0"/>
                         <a:t>per.shape</a:t>
+                      </a:r>
+                      <a:r>
+                        <a:rPr lang="en-IN" dirty="0" smtClean="0"/>
+                        <a:t>&gt;</a:t>
+                      </a:r>
+                      <a:r>
+                        <a:rPr lang="en-IN" dirty="0" err="1" smtClean="0"/>
+                        <a:t>per.size</a:t>
                       </a:r>
                       <a:endParaRPr lang="en-GB" dirty="0" smtClean="0"/>
                     </a:p>
@@ -44494,7 +44516,7 @@
                         <a:rPr lang="en-GB" dirty="0" smtClean="0">
                           <a:effectLst/>
                         </a:rPr>
-                        <a:t>1</a:t>
+                        <a:t>0.035</a:t>
                       </a:r>
                       <a:endParaRPr lang="en-GB" dirty="0"/>
                     </a:p>
@@ -44532,7 +44554,23 @@
                       </a:pPr>
                       <a:r>
                         <a:rPr lang="en-IN" dirty="0" err="1" smtClean="0"/>
-                        <a:t>NaN</a:t>
+                        <a:t>per.shape</a:t>
+                      </a:r>
+                      <a:r>
+                        <a:rPr lang="en-IN" dirty="0" smtClean="0"/>
+                        <a:t>&gt;</a:t>
+                      </a:r>
+                      <a:r>
+                        <a:rPr lang="en-IN" dirty="0" err="1" smtClean="0"/>
+                        <a:t>per.loc</a:t>
+                      </a:r>
+                      <a:r>
+                        <a:rPr lang="en-IN" dirty="0" smtClean="0"/>
+                        <a:t>&gt;</a:t>
+                      </a:r>
+                      <a:r>
+                        <a:rPr lang="en-IN" dirty="0" err="1" smtClean="0"/>
+                        <a:t>per.size</a:t>
                       </a:r>
                       <a:endParaRPr lang="en-GB" dirty="0" smtClean="0"/>
                     </a:p>
@@ -44604,7 +44642,7 @@
                         <a:rPr lang="en-GB" dirty="0" smtClean="0">
                           <a:effectLst/>
                         </a:rPr>
-                        <a:t>0.768</a:t>
+                        <a:t>0.010</a:t>
                       </a:r>
                       <a:endParaRPr lang="en-GB" dirty="0"/>
                     </a:p>
@@ -44635,15 +44673,15 @@
                       </a:pPr>
                       <a:r>
                         <a:rPr lang="en-IN" dirty="0" err="1" smtClean="0"/>
+                        <a:t>per.loc</a:t>
+                      </a:r>
+                      <a:r>
+                        <a:rPr lang="en-IN" dirty="0" smtClean="0"/>
+                        <a:t>&gt;</a:t>
+                      </a:r>
+                      <a:r>
+                        <a:rPr lang="en-IN" dirty="0" err="1" smtClean="0"/>
                         <a:t>per.size</a:t>
-                      </a:r>
-                      <a:r>
-                        <a:rPr lang="en-IN" dirty="0" smtClean="0"/>
-                        <a:t>&gt;</a:t>
-                      </a:r>
-                      <a:r>
-                        <a:rPr lang="en-IN" dirty="0" err="1" smtClean="0"/>
-                        <a:t>per.loc</a:t>
                       </a:r>
                       <a:r>
                         <a:rPr lang="en-IN" dirty="0" smtClean="0"/>
@@ -44716,7 +44754,7 @@
                         <a:rPr lang="en-GB" dirty="0" smtClean="0">
                           <a:effectLst/>
                         </a:rPr>
-                        <a:t>0.700</a:t>
+                        <a:t>0.00009</a:t>
                       </a:r>
                       <a:endParaRPr lang="en-GB" dirty="0"/>
                     </a:p>
@@ -44747,14 +44785,6 @@
                       </a:pPr>
                       <a:r>
                         <a:rPr lang="en-IN" dirty="0" err="1" smtClean="0"/>
-                        <a:t>per.size</a:t>
-                      </a:r>
-                      <a:r>
-                        <a:rPr lang="en-IN" dirty="0" smtClean="0"/>
-                        <a:t>&gt;</a:t>
-                      </a:r>
-                      <a:r>
-                        <a:rPr lang="en-IN" dirty="0" err="1" smtClean="0"/>
                         <a:t>per.loc</a:t>
                       </a:r>
                       <a:r>
@@ -44764,6 +44794,14 @@
                       <a:r>
                         <a:rPr lang="en-IN" dirty="0" err="1" smtClean="0"/>
                         <a:t>per.shape</a:t>
+                      </a:r>
+                      <a:r>
+                        <a:rPr lang="en-IN" dirty="0" smtClean="0"/>
+                        <a:t>&gt;</a:t>
+                      </a:r>
+                      <a:r>
+                        <a:rPr lang="en-IN" dirty="0" err="1" smtClean="0"/>
+                        <a:t>per.size</a:t>
                       </a:r>
                       <a:endParaRPr lang="en-GB" dirty="0" smtClean="0"/>
                     </a:p>
@@ -44845,7 +44883,7 @@
             <p:ph idx="1"/>
             <p:extLst>
               <p:ext uri="{D42A27DB-BD31-4B8C-83A1-F6EECF244321}">
-                <p14:modId xmlns:p14="http://schemas.microsoft.com/office/powerpoint/2010/main" val="14179506"/>
+                <p14:modId xmlns:p14="http://schemas.microsoft.com/office/powerpoint/2010/main" val="475892069"/>
               </p:ext>
             </p:extLst>
           </p:nvPr>
@@ -44955,7 +44993,7 @@
                         <a:rPr lang="en-GB" dirty="0" smtClean="0">
                           <a:effectLst/>
                         </a:rPr>
-                        <a:t>0</a:t>
+                        <a:t>0.0001</a:t>
                       </a:r>
                       <a:endParaRPr lang="en-GB" dirty="0"/>
                     </a:p>
@@ -44978,7 +45016,7 @@
                         <a:rPr lang="en-GB" dirty="0" smtClean="0">
                           <a:effectLst/>
                         </a:rPr>
-                        <a:t>1</a:t>
+                        <a:t>0.055</a:t>
                       </a:r>
                       <a:endParaRPr lang="en-GB" dirty="0"/>
                     </a:p>
@@ -45018,6 +45056,22 @@
                         <a:rPr lang="en-IN" dirty="0" err="1" smtClean="0"/>
                         <a:t>per.shape</a:t>
                       </a:r>
+                      <a:r>
+                        <a:rPr lang="en-IN" dirty="0" smtClean="0"/>
+                        <a:t>&gt;</a:t>
+                      </a:r>
+                      <a:r>
+                        <a:rPr lang="en-IN" dirty="0" err="1" smtClean="0"/>
+                        <a:t>per.size</a:t>
+                      </a:r>
+                      <a:r>
+                        <a:rPr lang="en-IN" dirty="0" smtClean="0"/>
+                        <a:t>&gt;</a:t>
+                      </a:r>
+                      <a:r>
+                        <a:rPr lang="en-IN" dirty="0" err="1" smtClean="0"/>
+                        <a:t>per.loc</a:t>
+                      </a:r>
                       <a:endParaRPr lang="en-GB" dirty="0"/>
                     </a:p>
                   </a:txBody>
@@ -45079,7 +45133,7 @@
                         <a:rPr lang="en-GB" dirty="0" smtClean="0">
                           <a:effectLst/>
                         </a:rPr>
-                        <a:t>0.710</a:t>
+                        <a:t>0.00009</a:t>
                       </a:r>
                       <a:endParaRPr lang="en-GB" dirty="0"/>
                     </a:p>
@@ -45102,7 +45156,7 @@
                         <a:rPr lang="en-GB" dirty="0" smtClean="0">
                           <a:effectLst/>
                         </a:rPr>
-                        <a:t>0.037</a:t>
+                        <a:t>0.053</a:t>
                       </a:r>
                       <a:endParaRPr lang="en-GB" dirty="0"/>
                     </a:p>
@@ -45140,7 +45194,7 @@
                       </a:pPr>
                       <a:r>
                         <a:rPr lang="en-IN" dirty="0" err="1" smtClean="0"/>
-                        <a:t>per.loc</a:t>
+                        <a:t>per.shape</a:t>
                       </a:r>
                       <a:r>
                         <a:rPr lang="en-IN" dirty="0" smtClean="0"/>
@@ -45156,9 +45210,9 @@
                       </a:r>
                       <a:r>
                         <a:rPr lang="en-IN" dirty="0" err="1" smtClean="0"/>
-                        <a:t>per.shape</a:t>
-                      </a:r>
-                      <a:endParaRPr lang="en-GB" dirty="0" smtClean="0"/>
+                        <a:t>per.loc</a:t>
+                      </a:r>
+                      <a:endParaRPr lang="en-GB" dirty="0"/>
                     </a:p>
                   </a:txBody>
                   <a:tcPr>
@@ -45219,7 +45273,7 @@
                         <a:rPr lang="en-GB" dirty="0" smtClean="0">
                           <a:effectLst/>
                         </a:rPr>
-                        <a:t>0</a:t>
+                        <a:t>0.0001</a:t>
                       </a:r>
                       <a:endParaRPr lang="en-GB" dirty="0"/>
                     </a:p>
@@ -45242,7 +45296,7 @@
                         <a:rPr lang="en-GB" dirty="0" smtClean="0">
                           <a:effectLst/>
                         </a:rPr>
-                        <a:t>1</a:t>
+                        <a:t>0.054</a:t>
                       </a:r>
                       <a:endParaRPr lang="en-GB" dirty="0"/>
                     </a:p>
@@ -45282,6 +45336,22 @@
                         <a:rPr lang="en-IN" dirty="0" err="1" smtClean="0"/>
                         <a:t>per.shape</a:t>
                       </a:r>
+                      <a:r>
+                        <a:rPr lang="en-IN" dirty="0" smtClean="0"/>
+                        <a:t>&gt;</a:t>
+                      </a:r>
+                      <a:r>
+                        <a:rPr lang="en-IN" dirty="0" err="1" smtClean="0"/>
+                        <a:t>per.size</a:t>
+                      </a:r>
+                      <a:r>
+                        <a:rPr lang="en-IN" dirty="0" smtClean="0"/>
+                        <a:t>&gt;</a:t>
+                      </a:r>
+                      <a:r>
+                        <a:rPr lang="en-IN" dirty="0" err="1" smtClean="0"/>
+                        <a:t>per.loc</a:t>
+                      </a:r>
                       <a:endParaRPr lang="en-GB" dirty="0"/>
                     </a:p>
                   </a:txBody>
@@ -45336,7 +45406,7 @@
                         <a:rPr lang="en-GB" dirty="0" smtClean="0">
                           <a:effectLst/>
                         </a:rPr>
-                        <a:t>0.739</a:t>
+                        <a:t>0.0002</a:t>
                       </a:r>
                       <a:endParaRPr lang="en-GB" dirty="0"/>
                     </a:p>
@@ -45352,7 +45422,7 @@
                         <a:rPr lang="en-GB" dirty="0" smtClean="0">
                           <a:effectLst/>
                         </a:rPr>
-                        <a:t>0.009</a:t>
+                        <a:t>0.050</a:t>
                       </a:r>
                       <a:endParaRPr lang="en-GB" dirty="0"/>
                     </a:p>
@@ -45383,6 +45453,14 @@
                       </a:pPr>
                       <a:r>
                         <a:rPr lang="en-IN" dirty="0" err="1" smtClean="0"/>
+                        <a:t>per.shape</a:t>
+                      </a:r>
+                      <a:r>
+                        <a:rPr lang="en-GB" dirty="0" smtClean="0"/>
+                        <a:t>&gt;</a:t>
+                      </a:r>
+                      <a:r>
+                        <a:rPr lang="en-IN" dirty="0" err="1" smtClean="0"/>
                         <a:t>per.loc</a:t>
                       </a:r>
                       <a:r>
@@ -45392,14 +45470,6 @@
                       <a:r>
                         <a:rPr lang="en-IN" dirty="0" err="1" smtClean="0"/>
                         <a:t>per.size</a:t>
-                      </a:r>
-                      <a:r>
-                        <a:rPr lang="en-IN" dirty="0" smtClean="0"/>
-                        <a:t>&gt;</a:t>
-                      </a:r>
-                      <a:r>
-                        <a:rPr lang="en-IN" dirty="0" err="1" smtClean="0"/>
-                        <a:t>per.shape</a:t>
                       </a:r>
                       <a:endParaRPr lang="en-GB" dirty="0" smtClean="0"/>
                     </a:p>
@@ -45455,7 +45525,7 @@
                         <a:rPr lang="en-GB" dirty="0" smtClean="0">
                           <a:effectLst/>
                         </a:rPr>
-                        <a:t>0.749</a:t>
+                        <a:t>0.0008</a:t>
                       </a:r>
                       <a:endParaRPr lang="en-GB" dirty="0"/>
                     </a:p>
@@ -45478,7 +45548,7 @@
                         <a:rPr lang="en-GB" dirty="0" smtClean="0">
                           <a:effectLst/>
                         </a:rPr>
-                        <a:t>0.001</a:t>
+                        <a:t>0.009</a:t>
                       </a:r>
                       <a:endParaRPr lang="en-GB" dirty="0"/>
                     </a:p>
@@ -45621,13 +45691,13 @@
             <p:ph idx="1"/>
             <p:extLst>
               <p:ext uri="{D42A27DB-BD31-4B8C-83A1-F6EECF244321}">
-                <p14:modId xmlns:p14="http://schemas.microsoft.com/office/powerpoint/2010/main" val="3076724056"/>
+                <p14:modId xmlns:p14="http://schemas.microsoft.com/office/powerpoint/2010/main" val="4065981179"/>
               </p:ext>
             </p:extLst>
           </p:nvPr>
         </p:nvGraphicFramePr>
         <p:xfrm>
-          <a:off x="838200" y="1825625"/>
+          <a:off x="838200" y="1834251"/>
           <a:ext cx="10515600" cy="2225040"/>
         </p:xfrm>
         <a:graphic>
@@ -45731,7 +45801,7 @@
                         <a:rPr lang="en-GB" dirty="0" smtClean="0">
                           <a:effectLst/>
                         </a:rPr>
-                        <a:t>0</a:t>
+                        <a:t>4.170</a:t>
                       </a:r>
                       <a:endParaRPr lang="en-GB" dirty="0"/>
                     </a:p>
@@ -45754,7 +45824,7 @@
                         <a:rPr lang="en-GB" dirty="0" smtClean="0">
                           <a:effectLst/>
                         </a:rPr>
-                        <a:t>1</a:t>
+                        <a:t>0.861</a:t>
                       </a:r>
                       <a:endParaRPr lang="en-GB" dirty="0"/>
                     </a:p>
@@ -45792,9 +45862,25 @@
                       </a:pPr>
                       <a:r>
                         <a:rPr lang="en-IN" dirty="0" err="1" smtClean="0"/>
-                        <a:t>NaN</a:t>
-                      </a:r>
-                      <a:endParaRPr lang="en-GB" dirty="0" smtClean="0"/>
+                        <a:t>per.shape</a:t>
+                      </a:r>
+                      <a:r>
+                        <a:rPr lang="en-IN" dirty="0" smtClean="0"/>
+                        <a:t>&gt;</a:t>
+                      </a:r>
+                      <a:r>
+                        <a:rPr lang="en-IN" dirty="0" err="1" smtClean="0"/>
+                        <a:t>per.size</a:t>
+                      </a:r>
+                      <a:r>
+                        <a:rPr lang="en-IN" dirty="0" smtClean="0"/>
+                        <a:t>&gt;</a:t>
+                      </a:r>
+                      <a:r>
+                        <a:rPr lang="en-IN" dirty="0" err="1" smtClean="0"/>
+                        <a:t>per.loc</a:t>
+                      </a:r>
+                      <a:endParaRPr lang="en-GB" dirty="0"/>
                     </a:p>
                   </a:txBody>
                   <a:tcPr>
@@ -45855,7 +45941,7 @@
                         <a:rPr lang="en-GB" dirty="0" smtClean="0">
                           <a:effectLst/>
                         </a:rPr>
-                        <a:t>0</a:t>
+                        <a:t>2.639</a:t>
                       </a:r>
                       <a:endParaRPr lang="en-GB" dirty="0"/>
                     </a:p>
@@ -45878,7 +45964,7 @@
                         <a:rPr lang="en-GB" dirty="0" smtClean="0">
                           <a:effectLst/>
                         </a:rPr>
-                        <a:t>1</a:t>
+                        <a:t>0.998</a:t>
                       </a:r>
                       <a:endParaRPr lang="en-GB" dirty="0"/>
                     </a:p>
@@ -45916,9 +46002,25 @@
                       </a:pPr>
                       <a:r>
                         <a:rPr lang="en-IN" dirty="0" err="1" smtClean="0"/>
-                        <a:t>NaN</a:t>
-                      </a:r>
-                      <a:endParaRPr lang="en-GB" dirty="0" smtClean="0"/>
+                        <a:t>per.shape</a:t>
+                      </a:r>
+                      <a:r>
+                        <a:rPr lang="en-IN" dirty="0" smtClean="0"/>
+                        <a:t>&gt;</a:t>
+                      </a:r>
+                      <a:r>
+                        <a:rPr lang="en-IN" dirty="0" err="1" smtClean="0"/>
+                        <a:t>per.size</a:t>
+                      </a:r>
+                      <a:r>
+                        <a:rPr lang="en-IN" dirty="0" smtClean="0"/>
+                        <a:t>&gt;</a:t>
+                      </a:r>
+                      <a:r>
+                        <a:rPr lang="en-IN" dirty="0" err="1" smtClean="0"/>
+                        <a:t>per.loc</a:t>
+                      </a:r>
+                      <a:endParaRPr lang="en-GB" dirty="0"/>
                     </a:p>
                   </a:txBody>
                   <a:tcPr>
@@ -45979,7 +46081,7 @@
                         <a:rPr lang="en-GB" dirty="0" smtClean="0">
                           <a:effectLst/>
                         </a:rPr>
-                        <a:t>0</a:t>
+                        <a:t>6.976</a:t>
                       </a:r>
                       <a:endParaRPr lang="en-GB" dirty="0"/>
                     </a:p>
@@ -46002,7 +46104,7 @@
                         <a:rPr lang="en-GB" dirty="0" smtClean="0">
                           <a:effectLst/>
                         </a:rPr>
-                        <a:t>1</a:t>
+                        <a:t>0.906</a:t>
                       </a:r>
                       <a:endParaRPr lang="en-GB" dirty="0"/>
                     </a:p>
@@ -46040,9 +46142,25 @@
                       </a:pPr>
                       <a:r>
                         <a:rPr lang="en-IN" dirty="0" err="1" smtClean="0"/>
-                        <a:t>NaN</a:t>
-                      </a:r>
-                      <a:endParaRPr lang="en-GB" dirty="0" smtClean="0"/>
+                        <a:t>per.size</a:t>
+                      </a:r>
+                      <a:r>
+                        <a:rPr lang="en-IN" dirty="0" smtClean="0"/>
+                        <a:t>&gt;</a:t>
+                      </a:r>
+                      <a:r>
+                        <a:rPr lang="en-IN" dirty="0" err="1" smtClean="0"/>
+                        <a:t>per.shape</a:t>
+                      </a:r>
+                      <a:r>
+                        <a:rPr lang="en-IN" dirty="0" smtClean="0"/>
+                        <a:t>&gt;</a:t>
+                      </a:r>
+                      <a:r>
+                        <a:rPr lang="en-IN" dirty="0" err="1" smtClean="0"/>
+                        <a:t>per.loc</a:t>
+                      </a:r>
+                      <a:endParaRPr lang="en-GB" dirty="0"/>
                     </a:p>
                   </a:txBody>
                   <a:tcPr>
@@ -46096,7 +46214,7 @@
                         <a:rPr lang="en-GB" dirty="0" smtClean="0">
                           <a:effectLst/>
                         </a:rPr>
-                        <a:t>0</a:t>
+                        <a:t>5.680</a:t>
                       </a:r>
                       <a:endParaRPr lang="en-GB" dirty="0"/>
                     </a:p>
@@ -46112,7 +46230,7 @@
                         <a:rPr lang="en-GB" dirty="0" smtClean="0">
                           <a:effectLst/>
                         </a:rPr>
-                        <a:t>1</a:t>
+                        <a:t>0.947</a:t>
                       </a:r>
                       <a:endParaRPr lang="en-GB" dirty="0"/>
                     </a:p>
@@ -46143,9 +46261,25 @@
                       </a:pPr>
                       <a:r>
                         <a:rPr lang="en-IN" dirty="0" err="1" smtClean="0"/>
-                        <a:t>NaN</a:t>
-                      </a:r>
-                      <a:endParaRPr lang="en-GB" dirty="0" smtClean="0"/>
+                        <a:t>per.shape</a:t>
+                      </a:r>
+                      <a:r>
+                        <a:rPr lang="en-IN" dirty="0" smtClean="0"/>
+                        <a:t>&gt;</a:t>
+                      </a:r>
+                      <a:r>
+                        <a:rPr lang="en-IN" dirty="0" err="1" smtClean="0"/>
+                        <a:t>per.size</a:t>
+                      </a:r>
+                      <a:r>
+                        <a:rPr lang="en-IN" dirty="0" smtClean="0"/>
+                        <a:t>&gt;</a:t>
+                      </a:r>
+                      <a:r>
+                        <a:rPr lang="en-IN" dirty="0" err="1" smtClean="0"/>
+                        <a:t>per.loc</a:t>
+                      </a:r>
+                      <a:endParaRPr lang="en-GB" dirty="0"/>
                     </a:p>
                   </a:txBody>
                   <a:tcPr/>
@@ -46199,7 +46333,7 @@
                         <a:rPr lang="en-GB" dirty="0" smtClean="0">
                           <a:effectLst/>
                         </a:rPr>
-                        <a:t>0</a:t>
+                        <a:t>8.091</a:t>
                       </a:r>
                       <a:endParaRPr lang="en-GB" dirty="0"/>
                     </a:p>
@@ -46222,7 +46356,7 @@
                         <a:rPr lang="en-GB" dirty="0" smtClean="0">
                           <a:effectLst/>
                         </a:rPr>
-                        <a:t>1</a:t>
+                        <a:t>0.784</a:t>
                       </a:r>
                       <a:endParaRPr lang="en-GB" dirty="0"/>
                     </a:p>
@@ -46260,9 +46394,25 @@
                       </a:pPr>
                       <a:r>
                         <a:rPr lang="en-IN" dirty="0" err="1" smtClean="0"/>
-                        <a:t>NaN</a:t>
-                      </a:r>
-                      <a:endParaRPr lang="en-GB" dirty="0" smtClean="0"/>
+                        <a:t>per.size</a:t>
+                      </a:r>
+                      <a:r>
+                        <a:rPr lang="en-IN" dirty="0" smtClean="0"/>
+                        <a:t>&gt;</a:t>
+                      </a:r>
+                      <a:r>
+                        <a:rPr lang="en-IN" dirty="0" err="1" smtClean="0"/>
+                        <a:t>per.shape</a:t>
+                      </a:r>
+                      <a:r>
+                        <a:rPr lang="en-IN" dirty="0" smtClean="0"/>
+                        <a:t>&gt;</a:t>
+                      </a:r>
+                      <a:r>
+                        <a:rPr lang="en-IN" dirty="0" err="1" smtClean="0"/>
+                        <a:t>per.loc</a:t>
+                      </a:r>
+                      <a:endParaRPr lang="en-GB" dirty="0"/>
                     </a:p>
                   </a:txBody>
                   <a:tcPr>
@@ -46349,7 +46499,7 @@
             <p:ph idx="1"/>
             <p:extLst>
               <p:ext uri="{D42A27DB-BD31-4B8C-83A1-F6EECF244321}">
-                <p14:modId xmlns:p14="http://schemas.microsoft.com/office/powerpoint/2010/main" val="2038384598"/>
+                <p14:modId xmlns:p14="http://schemas.microsoft.com/office/powerpoint/2010/main" val="1639515358"/>
               </p:ext>
             </p:extLst>
           </p:nvPr>
@@ -46459,7 +46609,7 @@
                         <a:rPr lang="en-GB" dirty="0" smtClean="0">
                           <a:effectLst/>
                         </a:rPr>
-                        <a:t>0</a:t>
+                        <a:t>0.049</a:t>
                       </a:r>
                       <a:endParaRPr lang="en-GB" dirty="0"/>
                     </a:p>
@@ -46482,7 +46632,7 @@
                         <a:rPr lang="en-GB" dirty="0" smtClean="0">
                           <a:effectLst/>
                         </a:rPr>
-                        <a:t>1</a:t>
+                        <a:t>0.647</a:t>
                       </a:r>
                       <a:endParaRPr lang="en-GB" dirty="0"/>
                     </a:p>
@@ -46520,9 +46670,25 @@
                       </a:pPr>
                       <a:r>
                         <a:rPr lang="en-IN" dirty="0" err="1" smtClean="0"/>
-                        <a:t>NaN</a:t>
-                      </a:r>
-                      <a:endParaRPr lang="en-GB" dirty="0" smtClean="0"/>
+                        <a:t>per.loc</a:t>
+                      </a:r>
+                      <a:r>
+                        <a:rPr lang="en-GB" dirty="0" smtClean="0"/>
+                        <a:t>&gt;</a:t>
+                      </a:r>
+                      <a:r>
+                        <a:rPr lang="en-IN" dirty="0" err="1" smtClean="0"/>
+                        <a:t>per.shape</a:t>
+                      </a:r>
+                      <a:r>
+                        <a:rPr lang="en-IN" dirty="0" smtClean="0"/>
+                        <a:t>&gt;</a:t>
+                      </a:r>
+                      <a:r>
+                        <a:rPr lang="en-IN" dirty="0" err="1" smtClean="0"/>
+                        <a:t>per.size</a:t>
+                      </a:r>
+                      <a:endParaRPr lang="en-GB" dirty="0"/>
                     </a:p>
                   </a:txBody>
                   <a:tcPr>
@@ -46583,7 +46749,7 @@
                         <a:rPr lang="en-GB" dirty="0" smtClean="0">
                           <a:effectLst/>
                         </a:rPr>
-                        <a:t>0.544</a:t>
+                        <a:t>0.039</a:t>
                       </a:r>
                       <a:endParaRPr lang="en-GB" dirty="0"/>
                     </a:p>
@@ -46606,7 +46772,7 @@
                         <a:rPr lang="en-GB" dirty="0" smtClean="0">
                           <a:effectLst/>
                         </a:rPr>
-                        <a:t>0.142</a:t>
+                        <a:t>0.762</a:t>
                       </a:r>
                       <a:endParaRPr lang="en-GB" dirty="0"/>
                     </a:p>
@@ -46644,6 +46810,14 @@
                       </a:pPr>
                       <a:r>
                         <a:rPr lang="en-IN" dirty="0" err="1" smtClean="0"/>
+                        <a:t>per.shape</a:t>
+                      </a:r>
+                      <a:r>
+                        <a:rPr lang="en-IN" dirty="0" smtClean="0"/>
+                        <a:t>&gt;</a:t>
+                      </a:r>
+                      <a:r>
+                        <a:rPr lang="en-IN" dirty="0" err="1" smtClean="0"/>
                         <a:t>per.loc</a:t>
                       </a:r>
                       <a:r>
@@ -46654,15 +46828,7 @@
                         <a:rPr lang="en-IN" dirty="0" err="1" smtClean="0"/>
                         <a:t>per.size</a:t>
                       </a:r>
-                      <a:r>
-                        <a:rPr lang="en-IN" dirty="0" smtClean="0"/>
-                        <a:t>&gt;</a:t>
-                      </a:r>
-                      <a:r>
-                        <a:rPr lang="en-IN" dirty="0" err="1" smtClean="0"/>
-                        <a:t>per.shape</a:t>
-                      </a:r>
-                      <a:endParaRPr lang="en-GB" dirty="0" smtClean="0"/>
+                      <a:endParaRPr lang="en-GB" dirty="0"/>
                     </a:p>
                   </a:txBody>
                   <a:tcPr>
@@ -46723,7 +46889,7 @@
                         <a:rPr lang="en-GB" dirty="0" smtClean="0">
                           <a:effectLst/>
                         </a:rPr>
-                        <a:t>0</a:t>
+                        <a:t>0.106</a:t>
                       </a:r>
                       <a:endParaRPr lang="en-GB" dirty="0"/>
                     </a:p>
@@ -46746,7 +46912,7 @@
                         <a:rPr lang="en-GB" dirty="0" smtClean="0">
                           <a:effectLst/>
                         </a:rPr>
-                        <a:t>1</a:t>
+                        <a:t>0.051</a:t>
                       </a:r>
                       <a:endParaRPr lang="en-GB" dirty="0"/>
                     </a:p>
@@ -46784,9 +46950,25 @@
                       </a:pPr>
                       <a:r>
                         <a:rPr lang="en-IN" dirty="0" err="1" smtClean="0"/>
-                        <a:t>NaN</a:t>
-                      </a:r>
-                      <a:endParaRPr lang="en-GB" dirty="0" smtClean="0"/>
+                        <a:t>per.loc</a:t>
+                      </a:r>
+                      <a:r>
+                        <a:rPr lang="en-GB" dirty="0" smtClean="0"/>
+                        <a:t>&gt;</a:t>
+                      </a:r>
+                      <a:r>
+                        <a:rPr lang="en-IN" dirty="0" err="1" smtClean="0"/>
+                        <a:t>per.shape</a:t>
+                      </a:r>
+                      <a:r>
+                        <a:rPr lang="en-IN" dirty="0" smtClean="0"/>
+                        <a:t>&gt;</a:t>
+                      </a:r>
+                      <a:r>
+                        <a:rPr lang="en-IN" dirty="0" err="1" smtClean="0"/>
+                        <a:t>per.size</a:t>
+                      </a:r>
+                      <a:endParaRPr lang="en-GB" dirty="0"/>
                     </a:p>
                   </a:txBody>
                   <a:tcPr>
@@ -46840,7 +47022,7 @@
                         <a:rPr lang="en-GB" dirty="0" smtClean="0">
                           <a:effectLst/>
                         </a:rPr>
-                        <a:t>0.671</a:t>
+                        <a:t>0.075</a:t>
                       </a:r>
                       <a:endParaRPr lang="en-GB" dirty="0"/>
                     </a:p>
@@ -46856,7 +47038,7 @@
                         <a:rPr lang="en-GB" dirty="0" smtClean="0">
                           <a:effectLst/>
                         </a:rPr>
-                        <a:t>0.023</a:t>
+                        <a:t>0.222</a:t>
                       </a:r>
                       <a:endParaRPr lang="en-GB" dirty="0"/>
                     </a:p>
@@ -46890,6 +47072,14 @@
                         <a:t>per.loc</a:t>
                       </a:r>
                       <a:r>
+                        <a:rPr lang="en-GB" dirty="0" smtClean="0"/>
+                        <a:t>&gt;</a:t>
+                      </a:r>
+                      <a:r>
+                        <a:rPr lang="en-IN" dirty="0" err="1" smtClean="0"/>
+                        <a:t>per.shape</a:t>
+                      </a:r>
+                      <a:r>
                         <a:rPr lang="en-IN" dirty="0" smtClean="0"/>
                         <a:t>&gt;</a:t>
                       </a:r>
@@ -46897,15 +47087,7 @@
                         <a:rPr lang="en-IN" dirty="0" err="1" smtClean="0"/>
                         <a:t>per.size</a:t>
                       </a:r>
-                      <a:r>
-                        <a:rPr lang="en-IN" dirty="0" smtClean="0"/>
-                        <a:t>&gt;</a:t>
-                      </a:r>
-                      <a:r>
-                        <a:rPr lang="en-IN" dirty="0" err="1" smtClean="0"/>
-                        <a:t>per.shape</a:t>
-                      </a:r>
-                      <a:endParaRPr lang="en-GB" dirty="0" smtClean="0"/>
+                      <a:endParaRPr lang="en-GB" dirty="0"/>
                     </a:p>
                   </a:txBody>
                   <a:tcPr/>
@@ -46952,7 +47134,7 @@
                         <a:rPr lang="en-GB" dirty="0" smtClean="0">
                           <a:effectLst/>
                         </a:rPr>
-                        <a:t>0.852</a:t>
+                        <a:t>0.086</a:t>
                       </a:r>
                       <a:endParaRPr lang="en-GB" dirty="0"/>
                     </a:p>
@@ -46968,7 +47150,7 @@
                         <a:rPr lang="en-GB" dirty="0" smtClean="0">
                           <a:effectLst/>
                         </a:rPr>
-                        <a:t>0.002</a:t>
+                        <a:t>0.092</a:t>
                       </a:r>
                       <a:endParaRPr lang="en-GB" dirty="0"/>
                     </a:p>
@@ -46999,7 +47181,7 @@
                       </a:pPr>
                       <a:r>
                         <a:rPr lang="en-IN" dirty="0" err="1" smtClean="0"/>
-                        <a:t>per.loc</a:t>
+                        <a:t>per.shape</a:t>
                       </a:r>
                       <a:r>
                         <a:rPr lang="en-IN" dirty="0" smtClean="0"/>
@@ -47015,9 +47197,9 @@
                       </a:r>
                       <a:r>
                         <a:rPr lang="en-IN" dirty="0" err="1" smtClean="0"/>
-                        <a:t>per.shape</a:t>
-                      </a:r>
-                      <a:endParaRPr lang="en-GB" dirty="0" smtClean="0"/>
+                        <a:t>per.loc</a:t>
+                      </a:r>
+                      <a:endParaRPr lang="en-GB" dirty="0"/>
                     </a:p>
                   </a:txBody>
                   <a:tcPr/>
@@ -47097,7 +47279,7 @@
             <p:ph idx="1"/>
             <p:extLst>
               <p:ext uri="{D42A27DB-BD31-4B8C-83A1-F6EECF244321}">
-                <p14:modId xmlns:p14="http://schemas.microsoft.com/office/powerpoint/2010/main" val="2937623597"/>
+                <p14:modId xmlns:p14="http://schemas.microsoft.com/office/powerpoint/2010/main" val="3441292629"/>
               </p:ext>
             </p:extLst>
           </p:nvPr>
@@ -47207,7 +47389,7 @@
                         <a:rPr lang="en-GB" dirty="0" smtClean="0">
                           <a:effectLst/>
                         </a:rPr>
-                        <a:t>0</a:t>
+                        <a:t>0.0016</a:t>
                       </a:r>
                       <a:endParaRPr lang="en-GB" dirty="0"/>
                     </a:p>
@@ -47230,7 +47412,7 @@
                         <a:rPr lang="en-GB" dirty="0" smtClean="0">
                           <a:effectLst/>
                         </a:rPr>
-                        <a:t>1</a:t>
+                        <a:t>0.424</a:t>
                       </a:r>
                       <a:endParaRPr lang="en-GB" dirty="0"/>
                     </a:p>
@@ -47268,9 +47450,25 @@
                       </a:pPr>
                       <a:r>
                         <a:rPr lang="en-IN" dirty="0" err="1" smtClean="0"/>
-                        <a:t>NaN</a:t>
-                      </a:r>
-                      <a:endParaRPr lang="en-GB" dirty="0" smtClean="0"/>
+                        <a:t>per.loc</a:t>
+                      </a:r>
+                      <a:r>
+                        <a:rPr lang="en-GB" dirty="0" smtClean="0"/>
+                        <a:t>&gt;</a:t>
+                      </a:r>
+                      <a:r>
+                        <a:rPr lang="en-IN" dirty="0" err="1" smtClean="0"/>
+                        <a:t>per.shape</a:t>
+                      </a:r>
+                      <a:r>
+                        <a:rPr lang="en-IN" dirty="0" smtClean="0"/>
+                        <a:t>&gt;</a:t>
+                      </a:r>
+                      <a:r>
+                        <a:rPr lang="en-IN" dirty="0" err="1" smtClean="0"/>
+                        <a:t>per.size</a:t>
+                      </a:r>
+                      <a:endParaRPr lang="en-GB" dirty="0"/>
                     </a:p>
                   </a:txBody>
                   <a:tcPr>
@@ -47331,7 +47529,7 @@
                         <a:rPr lang="en-GB" dirty="0" smtClean="0">
                           <a:effectLst/>
                         </a:rPr>
-                        <a:t>0.333</a:t>
+                        <a:t>0.0013</a:t>
                       </a:r>
                       <a:endParaRPr lang="en-GB" dirty="0"/>
                     </a:p>
@@ -47354,7 +47552,7 @@
                         <a:rPr lang="en-GB" dirty="0" smtClean="0">
                           <a:effectLst/>
                         </a:rPr>
-                        <a:t>0.035</a:t>
+                        <a:t>0.564</a:t>
                       </a:r>
                       <a:endParaRPr lang="en-GB" dirty="0"/>
                     </a:p>
@@ -47395,6 +47593,14 @@
                         <a:t>per.loc</a:t>
                       </a:r>
                       <a:r>
+                        <a:rPr lang="en-GB" dirty="0" smtClean="0"/>
+                        <a:t>&gt;</a:t>
+                      </a:r>
+                      <a:r>
+                        <a:rPr lang="en-IN" dirty="0" err="1" smtClean="0"/>
+                        <a:t>per.shape</a:t>
+                      </a:r>
+                      <a:r>
                         <a:rPr lang="en-IN" dirty="0" smtClean="0"/>
                         <a:t>&gt;</a:t>
                       </a:r>
@@ -47402,15 +47608,7 @@
                         <a:rPr lang="en-IN" dirty="0" err="1" smtClean="0"/>
                         <a:t>per.size</a:t>
                       </a:r>
-                      <a:r>
-                        <a:rPr lang="en-IN" dirty="0" smtClean="0"/>
-                        <a:t>&gt;</a:t>
-                      </a:r>
-                      <a:r>
-                        <a:rPr lang="en-IN" dirty="0" err="1" smtClean="0"/>
-                        <a:t>per.shape</a:t>
-                      </a:r>
-                      <a:endParaRPr lang="en-GB" dirty="0" smtClean="0"/>
+                      <a:endParaRPr lang="en-GB" dirty="0"/>
                     </a:p>
                   </a:txBody>
                   <a:tcPr>
@@ -47464,7 +47662,7 @@
                         <a:rPr lang="en-GB" dirty="0" smtClean="0">
                           <a:effectLst/>
                         </a:rPr>
-                        <a:t>0</a:t>
+                        <a:t>0.0028</a:t>
                       </a:r>
                       <a:endParaRPr lang="en-GB" dirty="0"/>
                     </a:p>
@@ -47480,7 +47678,7 @@
                         <a:rPr lang="en-GB" dirty="0" smtClean="0">
                           <a:effectLst/>
                         </a:rPr>
-                        <a:t>1</a:t>
+                        <a:t>0.093</a:t>
                       </a:r>
                       <a:endParaRPr lang="en-GB" dirty="0"/>
                     </a:p>
@@ -47511,9 +47709,25 @@
                       </a:pPr>
                       <a:r>
                         <a:rPr lang="en-IN" dirty="0" err="1" smtClean="0"/>
-                        <a:t>NaN</a:t>
-                      </a:r>
-                      <a:endParaRPr lang="en-GB" dirty="0" smtClean="0"/>
+                        <a:t>per.loc</a:t>
+                      </a:r>
+                      <a:r>
+                        <a:rPr lang="en-GB" dirty="0" smtClean="0"/>
+                        <a:t>&gt;</a:t>
+                      </a:r>
+                      <a:r>
+                        <a:rPr lang="en-IN" dirty="0" err="1" smtClean="0"/>
+                        <a:t>per.shape</a:t>
+                      </a:r>
+                      <a:r>
+                        <a:rPr lang="en-IN" dirty="0" smtClean="0"/>
+                        <a:t>&gt;</a:t>
+                      </a:r>
+                      <a:r>
+                        <a:rPr lang="en-IN" dirty="0" err="1" smtClean="0"/>
+                        <a:t>per.size</a:t>
+                      </a:r>
+                      <a:endParaRPr lang="en-GB" dirty="0"/>
                     </a:p>
                   </a:txBody>
                   <a:tcPr/>
@@ -47560,7 +47774,7 @@
                         <a:rPr lang="en-GB" dirty="0" smtClean="0">
                           <a:effectLst/>
                         </a:rPr>
-                        <a:t>0.428</a:t>
+                        <a:t>0.0031</a:t>
                       </a:r>
                       <a:endParaRPr lang="en-GB" dirty="0"/>
                     </a:p>
@@ -47576,7 +47790,7 @@
                         <a:rPr lang="en-GB" dirty="0" smtClean="0">
                           <a:effectLst/>
                         </a:rPr>
-                        <a:t>0.008</a:t>
+                        <a:t>0.023</a:t>
                       </a:r>
                       <a:endParaRPr lang="en-GB" dirty="0"/>
                     </a:p>
@@ -47610,6 +47824,14 @@
                         <a:t>per.loc</a:t>
                       </a:r>
                       <a:r>
+                        <a:rPr lang="en-GB" dirty="0" smtClean="0"/>
+                        <a:t>&gt;</a:t>
+                      </a:r>
+                      <a:r>
+                        <a:rPr lang="en-IN" dirty="0" err="1" smtClean="0"/>
+                        <a:t>per.shape</a:t>
+                      </a:r>
+                      <a:r>
                         <a:rPr lang="en-IN" dirty="0" smtClean="0"/>
                         <a:t>&gt;</a:t>
                       </a:r>
@@ -47617,15 +47839,7 @@
                         <a:rPr lang="en-IN" dirty="0" err="1" smtClean="0"/>
                         <a:t>per.size</a:t>
                       </a:r>
-                      <a:r>
-                        <a:rPr lang="en-IN" dirty="0" smtClean="0"/>
-                        <a:t>&gt;</a:t>
-                      </a:r>
-                      <a:r>
-                        <a:rPr lang="en-IN" dirty="0" err="1" smtClean="0"/>
-                        <a:t>per.shape</a:t>
-                      </a:r>
-                      <a:endParaRPr lang="en-GB" dirty="0" smtClean="0"/>
+                      <a:endParaRPr lang="en-GB" dirty="0"/>
                     </a:p>
                   </a:txBody>
                   <a:tcPr/>
@@ -47672,7 +47886,7 @@
                         <a:rPr lang="en-GB" dirty="0" smtClean="0">
                           <a:effectLst/>
                         </a:rPr>
-                        <a:t>0.477</a:t>
+                        <a:t>0.0102</a:t>
                       </a:r>
                       <a:endParaRPr lang="en-GB" dirty="0"/>
                     </a:p>
@@ -47688,7 +47902,7 @@
                         <a:rPr lang="en-GB" dirty="0" smtClean="0">
                           <a:effectLst/>
                         </a:rPr>
-                        <a:t>0.001</a:t>
+                        <a:t>0.00009</a:t>
                       </a:r>
                       <a:endParaRPr lang="en-GB" dirty="0"/>
                     </a:p>
@@ -47722,6 +47936,14 @@
                         <a:t>per.loc</a:t>
                       </a:r>
                       <a:r>
+                        <a:rPr lang="en-GB" dirty="0" smtClean="0"/>
+                        <a:t>&gt;</a:t>
+                      </a:r>
+                      <a:r>
+                        <a:rPr lang="en-IN" dirty="0" err="1" smtClean="0"/>
+                        <a:t>per.shape</a:t>
+                      </a:r>
+                      <a:r>
                         <a:rPr lang="en-IN" dirty="0" smtClean="0"/>
                         <a:t>&gt;</a:t>
                       </a:r>
@@ -47729,15 +47951,7 @@
                         <a:rPr lang="en-IN" dirty="0" err="1" smtClean="0"/>
                         <a:t>per.size</a:t>
                       </a:r>
-                      <a:r>
-                        <a:rPr lang="en-IN" dirty="0" smtClean="0"/>
-                        <a:t>&gt;</a:t>
-                      </a:r>
-                      <a:r>
-                        <a:rPr lang="en-IN" dirty="0" err="1" smtClean="0"/>
-                        <a:t>per.shape</a:t>
-                      </a:r>
-                      <a:endParaRPr lang="en-GB" dirty="0" smtClean="0"/>
+                      <a:endParaRPr lang="en-GB" dirty="0"/>
                     </a:p>
                   </a:txBody>
                   <a:tcPr/>
@@ -47817,7 +48031,7 @@
             <p:ph idx="1"/>
             <p:extLst>
               <p:ext uri="{D42A27DB-BD31-4B8C-83A1-F6EECF244321}">
-                <p14:modId xmlns:p14="http://schemas.microsoft.com/office/powerpoint/2010/main" val="1397905326"/>
+                <p14:modId xmlns:p14="http://schemas.microsoft.com/office/powerpoint/2010/main" val="915318152"/>
               </p:ext>
             </p:extLst>
           </p:nvPr>
@@ -47927,7 +48141,7 @@
                         <a:rPr lang="en-GB" dirty="0" smtClean="0">
                           <a:effectLst/>
                         </a:rPr>
-                        <a:t>0</a:t>
+                        <a:t>3.744</a:t>
                       </a:r>
                       <a:endParaRPr lang="en-GB" dirty="0"/>
                     </a:p>
@@ -47950,7 +48164,7 @@
                         <a:rPr lang="en-GB" dirty="0" smtClean="0">
                           <a:effectLst/>
                         </a:rPr>
-                        <a:t>1</a:t>
+                        <a:t>0.00059</a:t>
                       </a:r>
                       <a:endParaRPr lang="en-GB" dirty="0"/>
                     </a:p>
@@ -47988,9 +48202,25 @@
                       </a:pPr>
                       <a:r>
                         <a:rPr lang="en-IN" dirty="0" err="1" smtClean="0"/>
-                        <a:t>NaN</a:t>
-                      </a:r>
-                      <a:endParaRPr lang="en-GB" dirty="0" smtClean="0"/>
+                        <a:t>per.loc</a:t>
+                      </a:r>
+                      <a:r>
+                        <a:rPr lang="en-IN" dirty="0" smtClean="0"/>
+                        <a:t>&gt;</a:t>
+                      </a:r>
+                      <a:r>
+                        <a:rPr lang="en-IN" dirty="0" err="1" smtClean="0"/>
+                        <a:t>per.size</a:t>
+                      </a:r>
+                      <a:r>
+                        <a:rPr lang="en-GB" dirty="0" smtClean="0"/>
+                        <a:t>&gt;</a:t>
+                      </a:r>
+                      <a:r>
+                        <a:rPr lang="en-IN" dirty="0" err="1" smtClean="0"/>
+                        <a:t>per.shape</a:t>
+                      </a:r>
+                      <a:endParaRPr lang="en-GB" dirty="0"/>
                     </a:p>
                   </a:txBody>
                   <a:tcPr>
@@ -48051,7 +48281,7 @@
                         <a:rPr lang="en-GB" dirty="0" smtClean="0">
                           <a:effectLst/>
                         </a:rPr>
-                        <a:t>1</a:t>
+                        <a:t>3.001</a:t>
                       </a:r>
                       <a:endParaRPr lang="en-GB" dirty="0"/>
                     </a:p>
@@ -48074,7 +48304,7 @@
                         <a:rPr lang="en-GB" dirty="0" smtClean="0">
                           <a:effectLst/>
                         </a:rPr>
-                        <a:t>0.462</a:t>
+                        <a:t>0.00670</a:t>
                       </a:r>
                       <a:endParaRPr lang="en-GB" dirty="0"/>
                     </a:p>
@@ -48112,25 +48342,25 @@
                       </a:pPr>
                       <a:r>
                         <a:rPr lang="en-IN" dirty="0" err="1" smtClean="0"/>
+                        <a:t>per.loc</a:t>
+                      </a:r>
+                      <a:r>
+                        <a:rPr lang="en-IN" dirty="0" smtClean="0"/>
+                        <a:t>&gt;</a:t>
+                      </a:r>
+                      <a:r>
+                        <a:rPr lang="en-IN" dirty="0" err="1" smtClean="0"/>
                         <a:t>per.size</a:t>
                       </a:r>
                       <a:r>
-                        <a:rPr lang="en-IN" dirty="0" smtClean="0"/>
-                        <a:t>&gt;</a:t>
-                      </a:r>
-                      <a:r>
-                        <a:rPr lang="en-IN" dirty="0" err="1" smtClean="0"/>
-                        <a:t>per.loc</a:t>
-                      </a:r>
-                      <a:r>
-                        <a:rPr lang="en-IN" dirty="0" smtClean="0"/>
+                        <a:rPr lang="en-GB" dirty="0" smtClean="0"/>
                         <a:t>&gt;</a:t>
                       </a:r>
                       <a:r>
                         <a:rPr lang="en-IN" dirty="0" err="1" smtClean="0"/>
                         <a:t>per.shape</a:t>
                       </a:r>
-                      <a:endParaRPr lang="en-GB" dirty="0" smtClean="0"/>
+                      <a:endParaRPr lang="en-GB" dirty="0"/>
                     </a:p>
                   </a:txBody>
                   <a:tcPr>
@@ -48191,7 +48421,7 @@
                         <a:rPr lang="en-GB" dirty="0" smtClean="0">
                           <a:effectLst/>
                         </a:rPr>
-                        <a:t>0</a:t>
+                        <a:t>3.888</a:t>
                       </a:r>
                       <a:endParaRPr lang="en-GB" dirty="0"/>
                     </a:p>
@@ -48214,7 +48444,7 @@
                         <a:rPr lang="en-GB" dirty="0" smtClean="0">
                           <a:effectLst/>
                         </a:rPr>
-                        <a:t>1</a:t>
+                        <a:t>0.00009</a:t>
                       </a:r>
                       <a:endParaRPr lang="en-GB" dirty="0"/>
                     </a:p>
@@ -48252,9 +48482,25 @@
                       </a:pPr>
                       <a:r>
                         <a:rPr lang="en-IN" dirty="0" err="1" smtClean="0"/>
-                        <a:t>NaN</a:t>
-                      </a:r>
-                      <a:endParaRPr lang="en-GB" dirty="0" smtClean="0"/>
+                        <a:t>per.loc</a:t>
+                      </a:r>
+                      <a:r>
+                        <a:rPr lang="en-IN" dirty="0" smtClean="0"/>
+                        <a:t>&gt;</a:t>
+                      </a:r>
+                      <a:r>
+                        <a:rPr lang="en-IN" dirty="0" err="1" smtClean="0"/>
+                        <a:t>per.size</a:t>
+                      </a:r>
+                      <a:r>
+                        <a:rPr lang="en-GB" dirty="0" smtClean="0"/>
+                        <a:t>&gt;</a:t>
+                      </a:r>
+                      <a:r>
+                        <a:rPr lang="en-IN" dirty="0" err="1" smtClean="0"/>
+                        <a:t>per.shape</a:t>
+                      </a:r>
+                      <a:endParaRPr lang="en-GB" dirty="0"/>
                     </a:p>
                   </a:txBody>
                   <a:tcPr>
@@ -48308,7 +48554,7 @@
                         <a:rPr lang="en-GB" dirty="0" smtClean="0">
                           <a:effectLst/>
                         </a:rPr>
-                        <a:t>11.142</a:t>
+                        <a:t>5.009</a:t>
                       </a:r>
                       <a:endParaRPr lang="en-GB" dirty="0"/>
                     </a:p>
@@ -48324,7 +48570,7 @@
                         <a:rPr lang="en-GB" dirty="0" smtClean="0">
                           <a:effectLst/>
                         </a:rPr>
-                        <a:t>0.029</a:t>
+                        <a:t>0.00009</a:t>
                       </a:r>
                       <a:endParaRPr lang="en-GB" dirty="0"/>
                     </a:p>
@@ -48366,14 +48612,14 @@
                         <a:t>per.size</a:t>
                       </a:r>
                       <a:r>
-                        <a:rPr lang="en-IN" dirty="0" smtClean="0"/>
+                        <a:rPr lang="en-GB" dirty="0" smtClean="0"/>
                         <a:t>&gt;</a:t>
                       </a:r>
                       <a:r>
                         <a:rPr lang="en-IN" dirty="0" err="1" smtClean="0"/>
                         <a:t>per.shape</a:t>
                       </a:r>
-                      <a:endParaRPr lang="en-GB" dirty="0" smtClean="0"/>
+                      <a:endParaRPr lang="en-GB" dirty="0"/>
                     </a:p>
                   </a:txBody>
                   <a:tcPr/>
@@ -48420,7 +48666,7 @@
                         <a:rPr lang="en-GB" dirty="0" smtClean="0">
                           <a:effectLst/>
                         </a:rPr>
-                        <a:t>18.561</a:t>
+                        <a:t>7.314</a:t>
                       </a:r>
                       <a:endParaRPr lang="en-GB" dirty="0"/>
                     </a:p>
@@ -48436,7 +48682,7 @@
                         <a:rPr lang="en-GB" dirty="0" smtClean="0">
                           <a:effectLst/>
                         </a:rPr>
-                        <a:t>0.009</a:t>
+                        <a:t>0.00009</a:t>
                       </a:r>
                       <a:endParaRPr lang="en-GB" dirty="0"/>
                     </a:p>
@@ -48470,6 +48716,14 @@
                         <a:t>per.loc</a:t>
                       </a:r>
                       <a:r>
+                        <a:rPr lang="en-GB" dirty="0" smtClean="0"/>
+                        <a:t>&gt;</a:t>
+                      </a:r>
+                      <a:r>
+                        <a:rPr lang="en-IN" dirty="0" err="1" smtClean="0"/>
+                        <a:t>per.shape</a:t>
+                      </a:r>
+                      <a:r>
                         <a:rPr lang="en-IN" dirty="0" smtClean="0"/>
                         <a:t>&gt;</a:t>
                       </a:r>
@@ -48477,15 +48731,7 @@
                         <a:rPr lang="en-IN" dirty="0" err="1" smtClean="0"/>
                         <a:t>per.size</a:t>
                       </a:r>
-                      <a:r>
-                        <a:rPr lang="en-IN" dirty="0" smtClean="0"/>
-                        <a:t>&gt;</a:t>
-                      </a:r>
-                      <a:r>
-                        <a:rPr lang="en-IN" dirty="0" err="1" smtClean="0"/>
-                        <a:t>per.shape</a:t>
-                      </a:r>
-                      <a:endParaRPr lang="en-GB" dirty="0" smtClean="0"/>
+                      <a:endParaRPr lang="en-GB" dirty="0"/>
                     </a:p>
                   </a:txBody>
                   <a:tcPr/>
@@ -48722,7 +48968,7 @@
             <p:ph idx="1"/>
             <p:extLst>
               <p:ext uri="{D42A27DB-BD31-4B8C-83A1-F6EECF244321}">
-                <p14:modId xmlns:p14="http://schemas.microsoft.com/office/powerpoint/2010/main" val="3451679042"/>
+                <p14:modId xmlns:p14="http://schemas.microsoft.com/office/powerpoint/2010/main" val="3515194168"/>
               </p:ext>
             </p:extLst>
           </p:nvPr>
@@ -48832,7 +49078,7 @@
                         <a:rPr lang="en-GB" dirty="0" smtClean="0">
                           <a:effectLst/>
                         </a:rPr>
-                        <a:t>0</a:t>
+                        <a:t>0.049</a:t>
                       </a:r>
                       <a:endParaRPr lang="en-GB" dirty="0"/>
                     </a:p>
@@ -48855,7 +49101,7 @@
                         <a:rPr lang="en-GB" dirty="0" smtClean="0">
                           <a:effectLst/>
                         </a:rPr>
-                        <a:t>1</a:t>
+                        <a:t>0.565</a:t>
                       </a:r>
                       <a:endParaRPr lang="en-GB" dirty="0"/>
                     </a:p>
@@ -48893,9 +49139,25 @@
                       </a:pPr>
                       <a:r>
                         <a:rPr lang="en-IN" dirty="0" err="1" smtClean="0"/>
-                        <a:t>NaN</a:t>
-                      </a:r>
-                      <a:endParaRPr lang="en-GB" dirty="0" smtClean="0"/>
+                        <a:t>per.shape</a:t>
+                      </a:r>
+                      <a:r>
+                        <a:rPr lang="en-IN" dirty="0" smtClean="0"/>
+                        <a:t>&gt;</a:t>
+                      </a:r>
+                      <a:r>
+                        <a:rPr lang="en-IN" dirty="0" err="1" smtClean="0"/>
+                        <a:t>per.size</a:t>
+                      </a:r>
+                      <a:r>
+                        <a:rPr lang="en-GB" dirty="0" smtClean="0"/>
+                        <a:t>&gt;</a:t>
+                      </a:r>
+                      <a:r>
+                        <a:rPr lang="en-IN" dirty="0" err="1" smtClean="0"/>
+                        <a:t>per.loc</a:t>
+                      </a:r>
+                      <a:endParaRPr lang="en-GB" dirty="0"/>
                     </a:p>
                   </a:txBody>
                   <a:tcPr>
@@ -48956,7 +49218,7 @@
                         <a:rPr lang="en-GB" dirty="0" smtClean="0">
                           <a:effectLst/>
                         </a:rPr>
-                        <a:t>0.333</a:t>
+                        <a:t>0.037</a:t>
                       </a:r>
                       <a:endParaRPr lang="en-GB" dirty="0"/>
                     </a:p>
@@ -48979,7 +49241,7 @@
                         <a:rPr lang="en-GB" dirty="0" smtClean="0">
                           <a:effectLst/>
                         </a:rPr>
-                        <a:t>1</a:t>
+                        <a:t>0.661</a:t>
                       </a:r>
                       <a:endParaRPr lang="en-GB" dirty="0"/>
                     </a:p>
@@ -49035,7 +49297,11 @@
                         <a:rPr lang="en-IN" dirty="0" err="1" smtClean="0"/>
                         <a:t>per.size</a:t>
                       </a:r>
-                      <a:endParaRPr lang="en-GB" dirty="0" smtClean="0"/>
+                      <a:r>
+                        <a:rPr lang="en-GB" dirty="0" smtClean="0"/>
+                        <a:t>&gt;</a:t>
+                      </a:r>
+                      <a:endParaRPr lang="en-GB" dirty="0"/>
                     </a:p>
                   </a:txBody>
                   <a:tcPr>
@@ -49096,7 +49362,7 @@
                         <a:rPr lang="en-GB" dirty="0" smtClean="0">
                           <a:effectLst/>
                         </a:rPr>
-                        <a:t>0</a:t>
+                        <a:t>0.069</a:t>
                       </a:r>
                       <a:endParaRPr lang="en-GB" dirty="0"/>
                     </a:p>
@@ -49119,7 +49385,7 @@
                         <a:rPr lang="en-GB" dirty="0" smtClean="0">
                           <a:effectLst/>
                         </a:rPr>
-                        <a:t>1</a:t>
+                        <a:t>0.453</a:t>
                       </a:r>
                       <a:endParaRPr lang="en-GB" dirty="0"/>
                     </a:p>
@@ -49157,9 +49423,29 @@
                       </a:pPr>
                       <a:r>
                         <a:rPr lang="en-IN" dirty="0" err="1" smtClean="0"/>
-                        <a:t>NaN</a:t>
-                      </a:r>
-                      <a:endParaRPr lang="en-GB" dirty="0" smtClean="0"/>
+                        <a:t>per.shape</a:t>
+                      </a:r>
+                      <a:r>
+                        <a:rPr lang="en-IN" dirty="0" smtClean="0"/>
+                        <a:t>&gt;</a:t>
+                      </a:r>
+                      <a:r>
+                        <a:rPr lang="en-IN" dirty="0" err="1" smtClean="0"/>
+                        <a:t>per.loc</a:t>
+                      </a:r>
+                      <a:r>
+                        <a:rPr lang="en-IN" dirty="0" smtClean="0"/>
+                        <a:t>&gt;</a:t>
+                      </a:r>
+                      <a:r>
+                        <a:rPr lang="en-IN" dirty="0" err="1" smtClean="0"/>
+                        <a:t>per.size</a:t>
+                      </a:r>
+                      <a:r>
+                        <a:rPr lang="en-GB" dirty="0" smtClean="0"/>
+                        <a:t>&gt;</a:t>
+                      </a:r>
+                      <a:endParaRPr lang="en-GB" dirty="0"/>
                     </a:p>
                   </a:txBody>
                   <a:tcPr>
@@ -49213,7 +49499,7 @@
                         <a:rPr lang="en-GB" dirty="0" smtClean="0">
                           <a:effectLst/>
                         </a:rPr>
-                        <a:t>0.428</a:t>
+                        <a:t>0.077</a:t>
                       </a:r>
                       <a:endParaRPr lang="en-GB" dirty="0"/>
                     </a:p>
@@ -49229,7 +49515,7 @@
                         <a:rPr lang="en-GB" dirty="0" smtClean="0">
                           <a:effectLst/>
                         </a:rPr>
-                        <a:t>0.236</a:t>
+                        <a:t>0.320</a:t>
                       </a:r>
                       <a:endParaRPr lang="en-GB" dirty="0"/>
                     </a:p>
@@ -49268,17 +49554,21 @@
                       </a:r>
                       <a:r>
                         <a:rPr lang="en-IN" dirty="0" err="1" smtClean="0"/>
+                        <a:t>per.loc</a:t>
+                      </a:r>
+                      <a:r>
+                        <a:rPr lang="en-IN" dirty="0" smtClean="0"/>
+                        <a:t>&gt;</a:t>
+                      </a:r>
+                      <a:r>
+                        <a:rPr lang="en-IN" dirty="0" err="1" smtClean="0"/>
                         <a:t>per.size</a:t>
                       </a:r>
                       <a:r>
-                        <a:rPr lang="en-IN" dirty="0" smtClean="0"/>
+                        <a:rPr lang="en-GB" dirty="0" smtClean="0"/>
                         <a:t>&gt;</a:t>
                       </a:r>
-                      <a:r>
-                        <a:rPr lang="en-IN" dirty="0" err="1" smtClean="0"/>
-                        <a:t>per.loc</a:t>
-                      </a:r>
-                      <a:endParaRPr lang="en-GB" dirty="0" smtClean="0"/>
+                      <a:endParaRPr lang="en-GB" dirty="0"/>
                     </a:p>
                   </a:txBody>
                   <a:tcPr/>
@@ -49332,7 +49622,7 @@
                         <a:rPr lang="en-GB" dirty="0" smtClean="0">
                           <a:effectLst/>
                         </a:rPr>
-                        <a:t>0.469</a:t>
+                        <a:t>0.236</a:t>
                       </a:r>
                       <a:endParaRPr lang="en-GB" dirty="0"/>
                     </a:p>
@@ -49355,7 +49645,7 @@
                         <a:rPr lang="en-GB" dirty="0" smtClean="0">
                           <a:effectLst/>
                         </a:rPr>
-                        <a:t>0.083</a:t>
+                        <a:t>0.003</a:t>
                       </a:r>
                       <a:endParaRPr lang="en-GB" dirty="0"/>
                     </a:p>
@@ -49401,17 +49691,21 @@
                       </a:r>
                       <a:r>
                         <a:rPr lang="en-IN" dirty="0" err="1" smtClean="0"/>
+                        <a:t>per.loc</a:t>
+                      </a:r>
+                      <a:r>
+                        <a:rPr lang="en-IN" dirty="0" smtClean="0"/>
+                        <a:t>&gt;</a:t>
+                      </a:r>
+                      <a:r>
+                        <a:rPr lang="en-IN" dirty="0" err="1" smtClean="0"/>
                         <a:t>per.size</a:t>
                       </a:r>
                       <a:r>
-                        <a:rPr lang="en-IN" dirty="0" smtClean="0"/>
+                        <a:rPr lang="en-GB" dirty="0" smtClean="0"/>
                         <a:t>&gt;</a:t>
                       </a:r>
-                      <a:r>
-                        <a:rPr lang="en-IN" dirty="0" err="1" smtClean="0"/>
-                        <a:t>per.loc</a:t>
-                      </a:r>
-                      <a:endParaRPr lang="en-GB" dirty="0" smtClean="0"/>
+                      <a:endParaRPr lang="en-GB" dirty="0"/>
                     </a:p>
                   </a:txBody>
                   <a:tcPr>
@@ -49498,7 +49792,7 @@
             <p:ph idx="1"/>
             <p:extLst>
               <p:ext uri="{D42A27DB-BD31-4B8C-83A1-F6EECF244321}">
-                <p14:modId xmlns:p14="http://schemas.microsoft.com/office/powerpoint/2010/main" val="3713063766"/>
+                <p14:modId xmlns:p14="http://schemas.microsoft.com/office/powerpoint/2010/main" val="833526430"/>
               </p:ext>
             </p:extLst>
           </p:nvPr>
@@ -49608,7 +49902,7 @@
                         <a:rPr lang="en-GB" dirty="0" smtClean="0">
                           <a:effectLst/>
                         </a:rPr>
-                        <a:t>1</a:t>
+                        <a:t>0.049</a:t>
                       </a:r>
                       <a:endParaRPr lang="en-GB" dirty="0"/>
                     </a:p>
@@ -49631,7 +49925,7 @@
                         <a:rPr lang="en-GB" dirty="0" smtClean="0">
                           <a:effectLst/>
                         </a:rPr>
-                        <a:t>1</a:t>
+                        <a:t>0.565</a:t>
                       </a:r>
                       <a:endParaRPr lang="en-GB" dirty="0"/>
                     </a:p>
@@ -49669,9 +49963,25 @@
                       </a:pPr>
                       <a:r>
                         <a:rPr lang="en-IN" dirty="0" err="1" smtClean="0"/>
-                        <a:t>NaN</a:t>
-                      </a:r>
-                      <a:endParaRPr lang="en-GB" dirty="0" smtClean="0"/>
+                        <a:t>per.shape</a:t>
+                      </a:r>
+                      <a:r>
+                        <a:rPr lang="en-IN" dirty="0" smtClean="0"/>
+                        <a:t>&gt;</a:t>
+                      </a:r>
+                      <a:r>
+                        <a:rPr lang="en-IN" dirty="0" err="1" smtClean="0"/>
+                        <a:t>per.size</a:t>
+                      </a:r>
+                      <a:r>
+                        <a:rPr lang="en-GB" dirty="0" smtClean="0"/>
+                        <a:t>&gt;</a:t>
+                      </a:r>
+                      <a:r>
+                        <a:rPr lang="en-IN" dirty="0" err="1" smtClean="0"/>
+                        <a:t>per.loc</a:t>
+                      </a:r>
+                      <a:endParaRPr lang="en-GB" dirty="0"/>
                     </a:p>
                   </a:txBody>
                   <a:tcPr>
@@ -49732,7 +50042,7 @@
                         <a:rPr lang="en-GB" dirty="0" smtClean="0">
                           <a:effectLst/>
                         </a:rPr>
-                        <a:t>1</a:t>
+                        <a:t>0.037</a:t>
                       </a:r>
                       <a:endParaRPr lang="en-GB" dirty="0"/>
                     </a:p>
@@ -49755,7 +50065,7 @@
                         <a:rPr lang="en-GB" dirty="0" smtClean="0">
                           <a:effectLst/>
                         </a:rPr>
-                        <a:t>1</a:t>
+                        <a:t>0.661</a:t>
                       </a:r>
                       <a:endParaRPr lang="en-GB" dirty="0"/>
                     </a:p>
@@ -49793,9 +50103,29 @@
                       </a:pPr>
                       <a:r>
                         <a:rPr lang="en-IN" dirty="0" err="1" smtClean="0"/>
+                        <a:t>per.shape</a:t>
+                      </a:r>
+                      <a:r>
+                        <a:rPr lang="en-IN" dirty="0" smtClean="0"/>
+                        <a:t>&gt;</a:t>
+                      </a:r>
+                      <a:r>
+                        <a:rPr lang="en-IN" dirty="0" err="1" smtClean="0"/>
+                        <a:t>per.loc</a:t>
+                      </a:r>
+                      <a:r>
+                        <a:rPr lang="en-IN" dirty="0" smtClean="0"/>
+                        <a:t>&gt;</a:t>
+                      </a:r>
+                      <a:r>
+                        <a:rPr lang="en-IN" dirty="0" err="1" smtClean="0"/>
                         <a:t>per.size</a:t>
                       </a:r>
-                      <a:endParaRPr lang="en-GB" dirty="0" smtClean="0"/>
+                      <a:r>
+                        <a:rPr lang="en-GB" dirty="0" smtClean="0"/>
+                        <a:t>&gt;</a:t>
+                      </a:r>
+                      <a:endParaRPr lang="en-GB" dirty="0"/>
                     </a:p>
                   </a:txBody>
                   <a:tcPr>
@@ -49856,7 +50186,7 @@
                         <a:rPr lang="en-GB" dirty="0" smtClean="0">
                           <a:effectLst/>
                         </a:rPr>
-                        <a:t>1</a:t>
+                        <a:t>0.069</a:t>
                       </a:r>
                       <a:endParaRPr lang="en-GB" dirty="0"/>
                     </a:p>
@@ -49879,7 +50209,7 @@
                         <a:rPr lang="en-GB" dirty="0" smtClean="0">
                           <a:effectLst/>
                         </a:rPr>
-                        <a:t>1</a:t>
+                        <a:t>0.453</a:t>
                       </a:r>
                       <a:endParaRPr lang="en-GB" dirty="0"/>
                     </a:p>
@@ -49917,9 +50247,29 @@
                       </a:pPr>
                       <a:r>
                         <a:rPr lang="en-IN" dirty="0" err="1" smtClean="0"/>
-                        <a:t>NaN</a:t>
-                      </a:r>
-                      <a:endParaRPr lang="en-GB" dirty="0" smtClean="0"/>
+                        <a:t>per.shape</a:t>
+                      </a:r>
+                      <a:r>
+                        <a:rPr lang="en-IN" dirty="0" smtClean="0"/>
+                        <a:t>&gt;</a:t>
+                      </a:r>
+                      <a:r>
+                        <a:rPr lang="en-IN" dirty="0" err="1" smtClean="0"/>
+                        <a:t>per.loc</a:t>
+                      </a:r>
+                      <a:r>
+                        <a:rPr lang="en-IN" dirty="0" smtClean="0"/>
+                        <a:t>&gt;</a:t>
+                      </a:r>
+                      <a:r>
+                        <a:rPr lang="en-IN" dirty="0" err="1" smtClean="0"/>
+                        <a:t>per.size</a:t>
+                      </a:r>
+                      <a:r>
+                        <a:rPr lang="en-GB" dirty="0" smtClean="0"/>
+                        <a:t>&gt;</a:t>
+                      </a:r>
+                      <a:endParaRPr lang="en-GB" dirty="0"/>
                     </a:p>
                   </a:txBody>
                   <a:tcPr>
@@ -49973,7 +50323,7 @@
                         <a:rPr lang="en-GB" dirty="0" smtClean="0">
                           <a:effectLst/>
                         </a:rPr>
-                        <a:t>NA</a:t>
+                        <a:t>0.077</a:t>
                       </a:r>
                       <a:endParaRPr lang="en-GB" dirty="0"/>
                     </a:p>
@@ -49989,7 +50339,7 @@
                         <a:rPr lang="en-GB" dirty="0" smtClean="0">
                           <a:effectLst/>
                         </a:rPr>
-                        <a:t>NA</a:t>
+                        <a:t>0.320</a:t>
                       </a:r>
                       <a:endParaRPr lang="en-GB" dirty="0"/>
                     </a:p>
@@ -50019,10 +50369,30 @@
                         <a:defRPr/>
                       </a:pPr>
                       <a:r>
-                        <a:rPr lang="en-IN" dirty="0" smtClean="0"/>
-                        <a:t>NA</a:t>
-                      </a:r>
-                      <a:endParaRPr lang="en-GB" dirty="0" smtClean="0"/>
+                        <a:rPr lang="en-IN" dirty="0" err="1" smtClean="0"/>
+                        <a:t>per.shape</a:t>
+                      </a:r>
+                      <a:r>
+                        <a:rPr lang="en-IN" dirty="0" smtClean="0"/>
+                        <a:t>&gt;</a:t>
+                      </a:r>
+                      <a:r>
+                        <a:rPr lang="en-IN" dirty="0" err="1" smtClean="0"/>
+                        <a:t>per.loc</a:t>
+                      </a:r>
+                      <a:r>
+                        <a:rPr lang="en-IN" dirty="0" smtClean="0"/>
+                        <a:t>&gt;</a:t>
+                      </a:r>
+                      <a:r>
+                        <a:rPr lang="en-IN" dirty="0" err="1" smtClean="0"/>
+                        <a:t>per.size</a:t>
+                      </a:r>
+                      <a:r>
+                        <a:rPr lang="en-GB" dirty="0" smtClean="0"/>
+                        <a:t>&gt;</a:t>
+                      </a:r>
+                      <a:endParaRPr lang="en-GB" dirty="0"/>
                     </a:p>
                   </a:txBody>
                   <a:tcPr/>
@@ -50076,7 +50446,7 @@
                         <a:rPr lang="en-GB" dirty="0" smtClean="0">
                           <a:effectLst/>
                         </a:rPr>
-                        <a:t>NA</a:t>
+                        <a:t>0.236</a:t>
                       </a:r>
                       <a:endParaRPr lang="en-GB" dirty="0"/>
                     </a:p>
@@ -50099,7 +50469,7 @@
                         <a:rPr lang="en-GB" dirty="0" smtClean="0">
                           <a:effectLst/>
                         </a:rPr>
-                        <a:t>NA</a:t>
+                        <a:t>0.003</a:t>
                       </a:r>
                       <a:endParaRPr lang="en-GB" dirty="0"/>
                     </a:p>
@@ -50136,10 +50506,30 @@
                         <a:defRPr/>
                       </a:pPr>
                       <a:r>
-                        <a:rPr lang="en-IN" dirty="0" smtClean="0"/>
-                        <a:t>NA</a:t>
-                      </a:r>
-                      <a:endParaRPr lang="en-GB" dirty="0" smtClean="0"/>
+                        <a:rPr lang="en-IN" dirty="0" err="1" smtClean="0"/>
+                        <a:t>per.shape</a:t>
+                      </a:r>
+                      <a:r>
+                        <a:rPr lang="en-IN" dirty="0" smtClean="0"/>
+                        <a:t>&gt;</a:t>
+                      </a:r>
+                      <a:r>
+                        <a:rPr lang="en-IN" dirty="0" err="1" smtClean="0"/>
+                        <a:t>per.loc</a:t>
+                      </a:r>
+                      <a:r>
+                        <a:rPr lang="en-IN" dirty="0" smtClean="0"/>
+                        <a:t>&gt;</a:t>
+                      </a:r>
+                      <a:r>
+                        <a:rPr lang="en-IN" dirty="0" err="1" smtClean="0"/>
+                        <a:t>per.size</a:t>
+                      </a:r>
+                      <a:r>
+                        <a:rPr lang="en-GB" dirty="0" smtClean="0"/>
+                        <a:t>&gt;</a:t>
+                      </a:r>
+                      <a:endParaRPr lang="en-GB" dirty="0"/>
                     </a:p>
                   </a:txBody>
                   <a:tcPr>

--- a/Documentation/Presentation/Project_Presentation_v2.pptx
+++ b/Documentation/Presentation/Project_Presentation_v2.pptx
@@ -5,7 +5,7 @@
     <p:sldMasterId id="2147483648" r:id="rId1"/>
   </p:sldMasterIdLst>
   <p:notesMasterIdLst>
-    <p:notesMasterId r:id="rId94"/>
+    <p:notesMasterId r:id="rId103"/>
   </p:notesMasterIdLst>
   <p:sldIdLst>
     <p:sldId id="257" r:id="rId2"/>
@@ -99,7 +99,16 @@
     <p:sldId id="350" r:id="rId90"/>
     <p:sldId id="351" r:id="rId91"/>
     <p:sldId id="352" r:id="rId92"/>
-    <p:sldId id="279" r:id="rId93"/>
+    <p:sldId id="356" r:id="rId93"/>
+    <p:sldId id="357" r:id="rId94"/>
+    <p:sldId id="358" r:id="rId95"/>
+    <p:sldId id="359" r:id="rId96"/>
+    <p:sldId id="360" r:id="rId97"/>
+    <p:sldId id="361" r:id="rId98"/>
+    <p:sldId id="362" r:id="rId99"/>
+    <p:sldId id="363" r:id="rId100"/>
+    <p:sldId id="364" r:id="rId101"/>
+    <p:sldId id="279" r:id="rId102"/>
   </p:sldIdLst>
   <p:sldSz cx="12192000" cy="6858000"/>
   <p:notesSz cx="6858000" cy="9144000"/>
@@ -5557,6 +5566,895 @@
 </p:sld>
 </file>
 
+<file path=ppt/slides/slide100.xml><?xml version="1.0" encoding="utf-8"?>
+<p:sld xmlns:a="http://schemas.openxmlformats.org/drawingml/2006/main" xmlns:r="http://schemas.openxmlformats.org/officeDocument/2006/relationships" xmlns:p="http://schemas.openxmlformats.org/presentationml/2006/main">
+  <p:cSld>
+    <p:spTree>
+      <p:nvGrpSpPr>
+        <p:cNvPr id="1" name=""/>
+        <p:cNvGrpSpPr/>
+        <p:nvPr/>
+      </p:nvGrpSpPr>
+      <p:grpSpPr>
+        <a:xfrm>
+          <a:off x="0" y="0"/>
+          <a:ext cx="0" cy="0"/>
+          <a:chOff x="0" y="0"/>
+          <a:chExt cx="0" cy="0"/>
+        </a:xfrm>
+      </p:grpSpPr>
+      <p:sp>
+        <p:nvSpPr>
+          <p:cNvPr id="2" name="Title 1"/>
+          <p:cNvSpPr>
+            <a:spLocks noGrp="1"/>
+          </p:cNvSpPr>
+          <p:nvPr>
+            <p:ph type="title"/>
+          </p:nvPr>
+        </p:nvSpPr>
+        <p:spPr/>
+        <p:txBody>
+          <a:bodyPr/>
+          <a:lstStyle/>
+          <a:p>
+            <a:r>
+              <a:rPr lang="en-IN" dirty="0" smtClean="0"/>
+              <a:t>Wasserstein Metric</a:t>
+            </a:r>
+            <a:br>
+              <a:rPr lang="en-IN" dirty="0" smtClean="0"/>
+            </a:br>
+            <a:r>
+              <a:rPr lang="en-IN" sz="2800" dirty="0" smtClean="0"/>
+              <a:t>Authorities</a:t>
+            </a:r>
+            <a:endParaRPr lang="en-GB" dirty="0"/>
+          </a:p>
+        </p:txBody>
+      </p:sp>
+      <p:graphicFrame>
+        <p:nvGraphicFramePr>
+          <p:cNvPr id="5" name="Content Placeholder 3"/>
+          <p:cNvGraphicFramePr>
+            <a:graphicFrameLocks noGrp="1"/>
+          </p:cNvGraphicFramePr>
+          <p:nvPr>
+            <p:ph idx="1"/>
+            <p:extLst>
+              <p:ext uri="{D42A27DB-BD31-4B8C-83A1-F6EECF244321}">
+                <p14:modId xmlns:p14="http://schemas.microsoft.com/office/powerpoint/2010/main" val="2368524454"/>
+              </p:ext>
+            </p:extLst>
+          </p:nvPr>
+        </p:nvGraphicFramePr>
+        <p:xfrm>
+          <a:off x="838200" y="1825625"/>
+          <a:ext cx="10515600" cy="2225040"/>
+        </p:xfrm>
+        <a:graphic>
+          <a:graphicData uri="http://schemas.openxmlformats.org/drawingml/2006/table">
+            <a:tbl>
+              <a:tblPr firstRow="1" bandRow="1">
+                <a:tableStyleId>{5C22544A-7EE6-4342-B048-85BDC9FD1C3A}</a:tableStyleId>
+              </a:tblPr>
+              <a:tblGrid>
+                <a:gridCol w="2628900"/>
+                <a:gridCol w="2114191"/>
+                <a:gridCol w="1613139"/>
+                <a:gridCol w="4159370"/>
+              </a:tblGrid>
+              <a:tr h="370840">
+                <a:tc>
+                  <a:txBody>
+                    <a:bodyPr/>
+                    <a:lstStyle/>
+                    <a:p>
+                      <a:r>
+                        <a:rPr lang="en-IN" dirty="0" smtClean="0"/>
+                        <a:t>Graph Name</a:t>
+                      </a:r>
+                      <a:endParaRPr lang="en-GB" dirty="0"/>
+                    </a:p>
+                  </a:txBody>
+                  <a:tcPr/>
+                </a:tc>
+                <a:tc>
+                  <a:txBody>
+                    <a:bodyPr/>
+                    <a:lstStyle/>
+                    <a:p>
+                      <a:r>
+                        <a:rPr lang="en-IN" dirty="0" smtClean="0"/>
+                        <a:t>Wasserstein Metric</a:t>
+                      </a:r>
+                      <a:endParaRPr lang="en-GB" dirty="0"/>
+                    </a:p>
+                  </a:txBody>
+                  <a:tcPr/>
+                </a:tc>
+                <a:tc>
+                  <a:txBody>
+                    <a:bodyPr/>
+                    <a:lstStyle/>
+                    <a:p>
+                      <a:r>
+                        <a:rPr lang="en-IN" dirty="0" smtClean="0"/>
+                        <a:t>P-value</a:t>
+                      </a:r>
+                      <a:endParaRPr lang="en-GB" dirty="0"/>
+                    </a:p>
+                  </a:txBody>
+                  <a:tcPr/>
+                </a:tc>
+                <a:tc>
+                  <a:txBody>
+                    <a:bodyPr/>
+                    <a:lstStyle/>
+                    <a:p>
+                      <a:r>
+                        <a:rPr lang="en-IN" dirty="0" smtClean="0"/>
+                        <a:t>Difference</a:t>
+                      </a:r>
+                      <a:endParaRPr lang="en-GB" dirty="0"/>
+                    </a:p>
+                  </a:txBody>
+                  <a:tcPr/>
+                </a:tc>
+              </a:tr>
+              <a:tr h="370840">
+                <a:tc>
+                  <a:txBody>
+                    <a:bodyPr/>
+                    <a:lstStyle/>
+                    <a:p>
+                      <a:r>
+                        <a:rPr lang="en-IN" dirty="0" smtClean="0"/>
+                        <a:t>Template, G1</a:t>
+                      </a:r>
+                      <a:endParaRPr lang="en-GB" dirty="0"/>
+                    </a:p>
+                  </a:txBody>
+                  <a:tcPr>
+                    <a:solidFill>
+                      <a:schemeClr val="accent6">
+                        <a:lumMod val="60000"/>
+                        <a:lumOff val="40000"/>
+                      </a:schemeClr>
+                    </a:solidFill>
+                  </a:tcPr>
+                </a:tc>
+                <a:tc>
+                  <a:txBody>
+                    <a:bodyPr/>
+                    <a:lstStyle/>
+                    <a:p>
+                      <a:r>
+                        <a:rPr lang="en-GB" dirty="0" smtClean="0">
+                          <a:effectLst/>
+                        </a:rPr>
+                        <a:t>0.031</a:t>
+                      </a:r>
+                      <a:endParaRPr lang="en-GB" dirty="0"/>
+                    </a:p>
+                  </a:txBody>
+                  <a:tcPr>
+                    <a:solidFill>
+                      <a:schemeClr val="accent6">
+                        <a:lumMod val="60000"/>
+                        <a:lumOff val="40000"/>
+                      </a:schemeClr>
+                    </a:solidFill>
+                  </a:tcPr>
+                </a:tc>
+                <a:tc>
+                  <a:txBody>
+                    <a:bodyPr/>
+                    <a:lstStyle/>
+                    <a:p>
+                      <a:r>
+                        <a:rPr lang="en-GB" dirty="0" smtClean="0">
+                          <a:effectLst/>
+                        </a:rPr>
+                        <a:t>0.964</a:t>
+                      </a:r>
+                      <a:endParaRPr lang="en-GB" dirty="0"/>
+                    </a:p>
+                  </a:txBody>
+                  <a:tcPr>
+                    <a:solidFill>
+                      <a:schemeClr val="accent6">
+                        <a:lumMod val="60000"/>
+                        <a:lumOff val="40000"/>
+                      </a:schemeClr>
+                    </a:solidFill>
+                  </a:tcPr>
+                </a:tc>
+                <a:tc>
+                  <a:txBody>
+                    <a:bodyPr/>
+                    <a:lstStyle/>
+                    <a:p>
+                      <a:pPr marL="0" marR="0" lvl="0" indent="0" algn="l" defTabSz="914400" rtl="0" eaLnBrk="1" fontAlgn="auto" latinLnBrk="0" hangingPunct="1">
+                        <a:lnSpc>
+                          <a:spcPct val="100000"/>
+                        </a:lnSpc>
+                        <a:spcBef>
+                          <a:spcPts val="0"/>
+                        </a:spcBef>
+                        <a:spcAft>
+                          <a:spcPts val="0"/>
+                        </a:spcAft>
+                        <a:buClrTx/>
+                        <a:buSzTx/>
+                        <a:buFontTx/>
+                        <a:buNone/>
+                        <a:tabLst/>
+                        <a:defRPr/>
+                      </a:pPr>
+                      <a:r>
+                        <a:rPr lang="en-IN" dirty="0" err="1" smtClean="0"/>
+                        <a:t>per.shape</a:t>
+                      </a:r>
+                      <a:r>
+                        <a:rPr lang="en-IN" dirty="0" smtClean="0"/>
+                        <a:t>&gt;</a:t>
+                      </a:r>
+                      <a:r>
+                        <a:rPr lang="en-IN" dirty="0" err="1" smtClean="0"/>
+                        <a:t>per.loc</a:t>
+                      </a:r>
+                      <a:r>
+                        <a:rPr lang="en-IN" dirty="0" smtClean="0"/>
+                        <a:t>&gt;</a:t>
+                      </a:r>
+                      <a:r>
+                        <a:rPr lang="en-IN" dirty="0" err="1" smtClean="0"/>
+                        <a:t>per.size</a:t>
+                      </a:r>
+                      <a:endParaRPr lang="en-GB" dirty="0"/>
+                    </a:p>
+                  </a:txBody>
+                  <a:tcPr>
+                    <a:solidFill>
+                      <a:schemeClr val="accent6">
+                        <a:lumMod val="60000"/>
+                        <a:lumOff val="40000"/>
+                      </a:schemeClr>
+                    </a:solidFill>
+                  </a:tcPr>
+                </a:tc>
+              </a:tr>
+              <a:tr h="370840">
+                <a:tc>
+                  <a:txBody>
+                    <a:bodyPr/>
+                    <a:lstStyle/>
+                    <a:p>
+                      <a:pPr marL="0" marR="0" lvl="0" indent="0" algn="l" defTabSz="914400" rtl="0" eaLnBrk="1" fontAlgn="auto" latinLnBrk="0" hangingPunct="1">
+                        <a:lnSpc>
+                          <a:spcPct val="100000"/>
+                        </a:lnSpc>
+                        <a:spcBef>
+                          <a:spcPts val="0"/>
+                        </a:spcBef>
+                        <a:spcAft>
+                          <a:spcPts val="0"/>
+                        </a:spcAft>
+                        <a:buClrTx/>
+                        <a:buSzTx/>
+                        <a:buFontTx/>
+                        <a:buNone/>
+                        <a:tabLst/>
+                        <a:defRPr/>
+                      </a:pPr>
+                      <a:r>
+                        <a:rPr lang="en-IN" dirty="0" smtClean="0"/>
+                        <a:t>Template, G2</a:t>
+                      </a:r>
+                      <a:endParaRPr lang="en-GB" dirty="0" smtClean="0"/>
+                    </a:p>
+                  </a:txBody>
+                  <a:tcPr>
+                    <a:solidFill>
+                      <a:schemeClr val="accent6">
+                        <a:lumMod val="60000"/>
+                        <a:lumOff val="40000"/>
+                      </a:schemeClr>
+                    </a:solidFill>
+                  </a:tcPr>
+                </a:tc>
+                <a:tc>
+                  <a:txBody>
+                    <a:bodyPr/>
+                    <a:lstStyle/>
+                    <a:p>
+                      <a:r>
+                        <a:rPr lang="en-GB" dirty="0" smtClean="0">
+                          <a:effectLst/>
+                        </a:rPr>
+                        <a:t>0.063</a:t>
+                      </a:r>
+                      <a:endParaRPr lang="en-GB" dirty="0"/>
+                    </a:p>
+                  </a:txBody>
+                  <a:tcPr>
+                    <a:solidFill>
+                      <a:schemeClr val="accent6">
+                        <a:lumMod val="60000"/>
+                        <a:lumOff val="40000"/>
+                      </a:schemeClr>
+                    </a:solidFill>
+                  </a:tcPr>
+                </a:tc>
+                <a:tc>
+                  <a:txBody>
+                    <a:bodyPr/>
+                    <a:lstStyle/>
+                    <a:p>
+                      <a:r>
+                        <a:rPr lang="en-GB" dirty="0" smtClean="0">
+                          <a:effectLst/>
+                        </a:rPr>
+                        <a:t>0.755</a:t>
+                      </a:r>
+                      <a:endParaRPr lang="en-GB" dirty="0"/>
+                    </a:p>
+                  </a:txBody>
+                  <a:tcPr>
+                    <a:solidFill>
+                      <a:schemeClr val="accent6">
+                        <a:lumMod val="60000"/>
+                        <a:lumOff val="40000"/>
+                      </a:schemeClr>
+                    </a:solidFill>
+                  </a:tcPr>
+                </a:tc>
+                <a:tc>
+                  <a:txBody>
+                    <a:bodyPr/>
+                    <a:lstStyle/>
+                    <a:p>
+                      <a:pPr marL="0" marR="0" lvl="0" indent="0" algn="l" defTabSz="914400" rtl="0" eaLnBrk="1" fontAlgn="auto" latinLnBrk="0" hangingPunct="1">
+                        <a:lnSpc>
+                          <a:spcPct val="100000"/>
+                        </a:lnSpc>
+                        <a:spcBef>
+                          <a:spcPts val="0"/>
+                        </a:spcBef>
+                        <a:spcAft>
+                          <a:spcPts val="0"/>
+                        </a:spcAft>
+                        <a:buClrTx/>
+                        <a:buSzTx/>
+                        <a:buFontTx/>
+                        <a:buNone/>
+                        <a:tabLst/>
+                        <a:defRPr/>
+                      </a:pPr>
+                      <a:r>
+                        <a:rPr lang="en-IN" dirty="0" err="1" smtClean="0"/>
+                        <a:t>per.shape</a:t>
+                      </a:r>
+                      <a:r>
+                        <a:rPr lang="en-IN" dirty="0" smtClean="0"/>
+                        <a:t>&gt;</a:t>
+                      </a:r>
+                      <a:r>
+                        <a:rPr lang="en-IN" dirty="0" err="1" smtClean="0"/>
+                        <a:t>per.size</a:t>
+                      </a:r>
+                      <a:r>
+                        <a:rPr lang="en-IN" dirty="0" smtClean="0"/>
+                        <a:t>&gt;</a:t>
+                      </a:r>
+                      <a:r>
+                        <a:rPr lang="en-IN" dirty="0" err="1" smtClean="0"/>
+                        <a:t>per.loc</a:t>
+                      </a:r>
+                      <a:endParaRPr lang="en-GB" dirty="0"/>
+                    </a:p>
+                  </a:txBody>
+                  <a:tcPr>
+                    <a:solidFill>
+                      <a:schemeClr val="accent6">
+                        <a:lumMod val="60000"/>
+                        <a:lumOff val="40000"/>
+                      </a:schemeClr>
+                    </a:solidFill>
+                  </a:tcPr>
+                </a:tc>
+              </a:tr>
+              <a:tr h="370840">
+                <a:tc>
+                  <a:txBody>
+                    <a:bodyPr/>
+                    <a:lstStyle/>
+                    <a:p>
+                      <a:pPr marL="0" marR="0" lvl="0" indent="0" algn="l" defTabSz="914400" rtl="0" eaLnBrk="1" fontAlgn="auto" latinLnBrk="0" hangingPunct="1">
+                        <a:lnSpc>
+                          <a:spcPct val="100000"/>
+                        </a:lnSpc>
+                        <a:spcBef>
+                          <a:spcPts val="0"/>
+                        </a:spcBef>
+                        <a:spcAft>
+                          <a:spcPts val="0"/>
+                        </a:spcAft>
+                        <a:buClrTx/>
+                        <a:buSzTx/>
+                        <a:buFontTx/>
+                        <a:buNone/>
+                        <a:tabLst/>
+                        <a:defRPr/>
+                      </a:pPr>
+                      <a:r>
+                        <a:rPr lang="en-IN" dirty="0" smtClean="0"/>
+                        <a:t>Template, G3</a:t>
+                      </a:r>
+                      <a:endParaRPr lang="en-GB" dirty="0" smtClean="0"/>
+                    </a:p>
+                  </a:txBody>
+                  <a:tcPr>
+                    <a:solidFill>
+                      <a:schemeClr val="accent6">
+                        <a:lumMod val="60000"/>
+                        <a:lumOff val="40000"/>
+                      </a:schemeClr>
+                    </a:solidFill>
+                  </a:tcPr>
+                </a:tc>
+                <a:tc>
+                  <a:txBody>
+                    <a:bodyPr/>
+                    <a:lstStyle/>
+                    <a:p>
+                      <a:r>
+                        <a:rPr lang="en-GB" dirty="0" smtClean="0">
+                          <a:effectLst/>
+                        </a:rPr>
+                        <a:t>0.030</a:t>
+                      </a:r>
+                      <a:endParaRPr lang="en-GB" dirty="0"/>
+                    </a:p>
+                  </a:txBody>
+                  <a:tcPr>
+                    <a:solidFill>
+                      <a:schemeClr val="accent6">
+                        <a:lumMod val="60000"/>
+                        <a:lumOff val="40000"/>
+                      </a:schemeClr>
+                    </a:solidFill>
+                  </a:tcPr>
+                </a:tc>
+                <a:tc>
+                  <a:txBody>
+                    <a:bodyPr/>
+                    <a:lstStyle/>
+                    <a:p>
+                      <a:r>
+                        <a:rPr lang="en-GB" dirty="0" smtClean="0">
+                          <a:effectLst/>
+                        </a:rPr>
+                        <a:t>0.945</a:t>
+                      </a:r>
+                      <a:endParaRPr lang="en-GB" dirty="0"/>
+                    </a:p>
+                  </a:txBody>
+                  <a:tcPr>
+                    <a:solidFill>
+                      <a:schemeClr val="accent6">
+                        <a:lumMod val="60000"/>
+                        <a:lumOff val="40000"/>
+                      </a:schemeClr>
+                    </a:solidFill>
+                  </a:tcPr>
+                </a:tc>
+                <a:tc>
+                  <a:txBody>
+                    <a:bodyPr/>
+                    <a:lstStyle/>
+                    <a:p>
+                      <a:pPr marL="0" marR="0" lvl="0" indent="0" algn="l" defTabSz="914400" rtl="0" eaLnBrk="1" fontAlgn="auto" latinLnBrk="0" hangingPunct="1">
+                        <a:lnSpc>
+                          <a:spcPct val="100000"/>
+                        </a:lnSpc>
+                        <a:spcBef>
+                          <a:spcPts val="0"/>
+                        </a:spcBef>
+                        <a:spcAft>
+                          <a:spcPts val="0"/>
+                        </a:spcAft>
+                        <a:buClrTx/>
+                        <a:buSzTx/>
+                        <a:buFontTx/>
+                        <a:buNone/>
+                        <a:tabLst/>
+                        <a:defRPr/>
+                      </a:pPr>
+                      <a:r>
+                        <a:rPr lang="en-IN" dirty="0" err="1" smtClean="0"/>
+                        <a:t>per.shape</a:t>
+                      </a:r>
+                      <a:r>
+                        <a:rPr lang="en-IN" dirty="0" smtClean="0"/>
+                        <a:t>&gt;</a:t>
+                      </a:r>
+                      <a:r>
+                        <a:rPr lang="en-IN" dirty="0" err="1" smtClean="0"/>
+                        <a:t>per.size</a:t>
+                      </a:r>
+                      <a:r>
+                        <a:rPr lang="en-IN" dirty="0" smtClean="0"/>
+                        <a:t>&gt;</a:t>
+                      </a:r>
+                      <a:r>
+                        <a:rPr lang="en-IN" dirty="0" err="1" smtClean="0"/>
+                        <a:t>per.loc</a:t>
+                      </a:r>
+                      <a:endParaRPr lang="en-GB" dirty="0"/>
+                    </a:p>
+                  </a:txBody>
+                  <a:tcPr>
+                    <a:solidFill>
+                      <a:schemeClr val="accent6">
+                        <a:lumMod val="60000"/>
+                        <a:lumOff val="40000"/>
+                      </a:schemeClr>
+                    </a:solidFill>
+                  </a:tcPr>
+                </a:tc>
+              </a:tr>
+              <a:tr h="370840">
+                <a:tc>
+                  <a:txBody>
+                    <a:bodyPr/>
+                    <a:lstStyle/>
+                    <a:p>
+                      <a:pPr marL="0" marR="0" lvl="0" indent="0" algn="l" defTabSz="914400" rtl="0" eaLnBrk="1" fontAlgn="auto" latinLnBrk="0" hangingPunct="1">
+                        <a:lnSpc>
+                          <a:spcPct val="100000"/>
+                        </a:lnSpc>
+                        <a:spcBef>
+                          <a:spcPts val="0"/>
+                        </a:spcBef>
+                        <a:spcAft>
+                          <a:spcPts val="0"/>
+                        </a:spcAft>
+                        <a:buClrTx/>
+                        <a:buSzTx/>
+                        <a:buFontTx/>
+                        <a:buNone/>
+                        <a:tabLst/>
+                        <a:defRPr/>
+                      </a:pPr>
+                      <a:r>
+                        <a:rPr lang="en-IN" dirty="0" smtClean="0"/>
+                        <a:t>Template, G4</a:t>
+                      </a:r>
+                      <a:endParaRPr lang="en-GB" dirty="0" smtClean="0"/>
+                    </a:p>
+                  </a:txBody>
+                  <a:tcPr/>
+                </a:tc>
+                <a:tc>
+                  <a:txBody>
+                    <a:bodyPr/>
+                    <a:lstStyle/>
+                    <a:p>
+                      <a:r>
+                        <a:rPr lang="en-GB" dirty="0" smtClean="0">
+                          <a:effectLst/>
+                        </a:rPr>
+                        <a:t>0.137</a:t>
+                      </a:r>
+                      <a:endParaRPr lang="en-GB" dirty="0"/>
+                    </a:p>
+                  </a:txBody>
+                  <a:tcPr/>
+                </a:tc>
+                <a:tc>
+                  <a:txBody>
+                    <a:bodyPr/>
+                    <a:lstStyle/>
+                    <a:p>
+                      <a:r>
+                        <a:rPr lang="en-GB" dirty="0" smtClean="0">
+                          <a:effectLst/>
+                        </a:rPr>
+                        <a:t>0.378</a:t>
+                      </a:r>
+                      <a:endParaRPr lang="en-GB" dirty="0"/>
+                    </a:p>
+                  </a:txBody>
+                  <a:tcPr/>
+                </a:tc>
+                <a:tc>
+                  <a:txBody>
+                    <a:bodyPr/>
+                    <a:lstStyle/>
+                    <a:p>
+                      <a:pPr marL="0" marR="0" lvl="0" indent="0" algn="l" defTabSz="914400" rtl="0" eaLnBrk="1" fontAlgn="auto" latinLnBrk="0" hangingPunct="1">
+                        <a:lnSpc>
+                          <a:spcPct val="100000"/>
+                        </a:lnSpc>
+                        <a:spcBef>
+                          <a:spcPts val="0"/>
+                        </a:spcBef>
+                        <a:spcAft>
+                          <a:spcPts val="0"/>
+                        </a:spcAft>
+                        <a:buClrTx/>
+                        <a:buSzTx/>
+                        <a:buFontTx/>
+                        <a:buNone/>
+                        <a:tabLst/>
+                        <a:defRPr/>
+                      </a:pPr>
+                      <a:r>
+                        <a:rPr lang="en-IN" dirty="0" err="1" smtClean="0"/>
+                        <a:t>per.shape</a:t>
+                      </a:r>
+                      <a:r>
+                        <a:rPr lang="en-IN" dirty="0" smtClean="0"/>
+                        <a:t>&gt;</a:t>
+                      </a:r>
+                      <a:r>
+                        <a:rPr lang="en-IN" dirty="0" err="1" smtClean="0"/>
+                        <a:t>per.loc</a:t>
+                      </a:r>
+                      <a:r>
+                        <a:rPr lang="en-IN" dirty="0" smtClean="0"/>
+                        <a:t>&gt;</a:t>
+                      </a:r>
+                      <a:r>
+                        <a:rPr lang="en-IN" dirty="0" err="1" smtClean="0"/>
+                        <a:t>per.size</a:t>
+                      </a:r>
+                      <a:r>
+                        <a:rPr lang="en-GB" dirty="0" smtClean="0"/>
+                        <a:t>&gt;</a:t>
+                      </a:r>
+                      <a:endParaRPr lang="en-GB" dirty="0"/>
+                    </a:p>
+                  </a:txBody>
+                  <a:tcPr/>
+                </a:tc>
+              </a:tr>
+              <a:tr h="370840">
+                <a:tc>
+                  <a:txBody>
+                    <a:bodyPr/>
+                    <a:lstStyle/>
+                    <a:p>
+                      <a:pPr marL="0" marR="0" lvl="0" indent="0" algn="l" defTabSz="914400" rtl="0" eaLnBrk="1" fontAlgn="auto" latinLnBrk="0" hangingPunct="1">
+                        <a:lnSpc>
+                          <a:spcPct val="100000"/>
+                        </a:lnSpc>
+                        <a:spcBef>
+                          <a:spcPts val="0"/>
+                        </a:spcBef>
+                        <a:spcAft>
+                          <a:spcPts val="0"/>
+                        </a:spcAft>
+                        <a:buClrTx/>
+                        <a:buSzTx/>
+                        <a:buFontTx/>
+                        <a:buNone/>
+                        <a:tabLst/>
+                        <a:defRPr/>
+                      </a:pPr>
+                      <a:r>
+                        <a:rPr lang="en-IN" dirty="0" smtClean="0"/>
+                        <a:t>Template, G5</a:t>
+                      </a:r>
+                      <a:endParaRPr lang="en-GB" dirty="0" smtClean="0"/>
+                    </a:p>
+                  </a:txBody>
+                  <a:tcPr>
+                    <a:solidFill>
+                      <a:schemeClr val="accent1">
+                        <a:lumMod val="20000"/>
+                        <a:lumOff val="80000"/>
+                      </a:schemeClr>
+                    </a:solidFill>
+                  </a:tcPr>
+                </a:tc>
+                <a:tc>
+                  <a:txBody>
+                    <a:bodyPr/>
+                    <a:lstStyle/>
+                    <a:p>
+                      <a:r>
+                        <a:rPr lang="en-GB" dirty="0" smtClean="0">
+                          <a:effectLst/>
+                        </a:rPr>
+                        <a:t>0.103</a:t>
+                      </a:r>
+                      <a:endParaRPr lang="en-GB" dirty="0"/>
+                    </a:p>
+                  </a:txBody>
+                  <a:tcPr>
+                    <a:solidFill>
+                      <a:schemeClr val="accent1">
+                        <a:lumMod val="20000"/>
+                        <a:lumOff val="80000"/>
+                      </a:schemeClr>
+                    </a:solidFill>
+                  </a:tcPr>
+                </a:tc>
+                <a:tc>
+                  <a:txBody>
+                    <a:bodyPr/>
+                    <a:lstStyle/>
+                    <a:p>
+                      <a:r>
+                        <a:rPr lang="en-GB" dirty="0" smtClean="0">
+                          <a:effectLst/>
+                        </a:rPr>
+                        <a:t>0.600</a:t>
+                      </a:r>
+                      <a:endParaRPr lang="en-GB" dirty="0"/>
+                    </a:p>
+                  </a:txBody>
+                  <a:tcPr>
+                    <a:solidFill>
+                      <a:schemeClr val="accent1">
+                        <a:lumMod val="20000"/>
+                        <a:lumOff val="80000"/>
+                      </a:schemeClr>
+                    </a:solidFill>
+                  </a:tcPr>
+                </a:tc>
+                <a:tc>
+                  <a:txBody>
+                    <a:bodyPr/>
+                    <a:lstStyle/>
+                    <a:p>
+                      <a:pPr marL="0" marR="0" lvl="0" indent="0" algn="l" defTabSz="914400" rtl="0" eaLnBrk="1" fontAlgn="auto" latinLnBrk="0" hangingPunct="1">
+                        <a:lnSpc>
+                          <a:spcPct val="100000"/>
+                        </a:lnSpc>
+                        <a:spcBef>
+                          <a:spcPts val="0"/>
+                        </a:spcBef>
+                        <a:spcAft>
+                          <a:spcPts val="0"/>
+                        </a:spcAft>
+                        <a:buClrTx/>
+                        <a:buSzTx/>
+                        <a:buFontTx/>
+                        <a:buNone/>
+                        <a:tabLst/>
+                        <a:defRPr/>
+                      </a:pPr>
+                      <a:r>
+                        <a:rPr lang="en-IN" dirty="0" err="1" smtClean="0"/>
+                        <a:t>per.shape</a:t>
+                      </a:r>
+                      <a:r>
+                        <a:rPr lang="en-IN" dirty="0" smtClean="0"/>
+                        <a:t>&gt;</a:t>
+                      </a:r>
+                      <a:r>
+                        <a:rPr lang="en-IN" dirty="0" err="1" smtClean="0"/>
+                        <a:t>per.loc</a:t>
+                      </a:r>
+                      <a:r>
+                        <a:rPr lang="en-IN" dirty="0" smtClean="0"/>
+                        <a:t>&gt;</a:t>
+                      </a:r>
+                      <a:r>
+                        <a:rPr lang="en-IN" dirty="0" err="1" smtClean="0"/>
+                        <a:t>per.size</a:t>
+                      </a:r>
+                      <a:r>
+                        <a:rPr lang="en-GB" dirty="0" smtClean="0"/>
+                        <a:t>&gt;</a:t>
+                      </a:r>
+                      <a:endParaRPr lang="en-GB" dirty="0"/>
+                    </a:p>
+                  </a:txBody>
+                  <a:tcPr>
+                    <a:solidFill>
+                      <a:schemeClr val="accent1">
+                        <a:lumMod val="20000"/>
+                        <a:lumOff val="80000"/>
+                      </a:schemeClr>
+                    </a:solidFill>
+                  </a:tcPr>
+                </a:tc>
+              </a:tr>
+            </a:tbl>
+          </a:graphicData>
+        </a:graphic>
+      </p:graphicFrame>
+    </p:spTree>
+    <p:extLst>
+      <p:ext uri="{BB962C8B-B14F-4D97-AF65-F5344CB8AC3E}">
+        <p14:creationId xmlns:p14="http://schemas.microsoft.com/office/powerpoint/2010/main" val="1063963737"/>
+      </p:ext>
+    </p:extLst>
+  </p:cSld>
+  <p:clrMapOvr>
+    <a:masterClrMapping/>
+  </p:clrMapOvr>
+</p:sld>
+</file>
+
+<file path=ppt/slides/slide101.xml><?xml version="1.0" encoding="utf-8"?>
+<p:sld xmlns:a="http://schemas.openxmlformats.org/drawingml/2006/main" xmlns:r="http://schemas.openxmlformats.org/officeDocument/2006/relationships" xmlns:p="http://schemas.openxmlformats.org/presentationml/2006/main">
+  <p:cSld>
+    <p:spTree>
+      <p:nvGrpSpPr>
+        <p:cNvPr id="1" name=""/>
+        <p:cNvGrpSpPr/>
+        <p:nvPr/>
+      </p:nvGrpSpPr>
+      <p:grpSpPr>
+        <a:xfrm>
+          <a:off x="0" y="0"/>
+          <a:ext cx="0" cy="0"/>
+          <a:chOff x="0" y="0"/>
+          <a:chExt cx="0" cy="0"/>
+        </a:xfrm>
+      </p:grpSpPr>
+      <p:sp>
+        <p:nvSpPr>
+          <p:cNvPr id="2" name="Title 1">
+            <a:extLst>
+              <a:ext uri="{FF2B5EF4-FFF2-40B4-BE49-F238E27FC236}">
+                <a16:creationId xmlns="" xmlns:a16="http://schemas.microsoft.com/office/drawing/2014/main" id="{03157DC7-9BF8-4E26-8207-6C2831CE5A1E}"/>
+              </a:ext>
+            </a:extLst>
+          </p:cNvPr>
+          <p:cNvSpPr>
+            <a:spLocks noGrp="1"/>
+          </p:cNvSpPr>
+          <p:nvPr>
+            <p:ph type="ctrTitle"/>
+          </p:nvPr>
+        </p:nvSpPr>
+        <p:spPr/>
+        <p:txBody>
+          <a:bodyPr>
+            <a:normAutofit/>
+          </a:bodyPr>
+          <a:lstStyle/>
+          <a:p>
+            <a:r>
+              <a:rPr lang="en-US" sz="6600" b="1" dirty="0">
+                <a:solidFill>
+                  <a:schemeClr val="accent1">
+                    <a:lumMod val="50000"/>
+                  </a:schemeClr>
+                </a:solidFill>
+                <a:effectLst>
+                  <a:outerShdw blurRad="38100" dist="38100" dir="2700000" algn="tl">
+                    <a:srgbClr val="000000">
+                      <a:alpha val="43137"/>
+                    </a:srgbClr>
+                  </a:outerShdw>
+                </a:effectLst>
+              </a:rPr>
+              <a:t>Thank you for your time</a:t>
+            </a:r>
+          </a:p>
+        </p:txBody>
+      </p:sp>
+    </p:spTree>
+    <p:extLst>
+      <p:ext uri="{BB962C8B-B14F-4D97-AF65-F5344CB8AC3E}">
+        <p14:creationId xmlns:p14="http://schemas.microsoft.com/office/powerpoint/2010/main" val="4090626466"/>
+      </p:ext>
+    </p:extLst>
+  </p:cSld>
+  <p:clrMapOvr>
+    <a:masterClrMapping/>
+  </p:clrMapOvr>
+</p:sld>
+</file>
+
 <file path=ppt/slides/slide11.xml><?xml version="1.0" encoding="utf-8"?>
 <p:sld xmlns:a="http://schemas.openxmlformats.org/drawingml/2006/main" xmlns:r="http://schemas.openxmlformats.org/officeDocument/2006/relationships" xmlns:p="http://schemas.openxmlformats.org/presentationml/2006/main">
   <p:cSld>
@@ -50578,13 +51476,7 @@
       </p:grpSpPr>
       <p:sp>
         <p:nvSpPr>
-          <p:cNvPr id="2" name="Title 1">
-            <a:extLst>
-              <a:ext uri="{FF2B5EF4-FFF2-40B4-BE49-F238E27FC236}">
-                <a16:creationId xmlns="" xmlns:a16="http://schemas.microsoft.com/office/drawing/2014/main" id="{03157DC7-9BF8-4E26-8207-6C2831CE5A1E}"/>
-              </a:ext>
-            </a:extLst>
-          </p:cNvPr>
+          <p:cNvPr id="2" name="Title 1"/>
           <p:cNvSpPr>
             <a:spLocks noGrp="1"/>
           </p:cNvSpPr>
@@ -50594,35 +51486,5477 @@
         </p:nvSpPr>
         <p:spPr/>
         <p:txBody>
-          <a:bodyPr>
-            <a:normAutofit/>
-          </a:bodyPr>
+          <a:bodyPr/>
           <a:lstStyle/>
           <a:p>
             <a:r>
-              <a:rPr lang="en-US" sz="6600" b="1" dirty="0">
-                <a:solidFill>
-                  <a:schemeClr val="accent1">
-                    <a:lumMod val="50000"/>
-                  </a:schemeClr>
-                </a:solidFill>
-                <a:effectLst>
-                  <a:outerShdw blurRad="38100" dist="38100" dir="2700000" algn="tl">
-                    <a:srgbClr val="000000">
-                      <a:alpha val="43137"/>
-                    </a:srgbClr>
-                  </a:outerShdw>
-                </a:effectLst>
-              </a:rPr>
-              <a:t>Thank you for your time</a:t>
+              <a:rPr lang="en-IN" dirty="0" smtClean="0"/>
+              <a:t>Travel Channel</a:t>
             </a:r>
+            <a:endParaRPr lang="en-GB" dirty="0"/>
           </a:p>
         </p:txBody>
       </p:sp>
     </p:spTree>
     <p:extLst>
       <p:ext uri="{BB962C8B-B14F-4D97-AF65-F5344CB8AC3E}">
-        <p14:creationId xmlns:p14="http://schemas.microsoft.com/office/powerpoint/2010/main" val="4090626466"/>
+        <p14:creationId xmlns:p14="http://schemas.microsoft.com/office/powerpoint/2010/main" val="2100421338"/>
+      </p:ext>
+    </p:extLst>
+  </p:cSld>
+  <p:clrMapOvr>
+    <a:masterClrMapping/>
+  </p:clrMapOvr>
+</p:sld>
+</file>
+
+<file path=ppt/slides/slide93.xml><?xml version="1.0" encoding="utf-8"?>
+<p:sld xmlns:a="http://schemas.openxmlformats.org/drawingml/2006/main" xmlns:r="http://schemas.openxmlformats.org/officeDocument/2006/relationships" xmlns:p="http://schemas.openxmlformats.org/presentationml/2006/main">
+  <p:cSld>
+    <p:spTree>
+      <p:nvGrpSpPr>
+        <p:cNvPr id="1" name=""/>
+        <p:cNvGrpSpPr/>
+        <p:nvPr/>
+      </p:nvGrpSpPr>
+      <p:grpSpPr>
+        <a:xfrm>
+          <a:off x="0" y="0"/>
+          <a:ext cx="0" cy="0"/>
+          <a:chOff x="0" y="0"/>
+          <a:chExt cx="0" cy="0"/>
+        </a:xfrm>
+      </p:grpSpPr>
+      <p:sp>
+        <p:nvSpPr>
+          <p:cNvPr id="2" name="Title 1"/>
+          <p:cNvSpPr>
+            <a:spLocks noGrp="1"/>
+          </p:cNvSpPr>
+          <p:nvPr>
+            <p:ph type="title"/>
+          </p:nvPr>
+        </p:nvSpPr>
+        <p:spPr/>
+        <p:txBody>
+          <a:bodyPr/>
+          <a:lstStyle/>
+          <a:p>
+            <a:r>
+              <a:rPr lang="en-IN" dirty="0" smtClean="0"/>
+              <a:t>Wasserstein Metric</a:t>
+            </a:r>
+            <a:br>
+              <a:rPr lang="en-IN" dirty="0" smtClean="0"/>
+            </a:br>
+            <a:r>
+              <a:rPr lang="en-IN" sz="2800" dirty="0" smtClean="0"/>
+              <a:t>Degree</a:t>
+            </a:r>
+            <a:endParaRPr lang="en-GB" dirty="0"/>
+          </a:p>
+        </p:txBody>
+      </p:sp>
+      <p:graphicFrame>
+        <p:nvGraphicFramePr>
+          <p:cNvPr id="4" name="Content Placeholder 3"/>
+          <p:cNvGraphicFramePr>
+            <a:graphicFrameLocks noGrp="1"/>
+          </p:cNvGraphicFramePr>
+          <p:nvPr>
+            <p:ph idx="1"/>
+            <p:extLst>
+              <p:ext uri="{D42A27DB-BD31-4B8C-83A1-F6EECF244321}">
+                <p14:modId xmlns:p14="http://schemas.microsoft.com/office/powerpoint/2010/main" val="3355324249"/>
+              </p:ext>
+            </p:extLst>
+          </p:nvPr>
+        </p:nvGraphicFramePr>
+        <p:xfrm>
+          <a:off x="838200" y="1825625"/>
+          <a:ext cx="10515600" cy="2225040"/>
+        </p:xfrm>
+        <a:graphic>
+          <a:graphicData uri="http://schemas.openxmlformats.org/drawingml/2006/table">
+            <a:tbl>
+              <a:tblPr firstRow="1" bandRow="1">
+                <a:tableStyleId>{5C22544A-7EE6-4342-B048-85BDC9FD1C3A}</a:tableStyleId>
+              </a:tblPr>
+              <a:tblGrid>
+                <a:gridCol w="2628900"/>
+                <a:gridCol w="2114191"/>
+                <a:gridCol w="1613139"/>
+                <a:gridCol w="4159370"/>
+              </a:tblGrid>
+              <a:tr h="370840">
+                <a:tc>
+                  <a:txBody>
+                    <a:bodyPr/>
+                    <a:lstStyle/>
+                    <a:p>
+                      <a:r>
+                        <a:rPr lang="en-IN" dirty="0" smtClean="0"/>
+                        <a:t>Graph Name</a:t>
+                      </a:r>
+                      <a:endParaRPr lang="en-GB" dirty="0"/>
+                    </a:p>
+                  </a:txBody>
+                  <a:tcPr/>
+                </a:tc>
+                <a:tc>
+                  <a:txBody>
+                    <a:bodyPr/>
+                    <a:lstStyle/>
+                    <a:p>
+                      <a:r>
+                        <a:rPr lang="en-IN" dirty="0" smtClean="0"/>
+                        <a:t>Wasserstein Metric</a:t>
+                      </a:r>
+                      <a:endParaRPr lang="en-GB" dirty="0"/>
+                    </a:p>
+                  </a:txBody>
+                  <a:tcPr/>
+                </a:tc>
+                <a:tc>
+                  <a:txBody>
+                    <a:bodyPr/>
+                    <a:lstStyle/>
+                    <a:p>
+                      <a:r>
+                        <a:rPr lang="en-IN" dirty="0" smtClean="0"/>
+                        <a:t>P-value</a:t>
+                      </a:r>
+                      <a:endParaRPr lang="en-GB" dirty="0"/>
+                    </a:p>
+                  </a:txBody>
+                  <a:tcPr/>
+                </a:tc>
+                <a:tc>
+                  <a:txBody>
+                    <a:bodyPr/>
+                    <a:lstStyle/>
+                    <a:p>
+                      <a:r>
+                        <a:rPr lang="en-IN" dirty="0" smtClean="0"/>
+                        <a:t>Difference</a:t>
+                      </a:r>
+                      <a:endParaRPr lang="en-GB" dirty="0"/>
+                    </a:p>
+                  </a:txBody>
+                  <a:tcPr/>
+                </a:tc>
+              </a:tr>
+              <a:tr h="370840">
+                <a:tc>
+                  <a:txBody>
+                    <a:bodyPr/>
+                    <a:lstStyle/>
+                    <a:p>
+                      <a:r>
+                        <a:rPr lang="en-IN" dirty="0" smtClean="0"/>
+                        <a:t>Template, G1</a:t>
+                      </a:r>
+                      <a:endParaRPr lang="en-GB" dirty="0"/>
+                    </a:p>
+                  </a:txBody>
+                  <a:tcPr>
+                    <a:solidFill>
+                      <a:schemeClr val="accent6">
+                        <a:lumMod val="40000"/>
+                        <a:lumOff val="60000"/>
+                      </a:schemeClr>
+                    </a:solidFill>
+                  </a:tcPr>
+                </a:tc>
+                <a:tc>
+                  <a:txBody>
+                    <a:bodyPr/>
+                    <a:lstStyle/>
+                    <a:p>
+                      <a:r>
+                        <a:rPr lang="en-GB" dirty="0" smtClean="0">
+                          <a:effectLst/>
+                        </a:rPr>
+                        <a:t>0.832</a:t>
+                      </a:r>
+                      <a:endParaRPr lang="en-GB" dirty="0"/>
+                    </a:p>
+                  </a:txBody>
+                  <a:tcPr>
+                    <a:solidFill>
+                      <a:schemeClr val="accent6">
+                        <a:lumMod val="40000"/>
+                        <a:lumOff val="60000"/>
+                      </a:schemeClr>
+                    </a:solidFill>
+                  </a:tcPr>
+                </a:tc>
+                <a:tc>
+                  <a:txBody>
+                    <a:bodyPr/>
+                    <a:lstStyle/>
+                    <a:p>
+                      <a:r>
+                        <a:rPr lang="en-GB" dirty="0" smtClean="0">
+                          <a:effectLst/>
+                        </a:rPr>
+                        <a:t>0.660</a:t>
+                      </a:r>
+                      <a:endParaRPr lang="en-GB" dirty="0"/>
+                    </a:p>
+                  </a:txBody>
+                  <a:tcPr>
+                    <a:solidFill>
+                      <a:schemeClr val="accent6">
+                        <a:lumMod val="40000"/>
+                        <a:lumOff val="60000"/>
+                      </a:schemeClr>
+                    </a:solidFill>
+                  </a:tcPr>
+                </a:tc>
+                <a:tc>
+                  <a:txBody>
+                    <a:bodyPr/>
+                    <a:lstStyle/>
+                    <a:p>
+                      <a:pPr marL="0" marR="0" lvl="0" indent="0" algn="l" defTabSz="914400" rtl="0" eaLnBrk="1" fontAlgn="auto" latinLnBrk="0" hangingPunct="1">
+                        <a:lnSpc>
+                          <a:spcPct val="100000"/>
+                        </a:lnSpc>
+                        <a:spcBef>
+                          <a:spcPts val="0"/>
+                        </a:spcBef>
+                        <a:spcAft>
+                          <a:spcPts val="0"/>
+                        </a:spcAft>
+                        <a:buClrTx/>
+                        <a:buSzTx/>
+                        <a:buFontTx/>
+                        <a:buNone/>
+                        <a:tabLst/>
+                        <a:defRPr/>
+                      </a:pPr>
+                      <a:r>
+                        <a:rPr lang="en-IN" dirty="0" err="1" smtClean="0"/>
+                        <a:t>per.loc</a:t>
+                      </a:r>
+                      <a:r>
+                        <a:rPr lang="en-IN" dirty="0" smtClean="0"/>
+                        <a:t>&gt;</a:t>
+                      </a:r>
+                      <a:r>
+                        <a:rPr lang="en-IN" dirty="0" err="1" smtClean="0"/>
+                        <a:t>per.shape</a:t>
+                      </a:r>
+                      <a:r>
+                        <a:rPr lang="en-IN" dirty="0" smtClean="0"/>
+                        <a:t>&gt;</a:t>
+                      </a:r>
+                      <a:r>
+                        <a:rPr lang="en-IN" dirty="0" err="1" smtClean="0"/>
+                        <a:t>per.size</a:t>
+                      </a:r>
+                      <a:endParaRPr lang="en-GB" dirty="0" smtClean="0"/>
+                    </a:p>
+                  </a:txBody>
+                  <a:tcPr>
+                    <a:solidFill>
+                      <a:schemeClr val="accent6">
+                        <a:lumMod val="40000"/>
+                        <a:lumOff val="60000"/>
+                      </a:schemeClr>
+                    </a:solidFill>
+                  </a:tcPr>
+                </a:tc>
+              </a:tr>
+              <a:tr h="370840">
+                <a:tc>
+                  <a:txBody>
+                    <a:bodyPr/>
+                    <a:lstStyle/>
+                    <a:p>
+                      <a:pPr marL="0" marR="0" lvl="0" indent="0" algn="l" defTabSz="914400" rtl="0" eaLnBrk="1" fontAlgn="auto" latinLnBrk="0" hangingPunct="1">
+                        <a:lnSpc>
+                          <a:spcPct val="100000"/>
+                        </a:lnSpc>
+                        <a:spcBef>
+                          <a:spcPts val="0"/>
+                        </a:spcBef>
+                        <a:spcAft>
+                          <a:spcPts val="0"/>
+                        </a:spcAft>
+                        <a:buClrTx/>
+                        <a:buSzTx/>
+                        <a:buFontTx/>
+                        <a:buNone/>
+                        <a:tabLst/>
+                        <a:defRPr/>
+                      </a:pPr>
+                      <a:r>
+                        <a:rPr lang="en-IN" dirty="0" smtClean="0"/>
+                        <a:t>Template, G2</a:t>
+                      </a:r>
+                      <a:endParaRPr lang="en-GB" dirty="0" smtClean="0"/>
+                    </a:p>
+                  </a:txBody>
+                  <a:tcPr>
+                    <a:solidFill>
+                      <a:schemeClr val="accent6">
+                        <a:lumMod val="40000"/>
+                        <a:lumOff val="60000"/>
+                      </a:schemeClr>
+                    </a:solidFill>
+                  </a:tcPr>
+                </a:tc>
+                <a:tc>
+                  <a:txBody>
+                    <a:bodyPr/>
+                    <a:lstStyle/>
+                    <a:p>
+                      <a:r>
+                        <a:rPr lang="en-GB" dirty="0" smtClean="0">
+                          <a:effectLst/>
+                        </a:rPr>
+                        <a:t>1.298</a:t>
+                      </a:r>
+                      <a:endParaRPr lang="en-GB" dirty="0"/>
+                    </a:p>
+                  </a:txBody>
+                  <a:tcPr>
+                    <a:solidFill>
+                      <a:schemeClr val="accent6">
+                        <a:lumMod val="40000"/>
+                        <a:lumOff val="60000"/>
+                      </a:schemeClr>
+                    </a:solidFill>
+                  </a:tcPr>
+                </a:tc>
+                <a:tc>
+                  <a:txBody>
+                    <a:bodyPr/>
+                    <a:lstStyle/>
+                    <a:p>
+                      <a:r>
+                        <a:rPr lang="en-GB" dirty="0" smtClean="0">
+                          <a:effectLst/>
+                        </a:rPr>
+                        <a:t>0.277</a:t>
+                      </a:r>
+                      <a:endParaRPr lang="en-GB" dirty="0"/>
+                    </a:p>
+                  </a:txBody>
+                  <a:tcPr>
+                    <a:solidFill>
+                      <a:schemeClr val="accent6">
+                        <a:lumMod val="40000"/>
+                        <a:lumOff val="60000"/>
+                      </a:schemeClr>
+                    </a:solidFill>
+                  </a:tcPr>
+                </a:tc>
+                <a:tc>
+                  <a:txBody>
+                    <a:bodyPr/>
+                    <a:lstStyle/>
+                    <a:p>
+                      <a:pPr marL="0" marR="0" lvl="0" indent="0" algn="l" defTabSz="914400" rtl="0" eaLnBrk="1" fontAlgn="auto" latinLnBrk="0" hangingPunct="1">
+                        <a:lnSpc>
+                          <a:spcPct val="100000"/>
+                        </a:lnSpc>
+                        <a:spcBef>
+                          <a:spcPts val="0"/>
+                        </a:spcBef>
+                        <a:spcAft>
+                          <a:spcPts val="0"/>
+                        </a:spcAft>
+                        <a:buClrTx/>
+                        <a:buSzTx/>
+                        <a:buFontTx/>
+                        <a:buNone/>
+                        <a:tabLst/>
+                        <a:defRPr/>
+                      </a:pPr>
+                      <a:r>
+                        <a:rPr lang="en-IN" dirty="0" err="1" smtClean="0"/>
+                        <a:t>per.loc</a:t>
+                      </a:r>
+                      <a:r>
+                        <a:rPr lang="en-IN" dirty="0" smtClean="0"/>
+                        <a:t>&gt;</a:t>
+                      </a:r>
+                      <a:r>
+                        <a:rPr lang="en-IN" dirty="0" err="1" smtClean="0"/>
+                        <a:t>per.shape</a:t>
+                      </a:r>
+                      <a:r>
+                        <a:rPr lang="en-IN" dirty="0" smtClean="0"/>
+                        <a:t>&gt;</a:t>
+                      </a:r>
+                      <a:r>
+                        <a:rPr lang="en-IN" dirty="0" err="1" smtClean="0"/>
+                        <a:t>per.size</a:t>
+                      </a:r>
+                      <a:endParaRPr lang="en-GB" dirty="0" smtClean="0"/>
+                    </a:p>
+                  </a:txBody>
+                  <a:tcPr>
+                    <a:solidFill>
+                      <a:schemeClr val="accent6">
+                        <a:lumMod val="40000"/>
+                        <a:lumOff val="60000"/>
+                      </a:schemeClr>
+                    </a:solidFill>
+                  </a:tcPr>
+                </a:tc>
+              </a:tr>
+              <a:tr h="370840">
+                <a:tc>
+                  <a:txBody>
+                    <a:bodyPr/>
+                    <a:lstStyle/>
+                    <a:p>
+                      <a:pPr marL="0" marR="0" lvl="0" indent="0" algn="l" defTabSz="914400" rtl="0" eaLnBrk="1" fontAlgn="auto" latinLnBrk="0" hangingPunct="1">
+                        <a:lnSpc>
+                          <a:spcPct val="100000"/>
+                        </a:lnSpc>
+                        <a:spcBef>
+                          <a:spcPts val="0"/>
+                        </a:spcBef>
+                        <a:spcAft>
+                          <a:spcPts val="0"/>
+                        </a:spcAft>
+                        <a:buClrTx/>
+                        <a:buSzTx/>
+                        <a:buFontTx/>
+                        <a:buNone/>
+                        <a:tabLst/>
+                        <a:defRPr/>
+                      </a:pPr>
+                      <a:r>
+                        <a:rPr lang="en-IN" dirty="0" smtClean="0"/>
+                        <a:t>Template, G3</a:t>
+                      </a:r>
+                      <a:endParaRPr lang="en-GB" dirty="0" smtClean="0"/>
+                    </a:p>
+                  </a:txBody>
+                  <a:tcPr>
+                    <a:solidFill>
+                      <a:schemeClr val="accent6">
+                        <a:lumMod val="60000"/>
+                        <a:lumOff val="40000"/>
+                      </a:schemeClr>
+                    </a:solidFill>
+                  </a:tcPr>
+                </a:tc>
+                <a:tc>
+                  <a:txBody>
+                    <a:bodyPr/>
+                    <a:lstStyle/>
+                    <a:p>
+                      <a:r>
+                        <a:rPr lang="en-GB" dirty="0" smtClean="0">
+                          <a:effectLst/>
+                        </a:rPr>
+                        <a:t>1.203</a:t>
+                      </a:r>
+                      <a:endParaRPr lang="en-GB" dirty="0"/>
+                    </a:p>
+                  </a:txBody>
+                  <a:tcPr>
+                    <a:solidFill>
+                      <a:schemeClr val="accent6">
+                        <a:lumMod val="60000"/>
+                        <a:lumOff val="40000"/>
+                      </a:schemeClr>
+                    </a:solidFill>
+                  </a:tcPr>
+                </a:tc>
+                <a:tc>
+                  <a:txBody>
+                    <a:bodyPr/>
+                    <a:lstStyle/>
+                    <a:p>
+                      <a:r>
+                        <a:rPr lang="en-GB" dirty="0" smtClean="0">
+                          <a:effectLst/>
+                        </a:rPr>
+                        <a:t>0.361</a:t>
+                      </a:r>
+                      <a:endParaRPr lang="en-GB" dirty="0"/>
+                    </a:p>
+                  </a:txBody>
+                  <a:tcPr>
+                    <a:solidFill>
+                      <a:schemeClr val="accent6">
+                        <a:lumMod val="60000"/>
+                        <a:lumOff val="40000"/>
+                      </a:schemeClr>
+                    </a:solidFill>
+                  </a:tcPr>
+                </a:tc>
+                <a:tc>
+                  <a:txBody>
+                    <a:bodyPr/>
+                    <a:lstStyle/>
+                    <a:p>
+                      <a:pPr marL="0" marR="0" lvl="0" indent="0" algn="l" defTabSz="914400" rtl="0" eaLnBrk="1" fontAlgn="auto" latinLnBrk="0" hangingPunct="1">
+                        <a:lnSpc>
+                          <a:spcPct val="100000"/>
+                        </a:lnSpc>
+                        <a:spcBef>
+                          <a:spcPts val="0"/>
+                        </a:spcBef>
+                        <a:spcAft>
+                          <a:spcPts val="0"/>
+                        </a:spcAft>
+                        <a:buClrTx/>
+                        <a:buSzTx/>
+                        <a:buFontTx/>
+                        <a:buNone/>
+                        <a:tabLst/>
+                        <a:defRPr/>
+                      </a:pPr>
+                      <a:r>
+                        <a:rPr lang="en-IN" dirty="0" err="1" smtClean="0"/>
+                        <a:t>per.loc</a:t>
+                      </a:r>
+                      <a:r>
+                        <a:rPr lang="en-IN" dirty="0" smtClean="0"/>
+                        <a:t>&gt;</a:t>
+                      </a:r>
+                      <a:r>
+                        <a:rPr lang="en-IN" dirty="0" err="1" smtClean="0"/>
+                        <a:t>per.shape</a:t>
+                      </a:r>
+                      <a:r>
+                        <a:rPr lang="en-IN" dirty="0" smtClean="0"/>
+                        <a:t>&gt;</a:t>
+                      </a:r>
+                      <a:r>
+                        <a:rPr lang="en-IN" dirty="0" err="1" smtClean="0"/>
+                        <a:t>per.size</a:t>
+                      </a:r>
+                      <a:endParaRPr lang="en-GB" dirty="0" smtClean="0"/>
+                    </a:p>
+                  </a:txBody>
+                  <a:tcPr>
+                    <a:solidFill>
+                      <a:schemeClr val="accent6">
+                        <a:lumMod val="60000"/>
+                        <a:lumOff val="40000"/>
+                      </a:schemeClr>
+                    </a:solidFill>
+                  </a:tcPr>
+                </a:tc>
+              </a:tr>
+              <a:tr h="370840">
+                <a:tc>
+                  <a:txBody>
+                    <a:bodyPr/>
+                    <a:lstStyle/>
+                    <a:p>
+                      <a:pPr marL="0" marR="0" lvl="0" indent="0" algn="l" defTabSz="914400" rtl="0" eaLnBrk="1" fontAlgn="auto" latinLnBrk="0" hangingPunct="1">
+                        <a:lnSpc>
+                          <a:spcPct val="100000"/>
+                        </a:lnSpc>
+                        <a:spcBef>
+                          <a:spcPts val="0"/>
+                        </a:spcBef>
+                        <a:spcAft>
+                          <a:spcPts val="0"/>
+                        </a:spcAft>
+                        <a:buClrTx/>
+                        <a:buSzTx/>
+                        <a:buFontTx/>
+                        <a:buNone/>
+                        <a:tabLst/>
+                        <a:defRPr/>
+                      </a:pPr>
+                      <a:r>
+                        <a:rPr lang="en-IN" dirty="0" smtClean="0"/>
+                        <a:t>Template, G4</a:t>
+                      </a:r>
+                      <a:endParaRPr lang="en-GB" dirty="0" smtClean="0"/>
+                    </a:p>
+                  </a:txBody>
+                  <a:tcPr/>
+                </a:tc>
+                <a:tc>
+                  <a:txBody>
+                    <a:bodyPr/>
+                    <a:lstStyle/>
+                    <a:p>
+                      <a:r>
+                        <a:rPr lang="en-GB" dirty="0" smtClean="0">
+                          <a:effectLst/>
+                        </a:rPr>
+                        <a:t>16.181</a:t>
+                      </a:r>
+                      <a:endParaRPr lang="en-GB" dirty="0"/>
+                    </a:p>
+                  </a:txBody>
+                  <a:tcPr/>
+                </a:tc>
+                <a:tc>
+                  <a:txBody>
+                    <a:bodyPr/>
+                    <a:lstStyle/>
+                    <a:p>
+                      <a:r>
+                        <a:rPr lang="en-GB" dirty="0" smtClean="0">
+                          <a:effectLst/>
+                        </a:rPr>
+                        <a:t>0.00009</a:t>
+                      </a:r>
+                      <a:endParaRPr lang="en-GB" dirty="0"/>
+                    </a:p>
+                  </a:txBody>
+                  <a:tcPr/>
+                </a:tc>
+                <a:tc>
+                  <a:txBody>
+                    <a:bodyPr/>
+                    <a:lstStyle/>
+                    <a:p>
+                      <a:pPr marL="0" marR="0" lvl="0" indent="0" algn="l" defTabSz="914400" rtl="0" eaLnBrk="1" fontAlgn="auto" latinLnBrk="0" hangingPunct="1">
+                        <a:lnSpc>
+                          <a:spcPct val="100000"/>
+                        </a:lnSpc>
+                        <a:spcBef>
+                          <a:spcPts val="0"/>
+                        </a:spcBef>
+                        <a:spcAft>
+                          <a:spcPts val="0"/>
+                        </a:spcAft>
+                        <a:buClrTx/>
+                        <a:buSzTx/>
+                        <a:buFontTx/>
+                        <a:buNone/>
+                        <a:tabLst/>
+                        <a:defRPr/>
+                      </a:pPr>
+                      <a:r>
+                        <a:rPr lang="en-IN" dirty="0" err="1" smtClean="0"/>
+                        <a:t>per.loc</a:t>
+                      </a:r>
+                      <a:r>
+                        <a:rPr lang="en-IN" dirty="0" smtClean="0"/>
+                        <a:t>&gt;</a:t>
+                      </a:r>
+                      <a:r>
+                        <a:rPr lang="en-IN" dirty="0" err="1" smtClean="0"/>
+                        <a:t>per.size</a:t>
+                      </a:r>
+                      <a:r>
+                        <a:rPr lang="en-IN" dirty="0" smtClean="0"/>
+                        <a:t>&gt;</a:t>
+                      </a:r>
+                      <a:r>
+                        <a:rPr lang="en-IN" dirty="0" err="1" smtClean="0"/>
+                        <a:t>per.shape</a:t>
+                      </a:r>
+                      <a:endParaRPr lang="en-GB" dirty="0" smtClean="0"/>
+                    </a:p>
+                  </a:txBody>
+                  <a:tcPr/>
+                </a:tc>
+              </a:tr>
+              <a:tr h="370840">
+                <a:tc>
+                  <a:txBody>
+                    <a:bodyPr/>
+                    <a:lstStyle/>
+                    <a:p>
+                      <a:pPr marL="0" marR="0" lvl="0" indent="0" algn="l" defTabSz="914400" rtl="0" eaLnBrk="1" fontAlgn="auto" latinLnBrk="0" hangingPunct="1">
+                        <a:lnSpc>
+                          <a:spcPct val="100000"/>
+                        </a:lnSpc>
+                        <a:spcBef>
+                          <a:spcPts val="0"/>
+                        </a:spcBef>
+                        <a:spcAft>
+                          <a:spcPts val="0"/>
+                        </a:spcAft>
+                        <a:buClrTx/>
+                        <a:buSzTx/>
+                        <a:buFontTx/>
+                        <a:buNone/>
+                        <a:tabLst/>
+                        <a:defRPr/>
+                      </a:pPr>
+                      <a:r>
+                        <a:rPr lang="en-IN" dirty="0" smtClean="0"/>
+                        <a:t>Template, G5</a:t>
+                      </a:r>
+                      <a:endParaRPr lang="en-GB" dirty="0" smtClean="0"/>
+                    </a:p>
+                  </a:txBody>
+                  <a:tcPr/>
+                </a:tc>
+                <a:tc>
+                  <a:txBody>
+                    <a:bodyPr/>
+                    <a:lstStyle/>
+                    <a:p>
+                      <a:r>
+                        <a:rPr lang="en-GB" dirty="0" smtClean="0">
+                          <a:effectLst/>
+                        </a:rPr>
+                        <a:t>15.272</a:t>
+                      </a:r>
+                      <a:endParaRPr lang="en-GB" dirty="0"/>
+                    </a:p>
+                  </a:txBody>
+                  <a:tcPr/>
+                </a:tc>
+                <a:tc>
+                  <a:txBody>
+                    <a:bodyPr/>
+                    <a:lstStyle/>
+                    <a:p>
+                      <a:r>
+                        <a:rPr lang="en-GB" dirty="0" smtClean="0">
+                          <a:effectLst/>
+                        </a:rPr>
+                        <a:t>0.00009</a:t>
+                      </a:r>
+                      <a:endParaRPr lang="en-GB" dirty="0"/>
+                    </a:p>
+                  </a:txBody>
+                  <a:tcPr/>
+                </a:tc>
+                <a:tc>
+                  <a:txBody>
+                    <a:bodyPr/>
+                    <a:lstStyle/>
+                    <a:p>
+                      <a:pPr marL="0" marR="0" lvl="0" indent="0" algn="l" defTabSz="914400" rtl="0" eaLnBrk="1" fontAlgn="auto" latinLnBrk="0" hangingPunct="1">
+                        <a:lnSpc>
+                          <a:spcPct val="100000"/>
+                        </a:lnSpc>
+                        <a:spcBef>
+                          <a:spcPts val="0"/>
+                        </a:spcBef>
+                        <a:spcAft>
+                          <a:spcPts val="0"/>
+                        </a:spcAft>
+                        <a:buClrTx/>
+                        <a:buSzTx/>
+                        <a:buFontTx/>
+                        <a:buNone/>
+                        <a:tabLst/>
+                        <a:defRPr/>
+                      </a:pPr>
+                      <a:r>
+                        <a:rPr lang="en-IN" dirty="0" err="1" smtClean="0"/>
+                        <a:t>per.loc</a:t>
+                      </a:r>
+                      <a:r>
+                        <a:rPr lang="en-IN" dirty="0" smtClean="0"/>
+                        <a:t>&gt;</a:t>
+                      </a:r>
+                      <a:r>
+                        <a:rPr lang="en-IN" dirty="0" err="1" smtClean="0"/>
+                        <a:t>per.size</a:t>
+                      </a:r>
+                      <a:r>
+                        <a:rPr lang="en-IN" dirty="0" smtClean="0"/>
+                        <a:t>&gt;</a:t>
+                      </a:r>
+                      <a:r>
+                        <a:rPr lang="en-IN" dirty="0" err="1" smtClean="0"/>
+                        <a:t>per.shape</a:t>
+                      </a:r>
+                      <a:endParaRPr lang="en-GB" dirty="0" smtClean="0"/>
+                    </a:p>
+                  </a:txBody>
+                  <a:tcPr/>
+                </a:tc>
+              </a:tr>
+            </a:tbl>
+          </a:graphicData>
+        </a:graphic>
+      </p:graphicFrame>
+    </p:spTree>
+    <p:extLst>
+      <p:ext uri="{BB962C8B-B14F-4D97-AF65-F5344CB8AC3E}">
+        <p14:creationId xmlns:p14="http://schemas.microsoft.com/office/powerpoint/2010/main" val="683733553"/>
+      </p:ext>
+    </p:extLst>
+  </p:cSld>
+  <p:clrMapOvr>
+    <a:masterClrMapping/>
+  </p:clrMapOvr>
+</p:sld>
+</file>
+
+<file path=ppt/slides/slide94.xml><?xml version="1.0" encoding="utf-8"?>
+<p:sld xmlns:a="http://schemas.openxmlformats.org/drawingml/2006/main" xmlns:r="http://schemas.openxmlformats.org/officeDocument/2006/relationships" xmlns:p="http://schemas.openxmlformats.org/presentationml/2006/main">
+  <p:cSld>
+    <p:spTree>
+      <p:nvGrpSpPr>
+        <p:cNvPr id="1" name=""/>
+        <p:cNvGrpSpPr/>
+        <p:nvPr/>
+      </p:nvGrpSpPr>
+      <p:grpSpPr>
+        <a:xfrm>
+          <a:off x="0" y="0"/>
+          <a:ext cx="0" cy="0"/>
+          <a:chOff x="0" y="0"/>
+          <a:chExt cx="0" cy="0"/>
+        </a:xfrm>
+      </p:grpSpPr>
+      <p:sp>
+        <p:nvSpPr>
+          <p:cNvPr id="2" name="Title 1"/>
+          <p:cNvSpPr>
+            <a:spLocks noGrp="1"/>
+          </p:cNvSpPr>
+          <p:nvPr>
+            <p:ph type="title"/>
+          </p:nvPr>
+        </p:nvSpPr>
+        <p:spPr/>
+        <p:txBody>
+          <a:bodyPr/>
+          <a:lstStyle/>
+          <a:p>
+            <a:r>
+              <a:rPr lang="en-IN" dirty="0" smtClean="0"/>
+              <a:t>Wasserstein Metric</a:t>
+            </a:r>
+            <a:br>
+              <a:rPr lang="en-IN" dirty="0" smtClean="0"/>
+            </a:br>
+            <a:r>
+              <a:rPr lang="en-IN" sz="2800" dirty="0" smtClean="0"/>
+              <a:t>Closeness</a:t>
+            </a:r>
+            <a:endParaRPr lang="en-GB" dirty="0"/>
+          </a:p>
+        </p:txBody>
+      </p:sp>
+      <p:graphicFrame>
+        <p:nvGraphicFramePr>
+          <p:cNvPr id="4" name="Content Placeholder 3"/>
+          <p:cNvGraphicFramePr>
+            <a:graphicFrameLocks noGrp="1"/>
+          </p:cNvGraphicFramePr>
+          <p:nvPr>
+            <p:ph idx="1"/>
+            <p:extLst>
+              <p:ext uri="{D42A27DB-BD31-4B8C-83A1-F6EECF244321}">
+                <p14:modId xmlns:p14="http://schemas.microsoft.com/office/powerpoint/2010/main" val="32269669"/>
+              </p:ext>
+            </p:extLst>
+          </p:nvPr>
+        </p:nvGraphicFramePr>
+        <p:xfrm>
+          <a:off x="838200" y="1834251"/>
+          <a:ext cx="10515600" cy="2225040"/>
+        </p:xfrm>
+        <a:graphic>
+          <a:graphicData uri="http://schemas.openxmlformats.org/drawingml/2006/table">
+            <a:tbl>
+              <a:tblPr firstRow="1" bandRow="1">
+                <a:tableStyleId>{5C22544A-7EE6-4342-B048-85BDC9FD1C3A}</a:tableStyleId>
+              </a:tblPr>
+              <a:tblGrid>
+                <a:gridCol w="2628900"/>
+                <a:gridCol w="2114191"/>
+                <a:gridCol w="1613139"/>
+                <a:gridCol w="4159370"/>
+              </a:tblGrid>
+              <a:tr h="370840">
+                <a:tc>
+                  <a:txBody>
+                    <a:bodyPr/>
+                    <a:lstStyle/>
+                    <a:p>
+                      <a:r>
+                        <a:rPr lang="en-IN" dirty="0" smtClean="0"/>
+                        <a:t>Graph Name</a:t>
+                      </a:r>
+                      <a:endParaRPr lang="en-GB" dirty="0"/>
+                    </a:p>
+                  </a:txBody>
+                  <a:tcPr/>
+                </a:tc>
+                <a:tc>
+                  <a:txBody>
+                    <a:bodyPr/>
+                    <a:lstStyle/>
+                    <a:p>
+                      <a:r>
+                        <a:rPr lang="en-IN" dirty="0" smtClean="0"/>
+                        <a:t>Wasserstein Metric</a:t>
+                      </a:r>
+                      <a:endParaRPr lang="en-GB" dirty="0"/>
+                    </a:p>
+                  </a:txBody>
+                  <a:tcPr/>
+                </a:tc>
+                <a:tc>
+                  <a:txBody>
+                    <a:bodyPr/>
+                    <a:lstStyle/>
+                    <a:p>
+                      <a:r>
+                        <a:rPr lang="en-IN" dirty="0" smtClean="0"/>
+                        <a:t>P-value</a:t>
+                      </a:r>
+                      <a:endParaRPr lang="en-GB" dirty="0"/>
+                    </a:p>
+                  </a:txBody>
+                  <a:tcPr/>
+                </a:tc>
+                <a:tc>
+                  <a:txBody>
+                    <a:bodyPr/>
+                    <a:lstStyle/>
+                    <a:p>
+                      <a:r>
+                        <a:rPr lang="en-IN" dirty="0" smtClean="0"/>
+                        <a:t>Difference</a:t>
+                      </a:r>
+                      <a:endParaRPr lang="en-GB" dirty="0"/>
+                    </a:p>
+                  </a:txBody>
+                  <a:tcPr/>
+                </a:tc>
+              </a:tr>
+              <a:tr h="370840">
+                <a:tc>
+                  <a:txBody>
+                    <a:bodyPr/>
+                    <a:lstStyle/>
+                    <a:p>
+                      <a:r>
+                        <a:rPr lang="en-IN" dirty="0" smtClean="0"/>
+                        <a:t>Template, G1</a:t>
+                      </a:r>
+                      <a:endParaRPr lang="en-GB" dirty="0"/>
+                    </a:p>
+                  </a:txBody>
+                  <a:tcPr>
+                    <a:solidFill>
+                      <a:schemeClr val="accent6">
+                        <a:lumMod val="60000"/>
+                        <a:lumOff val="40000"/>
+                      </a:schemeClr>
+                    </a:solidFill>
+                  </a:tcPr>
+                </a:tc>
+                <a:tc>
+                  <a:txBody>
+                    <a:bodyPr/>
+                    <a:lstStyle/>
+                    <a:p>
+                      <a:r>
+                        <a:rPr lang="en-GB" dirty="0" smtClean="0">
+                          <a:effectLst/>
+                        </a:rPr>
+                        <a:t>0.00084</a:t>
+                      </a:r>
+                      <a:endParaRPr lang="en-GB" dirty="0"/>
+                    </a:p>
+                  </a:txBody>
+                  <a:tcPr>
+                    <a:solidFill>
+                      <a:schemeClr val="accent6">
+                        <a:lumMod val="60000"/>
+                        <a:lumOff val="40000"/>
+                      </a:schemeClr>
+                    </a:solidFill>
+                  </a:tcPr>
+                </a:tc>
+                <a:tc>
+                  <a:txBody>
+                    <a:bodyPr/>
+                    <a:lstStyle/>
+                    <a:p>
+                      <a:r>
+                        <a:rPr lang="en-GB" dirty="0" smtClean="0">
+                          <a:effectLst/>
+                        </a:rPr>
+                        <a:t>0.0001</a:t>
+                      </a:r>
+                      <a:endParaRPr lang="en-GB" dirty="0"/>
+                    </a:p>
+                  </a:txBody>
+                  <a:tcPr>
+                    <a:solidFill>
+                      <a:schemeClr val="accent6">
+                        <a:lumMod val="60000"/>
+                        <a:lumOff val="40000"/>
+                      </a:schemeClr>
+                    </a:solidFill>
+                  </a:tcPr>
+                </a:tc>
+                <a:tc>
+                  <a:txBody>
+                    <a:bodyPr/>
+                    <a:lstStyle/>
+                    <a:p>
+                      <a:pPr marL="0" marR="0" lvl="0" indent="0" algn="l" defTabSz="914400" rtl="0" eaLnBrk="1" fontAlgn="auto" latinLnBrk="0" hangingPunct="1">
+                        <a:lnSpc>
+                          <a:spcPct val="100000"/>
+                        </a:lnSpc>
+                        <a:spcBef>
+                          <a:spcPts val="0"/>
+                        </a:spcBef>
+                        <a:spcAft>
+                          <a:spcPts val="0"/>
+                        </a:spcAft>
+                        <a:buClrTx/>
+                        <a:buSzTx/>
+                        <a:buFontTx/>
+                        <a:buNone/>
+                        <a:tabLst/>
+                        <a:defRPr/>
+                      </a:pPr>
+                      <a:r>
+                        <a:rPr lang="en-IN" dirty="0" err="1" smtClean="0"/>
+                        <a:t>per.loc</a:t>
+                      </a:r>
+                      <a:r>
+                        <a:rPr lang="en-GB" dirty="0" smtClean="0"/>
+                        <a:t>&gt;</a:t>
+                      </a:r>
+                      <a:r>
+                        <a:rPr lang="en-IN" dirty="0" err="1" smtClean="0"/>
+                        <a:t>per.size</a:t>
+                      </a:r>
+                      <a:r>
+                        <a:rPr lang="en-IN" dirty="0" smtClean="0"/>
+                        <a:t>&gt;</a:t>
+                      </a:r>
+                      <a:r>
+                        <a:rPr lang="en-IN" dirty="0" err="1" smtClean="0"/>
+                        <a:t>per.shape</a:t>
+                      </a:r>
+                      <a:endParaRPr lang="en-GB" dirty="0"/>
+                    </a:p>
+                  </a:txBody>
+                  <a:tcPr>
+                    <a:solidFill>
+                      <a:schemeClr val="accent6">
+                        <a:lumMod val="60000"/>
+                        <a:lumOff val="40000"/>
+                      </a:schemeClr>
+                    </a:solidFill>
+                  </a:tcPr>
+                </a:tc>
+              </a:tr>
+              <a:tr h="370840">
+                <a:tc>
+                  <a:txBody>
+                    <a:bodyPr/>
+                    <a:lstStyle/>
+                    <a:p>
+                      <a:pPr marL="0" marR="0" lvl="0" indent="0" algn="l" defTabSz="914400" rtl="0" eaLnBrk="1" fontAlgn="auto" latinLnBrk="0" hangingPunct="1">
+                        <a:lnSpc>
+                          <a:spcPct val="100000"/>
+                        </a:lnSpc>
+                        <a:spcBef>
+                          <a:spcPts val="0"/>
+                        </a:spcBef>
+                        <a:spcAft>
+                          <a:spcPts val="0"/>
+                        </a:spcAft>
+                        <a:buClrTx/>
+                        <a:buSzTx/>
+                        <a:buFontTx/>
+                        <a:buNone/>
+                        <a:tabLst/>
+                        <a:defRPr/>
+                      </a:pPr>
+                      <a:r>
+                        <a:rPr lang="en-IN" dirty="0" smtClean="0"/>
+                        <a:t>Template, G2</a:t>
+                      </a:r>
+                      <a:endParaRPr lang="en-GB" dirty="0" smtClean="0"/>
+                    </a:p>
+                  </a:txBody>
+                  <a:tcPr>
+                    <a:solidFill>
+                      <a:schemeClr val="accent6">
+                        <a:lumMod val="60000"/>
+                        <a:lumOff val="40000"/>
+                      </a:schemeClr>
+                    </a:solidFill>
+                  </a:tcPr>
+                </a:tc>
+                <a:tc>
+                  <a:txBody>
+                    <a:bodyPr/>
+                    <a:lstStyle/>
+                    <a:p>
+                      <a:r>
+                        <a:rPr lang="en-GB" dirty="0" smtClean="0">
+                          <a:effectLst/>
+                        </a:rPr>
+                        <a:t>0.00391</a:t>
+                      </a:r>
+                      <a:endParaRPr lang="en-GB" dirty="0"/>
+                    </a:p>
+                  </a:txBody>
+                  <a:tcPr>
+                    <a:solidFill>
+                      <a:schemeClr val="accent6">
+                        <a:lumMod val="60000"/>
+                        <a:lumOff val="40000"/>
+                      </a:schemeClr>
+                    </a:solidFill>
+                  </a:tcPr>
+                </a:tc>
+                <a:tc>
+                  <a:txBody>
+                    <a:bodyPr/>
+                    <a:lstStyle/>
+                    <a:p>
+                      <a:r>
+                        <a:rPr lang="en-GB" dirty="0" smtClean="0">
+                          <a:effectLst/>
+                        </a:rPr>
+                        <a:t>0.0001</a:t>
+                      </a:r>
+                      <a:endParaRPr lang="en-GB" dirty="0"/>
+                    </a:p>
+                  </a:txBody>
+                  <a:tcPr>
+                    <a:solidFill>
+                      <a:schemeClr val="accent6">
+                        <a:lumMod val="60000"/>
+                        <a:lumOff val="40000"/>
+                      </a:schemeClr>
+                    </a:solidFill>
+                  </a:tcPr>
+                </a:tc>
+                <a:tc>
+                  <a:txBody>
+                    <a:bodyPr/>
+                    <a:lstStyle/>
+                    <a:p>
+                      <a:pPr marL="0" marR="0" lvl="0" indent="0" algn="l" defTabSz="914400" rtl="0" eaLnBrk="1" fontAlgn="auto" latinLnBrk="0" hangingPunct="1">
+                        <a:lnSpc>
+                          <a:spcPct val="100000"/>
+                        </a:lnSpc>
+                        <a:spcBef>
+                          <a:spcPts val="0"/>
+                        </a:spcBef>
+                        <a:spcAft>
+                          <a:spcPts val="0"/>
+                        </a:spcAft>
+                        <a:buClrTx/>
+                        <a:buSzTx/>
+                        <a:buFontTx/>
+                        <a:buNone/>
+                        <a:tabLst/>
+                        <a:defRPr/>
+                      </a:pPr>
+                      <a:r>
+                        <a:rPr lang="en-IN" dirty="0" err="1" smtClean="0"/>
+                        <a:t>per.loc</a:t>
+                      </a:r>
+                      <a:r>
+                        <a:rPr lang="en-GB" dirty="0" smtClean="0"/>
+                        <a:t>&gt;</a:t>
+                      </a:r>
+                      <a:r>
+                        <a:rPr lang="en-IN" dirty="0" err="1" smtClean="0"/>
+                        <a:t>per.size</a:t>
+                      </a:r>
+                      <a:r>
+                        <a:rPr lang="en-IN" dirty="0" smtClean="0"/>
+                        <a:t>&gt;</a:t>
+                      </a:r>
+                      <a:r>
+                        <a:rPr lang="en-IN" dirty="0" err="1" smtClean="0"/>
+                        <a:t>per.shape</a:t>
+                      </a:r>
+                      <a:endParaRPr lang="en-GB" dirty="0"/>
+                    </a:p>
+                  </a:txBody>
+                  <a:tcPr>
+                    <a:solidFill>
+                      <a:schemeClr val="accent6">
+                        <a:lumMod val="60000"/>
+                        <a:lumOff val="40000"/>
+                      </a:schemeClr>
+                    </a:solidFill>
+                  </a:tcPr>
+                </a:tc>
+              </a:tr>
+              <a:tr h="370840">
+                <a:tc>
+                  <a:txBody>
+                    <a:bodyPr/>
+                    <a:lstStyle/>
+                    <a:p>
+                      <a:pPr marL="0" marR="0" lvl="0" indent="0" algn="l" defTabSz="914400" rtl="0" eaLnBrk="1" fontAlgn="auto" latinLnBrk="0" hangingPunct="1">
+                        <a:lnSpc>
+                          <a:spcPct val="100000"/>
+                        </a:lnSpc>
+                        <a:spcBef>
+                          <a:spcPts val="0"/>
+                        </a:spcBef>
+                        <a:spcAft>
+                          <a:spcPts val="0"/>
+                        </a:spcAft>
+                        <a:buClrTx/>
+                        <a:buSzTx/>
+                        <a:buFontTx/>
+                        <a:buNone/>
+                        <a:tabLst/>
+                        <a:defRPr/>
+                      </a:pPr>
+                      <a:r>
+                        <a:rPr lang="en-IN" dirty="0" smtClean="0"/>
+                        <a:t>Template, G3</a:t>
+                      </a:r>
+                      <a:endParaRPr lang="en-GB" dirty="0" smtClean="0"/>
+                    </a:p>
+                  </a:txBody>
+                  <a:tcPr>
+                    <a:solidFill>
+                      <a:schemeClr val="accent6">
+                        <a:lumMod val="60000"/>
+                        <a:lumOff val="40000"/>
+                      </a:schemeClr>
+                    </a:solidFill>
+                  </a:tcPr>
+                </a:tc>
+                <a:tc>
+                  <a:txBody>
+                    <a:bodyPr/>
+                    <a:lstStyle/>
+                    <a:p>
+                      <a:r>
+                        <a:rPr lang="en-GB" dirty="0" smtClean="0">
+                          <a:effectLst/>
+                        </a:rPr>
+                        <a:t>0.00017</a:t>
+                      </a:r>
+                      <a:endParaRPr lang="en-GB" dirty="0"/>
+                    </a:p>
+                  </a:txBody>
+                  <a:tcPr>
+                    <a:solidFill>
+                      <a:schemeClr val="accent6">
+                        <a:lumMod val="60000"/>
+                        <a:lumOff val="40000"/>
+                      </a:schemeClr>
+                    </a:solidFill>
+                  </a:tcPr>
+                </a:tc>
+                <a:tc>
+                  <a:txBody>
+                    <a:bodyPr/>
+                    <a:lstStyle/>
+                    <a:p>
+                      <a:r>
+                        <a:rPr lang="en-GB" dirty="0" smtClean="0">
+                          <a:effectLst/>
+                        </a:rPr>
+                        <a:t>0.0166</a:t>
+                      </a:r>
+                      <a:endParaRPr lang="en-GB" dirty="0"/>
+                    </a:p>
+                  </a:txBody>
+                  <a:tcPr>
+                    <a:solidFill>
+                      <a:schemeClr val="accent6">
+                        <a:lumMod val="60000"/>
+                        <a:lumOff val="40000"/>
+                      </a:schemeClr>
+                    </a:solidFill>
+                  </a:tcPr>
+                </a:tc>
+                <a:tc>
+                  <a:txBody>
+                    <a:bodyPr/>
+                    <a:lstStyle/>
+                    <a:p>
+                      <a:pPr marL="0" marR="0" lvl="0" indent="0" algn="l" defTabSz="914400" rtl="0" eaLnBrk="1" fontAlgn="auto" latinLnBrk="0" hangingPunct="1">
+                        <a:lnSpc>
+                          <a:spcPct val="100000"/>
+                        </a:lnSpc>
+                        <a:spcBef>
+                          <a:spcPts val="0"/>
+                        </a:spcBef>
+                        <a:spcAft>
+                          <a:spcPts val="0"/>
+                        </a:spcAft>
+                        <a:buClrTx/>
+                        <a:buSzTx/>
+                        <a:buFontTx/>
+                        <a:buNone/>
+                        <a:tabLst/>
+                        <a:defRPr/>
+                      </a:pPr>
+                      <a:r>
+                        <a:rPr lang="en-IN" dirty="0" err="1" smtClean="0"/>
+                        <a:t>per.loc</a:t>
+                      </a:r>
+                      <a:r>
+                        <a:rPr lang="en-IN" dirty="0" smtClean="0"/>
+                        <a:t>&gt;</a:t>
+                      </a:r>
+                      <a:r>
+                        <a:rPr lang="en-IN" dirty="0" err="1" smtClean="0"/>
+                        <a:t>per.shape</a:t>
+                      </a:r>
+                      <a:r>
+                        <a:rPr lang="en-GB" dirty="0" smtClean="0"/>
+                        <a:t>&gt;</a:t>
+                      </a:r>
+                      <a:r>
+                        <a:rPr lang="en-IN" dirty="0" err="1" smtClean="0"/>
+                        <a:t>per.size</a:t>
+                      </a:r>
+                      <a:endParaRPr lang="en-GB" dirty="0"/>
+                    </a:p>
+                  </a:txBody>
+                  <a:tcPr>
+                    <a:solidFill>
+                      <a:schemeClr val="accent6">
+                        <a:lumMod val="60000"/>
+                        <a:lumOff val="40000"/>
+                      </a:schemeClr>
+                    </a:solidFill>
+                  </a:tcPr>
+                </a:tc>
+              </a:tr>
+              <a:tr h="370840">
+                <a:tc>
+                  <a:txBody>
+                    <a:bodyPr/>
+                    <a:lstStyle/>
+                    <a:p>
+                      <a:pPr marL="0" marR="0" lvl="0" indent="0" algn="l" defTabSz="914400" rtl="0" eaLnBrk="1" fontAlgn="auto" latinLnBrk="0" hangingPunct="1">
+                        <a:lnSpc>
+                          <a:spcPct val="100000"/>
+                        </a:lnSpc>
+                        <a:spcBef>
+                          <a:spcPts val="0"/>
+                        </a:spcBef>
+                        <a:spcAft>
+                          <a:spcPts val="0"/>
+                        </a:spcAft>
+                        <a:buClrTx/>
+                        <a:buSzTx/>
+                        <a:buFontTx/>
+                        <a:buNone/>
+                        <a:tabLst/>
+                        <a:defRPr/>
+                      </a:pPr>
+                      <a:r>
+                        <a:rPr lang="en-IN" dirty="0" smtClean="0"/>
+                        <a:t>Template, G4</a:t>
+                      </a:r>
+                      <a:endParaRPr lang="en-GB" dirty="0" smtClean="0"/>
+                    </a:p>
+                  </a:txBody>
+                  <a:tcPr/>
+                </a:tc>
+                <a:tc>
+                  <a:txBody>
+                    <a:bodyPr/>
+                    <a:lstStyle/>
+                    <a:p>
+                      <a:r>
+                        <a:rPr lang="en-GB" dirty="0" smtClean="0">
+                          <a:effectLst/>
+                        </a:rPr>
+                        <a:t>0.00895</a:t>
+                      </a:r>
+                      <a:endParaRPr lang="en-GB" dirty="0"/>
+                    </a:p>
+                  </a:txBody>
+                  <a:tcPr/>
+                </a:tc>
+                <a:tc>
+                  <a:txBody>
+                    <a:bodyPr/>
+                    <a:lstStyle/>
+                    <a:p>
+                      <a:r>
+                        <a:rPr lang="en-GB" dirty="0" smtClean="0">
+                          <a:effectLst/>
+                        </a:rPr>
+                        <a:t>0.0001</a:t>
+                      </a:r>
+                      <a:endParaRPr lang="en-GB" dirty="0"/>
+                    </a:p>
+                  </a:txBody>
+                  <a:tcPr/>
+                </a:tc>
+                <a:tc>
+                  <a:txBody>
+                    <a:bodyPr/>
+                    <a:lstStyle/>
+                    <a:p>
+                      <a:pPr marL="0" marR="0" lvl="0" indent="0" algn="l" defTabSz="914400" rtl="0" eaLnBrk="1" fontAlgn="auto" latinLnBrk="0" hangingPunct="1">
+                        <a:lnSpc>
+                          <a:spcPct val="100000"/>
+                        </a:lnSpc>
+                        <a:spcBef>
+                          <a:spcPts val="0"/>
+                        </a:spcBef>
+                        <a:spcAft>
+                          <a:spcPts val="0"/>
+                        </a:spcAft>
+                        <a:buClrTx/>
+                        <a:buSzTx/>
+                        <a:buFontTx/>
+                        <a:buNone/>
+                        <a:tabLst/>
+                        <a:defRPr/>
+                      </a:pPr>
+                      <a:r>
+                        <a:rPr lang="en-IN" dirty="0" err="1" smtClean="0"/>
+                        <a:t>per.loc</a:t>
+                      </a:r>
+                      <a:r>
+                        <a:rPr lang="en-GB" dirty="0" smtClean="0"/>
+                        <a:t>&gt;</a:t>
+                      </a:r>
+                      <a:r>
+                        <a:rPr lang="en-IN" dirty="0" err="1" smtClean="0"/>
+                        <a:t>per.size</a:t>
+                      </a:r>
+                      <a:r>
+                        <a:rPr lang="en-IN" dirty="0" smtClean="0"/>
+                        <a:t>&gt;</a:t>
+                      </a:r>
+                      <a:r>
+                        <a:rPr lang="en-IN" dirty="0" err="1" smtClean="0"/>
+                        <a:t>per.shape</a:t>
+                      </a:r>
+                      <a:endParaRPr lang="en-GB" dirty="0"/>
+                    </a:p>
+                  </a:txBody>
+                  <a:tcPr/>
+                </a:tc>
+              </a:tr>
+              <a:tr h="370840">
+                <a:tc>
+                  <a:txBody>
+                    <a:bodyPr/>
+                    <a:lstStyle/>
+                    <a:p>
+                      <a:pPr marL="0" marR="0" lvl="0" indent="0" algn="l" defTabSz="914400" rtl="0" eaLnBrk="1" fontAlgn="auto" latinLnBrk="0" hangingPunct="1">
+                        <a:lnSpc>
+                          <a:spcPct val="100000"/>
+                        </a:lnSpc>
+                        <a:spcBef>
+                          <a:spcPts val="0"/>
+                        </a:spcBef>
+                        <a:spcAft>
+                          <a:spcPts val="0"/>
+                        </a:spcAft>
+                        <a:buClrTx/>
+                        <a:buSzTx/>
+                        <a:buFontTx/>
+                        <a:buNone/>
+                        <a:tabLst/>
+                        <a:defRPr/>
+                      </a:pPr>
+                      <a:r>
+                        <a:rPr lang="en-IN" dirty="0" smtClean="0"/>
+                        <a:t>Template, G5</a:t>
+                      </a:r>
+                      <a:endParaRPr lang="en-GB" dirty="0" smtClean="0"/>
+                    </a:p>
+                  </a:txBody>
+                  <a:tcPr>
+                    <a:solidFill>
+                      <a:schemeClr val="accent1">
+                        <a:lumMod val="20000"/>
+                        <a:lumOff val="80000"/>
+                      </a:schemeClr>
+                    </a:solidFill>
+                  </a:tcPr>
+                </a:tc>
+                <a:tc>
+                  <a:txBody>
+                    <a:bodyPr/>
+                    <a:lstStyle/>
+                    <a:p>
+                      <a:r>
+                        <a:rPr lang="en-GB" dirty="0" smtClean="0">
+                          <a:effectLst/>
+                        </a:rPr>
+                        <a:t>0.00816</a:t>
+                      </a:r>
+                      <a:endParaRPr lang="en-GB" dirty="0"/>
+                    </a:p>
+                  </a:txBody>
+                  <a:tcPr>
+                    <a:solidFill>
+                      <a:schemeClr val="accent1">
+                        <a:lumMod val="20000"/>
+                        <a:lumOff val="80000"/>
+                      </a:schemeClr>
+                    </a:solidFill>
+                  </a:tcPr>
+                </a:tc>
+                <a:tc>
+                  <a:txBody>
+                    <a:bodyPr/>
+                    <a:lstStyle/>
+                    <a:p>
+                      <a:r>
+                        <a:rPr lang="en-GB" dirty="0" smtClean="0">
+                          <a:effectLst/>
+                        </a:rPr>
+                        <a:t>0.0001</a:t>
+                      </a:r>
+                      <a:endParaRPr lang="en-GB" dirty="0"/>
+                    </a:p>
+                  </a:txBody>
+                  <a:tcPr>
+                    <a:solidFill>
+                      <a:schemeClr val="accent1">
+                        <a:lumMod val="20000"/>
+                        <a:lumOff val="80000"/>
+                      </a:schemeClr>
+                    </a:solidFill>
+                  </a:tcPr>
+                </a:tc>
+                <a:tc>
+                  <a:txBody>
+                    <a:bodyPr/>
+                    <a:lstStyle/>
+                    <a:p>
+                      <a:pPr marL="0" marR="0" lvl="0" indent="0" algn="l" defTabSz="914400" rtl="0" eaLnBrk="1" fontAlgn="auto" latinLnBrk="0" hangingPunct="1">
+                        <a:lnSpc>
+                          <a:spcPct val="100000"/>
+                        </a:lnSpc>
+                        <a:spcBef>
+                          <a:spcPts val="0"/>
+                        </a:spcBef>
+                        <a:spcAft>
+                          <a:spcPts val="0"/>
+                        </a:spcAft>
+                        <a:buClrTx/>
+                        <a:buSzTx/>
+                        <a:buFontTx/>
+                        <a:buNone/>
+                        <a:tabLst/>
+                        <a:defRPr/>
+                      </a:pPr>
+                      <a:r>
+                        <a:rPr lang="en-IN" dirty="0" err="1" smtClean="0"/>
+                        <a:t>per.loc</a:t>
+                      </a:r>
+                      <a:r>
+                        <a:rPr lang="en-GB" dirty="0" smtClean="0"/>
+                        <a:t>&gt;</a:t>
+                      </a:r>
+                      <a:r>
+                        <a:rPr lang="en-IN" dirty="0" err="1" smtClean="0"/>
+                        <a:t>per.size</a:t>
+                      </a:r>
+                      <a:r>
+                        <a:rPr lang="en-IN" dirty="0" smtClean="0"/>
+                        <a:t>&gt;</a:t>
+                      </a:r>
+                      <a:r>
+                        <a:rPr lang="en-IN" dirty="0" err="1" smtClean="0"/>
+                        <a:t>per.shape</a:t>
+                      </a:r>
+                      <a:endParaRPr lang="en-GB" dirty="0"/>
+                    </a:p>
+                  </a:txBody>
+                  <a:tcPr>
+                    <a:solidFill>
+                      <a:schemeClr val="accent1">
+                        <a:lumMod val="20000"/>
+                        <a:lumOff val="80000"/>
+                      </a:schemeClr>
+                    </a:solidFill>
+                  </a:tcPr>
+                </a:tc>
+              </a:tr>
+            </a:tbl>
+          </a:graphicData>
+        </a:graphic>
+      </p:graphicFrame>
+    </p:spTree>
+    <p:extLst>
+      <p:ext uri="{BB962C8B-B14F-4D97-AF65-F5344CB8AC3E}">
+        <p14:creationId xmlns:p14="http://schemas.microsoft.com/office/powerpoint/2010/main" val="3193803764"/>
+      </p:ext>
+    </p:extLst>
+  </p:cSld>
+  <p:clrMapOvr>
+    <a:masterClrMapping/>
+  </p:clrMapOvr>
+</p:sld>
+</file>
+
+<file path=ppt/slides/slide95.xml><?xml version="1.0" encoding="utf-8"?>
+<p:sld xmlns:a="http://schemas.openxmlformats.org/drawingml/2006/main" xmlns:r="http://schemas.openxmlformats.org/officeDocument/2006/relationships" xmlns:p="http://schemas.openxmlformats.org/presentationml/2006/main">
+  <p:cSld>
+    <p:spTree>
+      <p:nvGrpSpPr>
+        <p:cNvPr id="1" name=""/>
+        <p:cNvGrpSpPr/>
+        <p:nvPr/>
+      </p:nvGrpSpPr>
+      <p:grpSpPr>
+        <a:xfrm>
+          <a:off x="0" y="0"/>
+          <a:ext cx="0" cy="0"/>
+          <a:chOff x="0" y="0"/>
+          <a:chExt cx="0" cy="0"/>
+        </a:xfrm>
+      </p:grpSpPr>
+      <p:sp>
+        <p:nvSpPr>
+          <p:cNvPr id="2" name="Title 1"/>
+          <p:cNvSpPr>
+            <a:spLocks noGrp="1"/>
+          </p:cNvSpPr>
+          <p:nvPr>
+            <p:ph type="title"/>
+          </p:nvPr>
+        </p:nvSpPr>
+        <p:spPr/>
+        <p:txBody>
+          <a:bodyPr/>
+          <a:lstStyle/>
+          <a:p>
+            <a:r>
+              <a:rPr lang="en-IN" dirty="0" smtClean="0"/>
+              <a:t>Wasserstein Metric</a:t>
+            </a:r>
+            <a:br>
+              <a:rPr lang="en-IN" dirty="0" smtClean="0"/>
+            </a:br>
+            <a:r>
+              <a:rPr lang="en-IN" sz="2800" dirty="0" err="1" smtClean="0"/>
+              <a:t>Betweenness</a:t>
+            </a:r>
+            <a:endParaRPr lang="en-GB" dirty="0"/>
+          </a:p>
+        </p:txBody>
+      </p:sp>
+      <p:graphicFrame>
+        <p:nvGraphicFramePr>
+          <p:cNvPr id="4" name="Content Placeholder 3"/>
+          <p:cNvGraphicFramePr>
+            <a:graphicFrameLocks noGrp="1"/>
+          </p:cNvGraphicFramePr>
+          <p:nvPr>
+            <p:ph idx="1"/>
+            <p:extLst>
+              <p:ext uri="{D42A27DB-BD31-4B8C-83A1-F6EECF244321}">
+                <p14:modId xmlns:p14="http://schemas.microsoft.com/office/powerpoint/2010/main" val="1276401455"/>
+              </p:ext>
+            </p:extLst>
+          </p:nvPr>
+        </p:nvGraphicFramePr>
+        <p:xfrm>
+          <a:off x="838200" y="1834251"/>
+          <a:ext cx="10515600" cy="2225040"/>
+        </p:xfrm>
+        <a:graphic>
+          <a:graphicData uri="http://schemas.openxmlformats.org/drawingml/2006/table">
+            <a:tbl>
+              <a:tblPr firstRow="1" bandRow="1">
+                <a:tableStyleId>{5C22544A-7EE6-4342-B048-85BDC9FD1C3A}</a:tableStyleId>
+              </a:tblPr>
+              <a:tblGrid>
+                <a:gridCol w="2628900"/>
+                <a:gridCol w="2114191"/>
+                <a:gridCol w="1613139"/>
+                <a:gridCol w="4159370"/>
+              </a:tblGrid>
+              <a:tr h="370840">
+                <a:tc>
+                  <a:txBody>
+                    <a:bodyPr/>
+                    <a:lstStyle/>
+                    <a:p>
+                      <a:r>
+                        <a:rPr lang="en-IN" dirty="0" smtClean="0"/>
+                        <a:t>Graph Name</a:t>
+                      </a:r>
+                      <a:endParaRPr lang="en-GB" dirty="0"/>
+                    </a:p>
+                  </a:txBody>
+                  <a:tcPr/>
+                </a:tc>
+                <a:tc>
+                  <a:txBody>
+                    <a:bodyPr/>
+                    <a:lstStyle/>
+                    <a:p>
+                      <a:r>
+                        <a:rPr lang="en-IN" dirty="0" smtClean="0"/>
+                        <a:t>Wasserstein Metric</a:t>
+                      </a:r>
+                      <a:endParaRPr lang="en-GB" dirty="0"/>
+                    </a:p>
+                  </a:txBody>
+                  <a:tcPr/>
+                </a:tc>
+                <a:tc>
+                  <a:txBody>
+                    <a:bodyPr/>
+                    <a:lstStyle/>
+                    <a:p>
+                      <a:r>
+                        <a:rPr lang="en-IN" dirty="0" smtClean="0"/>
+                        <a:t>P-value</a:t>
+                      </a:r>
+                      <a:endParaRPr lang="en-GB" dirty="0"/>
+                    </a:p>
+                  </a:txBody>
+                  <a:tcPr/>
+                </a:tc>
+                <a:tc>
+                  <a:txBody>
+                    <a:bodyPr/>
+                    <a:lstStyle/>
+                    <a:p>
+                      <a:r>
+                        <a:rPr lang="en-IN" dirty="0" smtClean="0"/>
+                        <a:t>Difference</a:t>
+                      </a:r>
+                      <a:endParaRPr lang="en-GB" dirty="0"/>
+                    </a:p>
+                  </a:txBody>
+                  <a:tcPr/>
+                </a:tc>
+              </a:tr>
+              <a:tr h="370840">
+                <a:tc>
+                  <a:txBody>
+                    <a:bodyPr/>
+                    <a:lstStyle/>
+                    <a:p>
+                      <a:r>
+                        <a:rPr lang="en-IN" dirty="0" smtClean="0"/>
+                        <a:t>Template, G1</a:t>
+                      </a:r>
+                      <a:endParaRPr lang="en-GB" dirty="0"/>
+                    </a:p>
+                  </a:txBody>
+                  <a:tcPr>
+                    <a:solidFill>
+                      <a:schemeClr val="accent6">
+                        <a:lumMod val="40000"/>
+                        <a:lumOff val="60000"/>
+                      </a:schemeClr>
+                    </a:solidFill>
+                  </a:tcPr>
+                </a:tc>
+                <a:tc>
+                  <a:txBody>
+                    <a:bodyPr/>
+                    <a:lstStyle/>
+                    <a:p>
+                      <a:r>
+                        <a:rPr lang="en-GB" dirty="0" smtClean="0">
+                          <a:effectLst/>
+                        </a:rPr>
+                        <a:t>0</a:t>
+                      </a:r>
+                      <a:endParaRPr lang="en-GB" dirty="0"/>
+                    </a:p>
+                  </a:txBody>
+                  <a:tcPr>
+                    <a:solidFill>
+                      <a:schemeClr val="accent6">
+                        <a:lumMod val="40000"/>
+                        <a:lumOff val="60000"/>
+                      </a:schemeClr>
+                    </a:solidFill>
+                  </a:tcPr>
+                </a:tc>
+                <a:tc>
+                  <a:txBody>
+                    <a:bodyPr/>
+                    <a:lstStyle/>
+                    <a:p>
+                      <a:r>
+                        <a:rPr lang="en-GB" dirty="0" smtClean="0">
+                          <a:effectLst/>
+                        </a:rPr>
+                        <a:t>1</a:t>
+                      </a:r>
+                      <a:endParaRPr lang="en-GB" dirty="0"/>
+                    </a:p>
+                  </a:txBody>
+                  <a:tcPr>
+                    <a:solidFill>
+                      <a:schemeClr val="accent6">
+                        <a:lumMod val="40000"/>
+                        <a:lumOff val="60000"/>
+                      </a:schemeClr>
+                    </a:solidFill>
+                  </a:tcPr>
+                </a:tc>
+                <a:tc>
+                  <a:txBody>
+                    <a:bodyPr/>
+                    <a:lstStyle/>
+                    <a:p>
+                      <a:pPr marL="0" marR="0" lvl="0" indent="0" algn="l" defTabSz="914400" rtl="0" eaLnBrk="1" fontAlgn="auto" latinLnBrk="0" hangingPunct="1">
+                        <a:lnSpc>
+                          <a:spcPct val="100000"/>
+                        </a:lnSpc>
+                        <a:spcBef>
+                          <a:spcPts val="0"/>
+                        </a:spcBef>
+                        <a:spcAft>
+                          <a:spcPts val="0"/>
+                        </a:spcAft>
+                        <a:buClrTx/>
+                        <a:buSzTx/>
+                        <a:buFontTx/>
+                        <a:buNone/>
+                        <a:tabLst/>
+                        <a:defRPr/>
+                      </a:pPr>
+                      <a:r>
+                        <a:rPr lang="en-IN" dirty="0" err="1" smtClean="0"/>
+                        <a:t>NaN</a:t>
+                      </a:r>
+                      <a:endParaRPr lang="en-GB" dirty="0"/>
+                    </a:p>
+                  </a:txBody>
+                  <a:tcPr>
+                    <a:solidFill>
+                      <a:schemeClr val="accent6">
+                        <a:lumMod val="40000"/>
+                        <a:lumOff val="60000"/>
+                      </a:schemeClr>
+                    </a:solidFill>
+                  </a:tcPr>
+                </a:tc>
+              </a:tr>
+              <a:tr h="370840">
+                <a:tc>
+                  <a:txBody>
+                    <a:bodyPr/>
+                    <a:lstStyle/>
+                    <a:p>
+                      <a:pPr marL="0" marR="0" lvl="0" indent="0" algn="l" defTabSz="914400" rtl="0" eaLnBrk="1" fontAlgn="auto" latinLnBrk="0" hangingPunct="1">
+                        <a:lnSpc>
+                          <a:spcPct val="100000"/>
+                        </a:lnSpc>
+                        <a:spcBef>
+                          <a:spcPts val="0"/>
+                        </a:spcBef>
+                        <a:spcAft>
+                          <a:spcPts val="0"/>
+                        </a:spcAft>
+                        <a:buClrTx/>
+                        <a:buSzTx/>
+                        <a:buFontTx/>
+                        <a:buNone/>
+                        <a:tabLst/>
+                        <a:defRPr/>
+                      </a:pPr>
+                      <a:r>
+                        <a:rPr lang="en-IN" dirty="0" smtClean="0"/>
+                        <a:t>Template, G2</a:t>
+                      </a:r>
+                      <a:endParaRPr lang="en-GB" dirty="0" smtClean="0"/>
+                    </a:p>
+                  </a:txBody>
+                  <a:tcPr>
+                    <a:solidFill>
+                      <a:schemeClr val="accent6">
+                        <a:lumMod val="60000"/>
+                        <a:lumOff val="40000"/>
+                      </a:schemeClr>
+                    </a:solidFill>
+                  </a:tcPr>
+                </a:tc>
+                <a:tc>
+                  <a:txBody>
+                    <a:bodyPr/>
+                    <a:lstStyle/>
+                    <a:p>
+                      <a:r>
+                        <a:rPr lang="en-GB" dirty="0" smtClean="0">
+                          <a:effectLst/>
+                        </a:rPr>
+                        <a:t>0</a:t>
+                      </a:r>
+                      <a:endParaRPr lang="en-GB" dirty="0"/>
+                    </a:p>
+                  </a:txBody>
+                  <a:tcPr>
+                    <a:solidFill>
+                      <a:schemeClr val="accent6">
+                        <a:lumMod val="60000"/>
+                        <a:lumOff val="40000"/>
+                      </a:schemeClr>
+                    </a:solidFill>
+                  </a:tcPr>
+                </a:tc>
+                <a:tc>
+                  <a:txBody>
+                    <a:bodyPr/>
+                    <a:lstStyle/>
+                    <a:p>
+                      <a:r>
+                        <a:rPr lang="en-GB" dirty="0" smtClean="0">
+                          <a:effectLst/>
+                        </a:rPr>
+                        <a:t>1</a:t>
+                      </a:r>
+                      <a:endParaRPr lang="en-GB" dirty="0"/>
+                    </a:p>
+                  </a:txBody>
+                  <a:tcPr>
+                    <a:solidFill>
+                      <a:schemeClr val="accent6">
+                        <a:lumMod val="60000"/>
+                        <a:lumOff val="40000"/>
+                      </a:schemeClr>
+                    </a:solidFill>
+                  </a:tcPr>
+                </a:tc>
+                <a:tc>
+                  <a:txBody>
+                    <a:bodyPr/>
+                    <a:lstStyle/>
+                    <a:p>
+                      <a:pPr marL="0" marR="0" lvl="0" indent="0" algn="l" defTabSz="914400" rtl="0" eaLnBrk="1" fontAlgn="auto" latinLnBrk="0" hangingPunct="1">
+                        <a:lnSpc>
+                          <a:spcPct val="100000"/>
+                        </a:lnSpc>
+                        <a:spcBef>
+                          <a:spcPts val="0"/>
+                        </a:spcBef>
+                        <a:spcAft>
+                          <a:spcPts val="0"/>
+                        </a:spcAft>
+                        <a:buClrTx/>
+                        <a:buSzTx/>
+                        <a:buFontTx/>
+                        <a:buNone/>
+                        <a:tabLst/>
+                        <a:defRPr/>
+                      </a:pPr>
+                      <a:r>
+                        <a:rPr lang="en-IN" dirty="0" err="1" smtClean="0"/>
+                        <a:t>NaN</a:t>
+                      </a:r>
+                      <a:endParaRPr lang="en-GB" dirty="0"/>
+                    </a:p>
+                  </a:txBody>
+                  <a:tcPr>
+                    <a:solidFill>
+                      <a:schemeClr val="accent6">
+                        <a:lumMod val="60000"/>
+                        <a:lumOff val="40000"/>
+                      </a:schemeClr>
+                    </a:solidFill>
+                  </a:tcPr>
+                </a:tc>
+              </a:tr>
+              <a:tr h="370840">
+                <a:tc>
+                  <a:txBody>
+                    <a:bodyPr/>
+                    <a:lstStyle/>
+                    <a:p>
+                      <a:pPr marL="0" marR="0" lvl="0" indent="0" algn="l" defTabSz="914400" rtl="0" eaLnBrk="1" fontAlgn="auto" latinLnBrk="0" hangingPunct="1">
+                        <a:lnSpc>
+                          <a:spcPct val="100000"/>
+                        </a:lnSpc>
+                        <a:spcBef>
+                          <a:spcPts val="0"/>
+                        </a:spcBef>
+                        <a:spcAft>
+                          <a:spcPts val="0"/>
+                        </a:spcAft>
+                        <a:buClrTx/>
+                        <a:buSzTx/>
+                        <a:buFontTx/>
+                        <a:buNone/>
+                        <a:tabLst/>
+                        <a:defRPr/>
+                      </a:pPr>
+                      <a:r>
+                        <a:rPr lang="en-IN" dirty="0" smtClean="0"/>
+                        <a:t>Template, G3</a:t>
+                      </a:r>
+                      <a:endParaRPr lang="en-GB" dirty="0" smtClean="0"/>
+                    </a:p>
+                  </a:txBody>
+                  <a:tcPr>
+                    <a:solidFill>
+                      <a:schemeClr val="accent6">
+                        <a:lumMod val="40000"/>
+                        <a:lumOff val="60000"/>
+                      </a:schemeClr>
+                    </a:solidFill>
+                  </a:tcPr>
+                </a:tc>
+                <a:tc>
+                  <a:txBody>
+                    <a:bodyPr/>
+                    <a:lstStyle/>
+                    <a:p>
+                      <a:r>
+                        <a:rPr lang="en-GB" dirty="0" smtClean="0">
+                          <a:effectLst/>
+                        </a:rPr>
+                        <a:t>0</a:t>
+                      </a:r>
+                      <a:endParaRPr lang="en-GB" dirty="0"/>
+                    </a:p>
+                  </a:txBody>
+                  <a:tcPr>
+                    <a:solidFill>
+                      <a:schemeClr val="accent6">
+                        <a:lumMod val="40000"/>
+                        <a:lumOff val="60000"/>
+                      </a:schemeClr>
+                    </a:solidFill>
+                  </a:tcPr>
+                </a:tc>
+                <a:tc>
+                  <a:txBody>
+                    <a:bodyPr/>
+                    <a:lstStyle/>
+                    <a:p>
+                      <a:r>
+                        <a:rPr lang="en-GB" dirty="0" smtClean="0">
+                          <a:effectLst/>
+                        </a:rPr>
+                        <a:t>1</a:t>
+                      </a:r>
+                      <a:endParaRPr lang="en-GB" dirty="0"/>
+                    </a:p>
+                  </a:txBody>
+                  <a:tcPr>
+                    <a:solidFill>
+                      <a:schemeClr val="accent6">
+                        <a:lumMod val="40000"/>
+                        <a:lumOff val="60000"/>
+                      </a:schemeClr>
+                    </a:solidFill>
+                  </a:tcPr>
+                </a:tc>
+                <a:tc>
+                  <a:txBody>
+                    <a:bodyPr/>
+                    <a:lstStyle/>
+                    <a:p>
+                      <a:pPr marL="0" marR="0" lvl="0" indent="0" algn="l" defTabSz="914400" rtl="0" eaLnBrk="1" fontAlgn="auto" latinLnBrk="0" hangingPunct="1">
+                        <a:lnSpc>
+                          <a:spcPct val="100000"/>
+                        </a:lnSpc>
+                        <a:spcBef>
+                          <a:spcPts val="0"/>
+                        </a:spcBef>
+                        <a:spcAft>
+                          <a:spcPts val="0"/>
+                        </a:spcAft>
+                        <a:buClrTx/>
+                        <a:buSzTx/>
+                        <a:buFontTx/>
+                        <a:buNone/>
+                        <a:tabLst/>
+                        <a:defRPr/>
+                      </a:pPr>
+                      <a:r>
+                        <a:rPr lang="en-IN" dirty="0" err="1" smtClean="0"/>
+                        <a:t>NaN</a:t>
+                      </a:r>
+                      <a:endParaRPr lang="en-GB" dirty="0"/>
+                    </a:p>
+                  </a:txBody>
+                  <a:tcPr>
+                    <a:solidFill>
+                      <a:schemeClr val="accent6">
+                        <a:lumMod val="40000"/>
+                        <a:lumOff val="60000"/>
+                      </a:schemeClr>
+                    </a:solidFill>
+                  </a:tcPr>
+                </a:tc>
+              </a:tr>
+              <a:tr h="370840">
+                <a:tc>
+                  <a:txBody>
+                    <a:bodyPr/>
+                    <a:lstStyle/>
+                    <a:p>
+                      <a:pPr marL="0" marR="0" lvl="0" indent="0" algn="l" defTabSz="914400" rtl="0" eaLnBrk="1" fontAlgn="auto" latinLnBrk="0" hangingPunct="1">
+                        <a:lnSpc>
+                          <a:spcPct val="100000"/>
+                        </a:lnSpc>
+                        <a:spcBef>
+                          <a:spcPts val="0"/>
+                        </a:spcBef>
+                        <a:spcAft>
+                          <a:spcPts val="0"/>
+                        </a:spcAft>
+                        <a:buClrTx/>
+                        <a:buSzTx/>
+                        <a:buFontTx/>
+                        <a:buNone/>
+                        <a:tabLst/>
+                        <a:defRPr/>
+                      </a:pPr>
+                      <a:r>
+                        <a:rPr lang="en-IN" dirty="0" smtClean="0"/>
+                        <a:t>Template, G4</a:t>
+                      </a:r>
+                      <a:endParaRPr lang="en-GB" dirty="0" smtClean="0"/>
+                    </a:p>
+                  </a:txBody>
+                  <a:tcPr/>
+                </a:tc>
+                <a:tc>
+                  <a:txBody>
+                    <a:bodyPr/>
+                    <a:lstStyle/>
+                    <a:p>
+                      <a:r>
+                        <a:rPr lang="en-GB" dirty="0" smtClean="0">
+                          <a:effectLst/>
+                        </a:rPr>
+                        <a:t>0</a:t>
+                      </a:r>
+                      <a:endParaRPr lang="en-GB" dirty="0"/>
+                    </a:p>
+                  </a:txBody>
+                  <a:tcPr/>
+                </a:tc>
+                <a:tc>
+                  <a:txBody>
+                    <a:bodyPr/>
+                    <a:lstStyle/>
+                    <a:p>
+                      <a:r>
+                        <a:rPr lang="en-GB" dirty="0" smtClean="0">
+                          <a:effectLst/>
+                        </a:rPr>
+                        <a:t>1</a:t>
+                      </a:r>
+                      <a:endParaRPr lang="en-GB" dirty="0"/>
+                    </a:p>
+                  </a:txBody>
+                  <a:tcPr/>
+                </a:tc>
+                <a:tc>
+                  <a:txBody>
+                    <a:bodyPr/>
+                    <a:lstStyle/>
+                    <a:p>
+                      <a:pPr marL="0" marR="0" lvl="0" indent="0" algn="l" defTabSz="914400" rtl="0" eaLnBrk="1" fontAlgn="auto" latinLnBrk="0" hangingPunct="1">
+                        <a:lnSpc>
+                          <a:spcPct val="100000"/>
+                        </a:lnSpc>
+                        <a:spcBef>
+                          <a:spcPts val="0"/>
+                        </a:spcBef>
+                        <a:spcAft>
+                          <a:spcPts val="0"/>
+                        </a:spcAft>
+                        <a:buClrTx/>
+                        <a:buSzTx/>
+                        <a:buFontTx/>
+                        <a:buNone/>
+                        <a:tabLst/>
+                        <a:defRPr/>
+                      </a:pPr>
+                      <a:r>
+                        <a:rPr lang="en-IN" dirty="0" err="1" smtClean="0"/>
+                        <a:t>NaN</a:t>
+                      </a:r>
+                      <a:endParaRPr lang="en-GB" dirty="0"/>
+                    </a:p>
+                  </a:txBody>
+                  <a:tcPr/>
+                </a:tc>
+              </a:tr>
+              <a:tr h="370840">
+                <a:tc>
+                  <a:txBody>
+                    <a:bodyPr/>
+                    <a:lstStyle/>
+                    <a:p>
+                      <a:pPr marL="0" marR="0" lvl="0" indent="0" algn="l" defTabSz="914400" rtl="0" eaLnBrk="1" fontAlgn="auto" latinLnBrk="0" hangingPunct="1">
+                        <a:lnSpc>
+                          <a:spcPct val="100000"/>
+                        </a:lnSpc>
+                        <a:spcBef>
+                          <a:spcPts val="0"/>
+                        </a:spcBef>
+                        <a:spcAft>
+                          <a:spcPts val="0"/>
+                        </a:spcAft>
+                        <a:buClrTx/>
+                        <a:buSzTx/>
+                        <a:buFontTx/>
+                        <a:buNone/>
+                        <a:tabLst/>
+                        <a:defRPr/>
+                      </a:pPr>
+                      <a:r>
+                        <a:rPr lang="en-IN" dirty="0" smtClean="0"/>
+                        <a:t>Template, G5</a:t>
+                      </a:r>
+                      <a:endParaRPr lang="en-GB" dirty="0" smtClean="0"/>
+                    </a:p>
+                  </a:txBody>
+                  <a:tcPr>
+                    <a:solidFill>
+                      <a:schemeClr val="accent1">
+                        <a:lumMod val="20000"/>
+                        <a:lumOff val="80000"/>
+                      </a:schemeClr>
+                    </a:solidFill>
+                  </a:tcPr>
+                </a:tc>
+                <a:tc>
+                  <a:txBody>
+                    <a:bodyPr/>
+                    <a:lstStyle/>
+                    <a:p>
+                      <a:r>
+                        <a:rPr lang="en-GB" dirty="0" smtClean="0">
+                          <a:effectLst/>
+                        </a:rPr>
+                        <a:t>0</a:t>
+                      </a:r>
+                      <a:endParaRPr lang="en-GB" dirty="0"/>
+                    </a:p>
+                  </a:txBody>
+                  <a:tcPr>
+                    <a:solidFill>
+                      <a:schemeClr val="accent1">
+                        <a:lumMod val="20000"/>
+                        <a:lumOff val="80000"/>
+                      </a:schemeClr>
+                    </a:solidFill>
+                  </a:tcPr>
+                </a:tc>
+                <a:tc>
+                  <a:txBody>
+                    <a:bodyPr/>
+                    <a:lstStyle/>
+                    <a:p>
+                      <a:r>
+                        <a:rPr lang="en-GB" dirty="0" smtClean="0">
+                          <a:effectLst/>
+                        </a:rPr>
+                        <a:t>1</a:t>
+                      </a:r>
+                      <a:endParaRPr lang="en-GB" dirty="0"/>
+                    </a:p>
+                  </a:txBody>
+                  <a:tcPr>
+                    <a:solidFill>
+                      <a:schemeClr val="accent1">
+                        <a:lumMod val="20000"/>
+                        <a:lumOff val="80000"/>
+                      </a:schemeClr>
+                    </a:solidFill>
+                  </a:tcPr>
+                </a:tc>
+                <a:tc>
+                  <a:txBody>
+                    <a:bodyPr/>
+                    <a:lstStyle/>
+                    <a:p>
+                      <a:pPr marL="0" marR="0" lvl="0" indent="0" algn="l" defTabSz="914400" rtl="0" eaLnBrk="1" fontAlgn="auto" latinLnBrk="0" hangingPunct="1">
+                        <a:lnSpc>
+                          <a:spcPct val="100000"/>
+                        </a:lnSpc>
+                        <a:spcBef>
+                          <a:spcPts val="0"/>
+                        </a:spcBef>
+                        <a:spcAft>
+                          <a:spcPts val="0"/>
+                        </a:spcAft>
+                        <a:buClrTx/>
+                        <a:buSzTx/>
+                        <a:buFontTx/>
+                        <a:buNone/>
+                        <a:tabLst/>
+                        <a:defRPr/>
+                      </a:pPr>
+                      <a:r>
+                        <a:rPr lang="en-IN" dirty="0" err="1" smtClean="0"/>
+                        <a:t>NaN</a:t>
+                      </a:r>
+                      <a:endParaRPr lang="en-GB" dirty="0"/>
+                    </a:p>
+                  </a:txBody>
+                  <a:tcPr>
+                    <a:solidFill>
+                      <a:schemeClr val="accent1">
+                        <a:lumMod val="20000"/>
+                        <a:lumOff val="80000"/>
+                      </a:schemeClr>
+                    </a:solidFill>
+                  </a:tcPr>
+                </a:tc>
+              </a:tr>
+            </a:tbl>
+          </a:graphicData>
+        </a:graphic>
+      </p:graphicFrame>
+    </p:spTree>
+    <p:extLst>
+      <p:ext uri="{BB962C8B-B14F-4D97-AF65-F5344CB8AC3E}">
+        <p14:creationId xmlns:p14="http://schemas.microsoft.com/office/powerpoint/2010/main" val="1048457074"/>
+      </p:ext>
+    </p:extLst>
+  </p:cSld>
+  <p:clrMapOvr>
+    <a:masterClrMapping/>
+  </p:clrMapOvr>
+</p:sld>
+</file>
+
+<file path=ppt/slides/slide96.xml><?xml version="1.0" encoding="utf-8"?>
+<p:sld xmlns:a="http://schemas.openxmlformats.org/drawingml/2006/main" xmlns:r="http://schemas.openxmlformats.org/officeDocument/2006/relationships" xmlns:p="http://schemas.openxmlformats.org/presentationml/2006/main">
+  <p:cSld>
+    <p:spTree>
+      <p:nvGrpSpPr>
+        <p:cNvPr id="1" name=""/>
+        <p:cNvGrpSpPr/>
+        <p:nvPr/>
+      </p:nvGrpSpPr>
+      <p:grpSpPr>
+        <a:xfrm>
+          <a:off x="0" y="0"/>
+          <a:ext cx="0" cy="0"/>
+          <a:chOff x="0" y="0"/>
+          <a:chExt cx="0" cy="0"/>
+        </a:xfrm>
+      </p:grpSpPr>
+      <p:sp>
+        <p:nvSpPr>
+          <p:cNvPr id="2" name="Title 1"/>
+          <p:cNvSpPr>
+            <a:spLocks noGrp="1"/>
+          </p:cNvSpPr>
+          <p:nvPr>
+            <p:ph type="title"/>
+          </p:nvPr>
+        </p:nvSpPr>
+        <p:spPr/>
+        <p:txBody>
+          <a:bodyPr/>
+          <a:lstStyle/>
+          <a:p>
+            <a:r>
+              <a:rPr lang="en-IN" dirty="0" smtClean="0"/>
+              <a:t>Wasserstein Metric</a:t>
+            </a:r>
+            <a:br>
+              <a:rPr lang="en-IN" dirty="0" smtClean="0"/>
+            </a:br>
+            <a:r>
+              <a:rPr lang="en-IN" sz="2800" dirty="0" smtClean="0"/>
+              <a:t>Eigen Centrality</a:t>
+            </a:r>
+            <a:endParaRPr lang="en-GB" dirty="0"/>
+          </a:p>
+        </p:txBody>
+      </p:sp>
+      <p:graphicFrame>
+        <p:nvGraphicFramePr>
+          <p:cNvPr id="4" name="Content Placeholder 3"/>
+          <p:cNvGraphicFramePr>
+            <a:graphicFrameLocks noGrp="1"/>
+          </p:cNvGraphicFramePr>
+          <p:nvPr>
+            <p:ph idx="1"/>
+            <p:extLst>
+              <p:ext uri="{D42A27DB-BD31-4B8C-83A1-F6EECF244321}">
+                <p14:modId xmlns:p14="http://schemas.microsoft.com/office/powerpoint/2010/main" val="3490590545"/>
+              </p:ext>
+            </p:extLst>
+          </p:nvPr>
+        </p:nvGraphicFramePr>
+        <p:xfrm>
+          <a:off x="838200" y="1834251"/>
+          <a:ext cx="10515600" cy="2225040"/>
+        </p:xfrm>
+        <a:graphic>
+          <a:graphicData uri="http://schemas.openxmlformats.org/drawingml/2006/table">
+            <a:tbl>
+              <a:tblPr firstRow="1" bandRow="1">
+                <a:tableStyleId>{5C22544A-7EE6-4342-B048-85BDC9FD1C3A}</a:tableStyleId>
+              </a:tblPr>
+              <a:tblGrid>
+                <a:gridCol w="2628900"/>
+                <a:gridCol w="2114191"/>
+                <a:gridCol w="1613139"/>
+                <a:gridCol w="4159370"/>
+              </a:tblGrid>
+              <a:tr h="370840">
+                <a:tc>
+                  <a:txBody>
+                    <a:bodyPr/>
+                    <a:lstStyle/>
+                    <a:p>
+                      <a:r>
+                        <a:rPr lang="en-IN" dirty="0" smtClean="0"/>
+                        <a:t>Graph Name</a:t>
+                      </a:r>
+                      <a:endParaRPr lang="en-GB" dirty="0"/>
+                    </a:p>
+                  </a:txBody>
+                  <a:tcPr/>
+                </a:tc>
+                <a:tc>
+                  <a:txBody>
+                    <a:bodyPr/>
+                    <a:lstStyle/>
+                    <a:p>
+                      <a:r>
+                        <a:rPr lang="en-IN" dirty="0" smtClean="0"/>
+                        <a:t>Wasserstein Metric</a:t>
+                      </a:r>
+                      <a:endParaRPr lang="en-GB" dirty="0"/>
+                    </a:p>
+                  </a:txBody>
+                  <a:tcPr/>
+                </a:tc>
+                <a:tc>
+                  <a:txBody>
+                    <a:bodyPr/>
+                    <a:lstStyle/>
+                    <a:p>
+                      <a:r>
+                        <a:rPr lang="en-IN" dirty="0" smtClean="0"/>
+                        <a:t>P-value</a:t>
+                      </a:r>
+                      <a:endParaRPr lang="en-GB" dirty="0"/>
+                    </a:p>
+                  </a:txBody>
+                  <a:tcPr/>
+                </a:tc>
+                <a:tc>
+                  <a:txBody>
+                    <a:bodyPr/>
+                    <a:lstStyle/>
+                    <a:p>
+                      <a:r>
+                        <a:rPr lang="en-IN" dirty="0" smtClean="0"/>
+                        <a:t>Difference</a:t>
+                      </a:r>
+                      <a:endParaRPr lang="en-GB" dirty="0"/>
+                    </a:p>
+                  </a:txBody>
+                  <a:tcPr/>
+                </a:tc>
+              </a:tr>
+              <a:tr h="370840">
+                <a:tc>
+                  <a:txBody>
+                    <a:bodyPr/>
+                    <a:lstStyle/>
+                    <a:p>
+                      <a:r>
+                        <a:rPr lang="en-IN" dirty="0" smtClean="0"/>
+                        <a:t>Template, G1</a:t>
+                      </a:r>
+                      <a:endParaRPr lang="en-GB" dirty="0"/>
+                    </a:p>
+                  </a:txBody>
+                  <a:tcPr>
+                    <a:solidFill>
+                      <a:schemeClr val="accent6">
+                        <a:lumMod val="40000"/>
+                        <a:lumOff val="60000"/>
+                      </a:schemeClr>
+                    </a:solidFill>
+                  </a:tcPr>
+                </a:tc>
+                <a:tc>
+                  <a:txBody>
+                    <a:bodyPr/>
+                    <a:lstStyle/>
+                    <a:p>
+                      <a:r>
+                        <a:rPr lang="en-GB" dirty="0" smtClean="0">
+                          <a:effectLst/>
+                        </a:rPr>
+                        <a:t>0.056</a:t>
+                      </a:r>
+                      <a:endParaRPr lang="en-GB" dirty="0"/>
+                    </a:p>
+                  </a:txBody>
+                  <a:tcPr>
+                    <a:solidFill>
+                      <a:schemeClr val="accent6">
+                        <a:lumMod val="40000"/>
+                        <a:lumOff val="60000"/>
+                      </a:schemeClr>
+                    </a:solidFill>
+                  </a:tcPr>
+                </a:tc>
+                <a:tc>
+                  <a:txBody>
+                    <a:bodyPr/>
+                    <a:lstStyle/>
+                    <a:p>
+                      <a:r>
+                        <a:rPr lang="en-GB" dirty="0" smtClean="0">
+                          <a:effectLst/>
+                        </a:rPr>
+                        <a:t>0.798</a:t>
+                      </a:r>
+                      <a:endParaRPr lang="en-GB" dirty="0"/>
+                    </a:p>
+                  </a:txBody>
+                  <a:tcPr>
+                    <a:solidFill>
+                      <a:schemeClr val="accent6">
+                        <a:lumMod val="40000"/>
+                        <a:lumOff val="60000"/>
+                      </a:schemeClr>
+                    </a:solidFill>
+                  </a:tcPr>
+                </a:tc>
+                <a:tc>
+                  <a:txBody>
+                    <a:bodyPr/>
+                    <a:lstStyle/>
+                    <a:p>
+                      <a:pPr marL="0" marR="0" lvl="0" indent="0" algn="l" defTabSz="914400" rtl="0" eaLnBrk="1" fontAlgn="auto" latinLnBrk="0" hangingPunct="1">
+                        <a:lnSpc>
+                          <a:spcPct val="100000"/>
+                        </a:lnSpc>
+                        <a:spcBef>
+                          <a:spcPts val="0"/>
+                        </a:spcBef>
+                        <a:spcAft>
+                          <a:spcPts val="0"/>
+                        </a:spcAft>
+                        <a:buClrTx/>
+                        <a:buSzTx/>
+                        <a:buFontTx/>
+                        <a:buNone/>
+                        <a:tabLst/>
+                        <a:defRPr/>
+                      </a:pPr>
+                      <a:r>
+                        <a:rPr lang="en-IN" dirty="0" err="1" smtClean="0"/>
+                        <a:t>per.shape</a:t>
+                      </a:r>
+                      <a:r>
+                        <a:rPr lang="en-IN" dirty="0" smtClean="0"/>
+                        <a:t>&gt;</a:t>
+                      </a:r>
+                      <a:r>
+                        <a:rPr lang="en-IN" dirty="0" err="1" smtClean="0"/>
+                        <a:t>per.loc</a:t>
+                      </a:r>
+                      <a:r>
+                        <a:rPr lang="en-IN" dirty="0" smtClean="0"/>
+                        <a:t>&gt;</a:t>
+                      </a:r>
+                      <a:r>
+                        <a:rPr lang="en-IN" dirty="0" err="1" smtClean="0"/>
+                        <a:t>per.size</a:t>
+                      </a:r>
+                      <a:endParaRPr lang="en-GB" dirty="0"/>
+                    </a:p>
+                  </a:txBody>
+                  <a:tcPr>
+                    <a:solidFill>
+                      <a:schemeClr val="accent6">
+                        <a:lumMod val="40000"/>
+                        <a:lumOff val="60000"/>
+                      </a:schemeClr>
+                    </a:solidFill>
+                  </a:tcPr>
+                </a:tc>
+              </a:tr>
+              <a:tr h="370840">
+                <a:tc>
+                  <a:txBody>
+                    <a:bodyPr/>
+                    <a:lstStyle/>
+                    <a:p>
+                      <a:pPr marL="0" marR="0" lvl="0" indent="0" algn="l" defTabSz="914400" rtl="0" eaLnBrk="1" fontAlgn="auto" latinLnBrk="0" hangingPunct="1">
+                        <a:lnSpc>
+                          <a:spcPct val="100000"/>
+                        </a:lnSpc>
+                        <a:spcBef>
+                          <a:spcPts val="0"/>
+                        </a:spcBef>
+                        <a:spcAft>
+                          <a:spcPts val="0"/>
+                        </a:spcAft>
+                        <a:buClrTx/>
+                        <a:buSzTx/>
+                        <a:buFontTx/>
+                        <a:buNone/>
+                        <a:tabLst/>
+                        <a:defRPr/>
+                      </a:pPr>
+                      <a:r>
+                        <a:rPr lang="en-IN" dirty="0" smtClean="0"/>
+                        <a:t>Template, G2</a:t>
+                      </a:r>
+                      <a:endParaRPr lang="en-GB" dirty="0" smtClean="0"/>
+                    </a:p>
+                  </a:txBody>
+                  <a:tcPr>
+                    <a:solidFill>
+                      <a:schemeClr val="accent6">
+                        <a:lumMod val="60000"/>
+                        <a:lumOff val="40000"/>
+                      </a:schemeClr>
+                    </a:solidFill>
+                  </a:tcPr>
+                </a:tc>
+                <a:tc>
+                  <a:txBody>
+                    <a:bodyPr/>
+                    <a:lstStyle/>
+                    <a:p>
+                      <a:r>
+                        <a:rPr lang="en-GB" dirty="0" smtClean="0">
+                          <a:effectLst/>
+                        </a:rPr>
+                        <a:t>0.164</a:t>
+                      </a:r>
+                      <a:endParaRPr lang="en-GB" dirty="0"/>
+                    </a:p>
+                  </a:txBody>
+                  <a:tcPr>
+                    <a:solidFill>
+                      <a:schemeClr val="accent6">
+                        <a:lumMod val="60000"/>
+                        <a:lumOff val="40000"/>
+                      </a:schemeClr>
+                    </a:solidFill>
+                  </a:tcPr>
+                </a:tc>
+                <a:tc>
+                  <a:txBody>
+                    <a:bodyPr/>
+                    <a:lstStyle/>
+                    <a:p>
+                      <a:r>
+                        <a:rPr lang="en-GB" dirty="0" smtClean="0">
+                          <a:effectLst/>
+                        </a:rPr>
+                        <a:t>0.043</a:t>
+                      </a:r>
+                      <a:endParaRPr lang="en-GB" dirty="0"/>
+                    </a:p>
+                  </a:txBody>
+                  <a:tcPr>
+                    <a:solidFill>
+                      <a:schemeClr val="accent6">
+                        <a:lumMod val="60000"/>
+                        <a:lumOff val="40000"/>
+                      </a:schemeClr>
+                    </a:solidFill>
+                  </a:tcPr>
+                </a:tc>
+                <a:tc>
+                  <a:txBody>
+                    <a:bodyPr/>
+                    <a:lstStyle/>
+                    <a:p>
+                      <a:pPr marL="0" marR="0" lvl="0" indent="0" algn="l" defTabSz="914400" rtl="0" eaLnBrk="1" fontAlgn="auto" latinLnBrk="0" hangingPunct="1">
+                        <a:lnSpc>
+                          <a:spcPct val="100000"/>
+                        </a:lnSpc>
+                        <a:spcBef>
+                          <a:spcPts val="0"/>
+                        </a:spcBef>
+                        <a:spcAft>
+                          <a:spcPts val="0"/>
+                        </a:spcAft>
+                        <a:buClrTx/>
+                        <a:buSzTx/>
+                        <a:buFontTx/>
+                        <a:buNone/>
+                        <a:tabLst/>
+                        <a:defRPr/>
+                      </a:pPr>
+                      <a:r>
+                        <a:rPr lang="en-IN" dirty="0" err="1" smtClean="0"/>
+                        <a:t>per.shape</a:t>
+                      </a:r>
+                      <a:r>
+                        <a:rPr lang="en-IN" dirty="0" smtClean="0"/>
+                        <a:t>&gt;</a:t>
+                      </a:r>
+                      <a:r>
+                        <a:rPr lang="en-IN" dirty="0" err="1" smtClean="0"/>
+                        <a:t>per.loc</a:t>
+                      </a:r>
+                      <a:r>
+                        <a:rPr lang="en-IN" dirty="0" smtClean="0"/>
+                        <a:t>&gt;</a:t>
+                      </a:r>
+                      <a:r>
+                        <a:rPr lang="en-IN" dirty="0" err="1" smtClean="0"/>
+                        <a:t>per.size</a:t>
+                      </a:r>
+                      <a:endParaRPr lang="en-GB" dirty="0"/>
+                    </a:p>
+                  </a:txBody>
+                  <a:tcPr>
+                    <a:solidFill>
+                      <a:schemeClr val="accent6">
+                        <a:lumMod val="60000"/>
+                        <a:lumOff val="40000"/>
+                      </a:schemeClr>
+                    </a:solidFill>
+                  </a:tcPr>
+                </a:tc>
+              </a:tr>
+              <a:tr h="370840">
+                <a:tc>
+                  <a:txBody>
+                    <a:bodyPr/>
+                    <a:lstStyle/>
+                    <a:p>
+                      <a:pPr marL="0" marR="0" lvl="0" indent="0" algn="l" defTabSz="914400" rtl="0" eaLnBrk="1" fontAlgn="auto" latinLnBrk="0" hangingPunct="1">
+                        <a:lnSpc>
+                          <a:spcPct val="100000"/>
+                        </a:lnSpc>
+                        <a:spcBef>
+                          <a:spcPts val="0"/>
+                        </a:spcBef>
+                        <a:spcAft>
+                          <a:spcPts val="0"/>
+                        </a:spcAft>
+                        <a:buClrTx/>
+                        <a:buSzTx/>
+                        <a:buFontTx/>
+                        <a:buNone/>
+                        <a:tabLst/>
+                        <a:defRPr/>
+                      </a:pPr>
+                      <a:r>
+                        <a:rPr lang="en-IN" dirty="0" smtClean="0"/>
+                        <a:t>Template, G3</a:t>
+                      </a:r>
+                      <a:endParaRPr lang="en-GB" dirty="0" smtClean="0"/>
+                    </a:p>
+                  </a:txBody>
+                  <a:tcPr>
+                    <a:solidFill>
+                      <a:schemeClr val="accent6">
+                        <a:lumMod val="40000"/>
+                        <a:lumOff val="60000"/>
+                      </a:schemeClr>
+                    </a:solidFill>
+                  </a:tcPr>
+                </a:tc>
+                <a:tc>
+                  <a:txBody>
+                    <a:bodyPr/>
+                    <a:lstStyle/>
+                    <a:p>
+                      <a:r>
+                        <a:rPr lang="en-GB" dirty="0" smtClean="0">
+                          <a:effectLst/>
+                        </a:rPr>
+                        <a:t>0.072</a:t>
+                      </a:r>
+                      <a:endParaRPr lang="en-GB" dirty="0"/>
+                    </a:p>
+                  </a:txBody>
+                  <a:tcPr>
+                    <a:solidFill>
+                      <a:schemeClr val="accent6">
+                        <a:lumMod val="40000"/>
+                        <a:lumOff val="60000"/>
+                      </a:schemeClr>
+                    </a:solidFill>
+                  </a:tcPr>
+                </a:tc>
+                <a:tc>
+                  <a:txBody>
+                    <a:bodyPr/>
+                    <a:lstStyle/>
+                    <a:p>
+                      <a:r>
+                        <a:rPr lang="en-GB" dirty="0" smtClean="0">
+                          <a:effectLst/>
+                        </a:rPr>
+                        <a:t>0.579</a:t>
+                      </a:r>
+                      <a:endParaRPr lang="en-GB" dirty="0"/>
+                    </a:p>
+                  </a:txBody>
+                  <a:tcPr>
+                    <a:solidFill>
+                      <a:schemeClr val="accent6">
+                        <a:lumMod val="40000"/>
+                        <a:lumOff val="60000"/>
+                      </a:schemeClr>
+                    </a:solidFill>
+                  </a:tcPr>
+                </a:tc>
+                <a:tc>
+                  <a:txBody>
+                    <a:bodyPr/>
+                    <a:lstStyle/>
+                    <a:p>
+                      <a:pPr marL="0" marR="0" lvl="0" indent="0" algn="l" defTabSz="914400" rtl="0" eaLnBrk="1" fontAlgn="auto" latinLnBrk="0" hangingPunct="1">
+                        <a:lnSpc>
+                          <a:spcPct val="100000"/>
+                        </a:lnSpc>
+                        <a:spcBef>
+                          <a:spcPts val="0"/>
+                        </a:spcBef>
+                        <a:spcAft>
+                          <a:spcPts val="0"/>
+                        </a:spcAft>
+                        <a:buClrTx/>
+                        <a:buSzTx/>
+                        <a:buFontTx/>
+                        <a:buNone/>
+                        <a:tabLst/>
+                        <a:defRPr/>
+                      </a:pPr>
+                      <a:r>
+                        <a:rPr lang="en-IN" dirty="0" err="1" smtClean="0"/>
+                        <a:t>per.shape</a:t>
+                      </a:r>
+                      <a:r>
+                        <a:rPr lang="en-IN" dirty="0" smtClean="0"/>
+                        <a:t>&gt;</a:t>
+                      </a:r>
+                      <a:r>
+                        <a:rPr lang="en-IN" dirty="0" err="1" smtClean="0"/>
+                        <a:t>per.size</a:t>
+                      </a:r>
+                      <a:r>
+                        <a:rPr lang="en-IN" dirty="0" smtClean="0"/>
+                        <a:t>&gt;</a:t>
+                      </a:r>
+                      <a:r>
+                        <a:rPr lang="en-IN" dirty="0" err="1" smtClean="0"/>
+                        <a:t>per.loc</a:t>
+                      </a:r>
+                      <a:endParaRPr lang="en-GB" dirty="0"/>
+                    </a:p>
+                  </a:txBody>
+                  <a:tcPr>
+                    <a:solidFill>
+                      <a:schemeClr val="accent6">
+                        <a:lumMod val="40000"/>
+                        <a:lumOff val="60000"/>
+                      </a:schemeClr>
+                    </a:solidFill>
+                  </a:tcPr>
+                </a:tc>
+              </a:tr>
+              <a:tr h="370840">
+                <a:tc>
+                  <a:txBody>
+                    <a:bodyPr/>
+                    <a:lstStyle/>
+                    <a:p>
+                      <a:pPr marL="0" marR="0" lvl="0" indent="0" algn="l" defTabSz="914400" rtl="0" eaLnBrk="1" fontAlgn="auto" latinLnBrk="0" hangingPunct="1">
+                        <a:lnSpc>
+                          <a:spcPct val="100000"/>
+                        </a:lnSpc>
+                        <a:spcBef>
+                          <a:spcPts val="0"/>
+                        </a:spcBef>
+                        <a:spcAft>
+                          <a:spcPts val="0"/>
+                        </a:spcAft>
+                        <a:buClrTx/>
+                        <a:buSzTx/>
+                        <a:buFontTx/>
+                        <a:buNone/>
+                        <a:tabLst/>
+                        <a:defRPr/>
+                      </a:pPr>
+                      <a:r>
+                        <a:rPr lang="en-IN" dirty="0" smtClean="0"/>
+                        <a:t>Template, G4</a:t>
+                      </a:r>
+                      <a:endParaRPr lang="en-GB" dirty="0" smtClean="0"/>
+                    </a:p>
+                  </a:txBody>
+                  <a:tcPr/>
+                </a:tc>
+                <a:tc>
+                  <a:txBody>
+                    <a:bodyPr/>
+                    <a:lstStyle/>
+                    <a:p>
+                      <a:r>
+                        <a:rPr lang="en-GB" dirty="0" smtClean="0">
+                          <a:effectLst/>
+                        </a:rPr>
+                        <a:t>0.171</a:t>
+                      </a:r>
+                      <a:endParaRPr lang="en-GB" dirty="0"/>
+                    </a:p>
+                  </a:txBody>
+                  <a:tcPr/>
+                </a:tc>
+                <a:tc>
+                  <a:txBody>
+                    <a:bodyPr/>
+                    <a:lstStyle/>
+                    <a:p>
+                      <a:r>
+                        <a:rPr lang="en-GB" dirty="0" smtClean="0">
+                          <a:effectLst/>
+                        </a:rPr>
+                        <a:t>0.045</a:t>
+                      </a:r>
+                      <a:endParaRPr lang="en-GB" dirty="0"/>
+                    </a:p>
+                  </a:txBody>
+                  <a:tcPr/>
+                </a:tc>
+                <a:tc>
+                  <a:txBody>
+                    <a:bodyPr/>
+                    <a:lstStyle/>
+                    <a:p>
+                      <a:pPr marL="0" marR="0" lvl="0" indent="0" algn="l" defTabSz="914400" rtl="0" eaLnBrk="1" fontAlgn="auto" latinLnBrk="0" hangingPunct="1">
+                        <a:lnSpc>
+                          <a:spcPct val="100000"/>
+                        </a:lnSpc>
+                        <a:spcBef>
+                          <a:spcPts val="0"/>
+                        </a:spcBef>
+                        <a:spcAft>
+                          <a:spcPts val="0"/>
+                        </a:spcAft>
+                        <a:buClrTx/>
+                        <a:buSzTx/>
+                        <a:buFontTx/>
+                        <a:buNone/>
+                        <a:tabLst/>
+                        <a:defRPr/>
+                      </a:pPr>
+                      <a:r>
+                        <a:rPr lang="en-IN" dirty="0" err="1" smtClean="0"/>
+                        <a:t>per.loc</a:t>
+                      </a:r>
+                      <a:r>
+                        <a:rPr lang="en-GB" dirty="0" smtClean="0"/>
+                        <a:t>&gt;</a:t>
+                      </a:r>
+                      <a:r>
+                        <a:rPr lang="en-IN" dirty="0" err="1" smtClean="0"/>
+                        <a:t>per.shape</a:t>
+                      </a:r>
+                      <a:r>
+                        <a:rPr lang="en-IN" dirty="0" smtClean="0"/>
+                        <a:t>&gt;</a:t>
+                      </a:r>
+                      <a:r>
+                        <a:rPr lang="en-IN" dirty="0" err="1" smtClean="0"/>
+                        <a:t>per.size</a:t>
+                      </a:r>
+                      <a:endParaRPr lang="en-GB" dirty="0"/>
+                    </a:p>
+                  </a:txBody>
+                  <a:tcPr/>
+                </a:tc>
+              </a:tr>
+              <a:tr h="370840">
+                <a:tc>
+                  <a:txBody>
+                    <a:bodyPr/>
+                    <a:lstStyle/>
+                    <a:p>
+                      <a:pPr marL="0" marR="0" lvl="0" indent="0" algn="l" defTabSz="914400" rtl="0" eaLnBrk="1" fontAlgn="auto" latinLnBrk="0" hangingPunct="1">
+                        <a:lnSpc>
+                          <a:spcPct val="100000"/>
+                        </a:lnSpc>
+                        <a:spcBef>
+                          <a:spcPts val="0"/>
+                        </a:spcBef>
+                        <a:spcAft>
+                          <a:spcPts val="0"/>
+                        </a:spcAft>
+                        <a:buClrTx/>
+                        <a:buSzTx/>
+                        <a:buFontTx/>
+                        <a:buNone/>
+                        <a:tabLst/>
+                        <a:defRPr/>
+                      </a:pPr>
+                      <a:r>
+                        <a:rPr lang="en-IN" dirty="0" smtClean="0"/>
+                        <a:t>Template, G5</a:t>
+                      </a:r>
+                      <a:endParaRPr lang="en-GB" dirty="0" smtClean="0"/>
+                    </a:p>
+                  </a:txBody>
+                  <a:tcPr/>
+                </a:tc>
+                <a:tc>
+                  <a:txBody>
+                    <a:bodyPr/>
+                    <a:lstStyle/>
+                    <a:p>
+                      <a:r>
+                        <a:rPr lang="en-GB" dirty="0" smtClean="0">
+                          <a:effectLst/>
+                        </a:rPr>
+                        <a:t>0.174</a:t>
+                      </a:r>
+                      <a:endParaRPr lang="en-GB" dirty="0"/>
+                    </a:p>
+                  </a:txBody>
+                  <a:tcPr/>
+                </a:tc>
+                <a:tc>
+                  <a:txBody>
+                    <a:bodyPr/>
+                    <a:lstStyle/>
+                    <a:p>
+                      <a:r>
+                        <a:rPr lang="en-GB" dirty="0" smtClean="0">
+                          <a:effectLst/>
+                        </a:rPr>
+                        <a:t>0.052</a:t>
+                      </a:r>
+                      <a:endParaRPr lang="en-GB" dirty="0"/>
+                    </a:p>
+                  </a:txBody>
+                  <a:tcPr/>
+                </a:tc>
+                <a:tc>
+                  <a:txBody>
+                    <a:bodyPr/>
+                    <a:lstStyle/>
+                    <a:p>
+                      <a:pPr marL="0" marR="0" lvl="0" indent="0" algn="l" defTabSz="914400" rtl="0" eaLnBrk="1" fontAlgn="auto" latinLnBrk="0" hangingPunct="1">
+                        <a:lnSpc>
+                          <a:spcPct val="100000"/>
+                        </a:lnSpc>
+                        <a:spcBef>
+                          <a:spcPts val="0"/>
+                        </a:spcBef>
+                        <a:spcAft>
+                          <a:spcPts val="0"/>
+                        </a:spcAft>
+                        <a:buClrTx/>
+                        <a:buSzTx/>
+                        <a:buFontTx/>
+                        <a:buNone/>
+                        <a:tabLst/>
+                        <a:defRPr/>
+                      </a:pPr>
+                      <a:r>
+                        <a:rPr lang="en-IN" dirty="0" err="1" smtClean="0"/>
+                        <a:t>per.loc</a:t>
+                      </a:r>
+                      <a:r>
+                        <a:rPr lang="en-GB" dirty="0" smtClean="0"/>
+                        <a:t>&gt;</a:t>
+                      </a:r>
+                      <a:r>
+                        <a:rPr lang="en-IN" dirty="0" err="1" smtClean="0"/>
+                        <a:t>per.shape</a:t>
+                      </a:r>
+                      <a:r>
+                        <a:rPr lang="en-IN" dirty="0" smtClean="0"/>
+                        <a:t>&gt;</a:t>
+                      </a:r>
+                      <a:r>
+                        <a:rPr lang="en-IN" dirty="0" err="1" smtClean="0"/>
+                        <a:t>per.size</a:t>
+                      </a:r>
+                      <a:endParaRPr lang="en-GB" dirty="0"/>
+                    </a:p>
+                  </a:txBody>
+                  <a:tcPr/>
+                </a:tc>
+              </a:tr>
+            </a:tbl>
+          </a:graphicData>
+        </a:graphic>
+      </p:graphicFrame>
+    </p:spTree>
+    <p:extLst>
+      <p:ext uri="{BB962C8B-B14F-4D97-AF65-F5344CB8AC3E}">
+        <p14:creationId xmlns:p14="http://schemas.microsoft.com/office/powerpoint/2010/main" val="787335416"/>
+      </p:ext>
+    </p:extLst>
+  </p:cSld>
+  <p:clrMapOvr>
+    <a:masterClrMapping/>
+  </p:clrMapOvr>
+</p:sld>
+</file>
+
+<file path=ppt/slides/slide97.xml><?xml version="1.0" encoding="utf-8"?>
+<p:sld xmlns:a="http://schemas.openxmlformats.org/drawingml/2006/main" xmlns:r="http://schemas.openxmlformats.org/officeDocument/2006/relationships" xmlns:p="http://schemas.openxmlformats.org/presentationml/2006/main">
+  <p:cSld>
+    <p:spTree>
+      <p:nvGrpSpPr>
+        <p:cNvPr id="1" name=""/>
+        <p:cNvGrpSpPr/>
+        <p:nvPr/>
+      </p:nvGrpSpPr>
+      <p:grpSpPr>
+        <a:xfrm>
+          <a:off x="0" y="0"/>
+          <a:ext cx="0" cy="0"/>
+          <a:chOff x="0" y="0"/>
+          <a:chExt cx="0" cy="0"/>
+        </a:xfrm>
+      </p:grpSpPr>
+      <p:sp>
+        <p:nvSpPr>
+          <p:cNvPr id="2" name="Title 1"/>
+          <p:cNvSpPr>
+            <a:spLocks noGrp="1"/>
+          </p:cNvSpPr>
+          <p:nvPr>
+            <p:ph type="title"/>
+          </p:nvPr>
+        </p:nvSpPr>
+        <p:spPr/>
+        <p:txBody>
+          <a:bodyPr/>
+          <a:lstStyle/>
+          <a:p>
+            <a:r>
+              <a:rPr lang="en-IN" dirty="0" smtClean="0"/>
+              <a:t>Wasserstein Metric</a:t>
+            </a:r>
+            <a:br>
+              <a:rPr lang="en-IN" dirty="0" smtClean="0"/>
+            </a:br>
+            <a:r>
+              <a:rPr lang="en-IN" sz="2800" dirty="0" smtClean="0"/>
+              <a:t>Page Rank</a:t>
+            </a:r>
+            <a:endParaRPr lang="en-GB" dirty="0"/>
+          </a:p>
+        </p:txBody>
+      </p:sp>
+      <p:graphicFrame>
+        <p:nvGraphicFramePr>
+          <p:cNvPr id="4" name="Content Placeholder 3"/>
+          <p:cNvGraphicFramePr>
+            <a:graphicFrameLocks noGrp="1"/>
+          </p:cNvGraphicFramePr>
+          <p:nvPr>
+            <p:ph idx="1"/>
+            <p:extLst>
+              <p:ext uri="{D42A27DB-BD31-4B8C-83A1-F6EECF244321}">
+                <p14:modId xmlns:p14="http://schemas.microsoft.com/office/powerpoint/2010/main" val="150442109"/>
+              </p:ext>
+            </p:extLst>
+          </p:nvPr>
+        </p:nvGraphicFramePr>
+        <p:xfrm>
+          <a:off x="838200" y="1825625"/>
+          <a:ext cx="10515600" cy="2225040"/>
+        </p:xfrm>
+        <a:graphic>
+          <a:graphicData uri="http://schemas.openxmlformats.org/drawingml/2006/table">
+            <a:tbl>
+              <a:tblPr firstRow="1" bandRow="1">
+                <a:tableStyleId>{5C22544A-7EE6-4342-B048-85BDC9FD1C3A}</a:tableStyleId>
+              </a:tblPr>
+              <a:tblGrid>
+                <a:gridCol w="2628900"/>
+                <a:gridCol w="2114191"/>
+                <a:gridCol w="1613139"/>
+                <a:gridCol w="4159370"/>
+              </a:tblGrid>
+              <a:tr h="370840">
+                <a:tc>
+                  <a:txBody>
+                    <a:bodyPr/>
+                    <a:lstStyle/>
+                    <a:p>
+                      <a:r>
+                        <a:rPr lang="en-IN" dirty="0" smtClean="0"/>
+                        <a:t>Graph Name</a:t>
+                      </a:r>
+                      <a:endParaRPr lang="en-GB" dirty="0"/>
+                    </a:p>
+                  </a:txBody>
+                  <a:tcPr/>
+                </a:tc>
+                <a:tc>
+                  <a:txBody>
+                    <a:bodyPr/>
+                    <a:lstStyle/>
+                    <a:p>
+                      <a:r>
+                        <a:rPr lang="en-IN" dirty="0" smtClean="0"/>
+                        <a:t>Wasserstein Metric</a:t>
+                      </a:r>
+                      <a:endParaRPr lang="en-GB" dirty="0"/>
+                    </a:p>
+                  </a:txBody>
+                  <a:tcPr/>
+                </a:tc>
+                <a:tc>
+                  <a:txBody>
+                    <a:bodyPr/>
+                    <a:lstStyle/>
+                    <a:p>
+                      <a:r>
+                        <a:rPr lang="en-IN" dirty="0" smtClean="0"/>
+                        <a:t>P-value</a:t>
+                      </a:r>
+                      <a:endParaRPr lang="en-GB" dirty="0"/>
+                    </a:p>
+                  </a:txBody>
+                  <a:tcPr/>
+                </a:tc>
+                <a:tc>
+                  <a:txBody>
+                    <a:bodyPr/>
+                    <a:lstStyle/>
+                    <a:p>
+                      <a:r>
+                        <a:rPr lang="en-IN" dirty="0" smtClean="0"/>
+                        <a:t>Difference</a:t>
+                      </a:r>
+                      <a:endParaRPr lang="en-GB" dirty="0"/>
+                    </a:p>
+                  </a:txBody>
+                  <a:tcPr/>
+                </a:tc>
+              </a:tr>
+              <a:tr h="370840">
+                <a:tc>
+                  <a:txBody>
+                    <a:bodyPr/>
+                    <a:lstStyle/>
+                    <a:p>
+                      <a:r>
+                        <a:rPr lang="en-IN" dirty="0" smtClean="0"/>
+                        <a:t>Template, G1</a:t>
+                      </a:r>
+                      <a:endParaRPr lang="en-GB" dirty="0"/>
+                    </a:p>
+                  </a:txBody>
+                  <a:tcPr>
+                    <a:solidFill>
+                      <a:schemeClr val="accent6">
+                        <a:lumMod val="40000"/>
+                        <a:lumOff val="60000"/>
+                      </a:schemeClr>
+                    </a:solidFill>
+                  </a:tcPr>
+                </a:tc>
+                <a:tc>
+                  <a:txBody>
+                    <a:bodyPr/>
+                    <a:lstStyle/>
+                    <a:p>
+                      <a:r>
+                        <a:rPr lang="en-GB" dirty="0" smtClean="0">
+                          <a:effectLst/>
+                        </a:rPr>
+                        <a:t>0.007</a:t>
+                      </a:r>
+                      <a:endParaRPr lang="en-GB" dirty="0"/>
+                    </a:p>
+                  </a:txBody>
+                  <a:tcPr>
+                    <a:solidFill>
+                      <a:schemeClr val="accent6">
+                        <a:lumMod val="40000"/>
+                        <a:lumOff val="60000"/>
+                      </a:schemeClr>
+                    </a:solidFill>
+                  </a:tcPr>
+                </a:tc>
+                <a:tc>
+                  <a:txBody>
+                    <a:bodyPr/>
+                    <a:lstStyle/>
+                    <a:p>
+                      <a:r>
+                        <a:rPr lang="en-GB" dirty="0" smtClean="0">
+                          <a:effectLst/>
+                        </a:rPr>
+                        <a:t>0.880</a:t>
+                      </a:r>
+                      <a:endParaRPr lang="en-GB" dirty="0"/>
+                    </a:p>
+                  </a:txBody>
+                  <a:tcPr>
+                    <a:solidFill>
+                      <a:schemeClr val="accent6">
+                        <a:lumMod val="40000"/>
+                        <a:lumOff val="60000"/>
+                      </a:schemeClr>
+                    </a:solidFill>
+                  </a:tcPr>
+                </a:tc>
+                <a:tc>
+                  <a:txBody>
+                    <a:bodyPr/>
+                    <a:lstStyle/>
+                    <a:p>
+                      <a:pPr marL="0" marR="0" lvl="0" indent="0" algn="l" defTabSz="914400" rtl="0" eaLnBrk="1" fontAlgn="auto" latinLnBrk="0" hangingPunct="1">
+                        <a:lnSpc>
+                          <a:spcPct val="100000"/>
+                        </a:lnSpc>
+                        <a:spcBef>
+                          <a:spcPts val="0"/>
+                        </a:spcBef>
+                        <a:spcAft>
+                          <a:spcPts val="0"/>
+                        </a:spcAft>
+                        <a:buClrTx/>
+                        <a:buSzTx/>
+                        <a:buFontTx/>
+                        <a:buNone/>
+                        <a:tabLst/>
+                        <a:defRPr/>
+                      </a:pPr>
+                      <a:r>
+                        <a:rPr lang="en-IN" dirty="0" err="1" smtClean="0"/>
+                        <a:t>per.loc</a:t>
+                      </a:r>
+                      <a:r>
+                        <a:rPr lang="en-GB" dirty="0" smtClean="0"/>
+                        <a:t>&gt;</a:t>
+                      </a:r>
+                      <a:r>
+                        <a:rPr lang="en-IN" dirty="0" err="1" smtClean="0"/>
+                        <a:t>per.shape</a:t>
+                      </a:r>
+                      <a:r>
+                        <a:rPr lang="en-IN" dirty="0" smtClean="0"/>
+                        <a:t>&gt;</a:t>
+                      </a:r>
+                      <a:r>
+                        <a:rPr lang="en-IN" dirty="0" err="1" smtClean="0"/>
+                        <a:t>per.size</a:t>
+                      </a:r>
+                      <a:endParaRPr lang="en-GB" dirty="0"/>
+                    </a:p>
+                  </a:txBody>
+                  <a:tcPr>
+                    <a:solidFill>
+                      <a:schemeClr val="accent6">
+                        <a:lumMod val="40000"/>
+                        <a:lumOff val="60000"/>
+                      </a:schemeClr>
+                    </a:solidFill>
+                  </a:tcPr>
+                </a:tc>
+              </a:tr>
+              <a:tr h="370840">
+                <a:tc>
+                  <a:txBody>
+                    <a:bodyPr/>
+                    <a:lstStyle/>
+                    <a:p>
+                      <a:pPr marL="0" marR="0" lvl="0" indent="0" algn="l" defTabSz="914400" rtl="0" eaLnBrk="1" fontAlgn="auto" latinLnBrk="0" hangingPunct="1">
+                        <a:lnSpc>
+                          <a:spcPct val="100000"/>
+                        </a:lnSpc>
+                        <a:spcBef>
+                          <a:spcPts val="0"/>
+                        </a:spcBef>
+                        <a:spcAft>
+                          <a:spcPts val="0"/>
+                        </a:spcAft>
+                        <a:buClrTx/>
+                        <a:buSzTx/>
+                        <a:buFontTx/>
+                        <a:buNone/>
+                        <a:tabLst/>
+                        <a:defRPr/>
+                      </a:pPr>
+                      <a:r>
+                        <a:rPr lang="en-IN" dirty="0" smtClean="0"/>
+                        <a:t>Template, G2</a:t>
+                      </a:r>
+                      <a:endParaRPr lang="en-GB" dirty="0" smtClean="0"/>
+                    </a:p>
+                  </a:txBody>
+                  <a:tcPr>
+                    <a:solidFill>
+                      <a:schemeClr val="accent6">
+                        <a:lumMod val="60000"/>
+                        <a:lumOff val="40000"/>
+                      </a:schemeClr>
+                    </a:solidFill>
+                  </a:tcPr>
+                </a:tc>
+                <a:tc>
+                  <a:txBody>
+                    <a:bodyPr/>
+                    <a:lstStyle/>
+                    <a:p>
+                      <a:r>
+                        <a:rPr lang="en-GB" dirty="0" smtClean="0">
+                          <a:effectLst/>
+                        </a:rPr>
+                        <a:t>0.025</a:t>
+                      </a:r>
+                      <a:endParaRPr lang="en-GB" dirty="0"/>
+                    </a:p>
+                  </a:txBody>
+                  <a:tcPr>
+                    <a:solidFill>
+                      <a:schemeClr val="accent6">
+                        <a:lumMod val="60000"/>
+                        <a:lumOff val="40000"/>
+                      </a:schemeClr>
+                    </a:solidFill>
+                  </a:tcPr>
+                </a:tc>
+                <a:tc>
+                  <a:txBody>
+                    <a:bodyPr/>
+                    <a:lstStyle/>
+                    <a:p>
+                      <a:r>
+                        <a:rPr lang="en-GB" dirty="0" smtClean="0">
+                          <a:effectLst/>
+                        </a:rPr>
+                        <a:t>0.203</a:t>
+                      </a:r>
+                      <a:endParaRPr lang="en-GB" dirty="0"/>
+                    </a:p>
+                  </a:txBody>
+                  <a:tcPr>
+                    <a:solidFill>
+                      <a:schemeClr val="accent6">
+                        <a:lumMod val="60000"/>
+                        <a:lumOff val="40000"/>
+                      </a:schemeClr>
+                    </a:solidFill>
+                  </a:tcPr>
+                </a:tc>
+                <a:tc>
+                  <a:txBody>
+                    <a:bodyPr/>
+                    <a:lstStyle/>
+                    <a:p>
+                      <a:pPr marL="0" marR="0" lvl="0" indent="0" algn="l" defTabSz="914400" rtl="0" eaLnBrk="1" fontAlgn="auto" latinLnBrk="0" hangingPunct="1">
+                        <a:lnSpc>
+                          <a:spcPct val="100000"/>
+                        </a:lnSpc>
+                        <a:spcBef>
+                          <a:spcPts val="0"/>
+                        </a:spcBef>
+                        <a:spcAft>
+                          <a:spcPts val="0"/>
+                        </a:spcAft>
+                        <a:buClrTx/>
+                        <a:buSzTx/>
+                        <a:buFontTx/>
+                        <a:buNone/>
+                        <a:tabLst/>
+                        <a:defRPr/>
+                      </a:pPr>
+                      <a:r>
+                        <a:rPr lang="en-IN" dirty="0" err="1" smtClean="0"/>
+                        <a:t>per.loc</a:t>
+                      </a:r>
+                      <a:r>
+                        <a:rPr lang="en-IN" dirty="0" smtClean="0"/>
+                        <a:t>&gt;</a:t>
+                      </a:r>
+                      <a:r>
+                        <a:rPr lang="en-IN" dirty="0" err="1" smtClean="0"/>
+                        <a:t>per.size</a:t>
+                      </a:r>
+                      <a:r>
+                        <a:rPr lang="en-GB" dirty="0" smtClean="0"/>
+                        <a:t>&gt;</a:t>
+                      </a:r>
+                      <a:r>
+                        <a:rPr lang="en-IN" dirty="0" err="1" smtClean="0"/>
+                        <a:t>per.shape</a:t>
+                      </a:r>
+                      <a:endParaRPr lang="en-GB" dirty="0"/>
+                    </a:p>
+                  </a:txBody>
+                  <a:tcPr>
+                    <a:solidFill>
+                      <a:schemeClr val="accent6">
+                        <a:lumMod val="60000"/>
+                        <a:lumOff val="40000"/>
+                      </a:schemeClr>
+                    </a:solidFill>
+                  </a:tcPr>
+                </a:tc>
+              </a:tr>
+              <a:tr h="370840">
+                <a:tc>
+                  <a:txBody>
+                    <a:bodyPr/>
+                    <a:lstStyle/>
+                    <a:p>
+                      <a:pPr marL="0" marR="0" lvl="0" indent="0" algn="l" defTabSz="914400" rtl="0" eaLnBrk="1" fontAlgn="auto" latinLnBrk="0" hangingPunct="1">
+                        <a:lnSpc>
+                          <a:spcPct val="100000"/>
+                        </a:lnSpc>
+                        <a:spcBef>
+                          <a:spcPts val="0"/>
+                        </a:spcBef>
+                        <a:spcAft>
+                          <a:spcPts val="0"/>
+                        </a:spcAft>
+                        <a:buClrTx/>
+                        <a:buSzTx/>
+                        <a:buFontTx/>
+                        <a:buNone/>
+                        <a:tabLst/>
+                        <a:defRPr/>
+                      </a:pPr>
+                      <a:r>
+                        <a:rPr lang="en-IN" dirty="0" smtClean="0"/>
+                        <a:t>Template, G3</a:t>
+                      </a:r>
+                      <a:endParaRPr lang="en-GB" dirty="0" smtClean="0"/>
+                    </a:p>
+                  </a:txBody>
+                  <a:tcPr/>
+                </a:tc>
+                <a:tc>
+                  <a:txBody>
+                    <a:bodyPr/>
+                    <a:lstStyle/>
+                    <a:p>
+                      <a:r>
+                        <a:rPr lang="en-GB" dirty="0" smtClean="0">
+                          <a:effectLst/>
+                        </a:rPr>
+                        <a:t>0.004</a:t>
+                      </a:r>
+                      <a:endParaRPr lang="en-GB" dirty="0"/>
+                    </a:p>
+                  </a:txBody>
+                  <a:tcPr/>
+                </a:tc>
+                <a:tc>
+                  <a:txBody>
+                    <a:bodyPr/>
+                    <a:lstStyle/>
+                    <a:p>
+                      <a:r>
+                        <a:rPr lang="en-GB" dirty="0" smtClean="0">
+                          <a:effectLst/>
+                        </a:rPr>
+                        <a:t>0.980</a:t>
+                      </a:r>
+                      <a:endParaRPr lang="en-GB" dirty="0"/>
+                    </a:p>
+                  </a:txBody>
+                  <a:tcPr/>
+                </a:tc>
+                <a:tc>
+                  <a:txBody>
+                    <a:bodyPr/>
+                    <a:lstStyle/>
+                    <a:p>
+                      <a:pPr marL="0" marR="0" lvl="0" indent="0" algn="l" defTabSz="914400" rtl="0" eaLnBrk="1" fontAlgn="auto" latinLnBrk="0" hangingPunct="1">
+                        <a:lnSpc>
+                          <a:spcPct val="100000"/>
+                        </a:lnSpc>
+                        <a:spcBef>
+                          <a:spcPts val="0"/>
+                        </a:spcBef>
+                        <a:spcAft>
+                          <a:spcPts val="0"/>
+                        </a:spcAft>
+                        <a:buClrTx/>
+                        <a:buSzTx/>
+                        <a:buFontTx/>
+                        <a:buNone/>
+                        <a:tabLst/>
+                        <a:defRPr/>
+                      </a:pPr>
+                      <a:r>
+                        <a:rPr lang="en-IN" dirty="0" err="1" smtClean="0"/>
+                        <a:t>per.shape</a:t>
+                      </a:r>
+                      <a:r>
+                        <a:rPr lang="en-IN" dirty="0" smtClean="0"/>
+                        <a:t>&gt;</a:t>
+                      </a:r>
+                      <a:r>
+                        <a:rPr lang="en-IN" dirty="0" err="1" smtClean="0"/>
+                        <a:t>per.loc</a:t>
+                      </a:r>
+                      <a:r>
+                        <a:rPr lang="en-IN" dirty="0" smtClean="0"/>
+                        <a:t>&gt;</a:t>
+                      </a:r>
+                      <a:r>
+                        <a:rPr lang="en-IN" dirty="0" err="1" smtClean="0"/>
+                        <a:t>per.size</a:t>
+                      </a:r>
+                      <a:endParaRPr lang="en-GB" dirty="0"/>
+                    </a:p>
+                  </a:txBody>
+                  <a:tcPr/>
+                </a:tc>
+              </a:tr>
+              <a:tr h="370840">
+                <a:tc>
+                  <a:txBody>
+                    <a:bodyPr/>
+                    <a:lstStyle/>
+                    <a:p>
+                      <a:pPr marL="0" marR="0" lvl="0" indent="0" algn="l" defTabSz="914400" rtl="0" eaLnBrk="1" fontAlgn="auto" latinLnBrk="0" hangingPunct="1">
+                        <a:lnSpc>
+                          <a:spcPct val="100000"/>
+                        </a:lnSpc>
+                        <a:spcBef>
+                          <a:spcPts val="0"/>
+                        </a:spcBef>
+                        <a:spcAft>
+                          <a:spcPts val="0"/>
+                        </a:spcAft>
+                        <a:buClrTx/>
+                        <a:buSzTx/>
+                        <a:buFontTx/>
+                        <a:buNone/>
+                        <a:tabLst/>
+                        <a:defRPr/>
+                      </a:pPr>
+                      <a:r>
+                        <a:rPr lang="en-IN" dirty="0" smtClean="0"/>
+                        <a:t>Template, G4</a:t>
+                      </a:r>
+                      <a:endParaRPr lang="en-GB" dirty="0" smtClean="0"/>
+                    </a:p>
+                  </a:txBody>
+                  <a:tcPr/>
+                </a:tc>
+                <a:tc>
+                  <a:txBody>
+                    <a:bodyPr/>
+                    <a:lstStyle/>
+                    <a:p>
+                      <a:r>
+                        <a:rPr lang="en-GB" dirty="0" smtClean="0">
+                          <a:effectLst/>
+                        </a:rPr>
+                        <a:t>0.045</a:t>
+                      </a:r>
+                      <a:endParaRPr lang="en-GB" dirty="0"/>
+                    </a:p>
+                  </a:txBody>
+                  <a:tcPr/>
+                </a:tc>
+                <a:tc>
+                  <a:txBody>
+                    <a:bodyPr/>
+                    <a:lstStyle/>
+                    <a:p>
+                      <a:r>
+                        <a:rPr lang="en-GB" dirty="0" smtClean="0">
+                          <a:effectLst/>
+                        </a:rPr>
+                        <a:t>0.003</a:t>
+                      </a:r>
+                      <a:endParaRPr lang="en-GB" dirty="0"/>
+                    </a:p>
+                  </a:txBody>
+                  <a:tcPr/>
+                </a:tc>
+                <a:tc>
+                  <a:txBody>
+                    <a:bodyPr/>
+                    <a:lstStyle/>
+                    <a:p>
+                      <a:pPr marL="0" marR="0" lvl="0" indent="0" algn="l" defTabSz="914400" rtl="0" eaLnBrk="1" fontAlgn="auto" latinLnBrk="0" hangingPunct="1">
+                        <a:lnSpc>
+                          <a:spcPct val="100000"/>
+                        </a:lnSpc>
+                        <a:spcBef>
+                          <a:spcPts val="0"/>
+                        </a:spcBef>
+                        <a:spcAft>
+                          <a:spcPts val="0"/>
+                        </a:spcAft>
+                        <a:buClrTx/>
+                        <a:buSzTx/>
+                        <a:buFontTx/>
+                        <a:buNone/>
+                        <a:tabLst/>
+                        <a:defRPr/>
+                      </a:pPr>
+                      <a:r>
+                        <a:rPr lang="en-IN" dirty="0" err="1" smtClean="0"/>
+                        <a:t>per.loc</a:t>
+                      </a:r>
+                      <a:r>
+                        <a:rPr lang="en-GB" dirty="0" smtClean="0"/>
+                        <a:t>&gt;</a:t>
+                      </a:r>
+                      <a:r>
+                        <a:rPr lang="en-IN" dirty="0" err="1" smtClean="0"/>
+                        <a:t>per.shape</a:t>
+                      </a:r>
+                      <a:r>
+                        <a:rPr lang="en-IN" dirty="0" smtClean="0"/>
+                        <a:t>&gt;</a:t>
+                      </a:r>
+                      <a:r>
+                        <a:rPr lang="en-IN" dirty="0" err="1" smtClean="0"/>
+                        <a:t>per.size</a:t>
+                      </a:r>
+                      <a:endParaRPr lang="en-GB" dirty="0"/>
+                    </a:p>
+                  </a:txBody>
+                  <a:tcPr/>
+                </a:tc>
+              </a:tr>
+              <a:tr h="370840">
+                <a:tc>
+                  <a:txBody>
+                    <a:bodyPr/>
+                    <a:lstStyle/>
+                    <a:p>
+                      <a:pPr marL="0" marR="0" lvl="0" indent="0" algn="l" defTabSz="914400" rtl="0" eaLnBrk="1" fontAlgn="auto" latinLnBrk="0" hangingPunct="1">
+                        <a:lnSpc>
+                          <a:spcPct val="100000"/>
+                        </a:lnSpc>
+                        <a:spcBef>
+                          <a:spcPts val="0"/>
+                        </a:spcBef>
+                        <a:spcAft>
+                          <a:spcPts val="0"/>
+                        </a:spcAft>
+                        <a:buClrTx/>
+                        <a:buSzTx/>
+                        <a:buFontTx/>
+                        <a:buNone/>
+                        <a:tabLst/>
+                        <a:defRPr/>
+                      </a:pPr>
+                      <a:r>
+                        <a:rPr lang="en-IN" dirty="0" smtClean="0"/>
+                        <a:t>Template, G5</a:t>
+                      </a:r>
+                      <a:endParaRPr lang="en-GB" dirty="0" smtClean="0"/>
+                    </a:p>
+                  </a:txBody>
+                  <a:tcPr/>
+                </a:tc>
+                <a:tc>
+                  <a:txBody>
+                    <a:bodyPr/>
+                    <a:lstStyle/>
+                    <a:p>
+                      <a:r>
+                        <a:rPr lang="en-GB" dirty="0" smtClean="0">
+                          <a:effectLst/>
+                        </a:rPr>
+                        <a:t>0.045</a:t>
+                      </a:r>
+                      <a:endParaRPr lang="en-GB" dirty="0"/>
+                    </a:p>
+                  </a:txBody>
+                  <a:tcPr/>
+                </a:tc>
+                <a:tc>
+                  <a:txBody>
+                    <a:bodyPr/>
+                    <a:lstStyle/>
+                    <a:p>
+                      <a:r>
+                        <a:rPr lang="en-GB" dirty="0" smtClean="0">
+                          <a:effectLst/>
+                        </a:rPr>
+                        <a:t>0.005</a:t>
+                      </a:r>
+                      <a:endParaRPr lang="en-GB" dirty="0"/>
+                    </a:p>
+                  </a:txBody>
+                  <a:tcPr/>
+                </a:tc>
+                <a:tc>
+                  <a:txBody>
+                    <a:bodyPr/>
+                    <a:lstStyle/>
+                    <a:p>
+                      <a:pPr marL="0" marR="0" lvl="0" indent="0" algn="l" defTabSz="914400" rtl="0" eaLnBrk="1" fontAlgn="auto" latinLnBrk="0" hangingPunct="1">
+                        <a:lnSpc>
+                          <a:spcPct val="100000"/>
+                        </a:lnSpc>
+                        <a:spcBef>
+                          <a:spcPts val="0"/>
+                        </a:spcBef>
+                        <a:spcAft>
+                          <a:spcPts val="0"/>
+                        </a:spcAft>
+                        <a:buClrTx/>
+                        <a:buSzTx/>
+                        <a:buFontTx/>
+                        <a:buNone/>
+                        <a:tabLst/>
+                        <a:defRPr/>
+                      </a:pPr>
+                      <a:r>
+                        <a:rPr lang="en-IN" dirty="0" err="1" smtClean="0"/>
+                        <a:t>per.loc</a:t>
+                      </a:r>
+                      <a:r>
+                        <a:rPr lang="en-GB" dirty="0" smtClean="0"/>
+                        <a:t>&gt;</a:t>
+                      </a:r>
+                      <a:r>
+                        <a:rPr lang="en-IN" dirty="0" err="1" smtClean="0"/>
+                        <a:t>per.shape</a:t>
+                      </a:r>
+                      <a:r>
+                        <a:rPr lang="en-IN" dirty="0" smtClean="0"/>
+                        <a:t>&gt;</a:t>
+                      </a:r>
+                      <a:r>
+                        <a:rPr lang="en-IN" dirty="0" err="1" smtClean="0"/>
+                        <a:t>per.size</a:t>
+                      </a:r>
+                      <a:endParaRPr lang="en-GB" dirty="0"/>
+                    </a:p>
+                  </a:txBody>
+                  <a:tcPr/>
+                </a:tc>
+              </a:tr>
+            </a:tbl>
+          </a:graphicData>
+        </a:graphic>
+      </p:graphicFrame>
+    </p:spTree>
+    <p:extLst>
+      <p:ext uri="{BB962C8B-B14F-4D97-AF65-F5344CB8AC3E}">
+        <p14:creationId xmlns:p14="http://schemas.microsoft.com/office/powerpoint/2010/main" val="342658796"/>
+      </p:ext>
+    </p:extLst>
+  </p:cSld>
+  <p:clrMapOvr>
+    <a:masterClrMapping/>
+  </p:clrMapOvr>
+</p:sld>
+</file>
+
+<file path=ppt/slides/slide98.xml><?xml version="1.0" encoding="utf-8"?>
+<p:sld xmlns:a="http://schemas.openxmlformats.org/drawingml/2006/main" xmlns:r="http://schemas.openxmlformats.org/officeDocument/2006/relationships" xmlns:p="http://schemas.openxmlformats.org/presentationml/2006/main">
+  <p:cSld>
+    <p:spTree>
+      <p:nvGrpSpPr>
+        <p:cNvPr id="1" name=""/>
+        <p:cNvGrpSpPr/>
+        <p:nvPr/>
+      </p:nvGrpSpPr>
+      <p:grpSpPr>
+        <a:xfrm>
+          <a:off x="0" y="0"/>
+          <a:ext cx="0" cy="0"/>
+          <a:chOff x="0" y="0"/>
+          <a:chExt cx="0" cy="0"/>
+        </a:xfrm>
+      </p:grpSpPr>
+      <p:sp>
+        <p:nvSpPr>
+          <p:cNvPr id="2" name="Title 1"/>
+          <p:cNvSpPr>
+            <a:spLocks noGrp="1"/>
+          </p:cNvSpPr>
+          <p:nvPr>
+            <p:ph type="title"/>
+          </p:nvPr>
+        </p:nvSpPr>
+        <p:spPr/>
+        <p:txBody>
+          <a:bodyPr/>
+          <a:lstStyle/>
+          <a:p>
+            <a:r>
+              <a:rPr lang="en-IN" dirty="0" smtClean="0"/>
+              <a:t>Wasserstein Metric</a:t>
+            </a:r>
+            <a:br>
+              <a:rPr lang="en-IN" dirty="0" smtClean="0"/>
+            </a:br>
+            <a:r>
+              <a:rPr lang="en-IN" sz="2800" dirty="0" smtClean="0"/>
+              <a:t>KNN</a:t>
+            </a:r>
+            <a:endParaRPr lang="en-GB" dirty="0"/>
+          </a:p>
+        </p:txBody>
+      </p:sp>
+      <p:graphicFrame>
+        <p:nvGraphicFramePr>
+          <p:cNvPr id="4" name="Content Placeholder 3"/>
+          <p:cNvGraphicFramePr>
+            <a:graphicFrameLocks noGrp="1"/>
+          </p:cNvGraphicFramePr>
+          <p:nvPr>
+            <p:ph idx="1"/>
+            <p:extLst>
+              <p:ext uri="{D42A27DB-BD31-4B8C-83A1-F6EECF244321}">
+                <p14:modId xmlns:p14="http://schemas.microsoft.com/office/powerpoint/2010/main" val="255821700"/>
+              </p:ext>
+            </p:extLst>
+          </p:nvPr>
+        </p:nvGraphicFramePr>
+        <p:xfrm>
+          <a:off x="838200" y="1825625"/>
+          <a:ext cx="10515600" cy="2225040"/>
+        </p:xfrm>
+        <a:graphic>
+          <a:graphicData uri="http://schemas.openxmlformats.org/drawingml/2006/table">
+            <a:tbl>
+              <a:tblPr firstRow="1" bandRow="1">
+                <a:tableStyleId>{5C22544A-7EE6-4342-B048-85BDC9FD1C3A}</a:tableStyleId>
+              </a:tblPr>
+              <a:tblGrid>
+                <a:gridCol w="2628900"/>
+                <a:gridCol w="2114191"/>
+                <a:gridCol w="1613139"/>
+                <a:gridCol w="4159370"/>
+              </a:tblGrid>
+              <a:tr h="370840">
+                <a:tc>
+                  <a:txBody>
+                    <a:bodyPr/>
+                    <a:lstStyle/>
+                    <a:p>
+                      <a:r>
+                        <a:rPr lang="en-IN" dirty="0" smtClean="0"/>
+                        <a:t>Graph Name</a:t>
+                      </a:r>
+                      <a:endParaRPr lang="en-GB" dirty="0"/>
+                    </a:p>
+                  </a:txBody>
+                  <a:tcPr/>
+                </a:tc>
+                <a:tc>
+                  <a:txBody>
+                    <a:bodyPr/>
+                    <a:lstStyle/>
+                    <a:p>
+                      <a:r>
+                        <a:rPr lang="en-IN" dirty="0" smtClean="0"/>
+                        <a:t>Wasserstein Metric</a:t>
+                      </a:r>
+                      <a:endParaRPr lang="en-GB" dirty="0"/>
+                    </a:p>
+                  </a:txBody>
+                  <a:tcPr/>
+                </a:tc>
+                <a:tc>
+                  <a:txBody>
+                    <a:bodyPr/>
+                    <a:lstStyle/>
+                    <a:p>
+                      <a:r>
+                        <a:rPr lang="en-IN" dirty="0" smtClean="0"/>
+                        <a:t>P-value</a:t>
+                      </a:r>
+                      <a:endParaRPr lang="en-GB" dirty="0"/>
+                    </a:p>
+                  </a:txBody>
+                  <a:tcPr/>
+                </a:tc>
+                <a:tc>
+                  <a:txBody>
+                    <a:bodyPr/>
+                    <a:lstStyle/>
+                    <a:p>
+                      <a:r>
+                        <a:rPr lang="en-IN" dirty="0" smtClean="0"/>
+                        <a:t>Difference</a:t>
+                      </a:r>
+                      <a:endParaRPr lang="en-GB" dirty="0"/>
+                    </a:p>
+                  </a:txBody>
+                  <a:tcPr/>
+                </a:tc>
+              </a:tr>
+              <a:tr h="370840">
+                <a:tc>
+                  <a:txBody>
+                    <a:bodyPr/>
+                    <a:lstStyle/>
+                    <a:p>
+                      <a:r>
+                        <a:rPr lang="en-IN" dirty="0" smtClean="0"/>
+                        <a:t>Template, G1</a:t>
+                      </a:r>
+                      <a:endParaRPr lang="en-GB" dirty="0"/>
+                    </a:p>
+                  </a:txBody>
+                  <a:tcPr>
+                    <a:solidFill>
+                      <a:schemeClr val="accent6">
+                        <a:lumMod val="60000"/>
+                        <a:lumOff val="40000"/>
+                      </a:schemeClr>
+                    </a:solidFill>
+                  </a:tcPr>
+                </a:tc>
+                <a:tc>
+                  <a:txBody>
+                    <a:bodyPr/>
+                    <a:lstStyle/>
+                    <a:p>
+                      <a:r>
+                        <a:rPr lang="en-GB" dirty="0" smtClean="0">
+                          <a:effectLst/>
+                        </a:rPr>
+                        <a:t>1.963</a:t>
+                      </a:r>
+                      <a:endParaRPr lang="en-GB" dirty="0"/>
+                    </a:p>
+                  </a:txBody>
+                  <a:tcPr>
+                    <a:solidFill>
+                      <a:schemeClr val="accent6">
+                        <a:lumMod val="60000"/>
+                        <a:lumOff val="40000"/>
+                      </a:schemeClr>
+                    </a:solidFill>
+                  </a:tcPr>
+                </a:tc>
+                <a:tc>
+                  <a:txBody>
+                    <a:bodyPr/>
+                    <a:lstStyle/>
+                    <a:p>
+                      <a:r>
+                        <a:rPr lang="en-GB" dirty="0" smtClean="0">
+                          <a:effectLst/>
+                        </a:rPr>
+                        <a:t>0.016</a:t>
+                      </a:r>
+                      <a:endParaRPr lang="en-GB" dirty="0"/>
+                    </a:p>
+                  </a:txBody>
+                  <a:tcPr>
+                    <a:solidFill>
+                      <a:schemeClr val="accent6">
+                        <a:lumMod val="60000"/>
+                        <a:lumOff val="40000"/>
+                      </a:schemeClr>
+                    </a:solidFill>
+                  </a:tcPr>
+                </a:tc>
+                <a:tc>
+                  <a:txBody>
+                    <a:bodyPr/>
+                    <a:lstStyle/>
+                    <a:p>
+                      <a:pPr marL="0" marR="0" lvl="0" indent="0" algn="l" defTabSz="914400" rtl="0" eaLnBrk="1" fontAlgn="auto" latinLnBrk="0" hangingPunct="1">
+                        <a:lnSpc>
+                          <a:spcPct val="100000"/>
+                        </a:lnSpc>
+                        <a:spcBef>
+                          <a:spcPts val="0"/>
+                        </a:spcBef>
+                        <a:spcAft>
+                          <a:spcPts val="0"/>
+                        </a:spcAft>
+                        <a:buClrTx/>
+                        <a:buSzTx/>
+                        <a:buFontTx/>
+                        <a:buNone/>
+                        <a:tabLst/>
+                        <a:defRPr/>
+                      </a:pPr>
+                      <a:r>
+                        <a:rPr lang="en-IN" dirty="0" err="1" smtClean="0"/>
+                        <a:t>per.loc</a:t>
+                      </a:r>
+                      <a:r>
+                        <a:rPr lang="en-GB" dirty="0" smtClean="0"/>
+                        <a:t>&gt;</a:t>
+                      </a:r>
+                      <a:r>
+                        <a:rPr lang="en-IN" dirty="0" err="1" smtClean="0"/>
+                        <a:t>per.shape</a:t>
+                      </a:r>
+                      <a:r>
+                        <a:rPr lang="en-IN" dirty="0" smtClean="0"/>
+                        <a:t>&gt;</a:t>
+                      </a:r>
+                      <a:r>
+                        <a:rPr lang="en-IN" dirty="0" err="1" smtClean="0"/>
+                        <a:t>per.size</a:t>
+                      </a:r>
+                      <a:endParaRPr lang="en-GB" dirty="0"/>
+                    </a:p>
+                  </a:txBody>
+                  <a:tcPr>
+                    <a:solidFill>
+                      <a:schemeClr val="accent6">
+                        <a:lumMod val="60000"/>
+                        <a:lumOff val="40000"/>
+                      </a:schemeClr>
+                    </a:solidFill>
+                  </a:tcPr>
+                </a:tc>
+              </a:tr>
+              <a:tr h="370840">
+                <a:tc>
+                  <a:txBody>
+                    <a:bodyPr/>
+                    <a:lstStyle/>
+                    <a:p>
+                      <a:pPr marL="0" marR="0" lvl="0" indent="0" algn="l" defTabSz="914400" rtl="0" eaLnBrk="1" fontAlgn="auto" latinLnBrk="0" hangingPunct="1">
+                        <a:lnSpc>
+                          <a:spcPct val="100000"/>
+                        </a:lnSpc>
+                        <a:spcBef>
+                          <a:spcPts val="0"/>
+                        </a:spcBef>
+                        <a:spcAft>
+                          <a:spcPts val="0"/>
+                        </a:spcAft>
+                        <a:buClrTx/>
+                        <a:buSzTx/>
+                        <a:buFontTx/>
+                        <a:buNone/>
+                        <a:tabLst/>
+                        <a:defRPr/>
+                      </a:pPr>
+                      <a:r>
+                        <a:rPr lang="en-IN" dirty="0" smtClean="0"/>
+                        <a:t>Template, G2</a:t>
+                      </a:r>
+                      <a:endParaRPr lang="en-GB" dirty="0" smtClean="0"/>
+                    </a:p>
+                  </a:txBody>
+                  <a:tcPr>
+                    <a:solidFill>
+                      <a:schemeClr val="accent6">
+                        <a:lumMod val="60000"/>
+                        <a:lumOff val="40000"/>
+                      </a:schemeClr>
+                    </a:solidFill>
+                  </a:tcPr>
+                </a:tc>
+                <a:tc>
+                  <a:txBody>
+                    <a:bodyPr/>
+                    <a:lstStyle/>
+                    <a:p>
+                      <a:r>
+                        <a:rPr lang="en-GB" dirty="0" smtClean="0">
+                          <a:effectLst/>
+                        </a:rPr>
+                        <a:t>2.173</a:t>
+                      </a:r>
+                      <a:endParaRPr lang="en-GB" dirty="0"/>
+                    </a:p>
+                  </a:txBody>
+                  <a:tcPr>
+                    <a:solidFill>
+                      <a:schemeClr val="accent6">
+                        <a:lumMod val="60000"/>
+                        <a:lumOff val="40000"/>
+                      </a:schemeClr>
+                    </a:solidFill>
+                  </a:tcPr>
+                </a:tc>
+                <a:tc>
+                  <a:txBody>
+                    <a:bodyPr/>
+                    <a:lstStyle/>
+                    <a:p>
+                      <a:r>
+                        <a:rPr lang="en-GB" dirty="0" smtClean="0">
+                          <a:effectLst/>
+                        </a:rPr>
+                        <a:t>0.022</a:t>
+                      </a:r>
+                      <a:endParaRPr lang="en-GB" dirty="0"/>
+                    </a:p>
+                  </a:txBody>
+                  <a:tcPr>
+                    <a:solidFill>
+                      <a:schemeClr val="accent6">
+                        <a:lumMod val="60000"/>
+                        <a:lumOff val="40000"/>
+                      </a:schemeClr>
+                    </a:solidFill>
+                  </a:tcPr>
+                </a:tc>
+                <a:tc>
+                  <a:txBody>
+                    <a:bodyPr/>
+                    <a:lstStyle/>
+                    <a:p>
+                      <a:pPr marL="0" marR="0" lvl="0" indent="0" algn="l" defTabSz="914400" rtl="0" eaLnBrk="1" fontAlgn="auto" latinLnBrk="0" hangingPunct="1">
+                        <a:lnSpc>
+                          <a:spcPct val="100000"/>
+                        </a:lnSpc>
+                        <a:spcBef>
+                          <a:spcPts val="0"/>
+                        </a:spcBef>
+                        <a:spcAft>
+                          <a:spcPts val="0"/>
+                        </a:spcAft>
+                        <a:buClrTx/>
+                        <a:buSzTx/>
+                        <a:buFontTx/>
+                        <a:buNone/>
+                        <a:tabLst/>
+                        <a:defRPr/>
+                      </a:pPr>
+                      <a:r>
+                        <a:rPr lang="en-IN" dirty="0" err="1" smtClean="0"/>
+                        <a:t>per.loc</a:t>
+                      </a:r>
+                      <a:r>
+                        <a:rPr lang="en-IN" dirty="0" smtClean="0"/>
+                        <a:t>&gt;</a:t>
+                      </a:r>
+                      <a:r>
+                        <a:rPr lang="en-IN" dirty="0" err="1" smtClean="0"/>
+                        <a:t>per.size</a:t>
+                      </a:r>
+                      <a:r>
+                        <a:rPr lang="en-GB" dirty="0" smtClean="0"/>
+                        <a:t>&gt;</a:t>
+                      </a:r>
+                      <a:r>
+                        <a:rPr lang="en-IN" dirty="0" err="1" smtClean="0"/>
+                        <a:t>per.shape</a:t>
+                      </a:r>
+                      <a:endParaRPr lang="en-GB" dirty="0"/>
+                    </a:p>
+                  </a:txBody>
+                  <a:tcPr>
+                    <a:solidFill>
+                      <a:schemeClr val="accent6">
+                        <a:lumMod val="60000"/>
+                        <a:lumOff val="40000"/>
+                      </a:schemeClr>
+                    </a:solidFill>
+                  </a:tcPr>
+                </a:tc>
+              </a:tr>
+              <a:tr h="370840">
+                <a:tc>
+                  <a:txBody>
+                    <a:bodyPr/>
+                    <a:lstStyle/>
+                    <a:p>
+                      <a:pPr marL="0" marR="0" lvl="0" indent="0" algn="l" defTabSz="914400" rtl="0" eaLnBrk="1" fontAlgn="auto" latinLnBrk="0" hangingPunct="1">
+                        <a:lnSpc>
+                          <a:spcPct val="100000"/>
+                        </a:lnSpc>
+                        <a:spcBef>
+                          <a:spcPts val="0"/>
+                        </a:spcBef>
+                        <a:spcAft>
+                          <a:spcPts val="0"/>
+                        </a:spcAft>
+                        <a:buClrTx/>
+                        <a:buSzTx/>
+                        <a:buFontTx/>
+                        <a:buNone/>
+                        <a:tabLst/>
+                        <a:defRPr/>
+                      </a:pPr>
+                      <a:r>
+                        <a:rPr lang="en-IN" dirty="0" smtClean="0"/>
+                        <a:t>Template, G3</a:t>
+                      </a:r>
+                      <a:endParaRPr lang="en-GB" dirty="0" smtClean="0"/>
+                    </a:p>
+                  </a:txBody>
+                  <a:tcPr>
+                    <a:solidFill>
+                      <a:schemeClr val="accent6">
+                        <a:lumMod val="60000"/>
+                        <a:lumOff val="40000"/>
+                      </a:schemeClr>
+                    </a:solidFill>
+                  </a:tcPr>
+                </a:tc>
+                <a:tc>
+                  <a:txBody>
+                    <a:bodyPr/>
+                    <a:lstStyle/>
+                    <a:p>
+                      <a:r>
+                        <a:rPr lang="en-GB" dirty="0" smtClean="0">
+                          <a:effectLst/>
+                        </a:rPr>
+                        <a:t>1.766</a:t>
+                      </a:r>
+                      <a:endParaRPr lang="en-GB" dirty="0"/>
+                    </a:p>
+                  </a:txBody>
+                  <a:tcPr>
+                    <a:solidFill>
+                      <a:schemeClr val="accent6">
+                        <a:lumMod val="60000"/>
+                        <a:lumOff val="40000"/>
+                      </a:schemeClr>
+                    </a:solidFill>
+                  </a:tcPr>
+                </a:tc>
+                <a:tc>
+                  <a:txBody>
+                    <a:bodyPr/>
+                    <a:lstStyle/>
+                    <a:p>
+                      <a:r>
+                        <a:rPr lang="en-GB" dirty="0" smtClean="0">
+                          <a:effectLst/>
+                        </a:rPr>
+                        <a:t>0.055</a:t>
+                      </a:r>
+                      <a:endParaRPr lang="en-GB" dirty="0"/>
+                    </a:p>
+                  </a:txBody>
+                  <a:tcPr>
+                    <a:solidFill>
+                      <a:schemeClr val="accent6">
+                        <a:lumMod val="60000"/>
+                        <a:lumOff val="40000"/>
+                      </a:schemeClr>
+                    </a:solidFill>
+                  </a:tcPr>
+                </a:tc>
+                <a:tc>
+                  <a:txBody>
+                    <a:bodyPr/>
+                    <a:lstStyle/>
+                    <a:p>
+                      <a:pPr marL="0" marR="0" lvl="0" indent="0" algn="l" defTabSz="914400" rtl="0" eaLnBrk="1" fontAlgn="auto" latinLnBrk="0" hangingPunct="1">
+                        <a:lnSpc>
+                          <a:spcPct val="100000"/>
+                        </a:lnSpc>
+                        <a:spcBef>
+                          <a:spcPts val="0"/>
+                        </a:spcBef>
+                        <a:spcAft>
+                          <a:spcPts val="0"/>
+                        </a:spcAft>
+                        <a:buClrTx/>
+                        <a:buSzTx/>
+                        <a:buFontTx/>
+                        <a:buNone/>
+                        <a:tabLst/>
+                        <a:defRPr/>
+                      </a:pPr>
+                      <a:r>
+                        <a:rPr lang="en-IN" dirty="0" err="1" smtClean="0"/>
+                        <a:t>per.loc</a:t>
+                      </a:r>
+                      <a:r>
+                        <a:rPr lang="en-GB" dirty="0" smtClean="0"/>
+                        <a:t>&gt;</a:t>
+                      </a:r>
+                      <a:r>
+                        <a:rPr lang="en-IN" dirty="0" err="1" smtClean="0"/>
+                        <a:t>per.shape</a:t>
+                      </a:r>
+                      <a:r>
+                        <a:rPr lang="en-IN" dirty="0" smtClean="0"/>
+                        <a:t>&gt;</a:t>
+                      </a:r>
+                      <a:r>
+                        <a:rPr lang="en-IN" dirty="0" err="1" smtClean="0"/>
+                        <a:t>per.size</a:t>
+                      </a:r>
+                      <a:endParaRPr lang="en-GB" dirty="0"/>
+                    </a:p>
+                  </a:txBody>
+                  <a:tcPr>
+                    <a:solidFill>
+                      <a:schemeClr val="accent6">
+                        <a:lumMod val="60000"/>
+                        <a:lumOff val="40000"/>
+                      </a:schemeClr>
+                    </a:solidFill>
+                  </a:tcPr>
+                </a:tc>
+              </a:tr>
+              <a:tr h="370840">
+                <a:tc>
+                  <a:txBody>
+                    <a:bodyPr/>
+                    <a:lstStyle/>
+                    <a:p>
+                      <a:pPr marL="0" marR="0" lvl="0" indent="0" algn="l" defTabSz="914400" rtl="0" eaLnBrk="1" fontAlgn="auto" latinLnBrk="0" hangingPunct="1">
+                        <a:lnSpc>
+                          <a:spcPct val="100000"/>
+                        </a:lnSpc>
+                        <a:spcBef>
+                          <a:spcPts val="0"/>
+                        </a:spcBef>
+                        <a:spcAft>
+                          <a:spcPts val="0"/>
+                        </a:spcAft>
+                        <a:buClrTx/>
+                        <a:buSzTx/>
+                        <a:buFontTx/>
+                        <a:buNone/>
+                        <a:tabLst/>
+                        <a:defRPr/>
+                      </a:pPr>
+                      <a:r>
+                        <a:rPr lang="en-IN" dirty="0" smtClean="0"/>
+                        <a:t>Template, G4</a:t>
+                      </a:r>
+                      <a:endParaRPr lang="en-GB" dirty="0" smtClean="0"/>
+                    </a:p>
+                  </a:txBody>
+                  <a:tcPr/>
+                </a:tc>
+                <a:tc>
+                  <a:txBody>
+                    <a:bodyPr/>
+                    <a:lstStyle/>
+                    <a:p>
+                      <a:r>
+                        <a:rPr lang="en-GB" dirty="0" smtClean="0">
+                          <a:effectLst/>
+                        </a:rPr>
+                        <a:t>3.878</a:t>
+                      </a:r>
+                      <a:endParaRPr lang="en-GB" dirty="0"/>
+                    </a:p>
+                  </a:txBody>
+                  <a:tcPr/>
+                </a:tc>
+                <a:tc>
+                  <a:txBody>
+                    <a:bodyPr/>
+                    <a:lstStyle/>
+                    <a:p>
+                      <a:r>
+                        <a:rPr lang="en-GB" dirty="0" smtClean="0">
+                          <a:effectLst/>
+                        </a:rPr>
+                        <a:t>0.00009</a:t>
+                      </a:r>
+                      <a:endParaRPr lang="en-GB" dirty="0"/>
+                    </a:p>
+                  </a:txBody>
+                  <a:tcPr/>
+                </a:tc>
+                <a:tc>
+                  <a:txBody>
+                    <a:bodyPr/>
+                    <a:lstStyle/>
+                    <a:p>
+                      <a:pPr marL="0" marR="0" lvl="0" indent="0" algn="l" defTabSz="914400" rtl="0" eaLnBrk="1" fontAlgn="auto" latinLnBrk="0" hangingPunct="1">
+                        <a:lnSpc>
+                          <a:spcPct val="100000"/>
+                        </a:lnSpc>
+                        <a:spcBef>
+                          <a:spcPts val="0"/>
+                        </a:spcBef>
+                        <a:spcAft>
+                          <a:spcPts val="0"/>
+                        </a:spcAft>
+                        <a:buClrTx/>
+                        <a:buSzTx/>
+                        <a:buFontTx/>
+                        <a:buNone/>
+                        <a:tabLst/>
+                        <a:defRPr/>
+                      </a:pPr>
+                      <a:r>
+                        <a:rPr lang="en-IN" dirty="0" err="1" smtClean="0"/>
+                        <a:t>per.loc</a:t>
+                      </a:r>
+                      <a:r>
+                        <a:rPr lang="en-IN" dirty="0" smtClean="0"/>
+                        <a:t>&gt;</a:t>
+                      </a:r>
+                      <a:r>
+                        <a:rPr lang="en-IN" dirty="0" err="1" smtClean="0"/>
+                        <a:t>per.size</a:t>
+                      </a:r>
+                      <a:r>
+                        <a:rPr lang="en-GB" dirty="0" smtClean="0"/>
+                        <a:t>&gt;</a:t>
+                      </a:r>
+                      <a:r>
+                        <a:rPr lang="en-IN" dirty="0" err="1" smtClean="0"/>
+                        <a:t>per.shape</a:t>
+                      </a:r>
+                      <a:endParaRPr lang="en-GB" dirty="0"/>
+                    </a:p>
+                  </a:txBody>
+                  <a:tcPr/>
+                </a:tc>
+              </a:tr>
+              <a:tr h="370840">
+                <a:tc>
+                  <a:txBody>
+                    <a:bodyPr/>
+                    <a:lstStyle/>
+                    <a:p>
+                      <a:pPr marL="0" marR="0" lvl="0" indent="0" algn="l" defTabSz="914400" rtl="0" eaLnBrk="1" fontAlgn="auto" latinLnBrk="0" hangingPunct="1">
+                        <a:lnSpc>
+                          <a:spcPct val="100000"/>
+                        </a:lnSpc>
+                        <a:spcBef>
+                          <a:spcPts val="0"/>
+                        </a:spcBef>
+                        <a:spcAft>
+                          <a:spcPts val="0"/>
+                        </a:spcAft>
+                        <a:buClrTx/>
+                        <a:buSzTx/>
+                        <a:buFontTx/>
+                        <a:buNone/>
+                        <a:tabLst/>
+                        <a:defRPr/>
+                      </a:pPr>
+                      <a:r>
+                        <a:rPr lang="en-IN" dirty="0" smtClean="0"/>
+                        <a:t>Template, G5</a:t>
+                      </a:r>
+                      <a:endParaRPr lang="en-GB" dirty="0" smtClean="0"/>
+                    </a:p>
+                  </a:txBody>
+                  <a:tcPr/>
+                </a:tc>
+                <a:tc>
+                  <a:txBody>
+                    <a:bodyPr/>
+                    <a:lstStyle/>
+                    <a:p>
+                      <a:r>
+                        <a:rPr lang="en-GB" dirty="0" smtClean="0">
+                          <a:effectLst/>
+                        </a:rPr>
+                        <a:t>4.607</a:t>
+                      </a:r>
+                      <a:endParaRPr lang="en-GB" dirty="0"/>
+                    </a:p>
+                  </a:txBody>
+                  <a:tcPr/>
+                </a:tc>
+                <a:tc>
+                  <a:txBody>
+                    <a:bodyPr/>
+                    <a:lstStyle/>
+                    <a:p>
+                      <a:r>
+                        <a:rPr lang="en-GB" dirty="0" smtClean="0">
+                          <a:effectLst/>
+                        </a:rPr>
+                        <a:t>0.00009</a:t>
+                      </a:r>
+                      <a:endParaRPr lang="en-GB" dirty="0"/>
+                    </a:p>
+                  </a:txBody>
+                  <a:tcPr/>
+                </a:tc>
+                <a:tc>
+                  <a:txBody>
+                    <a:bodyPr/>
+                    <a:lstStyle/>
+                    <a:p>
+                      <a:pPr marL="0" marR="0" lvl="0" indent="0" algn="l" defTabSz="914400" rtl="0" eaLnBrk="1" fontAlgn="auto" latinLnBrk="0" hangingPunct="1">
+                        <a:lnSpc>
+                          <a:spcPct val="100000"/>
+                        </a:lnSpc>
+                        <a:spcBef>
+                          <a:spcPts val="0"/>
+                        </a:spcBef>
+                        <a:spcAft>
+                          <a:spcPts val="0"/>
+                        </a:spcAft>
+                        <a:buClrTx/>
+                        <a:buSzTx/>
+                        <a:buFontTx/>
+                        <a:buNone/>
+                        <a:tabLst/>
+                        <a:defRPr/>
+                      </a:pPr>
+                      <a:r>
+                        <a:rPr lang="en-IN" dirty="0" err="1" smtClean="0"/>
+                        <a:t>per.loc</a:t>
+                      </a:r>
+                      <a:r>
+                        <a:rPr lang="en-GB" dirty="0" smtClean="0"/>
+                        <a:t>&gt;</a:t>
+                      </a:r>
+                      <a:r>
+                        <a:rPr lang="en-IN" dirty="0" err="1" smtClean="0"/>
+                        <a:t>per.shape</a:t>
+                      </a:r>
+                      <a:r>
+                        <a:rPr lang="en-IN" dirty="0" smtClean="0"/>
+                        <a:t>&gt;</a:t>
+                      </a:r>
+                      <a:r>
+                        <a:rPr lang="en-IN" dirty="0" err="1" smtClean="0"/>
+                        <a:t>per.size</a:t>
+                      </a:r>
+                      <a:endParaRPr lang="en-GB" dirty="0"/>
+                    </a:p>
+                  </a:txBody>
+                  <a:tcPr/>
+                </a:tc>
+              </a:tr>
+            </a:tbl>
+          </a:graphicData>
+        </a:graphic>
+      </p:graphicFrame>
+    </p:spTree>
+    <p:extLst>
+      <p:ext uri="{BB962C8B-B14F-4D97-AF65-F5344CB8AC3E}">
+        <p14:creationId xmlns:p14="http://schemas.microsoft.com/office/powerpoint/2010/main" val="4255772272"/>
+      </p:ext>
+    </p:extLst>
+  </p:cSld>
+  <p:clrMapOvr>
+    <a:masterClrMapping/>
+  </p:clrMapOvr>
+</p:sld>
+</file>
+
+<file path=ppt/slides/slide99.xml><?xml version="1.0" encoding="utf-8"?>
+<p:sld xmlns:a="http://schemas.openxmlformats.org/drawingml/2006/main" xmlns:r="http://schemas.openxmlformats.org/officeDocument/2006/relationships" xmlns:p="http://schemas.openxmlformats.org/presentationml/2006/main">
+  <p:cSld>
+    <p:spTree>
+      <p:nvGrpSpPr>
+        <p:cNvPr id="1" name=""/>
+        <p:cNvGrpSpPr/>
+        <p:nvPr/>
+      </p:nvGrpSpPr>
+      <p:grpSpPr>
+        <a:xfrm>
+          <a:off x="0" y="0"/>
+          <a:ext cx="0" cy="0"/>
+          <a:chOff x="0" y="0"/>
+          <a:chExt cx="0" cy="0"/>
+        </a:xfrm>
+      </p:grpSpPr>
+      <p:sp>
+        <p:nvSpPr>
+          <p:cNvPr id="2" name="Title 1"/>
+          <p:cNvSpPr>
+            <a:spLocks noGrp="1"/>
+          </p:cNvSpPr>
+          <p:nvPr>
+            <p:ph type="title"/>
+          </p:nvPr>
+        </p:nvSpPr>
+        <p:spPr/>
+        <p:txBody>
+          <a:bodyPr/>
+          <a:lstStyle/>
+          <a:p>
+            <a:r>
+              <a:rPr lang="en-IN" dirty="0" smtClean="0"/>
+              <a:t>Wasserstein Metric</a:t>
+            </a:r>
+            <a:br>
+              <a:rPr lang="en-IN" dirty="0" smtClean="0"/>
+            </a:br>
+            <a:r>
+              <a:rPr lang="en-IN" sz="2800" dirty="0" smtClean="0"/>
+              <a:t>Hubs</a:t>
+            </a:r>
+            <a:endParaRPr lang="en-GB" dirty="0"/>
+          </a:p>
+        </p:txBody>
+      </p:sp>
+      <p:graphicFrame>
+        <p:nvGraphicFramePr>
+          <p:cNvPr id="4" name="Content Placeholder 3"/>
+          <p:cNvGraphicFramePr>
+            <a:graphicFrameLocks noGrp="1"/>
+          </p:cNvGraphicFramePr>
+          <p:nvPr>
+            <p:ph idx="1"/>
+            <p:extLst>
+              <p:ext uri="{D42A27DB-BD31-4B8C-83A1-F6EECF244321}">
+                <p14:modId xmlns:p14="http://schemas.microsoft.com/office/powerpoint/2010/main" val="2318599221"/>
+              </p:ext>
+            </p:extLst>
+          </p:nvPr>
+        </p:nvGraphicFramePr>
+        <p:xfrm>
+          <a:off x="838200" y="1825625"/>
+          <a:ext cx="10515600" cy="2225040"/>
+        </p:xfrm>
+        <a:graphic>
+          <a:graphicData uri="http://schemas.openxmlformats.org/drawingml/2006/table">
+            <a:tbl>
+              <a:tblPr firstRow="1" bandRow="1">
+                <a:tableStyleId>{5C22544A-7EE6-4342-B048-85BDC9FD1C3A}</a:tableStyleId>
+              </a:tblPr>
+              <a:tblGrid>
+                <a:gridCol w="2628900"/>
+                <a:gridCol w="2114191"/>
+                <a:gridCol w="1613139"/>
+                <a:gridCol w="4159370"/>
+              </a:tblGrid>
+              <a:tr h="370840">
+                <a:tc>
+                  <a:txBody>
+                    <a:bodyPr/>
+                    <a:lstStyle/>
+                    <a:p>
+                      <a:r>
+                        <a:rPr lang="en-IN" dirty="0" smtClean="0"/>
+                        <a:t>Graph Name</a:t>
+                      </a:r>
+                      <a:endParaRPr lang="en-GB" dirty="0"/>
+                    </a:p>
+                  </a:txBody>
+                  <a:tcPr/>
+                </a:tc>
+                <a:tc>
+                  <a:txBody>
+                    <a:bodyPr/>
+                    <a:lstStyle/>
+                    <a:p>
+                      <a:r>
+                        <a:rPr lang="en-IN" dirty="0" smtClean="0"/>
+                        <a:t>Wasserstein Metric</a:t>
+                      </a:r>
+                      <a:endParaRPr lang="en-GB" dirty="0"/>
+                    </a:p>
+                  </a:txBody>
+                  <a:tcPr/>
+                </a:tc>
+                <a:tc>
+                  <a:txBody>
+                    <a:bodyPr/>
+                    <a:lstStyle/>
+                    <a:p>
+                      <a:r>
+                        <a:rPr lang="en-IN" dirty="0" smtClean="0"/>
+                        <a:t>P-value</a:t>
+                      </a:r>
+                      <a:endParaRPr lang="en-GB" dirty="0"/>
+                    </a:p>
+                  </a:txBody>
+                  <a:tcPr/>
+                </a:tc>
+                <a:tc>
+                  <a:txBody>
+                    <a:bodyPr/>
+                    <a:lstStyle/>
+                    <a:p>
+                      <a:r>
+                        <a:rPr lang="en-IN" dirty="0" smtClean="0"/>
+                        <a:t>Difference</a:t>
+                      </a:r>
+                      <a:endParaRPr lang="en-GB" dirty="0"/>
+                    </a:p>
+                  </a:txBody>
+                  <a:tcPr/>
+                </a:tc>
+              </a:tr>
+              <a:tr h="370840">
+                <a:tc>
+                  <a:txBody>
+                    <a:bodyPr/>
+                    <a:lstStyle/>
+                    <a:p>
+                      <a:r>
+                        <a:rPr lang="en-IN" dirty="0" smtClean="0"/>
+                        <a:t>Template, G1</a:t>
+                      </a:r>
+                      <a:endParaRPr lang="en-GB" dirty="0"/>
+                    </a:p>
+                  </a:txBody>
+                  <a:tcPr>
+                    <a:solidFill>
+                      <a:schemeClr val="accent6">
+                        <a:lumMod val="60000"/>
+                        <a:lumOff val="40000"/>
+                      </a:schemeClr>
+                    </a:solidFill>
+                  </a:tcPr>
+                </a:tc>
+                <a:tc>
+                  <a:txBody>
+                    <a:bodyPr/>
+                    <a:lstStyle/>
+                    <a:p>
+                      <a:r>
+                        <a:rPr lang="en-GB" dirty="0" smtClean="0">
+                          <a:effectLst/>
+                        </a:rPr>
+                        <a:t>0.106</a:t>
+                      </a:r>
+                      <a:endParaRPr lang="en-GB" dirty="0"/>
+                    </a:p>
+                  </a:txBody>
+                  <a:tcPr>
+                    <a:solidFill>
+                      <a:schemeClr val="accent6">
+                        <a:lumMod val="60000"/>
+                        <a:lumOff val="40000"/>
+                      </a:schemeClr>
+                    </a:solidFill>
+                  </a:tcPr>
+                </a:tc>
+                <a:tc>
+                  <a:txBody>
+                    <a:bodyPr/>
+                    <a:lstStyle/>
+                    <a:p>
+                      <a:r>
+                        <a:rPr lang="en-GB" dirty="0" smtClean="0">
+                          <a:effectLst/>
+                        </a:rPr>
+                        <a:t>0.557</a:t>
+                      </a:r>
+                      <a:endParaRPr lang="en-GB" dirty="0"/>
+                    </a:p>
+                  </a:txBody>
+                  <a:tcPr>
+                    <a:solidFill>
+                      <a:schemeClr val="accent6">
+                        <a:lumMod val="60000"/>
+                        <a:lumOff val="40000"/>
+                      </a:schemeClr>
+                    </a:solidFill>
+                  </a:tcPr>
+                </a:tc>
+                <a:tc>
+                  <a:txBody>
+                    <a:bodyPr/>
+                    <a:lstStyle/>
+                    <a:p>
+                      <a:pPr marL="0" marR="0" lvl="0" indent="0" algn="l" defTabSz="914400" rtl="0" eaLnBrk="1" fontAlgn="auto" latinLnBrk="0" hangingPunct="1">
+                        <a:lnSpc>
+                          <a:spcPct val="100000"/>
+                        </a:lnSpc>
+                        <a:spcBef>
+                          <a:spcPts val="0"/>
+                        </a:spcBef>
+                        <a:spcAft>
+                          <a:spcPts val="0"/>
+                        </a:spcAft>
+                        <a:buClrTx/>
+                        <a:buSzTx/>
+                        <a:buFontTx/>
+                        <a:buNone/>
+                        <a:tabLst/>
+                        <a:defRPr/>
+                      </a:pPr>
+                      <a:r>
+                        <a:rPr lang="en-IN" dirty="0" err="1" smtClean="0"/>
+                        <a:t>per.shape</a:t>
+                      </a:r>
+                      <a:r>
+                        <a:rPr lang="en-IN" dirty="0" smtClean="0"/>
+                        <a:t>&gt;</a:t>
+                      </a:r>
+                      <a:r>
+                        <a:rPr lang="en-IN" dirty="0" err="1" smtClean="0"/>
+                        <a:t>per.loc</a:t>
+                      </a:r>
+                      <a:r>
+                        <a:rPr lang="en-IN" dirty="0" smtClean="0"/>
+                        <a:t>&gt;</a:t>
+                      </a:r>
+                      <a:r>
+                        <a:rPr lang="en-IN" dirty="0" err="1" smtClean="0"/>
+                        <a:t>per.size</a:t>
+                      </a:r>
+                      <a:r>
+                        <a:rPr lang="en-GB" dirty="0" smtClean="0"/>
+                        <a:t>&gt;</a:t>
+                      </a:r>
+                      <a:endParaRPr lang="en-GB" dirty="0"/>
+                    </a:p>
+                  </a:txBody>
+                  <a:tcPr>
+                    <a:solidFill>
+                      <a:schemeClr val="accent6">
+                        <a:lumMod val="60000"/>
+                        <a:lumOff val="40000"/>
+                      </a:schemeClr>
+                    </a:solidFill>
+                  </a:tcPr>
+                </a:tc>
+              </a:tr>
+              <a:tr h="370840">
+                <a:tc>
+                  <a:txBody>
+                    <a:bodyPr/>
+                    <a:lstStyle/>
+                    <a:p>
+                      <a:pPr marL="0" marR="0" lvl="0" indent="0" algn="l" defTabSz="914400" rtl="0" eaLnBrk="1" fontAlgn="auto" latinLnBrk="0" hangingPunct="1">
+                        <a:lnSpc>
+                          <a:spcPct val="100000"/>
+                        </a:lnSpc>
+                        <a:spcBef>
+                          <a:spcPts val="0"/>
+                        </a:spcBef>
+                        <a:spcAft>
+                          <a:spcPts val="0"/>
+                        </a:spcAft>
+                        <a:buClrTx/>
+                        <a:buSzTx/>
+                        <a:buFontTx/>
+                        <a:buNone/>
+                        <a:tabLst/>
+                        <a:defRPr/>
+                      </a:pPr>
+                      <a:r>
+                        <a:rPr lang="en-IN" dirty="0" smtClean="0"/>
+                        <a:t>Template, G2</a:t>
+                      </a:r>
+                      <a:endParaRPr lang="en-GB" dirty="0" smtClean="0"/>
+                    </a:p>
+                  </a:txBody>
+                  <a:tcPr>
+                    <a:solidFill>
+                      <a:schemeClr val="accent6">
+                        <a:lumMod val="60000"/>
+                        <a:lumOff val="40000"/>
+                      </a:schemeClr>
+                    </a:solidFill>
+                  </a:tcPr>
+                </a:tc>
+                <a:tc>
+                  <a:txBody>
+                    <a:bodyPr/>
+                    <a:lstStyle/>
+                    <a:p>
+                      <a:r>
+                        <a:rPr lang="en-GB" dirty="0" smtClean="0">
+                          <a:effectLst/>
+                        </a:rPr>
+                        <a:t>0.136</a:t>
+                      </a:r>
+                      <a:endParaRPr lang="en-GB" dirty="0"/>
+                    </a:p>
+                  </a:txBody>
+                  <a:tcPr>
+                    <a:solidFill>
+                      <a:schemeClr val="accent6">
+                        <a:lumMod val="60000"/>
+                        <a:lumOff val="40000"/>
+                      </a:schemeClr>
+                    </a:solidFill>
+                  </a:tcPr>
+                </a:tc>
+                <a:tc>
+                  <a:txBody>
+                    <a:bodyPr/>
+                    <a:lstStyle/>
+                    <a:p>
+                      <a:r>
+                        <a:rPr lang="en-GB" dirty="0" smtClean="0">
+                          <a:effectLst/>
+                        </a:rPr>
+                        <a:t>0.335</a:t>
+                      </a:r>
+                      <a:endParaRPr lang="en-GB" dirty="0"/>
+                    </a:p>
+                  </a:txBody>
+                  <a:tcPr>
+                    <a:solidFill>
+                      <a:schemeClr val="accent6">
+                        <a:lumMod val="60000"/>
+                        <a:lumOff val="40000"/>
+                      </a:schemeClr>
+                    </a:solidFill>
+                  </a:tcPr>
+                </a:tc>
+                <a:tc>
+                  <a:txBody>
+                    <a:bodyPr/>
+                    <a:lstStyle/>
+                    <a:p>
+                      <a:pPr marL="0" marR="0" lvl="0" indent="0" algn="l" defTabSz="914400" rtl="0" eaLnBrk="1" fontAlgn="auto" latinLnBrk="0" hangingPunct="1">
+                        <a:lnSpc>
+                          <a:spcPct val="100000"/>
+                        </a:lnSpc>
+                        <a:spcBef>
+                          <a:spcPts val="0"/>
+                        </a:spcBef>
+                        <a:spcAft>
+                          <a:spcPts val="0"/>
+                        </a:spcAft>
+                        <a:buClrTx/>
+                        <a:buSzTx/>
+                        <a:buFontTx/>
+                        <a:buNone/>
+                        <a:tabLst/>
+                        <a:defRPr/>
+                      </a:pPr>
+                      <a:r>
+                        <a:rPr lang="en-IN" dirty="0" err="1" smtClean="0"/>
+                        <a:t>per.shape</a:t>
+                      </a:r>
+                      <a:r>
+                        <a:rPr lang="en-IN" dirty="0" smtClean="0"/>
+                        <a:t>&gt;</a:t>
+                      </a:r>
+                      <a:r>
+                        <a:rPr lang="en-IN" dirty="0" err="1" smtClean="0"/>
+                        <a:t>per.loc</a:t>
+                      </a:r>
+                      <a:r>
+                        <a:rPr lang="en-IN" dirty="0" smtClean="0"/>
+                        <a:t>&gt;</a:t>
+                      </a:r>
+                      <a:r>
+                        <a:rPr lang="en-IN" dirty="0" err="1" smtClean="0"/>
+                        <a:t>per.size</a:t>
+                      </a:r>
+                      <a:r>
+                        <a:rPr lang="en-GB" dirty="0" smtClean="0"/>
+                        <a:t>&gt;</a:t>
+                      </a:r>
+                      <a:endParaRPr lang="en-GB" dirty="0"/>
+                    </a:p>
+                  </a:txBody>
+                  <a:tcPr>
+                    <a:solidFill>
+                      <a:schemeClr val="accent6">
+                        <a:lumMod val="60000"/>
+                        <a:lumOff val="40000"/>
+                      </a:schemeClr>
+                    </a:solidFill>
+                  </a:tcPr>
+                </a:tc>
+              </a:tr>
+              <a:tr h="370840">
+                <a:tc>
+                  <a:txBody>
+                    <a:bodyPr/>
+                    <a:lstStyle/>
+                    <a:p>
+                      <a:pPr marL="0" marR="0" lvl="0" indent="0" algn="l" defTabSz="914400" rtl="0" eaLnBrk="1" fontAlgn="auto" latinLnBrk="0" hangingPunct="1">
+                        <a:lnSpc>
+                          <a:spcPct val="100000"/>
+                        </a:lnSpc>
+                        <a:spcBef>
+                          <a:spcPts val="0"/>
+                        </a:spcBef>
+                        <a:spcAft>
+                          <a:spcPts val="0"/>
+                        </a:spcAft>
+                        <a:buClrTx/>
+                        <a:buSzTx/>
+                        <a:buFontTx/>
+                        <a:buNone/>
+                        <a:tabLst/>
+                        <a:defRPr/>
+                      </a:pPr>
+                      <a:r>
+                        <a:rPr lang="en-IN" dirty="0" smtClean="0"/>
+                        <a:t>Template, G3</a:t>
+                      </a:r>
+                      <a:endParaRPr lang="en-GB" dirty="0" smtClean="0"/>
+                    </a:p>
+                  </a:txBody>
+                  <a:tcPr>
+                    <a:solidFill>
+                      <a:schemeClr val="accent6">
+                        <a:lumMod val="60000"/>
+                        <a:lumOff val="40000"/>
+                      </a:schemeClr>
+                    </a:solidFill>
+                  </a:tcPr>
+                </a:tc>
+                <a:tc>
+                  <a:txBody>
+                    <a:bodyPr/>
+                    <a:lstStyle/>
+                    <a:p>
+                      <a:r>
+                        <a:rPr lang="en-GB" dirty="0" smtClean="0">
+                          <a:effectLst/>
+                        </a:rPr>
+                        <a:t>0.150</a:t>
+                      </a:r>
+                      <a:endParaRPr lang="en-GB" dirty="0"/>
+                    </a:p>
+                  </a:txBody>
+                  <a:tcPr>
+                    <a:solidFill>
+                      <a:schemeClr val="accent6">
+                        <a:lumMod val="60000"/>
+                        <a:lumOff val="40000"/>
+                      </a:schemeClr>
+                    </a:solidFill>
+                  </a:tcPr>
+                </a:tc>
+                <a:tc>
+                  <a:txBody>
+                    <a:bodyPr/>
+                    <a:lstStyle/>
+                    <a:p>
+                      <a:r>
+                        <a:rPr lang="en-GB" dirty="0" smtClean="0">
+                          <a:effectLst/>
+                        </a:rPr>
+                        <a:t>0.275</a:t>
+                      </a:r>
+                      <a:endParaRPr lang="en-GB" dirty="0"/>
+                    </a:p>
+                  </a:txBody>
+                  <a:tcPr>
+                    <a:solidFill>
+                      <a:schemeClr val="accent6">
+                        <a:lumMod val="60000"/>
+                        <a:lumOff val="40000"/>
+                      </a:schemeClr>
+                    </a:solidFill>
+                  </a:tcPr>
+                </a:tc>
+                <a:tc>
+                  <a:txBody>
+                    <a:bodyPr/>
+                    <a:lstStyle/>
+                    <a:p>
+                      <a:pPr marL="0" marR="0" lvl="0" indent="0" algn="l" defTabSz="914400" rtl="0" eaLnBrk="1" fontAlgn="auto" latinLnBrk="0" hangingPunct="1">
+                        <a:lnSpc>
+                          <a:spcPct val="100000"/>
+                        </a:lnSpc>
+                        <a:spcBef>
+                          <a:spcPts val="0"/>
+                        </a:spcBef>
+                        <a:spcAft>
+                          <a:spcPts val="0"/>
+                        </a:spcAft>
+                        <a:buClrTx/>
+                        <a:buSzTx/>
+                        <a:buFontTx/>
+                        <a:buNone/>
+                        <a:tabLst/>
+                        <a:defRPr/>
+                      </a:pPr>
+                      <a:r>
+                        <a:rPr lang="en-IN" dirty="0" err="1" smtClean="0"/>
+                        <a:t>per.shape</a:t>
+                      </a:r>
+                      <a:r>
+                        <a:rPr lang="en-IN" dirty="0" smtClean="0"/>
+                        <a:t>&gt;</a:t>
+                      </a:r>
+                      <a:r>
+                        <a:rPr lang="en-IN" dirty="0" err="1" smtClean="0"/>
+                        <a:t>per.loc</a:t>
+                      </a:r>
+                      <a:r>
+                        <a:rPr lang="en-IN" dirty="0" smtClean="0"/>
+                        <a:t>&gt;</a:t>
+                      </a:r>
+                      <a:r>
+                        <a:rPr lang="en-IN" dirty="0" err="1" smtClean="0"/>
+                        <a:t>per.size</a:t>
+                      </a:r>
+                      <a:r>
+                        <a:rPr lang="en-GB" dirty="0" smtClean="0"/>
+                        <a:t>&gt;</a:t>
+                      </a:r>
+                      <a:endParaRPr lang="en-GB" dirty="0"/>
+                    </a:p>
+                  </a:txBody>
+                  <a:tcPr>
+                    <a:solidFill>
+                      <a:schemeClr val="accent6">
+                        <a:lumMod val="60000"/>
+                        <a:lumOff val="40000"/>
+                      </a:schemeClr>
+                    </a:solidFill>
+                  </a:tcPr>
+                </a:tc>
+              </a:tr>
+              <a:tr h="370840">
+                <a:tc>
+                  <a:txBody>
+                    <a:bodyPr/>
+                    <a:lstStyle/>
+                    <a:p>
+                      <a:pPr marL="0" marR="0" lvl="0" indent="0" algn="l" defTabSz="914400" rtl="0" eaLnBrk="1" fontAlgn="auto" latinLnBrk="0" hangingPunct="1">
+                        <a:lnSpc>
+                          <a:spcPct val="100000"/>
+                        </a:lnSpc>
+                        <a:spcBef>
+                          <a:spcPts val="0"/>
+                        </a:spcBef>
+                        <a:spcAft>
+                          <a:spcPts val="0"/>
+                        </a:spcAft>
+                        <a:buClrTx/>
+                        <a:buSzTx/>
+                        <a:buFontTx/>
+                        <a:buNone/>
+                        <a:tabLst/>
+                        <a:defRPr/>
+                      </a:pPr>
+                      <a:r>
+                        <a:rPr lang="en-IN" dirty="0" smtClean="0"/>
+                        <a:t>Template, G4</a:t>
+                      </a:r>
+                      <a:endParaRPr lang="en-GB" dirty="0" smtClean="0"/>
+                    </a:p>
+                  </a:txBody>
+                  <a:tcPr/>
+                </a:tc>
+                <a:tc>
+                  <a:txBody>
+                    <a:bodyPr/>
+                    <a:lstStyle/>
+                    <a:p>
+                      <a:r>
+                        <a:rPr lang="en-GB" dirty="0" smtClean="0">
+                          <a:effectLst/>
+                        </a:rPr>
+                        <a:t>0.293</a:t>
+                      </a:r>
+                      <a:endParaRPr lang="en-GB" dirty="0"/>
+                    </a:p>
+                  </a:txBody>
+                  <a:tcPr/>
+                </a:tc>
+                <a:tc>
+                  <a:txBody>
+                    <a:bodyPr/>
+                    <a:lstStyle/>
+                    <a:p>
+                      <a:r>
+                        <a:rPr lang="en-GB" dirty="0" smtClean="0">
+                          <a:effectLst/>
+                        </a:rPr>
+                        <a:t>0.082</a:t>
+                      </a:r>
+                      <a:endParaRPr lang="en-GB" dirty="0"/>
+                    </a:p>
+                  </a:txBody>
+                  <a:tcPr/>
+                </a:tc>
+                <a:tc>
+                  <a:txBody>
+                    <a:bodyPr/>
+                    <a:lstStyle/>
+                    <a:p>
+                      <a:pPr marL="0" marR="0" lvl="0" indent="0" algn="l" defTabSz="914400" rtl="0" eaLnBrk="1" fontAlgn="auto" latinLnBrk="0" hangingPunct="1">
+                        <a:lnSpc>
+                          <a:spcPct val="100000"/>
+                        </a:lnSpc>
+                        <a:spcBef>
+                          <a:spcPts val="0"/>
+                        </a:spcBef>
+                        <a:spcAft>
+                          <a:spcPts val="0"/>
+                        </a:spcAft>
+                        <a:buClrTx/>
+                        <a:buSzTx/>
+                        <a:buFontTx/>
+                        <a:buNone/>
+                        <a:tabLst/>
+                        <a:defRPr/>
+                      </a:pPr>
+                      <a:r>
+                        <a:rPr lang="en-IN" dirty="0" err="1" smtClean="0"/>
+                        <a:t>per.loc</a:t>
+                      </a:r>
+                      <a:r>
+                        <a:rPr lang="en-IN" dirty="0" smtClean="0"/>
+                        <a:t>&gt;</a:t>
+                      </a:r>
+                      <a:r>
+                        <a:rPr lang="en-IN" dirty="0" err="1" smtClean="0"/>
+                        <a:t>per.shape</a:t>
+                      </a:r>
+                      <a:r>
+                        <a:rPr lang="en-IN" dirty="0" smtClean="0"/>
+                        <a:t>&gt;</a:t>
+                      </a:r>
+                      <a:r>
+                        <a:rPr lang="en-IN" dirty="0" err="1" smtClean="0"/>
+                        <a:t>per.size</a:t>
+                      </a:r>
+                      <a:r>
+                        <a:rPr lang="en-GB" dirty="0" smtClean="0"/>
+                        <a:t>&gt;</a:t>
+                      </a:r>
+                      <a:endParaRPr lang="en-GB" dirty="0"/>
+                    </a:p>
+                  </a:txBody>
+                  <a:tcPr/>
+                </a:tc>
+              </a:tr>
+              <a:tr h="370840">
+                <a:tc>
+                  <a:txBody>
+                    <a:bodyPr/>
+                    <a:lstStyle/>
+                    <a:p>
+                      <a:pPr marL="0" marR="0" lvl="0" indent="0" algn="l" defTabSz="914400" rtl="0" eaLnBrk="1" fontAlgn="auto" latinLnBrk="0" hangingPunct="1">
+                        <a:lnSpc>
+                          <a:spcPct val="100000"/>
+                        </a:lnSpc>
+                        <a:spcBef>
+                          <a:spcPts val="0"/>
+                        </a:spcBef>
+                        <a:spcAft>
+                          <a:spcPts val="0"/>
+                        </a:spcAft>
+                        <a:buClrTx/>
+                        <a:buSzTx/>
+                        <a:buFontTx/>
+                        <a:buNone/>
+                        <a:tabLst/>
+                        <a:defRPr/>
+                      </a:pPr>
+                      <a:r>
+                        <a:rPr lang="en-IN" dirty="0" smtClean="0"/>
+                        <a:t>Template, G5</a:t>
+                      </a:r>
+                      <a:endParaRPr lang="en-GB" dirty="0" smtClean="0"/>
+                    </a:p>
+                  </a:txBody>
+                  <a:tcPr>
+                    <a:solidFill>
+                      <a:schemeClr val="accent1">
+                        <a:lumMod val="20000"/>
+                        <a:lumOff val="80000"/>
+                      </a:schemeClr>
+                    </a:solidFill>
+                  </a:tcPr>
+                </a:tc>
+                <a:tc>
+                  <a:txBody>
+                    <a:bodyPr/>
+                    <a:lstStyle/>
+                    <a:p>
+                      <a:r>
+                        <a:rPr lang="en-GB" dirty="0" smtClean="0">
+                          <a:effectLst/>
+                        </a:rPr>
+                        <a:t>0.244</a:t>
+                      </a:r>
+                      <a:endParaRPr lang="en-GB" dirty="0"/>
+                    </a:p>
+                  </a:txBody>
+                  <a:tcPr>
+                    <a:solidFill>
+                      <a:schemeClr val="accent1">
+                        <a:lumMod val="20000"/>
+                        <a:lumOff val="80000"/>
+                      </a:schemeClr>
+                    </a:solidFill>
+                  </a:tcPr>
+                </a:tc>
+                <a:tc>
+                  <a:txBody>
+                    <a:bodyPr/>
+                    <a:lstStyle/>
+                    <a:p>
+                      <a:r>
+                        <a:rPr lang="en-GB" dirty="0" smtClean="0">
+                          <a:effectLst/>
+                        </a:rPr>
+                        <a:t>0.151</a:t>
+                      </a:r>
+                      <a:endParaRPr lang="en-GB" dirty="0"/>
+                    </a:p>
+                  </a:txBody>
+                  <a:tcPr>
+                    <a:solidFill>
+                      <a:schemeClr val="accent1">
+                        <a:lumMod val="20000"/>
+                        <a:lumOff val="80000"/>
+                      </a:schemeClr>
+                    </a:solidFill>
+                  </a:tcPr>
+                </a:tc>
+                <a:tc>
+                  <a:txBody>
+                    <a:bodyPr/>
+                    <a:lstStyle/>
+                    <a:p>
+                      <a:pPr marL="0" marR="0" lvl="0" indent="0" algn="l" defTabSz="914400" rtl="0" eaLnBrk="1" fontAlgn="auto" latinLnBrk="0" hangingPunct="1">
+                        <a:lnSpc>
+                          <a:spcPct val="100000"/>
+                        </a:lnSpc>
+                        <a:spcBef>
+                          <a:spcPts val="0"/>
+                        </a:spcBef>
+                        <a:spcAft>
+                          <a:spcPts val="0"/>
+                        </a:spcAft>
+                        <a:buClrTx/>
+                        <a:buSzTx/>
+                        <a:buFontTx/>
+                        <a:buNone/>
+                        <a:tabLst/>
+                        <a:defRPr/>
+                      </a:pPr>
+                      <a:r>
+                        <a:rPr lang="en-IN" dirty="0" err="1" smtClean="0"/>
+                        <a:t>per.shape</a:t>
+                      </a:r>
+                      <a:r>
+                        <a:rPr lang="en-IN" dirty="0" smtClean="0"/>
+                        <a:t>&gt;</a:t>
+                      </a:r>
+                      <a:r>
+                        <a:rPr lang="en-IN" dirty="0" err="1" smtClean="0"/>
+                        <a:t>per.loc</a:t>
+                      </a:r>
+                      <a:r>
+                        <a:rPr lang="en-IN" dirty="0" smtClean="0"/>
+                        <a:t>&gt;</a:t>
+                      </a:r>
+                      <a:r>
+                        <a:rPr lang="en-IN" dirty="0" err="1" smtClean="0"/>
+                        <a:t>per.size</a:t>
+                      </a:r>
+                      <a:r>
+                        <a:rPr lang="en-GB" dirty="0" smtClean="0"/>
+                        <a:t>&gt;</a:t>
+                      </a:r>
+                      <a:endParaRPr lang="en-GB" dirty="0"/>
+                    </a:p>
+                  </a:txBody>
+                  <a:tcPr>
+                    <a:solidFill>
+                      <a:schemeClr val="accent1">
+                        <a:lumMod val="20000"/>
+                        <a:lumOff val="80000"/>
+                      </a:schemeClr>
+                    </a:solidFill>
+                  </a:tcPr>
+                </a:tc>
+              </a:tr>
+            </a:tbl>
+          </a:graphicData>
+        </a:graphic>
+      </p:graphicFrame>
+    </p:spTree>
+    <p:extLst>
+      <p:ext uri="{BB962C8B-B14F-4D97-AF65-F5344CB8AC3E}">
+        <p14:creationId xmlns:p14="http://schemas.microsoft.com/office/powerpoint/2010/main" val="1629006352"/>
       </p:ext>
     </p:extLst>
   </p:cSld>
